--- a/论文图片.pptx
+++ b/论文图片.pptx
@@ -2,12 +2,16 @@
 <file path=ppt/presentation.xml><?xml version="1.0" encoding="utf-8"?>
 <p:presentation xmlns:a="http://schemas.openxmlformats.org/drawingml/2006/main" xmlns:r="http://schemas.openxmlformats.org/officeDocument/2006/relationships" xmlns:p="http://schemas.openxmlformats.org/presentationml/2006/main" saveSubsetFonts="1">
   <p:sldMasterIdLst>
-    <p:sldMasterId id="2147483648" r:id="rId1"/>
+    <p:sldMasterId id="2147483660" r:id="rId1"/>
   </p:sldMasterIdLst>
   <p:sldIdLst>
     <p:sldId id="256" r:id="rId2"/>
+    <p:sldId id="257" r:id="rId3"/>
+    <p:sldId id="259" r:id="rId4"/>
+    <p:sldId id="258" r:id="rId5"/>
+    <p:sldId id="260" r:id="rId6"/>
   </p:sldIdLst>
-  <p:sldSz cx="12192000" cy="6858000"/>
+  <p:sldSz cx="9144000" cy="6858000" type="screen4x3"/>
   <p:notesSz cx="6858000" cy="9144000"/>
   <p:defaultTextStyle>
     <a:defPPr>
@@ -104,6 +108,11 @@
       </a:defRPr>
     </a:lvl9pPr>
   </p:defaultTextStyle>
+  <p:extLst>
+    <p:ext uri="{EFAFB233-063F-42B5-8137-9DF3F51BA10A}">
+      <p15:sldGuideLst xmlns:p15="http://schemas.microsoft.com/office/powerpoint/2012/main"/>
+    </p:ext>
+  </p:extLst>
 </p:presentation>
 </file>
 
@@ -126,7 +135,7 @@
       </p:grpSpPr>
       <p:sp>
         <p:nvSpPr>
-          <p:cNvPr id="2" name="标题 1"/>
+          <p:cNvPr id="2" name="Title 1"/>
           <p:cNvSpPr>
             <a:spLocks noGrp="1"/>
           </p:cNvSpPr>
@@ -136,8 +145,8 @@
         </p:nvSpPr>
         <p:spPr>
           <a:xfrm>
-            <a:off x="1524000" y="1122363"/>
-            <a:ext cx="9144000" cy="2387600"/>
+            <a:off x="685800" y="1122363"/>
+            <a:ext cx="7772400" cy="2387600"/>
           </a:xfrm>
         </p:spPr>
         <p:txBody>
@@ -152,13 +161,13 @@
               <a:rPr lang="zh-CN" altLang="en-US" smtClean="0"/>
               <a:t>单击此处编辑母版标题样式</a:t>
             </a:r>
-            <a:endParaRPr lang="zh-CN" altLang="en-US"/>
+            <a:endParaRPr lang="en-US" dirty="0"/>
           </a:p>
         </p:txBody>
       </p:sp>
       <p:sp>
         <p:nvSpPr>
-          <p:cNvPr id="3" name="副标题 2"/>
+          <p:cNvPr id="3" name="Subtitle 2"/>
           <p:cNvSpPr>
             <a:spLocks noGrp="1"/>
           </p:cNvSpPr>
@@ -168,8 +177,8 @@
         </p:nvSpPr>
         <p:spPr>
           <a:xfrm>
-            <a:off x="1524000" y="3602038"/>
-            <a:ext cx="9144000" cy="1655762"/>
+            <a:off x="1143000" y="3602038"/>
+            <a:ext cx="6858000" cy="1655762"/>
           </a:xfrm>
         </p:spPr>
         <p:txBody>
@@ -217,13 +226,13 @@
               <a:rPr lang="zh-CN" altLang="en-US" smtClean="0"/>
               <a:t>单击以编辑母版副标题样式</a:t>
             </a:r>
-            <a:endParaRPr lang="zh-CN" altLang="en-US"/>
+            <a:endParaRPr lang="en-US" dirty="0"/>
           </a:p>
         </p:txBody>
       </p:sp>
       <p:sp>
         <p:nvSpPr>
-          <p:cNvPr id="4" name="日期占位符 3"/>
+          <p:cNvPr id="4" name="Date Placeholder 3"/>
           <p:cNvSpPr>
             <a:spLocks noGrp="1"/>
           </p:cNvSpPr>
@@ -238,7 +247,7 @@
           <a:p>
             <a:fld id="{2F2BA5F0-406C-4EF6-B0AC-72C3E0BE2794}" type="datetimeFigureOut">
               <a:rPr lang="zh-CN" altLang="en-US" smtClean="0"/>
-              <a:t>2018/1/23</a:t>
+              <a:t>2018/1/24</a:t>
             </a:fld>
             <a:endParaRPr lang="zh-CN" altLang="en-US"/>
           </a:p>
@@ -246,7 +255,7 @@
       </p:sp>
       <p:sp>
         <p:nvSpPr>
-          <p:cNvPr id="5" name="页脚占位符 4"/>
+          <p:cNvPr id="5" name="Footer Placeholder 4"/>
           <p:cNvSpPr>
             <a:spLocks noGrp="1"/>
           </p:cNvSpPr>
@@ -265,7 +274,7 @@
       </p:sp>
       <p:sp>
         <p:nvSpPr>
-          <p:cNvPr id="6" name="灯片编号占位符 5"/>
+          <p:cNvPr id="6" name="Slide Number Placeholder 5"/>
           <p:cNvSpPr>
             <a:spLocks noGrp="1"/>
           </p:cNvSpPr>
@@ -289,7 +298,7 @@
     </p:spTree>
     <p:extLst>
       <p:ext uri="{BB962C8B-B14F-4D97-AF65-F5344CB8AC3E}">
-        <p14:creationId xmlns:p14="http://schemas.microsoft.com/office/powerpoint/2010/main" val="2497267423"/>
+        <p14:creationId xmlns:p14="http://schemas.microsoft.com/office/powerpoint/2010/main" val="4212666496"/>
       </p:ext>
     </p:extLst>
   </p:cSld>
@@ -318,7 +327,7 @@
       </p:grpSpPr>
       <p:sp>
         <p:nvSpPr>
-          <p:cNvPr id="2" name="标题 1"/>
+          <p:cNvPr id="2" name="Title 1"/>
           <p:cNvSpPr>
             <a:spLocks noGrp="1"/>
           </p:cNvSpPr>
@@ -335,13 +344,13 @@
               <a:rPr lang="zh-CN" altLang="en-US" smtClean="0"/>
               <a:t>单击此处编辑母版标题样式</a:t>
             </a:r>
-            <a:endParaRPr lang="zh-CN" altLang="en-US"/>
+            <a:endParaRPr lang="en-US" dirty="0"/>
           </a:p>
         </p:txBody>
       </p:sp>
       <p:sp>
         <p:nvSpPr>
-          <p:cNvPr id="3" name="竖排文字占位符 2"/>
+          <p:cNvPr id="3" name="Vertical Text Placeholder 2"/>
           <p:cNvSpPr>
             <a:spLocks noGrp="1"/>
           </p:cNvSpPr>
@@ -387,13 +396,13 @@
               <a:rPr lang="zh-CN" altLang="en-US" smtClean="0"/>
               <a:t>第五级</a:t>
             </a:r>
-            <a:endParaRPr lang="zh-CN" altLang="en-US"/>
+            <a:endParaRPr lang="en-US" dirty="0"/>
           </a:p>
         </p:txBody>
       </p:sp>
       <p:sp>
         <p:nvSpPr>
-          <p:cNvPr id="4" name="日期占位符 3"/>
+          <p:cNvPr id="4" name="Date Placeholder 3"/>
           <p:cNvSpPr>
             <a:spLocks noGrp="1"/>
           </p:cNvSpPr>
@@ -408,7 +417,7 @@
           <a:p>
             <a:fld id="{2F2BA5F0-406C-4EF6-B0AC-72C3E0BE2794}" type="datetimeFigureOut">
               <a:rPr lang="zh-CN" altLang="en-US" smtClean="0"/>
-              <a:t>2018/1/23</a:t>
+              <a:t>2018/1/24</a:t>
             </a:fld>
             <a:endParaRPr lang="zh-CN" altLang="en-US"/>
           </a:p>
@@ -416,7 +425,7 @@
       </p:sp>
       <p:sp>
         <p:nvSpPr>
-          <p:cNvPr id="5" name="页脚占位符 4"/>
+          <p:cNvPr id="5" name="Footer Placeholder 4"/>
           <p:cNvSpPr>
             <a:spLocks noGrp="1"/>
           </p:cNvSpPr>
@@ -435,7 +444,7 @@
       </p:sp>
       <p:sp>
         <p:nvSpPr>
-          <p:cNvPr id="6" name="灯片编号占位符 5"/>
+          <p:cNvPr id="6" name="Slide Number Placeholder 5"/>
           <p:cNvSpPr>
             <a:spLocks noGrp="1"/>
           </p:cNvSpPr>
@@ -459,7 +468,7 @@
     </p:spTree>
     <p:extLst>
       <p:ext uri="{BB962C8B-B14F-4D97-AF65-F5344CB8AC3E}">
-        <p14:creationId xmlns:p14="http://schemas.microsoft.com/office/powerpoint/2010/main" val="1285962594"/>
+        <p14:creationId xmlns:p14="http://schemas.microsoft.com/office/powerpoint/2010/main" val="1921693109"/>
       </p:ext>
     </p:extLst>
   </p:cSld>
@@ -488,7 +497,7 @@
       </p:grpSpPr>
       <p:sp>
         <p:nvSpPr>
-          <p:cNvPr id="2" name="竖排标题 1"/>
+          <p:cNvPr id="2" name="Vertical Title 1"/>
           <p:cNvSpPr>
             <a:spLocks noGrp="1"/>
           </p:cNvSpPr>
@@ -498,8 +507,8 @@
         </p:nvSpPr>
         <p:spPr>
           <a:xfrm>
-            <a:off x="8724900" y="365125"/>
-            <a:ext cx="2628900" cy="5811838"/>
+            <a:off x="6543675" y="365125"/>
+            <a:ext cx="1971675" cy="5811838"/>
           </a:xfrm>
         </p:spPr>
         <p:txBody>
@@ -510,13 +519,13 @@
               <a:rPr lang="zh-CN" altLang="en-US" smtClean="0"/>
               <a:t>单击此处编辑母版标题样式</a:t>
             </a:r>
-            <a:endParaRPr lang="zh-CN" altLang="en-US"/>
+            <a:endParaRPr lang="en-US" dirty="0"/>
           </a:p>
         </p:txBody>
       </p:sp>
       <p:sp>
         <p:nvSpPr>
-          <p:cNvPr id="3" name="竖排文字占位符 2"/>
+          <p:cNvPr id="3" name="Vertical Text Placeholder 2"/>
           <p:cNvSpPr>
             <a:spLocks noGrp="1"/>
           </p:cNvSpPr>
@@ -526,8 +535,8 @@
         </p:nvSpPr>
         <p:spPr>
           <a:xfrm>
-            <a:off x="838200" y="365125"/>
-            <a:ext cx="7734300" cy="5811838"/>
+            <a:off x="628650" y="365125"/>
+            <a:ext cx="5800725" cy="5811838"/>
           </a:xfrm>
         </p:spPr>
         <p:txBody>
@@ -567,13 +576,13 @@
               <a:rPr lang="zh-CN" altLang="en-US" smtClean="0"/>
               <a:t>第五级</a:t>
             </a:r>
-            <a:endParaRPr lang="zh-CN" altLang="en-US"/>
+            <a:endParaRPr lang="en-US" dirty="0"/>
           </a:p>
         </p:txBody>
       </p:sp>
       <p:sp>
         <p:nvSpPr>
-          <p:cNvPr id="4" name="日期占位符 3"/>
+          <p:cNvPr id="4" name="Date Placeholder 3"/>
           <p:cNvSpPr>
             <a:spLocks noGrp="1"/>
           </p:cNvSpPr>
@@ -588,7 +597,7 @@
           <a:p>
             <a:fld id="{2F2BA5F0-406C-4EF6-B0AC-72C3E0BE2794}" type="datetimeFigureOut">
               <a:rPr lang="zh-CN" altLang="en-US" smtClean="0"/>
-              <a:t>2018/1/23</a:t>
+              <a:t>2018/1/24</a:t>
             </a:fld>
             <a:endParaRPr lang="zh-CN" altLang="en-US"/>
           </a:p>
@@ -596,7 +605,7 @@
       </p:sp>
       <p:sp>
         <p:nvSpPr>
-          <p:cNvPr id="5" name="页脚占位符 4"/>
+          <p:cNvPr id="5" name="Footer Placeholder 4"/>
           <p:cNvSpPr>
             <a:spLocks noGrp="1"/>
           </p:cNvSpPr>
@@ -615,7 +624,7 @@
       </p:sp>
       <p:sp>
         <p:nvSpPr>
-          <p:cNvPr id="6" name="灯片编号占位符 5"/>
+          <p:cNvPr id="6" name="Slide Number Placeholder 5"/>
           <p:cNvSpPr>
             <a:spLocks noGrp="1"/>
           </p:cNvSpPr>
@@ -639,7 +648,7 @@
     </p:spTree>
     <p:extLst>
       <p:ext uri="{BB962C8B-B14F-4D97-AF65-F5344CB8AC3E}">
-        <p14:creationId xmlns:p14="http://schemas.microsoft.com/office/powerpoint/2010/main" val="2624192257"/>
+        <p14:creationId xmlns:p14="http://schemas.microsoft.com/office/powerpoint/2010/main" val="1288832263"/>
       </p:ext>
     </p:extLst>
   </p:cSld>
@@ -668,7 +677,7 @@
       </p:grpSpPr>
       <p:sp>
         <p:nvSpPr>
-          <p:cNvPr id="2" name="标题 1"/>
+          <p:cNvPr id="2" name="Title 1"/>
           <p:cNvSpPr>
             <a:spLocks noGrp="1"/>
           </p:cNvSpPr>
@@ -685,13 +694,13 @@
               <a:rPr lang="zh-CN" altLang="en-US" smtClean="0"/>
               <a:t>单击此处编辑母版标题样式</a:t>
             </a:r>
-            <a:endParaRPr lang="zh-CN" altLang="en-US"/>
+            <a:endParaRPr lang="en-US" dirty="0"/>
           </a:p>
         </p:txBody>
       </p:sp>
       <p:sp>
         <p:nvSpPr>
-          <p:cNvPr id="3" name="内容占位符 2"/>
+          <p:cNvPr id="3" name="Content Placeholder 2"/>
           <p:cNvSpPr>
             <a:spLocks noGrp="1"/>
           </p:cNvSpPr>
@@ -737,13 +746,13 @@
               <a:rPr lang="zh-CN" altLang="en-US" smtClean="0"/>
               <a:t>第五级</a:t>
             </a:r>
-            <a:endParaRPr lang="zh-CN" altLang="en-US"/>
+            <a:endParaRPr lang="en-US" dirty="0"/>
           </a:p>
         </p:txBody>
       </p:sp>
       <p:sp>
         <p:nvSpPr>
-          <p:cNvPr id="4" name="日期占位符 3"/>
+          <p:cNvPr id="4" name="Date Placeholder 3"/>
           <p:cNvSpPr>
             <a:spLocks noGrp="1"/>
           </p:cNvSpPr>
@@ -758,7 +767,7 @@
           <a:p>
             <a:fld id="{2F2BA5F0-406C-4EF6-B0AC-72C3E0BE2794}" type="datetimeFigureOut">
               <a:rPr lang="zh-CN" altLang="en-US" smtClean="0"/>
-              <a:t>2018/1/23</a:t>
+              <a:t>2018/1/24</a:t>
             </a:fld>
             <a:endParaRPr lang="zh-CN" altLang="en-US"/>
           </a:p>
@@ -766,7 +775,7 @@
       </p:sp>
       <p:sp>
         <p:nvSpPr>
-          <p:cNvPr id="5" name="页脚占位符 4"/>
+          <p:cNvPr id="5" name="Footer Placeholder 4"/>
           <p:cNvSpPr>
             <a:spLocks noGrp="1"/>
           </p:cNvSpPr>
@@ -785,7 +794,7 @@
       </p:sp>
       <p:sp>
         <p:nvSpPr>
-          <p:cNvPr id="6" name="灯片编号占位符 5"/>
+          <p:cNvPr id="6" name="Slide Number Placeholder 5"/>
           <p:cNvSpPr>
             <a:spLocks noGrp="1"/>
           </p:cNvSpPr>
@@ -809,7 +818,7 @@
     </p:spTree>
     <p:extLst>
       <p:ext uri="{BB962C8B-B14F-4D97-AF65-F5344CB8AC3E}">
-        <p14:creationId xmlns:p14="http://schemas.microsoft.com/office/powerpoint/2010/main" val="1621172057"/>
+        <p14:creationId xmlns:p14="http://schemas.microsoft.com/office/powerpoint/2010/main" val="4197725315"/>
       </p:ext>
     </p:extLst>
   </p:cSld>
@@ -838,7 +847,7 @@
       </p:grpSpPr>
       <p:sp>
         <p:nvSpPr>
-          <p:cNvPr id="2" name="标题 1"/>
+          <p:cNvPr id="2" name="Title 1"/>
           <p:cNvSpPr>
             <a:spLocks noGrp="1"/>
           </p:cNvSpPr>
@@ -848,8 +857,8 @@
         </p:nvSpPr>
         <p:spPr>
           <a:xfrm>
-            <a:off x="831850" y="1709738"/>
-            <a:ext cx="10515600" cy="2852737"/>
+            <a:off x="623888" y="1709739"/>
+            <a:ext cx="7886700" cy="2852737"/>
           </a:xfrm>
         </p:spPr>
         <p:txBody>
@@ -864,13 +873,13 @@
               <a:rPr lang="zh-CN" altLang="en-US" smtClean="0"/>
               <a:t>单击此处编辑母版标题样式</a:t>
             </a:r>
-            <a:endParaRPr lang="zh-CN" altLang="en-US"/>
+            <a:endParaRPr lang="en-US" dirty="0"/>
           </a:p>
         </p:txBody>
       </p:sp>
       <p:sp>
         <p:nvSpPr>
-          <p:cNvPr id="3" name="文本占位符 2"/>
+          <p:cNvPr id="3" name="Text Placeholder 2"/>
           <p:cNvSpPr>
             <a:spLocks noGrp="1"/>
           </p:cNvSpPr>
@@ -880,8 +889,8 @@
         </p:nvSpPr>
         <p:spPr>
           <a:xfrm>
-            <a:off x="831850" y="4589463"/>
-            <a:ext cx="10515600" cy="1500187"/>
+            <a:off x="623888" y="4589464"/>
+            <a:ext cx="7886700" cy="1500187"/>
           </a:xfrm>
         </p:spPr>
         <p:txBody>
@@ -891,9 +900,7 @@
               <a:buNone/>
               <a:defRPr sz="2400">
                 <a:solidFill>
-                  <a:schemeClr val="tx1">
-                    <a:tint val="75000"/>
-                  </a:schemeClr>
+                  <a:schemeClr val="tx1"/>
                 </a:solidFill>
               </a:defRPr>
             </a:lvl1pPr>
@@ -989,7 +996,7 @@
       </p:sp>
       <p:sp>
         <p:nvSpPr>
-          <p:cNvPr id="4" name="日期占位符 3"/>
+          <p:cNvPr id="4" name="Date Placeholder 3"/>
           <p:cNvSpPr>
             <a:spLocks noGrp="1"/>
           </p:cNvSpPr>
@@ -1004,7 +1011,7 @@
           <a:p>
             <a:fld id="{2F2BA5F0-406C-4EF6-B0AC-72C3E0BE2794}" type="datetimeFigureOut">
               <a:rPr lang="zh-CN" altLang="en-US" smtClean="0"/>
-              <a:t>2018/1/23</a:t>
+              <a:t>2018/1/24</a:t>
             </a:fld>
             <a:endParaRPr lang="zh-CN" altLang="en-US"/>
           </a:p>
@@ -1012,7 +1019,7 @@
       </p:sp>
       <p:sp>
         <p:nvSpPr>
-          <p:cNvPr id="5" name="页脚占位符 4"/>
+          <p:cNvPr id="5" name="Footer Placeholder 4"/>
           <p:cNvSpPr>
             <a:spLocks noGrp="1"/>
           </p:cNvSpPr>
@@ -1031,7 +1038,7 @@
       </p:sp>
       <p:sp>
         <p:nvSpPr>
-          <p:cNvPr id="6" name="灯片编号占位符 5"/>
+          <p:cNvPr id="6" name="Slide Number Placeholder 5"/>
           <p:cNvSpPr>
             <a:spLocks noGrp="1"/>
           </p:cNvSpPr>
@@ -1055,7 +1062,7 @@
     </p:spTree>
     <p:extLst>
       <p:ext uri="{BB962C8B-B14F-4D97-AF65-F5344CB8AC3E}">
-        <p14:creationId xmlns:p14="http://schemas.microsoft.com/office/powerpoint/2010/main" val="4059706424"/>
+        <p14:creationId xmlns:p14="http://schemas.microsoft.com/office/powerpoint/2010/main" val="1627074359"/>
       </p:ext>
     </p:extLst>
   </p:cSld>
@@ -1084,7 +1091,7 @@
       </p:grpSpPr>
       <p:sp>
         <p:nvSpPr>
-          <p:cNvPr id="2" name="标题 1"/>
+          <p:cNvPr id="2" name="Title 1"/>
           <p:cNvSpPr>
             <a:spLocks noGrp="1"/>
           </p:cNvSpPr>
@@ -1101,13 +1108,13 @@
               <a:rPr lang="zh-CN" altLang="en-US" smtClean="0"/>
               <a:t>单击此处编辑母版标题样式</a:t>
             </a:r>
-            <a:endParaRPr lang="zh-CN" altLang="en-US"/>
+            <a:endParaRPr lang="en-US" dirty="0"/>
           </a:p>
         </p:txBody>
       </p:sp>
       <p:sp>
         <p:nvSpPr>
-          <p:cNvPr id="3" name="内容占位符 2"/>
+          <p:cNvPr id="3" name="Content Placeholder 2"/>
           <p:cNvSpPr>
             <a:spLocks noGrp="1"/>
           </p:cNvSpPr>
@@ -1117,8 +1124,8 @@
         </p:nvSpPr>
         <p:spPr>
           <a:xfrm>
-            <a:off x="838200" y="1825625"/>
-            <a:ext cx="5181600" cy="4351338"/>
+            <a:off x="628650" y="1825625"/>
+            <a:ext cx="3886200" cy="4351338"/>
           </a:xfrm>
         </p:spPr>
         <p:txBody>
@@ -1158,13 +1165,13 @@
               <a:rPr lang="zh-CN" altLang="en-US" smtClean="0"/>
               <a:t>第五级</a:t>
             </a:r>
-            <a:endParaRPr lang="zh-CN" altLang="en-US"/>
+            <a:endParaRPr lang="en-US" dirty="0"/>
           </a:p>
         </p:txBody>
       </p:sp>
       <p:sp>
         <p:nvSpPr>
-          <p:cNvPr id="4" name="内容占位符 3"/>
+          <p:cNvPr id="4" name="Content Placeholder 3"/>
           <p:cNvSpPr>
             <a:spLocks noGrp="1"/>
           </p:cNvSpPr>
@@ -1174,8 +1181,8 @@
         </p:nvSpPr>
         <p:spPr>
           <a:xfrm>
-            <a:off x="6172200" y="1825625"/>
-            <a:ext cx="5181600" cy="4351338"/>
+            <a:off x="4629150" y="1825625"/>
+            <a:ext cx="3886200" cy="4351338"/>
           </a:xfrm>
         </p:spPr>
         <p:txBody>
@@ -1215,13 +1222,13 @@
               <a:rPr lang="zh-CN" altLang="en-US" smtClean="0"/>
               <a:t>第五级</a:t>
             </a:r>
-            <a:endParaRPr lang="zh-CN" altLang="en-US"/>
+            <a:endParaRPr lang="en-US" dirty="0"/>
           </a:p>
         </p:txBody>
       </p:sp>
       <p:sp>
         <p:nvSpPr>
-          <p:cNvPr id="5" name="日期占位符 4"/>
+          <p:cNvPr id="5" name="Date Placeholder 4"/>
           <p:cNvSpPr>
             <a:spLocks noGrp="1"/>
           </p:cNvSpPr>
@@ -1236,7 +1243,7 @@
           <a:p>
             <a:fld id="{2F2BA5F0-406C-4EF6-B0AC-72C3E0BE2794}" type="datetimeFigureOut">
               <a:rPr lang="zh-CN" altLang="en-US" smtClean="0"/>
-              <a:t>2018/1/23</a:t>
+              <a:t>2018/1/24</a:t>
             </a:fld>
             <a:endParaRPr lang="zh-CN" altLang="en-US"/>
           </a:p>
@@ -1244,7 +1251,7 @@
       </p:sp>
       <p:sp>
         <p:nvSpPr>
-          <p:cNvPr id="6" name="页脚占位符 5"/>
+          <p:cNvPr id="6" name="Footer Placeholder 5"/>
           <p:cNvSpPr>
             <a:spLocks noGrp="1"/>
           </p:cNvSpPr>
@@ -1263,7 +1270,7 @@
       </p:sp>
       <p:sp>
         <p:nvSpPr>
-          <p:cNvPr id="7" name="灯片编号占位符 6"/>
+          <p:cNvPr id="7" name="Slide Number Placeholder 6"/>
           <p:cNvSpPr>
             <a:spLocks noGrp="1"/>
           </p:cNvSpPr>
@@ -1287,7 +1294,7 @@
     </p:spTree>
     <p:extLst>
       <p:ext uri="{BB962C8B-B14F-4D97-AF65-F5344CB8AC3E}">
-        <p14:creationId xmlns:p14="http://schemas.microsoft.com/office/powerpoint/2010/main" val="601222677"/>
+        <p14:creationId xmlns:p14="http://schemas.microsoft.com/office/powerpoint/2010/main" val="1791186184"/>
       </p:ext>
     </p:extLst>
   </p:cSld>
@@ -1316,7 +1323,7 @@
       </p:grpSpPr>
       <p:sp>
         <p:nvSpPr>
-          <p:cNvPr id="2" name="标题 1"/>
+          <p:cNvPr id="2" name="Title 1"/>
           <p:cNvSpPr>
             <a:spLocks noGrp="1"/>
           </p:cNvSpPr>
@@ -1326,8 +1333,8 @@
         </p:nvSpPr>
         <p:spPr>
           <a:xfrm>
-            <a:off x="839788" y="365125"/>
-            <a:ext cx="10515600" cy="1325563"/>
+            <a:off x="629841" y="365126"/>
+            <a:ext cx="7886700" cy="1325563"/>
           </a:xfrm>
         </p:spPr>
         <p:txBody>
@@ -1338,13 +1345,13 @@
               <a:rPr lang="zh-CN" altLang="en-US" smtClean="0"/>
               <a:t>单击此处编辑母版标题样式</a:t>
             </a:r>
-            <a:endParaRPr lang="zh-CN" altLang="en-US"/>
+            <a:endParaRPr lang="en-US" dirty="0"/>
           </a:p>
         </p:txBody>
       </p:sp>
       <p:sp>
         <p:nvSpPr>
-          <p:cNvPr id="3" name="文本占位符 2"/>
+          <p:cNvPr id="3" name="Text Placeholder 2"/>
           <p:cNvSpPr>
             <a:spLocks noGrp="1"/>
           </p:cNvSpPr>
@@ -1354,8 +1361,8 @@
         </p:nvSpPr>
         <p:spPr>
           <a:xfrm>
-            <a:off x="839788" y="1681163"/>
-            <a:ext cx="5157787" cy="823912"/>
+            <a:off x="629842" y="1681163"/>
+            <a:ext cx="3868340" cy="823912"/>
           </a:xfrm>
         </p:spPr>
         <p:txBody>
@@ -1409,7 +1416,7 @@
       </p:sp>
       <p:sp>
         <p:nvSpPr>
-          <p:cNvPr id="4" name="内容占位符 3"/>
+          <p:cNvPr id="4" name="Content Placeholder 3"/>
           <p:cNvSpPr>
             <a:spLocks noGrp="1"/>
           </p:cNvSpPr>
@@ -1419,8 +1426,8 @@
         </p:nvSpPr>
         <p:spPr>
           <a:xfrm>
-            <a:off x="839788" y="2505075"/>
-            <a:ext cx="5157787" cy="3684588"/>
+            <a:off x="629842" y="2505075"/>
+            <a:ext cx="3868340" cy="3684588"/>
           </a:xfrm>
         </p:spPr>
         <p:txBody>
@@ -1460,13 +1467,13 @@
               <a:rPr lang="zh-CN" altLang="en-US" smtClean="0"/>
               <a:t>第五级</a:t>
             </a:r>
-            <a:endParaRPr lang="zh-CN" altLang="en-US"/>
+            <a:endParaRPr lang="en-US" dirty="0"/>
           </a:p>
         </p:txBody>
       </p:sp>
       <p:sp>
         <p:nvSpPr>
-          <p:cNvPr id="5" name="文本占位符 4"/>
+          <p:cNvPr id="5" name="Text Placeholder 4"/>
           <p:cNvSpPr>
             <a:spLocks noGrp="1"/>
           </p:cNvSpPr>
@@ -1476,8 +1483,8 @@
         </p:nvSpPr>
         <p:spPr>
           <a:xfrm>
-            <a:off x="6172200" y="1681163"/>
-            <a:ext cx="5183188" cy="823912"/>
+            <a:off x="4629150" y="1681163"/>
+            <a:ext cx="3887391" cy="823912"/>
           </a:xfrm>
         </p:spPr>
         <p:txBody>
@@ -1531,7 +1538,7 @@
       </p:sp>
       <p:sp>
         <p:nvSpPr>
-          <p:cNvPr id="6" name="内容占位符 5"/>
+          <p:cNvPr id="6" name="Content Placeholder 5"/>
           <p:cNvSpPr>
             <a:spLocks noGrp="1"/>
           </p:cNvSpPr>
@@ -1541,8 +1548,8 @@
         </p:nvSpPr>
         <p:spPr>
           <a:xfrm>
-            <a:off x="6172200" y="2505075"/>
-            <a:ext cx="5183188" cy="3684588"/>
+            <a:off x="4629150" y="2505075"/>
+            <a:ext cx="3887391" cy="3684588"/>
           </a:xfrm>
         </p:spPr>
         <p:txBody>
@@ -1582,13 +1589,13 @@
               <a:rPr lang="zh-CN" altLang="en-US" smtClean="0"/>
               <a:t>第五级</a:t>
             </a:r>
-            <a:endParaRPr lang="zh-CN" altLang="en-US"/>
+            <a:endParaRPr lang="en-US" dirty="0"/>
           </a:p>
         </p:txBody>
       </p:sp>
       <p:sp>
         <p:nvSpPr>
-          <p:cNvPr id="7" name="日期占位符 6"/>
+          <p:cNvPr id="7" name="Date Placeholder 6"/>
           <p:cNvSpPr>
             <a:spLocks noGrp="1"/>
           </p:cNvSpPr>
@@ -1603,7 +1610,7 @@
           <a:p>
             <a:fld id="{2F2BA5F0-406C-4EF6-B0AC-72C3E0BE2794}" type="datetimeFigureOut">
               <a:rPr lang="zh-CN" altLang="en-US" smtClean="0"/>
-              <a:t>2018/1/23</a:t>
+              <a:t>2018/1/24</a:t>
             </a:fld>
             <a:endParaRPr lang="zh-CN" altLang="en-US"/>
           </a:p>
@@ -1611,7 +1618,7 @@
       </p:sp>
       <p:sp>
         <p:nvSpPr>
-          <p:cNvPr id="8" name="页脚占位符 7"/>
+          <p:cNvPr id="8" name="Footer Placeholder 7"/>
           <p:cNvSpPr>
             <a:spLocks noGrp="1"/>
           </p:cNvSpPr>
@@ -1630,7 +1637,7 @@
       </p:sp>
       <p:sp>
         <p:nvSpPr>
-          <p:cNvPr id="9" name="灯片编号占位符 8"/>
+          <p:cNvPr id="9" name="Slide Number Placeholder 8"/>
           <p:cNvSpPr>
             <a:spLocks noGrp="1"/>
           </p:cNvSpPr>
@@ -1654,7 +1661,7 @@
     </p:spTree>
     <p:extLst>
       <p:ext uri="{BB962C8B-B14F-4D97-AF65-F5344CB8AC3E}">
-        <p14:creationId xmlns:p14="http://schemas.microsoft.com/office/powerpoint/2010/main" val="3818447753"/>
+        <p14:creationId xmlns:p14="http://schemas.microsoft.com/office/powerpoint/2010/main" val="3779334976"/>
       </p:ext>
     </p:extLst>
   </p:cSld>
@@ -1683,7 +1690,7 @@
       </p:grpSpPr>
       <p:sp>
         <p:nvSpPr>
-          <p:cNvPr id="2" name="标题 1"/>
+          <p:cNvPr id="2" name="Title 1"/>
           <p:cNvSpPr>
             <a:spLocks noGrp="1"/>
           </p:cNvSpPr>
@@ -1700,13 +1707,13 @@
               <a:rPr lang="zh-CN" altLang="en-US" smtClean="0"/>
               <a:t>单击此处编辑母版标题样式</a:t>
             </a:r>
-            <a:endParaRPr lang="zh-CN" altLang="en-US"/>
+            <a:endParaRPr lang="en-US" dirty="0"/>
           </a:p>
         </p:txBody>
       </p:sp>
       <p:sp>
         <p:nvSpPr>
-          <p:cNvPr id="3" name="日期占位符 2"/>
+          <p:cNvPr id="3" name="Date Placeholder 2"/>
           <p:cNvSpPr>
             <a:spLocks noGrp="1"/>
           </p:cNvSpPr>
@@ -1721,7 +1728,7 @@
           <a:p>
             <a:fld id="{2F2BA5F0-406C-4EF6-B0AC-72C3E0BE2794}" type="datetimeFigureOut">
               <a:rPr lang="zh-CN" altLang="en-US" smtClean="0"/>
-              <a:t>2018/1/23</a:t>
+              <a:t>2018/1/24</a:t>
             </a:fld>
             <a:endParaRPr lang="zh-CN" altLang="en-US"/>
           </a:p>
@@ -1729,7 +1736,7 @@
       </p:sp>
       <p:sp>
         <p:nvSpPr>
-          <p:cNvPr id="4" name="页脚占位符 3"/>
+          <p:cNvPr id="4" name="Footer Placeholder 3"/>
           <p:cNvSpPr>
             <a:spLocks noGrp="1"/>
           </p:cNvSpPr>
@@ -1748,7 +1755,7 @@
       </p:sp>
       <p:sp>
         <p:nvSpPr>
-          <p:cNvPr id="5" name="灯片编号占位符 4"/>
+          <p:cNvPr id="5" name="Slide Number Placeholder 4"/>
           <p:cNvSpPr>
             <a:spLocks noGrp="1"/>
           </p:cNvSpPr>
@@ -1772,7 +1779,7 @@
     </p:spTree>
     <p:extLst>
       <p:ext uri="{BB962C8B-B14F-4D97-AF65-F5344CB8AC3E}">
-        <p14:creationId xmlns:p14="http://schemas.microsoft.com/office/powerpoint/2010/main" val="2258125533"/>
+        <p14:creationId xmlns:p14="http://schemas.microsoft.com/office/powerpoint/2010/main" val="1404890690"/>
       </p:ext>
     </p:extLst>
   </p:cSld>
@@ -1801,7 +1808,7 @@
       </p:grpSpPr>
       <p:sp>
         <p:nvSpPr>
-          <p:cNvPr id="2" name="日期占位符 1"/>
+          <p:cNvPr id="2" name="Date Placeholder 1"/>
           <p:cNvSpPr>
             <a:spLocks noGrp="1"/>
           </p:cNvSpPr>
@@ -1816,7 +1823,7 @@
           <a:p>
             <a:fld id="{2F2BA5F0-406C-4EF6-B0AC-72C3E0BE2794}" type="datetimeFigureOut">
               <a:rPr lang="zh-CN" altLang="en-US" smtClean="0"/>
-              <a:t>2018/1/23</a:t>
+              <a:t>2018/1/24</a:t>
             </a:fld>
             <a:endParaRPr lang="zh-CN" altLang="en-US"/>
           </a:p>
@@ -1824,7 +1831,7 @@
       </p:sp>
       <p:sp>
         <p:nvSpPr>
-          <p:cNvPr id="3" name="页脚占位符 2"/>
+          <p:cNvPr id="3" name="Footer Placeholder 2"/>
           <p:cNvSpPr>
             <a:spLocks noGrp="1"/>
           </p:cNvSpPr>
@@ -1843,7 +1850,7 @@
       </p:sp>
       <p:sp>
         <p:nvSpPr>
-          <p:cNvPr id="4" name="灯片编号占位符 3"/>
+          <p:cNvPr id="4" name="Slide Number Placeholder 3"/>
           <p:cNvSpPr>
             <a:spLocks noGrp="1"/>
           </p:cNvSpPr>
@@ -1867,7 +1874,7 @@
     </p:spTree>
     <p:extLst>
       <p:ext uri="{BB962C8B-B14F-4D97-AF65-F5344CB8AC3E}">
-        <p14:creationId xmlns:p14="http://schemas.microsoft.com/office/powerpoint/2010/main" val="2530374947"/>
+        <p14:creationId xmlns:p14="http://schemas.microsoft.com/office/powerpoint/2010/main" val="2404283738"/>
       </p:ext>
     </p:extLst>
   </p:cSld>
@@ -1896,7 +1903,7 @@
       </p:grpSpPr>
       <p:sp>
         <p:nvSpPr>
-          <p:cNvPr id="2" name="标题 1"/>
+          <p:cNvPr id="2" name="Title 1"/>
           <p:cNvSpPr>
             <a:spLocks noGrp="1"/>
           </p:cNvSpPr>
@@ -1906,8 +1913,8 @@
         </p:nvSpPr>
         <p:spPr>
           <a:xfrm>
-            <a:off x="839788" y="457200"/>
-            <a:ext cx="3932237" cy="1600200"/>
+            <a:off x="629841" y="457200"/>
+            <a:ext cx="2949178" cy="1600200"/>
           </a:xfrm>
         </p:spPr>
         <p:txBody>
@@ -1922,13 +1929,13 @@
               <a:rPr lang="zh-CN" altLang="en-US" smtClean="0"/>
               <a:t>单击此处编辑母版标题样式</a:t>
             </a:r>
-            <a:endParaRPr lang="zh-CN" altLang="en-US"/>
+            <a:endParaRPr lang="en-US" dirty="0"/>
           </a:p>
         </p:txBody>
       </p:sp>
       <p:sp>
         <p:nvSpPr>
-          <p:cNvPr id="3" name="内容占位符 2"/>
+          <p:cNvPr id="3" name="Content Placeholder 2"/>
           <p:cNvSpPr>
             <a:spLocks noGrp="1"/>
           </p:cNvSpPr>
@@ -1938,8 +1945,8 @@
         </p:nvSpPr>
         <p:spPr>
           <a:xfrm>
-            <a:off x="5183188" y="987425"/>
-            <a:ext cx="6172200" cy="4873625"/>
+            <a:off x="3887391" y="987426"/>
+            <a:ext cx="4629150" cy="4873625"/>
           </a:xfrm>
         </p:spPr>
         <p:txBody>
@@ -2007,13 +2014,13 @@
               <a:rPr lang="zh-CN" altLang="en-US" smtClean="0"/>
               <a:t>第五级</a:t>
             </a:r>
-            <a:endParaRPr lang="zh-CN" altLang="en-US"/>
+            <a:endParaRPr lang="en-US" dirty="0"/>
           </a:p>
         </p:txBody>
       </p:sp>
       <p:sp>
         <p:nvSpPr>
-          <p:cNvPr id="4" name="文本占位符 3"/>
+          <p:cNvPr id="4" name="Text Placeholder 3"/>
           <p:cNvSpPr>
             <a:spLocks noGrp="1"/>
           </p:cNvSpPr>
@@ -2023,8 +2030,8 @@
         </p:nvSpPr>
         <p:spPr>
           <a:xfrm>
-            <a:off x="839788" y="2057400"/>
-            <a:ext cx="3932237" cy="3811588"/>
+            <a:off x="629841" y="2057400"/>
+            <a:ext cx="2949178" cy="3811588"/>
           </a:xfrm>
         </p:spPr>
         <p:txBody>
@@ -2078,7 +2085,7 @@
       </p:sp>
       <p:sp>
         <p:nvSpPr>
-          <p:cNvPr id="5" name="日期占位符 4"/>
+          <p:cNvPr id="5" name="Date Placeholder 4"/>
           <p:cNvSpPr>
             <a:spLocks noGrp="1"/>
           </p:cNvSpPr>
@@ -2093,7 +2100,7 @@
           <a:p>
             <a:fld id="{2F2BA5F0-406C-4EF6-B0AC-72C3E0BE2794}" type="datetimeFigureOut">
               <a:rPr lang="zh-CN" altLang="en-US" smtClean="0"/>
-              <a:t>2018/1/23</a:t>
+              <a:t>2018/1/24</a:t>
             </a:fld>
             <a:endParaRPr lang="zh-CN" altLang="en-US"/>
           </a:p>
@@ -2101,7 +2108,7 @@
       </p:sp>
       <p:sp>
         <p:nvSpPr>
-          <p:cNvPr id="6" name="页脚占位符 5"/>
+          <p:cNvPr id="6" name="Footer Placeholder 5"/>
           <p:cNvSpPr>
             <a:spLocks noGrp="1"/>
           </p:cNvSpPr>
@@ -2120,7 +2127,7 @@
       </p:sp>
       <p:sp>
         <p:nvSpPr>
-          <p:cNvPr id="7" name="灯片编号占位符 6"/>
+          <p:cNvPr id="7" name="Slide Number Placeholder 6"/>
           <p:cNvSpPr>
             <a:spLocks noGrp="1"/>
           </p:cNvSpPr>
@@ -2144,7 +2151,7 @@
     </p:spTree>
     <p:extLst>
       <p:ext uri="{BB962C8B-B14F-4D97-AF65-F5344CB8AC3E}">
-        <p14:creationId xmlns:p14="http://schemas.microsoft.com/office/powerpoint/2010/main" val="668094125"/>
+        <p14:creationId xmlns:p14="http://schemas.microsoft.com/office/powerpoint/2010/main" val="2661813680"/>
       </p:ext>
     </p:extLst>
   </p:cSld>
@@ -2173,7 +2180,7 @@
       </p:grpSpPr>
       <p:sp>
         <p:nvSpPr>
-          <p:cNvPr id="2" name="标题 1"/>
+          <p:cNvPr id="2" name="Title 1"/>
           <p:cNvSpPr>
             <a:spLocks noGrp="1"/>
           </p:cNvSpPr>
@@ -2183,8 +2190,8 @@
         </p:nvSpPr>
         <p:spPr>
           <a:xfrm>
-            <a:off x="839788" y="457200"/>
-            <a:ext cx="3932237" cy="1600200"/>
+            <a:off x="629841" y="457200"/>
+            <a:ext cx="2949178" cy="1600200"/>
           </a:xfrm>
         </p:spPr>
         <p:txBody>
@@ -2199,15 +2206,15 @@
               <a:rPr lang="zh-CN" altLang="en-US" smtClean="0"/>
               <a:t>单击此处编辑母版标题样式</a:t>
             </a:r>
-            <a:endParaRPr lang="zh-CN" altLang="en-US"/>
+            <a:endParaRPr lang="en-US" dirty="0"/>
           </a:p>
         </p:txBody>
       </p:sp>
       <p:sp>
         <p:nvSpPr>
-          <p:cNvPr id="3" name="图片占位符 2"/>
+          <p:cNvPr id="3" name="Picture Placeholder 2"/>
           <p:cNvSpPr>
-            <a:spLocks noGrp="1"/>
+            <a:spLocks noGrp="1" noChangeAspect="1"/>
           </p:cNvSpPr>
           <p:nvPr>
             <p:ph type="pic" idx="1"/>
@@ -2215,12 +2222,12 @@
         </p:nvSpPr>
         <p:spPr>
           <a:xfrm>
-            <a:off x="5183188" y="987425"/>
-            <a:ext cx="6172200" cy="4873625"/>
+            <a:off x="3887391" y="987426"/>
+            <a:ext cx="4629150" cy="4873625"/>
           </a:xfrm>
         </p:spPr>
         <p:txBody>
-          <a:bodyPr/>
+          <a:bodyPr anchor="t"/>
           <a:lstStyle>
             <a:lvl1pPr marL="0" indent="0">
               <a:buNone/>
@@ -2260,13 +2267,17 @@
             </a:lvl9pPr>
           </a:lstStyle>
           <a:p>
-            <a:endParaRPr lang="zh-CN" altLang="en-US"/>
+            <a:r>
+              <a:rPr lang="zh-CN" altLang="en-US" smtClean="0"/>
+              <a:t>单击图标添加图片</a:t>
+            </a:r>
+            <a:endParaRPr lang="en-US" dirty="0"/>
           </a:p>
         </p:txBody>
       </p:sp>
       <p:sp>
         <p:nvSpPr>
-          <p:cNvPr id="4" name="文本占位符 3"/>
+          <p:cNvPr id="4" name="Text Placeholder 3"/>
           <p:cNvSpPr>
             <a:spLocks noGrp="1"/>
           </p:cNvSpPr>
@@ -2276,8 +2287,8 @@
         </p:nvSpPr>
         <p:spPr>
           <a:xfrm>
-            <a:off x="839788" y="2057400"/>
-            <a:ext cx="3932237" cy="3811588"/>
+            <a:off x="629841" y="2057400"/>
+            <a:ext cx="2949178" cy="3811588"/>
           </a:xfrm>
         </p:spPr>
         <p:txBody>
@@ -2331,7 +2342,7 @@
       </p:sp>
       <p:sp>
         <p:nvSpPr>
-          <p:cNvPr id="5" name="日期占位符 4"/>
+          <p:cNvPr id="5" name="Date Placeholder 4"/>
           <p:cNvSpPr>
             <a:spLocks noGrp="1"/>
           </p:cNvSpPr>
@@ -2346,7 +2357,7 @@
           <a:p>
             <a:fld id="{2F2BA5F0-406C-4EF6-B0AC-72C3E0BE2794}" type="datetimeFigureOut">
               <a:rPr lang="zh-CN" altLang="en-US" smtClean="0"/>
-              <a:t>2018/1/23</a:t>
+              <a:t>2018/1/24</a:t>
             </a:fld>
             <a:endParaRPr lang="zh-CN" altLang="en-US"/>
           </a:p>
@@ -2354,7 +2365,7 @@
       </p:sp>
       <p:sp>
         <p:nvSpPr>
-          <p:cNvPr id="6" name="页脚占位符 5"/>
+          <p:cNvPr id="6" name="Footer Placeholder 5"/>
           <p:cNvSpPr>
             <a:spLocks noGrp="1"/>
           </p:cNvSpPr>
@@ -2373,7 +2384,7 @@
       </p:sp>
       <p:sp>
         <p:nvSpPr>
-          <p:cNvPr id="7" name="灯片编号占位符 6"/>
+          <p:cNvPr id="7" name="Slide Number Placeholder 6"/>
           <p:cNvSpPr>
             <a:spLocks noGrp="1"/>
           </p:cNvSpPr>
@@ -2397,7 +2408,7 @@
     </p:spTree>
     <p:extLst>
       <p:ext uri="{BB962C8B-B14F-4D97-AF65-F5344CB8AC3E}">
-        <p14:creationId xmlns:p14="http://schemas.microsoft.com/office/powerpoint/2010/main" val="1515371814"/>
+        <p14:creationId xmlns:p14="http://schemas.microsoft.com/office/powerpoint/2010/main" val="3211769207"/>
       </p:ext>
     </p:extLst>
   </p:cSld>
@@ -2431,7 +2442,7 @@
       </p:grpSpPr>
       <p:sp>
         <p:nvSpPr>
-          <p:cNvPr id="2" name="标题占位符 1"/>
+          <p:cNvPr id="2" name="Title Placeholder 1"/>
           <p:cNvSpPr>
             <a:spLocks noGrp="1"/>
           </p:cNvSpPr>
@@ -2441,8 +2452,8 @@
         </p:nvSpPr>
         <p:spPr>
           <a:xfrm>
-            <a:off x="838200" y="365125"/>
-            <a:ext cx="10515600" cy="1325563"/>
+            <a:off x="628650" y="365126"/>
+            <a:ext cx="7886700" cy="1325563"/>
           </a:xfrm>
           <a:prstGeom prst="rect">
             <a:avLst/>
@@ -2458,13 +2469,13 @@
               <a:rPr lang="zh-CN" altLang="en-US" smtClean="0"/>
               <a:t>单击此处编辑母版标题样式</a:t>
             </a:r>
-            <a:endParaRPr lang="zh-CN" altLang="en-US"/>
+            <a:endParaRPr lang="en-US" dirty="0"/>
           </a:p>
         </p:txBody>
       </p:sp>
       <p:sp>
         <p:nvSpPr>
-          <p:cNvPr id="3" name="文本占位符 2"/>
+          <p:cNvPr id="3" name="Text Placeholder 2"/>
           <p:cNvSpPr>
             <a:spLocks noGrp="1"/>
           </p:cNvSpPr>
@@ -2474,8 +2485,8 @@
         </p:nvSpPr>
         <p:spPr>
           <a:xfrm>
-            <a:off x="838200" y="1825625"/>
-            <a:ext cx="10515600" cy="4351338"/>
+            <a:off x="628650" y="1825625"/>
+            <a:ext cx="7886700" cy="4351338"/>
           </a:xfrm>
           <a:prstGeom prst="rect">
             <a:avLst/>
@@ -2520,13 +2531,13 @@
               <a:rPr lang="zh-CN" altLang="en-US" smtClean="0"/>
               <a:t>第五级</a:t>
             </a:r>
-            <a:endParaRPr lang="zh-CN" altLang="en-US"/>
+            <a:endParaRPr lang="en-US" dirty="0"/>
           </a:p>
         </p:txBody>
       </p:sp>
       <p:sp>
         <p:nvSpPr>
-          <p:cNvPr id="4" name="日期占位符 3"/>
+          <p:cNvPr id="4" name="Date Placeholder 3"/>
           <p:cNvSpPr>
             <a:spLocks noGrp="1"/>
           </p:cNvSpPr>
@@ -2536,8 +2547,8 @@
         </p:nvSpPr>
         <p:spPr>
           <a:xfrm>
-            <a:off x="838200" y="6356350"/>
-            <a:ext cx="2743200" cy="365125"/>
+            <a:off x="628650" y="6356351"/>
+            <a:ext cx="2057400" cy="365125"/>
           </a:xfrm>
           <a:prstGeom prst="rect">
             <a:avLst/>
@@ -2559,7 +2570,7 @@
           <a:p>
             <a:fld id="{2F2BA5F0-406C-4EF6-B0AC-72C3E0BE2794}" type="datetimeFigureOut">
               <a:rPr lang="zh-CN" altLang="en-US" smtClean="0"/>
-              <a:t>2018/1/23</a:t>
+              <a:t>2018/1/24</a:t>
             </a:fld>
             <a:endParaRPr lang="zh-CN" altLang="en-US"/>
           </a:p>
@@ -2567,7 +2578,7 @@
       </p:sp>
       <p:sp>
         <p:nvSpPr>
-          <p:cNvPr id="5" name="页脚占位符 4"/>
+          <p:cNvPr id="5" name="Footer Placeholder 4"/>
           <p:cNvSpPr>
             <a:spLocks noGrp="1"/>
           </p:cNvSpPr>
@@ -2577,8 +2588,8 @@
         </p:nvSpPr>
         <p:spPr>
           <a:xfrm>
-            <a:off x="4038600" y="6356350"/>
-            <a:ext cx="4114800" cy="365125"/>
+            <a:off x="3028950" y="6356351"/>
+            <a:ext cx="3086100" cy="365125"/>
           </a:xfrm>
           <a:prstGeom prst="rect">
             <a:avLst/>
@@ -2604,7 +2615,7 @@
       </p:sp>
       <p:sp>
         <p:nvSpPr>
-          <p:cNvPr id="6" name="灯片编号占位符 5"/>
+          <p:cNvPr id="6" name="Slide Number Placeholder 5"/>
           <p:cNvSpPr>
             <a:spLocks noGrp="1"/>
           </p:cNvSpPr>
@@ -2614,8 +2625,8 @@
         </p:nvSpPr>
         <p:spPr>
           <a:xfrm>
-            <a:off x="8610600" y="6356350"/>
-            <a:ext cx="2743200" cy="365125"/>
+            <a:off x="6457950" y="6356351"/>
+            <a:ext cx="2057400" cy="365125"/>
           </a:xfrm>
           <a:prstGeom prst="rect">
             <a:avLst/>
@@ -2646,23 +2657,23 @@
     </p:spTree>
     <p:extLst>
       <p:ext uri="{BB962C8B-B14F-4D97-AF65-F5344CB8AC3E}">
-        <p14:creationId xmlns:p14="http://schemas.microsoft.com/office/powerpoint/2010/main" val="691747344"/>
+        <p14:creationId xmlns:p14="http://schemas.microsoft.com/office/powerpoint/2010/main" val="2178397336"/>
       </p:ext>
     </p:extLst>
   </p:cSld>
   <p:clrMap bg1="lt1" tx1="dk1" bg2="lt2" tx2="dk2" accent1="accent1" accent2="accent2" accent3="accent3" accent4="accent4" accent5="accent5" accent6="accent6" hlink="hlink" folHlink="folHlink"/>
   <p:sldLayoutIdLst>
-    <p:sldLayoutId id="2147483649" r:id="rId1"/>
-    <p:sldLayoutId id="2147483650" r:id="rId2"/>
-    <p:sldLayoutId id="2147483651" r:id="rId3"/>
-    <p:sldLayoutId id="2147483652" r:id="rId4"/>
-    <p:sldLayoutId id="2147483653" r:id="rId5"/>
-    <p:sldLayoutId id="2147483654" r:id="rId6"/>
-    <p:sldLayoutId id="2147483655" r:id="rId7"/>
-    <p:sldLayoutId id="2147483656" r:id="rId8"/>
-    <p:sldLayoutId id="2147483657" r:id="rId9"/>
-    <p:sldLayoutId id="2147483658" r:id="rId10"/>
-    <p:sldLayoutId id="2147483659" r:id="rId11"/>
+    <p:sldLayoutId id="2147483661" r:id="rId1"/>
+    <p:sldLayoutId id="2147483662" r:id="rId2"/>
+    <p:sldLayoutId id="2147483663" r:id="rId3"/>
+    <p:sldLayoutId id="2147483664" r:id="rId4"/>
+    <p:sldLayoutId id="2147483665" r:id="rId5"/>
+    <p:sldLayoutId id="2147483666" r:id="rId6"/>
+    <p:sldLayoutId id="2147483667" r:id="rId7"/>
+    <p:sldLayoutId id="2147483668" r:id="rId8"/>
+    <p:sldLayoutId id="2147483669" r:id="rId9"/>
+    <p:sldLayoutId id="2147483670" r:id="rId10"/>
+    <p:sldLayoutId id="2147483671" r:id="rId11"/>
   </p:sldLayoutIdLst>
   <p:txStyles>
     <p:titleStyle>
@@ -2850,7 +2861,7 @@
     </p:bodyStyle>
     <p:otherStyle>
       <a:defPPr>
-        <a:defRPr lang="zh-CN"/>
+        <a:defRPr lang="en-US"/>
       </a:defPPr>
       <a:lvl1pPr marL="0" algn="l" defTabSz="914400" rtl="0" eaLnBrk="1" latinLnBrk="0" hangingPunct="1">
         <a:defRPr sz="1800" kern="1200">
@@ -2972,8 +2983,8 @@
         </p:nvGrpSpPr>
         <p:grpSpPr>
           <a:xfrm>
-            <a:off x="973015" y="2412023"/>
-            <a:ext cx="6775941" cy="2212730"/>
+            <a:off x="729762" y="2666267"/>
+            <a:ext cx="5081956" cy="1659548"/>
             <a:chOff x="973015" y="2412023"/>
             <a:chExt cx="6775941" cy="2212730"/>
           </a:xfrm>
@@ -3015,14 +3026,14 @@
             <a:p>
               <a:pPr algn="ctr"/>
               <a:r>
-                <a:rPr lang="en-US" altLang="zh-CN" dirty="0" smtClean="0"/>
+                <a:rPr lang="en-US" altLang="zh-CN" sz="1350" dirty="0"/>
                 <a:t>AES</a:t>
               </a:r>
               <a:r>
-                <a:rPr lang="zh-CN" altLang="en-US" dirty="0" smtClean="0"/>
+                <a:rPr lang="zh-CN" altLang="en-US" sz="1350" dirty="0"/>
                 <a:t>加密算法</a:t>
               </a:r>
-              <a:endParaRPr lang="zh-CN" altLang="en-US" dirty="0"/>
+              <a:endParaRPr lang="zh-CN" altLang="en-US" sz="1350" dirty="0"/>
             </a:p>
           </p:txBody>
         </p:sp>
@@ -3063,14 +3074,14 @@
             <a:p>
               <a:pPr algn="ctr"/>
               <a:r>
-                <a:rPr lang="zh-CN" altLang="en-US" dirty="0" smtClean="0"/>
+                <a:rPr lang="zh-CN" altLang="en-US" sz="1350" dirty="0"/>
                 <a:t>密钥</a:t>
               </a:r>
               <a:r>
-                <a:rPr lang="en-US" altLang="zh-CN" dirty="0" smtClean="0"/>
+                <a:rPr lang="en-US" altLang="zh-CN" sz="1350" dirty="0"/>
                 <a:t>K</a:t>
               </a:r>
-              <a:endParaRPr lang="zh-CN" altLang="en-US" dirty="0"/>
+              <a:endParaRPr lang="zh-CN" altLang="en-US" sz="1350" dirty="0"/>
             </a:p>
           </p:txBody>
         </p:sp>
@@ -3111,14 +3122,14 @@
             <a:p>
               <a:pPr algn="ctr"/>
               <a:r>
-                <a:rPr lang="zh-CN" altLang="en-US" dirty="0" smtClean="0"/>
+                <a:rPr lang="zh-CN" altLang="en-US" sz="1350" dirty="0"/>
                 <a:t>明文</a:t>
               </a:r>
               <a:r>
-                <a:rPr lang="en-US" altLang="zh-CN" dirty="0" smtClean="0"/>
+                <a:rPr lang="en-US" altLang="zh-CN" sz="1350" dirty="0"/>
                 <a:t>P</a:t>
               </a:r>
-              <a:endParaRPr lang="zh-CN" altLang="en-US" dirty="0"/>
+              <a:endParaRPr lang="zh-CN" altLang="en-US" sz="1350" dirty="0"/>
             </a:p>
           </p:txBody>
         </p:sp>
@@ -3159,14 +3170,14 @@
             <a:p>
               <a:pPr algn="ctr"/>
               <a:r>
-                <a:rPr lang="zh-CN" altLang="en-US" dirty="0" smtClean="0"/>
+                <a:rPr lang="zh-CN" altLang="en-US" sz="1350" dirty="0"/>
                 <a:t>密文</a:t>
               </a:r>
               <a:r>
-                <a:rPr lang="en-US" altLang="zh-CN" dirty="0" smtClean="0"/>
+                <a:rPr lang="en-US" altLang="zh-CN" sz="1350" dirty="0"/>
                 <a:t>C</a:t>
               </a:r>
-              <a:endParaRPr lang="zh-CN" altLang="en-US" dirty="0"/>
+              <a:endParaRPr lang="zh-CN" altLang="en-US" sz="1350" dirty="0"/>
             </a:p>
           </p:txBody>
         </p:sp>
@@ -3292,10 +3303,5322 @@
 </p:sld>
 </file>
 
+<file path=ppt/slides/slide2.xml><?xml version="1.0" encoding="utf-8"?>
+<p:sld xmlns:a="http://schemas.openxmlformats.org/drawingml/2006/main" xmlns:r="http://schemas.openxmlformats.org/officeDocument/2006/relationships" xmlns:p="http://schemas.openxmlformats.org/presentationml/2006/main">
+  <p:cSld>
+    <p:spTree>
+      <p:nvGrpSpPr>
+        <p:cNvPr id="1" name=""/>
+        <p:cNvGrpSpPr/>
+        <p:nvPr/>
+      </p:nvGrpSpPr>
+      <p:grpSpPr>
+        <a:xfrm>
+          <a:off x="0" y="0"/>
+          <a:ext cx="0" cy="0"/>
+          <a:chOff x="0" y="0"/>
+          <a:chExt cx="0" cy="0"/>
+        </a:xfrm>
+      </p:grpSpPr>
+      <p:graphicFrame>
+        <p:nvGraphicFramePr>
+          <p:cNvPr id="4" name="表格 3"/>
+          <p:cNvGraphicFramePr>
+            <a:graphicFrameLocks noGrp="1"/>
+          </p:cNvGraphicFramePr>
+          <p:nvPr>
+            <p:extLst>
+              <p:ext uri="{D42A27DB-BD31-4B8C-83A1-F6EECF244321}">
+                <p14:modId xmlns:p14="http://schemas.microsoft.com/office/powerpoint/2010/main" val="474805090"/>
+              </p:ext>
+            </p:extLst>
+          </p:nvPr>
+        </p:nvGraphicFramePr>
+        <p:xfrm>
+          <a:off x="2209801" y="2370484"/>
+          <a:ext cx="995570" cy="1841225"/>
+        </p:xfrm>
+        <a:graphic>
+          <a:graphicData uri="http://schemas.openxmlformats.org/drawingml/2006/table">
+            <a:tbl>
+              <a:tblPr firstRow="1" bandRow="1">
+                <a:tableStyleId>{5C22544A-7EE6-4342-B048-85BDC9FD1C3A}</a:tableStyleId>
+              </a:tblPr>
+              <a:tblGrid>
+                <a:gridCol w="995570">
+                  <a:extLst>
+                    <a:ext uri="{9D8B030D-6E8A-4147-A177-3AD203B41FA5}">
+                      <a16:colId xmlns:a16="http://schemas.microsoft.com/office/drawing/2014/main" val="4167427364"/>
+                    </a:ext>
+                  </a:extLst>
+                </a:gridCol>
+              </a:tblGrid>
+              <a:tr h="368245">
+                <a:tc>
+                  <a:txBody>
+                    <a:bodyPr/>
+                    <a:lstStyle/>
+                    <a:p>
+                      <a:r>
+                        <a:rPr lang="en-US" altLang="zh-CN" sz="1400" dirty="0" smtClean="0">
+                          <a:solidFill>
+                            <a:schemeClr val="tx1"/>
+                          </a:solidFill>
+                        </a:rPr>
+                        <a:t>Block 0</a:t>
+                      </a:r>
+                      <a:endParaRPr lang="zh-CN" altLang="en-US" sz="1400" dirty="0">
+                        <a:solidFill>
+                          <a:schemeClr val="tx1"/>
+                        </a:solidFill>
+                      </a:endParaRPr>
+                    </a:p>
+                  </a:txBody>
+                  <a:tcPr marL="68580" marR="68580" marT="34290" marB="34290">
+                    <a:lnL w="12700" cap="flat" cmpd="sng" algn="ctr">
+                      <a:solidFill>
+                        <a:schemeClr val="tx1"/>
+                      </a:solidFill>
+                      <a:prstDash val="solid"/>
+                      <a:round/>
+                      <a:headEnd type="none" w="med" len="med"/>
+                      <a:tailEnd type="none" w="med" len="med"/>
+                    </a:lnL>
+                    <a:lnR w="12700" cap="flat" cmpd="sng" algn="ctr">
+                      <a:solidFill>
+                        <a:schemeClr val="tx1"/>
+                      </a:solidFill>
+                      <a:prstDash val="solid"/>
+                      <a:round/>
+                      <a:headEnd type="none" w="med" len="med"/>
+                      <a:tailEnd type="none" w="med" len="med"/>
+                    </a:lnR>
+                    <a:lnT w="12700" cap="flat" cmpd="sng" algn="ctr">
+                      <a:solidFill>
+                        <a:schemeClr val="tx1"/>
+                      </a:solidFill>
+                      <a:prstDash val="solid"/>
+                      <a:round/>
+                      <a:headEnd type="none" w="med" len="med"/>
+                      <a:tailEnd type="none" w="med" len="med"/>
+                    </a:lnT>
+                    <a:lnB w="12700" cap="flat" cmpd="sng" algn="ctr">
+                      <a:solidFill>
+                        <a:schemeClr val="tx1"/>
+                      </a:solidFill>
+                      <a:prstDash val="solid"/>
+                      <a:round/>
+                      <a:headEnd type="none" w="med" len="med"/>
+                      <a:tailEnd type="none" w="med" len="med"/>
+                    </a:lnB>
+                    <a:lnTlToBr w="12700" cmpd="sng">
+                      <a:noFill/>
+                      <a:prstDash val="solid"/>
+                    </a:lnTlToBr>
+                    <a:lnBlToTr w="12700" cmpd="sng">
+                      <a:noFill/>
+                      <a:prstDash val="solid"/>
+                    </a:lnBlToTr>
+                    <a:solidFill>
+                      <a:schemeClr val="bg1"/>
+                    </a:solidFill>
+                  </a:tcPr>
+                </a:tc>
+                <a:extLst>
+                  <a:ext uri="{0D108BD9-81ED-4DB2-BD59-A6C34878D82A}">
+                    <a16:rowId xmlns:a16="http://schemas.microsoft.com/office/drawing/2014/main" val="2287454287"/>
+                  </a:ext>
+                </a:extLst>
+              </a:tr>
+              <a:tr h="368245">
+                <a:tc>
+                  <a:txBody>
+                    <a:bodyPr/>
+                    <a:lstStyle/>
+                    <a:p>
+                      <a:r>
+                        <a:rPr lang="en-US" altLang="zh-CN" sz="1400" b="1" dirty="0" smtClean="0">
+                          <a:solidFill>
+                            <a:schemeClr val="tx1"/>
+                          </a:solidFill>
+                        </a:rPr>
+                        <a:t>Block 1</a:t>
+                      </a:r>
+                      <a:endParaRPr lang="zh-CN" altLang="en-US" sz="1400" b="1" dirty="0">
+                        <a:solidFill>
+                          <a:schemeClr val="tx1"/>
+                        </a:solidFill>
+                      </a:endParaRPr>
+                    </a:p>
+                  </a:txBody>
+                  <a:tcPr marL="68580" marR="68580" marT="34290" marB="34290">
+                    <a:lnL w="12700" cap="flat" cmpd="sng" algn="ctr">
+                      <a:solidFill>
+                        <a:schemeClr val="tx1"/>
+                      </a:solidFill>
+                      <a:prstDash val="solid"/>
+                      <a:round/>
+                      <a:headEnd type="none" w="med" len="med"/>
+                      <a:tailEnd type="none" w="med" len="med"/>
+                    </a:lnL>
+                    <a:lnR w="12700" cap="flat" cmpd="sng" algn="ctr">
+                      <a:solidFill>
+                        <a:schemeClr val="tx1"/>
+                      </a:solidFill>
+                      <a:prstDash val="solid"/>
+                      <a:round/>
+                      <a:headEnd type="none" w="med" len="med"/>
+                      <a:tailEnd type="none" w="med" len="med"/>
+                    </a:lnR>
+                    <a:lnT w="12700" cap="flat" cmpd="sng" algn="ctr">
+                      <a:solidFill>
+                        <a:schemeClr val="tx1"/>
+                      </a:solidFill>
+                      <a:prstDash val="solid"/>
+                      <a:round/>
+                      <a:headEnd type="none" w="med" len="med"/>
+                      <a:tailEnd type="none" w="med" len="med"/>
+                    </a:lnT>
+                    <a:lnB w="12700" cap="flat" cmpd="sng" algn="ctr">
+                      <a:solidFill>
+                        <a:schemeClr val="tx1"/>
+                      </a:solidFill>
+                      <a:prstDash val="solid"/>
+                      <a:round/>
+                      <a:headEnd type="none" w="med" len="med"/>
+                      <a:tailEnd type="none" w="med" len="med"/>
+                    </a:lnB>
+                    <a:lnTlToBr w="12700" cmpd="sng">
+                      <a:noFill/>
+                      <a:prstDash val="solid"/>
+                    </a:lnTlToBr>
+                    <a:lnBlToTr w="12700" cmpd="sng">
+                      <a:noFill/>
+                      <a:prstDash val="solid"/>
+                    </a:lnBlToTr>
+                    <a:solidFill>
+                      <a:schemeClr val="bg1"/>
+                    </a:solidFill>
+                  </a:tcPr>
+                </a:tc>
+                <a:extLst>
+                  <a:ext uri="{0D108BD9-81ED-4DB2-BD59-A6C34878D82A}">
+                    <a16:rowId xmlns:a16="http://schemas.microsoft.com/office/drawing/2014/main" val="3781671189"/>
+                  </a:ext>
+                </a:extLst>
+              </a:tr>
+              <a:tr h="368245">
+                <a:tc>
+                  <a:txBody>
+                    <a:bodyPr/>
+                    <a:lstStyle/>
+                    <a:p>
+                      <a:r>
+                        <a:rPr lang="en-US" altLang="zh-CN" sz="1400" dirty="0" smtClean="0"/>
+                        <a:t>…</a:t>
+                      </a:r>
+                      <a:endParaRPr lang="zh-CN" altLang="en-US" sz="1400" dirty="0"/>
+                    </a:p>
+                  </a:txBody>
+                  <a:tcPr marL="68580" marR="68580" marT="34290" marB="34290">
+                    <a:lnL w="12700" cap="flat" cmpd="sng" algn="ctr">
+                      <a:solidFill>
+                        <a:schemeClr val="tx1"/>
+                      </a:solidFill>
+                      <a:prstDash val="solid"/>
+                      <a:round/>
+                      <a:headEnd type="none" w="med" len="med"/>
+                      <a:tailEnd type="none" w="med" len="med"/>
+                    </a:lnL>
+                    <a:lnR w="12700" cap="flat" cmpd="sng" algn="ctr">
+                      <a:solidFill>
+                        <a:schemeClr val="tx1"/>
+                      </a:solidFill>
+                      <a:prstDash val="solid"/>
+                      <a:round/>
+                      <a:headEnd type="none" w="med" len="med"/>
+                      <a:tailEnd type="none" w="med" len="med"/>
+                    </a:lnR>
+                    <a:lnT w="12700" cap="flat" cmpd="sng" algn="ctr">
+                      <a:solidFill>
+                        <a:schemeClr val="tx1"/>
+                      </a:solidFill>
+                      <a:prstDash val="solid"/>
+                      <a:round/>
+                      <a:headEnd type="none" w="med" len="med"/>
+                      <a:tailEnd type="none" w="med" len="med"/>
+                    </a:lnT>
+                    <a:lnB w="12700" cap="flat" cmpd="sng" algn="ctr">
+                      <a:solidFill>
+                        <a:schemeClr val="tx1"/>
+                      </a:solidFill>
+                      <a:prstDash val="solid"/>
+                      <a:round/>
+                      <a:headEnd type="none" w="med" len="med"/>
+                      <a:tailEnd type="none" w="med" len="med"/>
+                    </a:lnB>
+                    <a:lnTlToBr w="12700" cmpd="sng">
+                      <a:noFill/>
+                      <a:prstDash val="solid"/>
+                    </a:lnTlToBr>
+                    <a:lnBlToTr w="12700" cmpd="sng">
+                      <a:noFill/>
+                      <a:prstDash val="solid"/>
+                    </a:lnBlToTr>
+                    <a:solidFill>
+                      <a:schemeClr val="bg1"/>
+                    </a:solidFill>
+                  </a:tcPr>
+                </a:tc>
+                <a:extLst>
+                  <a:ext uri="{0D108BD9-81ED-4DB2-BD59-A6C34878D82A}">
+                    <a16:rowId xmlns:a16="http://schemas.microsoft.com/office/drawing/2014/main" val="1624634021"/>
+                  </a:ext>
+                </a:extLst>
+              </a:tr>
+              <a:tr h="368245">
+                <a:tc>
+                  <a:txBody>
+                    <a:bodyPr/>
+                    <a:lstStyle/>
+                    <a:p>
+                      <a:pPr marL="0" marR="0" indent="0" algn="l" defTabSz="914400" rtl="0" eaLnBrk="1" fontAlgn="auto" latinLnBrk="0" hangingPunct="1">
+                        <a:lnSpc>
+                          <a:spcPct val="100000"/>
+                        </a:lnSpc>
+                        <a:spcBef>
+                          <a:spcPts val="0"/>
+                        </a:spcBef>
+                        <a:spcAft>
+                          <a:spcPts val="0"/>
+                        </a:spcAft>
+                        <a:buClrTx/>
+                        <a:buSzTx/>
+                        <a:buFontTx/>
+                        <a:buNone/>
+                        <a:tabLst/>
+                        <a:defRPr/>
+                      </a:pPr>
+                      <a:r>
+                        <a:rPr lang="en-US" altLang="zh-CN" sz="1400" b="1" dirty="0" smtClean="0">
+                          <a:solidFill>
+                            <a:schemeClr val="tx1"/>
+                          </a:solidFill>
+                        </a:rPr>
+                        <a:t>Block m-1</a:t>
+                      </a:r>
+                      <a:endParaRPr lang="zh-CN" altLang="en-US" sz="1400" b="1" dirty="0" smtClean="0">
+                        <a:solidFill>
+                          <a:schemeClr val="tx1"/>
+                        </a:solidFill>
+                      </a:endParaRPr>
+                    </a:p>
+                  </a:txBody>
+                  <a:tcPr marL="68580" marR="68580" marT="34290" marB="34290">
+                    <a:lnL w="12700" cap="flat" cmpd="sng" algn="ctr">
+                      <a:solidFill>
+                        <a:schemeClr val="tx1"/>
+                      </a:solidFill>
+                      <a:prstDash val="solid"/>
+                      <a:round/>
+                      <a:headEnd type="none" w="med" len="med"/>
+                      <a:tailEnd type="none" w="med" len="med"/>
+                    </a:lnL>
+                    <a:lnR w="12700" cap="flat" cmpd="sng" algn="ctr">
+                      <a:solidFill>
+                        <a:schemeClr val="tx1"/>
+                      </a:solidFill>
+                      <a:prstDash val="solid"/>
+                      <a:round/>
+                      <a:headEnd type="none" w="med" len="med"/>
+                      <a:tailEnd type="none" w="med" len="med"/>
+                    </a:lnR>
+                    <a:lnT w="12700" cap="flat" cmpd="sng" algn="ctr">
+                      <a:solidFill>
+                        <a:schemeClr val="tx1"/>
+                      </a:solidFill>
+                      <a:prstDash val="solid"/>
+                      <a:round/>
+                      <a:headEnd type="none" w="med" len="med"/>
+                      <a:tailEnd type="none" w="med" len="med"/>
+                    </a:lnT>
+                    <a:lnB w="12700" cap="flat" cmpd="sng" algn="ctr">
+                      <a:solidFill>
+                        <a:schemeClr val="tx1"/>
+                      </a:solidFill>
+                      <a:prstDash val="solid"/>
+                      <a:round/>
+                      <a:headEnd type="none" w="med" len="med"/>
+                      <a:tailEnd type="none" w="med" len="med"/>
+                    </a:lnB>
+                    <a:lnTlToBr w="12700" cmpd="sng">
+                      <a:noFill/>
+                      <a:prstDash val="solid"/>
+                    </a:lnTlToBr>
+                    <a:lnBlToTr w="12700" cmpd="sng">
+                      <a:noFill/>
+                      <a:prstDash val="solid"/>
+                    </a:lnBlToTr>
+                    <a:solidFill>
+                      <a:schemeClr val="bg1"/>
+                    </a:solidFill>
+                  </a:tcPr>
+                </a:tc>
+                <a:extLst>
+                  <a:ext uri="{0D108BD9-81ED-4DB2-BD59-A6C34878D82A}">
+                    <a16:rowId xmlns:a16="http://schemas.microsoft.com/office/drawing/2014/main" val="1986359428"/>
+                  </a:ext>
+                </a:extLst>
+              </a:tr>
+              <a:tr h="368245">
+                <a:tc>
+                  <a:txBody>
+                    <a:bodyPr/>
+                    <a:lstStyle/>
+                    <a:p>
+                      <a:pPr marL="0" marR="0" indent="0" algn="l" defTabSz="914400" rtl="0" eaLnBrk="1" fontAlgn="auto" latinLnBrk="0" hangingPunct="1">
+                        <a:lnSpc>
+                          <a:spcPct val="100000"/>
+                        </a:lnSpc>
+                        <a:spcBef>
+                          <a:spcPts val="0"/>
+                        </a:spcBef>
+                        <a:spcAft>
+                          <a:spcPts val="0"/>
+                        </a:spcAft>
+                        <a:buClrTx/>
+                        <a:buSzTx/>
+                        <a:buFontTx/>
+                        <a:buNone/>
+                        <a:tabLst/>
+                        <a:defRPr/>
+                      </a:pPr>
+                      <a:r>
+                        <a:rPr lang="en-US" altLang="zh-CN" sz="1400" b="1" dirty="0" smtClean="0">
+                          <a:solidFill>
+                            <a:schemeClr val="tx1"/>
+                          </a:solidFill>
+                        </a:rPr>
+                        <a:t>Block m</a:t>
+                      </a:r>
+                      <a:endParaRPr lang="zh-CN" altLang="en-US" sz="1400" b="1" dirty="0" smtClean="0">
+                        <a:solidFill>
+                          <a:schemeClr val="tx1"/>
+                        </a:solidFill>
+                      </a:endParaRPr>
+                    </a:p>
+                  </a:txBody>
+                  <a:tcPr marL="68580" marR="68580" marT="34290" marB="34290">
+                    <a:lnL w="12700" cap="flat" cmpd="sng" algn="ctr">
+                      <a:solidFill>
+                        <a:schemeClr val="tx1"/>
+                      </a:solidFill>
+                      <a:prstDash val="solid"/>
+                      <a:round/>
+                      <a:headEnd type="none" w="med" len="med"/>
+                      <a:tailEnd type="none" w="med" len="med"/>
+                    </a:lnL>
+                    <a:lnR w="12700" cap="flat" cmpd="sng" algn="ctr">
+                      <a:solidFill>
+                        <a:schemeClr val="tx1"/>
+                      </a:solidFill>
+                      <a:prstDash val="solid"/>
+                      <a:round/>
+                      <a:headEnd type="none" w="med" len="med"/>
+                      <a:tailEnd type="none" w="med" len="med"/>
+                    </a:lnR>
+                    <a:lnT w="12700" cap="flat" cmpd="sng" algn="ctr">
+                      <a:solidFill>
+                        <a:schemeClr val="tx1"/>
+                      </a:solidFill>
+                      <a:prstDash val="solid"/>
+                      <a:round/>
+                      <a:headEnd type="none" w="med" len="med"/>
+                      <a:tailEnd type="none" w="med" len="med"/>
+                    </a:lnT>
+                    <a:lnB w="12700" cap="flat" cmpd="sng" algn="ctr">
+                      <a:solidFill>
+                        <a:schemeClr val="tx1"/>
+                      </a:solidFill>
+                      <a:prstDash val="solid"/>
+                      <a:round/>
+                      <a:headEnd type="none" w="med" len="med"/>
+                      <a:tailEnd type="none" w="med" len="med"/>
+                    </a:lnB>
+                    <a:lnTlToBr w="12700" cmpd="sng">
+                      <a:noFill/>
+                      <a:prstDash val="solid"/>
+                    </a:lnTlToBr>
+                    <a:lnBlToTr w="12700" cmpd="sng">
+                      <a:noFill/>
+                      <a:prstDash val="solid"/>
+                    </a:lnBlToTr>
+                    <a:solidFill>
+                      <a:schemeClr val="bg1"/>
+                    </a:solidFill>
+                  </a:tcPr>
+                </a:tc>
+                <a:extLst>
+                  <a:ext uri="{0D108BD9-81ED-4DB2-BD59-A6C34878D82A}">
+                    <a16:rowId xmlns:a16="http://schemas.microsoft.com/office/drawing/2014/main" val="1118201617"/>
+                  </a:ext>
+                </a:extLst>
+              </a:tr>
+            </a:tbl>
+          </a:graphicData>
+        </a:graphic>
+      </p:graphicFrame>
+      <p:graphicFrame>
+        <p:nvGraphicFramePr>
+          <p:cNvPr id="5" name="表格 4"/>
+          <p:cNvGraphicFramePr>
+            <a:graphicFrameLocks noGrp="1"/>
+          </p:cNvGraphicFramePr>
+          <p:nvPr>
+            <p:extLst>
+              <p:ext uri="{D42A27DB-BD31-4B8C-83A1-F6EECF244321}">
+                <p14:modId xmlns:p14="http://schemas.microsoft.com/office/powerpoint/2010/main" val="4115003123"/>
+              </p:ext>
+            </p:extLst>
+          </p:nvPr>
+        </p:nvGraphicFramePr>
+        <p:xfrm>
+          <a:off x="5305840" y="1633994"/>
+          <a:ext cx="995570" cy="3314205"/>
+        </p:xfrm>
+        <a:graphic>
+          <a:graphicData uri="http://schemas.openxmlformats.org/drawingml/2006/table">
+            <a:tbl>
+              <a:tblPr firstRow="1" bandRow="1">
+                <a:tableStyleId>{5C22544A-7EE6-4342-B048-85BDC9FD1C3A}</a:tableStyleId>
+              </a:tblPr>
+              <a:tblGrid>
+                <a:gridCol w="995570">
+                  <a:extLst>
+                    <a:ext uri="{9D8B030D-6E8A-4147-A177-3AD203B41FA5}">
+                      <a16:colId xmlns:a16="http://schemas.microsoft.com/office/drawing/2014/main" val="4167427364"/>
+                    </a:ext>
+                  </a:extLst>
+                </a:gridCol>
+              </a:tblGrid>
+              <a:tr h="368245">
+                <a:tc>
+                  <a:txBody>
+                    <a:bodyPr/>
+                    <a:lstStyle/>
+                    <a:p>
+                      <a:r>
+                        <a:rPr lang="en-US" altLang="zh-CN" sz="1400" dirty="0" smtClean="0">
+                          <a:solidFill>
+                            <a:schemeClr val="tx1"/>
+                          </a:solidFill>
+                        </a:rPr>
+                        <a:t>Block 0</a:t>
+                      </a:r>
+                      <a:endParaRPr lang="zh-CN" altLang="en-US" sz="1400" dirty="0">
+                        <a:solidFill>
+                          <a:schemeClr val="tx1"/>
+                        </a:solidFill>
+                      </a:endParaRPr>
+                    </a:p>
+                  </a:txBody>
+                  <a:tcPr marL="68580" marR="68580" marT="34290" marB="34290">
+                    <a:lnL w="12700" cap="flat" cmpd="sng" algn="ctr">
+                      <a:solidFill>
+                        <a:schemeClr val="tx1"/>
+                      </a:solidFill>
+                      <a:prstDash val="solid"/>
+                      <a:round/>
+                      <a:headEnd type="none" w="med" len="med"/>
+                      <a:tailEnd type="none" w="med" len="med"/>
+                    </a:lnL>
+                    <a:lnR w="12700" cap="flat" cmpd="sng" algn="ctr">
+                      <a:solidFill>
+                        <a:schemeClr val="tx1"/>
+                      </a:solidFill>
+                      <a:prstDash val="solid"/>
+                      <a:round/>
+                      <a:headEnd type="none" w="med" len="med"/>
+                      <a:tailEnd type="none" w="med" len="med"/>
+                    </a:lnR>
+                    <a:lnT w="12700" cap="flat" cmpd="sng" algn="ctr">
+                      <a:solidFill>
+                        <a:schemeClr val="tx1"/>
+                      </a:solidFill>
+                      <a:prstDash val="solid"/>
+                      <a:round/>
+                      <a:headEnd type="none" w="med" len="med"/>
+                      <a:tailEnd type="none" w="med" len="med"/>
+                    </a:lnT>
+                    <a:lnB w="12700" cap="flat" cmpd="sng" algn="ctr">
+                      <a:solidFill>
+                        <a:schemeClr val="tx1"/>
+                      </a:solidFill>
+                      <a:prstDash val="solid"/>
+                      <a:round/>
+                      <a:headEnd type="none" w="med" len="med"/>
+                      <a:tailEnd type="none" w="med" len="med"/>
+                    </a:lnB>
+                    <a:lnTlToBr w="12700" cmpd="sng">
+                      <a:noFill/>
+                      <a:prstDash val="solid"/>
+                    </a:lnTlToBr>
+                    <a:lnBlToTr w="12700" cmpd="sng">
+                      <a:noFill/>
+                      <a:prstDash val="solid"/>
+                    </a:lnBlToTr>
+                    <a:solidFill>
+                      <a:schemeClr val="bg1"/>
+                    </a:solidFill>
+                  </a:tcPr>
+                </a:tc>
+                <a:extLst>
+                  <a:ext uri="{0D108BD9-81ED-4DB2-BD59-A6C34878D82A}">
+                    <a16:rowId xmlns:a16="http://schemas.microsoft.com/office/drawing/2014/main" val="2287454287"/>
+                  </a:ext>
+                </a:extLst>
+              </a:tr>
+              <a:tr h="368245">
+                <a:tc>
+                  <a:txBody>
+                    <a:bodyPr/>
+                    <a:lstStyle/>
+                    <a:p>
+                      <a:pPr marL="0" marR="0" lvl="0" indent="0" algn="l" defTabSz="914400" rtl="0" eaLnBrk="1" fontAlgn="auto" latinLnBrk="0" hangingPunct="1">
+                        <a:lnSpc>
+                          <a:spcPct val="100000"/>
+                        </a:lnSpc>
+                        <a:spcBef>
+                          <a:spcPts val="0"/>
+                        </a:spcBef>
+                        <a:spcAft>
+                          <a:spcPts val="0"/>
+                        </a:spcAft>
+                        <a:buClrTx/>
+                        <a:buSzTx/>
+                        <a:buFontTx/>
+                        <a:buNone/>
+                        <a:tabLst/>
+                        <a:defRPr/>
+                      </a:pPr>
+                      <a:r>
+                        <a:rPr kumimoji="0" lang="en-US" altLang="zh-CN" sz="1400" b="1" i="0" u="none" strike="noStrike" kern="1200" cap="none" spc="0" normalizeH="0" baseline="0" noProof="0" dirty="0" smtClean="0">
+                          <a:ln>
+                            <a:noFill/>
+                          </a:ln>
+                          <a:solidFill>
+                            <a:prstClr val="black"/>
+                          </a:solidFill>
+                          <a:effectLst/>
+                          <a:uLnTx/>
+                          <a:uFillTx/>
+                          <a:latin typeface="等线" panose="020F0502020204030204"/>
+                          <a:ea typeface="等线" panose="02010600030101010101" pitchFamily="2" charset="-122"/>
+                          <a:cs typeface="+mn-cs"/>
+                        </a:rPr>
+                        <a:t>Block 1</a:t>
+                      </a:r>
+                      <a:endParaRPr kumimoji="0" lang="zh-CN" altLang="en-US" sz="1400" b="1" i="0" u="none" strike="noStrike" kern="1200" cap="none" spc="0" normalizeH="0" baseline="0" noProof="0" dirty="0">
+                        <a:ln>
+                          <a:noFill/>
+                        </a:ln>
+                        <a:solidFill>
+                          <a:prstClr val="black"/>
+                        </a:solidFill>
+                        <a:effectLst/>
+                        <a:uLnTx/>
+                        <a:uFillTx/>
+                        <a:latin typeface="等线" panose="020F0502020204030204"/>
+                        <a:ea typeface="等线" panose="02010600030101010101" pitchFamily="2" charset="-122"/>
+                        <a:cs typeface="+mn-cs"/>
+                      </a:endParaRPr>
+                    </a:p>
+                  </a:txBody>
+                  <a:tcPr marL="68580" marR="68580" marT="34290" marB="34290">
+                    <a:lnL w="12700" cap="flat" cmpd="sng" algn="ctr">
+                      <a:solidFill>
+                        <a:schemeClr val="tx1"/>
+                      </a:solidFill>
+                      <a:prstDash val="solid"/>
+                      <a:round/>
+                      <a:headEnd type="none" w="med" len="med"/>
+                      <a:tailEnd type="none" w="med" len="med"/>
+                    </a:lnL>
+                    <a:lnR w="12700" cap="flat" cmpd="sng" algn="ctr">
+                      <a:solidFill>
+                        <a:schemeClr val="tx1"/>
+                      </a:solidFill>
+                      <a:prstDash val="solid"/>
+                      <a:round/>
+                      <a:headEnd type="none" w="med" len="med"/>
+                      <a:tailEnd type="none" w="med" len="med"/>
+                    </a:lnR>
+                    <a:lnT w="12700" cap="flat" cmpd="sng" algn="ctr">
+                      <a:solidFill>
+                        <a:schemeClr val="tx1"/>
+                      </a:solidFill>
+                      <a:prstDash val="solid"/>
+                      <a:round/>
+                      <a:headEnd type="none" w="med" len="med"/>
+                      <a:tailEnd type="none" w="med" len="med"/>
+                    </a:lnT>
+                    <a:lnB w="12700" cap="flat" cmpd="sng" algn="ctr">
+                      <a:solidFill>
+                        <a:schemeClr val="tx1"/>
+                      </a:solidFill>
+                      <a:prstDash val="solid"/>
+                      <a:round/>
+                      <a:headEnd type="none" w="med" len="med"/>
+                      <a:tailEnd type="none" w="med" len="med"/>
+                    </a:lnB>
+                    <a:lnTlToBr w="12700" cmpd="sng">
+                      <a:noFill/>
+                      <a:prstDash val="solid"/>
+                    </a:lnTlToBr>
+                    <a:lnBlToTr w="12700" cmpd="sng">
+                      <a:noFill/>
+                      <a:prstDash val="solid"/>
+                    </a:lnBlToTr>
+                    <a:solidFill>
+                      <a:schemeClr val="bg1"/>
+                    </a:solidFill>
+                  </a:tcPr>
+                </a:tc>
+                <a:extLst>
+                  <a:ext uri="{0D108BD9-81ED-4DB2-BD59-A6C34878D82A}">
+                    <a16:rowId xmlns:a16="http://schemas.microsoft.com/office/drawing/2014/main" val="3781671189"/>
+                  </a:ext>
+                </a:extLst>
+              </a:tr>
+              <a:tr h="368245">
+                <a:tc>
+                  <a:txBody>
+                    <a:bodyPr/>
+                    <a:lstStyle/>
+                    <a:p>
+                      <a:pPr marL="0" marR="0" lvl="0" indent="0" algn="l" defTabSz="914400" rtl="0" eaLnBrk="1" fontAlgn="auto" latinLnBrk="0" hangingPunct="1">
+                        <a:lnSpc>
+                          <a:spcPct val="100000"/>
+                        </a:lnSpc>
+                        <a:spcBef>
+                          <a:spcPts val="0"/>
+                        </a:spcBef>
+                        <a:spcAft>
+                          <a:spcPts val="0"/>
+                        </a:spcAft>
+                        <a:buClrTx/>
+                        <a:buSzTx/>
+                        <a:buFontTx/>
+                        <a:buNone/>
+                        <a:tabLst/>
+                        <a:defRPr/>
+                      </a:pPr>
+                      <a:r>
+                        <a:rPr kumimoji="0" lang="en-US" altLang="zh-CN" sz="1400" b="1" i="0" u="none" strike="noStrike" kern="1200" cap="none" spc="0" normalizeH="0" baseline="0" noProof="0" dirty="0" smtClean="0">
+                          <a:ln>
+                            <a:noFill/>
+                          </a:ln>
+                          <a:solidFill>
+                            <a:prstClr val="black"/>
+                          </a:solidFill>
+                          <a:effectLst/>
+                          <a:uLnTx/>
+                          <a:uFillTx/>
+                          <a:latin typeface="等线" panose="020F0502020204030204"/>
+                          <a:ea typeface="等线" panose="02010600030101010101" pitchFamily="2" charset="-122"/>
+                          <a:cs typeface="+mn-cs"/>
+                        </a:rPr>
+                        <a:t>Block 2</a:t>
+                      </a:r>
+                      <a:endParaRPr kumimoji="0" lang="zh-CN" altLang="en-US" sz="1400" b="1" i="0" u="none" strike="noStrike" kern="1200" cap="none" spc="0" normalizeH="0" baseline="0" noProof="0" dirty="0">
+                        <a:ln>
+                          <a:noFill/>
+                        </a:ln>
+                        <a:solidFill>
+                          <a:prstClr val="black"/>
+                        </a:solidFill>
+                        <a:effectLst/>
+                        <a:uLnTx/>
+                        <a:uFillTx/>
+                        <a:latin typeface="等线" panose="020F0502020204030204"/>
+                        <a:ea typeface="等线" panose="02010600030101010101" pitchFamily="2" charset="-122"/>
+                        <a:cs typeface="+mn-cs"/>
+                      </a:endParaRPr>
+                    </a:p>
+                  </a:txBody>
+                  <a:tcPr marL="68580" marR="68580" marT="34290" marB="34290">
+                    <a:lnL w="12700" cap="flat" cmpd="sng" algn="ctr">
+                      <a:solidFill>
+                        <a:schemeClr val="tx1"/>
+                      </a:solidFill>
+                      <a:prstDash val="solid"/>
+                      <a:round/>
+                      <a:headEnd type="none" w="med" len="med"/>
+                      <a:tailEnd type="none" w="med" len="med"/>
+                    </a:lnL>
+                    <a:lnR w="12700" cap="flat" cmpd="sng" algn="ctr">
+                      <a:solidFill>
+                        <a:schemeClr val="tx1"/>
+                      </a:solidFill>
+                      <a:prstDash val="solid"/>
+                      <a:round/>
+                      <a:headEnd type="none" w="med" len="med"/>
+                      <a:tailEnd type="none" w="med" len="med"/>
+                    </a:lnR>
+                    <a:lnT w="12700" cap="flat" cmpd="sng" algn="ctr">
+                      <a:solidFill>
+                        <a:schemeClr val="tx1"/>
+                      </a:solidFill>
+                      <a:prstDash val="solid"/>
+                      <a:round/>
+                      <a:headEnd type="none" w="med" len="med"/>
+                      <a:tailEnd type="none" w="med" len="med"/>
+                    </a:lnT>
+                    <a:lnB w="12700" cap="flat" cmpd="sng" algn="ctr">
+                      <a:solidFill>
+                        <a:schemeClr val="tx1"/>
+                      </a:solidFill>
+                      <a:prstDash val="solid"/>
+                      <a:round/>
+                      <a:headEnd type="none" w="med" len="med"/>
+                      <a:tailEnd type="none" w="med" len="med"/>
+                    </a:lnB>
+                    <a:lnTlToBr w="12700" cmpd="sng">
+                      <a:noFill/>
+                      <a:prstDash val="solid"/>
+                    </a:lnTlToBr>
+                    <a:lnBlToTr w="12700" cmpd="sng">
+                      <a:noFill/>
+                      <a:prstDash val="solid"/>
+                    </a:lnBlToTr>
+                    <a:solidFill>
+                      <a:schemeClr val="bg1"/>
+                    </a:solidFill>
+                  </a:tcPr>
+                </a:tc>
+                <a:extLst>
+                  <a:ext uri="{0D108BD9-81ED-4DB2-BD59-A6C34878D82A}">
+                    <a16:rowId xmlns:a16="http://schemas.microsoft.com/office/drawing/2014/main" val="1624634021"/>
+                  </a:ext>
+                </a:extLst>
+              </a:tr>
+              <a:tr h="368245">
+                <a:tc>
+                  <a:txBody>
+                    <a:bodyPr/>
+                    <a:lstStyle/>
+                    <a:p>
+                      <a:pPr marL="0" marR="0" lvl="0" indent="0" algn="l" defTabSz="914400" rtl="0" eaLnBrk="1" fontAlgn="auto" latinLnBrk="0" hangingPunct="1">
+                        <a:lnSpc>
+                          <a:spcPct val="100000"/>
+                        </a:lnSpc>
+                        <a:spcBef>
+                          <a:spcPts val="0"/>
+                        </a:spcBef>
+                        <a:spcAft>
+                          <a:spcPts val="0"/>
+                        </a:spcAft>
+                        <a:buClrTx/>
+                        <a:buSzTx/>
+                        <a:buFontTx/>
+                        <a:buNone/>
+                        <a:tabLst/>
+                        <a:defRPr/>
+                      </a:pPr>
+                      <a:r>
+                        <a:rPr kumimoji="0" lang="en-US" altLang="zh-CN" sz="1400" b="1" i="0" u="none" strike="noStrike" kern="1200" cap="none" spc="0" normalizeH="0" baseline="0" noProof="0" dirty="0" smtClean="0">
+                          <a:ln>
+                            <a:noFill/>
+                          </a:ln>
+                          <a:solidFill>
+                            <a:prstClr val="black"/>
+                          </a:solidFill>
+                          <a:effectLst/>
+                          <a:uLnTx/>
+                          <a:uFillTx/>
+                          <a:latin typeface="等线" panose="020F0502020204030204"/>
+                          <a:ea typeface="等线" panose="02010600030101010101" pitchFamily="2" charset="-122"/>
+                          <a:cs typeface="+mn-cs"/>
+                        </a:rPr>
+                        <a:t>Block 3</a:t>
+                      </a:r>
+                      <a:endParaRPr kumimoji="0" lang="zh-CN" altLang="en-US" sz="1400" b="1" i="0" u="none" strike="noStrike" kern="1200" cap="none" spc="0" normalizeH="0" baseline="0" noProof="0" dirty="0">
+                        <a:ln>
+                          <a:noFill/>
+                        </a:ln>
+                        <a:solidFill>
+                          <a:prstClr val="black"/>
+                        </a:solidFill>
+                        <a:effectLst/>
+                        <a:uLnTx/>
+                        <a:uFillTx/>
+                        <a:latin typeface="等线" panose="020F0502020204030204"/>
+                        <a:ea typeface="等线" panose="02010600030101010101" pitchFamily="2" charset="-122"/>
+                        <a:cs typeface="+mn-cs"/>
+                      </a:endParaRPr>
+                    </a:p>
+                  </a:txBody>
+                  <a:tcPr marL="68580" marR="68580" marT="34290" marB="34290">
+                    <a:lnL w="12700" cap="flat" cmpd="sng" algn="ctr">
+                      <a:solidFill>
+                        <a:schemeClr val="tx1"/>
+                      </a:solidFill>
+                      <a:prstDash val="solid"/>
+                      <a:round/>
+                      <a:headEnd type="none" w="med" len="med"/>
+                      <a:tailEnd type="none" w="med" len="med"/>
+                    </a:lnL>
+                    <a:lnR w="12700" cap="flat" cmpd="sng" algn="ctr">
+                      <a:solidFill>
+                        <a:schemeClr val="tx1"/>
+                      </a:solidFill>
+                      <a:prstDash val="solid"/>
+                      <a:round/>
+                      <a:headEnd type="none" w="med" len="med"/>
+                      <a:tailEnd type="none" w="med" len="med"/>
+                    </a:lnR>
+                    <a:lnT w="12700" cap="flat" cmpd="sng" algn="ctr">
+                      <a:solidFill>
+                        <a:schemeClr val="tx1"/>
+                      </a:solidFill>
+                      <a:prstDash val="solid"/>
+                      <a:round/>
+                      <a:headEnd type="none" w="med" len="med"/>
+                      <a:tailEnd type="none" w="med" len="med"/>
+                    </a:lnT>
+                    <a:lnB w="12700" cap="flat" cmpd="sng" algn="ctr">
+                      <a:solidFill>
+                        <a:schemeClr val="tx1"/>
+                      </a:solidFill>
+                      <a:prstDash val="solid"/>
+                      <a:round/>
+                      <a:headEnd type="none" w="med" len="med"/>
+                      <a:tailEnd type="none" w="med" len="med"/>
+                    </a:lnB>
+                    <a:lnTlToBr w="12700" cmpd="sng">
+                      <a:noFill/>
+                      <a:prstDash val="solid"/>
+                    </a:lnTlToBr>
+                    <a:lnBlToTr w="12700" cmpd="sng">
+                      <a:noFill/>
+                      <a:prstDash val="solid"/>
+                    </a:lnBlToTr>
+                    <a:solidFill>
+                      <a:schemeClr val="bg1"/>
+                    </a:solidFill>
+                  </a:tcPr>
+                </a:tc>
+                <a:extLst>
+                  <a:ext uri="{0D108BD9-81ED-4DB2-BD59-A6C34878D82A}">
+                    <a16:rowId xmlns:a16="http://schemas.microsoft.com/office/drawing/2014/main" val="1986359428"/>
+                  </a:ext>
+                </a:extLst>
+              </a:tr>
+              <a:tr h="368245">
+                <a:tc>
+                  <a:txBody>
+                    <a:bodyPr/>
+                    <a:lstStyle/>
+                    <a:p>
+                      <a:pPr marL="0" marR="0" lvl="0" indent="0" algn="l" defTabSz="914400" rtl="0" eaLnBrk="1" fontAlgn="auto" latinLnBrk="0" hangingPunct="1">
+                        <a:lnSpc>
+                          <a:spcPct val="100000"/>
+                        </a:lnSpc>
+                        <a:spcBef>
+                          <a:spcPts val="0"/>
+                        </a:spcBef>
+                        <a:spcAft>
+                          <a:spcPts val="0"/>
+                        </a:spcAft>
+                        <a:buClrTx/>
+                        <a:buSzTx/>
+                        <a:buFontTx/>
+                        <a:buNone/>
+                        <a:tabLst/>
+                        <a:defRPr/>
+                      </a:pPr>
+                      <a:r>
+                        <a:rPr kumimoji="0" lang="en-US" altLang="zh-CN" sz="1400" b="1" i="0" u="none" strike="noStrike" kern="1200" cap="none" spc="0" normalizeH="0" baseline="0" noProof="0" dirty="0" smtClean="0">
+                          <a:ln>
+                            <a:noFill/>
+                          </a:ln>
+                          <a:solidFill>
+                            <a:prstClr val="black"/>
+                          </a:solidFill>
+                          <a:effectLst/>
+                          <a:uLnTx/>
+                          <a:uFillTx/>
+                          <a:latin typeface="等线" panose="020F0502020204030204"/>
+                          <a:ea typeface="等线" panose="02010600030101010101" pitchFamily="2" charset="-122"/>
+                          <a:cs typeface="+mn-cs"/>
+                        </a:rPr>
+                        <a:t>…</a:t>
+                      </a:r>
+                      <a:endParaRPr kumimoji="0" lang="zh-CN" altLang="en-US" sz="1400" b="1" i="0" u="none" strike="noStrike" kern="1200" cap="none" spc="0" normalizeH="0" baseline="0" noProof="0" dirty="0">
+                        <a:ln>
+                          <a:noFill/>
+                        </a:ln>
+                        <a:solidFill>
+                          <a:prstClr val="black"/>
+                        </a:solidFill>
+                        <a:effectLst/>
+                        <a:uLnTx/>
+                        <a:uFillTx/>
+                        <a:latin typeface="等线" panose="020F0502020204030204"/>
+                        <a:ea typeface="等线" panose="02010600030101010101" pitchFamily="2" charset="-122"/>
+                        <a:cs typeface="+mn-cs"/>
+                      </a:endParaRPr>
+                    </a:p>
+                  </a:txBody>
+                  <a:tcPr marL="68580" marR="68580" marT="34290" marB="34290">
+                    <a:lnL w="12700" cap="flat" cmpd="sng" algn="ctr">
+                      <a:solidFill>
+                        <a:schemeClr val="tx1"/>
+                      </a:solidFill>
+                      <a:prstDash val="solid"/>
+                      <a:round/>
+                      <a:headEnd type="none" w="med" len="med"/>
+                      <a:tailEnd type="none" w="med" len="med"/>
+                    </a:lnL>
+                    <a:lnR w="12700" cap="flat" cmpd="sng" algn="ctr">
+                      <a:solidFill>
+                        <a:schemeClr val="tx1"/>
+                      </a:solidFill>
+                      <a:prstDash val="solid"/>
+                      <a:round/>
+                      <a:headEnd type="none" w="med" len="med"/>
+                      <a:tailEnd type="none" w="med" len="med"/>
+                    </a:lnR>
+                    <a:lnT w="12700" cap="flat" cmpd="sng" algn="ctr">
+                      <a:solidFill>
+                        <a:schemeClr val="tx1"/>
+                      </a:solidFill>
+                      <a:prstDash val="solid"/>
+                      <a:round/>
+                      <a:headEnd type="none" w="med" len="med"/>
+                      <a:tailEnd type="none" w="med" len="med"/>
+                    </a:lnT>
+                    <a:lnB w="12700" cap="flat" cmpd="sng" algn="ctr">
+                      <a:solidFill>
+                        <a:schemeClr val="tx1"/>
+                      </a:solidFill>
+                      <a:prstDash val="solid"/>
+                      <a:round/>
+                      <a:headEnd type="none" w="med" len="med"/>
+                      <a:tailEnd type="none" w="med" len="med"/>
+                    </a:lnB>
+                    <a:lnTlToBr w="12700" cmpd="sng">
+                      <a:noFill/>
+                      <a:prstDash val="solid"/>
+                    </a:lnTlToBr>
+                    <a:lnBlToTr w="12700" cmpd="sng">
+                      <a:noFill/>
+                      <a:prstDash val="solid"/>
+                    </a:lnBlToTr>
+                    <a:solidFill>
+                      <a:schemeClr val="bg1"/>
+                    </a:solidFill>
+                  </a:tcPr>
+                </a:tc>
+                <a:extLst>
+                  <a:ext uri="{0D108BD9-81ED-4DB2-BD59-A6C34878D82A}">
+                    <a16:rowId xmlns:a16="http://schemas.microsoft.com/office/drawing/2014/main" val="1118201617"/>
+                  </a:ext>
+                </a:extLst>
+              </a:tr>
+              <a:tr h="368245">
+                <a:tc>
+                  <a:txBody>
+                    <a:bodyPr/>
+                    <a:lstStyle/>
+                    <a:p>
+                      <a:pPr marL="0" marR="0" lvl="0" indent="0" algn="l" defTabSz="914400" rtl="0" eaLnBrk="1" fontAlgn="auto" latinLnBrk="0" hangingPunct="1">
+                        <a:lnSpc>
+                          <a:spcPct val="100000"/>
+                        </a:lnSpc>
+                        <a:spcBef>
+                          <a:spcPts val="0"/>
+                        </a:spcBef>
+                        <a:spcAft>
+                          <a:spcPts val="0"/>
+                        </a:spcAft>
+                        <a:buClrTx/>
+                        <a:buSzTx/>
+                        <a:buFontTx/>
+                        <a:buNone/>
+                        <a:tabLst/>
+                        <a:defRPr/>
+                      </a:pPr>
+                      <a:r>
+                        <a:rPr kumimoji="0" lang="en-US" altLang="zh-CN" sz="1400" b="1" i="0" u="none" strike="noStrike" kern="1200" cap="none" spc="0" normalizeH="0" baseline="0" noProof="0" dirty="0" smtClean="0">
+                          <a:ln>
+                            <a:noFill/>
+                          </a:ln>
+                          <a:solidFill>
+                            <a:prstClr val="black"/>
+                          </a:solidFill>
+                          <a:effectLst/>
+                          <a:uLnTx/>
+                          <a:uFillTx/>
+                          <a:latin typeface="等线" panose="020F0502020204030204"/>
+                          <a:ea typeface="等线" panose="02010600030101010101" pitchFamily="2" charset="-122"/>
+                          <a:cs typeface="+mn-cs"/>
+                        </a:rPr>
+                        <a:t>Block n-3</a:t>
+                      </a:r>
+                      <a:endParaRPr kumimoji="0" lang="zh-CN" altLang="en-US" sz="1400" b="1" i="0" u="none" strike="noStrike" kern="1200" cap="none" spc="0" normalizeH="0" baseline="0" noProof="0" dirty="0">
+                        <a:ln>
+                          <a:noFill/>
+                        </a:ln>
+                        <a:solidFill>
+                          <a:prstClr val="black"/>
+                        </a:solidFill>
+                        <a:effectLst/>
+                        <a:uLnTx/>
+                        <a:uFillTx/>
+                        <a:latin typeface="等线" panose="020F0502020204030204"/>
+                        <a:ea typeface="等线" panose="02010600030101010101" pitchFamily="2" charset="-122"/>
+                        <a:cs typeface="+mn-cs"/>
+                      </a:endParaRPr>
+                    </a:p>
+                  </a:txBody>
+                  <a:tcPr marL="68580" marR="68580" marT="34290" marB="34290">
+                    <a:lnL w="12700" cap="flat" cmpd="sng" algn="ctr">
+                      <a:solidFill>
+                        <a:schemeClr val="tx1"/>
+                      </a:solidFill>
+                      <a:prstDash val="solid"/>
+                      <a:round/>
+                      <a:headEnd type="none" w="med" len="med"/>
+                      <a:tailEnd type="none" w="med" len="med"/>
+                    </a:lnL>
+                    <a:lnR w="12700" cap="flat" cmpd="sng" algn="ctr">
+                      <a:solidFill>
+                        <a:schemeClr val="tx1"/>
+                      </a:solidFill>
+                      <a:prstDash val="solid"/>
+                      <a:round/>
+                      <a:headEnd type="none" w="med" len="med"/>
+                      <a:tailEnd type="none" w="med" len="med"/>
+                    </a:lnR>
+                    <a:lnT w="12700" cap="flat" cmpd="sng" algn="ctr">
+                      <a:solidFill>
+                        <a:schemeClr val="tx1"/>
+                      </a:solidFill>
+                      <a:prstDash val="solid"/>
+                      <a:round/>
+                      <a:headEnd type="none" w="med" len="med"/>
+                      <a:tailEnd type="none" w="med" len="med"/>
+                    </a:lnT>
+                    <a:lnB w="12700" cap="flat" cmpd="sng" algn="ctr">
+                      <a:solidFill>
+                        <a:schemeClr val="tx1"/>
+                      </a:solidFill>
+                      <a:prstDash val="solid"/>
+                      <a:round/>
+                      <a:headEnd type="none" w="med" len="med"/>
+                      <a:tailEnd type="none" w="med" len="med"/>
+                    </a:lnB>
+                    <a:lnTlToBr w="12700" cmpd="sng">
+                      <a:noFill/>
+                      <a:prstDash val="solid"/>
+                    </a:lnTlToBr>
+                    <a:lnBlToTr w="12700" cmpd="sng">
+                      <a:noFill/>
+                      <a:prstDash val="solid"/>
+                    </a:lnBlToTr>
+                    <a:solidFill>
+                      <a:schemeClr val="bg1"/>
+                    </a:solidFill>
+                  </a:tcPr>
+                </a:tc>
+                <a:extLst>
+                  <a:ext uri="{0D108BD9-81ED-4DB2-BD59-A6C34878D82A}">
+                    <a16:rowId xmlns:a16="http://schemas.microsoft.com/office/drawing/2014/main" val="713062447"/>
+                  </a:ext>
+                </a:extLst>
+              </a:tr>
+              <a:tr h="368245">
+                <a:tc>
+                  <a:txBody>
+                    <a:bodyPr/>
+                    <a:lstStyle/>
+                    <a:p>
+                      <a:pPr marL="0" marR="0" lvl="0" indent="0" algn="l" defTabSz="914400" rtl="0" eaLnBrk="1" fontAlgn="auto" latinLnBrk="0" hangingPunct="1">
+                        <a:lnSpc>
+                          <a:spcPct val="100000"/>
+                        </a:lnSpc>
+                        <a:spcBef>
+                          <a:spcPts val="0"/>
+                        </a:spcBef>
+                        <a:spcAft>
+                          <a:spcPts val="0"/>
+                        </a:spcAft>
+                        <a:buClrTx/>
+                        <a:buSzTx/>
+                        <a:buFontTx/>
+                        <a:buNone/>
+                        <a:tabLst/>
+                        <a:defRPr/>
+                      </a:pPr>
+                      <a:r>
+                        <a:rPr kumimoji="0" lang="en-US" altLang="zh-CN" sz="1400" b="1" i="0" u="none" strike="noStrike" kern="1200" cap="none" spc="0" normalizeH="0" baseline="0" noProof="0" dirty="0" smtClean="0">
+                          <a:ln>
+                            <a:noFill/>
+                          </a:ln>
+                          <a:solidFill>
+                            <a:prstClr val="black"/>
+                          </a:solidFill>
+                          <a:effectLst/>
+                          <a:uLnTx/>
+                          <a:uFillTx/>
+                          <a:latin typeface="等线" panose="020F0502020204030204"/>
+                          <a:ea typeface="等线" panose="02010600030101010101" pitchFamily="2" charset="-122"/>
+                          <a:cs typeface="+mn-cs"/>
+                        </a:rPr>
+                        <a:t>Block n-2</a:t>
+                      </a:r>
+                      <a:endParaRPr kumimoji="0" lang="zh-CN" altLang="en-US" sz="1400" b="1" i="0" u="none" strike="noStrike" kern="1200" cap="none" spc="0" normalizeH="0" baseline="0" noProof="0" dirty="0">
+                        <a:ln>
+                          <a:noFill/>
+                        </a:ln>
+                        <a:solidFill>
+                          <a:prstClr val="black"/>
+                        </a:solidFill>
+                        <a:effectLst/>
+                        <a:uLnTx/>
+                        <a:uFillTx/>
+                        <a:latin typeface="等线" panose="020F0502020204030204"/>
+                        <a:ea typeface="等线" panose="02010600030101010101" pitchFamily="2" charset="-122"/>
+                        <a:cs typeface="+mn-cs"/>
+                      </a:endParaRPr>
+                    </a:p>
+                  </a:txBody>
+                  <a:tcPr marL="68580" marR="68580" marT="34290" marB="34290">
+                    <a:lnL w="12700" cap="flat" cmpd="sng" algn="ctr">
+                      <a:solidFill>
+                        <a:schemeClr val="tx1"/>
+                      </a:solidFill>
+                      <a:prstDash val="solid"/>
+                      <a:round/>
+                      <a:headEnd type="none" w="med" len="med"/>
+                      <a:tailEnd type="none" w="med" len="med"/>
+                    </a:lnL>
+                    <a:lnR w="12700" cap="flat" cmpd="sng" algn="ctr">
+                      <a:solidFill>
+                        <a:schemeClr val="tx1"/>
+                      </a:solidFill>
+                      <a:prstDash val="solid"/>
+                      <a:round/>
+                      <a:headEnd type="none" w="med" len="med"/>
+                      <a:tailEnd type="none" w="med" len="med"/>
+                    </a:lnR>
+                    <a:lnT w="12700" cap="flat" cmpd="sng" algn="ctr">
+                      <a:solidFill>
+                        <a:schemeClr val="tx1"/>
+                      </a:solidFill>
+                      <a:prstDash val="solid"/>
+                      <a:round/>
+                      <a:headEnd type="none" w="med" len="med"/>
+                      <a:tailEnd type="none" w="med" len="med"/>
+                    </a:lnT>
+                    <a:lnB w="12700" cap="flat" cmpd="sng" algn="ctr">
+                      <a:solidFill>
+                        <a:schemeClr val="tx1"/>
+                      </a:solidFill>
+                      <a:prstDash val="solid"/>
+                      <a:round/>
+                      <a:headEnd type="none" w="med" len="med"/>
+                      <a:tailEnd type="none" w="med" len="med"/>
+                    </a:lnB>
+                    <a:lnTlToBr w="12700" cmpd="sng">
+                      <a:noFill/>
+                      <a:prstDash val="solid"/>
+                    </a:lnTlToBr>
+                    <a:lnBlToTr w="12700" cmpd="sng">
+                      <a:noFill/>
+                      <a:prstDash val="solid"/>
+                    </a:lnBlToTr>
+                    <a:solidFill>
+                      <a:schemeClr val="bg1"/>
+                    </a:solidFill>
+                  </a:tcPr>
+                </a:tc>
+                <a:extLst>
+                  <a:ext uri="{0D108BD9-81ED-4DB2-BD59-A6C34878D82A}">
+                    <a16:rowId xmlns:a16="http://schemas.microsoft.com/office/drawing/2014/main" val="3702186721"/>
+                  </a:ext>
+                </a:extLst>
+              </a:tr>
+              <a:tr h="368245">
+                <a:tc>
+                  <a:txBody>
+                    <a:bodyPr/>
+                    <a:lstStyle/>
+                    <a:p>
+                      <a:pPr marL="0" marR="0" lvl="0" indent="0" algn="l" defTabSz="914400" rtl="0" eaLnBrk="1" fontAlgn="auto" latinLnBrk="0" hangingPunct="1">
+                        <a:lnSpc>
+                          <a:spcPct val="100000"/>
+                        </a:lnSpc>
+                        <a:spcBef>
+                          <a:spcPts val="0"/>
+                        </a:spcBef>
+                        <a:spcAft>
+                          <a:spcPts val="0"/>
+                        </a:spcAft>
+                        <a:buClrTx/>
+                        <a:buSzTx/>
+                        <a:buFontTx/>
+                        <a:buNone/>
+                        <a:tabLst/>
+                        <a:defRPr/>
+                      </a:pPr>
+                      <a:r>
+                        <a:rPr kumimoji="0" lang="en-US" altLang="zh-CN" sz="1400" b="1" i="0" u="none" strike="noStrike" kern="1200" cap="none" spc="0" normalizeH="0" baseline="0" noProof="0" dirty="0" smtClean="0">
+                          <a:ln>
+                            <a:noFill/>
+                          </a:ln>
+                          <a:solidFill>
+                            <a:prstClr val="black"/>
+                          </a:solidFill>
+                          <a:effectLst/>
+                          <a:uLnTx/>
+                          <a:uFillTx/>
+                          <a:latin typeface="等线" panose="020F0502020204030204"/>
+                          <a:ea typeface="等线" panose="02010600030101010101" pitchFamily="2" charset="-122"/>
+                          <a:cs typeface="+mn-cs"/>
+                        </a:rPr>
+                        <a:t>Block n-1</a:t>
+                      </a:r>
+                      <a:endParaRPr kumimoji="0" lang="zh-CN" altLang="en-US" sz="1400" b="1" i="0" u="none" strike="noStrike" kern="1200" cap="none" spc="0" normalizeH="0" baseline="0" noProof="0" dirty="0">
+                        <a:ln>
+                          <a:noFill/>
+                        </a:ln>
+                        <a:solidFill>
+                          <a:prstClr val="black"/>
+                        </a:solidFill>
+                        <a:effectLst/>
+                        <a:uLnTx/>
+                        <a:uFillTx/>
+                        <a:latin typeface="等线" panose="020F0502020204030204"/>
+                        <a:ea typeface="等线" panose="02010600030101010101" pitchFamily="2" charset="-122"/>
+                        <a:cs typeface="+mn-cs"/>
+                      </a:endParaRPr>
+                    </a:p>
+                  </a:txBody>
+                  <a:tcPr marL="68580" marR="68580" marT="34290" marB="34290">
+                    <a:lnL w="12700" cap="flat" cmpd="sng" algn="ctr">
+                      <a:solidFill>
+                        <a:schemeClr val="tx1"/>
+                      </a:solidFill>
+                      <a:prstDash val="solid"/>
+                      <a:round/>
+                      <a:headEnd type="none" w="med" len="med"/>
+                      <a:tailEnd type="none" w="med" len="med"/>
+                    </a:lnL>
+                    <a:lnR w="12700" cap="flat" cmpd="sng" algn="ctr">
+                      <a:solidFill>
+                        <a:schemeClr val="tx1"/>
+                      </a:solidFill>
+                      <a:prstDash val="solid"/>
+                      <a:round/>
+                      <a:headEnd type="none" w="med" len="med"/>
+                      <a:tailEnd type="none" w="med" len="med"/>
+                    </a:lnR>
+                    <a:lnT w="12700" cap="flat" cmpd="sng" algn="ctr">
+                      <a:solidFill>
+                        <a:schemeClr val="tx1"/>
+                      </a:solidFill>
+                      <a:prstDash val="solid"/>
+                      <a:round/>
+                      <a:headEnd type="none" w="med" len="med"/>
+                      <a:tailEnd type="none" w="med" len="med"/>
+                    </a:lnT>
+                    <a:lnB w="12700" cap="flat" cmpd="sng" algn="ctr">
+                      <a:solidFill>
+                        <a:schemeClr val="tx1"/>
+                      </a:solidFill>
+                      <a:prstDash val="solid"/>
+                      <a:round/>
+                      <a:headEnd type="none" w="med" len="med"/>
+                      <a:tailEnd type="none" w="med" len="med"/>
+                    </a:lnB>
+                    <a:lnTlToBr w="12700" cmpd="sng">
+                      <a:noFill/>
+                      <a:prstDash val="solid"/>
+                    </a:lnTlToBr>
+                    <a:lnBlToTr w="12700" cmpd="sng">
+                      <a:noFill/>
+                      <a:prstDash val="solid"/>
+                    </a:lnBlToTr>
+                    <a:solidFill>
+                      <a:schemeClr val="bg1"/>
+                    </a:solidFill>
+                  </a:tcPr>
+                </a:tc>
+                <a:extLst>
+                  <a:ext uri="{0D108BD9-81ED-4DB2-BD59-A6C34878D82A}">
+                    <a16:rowId xmlns:a16="http://schemas.microsoft.com/office/drawing/2014/main" val="2579952075"/>
+                  </a:ext>
+                </a:extLst>
+              </a:tr>
+              <a:tr h="368245">
+                <a:tc>
+                  <a:txBody>
+                    <a:bodyPr/>
+                    <a:lstStyle/>
+                    <a:p>
+                      <a:pPr marL="0" marR="0" lvl="0" indent="0" algn="l" defTabSz="914400" rtl="0" eaLnBrk="1" fontAlgn="auto" latinLnBrk="0" hangingPunct="1">
+                        <a:lnSpc>
+                          <a:spcPct val="100000"/>
+                        </a:lnSpc>
+                        <a:spcBef>
+                          <a:spcPts val="0"/>
+                        </a:spcBef>
+                        <a:spcAft>
+                          <a:spcPts val="0"/>
+                        </a:spcAft>
+                        <a:buClrTx/>
+                        <a:buSzTx/>
+                        <a:buFontTx/>
+                        <a:buNone/>
+                        <a:tabLst/>
+                        <a:defRPr/>
+                      </a:pPr>
+                      <a:r>
+                        <a:rPr kumimoji="0" lang="en-US" altLang="zh-CN" sz="1400" b="1" i="0" u="none" strike="noStrike" kern="1200" cap="none" spc="0" normalizeH="0" baseline="0" noProof="0" dirty="0" smtClean="0">
+                          <a:ln>
+                            <a:noFill/>
+                          </a:ln>
+                          <a:solidFill>
+                            <a:prstClr val="black"/>
+                          </a:solidFill>
+                          <a:effectLst/>
+                          <a:uLnTx/>
+                          <a:uFillTx/>
+                          <a:latin typeface="等线" panose="020F0502020204030204"/>
+                          <a:ea typeface="等线" panose="02010600030101010101" pitchFamily="2" charset="-122"/>
+                          <a:cs typeface="+mn-cs"/>
+                        </a:rPr>
+                        <a:t>Block n</a:t>
+                      </a:r>
+                      <a:endParaRPr kumimoji="0" lang="zh-CN" altLang="en-US" sz="1400" b="1" i="0" u="none" strike="noStrike" kern="1200" cap="none" spc="0" normalizeH="0" baseline="0" noProof="0" dirty="0">
+                        <a:ln>
+                          <a:noFill/>
+                        </a:ln>
+                        <a:solidFill>
+                          <a:prstClr val="black"/>
+                        </a:solidFill>
+                        <a:effectLst/>
+                        <a:uLnTx/>
+                        <a:uFillTx/>
+                        <a:latin typeface="等线" panose="020F0502020204030204"/>
+                        <a:ea typeface="等线" panose="02010600030101010101" pitchFamily="2" charset="-122"/>
+                        <a:cs typeface="+mn-cs"/>
+                      </a:endParaRPr>
+                    </a:p>
+                  </a:txBody>
+                  <a:tcPr marL="68580" marR="68580" marT="34290" marB="34290">
+                    <a:lnL w="12700" cap="flat" cmpd="sng" algn="ctr">
+                      <a:solidFill>
+                        <a:schemeClr val="tx1"/>
+                      </a:solidFill>
+                      <a:prstDash val="solid"/>
+                      <a:round/>
+                      <a:headEnd type="none" w="med" len="med"/>
+                      <a:tailEnd type="none" w="med" len="med"/>
+                    </a:lnL>
+                    <a:lnR w="12700" cap="flat" cmpd="sng" algn="ctr">
+                      <a:solidFill>
+                        <a:schemeClr val="tx1"/>
+                      </a:solidFill>
+                      <a:prstDash val="solid"/>
+                      <a:round/>
+                      <a:headEnd type="none" w="med" len="med"/>
+                      <a:tailEnd type="none" w="med" len="med"/>
+                    </a:lnR>
+                    <a:lnT w="12700" cap="flat" cmpd="sng" algn="ctr">
+                      <a:solidFill>
+                        <a:schemeClr val="tx1"/>
+                      </a:solidFill>
+                      <a:prstDash val="solid"/>
+                      <a:round/>
+                      <a:headEnd type="none" w="med" len="med"/>
+                      <a:tailEnd type="none" w="med" len="med"/>
+                    </a:lnT>
+                    <a:lnB w="12700" cap="flat" cmpd="sng" algn="ctr">
+                      <a:solidFill>
+                        <a:schemeClr val="tx1"/>
+                      </a:solidFill>
+                      <a:prstDash val="solid"/>
+                      <a:round/>
+                      <a:headEnd type="none" w="med" len="med"/>
+                      <a:tailEnd type="none" w="med" len="med"/>
+                    </a:lnB>
+                    <a:lnTlToBr w="12700" cmpd="sng">
+                      <a:noFill/>
+                      <a:prstDash val="solid"/>
+                    </a:lnTlToBr>
+                    <a:lnBlToTr w="12700" cmpd="sng">
+                      <a:noFill/>
+                      <a:prstDash val="solid"/>
+                    </a:lnBlToTr>
+                    <a:solidFill>
+                      <a:schemeClr val="bg1"/>
+                    </a:solidFill>
+                  </a:tcPr>
+                </a:tc>
+                <a:extLst>
+                  <a:ext uri="{0D108BD9-81ED-4DB2-BD59-A6C34878D82A}">
+                    <a16:rowId xmlns:a16="http://schemas.microsoft.com/office/drawing/2014/main" val="3122750366"/>
+                  </a:ext>
+                </a:extLst>
+              </a:tr>
+            </a:tbl>
+          </a:graphicData>
+        </a:graphic>
+      </p:graphicFrame>
+      <p:cxnSp>
+        <p:nvCxnSpPr>
+          <p:cNvPr id="7" name="直接箭头连接符 6"/>
+          <p:cNvCxnSpPr/>
+          <p:nvPr/>
+        </p:nvCxnSpPr>
+        <p:spPr>
+          <a:xfrm flipV="1">
+            <a:off x="3205371" y="1811407"/>
+            <a:ext cx="2100469" cy="752889"/>
+          </a:xfrm>
+          <a:prstGeom prst="straightConnector1">
+            <a:avLst/>
+          </a:prstGeom>
+          <a:ln>
+            <a:tailEnd type="triangle"/>
+          </a:ln>
+        </p:spPr>
+        <p:style>
+          <a:lnRef idx="1">
+            <a:schemeClr val="accent1"/>
+          </a:lnRef>
+          <a:fillRef idx="0">
+            <a:schemeClr val="accent1"/>
+          </a:fillRef>
+          <a:effectRef idx="0">
+            <a:schemeClr val="accent1"/>
+          </a:effectRef>
+          <a:fontRef idx="minor">
+            <a:schemeClr val="tx1"/>
+          </a:fontRef>
+        </p:style>
+      </p:cxnSp>
+      <p:cxnSp>
+        <p:nvCxnSpPr>
+          <p:cNvPr id="9" name="直接箭头连接符 8"/>
+          <p:cNvCxnSpPr/>
+          <p:nvPr/>
+        </p:nvCxnSpPr>
+        <p:spPr>
+          <a:xfrm flipV="1">
+            <a:off x="3205371" y="2187851"/>
+            <a:ext cx="2100469" cy="376445"/>
+          </a:xfrm>
+          <a:prstGeom prst="straightConnector1">
+            <a:avLst/>
+          </a:prstGeom>
+          <a:ln>
+            <a:tailEnd type="triangle"/>
+          </a:ln>
+        </p:spPr>
+        <p:style>
+          <a:lnRef idx="1">
+            <a:schemeClr val="accent1"/>
+          </a:lnRef>
+          <a:fillRef idx="0">
+            <a:schemeClr val="accent1"/>
+          </a:fillRef>
+          <a:effectRef idx="0">
+            <a:schemeClr val="accent1"/>
+          </a:effectRef>
+          <a:fontRef idx="minor">
+            <a:schemeClr val="tx1"/>
+          </a:fontRef>
+        </p:style>
+      </p:cxnSp>
+      <p:cxnSp>
+        <p:nvCxnSpPr>
+          <p:cNvPr id="12" name="直接箭头连接符 11"/>
+          <p:cNvCxnSpPr/>
+          <p:nvPr/>
+        </p:nvCxnSpPr>
+        <p:spPr>
+          <a:xfrm>
+            <a:off x="3205371" y="2564296"/>
+            <a:ext cx="2100469" cy="0"/>
+          </a:xfrm>
+          <a:prstGeom prst="straightConnector1">
+            <a:avLst/>
+          </a:prstGeom>
+          <a:ln>
+            <a:tailEnd type="triangle"/>
+          </a:ln>
+        </p:spPr>
+        <p:style>
+          <a:lnRef idx="1">
+            <a:schemeClr val="accent1"/>
+          </a:lnRef>
+          <a:fillRef idx="0">
+            <a:schemeClr val="accent1"/>
+          </a:fillRef>
+          <a:effectRef idx="0">
+            <a:schemeClr val="accent1"/>
+          </a:effectRef>
+          <a:fontRef idx="minor">
+            <a:schemeClr val="tx1"/>
+          </a:fontRef>
+        </p:style>
+      </p:cxnSp>
+      <p:cxnSp>
+        <p:nvCxnSpPr>
+          <p:cNvPr id="15" name="直接箭头连接符 14"/>
+          <p:cNvCxnSpPr/>
+          <p:nvPr/>
+        </p:nvCxnSpPr>
+        <p:spPr>
+          <a:xfrm>
+            <a:off x="3205371" y="2564296"/>
+            <a:ext cx="2100469" cy="376445"/>
+          </a:xfrm>
+          <a:prstGeom prst="straightConnector1">
+            <a:avLst/>
+          </a:prstGeom>
+          <a:ln>
+            <a:tailEnd type="triangle"/>
+          </a:ln>
+        </p:spPr>
+        <p:style>
+          <a:lnRef idx="1">
+            <a:schemeClr val="accent1"/>
+          </a:lnRef>
+          <a:fillRef idx="0">
+            <a:schemeClr val="accent1"/>
+          </a:fillRef>
+          <a:effectRef idx="0">
+            <a:schemeClr val="accent1"/>
+          </a:effectRef>
+          <a:fontRef idx="minor">
+            <a:schemeClr val="tx1"/>
+          </a:fontRef>
+        </p:style>
+      </p:cxnSp>
+      <p:cxnSp>
+        <p:nvCxnSpPr>
+          <p:cNvPr id="18" name="直接箭头连接符 17"/>
+          <p:cNvCxnSpPr/>
+          <p:nvPr/>
+        </p:nvCxnSpPr>
+        <p:spPr>
+          <a:xfrm>
+            <a:off x="3205371" y="2564296"/>
+            <a:ext cx="2100469" cy="1013792"/>
+          </a:xfrm>
+          <a:prstGeom prst="straightConnector1">
+            <a:avLst/>
+          </a:prstGeom>
+          <a:ln>
+            <a:tailEnd type="triangle"/>
+          </a:ln>
+        </p:spPr>
+        <p:style>
+          <a:lnRef idx="1">
+            <a:schemeClr val="accent1"/>
+          </a:lnRef>
+          <a:fillRef idx="0">
+            <a:schemeClr val="accent1"/>
+          </a:fillRef>
+          <a:effectRef idx="0">
+            <a:schemeClr val="accent1"/>
+          </a:effectRef>
+          <a:fontRef idx="minor">
+            <a:schemeClr val="tx1"/>
+          </a:fontRef>
+        </p:style>
+      </p:cxnSp>
+      <p:cxnSp>
+        <p:nvCxnSpPr>
+          <p:cNvPr id="21" name="直接箭头连接符 20"/>
+          <p:cNvCxnSpPr/>
+          <p:nvPr/>
+        </p:nvCxnSpPr>
+        <p:spPr>
+          <a:xfrm>
+            <a:off x="3205371" y="2564295"/>
+            <a:ext cx="2100469" cy="1483417"/>
+          </a:xfrm>
+          <a:prstGeom prst="straightConnector1">
+            <a:avLst/>
+          </a:prstGeom>
+          <a:ln>
+            <a:tailEnd type="triangle"/>
+          </a:ln>
+        </p:spPr>
+        <p:style>
+          <a:lnRef idx="1">
+            <a:schemeClr val="accent1"/>
+          </a:lnRef>
+          <a:fillRef idx="0">
+            <a:schemeClr val="accent1"/>
+          </a:fillRef>
+          <a:effectRef idx="0">
+            <a:schemeClr val="accent1"/>
+          </a:effectRef>
+          <a:fontRef idx="minor">
+            <a:schemeClr val="tx1"/>
+          </a:fontRef>
+        </p:style>
+      </p:cxnSp>
+      <p:cxnSp>
+        <p:nvCxnSpPr>
+          <p:cNvPr id="24" name="直接箭头连接符 23"/>
+          <p:cNvCxnSpPr/>
+          <p:nvPr/>
+        </p:nvCxnSpPr>
+        <p:spPr>
+          <a:xfrm>
+            <a:off x="3205371" y="2564293"/>
+            <a:ext cx="2100469" cy="1830047"/>
+          </a:xfrm>
+          <a:prstGeom prst="straightConnector1">
+            <a:avLst/>
+          </a:prstGeom>
+          <a:ln>
+            <a:tailEnd type="triangle"/>
+          </a:ln>
+        </p:spPr>
+        <p:style>
+          <a:lnRef idx="1">
+            <a:schemeClr val="accent1"/>
+          </a:lnRef>
+          <a:fillRef idx="0">
+            <a:schemeClr val="accent1"/>
+          </a:fillRef>
+          <a:effectRef idx="0">
+            <a:schemeClr val="accent1"/>
+          </a:effectRef>
+          <a:fontRef idx="minor">
+            <a:schemeClr val="tx1"/>
+          </a:fontRef>
+        </p:style>
+      </p:cxnSp>
+      <p:cxnSp>
+        <p:nvCxnSpPr>
+          <p:cNvPr id="27" name="直接箭头连接符 26"/>
+          <p:cNvCxnSpPr/>
+          <p:nvPr/>
+        </p:nvCxnSpPr>
+        <p:spPr>
+          <a:xfrm>
+            <a:off x="3205371" y="2564293"/>
+            <a:ext cx="2100469" cy="2206492"/>
+          </a:xfrm>
+          <a:prstGeom prst="straightConnector1">
+            <a:avLst/>
+          </a:prstGeom>
+          <a:ln>
+            <a:tailEnd type="triangle"/>
+          </a:ln>
+        </p:spPr>
+        <p:style>
+          <a:lnRef idx="1">
+            <a:schemeClr val="accent1"/>
+          </a:lnRef>
+          <a:fillRef idx="0">
+            <a:schemeClr val="accent1"/>
+          </a:fillRef>
+          <a:effectRef idx="0">
+            <a:schemeClr val="accent1"/>
+          </a:effectRef>
+          <a:fontRef idx="minor">
+            <a:schemeClr val="tx1"/>
+          </a:fontRef>
+        </p:style>
+      </p:cxnSp>
+      <p:cxnSp>
+        <p:nvCxnSpPr>
+          <p:cNvPr id="31" name="直接箭头连接符 30"/>
+          <p:cNvCxnSpPr/>
+          <p:nvPr/>
+        </p:nvCxnSpPr>
+        <p:spPr>
+          <a:xfrm>
+            <a:off x="3205371" y="2564296"/>
+            <a:ext cx="2100469" cy="1013792"/>
+          </a:xfrm>
+          <a:prstGeom prst="straightConnector1">
+            <a:avLst/>
+          </a:prstGeom>
+          <a:ln>
+            <a:tailEnd type="triangle"/>
+          </a:ln>
+        </p:spPr>
+        <p:style>
+          <a:lnRef idx="1">
+            <a:schemeClr val="accent1"/>
+          </a:lnRef>
+          <a:fillRef idx="0">
+            <a:schemeClr val="accent1"/>
+          </a:fillRef>
+          <a:effectRef idx="0">
+            <a:schemeClr val="accent1"/>
+          </a:effectRef>
+          <a:fontRef idx="minor">
+            <a:schemeClr val="tx1"/>
+          </a:fontRef>
+        </p:style>
+      </p:cxnSp>
+      <p:cxnSp>
+        <p:nvCxnSpPr>
+          <p:cNvPr id="32" name="直接箭头连接符 31"/>
+          <p:cNvCxnSpPr/>
+          <p:nvPr/>
+        </p:nvCxnSpPr>
+        <p:spPr>
+          <a:xfrm>
+            <a:off x="3205371" y="2564295"/>
+            <a:ext cx="2100469" cy="1483417"/>
+          </a:xfrm>
+          <a:prstGeom prst="straightConnector1">
+            <a:avLst/>
+          </a:prstGeom>
+          <a:ln>
+            <a:tailEnd type="triangle"/>
+          </a:ln>
+        </p:spPr>
+        <p:style>
+          <a:lnRef idx="1">
+            <a:schemeClr val="accent1"/>
+          </a:lnRef>
+          <a:fillRef idx="0">
+            <a:schemeClr val="accent1"/>
+          </a:fillRef>
+          <a:effectRef idx="0">
+            <a:schemeClr val="accent1"/>
+          </a:effectRef>
+          <a:fontRef idx="minor">
+            <a:schemeClr val="tx1"/>
+          </a:fontRef>
+        </p:style>
+      </p:cxnSp>
+      <p:cxnSp>
+        <p:nvCxnSpPr>
+          <p:cNvPr id="33" name="直接箭头连接符 32"/>
+          <p:cNvCxnSpPr/>
+          <p:nvPr/>
+        </p:nvCxnSpPr>
+        <p:spPr>
+          <a:xfrm>
+            <a:off x="3205371" y="2564294"/>
+            <a:ext cx="2100469" cy="1830047"/>
+          </a:xfrm>
+          <a:prstGeom prst="straightConnector1">
+            <a:avLst/>
+          </a:prstGeom>
+          <a:ln>
+            <a:tailEnd type="triangle"/>
+          </a:ln>
+        </p:spPr>
+        <p:style>
+          <a:lnRef idx="1">
+            <a:schemeClr val="accent1"/>
+          </a:lnRef>
+          <a:fillRef idx="0">
+            <a:schemeClr val="accent1"/>
+          </a:fillRef>
+          <a:effectRef idx="0">
+            <a:schemeClr val="accent1"/>
+          </a:effectRef>
+          <a:fontRef idx="minor">
+            <a:schemeClr val="tx1"/>
+          </a:fontRef>
+        </p:style>
+      </p:cxnSp>
+      <p:cxnSp>
+        <p:nvCxnSpPr>
+          <p:cNvPr id="34" name="直接箭头连接符 33"/>
+          <p:cNvCxnSpPr/>
+          <p:nvPr/>
+        </p:nvCxnSpPr>
+        <p:spPr>
+          <a:xfrm>
+            <a:off x="3205371" y="2564294"/>
+            <a:ext cx="2100469" cy="2206492"/>
+          </a:xfrm>
+          <a:prstGeom prst="straightConnector1">
+            <a:avLst/>
+          </a:prstGeom>
+          <a:ln>
+            <a:tailEnd type="triangle"/>
+          </a:ln>
+        </p:spPr>
+        <p:style>
+          <a:lnRef idx="1">
+            <a:schemeClr val="accent1"/>
+          </a:lnRef>
+          <a:fillRef idx="0">
+            <a:schemeClr val="accent1"/>
+          </a:fillRef>
+          <a:effectRef idx="0">
+            <a:schemeClr val="accent1"/>
+          </a:effectRef>
+          <a:fontRef idx="minor">
+            <a:schemeClr val="tx1"/>
+          </a:fontRef>
+        </p:style>
+      </p:cxnSp>
+      <p:cxnSp>
+        <p:nvCxnSpPr>
+          <p:cNvPr id="35" name="直接箭头连接符 34"/>
+          <p:cNvCxnSpPr/>
+          <p:nvPr/>
+        </p:nvCxnSpPr>
+        <p:spPr>
+          <a:xfrm flipV="1">
+            <a:off x="3205371" y="1925707"/>
+            <a:ext cx="2100469" cy="1015034"/>
+          </a:xfrm>
+          <a:prstGeom prst="straightConnector1">
+            <a:avLst/>
+          </a:prstGeom>
+          <a:ln>
+            <a:tailEnd type="triangle"/>
+          </a:ln>
+        </p:spPr>
+        <p:style>
+          <a:lnRef idx="1">
+            <a:schemeClr val="accent1"/>
+          </a:lnRef>
+          <a:fillRef idx="0">
+            <a:schemeClr val="accent1"/>
+          </a:fillRef>
+          <a:effectRef idx="0">
+            <a:schemeClr val="accent1"/>
+          </a:effectRef>
+          <a:fontRef idx="minor">
+            <a:schemeClr val="tx1"/>
+          </a:fontRef>
+        </p:style>
+      </p:cxnSp>
+      <p:cxnSp>
+        <p:nvCxnSpPr>
+          <p:cNvPr id="36" name="直接箭头连接符 35"/>
+          <p:cNvCxnSpPr/>
+          <p:nvPr/>
+        </p:nvCxnSpPr>
+        <p:spPr>
+          <a:xfrm flipV="1">
+            <a:off x="3205371" y="2302151"/>
+            <a:ext cx="2100469" cy="638589"/>
+          </a:xfrm>
+          <a:prstGeom prst="straightConnector1">
+            <a:avLst/>
+          </a:prstGeom>
+          <a:ln>
+            <a:tailEnd type="triangle"/>
+          </a:ln>
+        </p:spPr>
+        <p:style>
+          <a:lnRef idx="1">
+            <a:schemeClr val="accent1"/>
+          </a:lnRef>
+          <a:fillRef idx="0">
+            <a:schemeClr val="accent1"/>
+          </a:fillRef>
+          <a:effectRef idx="0">
+            <a:schemeClr val="accent1"/>
+          </a:effectRef>
+          <a:fontRef idx="minor">
+            <a:schemeClr val="tx1"/>
+          </a:fontRef>
+        </p:style>
+      </p:cxnSp>
+      <p:cxnSp>
+        <p:nvCxnSpPr>
+          <p:cNvPr id="37" name="直接箭头连接符 36"/>
+          <p:cNvCxnSpPr/>
+          <p:nvPr/>
+        </p:nvCxnSpPr>
+        <p:spPr>
+          <a:xfrm flipV="1">
+            <a:off x="3205371" y="2623930"/>
+            <a:ext cx="2100469" cy="316811"/>
+          </a:xfrm>
+          <a:prstGeom prst="straightConnector1">
+            <a:avLst/>
+          </a:prstGeom>
+          <a:ln>
+            <a:tailEnd type="triangle"/>
+          </a:ln>
+        </p:spPr>
+        <p:style>
+          <a:lnRef idx="1">
+            <a:schemeClr val="accent1"/>
+          </a:lnRef>
+          <a:fillRef idx="0">
+            <a:schemeClr val="accent1"/>
+          </a:fillRef>
+          <a:effectRef idx="0">
+            <a:schemeClr val="accent1"/>
+          </a:effectRef>
+          <a:fontRef idx="minor">
+            <a:schemeClr val="tx1"/>
+          </a:fontRef>
+        </p:style>
+      </p:cxnSp>
+      <p:cxnSp>
+        <p:nvCxnSpPr>
+          <p:cNvPr id="38" name="直接箭头连接符 37"/>
+          <p:cNvCxnSpPr/>
+          <p:nvPr/>
+        </p:nvCxnSpPr>
+        <p:spPr>
+          <a:xfrm>
+            <a:off x="3205371" y="2940740"/>
+            <a:ext cx="2100469" cy="0"/>
+          </a:xfrm>
+          <a:prstGeom prst="straightConnector1">
+            <a:avLst/>
+          </a:prstGeom>
+          <a:ln>
+            <a:tailEnd type="triangle"/>
+          </a:ln>
+        </p:spPr>
+        <p:style>
+          <a:lnRef idx="1">
+            <a:schemeClr val="accent1"/>
+          </a:lnRef>
+          <a:fillRef idx="0">
+            <a:schemeClr val="accent1"/>
+          </a:fillRef>
+          <a:effectRef idx="0">
+            <a:schemeClr val="accent1"/>
+          </a:effectRef>
+          <a:fontRef idx="minor">
+            <a:schemeClr val="tx1"/>
+          </a:fontRef>
+        </p:style>
+      </p:cxnSp>
+      <p:cxnSp>
+        <p:nvCxnSpPr>
+          <p:cNvPr id="39" name="直接箭头连接符 38"/>
+          <p:cNvCxnSpPr/>
+          <p:nvPr/>
+        </p:nvCxnSpPr>
+        <p:spPr>
+          <a:xfrm>
+            <a:off x="3205371" y="2940740"/>
+            <a:ext cx="2100469" cy="637347"/>
+          </a:xfrm>
+          <a:prstGeom prst="straightConnector1">
+            <a:avLst/>
+          </a:prstGeom>
+          <a:ln>
+            <a:tailEnd type="triangle"/>
+          </a:ln>
+        </p:spPr>
+        <p:style>
+          <a:lnRef idx="1">
+            <a:schemeClr val="accent1"/>
+          </a:lnRef>
+          <a:fillRef idx="0">
+            <a:schemeClr val="accent1"/>
+          </a:fillRef>
+          <a:effectRef idx="0">
+            <a:schemeClr val="accent1"/>
+          </a:effectRef>
+          <a:fontRef idx="minor">
+            <a:schemeClr val="tx1"/>
+          </a:fontRef>
+        </p:style>
+      </p:cxnSp>
+      <p:cxnSp>
+        <p:nvCxnSpPr>
+          <p:cNvPr id="40" name="直接箭头连接符 39"/>
+          <p:cNvCxnSpPr/>
+          <p:nvPr/>
+        </p:nvCxnSpPr>
+        <p:spPr>
+          <a:xfrm>
+            <a:off x="3205371" y="2940741"/>
+            <a:ext cx="2100469" cy="1106971"/>
+          </a:xfrm>
+          <a:prstGeom prst="straightConnector1">
+            <a:avLst/>
+          </a:prstGeom>
+          <a:ln>
+            <a:tailEnd type="triangle"/>
+          </a:ln>
+        </p:spPr>
+        <p:style>
+          <a:lnRef idx="1">
+            <a:schemeClr val="accent1"/>
+          </a:lnRef>
+          <a:fillRef idx="0">
+            <a:schemeClr val="accent1"/>
+          </a:fillRef>
+          <a:effectRef idx="0">
+            <a:schemeClr val="accent1"/>
+          </a:effectRef>
+          <a:fontRef idx="minor">
+            <a:schemeClr val="tx1"/>
+          </a:fontRef>
+        </p:style>
+      </p:cxnSp>
+      <p:cxnSp>
+        <p:nvCxnSpPr>
+          <p:cNvPr id="41" name="直接箭头连接符 40"/>
+          <p:cNvCxnSpPr/>
+          <p:nvPr/>
+        </p:nvCxnSpPr>
+        <p:spPr>
+          <a:xfrm>
+            <a:off x="3205371" y="2940741"/>
+            <a:ext cx="2100469" cy="1453600"/>
+          </a:xfrm>
+          <a:prstGeom prst="straightConnector1">
+            <a:avLst/>
+          </a:prstGeom>
+          <a:ln>
+            <a:tailEnd type="triangle"/>
+          </a:ln>
+        </p:spPr>
+        <p:style>
+          <a:lnRef idx="1">
+            <a:schemeClr val="accent1"/>
+          </a:lnRef>
+          <a:fillRef idx="0">
+            <a:schemeClr val="accent1"/>
+          </a:fillRef>
+          <a:effectRef idx="0">
+            <a:schemeClr val="accent1"/>
+          </a:effectRef>
+          <a:fontRef idx="minor">
+            <a:schemeClr val="tx1"/>
+          </a:fontRef>
+        </p:style>
+      </p:cxnSp>
+      <p:cxnSp>
+        <p:nvCxnSpPr>
+          <p:cNvPr id="42" name="直接箭头连接符 41"/>
+          <p:cNvCxnSpPr/>
+          <p:nvPr/>
+        </p:nvCxnSpPr>
+        <p:spPr>
+          <a:xfrm>
+            <a:off x="3205371" y="2940741"/>
+            <a:ext cx="2100469" cy="1777862"/>
+          </a:xfrm>
+          <a:prstGeom prst="straightConnector1">
+            <a:avLst/>
+          </a:prstGeom>
+          <a:ln>
+            <a:tailEnd type="triangle"/>
+          </a:ln>
+        </p:spPr>
+        <p:style>
+          <a:lnRef idx="1">
+            <a:schemeClr val="accent1"/>
+          </a:lnRef>
+          <a:fillRef idx="0">
+            <a:schemeClr val="accent1"/>
+          </a:fillRef>
+          <a:effectRef idx="0">
+            <a:schemeClr val="accent1"/>
+          </a:effectRef>
+          <a:fontRef idx="minor">
+            <a:schemeClr val="tx1"/>
+          </a:fontRef>
+        </p:style>
+      </p:cxnSp>
+      <p:cxnSp>
+        <p:nvCxnSpPr>
+          <p:cNvPr id="179" name="直接箭头连接符 178"/>
+          <p:cNvCxnSpPr/>
+          <p:nvPr/>
+        </p:nvCxnSpPr>
+        <p:spPr>
+          <a:xfrm flipV="1">
+            <a:off x="3205371" y="1925706"/>
+            <a:ext cx="2100469" cy="1766682"/>
+          </a:xfrm>
+          <a:prstGeom prst="straightConnector1">
+            <a:avLst/>
+          </a:prstGeom>
+          <a:ln>
+            <a:tailEnd type="triangle"/>
+          </a:ln>
+        </p:spPr>
+        <p:style>
+          <a:lnRef idx="1">
+            <a:schemeClr val="accent1"/>
+          </a:lnRef>
+          <a:fillRef idx="0">
+            <a:schemeClr val="accent1"/>
+          </a:fillRef>
+          <a:effectRef idx="0">
+            <a:schemeClr val="accent1"/>
+          </a:effectRef>
+          <a:fontRef idx="minor">
+            <a:schemeClr val="tx1"/>
+          </a:fontRef>
+        </p:style>
+      </p:cxnSp>
+      <p:cxnSp>
+        <p:nvCxnSpPr>
+          <p:cNvPr id="180" name="直接箭头连接符 179"/>
+          <p:cNvCxnSpPr/>
+          <p:nvPr/>
+        </p:nvCxnSpPr>
+        <p:spPr>
+          <a:xfrm flipV="1">
+            <a:off x="3205371" y="2302151"/>
+            <a:ext cx="2100469" cy="1390236"/>
+          </a:xfrm>
+          <a:prstGeom prst="straightConnector1">
+            <a:avLst/>
+          </a:prstGeom>
+          <a:ln>
+            <a:tailEnd type="triangle"/>
+          </a:ln>
+        </p:spPr>
+        <p:style>
+          <a:lnRef idx="1">
+            <a:schemeClr val="accent1"/>
+          </a:lnRef>
+          <a:fillRef idx="0">
+            <a:schemeClr val="accent1"/>
+          </a:fillRef>
+          <a:effectRef idx="0">
+            <a:schemeClr val="accent1"/>
+          </a:effectRef>
+          <a:fontRef idx="minor">
+            <a:schemeClr val="tx1"/>
+          </a:fontRef>
+        </p:style>
+      </p:cxnSp>
+      <p:cxnSp>
+        <p:nvCxnSpPr>
+          <p:cNvPr id="181" name="直接箭头连接符 180"/>
+          <p:cNvCxnSpPr/>
+          <p:nvPr/>
+        </p:nvCxnSpPr>
+        <p:spPr>
+          <a:xfrm flipV="1">
+            <a:off x="3205371" y="2623930"/>
+            <a:ext cx="2100469" cy="1068458"/>
+          </a:xfrm>
+          <a:prstGeom prst="straightConnector1">
+            <a:avLst/>
+          </a:prstGeom>
+          <a:ln>
+            <a:tailEnd type="triangle"/>
+          </a:ln>
+        </p:spPr>
+        <p:style>
+          <a:lnRef idx="1">
+            <a:schemeClr val="accent1"/>
+          </a:lnRef>
+          <a:fillRef idx="0">
+            <a:schemeClr val="accent1"/>
+          </a:fillRef>
+          <a:effectRef idx="0">
+            <a:schemeClr val="accent1"/>
+          </a:effectRef>
+          <a:fontRef idx="minor">
+            <a:schemeClr val="tx1"/>
+          </a:fontRef>
+        </p:style>
+      </p:cxnSp>
+      <p:cxnSp>
+        <p:nvCxnSpPr>
+          <p:cNvPr id="182" name="直接箭头连接符 181"/>
+          <p:cNvCxnSpPr/>
+          <p:nvPr/>
+        </p:nvCxnSpPr>
+        <p:spPr>
+          <a:xfrm flipV="1">
+            <a:off x="3205371" y="2940740"/>
+            <a:ext cx="2100469" cy="751647"/>
+          </a:xfrm>
+          <a:prstGeom prst="straightConnector1">
+            <a:avLst/>
+          </a:prstGeom>
+          <a:ln>
+            <a:tailEnd type="triangle"/>
+          </a:ln>
+        </p:spPr>
+        <p:style>
+          <a:lnRef idx="1">
+            <a:schemeClr val="accent1"/>
+          </a:lnRef>
+          <a:fillRef idx="0">
+            <a:schemeClr val="accent1"/>
+          </a:fillRef>
+          <a:effectRef idx="0">
+            <a:schemeClr val="accent1"/>
+          </a:effectRef>
+          <a:fontRef idx="minor">
+            <a:schemeClr val="tx1"/>
+          </a:fontRef>
+        </p:style>
+      </p:cxnSp>
+      <p:cxnSp>
+        <p:nvCxnSpPr>
+          <p:cNvPr id="183" name="直接箭头连接符 182"/>
+          <p:cNvCxnSpPr/>
+          <p:nvPr/>
+        </p:nvCxnSpPr>
+        <p:spPr>
+          <a:xfrm flipV="1">
+            <a:off x="3205371" y="3578087"/>
+            <a:ext cx="2100469" cy="114300"/>
+          </a:xfrm>
+          <a:prstGeom prst="straightConnector1">
+            <a:avLst/>
+          </a:prstGeom>
+          <a:ln>
+            <a:tailEnd type="triangle"/>
+          </a:ln>
+        </p:spPr>
+        <p:style>
+          <a:lnRef idx="1">
+            <a:schemeClr val="accent1"/>
+          </a:lnRef>
+          <a:fillRef idx="0">
+            <a:schemeClr val="accent1"/>
+          </a:fillRef>
+          <a:effectRef idx="0">
+            <a:schemeClr val="accent1"/>
+          </a:effectRef>
+          <a:fontRef idx="minor">
+            <a:schemeClr val="tx1"/>
+          </a:fontRef>
+        </p:style>
+      </p:cxnSp>
+      <p:cxnSp>
+        <p:nvCxnSpPr>
+          <p:cNvPr id="184" name="直接箭头连接符 183"/>
+          <p:cNvCxnSpPr/>
+          <p:nvPr/>
+        </p:nvCxnSpPr>
+        <p:spPr>
+          <a:xfrm>
+            <a:off x="3205371" y="3692388"/>
+            <a:ext cx="2100469" cy="355324"/>
+          </a:xfrm>
+          <a:prstGeom prst="straightConnector1">
+            <a:avLst/>
+          </a:prstGeom>
+          <a:ln>
+            <a:tailEnd type="triangle"/>
+          </a:ln>
+        </p:spPr>
+        <p:style>
+          <a:lnRef idx="1">
+            <a:schemeClr val="accent1"/>
+          </a:lnRef>
+          <a:fillRef idx="0">
+            <a:schemeClr val="accent1"/>
+          </a:fillRef>
+          <a:effectRef idx="0">
+            <a:schemeClr val="accent1"/>
+          </a:effectRef>
+          <a:fontRef idx="minor">
+            <a:schemeClr val="tx1"/>
+          </a:fontRef>
+        </p:style>
+      </p:cxnSp>
+      <p:cxnSp>
+        <p:nvCxnSpPr>
+          <p:cNvPr id="185" name="直接箭头连接符 184"/>
+          <p:cNvCxnSpPr/>
+          <p:nvPr/>
+        </p:nvCxnSpPr>
+        <p:spPr>
+          <a:xfrm>
+            <a:off x="3205371" y="3692388"/>
+            <a:ext cx="2100469" cy="701953"/>
+          </a:xfrm>
+          <a:prstGeom prst="straightConnector1">
+            <a:avLst/>
+          </a:prstGeom>
+          <a:ln>
+            <a:tailEnd type="triangle"/>
+          </a:ln>
+        </p:spPr>
+        <p:style>
+          <a:lnRef idx="1">
+            <a:schemeClr val="accent1"/>
+          </a:lnRef>
+          <a:fillRef idx="0">
+            <a:schemeClr val="accent1"/>
+          </a:fillRef>
+          <a:effectRef idx="0">
+            <a:schemeClr val="accent1"/>
+          </a:effectRef>
+          <a:fontRef idx="minor">
+            <a:schemeClr val="tx1"/>
+          </a:fontRef>
+        </p:style>
+      </p:cxnSp>
+      <p:cxnSp>
+        <p:nvCxnSpPr>
+          <p:cNvPr id="186" name="直接箭头连接符 185"/>
+          <p:cNvCxnSpPr/>
+          <p:nvPr/>
+        </p:nvCxnSpPr>
+        <p:spPr>
+          <a:xfrm>
+            <a:off x="3205371" y="3692388"/>
+            <a:ext cx="2042491" cy="1078397"/>
+          </a:xfrm>
+          <a:prstGeom prst="straightConnector1">
+            <a:avLst/>
+          </a:prstGeom>
+          <a:ln>
+            <a:tailEnd type="triangle"/>
+          </a:ln>
+        </p:spPr>
+        <p:style>
+          <a:lnRef idx="1">
+            <a:schemeClr val="accent1"/>
+          </a:lnRef>
+          <a:fillRef idx="0">
+            <a:schemeClr val="accent1"/>
+          </a:fillRef>
+          <a:effectRef idx="0">
+            <a:schemeClr val="accent1"/>
+          </a:effectRef>
+          <a:fontRef idx="minor">
+            <a:schemeClr val="tx1"/>
+          </a:fontRef>
+        </p:style>
+      </p:cxnSp>
+      <p:cxnSp>
+        <p:nvCxnSpPr>
+          <p:cNvPr id="315" name="直接箭头连接符 314"/>
+          <p:cNvCxnSpPr/>
+          <p:nvPr/>
+        </p:nvCxnSpPr>
+        <p:spPr>
+          <a:xfrm flipV="1">
+            <a:off x="3205371" y="1925706"/>
+            <a:ext cx="2100469" cy="2122006"/>
+          </a:xfrm>
+          <a:prstGeom prst="straightConnector1">
+            <a:avLst/>
+          </a:prstGeom>
+          <a:ln>
+            <a:tailEnd type="triangle"/>
+          </a:ln>
+        </p:spPr>
+        <p:style>
+          <a:lnRef idx="1">
+            <a:schemeClr val="accent1"/>
+          </a:lnRef>
+          <a:fillRef idx="0">
+            <a:schemeClr val="accent1"/>
+          </a:fillRef>
+          <a:effectRef idx="0">
+            <a:schemeClr val="accent1"/>
+          </a:effectRef>
+          <a:fontRef idx="minor">
+            <a:schemeClr val="tx1"/>
+          </a:fontRef>
+        </p:style>
+      </p:cxnSp>
+      <p:cxnSp>
+        <p:nvCxnSpPr>
+          <p:cNvPr id="316" name="直接箭头连接符 315"/>
+          <p:cNvCxnSpPr/>
+          <p:nvPr/>
+        </p:nvCxnSpPr>
+        <p:spPr>
+          <a:xfrm flipV="1">
+            <a:off x="3205371" y="2302151"/>
+            <a:ext cx="2100469" cy="1745561"/>
+          </a:xfrm>
+          <a:prstGeom prst="straightConnector1">
+            <a:avLst/>
+          </a:prstGeom>
+          <a:ln>
+            <a:tailEnd type="triangle"/>
+          </a:ln>
+        </p:spPr>
+        <p:style>
+          <a:lnRef idx="1">
+            <a:schemeClr val="accent1"/>
+          </a:lnRef>
+          <a:fillRef idx="0">
+            <a:schemeClr val="accent1"/>
+          </a:fillRef>
+          <a:effectRef idx="0">
+            <a:schemeClr val="accent1"/>
+          </a:effectRef>
+          <a:fontRef idx="minor">
+            <a:schemeClr val="tx1"/>
+          </a:fontRef>
+        </p:style>
+      </p:cxnSp>
+      <p:cxnSp>
+        <p:nvCxnSpPr>
+          <p:cNvPr id="317" name="直接箭头连接符 316"/>
+          <p:cNvCxnSpPr/>
+          <p:nvPr/>
+        </p:nvCxnSpPr>
+        <p:spPr>
+          <a:xfrm flipV="1">
+            <a:off x="3205371" y="2623930"/>
+            <a:ext cx="2042491" cy="1423781"/>
+          </a:xfrm>
+          <a:prstGeom prst="straightConnector1">
+            <a:avLst/>
+          </a:prstGeom>
+          <a:ln>
+            <a:tailEnd type="triangle"/>
+          </a:ln>
+        </p:spPr>
+        <p:style>
+          <a:lnRef idx="1">
+            <a:schemeClr val="accent1"/>
+          </a:lnRef>
+          <a:fillRef idx="0">
+            <a:schemeClr val="accent1"/>
+          </a:fillRef>
+          <a:effectRef idx="0">
+            <a:schemeClr val="accent1"/>
+          </a:effectRef>
+          <a:fontRef idx="minor">
+            <a:schemeClr val="tx1"/>
+          </a:fontRef>
+        </p:style>
+      </p:cxnSp>
+      <p:cxnSp>
+        <p:nvCxnSpPr>
+          <p:cNvPr id="318" name="直接箭头连接符 317"/>
+          <p:cNvCxnSpPr/>
+          <p:nvPr/>
+        </p:nvCxnSpPr>
+        <p:spPr>
+          <a:xfrm flipV="1">
+            <a:off x="3205371" y="2940740"/>
+            <a:ext cx="2100469" cy="1106972"/>
+          </a:xfrm>
+          <a:prstGeom prst="straightConnector1">
+            <a:avLst/>
+          </a:prstGeom>
+          <a:ln>
+            <a:tailEnd type="triangle"/>
+          </a:ln>
+        </p:spPr>
+        <p:style>
+          <a:lnRef idx="1">
+            <a:schemeClr val="accent1"/>
+          </a:lnRef>
+          <a:fillRef idx="0">
+            <a:schemeClr val="accent1"/>
+          </a:fillRef>
+          <a:effectRef idx="0">
+            <a:schemeClr val="accent1"/>
+          </a:effectRef>
+          <a:fontRef idx="minor">
+            <a:schemeClr val="tx1"/>
+          </a:fontRef>
+        </p:style>
+      </p:cxnSp>
+      <p:cxnSp>
+        <p:nvCxnSpPr>
+          <p:cNvPr id="319" name="直接箭头连接符 318"/>
+          <p:cNvCxnSpPr/>
+          <p:nvPr/>
+        </p:nvCxnSpPr>
+        <p:spPr>
+          <a:xfrm flipV="1">
+            <a:off x="3205371" y="3578087"/>
+            <a:ext cx="2100469" cy="469625"/>
+          </a:xfrm>
+          <a:prstGeom prst="straightConnector1">
+            <a:avLst/>
+          </a:prstGeom>
+          <a:ln>
+            <a:tailEnd type="triangle"/>
+          </a:ln>
+        </p:spPr>
+        <p:style>
+          <a:lnRef idx="1">
+            <a:schemeClr val="accent1"/>
+          </a:lnRef>
+          <a:fillRef idx="0">
+            <a:schemeClr val="accent1"/>
+          </a:fillRef>
+          <a:effectRef idx="0">
+            <a:schemeClr val="accent1"/>
+          </a:effectRef>
+          <a:fontRef idx="minor">
+            <a:schemeClr val="tx1"/>
+          </a:fontRef>
+        </p:style>
+      </p:cxnSp>
+      <p:cxnSp>
+        <p:nvCxnSpPr>
+          <p:cNvPr id="320" name="直接箭头连接符 319"/>
+          <p:cNvCxnSpPr/>
+          <p:nvPr/>
+        </p:nvCxnSpPr>
+        <p:spPr>
+          <a:xfrm>
+            <a:off x="3205371" y="4047711"/>
+            <a:ext cx="2042491" cy="0"/>
+          </a:xfrm>
+          <a:prstGeom prst="straightConnector1">
+            <a:avLst/>
+          </a:prstGeom>
+          <a:ln>
+            <a:tailEnd type="triangle"/>
+          </a:ln>
+        </p:spPr>
+        <p:style>
+          <a:lnRef idx="1">
+            <a:schemeClr val="accent1"/>
+          </a:lnRef>
+          <a:fillRef idx="0">
+            <a:schemeClr val="accent1"/>
+          </a:fillRef>
+          <a:effectRef idx="0">
+            <a:schemeClr val="accent1"/>
+          </a:effectRef>
+          <a:fontRef idx="minor">
+            <a:schemeClr val="tx1"/>
+          </a:fontRef>
+        </p:style>
+      </p:cxnSp>
+      <p:cxnSp>
+        <p:nvCxnSpPr>
+          <p:cNvPr id="321" name="直接箭头连接符 320"/>
+          <p:cNvCxnSpPr/>
+          <p:nvPr/>
+        </p:nvCxnSpPr>
+        <p:spPr>
+          <a:xfrm>
+            <a:off x="3263349" y="4047711"/>
+            <a:ext cx="1984513" cy="346629"/>
+          </a:xfrm>
+          <a:prstGeom prst="straightConnector1">
+            <a:avLst/>
+          </a:prstGeom>
+          <a:ln>
+            <a:tailEnd type="triangle"/>
+          </a:ln>
+        </p:spPr>
+        <p:style>
+          <a:lnRef idx="1">
+            <a:schemeClr val="accent1"/>
+          </a:lnRef>
+          <a:fillRef idx="0">
+            <a:schemeClr val="accent1"/>
+          </a:fillRef>
+          <a:effectRef idx="0">
+            <a:schemeClr val="accent1"/>
+          </a:effectRef>
+          <a:fontRef idx="minor">
+            <a:schemeClr val="tx1"/>
+          </a:fontRef>
+        </p:style>
+      </p:cxnSp>
+      <p:cxnSp>
+        <p:nvCxnSpPr>
+          <p:cNvPr id="322" name="直接箭头连接符 321"/>
+          <p:cNvCxnSpPr/>
+          <p:nvPr/>
+        </p:nvCxnSpPr>
+        <p:spPr>
+          <a:xfrm>
+            <a:off x="3205371" y="4047711"/>
+            <a:ext cx="2042491" cy="723074"/>
+          </a:xfrm>
+          <a:prstGeom prst="straightConnector1">
+            <a:avLst/>
+          </a:prstGeom>
+          <a:ln>
+            <a:tailEnd type="triangle"/>
+          </a:ln>
+        </p:spPr>
+        <p:style>
+          <a:lnRef idx="1">
+            <a:schemeClr val="accent1"/>
+          </a:lnRef>
+          <a:fillRef idx="0">
+            <a:schemeClr val="accent1"/>
+          </a:fillRef>
+          <a:effectRef idx="0">
+            <a:schemeClr val="accent1"/>
+          </a:effectRef>
+          <a:fontRef idx="minor">
+            <a:schemeClr val="tx1"/>
+          </a:fontRef>
+        </p:style>
+      </p:cxnSp>
+      <p:sp>
+        <p:nvSpPr>
+          <p:cNvPr id="451" name="文本框 450"/>
+          <p:cNvSpPr txBox="1"/>
+          <p:nvPr/>
+        </p:nvSpPr>
+        <p:spPr>
+          <a:xfrm>
+            <a:off x="2355160" y="4349670"/>
+            <a:ext cx="704850" cy="300082"/>
+          </a:xfrm>
+          <a:prstGeom prst="rect">
+            <a:avLst/>
+          </a:prstGeom>
+          <a:noFill/>
+        </p:spPr>
+        <p:txBody>
+          <a:bodyPr wrap="square" rtlCol="0">
+            <a:spAutoFit/>
+          </a:bodyPr>
+          <a:lstStyle/>
+          <a:p>
+            <a:r>
+              <a:rPr lang="en-US" altLang="zh-CN" sz="1350" dirty="0"/>
+              <a:t>Cache</a:t>
+            </a:r>
+            <a:endParaRPr lang="zh-CN" altLang="en-US" sz="1350" dirty="0"/>
+          </a:p>
+        </p:txBody>
+      </p:sp>
+      <p:sp>
+        <p:nvSpPr>
+          <p:cNvPr id="452" name="文本框 451"/>
+          <p:cNvSpPr txBox="1"/>
+          <p:nvPr/>
+        </p:nvSpPr>
+        <p:spPr>
+          <a:xfrm>
+            <a:off x="5451199" y="5075227"/>
+            <a:ext cx="914814" cy="300082"/>
+          </a:xfrm>
+          <a:prstGeom prst="rect">
+            <a:avLst/>
+          </a:prstGeom>
+          <a:noFill/>
+        </p:spPr>
+        <p:txBody>
+          <a:bodyPr wrap="square" rtlCol="0">
+            <a:spAutoFit/>
+          </a:bodyPr>
+          <a:lstStyle/>
+          <a:p>
+            <a:r>
+              <a:rPr lang="en-US" altLang="zh-CN" sz="1350" dirty="0"/>
+              <a:t>memory</a:t>
+            </a:r>
+            <a:endParaRPr lang="zh-CN" altLang="en-US" sz="1350" dirty="0"/>
+          </a:p>
+        </p:txBody>
+      </p:sp>
+    </p:spTree>
+    <p:extLst>
+      <p:ext uri="{BB962C8B-B14F-4D97-AF65-F5344CB8AC3E}">
+        <p14:creationId xmlns:p14="http://schemas.microsoft.com/office/powerpoint/2010/main" val="2035632965"/>
+      </p:ext>
+    </p:extLst>
+  </p:cSld>
+  <p:clrMapOvr>
+    <a:masterClrMapping/>
+  </p:clrMapOvr>
+  <p:timing>
+    <p:tnLst>
+      <p:par>
+        <p:cTn id="1" dur="indefinite" restart="never" nodeType="tmRoot"/>
+      </p:par>
+    </p:tnLst>
+  </p:timing>
+</p:sld>
+</file>
+
+<file path=ppt/slides/slide3.xml><?xml version="1.0" encoding="utf-8"?>
+<p:sld xmlns:a="http://schemas.openxmlformats.org/drawingml/2006/main" xmlns:r="http://schemas.openxmlformats.org/officeDocument/2006/relationships" xmlns:p="http://schemas.openxmlformats.org/presentationml/2006/main">
+  <p:cSld>
+    <p:spTree>
+      <p:nvGrpSpPr>
+        <p:cNvPr id="1" name=""/>
+        <p:cNvGrpSpPr/>
+        <p:nvPr/>
+      </p:nvGrpSpPr>
+      <p:grpSpPr>
+        <a:xfrm>
+          <a:off x="0" y="0"/>
+          <a:ext cx="0" cy="0"/>
+          <a:chOff x="0" y="0"/>
+          <a:chExt cx="0" cy="0"/>
+        </a:xfrm>
+      </p:grpSpPr>
+      <p:graphicFrame>
+        <p:nvGraphicFramePr>
+          <p:cNvPr id="4" name="表格 3"/>
+          <p:cNvGraphicFramePr>
+            <a:graphicFrameLocks noGrp="1"/>
+          </p:cNvGraphicFramePr>
+          <p:nvPr>
+            <p:extLst>
+              <p:ext uri="{D42A27DB-BD31-4B8C-83A1-F6EECF244321}">
+                <p14:modId xmlns:p14="http://schemas.microsoft.com/office/powerpoint/2010/main" val="3059225080"/>
+              </p:ext>
+            </p:extLst>
+          </p:nvPr>
+        </p:nvGraphicFramePr>
+        <p:xfrm>
+          <a:off x="1683027" y="2128217"/>
+          <a:ext cx="995570" cy="1841225"/>
+        </p:xfrm>
+        <a:graphic>
+          <a:graphicData uri="http://schemas.openxmlformats.org/drawingml/2006/table">
+            <a:tbl>
+              <a:tblPr firstRow="1" bandRow="1">
+                <a:tableStyleId>{5C22544A-7EE6-4342-B048-85BDC9FD1C3A}</a:tableStyleId>
+              </a:tblPr>
+              <a:tblGrid>
+                <a:gridCol w="995570">
+                  <a:extLst>
+                    <a:ext uri="{9D8B030D-6E8A-4147-A177-3AD203B41FA5}">
+                      <a16:colId xmlns:a16="http://schemas.microsoft.com/office/drawing/2014/main" val="4167427364"/>
+                    </a:ext>
+                  </a:extLst>
+                </a:gridCol>
+              </a:tblGrid>
+              <a:tr h="368245">
+                <a:tc>
+                  <a:txBody>
+                    <a:bodyPr/>
+                    <a:lstStyle/>
+                    <a:p>
+                      <a:r>
+                        <a:rPr lang="en-US" altLang="zh-CN" sz="1400" dirty="0" smtClean="0">
+                          <a:solidFill>
+                            <a:schemeClr val="tx1"/>
+                          </a:solidFill>
+                        </a:rPr>
+                        <a:t>Block 0</a:t>
+                      </a:r>
+                      <a:endParaRPr lang="zh-CN" altLang="en-US" sz="1400" dirty="0">
+                        <a:solidFill>
+                          <a:schemeClr val="tx1"/>
+                        </a:solidFill>
+                      </a:endParaRPr>
+                    </a:p>
+                  </a:txBody>
+                  <a:tcPr marL="68580" marR="68580" marT="34290" marB="34290">
+                    <a:lnL w="12700" cap="flat" cmpd="sng" algn="ctr">
+                      <a:solidFill>
+                        <a:schemeClr val="tx1"/>
+                      </a:solidFill>
+                      <a:prstDash val="solid"/>
+                      <a:round/>
+                      <a:headEnd type="none" w="med" len="med"/>
+                      <a:tailEnd type="none" w="med" len="med"/>
+                    </a:lnL>
+                    <a:lnR w="12700" cap="flat" cmpd="sng" algn="ctr">
+                      <a:solidFill>
+                        <a:schemeClr val="tx1"/>
+                      </a:solidFill>
+                      <a:prstDash val="solid"/>
+                      <a:round/>
+                      <a:headEnd type="none" w="med" len="med"/>
+                      <a:tailEnd type="none" w="med" len="med"/>
+                    </a:lnR>
+                    <a:lnT w="12700" cap="flat" cmpd="sng" algn="ctr">
+                      <a:solidFill>
+                        <a:schemeClr val="tx1"/>
+                      </a:solidFill>
+                      <a:prstDash val="solid"/>
+                      <a:round/>
+                      <a:headEnd type="none" w="med" len="med"/>
+                      <a:tailEnd type="none" w="med" len="med"/>
+                    </a:lnT>
+                    <a:lnB w="12700" cap="flat" cmpd="sng" algn="ctr">
+                      <a:solidFill>
+                        <a:schemeClr val="tx1"/>
+                      </a:solidFill>
+                      <a:prstDash val="solid"/>
+                      <a:round/>
+                      <a:headEnd type="none" w="med" len="med"/>
+                      <a:tailEnd type="none" w="med" len="med"/>
+                    </a:lnB>
+                    <a:lnTlToBr w="12700" cmpd="sng">
+                      <a:noFill/>
+                      <a:prstDash val="solid"/>
+                    </a:lnTlToBr>
+                    <a:lnBlToTr w="12700" cmpd="sng">
+                      <a:noFill/>
+                      <a:prstDash val="solid"/>
+                    </a:lnBlToTr>
+                    <a:solidFill>
+                      <a:schemeClr val="bg1"/>
+                    </a:solidFill>
+                  </a:tcPr>
+                </a:tc>
+                <a:extLst>
+                  <a:ext uri="{0D108BD9-81ED-4DB2-BD59-A6C34878D82A}">
+                    <a16:rowId xmlns:a16="http://schemas.microsoft.com/office/drawing/2014/main" val="2287454287"/>
+                  </a:ext>
+                </a:extLst>
+              </a:tr>
+              <a:tr h="368245">
+                <a:tc>
+                  <a:txBody>
+                    <a:bodyPr/>
+                    <a:lstStyle/>
+                    <a:p>
+                      <a:r>
+                        <a:rPr lang="en-US" altLang="zh-CN" sz="1400" b="1" dirty="0" smtClean="0">
+                          <a:solidFill>
+                            <a:schemeClr val="tx1"/>
+                          </a:solidFill>
+                        </a:rPr>
+                        <a:t>Block 1</a:t>
+                      </a:r>
+                      <a:endParaRPr lang="zh-CN" altLang="en-US" sz="1400" b="1" dirty="0">
+                        <a:solidFill>
+                          <a:schemeClr val="tx1"/>
+                        </a:solidFill>
+                      </a:endParaRPr>
+                    </a:p>
+                  </a:txBody>
+                  <a:tcPr marL="68580" marR="68580" marT="34290" marB="34290">
+                    <a:lnL w="12700" cap="flat" cmpd="sng" algn="ctr">
+                      <a:solidFill>
+                        <a:schemeClr val="tx1"/>
+                      </a:solidFill>
+                      <a:prstDash val="solid"/>
+                      <a:round/>
+                      <a:headEnd type="none" w="med" len="med"/>
+                      <a:tailEnd type="none" w="med" len="med"/>
+                    </a:lnL>
+                    <a:lnR w="12700" cap="flat" cmpd="sng" algn="ctr">
+                      <a:solidFill>
+                        <a:schemeClr val="tx1"/>
+                      </a:solidFill>
+                      <a:prstDash val="solid"/>
+                      <a:round/>
+                      <a:headEnd type="none" w="med" len="med"/>
+                      <a:tailEnd type="none" w="med" len="med"/>
+                    </a:lnR>
+                    <a:lnT w="12700" cap="flat" cmpd="sng" algn="ctr">
+                      <a:solidFill>
+                        <a:schemeClr val="tx1"/>
+                      </a:solidFill>
+                      <a:prstDash val="solid"/>
+                      <a:round/>
+                      <a:headEnd type="none" w="med" len="med"/>
+                      <a:tailEnd type="none" w="med" len="med"/>
+                    </a:lnT>
+                    <a:lnB w="12700" cap="flat" cmpd="sng" algn="ctr">
+                      <a:solidFill>
+                        <a:schemeClr val="tx1"/>
+                      </a:solidFill>
+                      <a:prstDash val="solid"/>
+                      <a:round/>
+                      <a:headEnd type="none" w="med" len="med"/>
+                      <a:tailEnd type="none" w="med" len="med"/>
+                    </a:lnB>
+                    <a:lnTlToBr w="12700" cmpd="sng">
+                      <a:noFill/>
+                      <a:prstDash val="solid"/>
+                    </a:lnTlToBr>
+                    <a:lnBlToTr w="12700" cmpd="sng">
+                      <a:noFill/>
+                      <a:prstDash val="solid"/>
+                    </a:lnBlToTr>
+                    <a:solidFill>
+                      <a:schemeClr val="bg1"/>
+                    </a:solidFill>
+                  </a:tcPr>
+                </a:tc>
+                <a:extLst>
+                  <a:ext uri="{0D108BD9-81ED-4DB2-BD59-A6C34878D82A}">
+                    <a16:rowId xmlns:a16="http://schemas.microsoft.com/office/drawing/2014/main" val="3781671189"/>
+                  </a:ext>
+                </a:extLst>
+              </a:tr>
+              <a:tr h="368245">
+                <a:tc>
+                  <a:txBody>
+                    <a:bodyPr/>
+                    <a:lstStyle/>
+                    <a:p>
+                      <a:r>
+                        <a:rPr lang="en-US" altLang="zh-CN" sz="1400" dirty="0" smtClean="0"/>
+                        <a:t>…</a:t>
+                      </a:r>
+                      <a:endParaRPr lang="zh-CN" altLang="en-US" sz="1400" dirty="0"/>
+                    </a:p>
+                  </a:txBody>
+                  <a:tcPr marL="68580" marR="68580" marT="34290" marB="34290">
+                    <a:lnL w="12700" cap="flat" cmpd="sng" algn="ctr">
+                      <a:solidFill>
+                        <a:schemeClr val="tx1"/>
+                      </a:solidFill>
+                      <a:prstDash val="solid"/>
+                      <a:round/>
+                      <a:headEnd type="none" w="med" len="med"/>
+                      <a:tailEnd type="none" w="med" len="med"/>
+                    </a:lnL>
+                    <a:lnR w="12700" cap="flat" cmpd="sng" algn="ctr">
+                      <a:solidFill>
+                        <a:schemeClr val="tx1"/>
+                      </a:solidFill>
+                      <a:prstDash val="solid"/>
+                      <a:round/>
+                      <a:headEnd type="none" w="med" len="med"/>
+                      <a:tailEnd type="none" w="med" len="med"/>
+                    </a:lnR>
+                    <a:lnT w="12700" cap="flat" cmpd="sng" algn="ctr">
+                      <a:solidFill>
+                        <a:schemeClr val="tx1"/>
+                      </a:solidFill>
+                      <a:prstDash val="solid"/>
+                      <a:round/>
+                      <a:headEnd type="none" w="med" len="med"/>
+                      <a:tailEnd type="none" w="med" len="med"/>
+                    </a:lnT>
+                    <a:lnB w="12700" cap="flat" cmpd="sng" algn="ctr">
+                      <a:solidFill>
+                        <a:schemeClr val="tx1"/>
+                      </a:solidFill>
+                      <a:prstDash val="solid"/>
+                      <a:round/>
+                      <a:headEnd type="none" w="med" len="med"/>
+                      <a:tailEnd type="none" w="med" len="med"/>
+                    </a:lnB>
+                    <a:lnTlToBr w="12700" cmpd="sng">
+                      <a:noFill/>
+                      <a:prstDash val="solid"/>
+                    </a:lnTlToBr>
+                    <a:lnBlToTr w="12700" cmpd="sng">
+                      <a:noFill/>
+                      <a:prstDash val="solid"/>
+                    </a:lnBlToTr>
+                    <a:solidFill>
+                      <a:schemeClr val="bg1"/>
+                    </a:solidFill>
+                  </a:tcPr>
+                </a:tc>
+                <a:extLst>
+                  <a:ext uri="{0D108BD9-81ED-4DB2-BD59-A6C34878D82A}">
+                    <a16:rowId xmlns:a16="http://schemas.microsoft.com/office/drawing/2014/main" val="1624634021"/>
+                  </a:ext>
+                </a:extLst>
+              </a:tr>
+              <a:tr h="368245">
+                <a:tc>
+                  <a:txBody>
+                    <a:bodyPr/>
+                    <a:lstStyle/>
+                    <a:p>
+                      <a:pPr marL="0" marR="0" indent="0" algn="l" defTabSz="914400" rtl="0" eaLnBrk="1" fontAlgn="auto" latinLnBrk="0" hangingPunct="1">
+                        <a:lnSpc>
+                          <a:spcPct val="100000"/>
+                        </a:lnSpc>
+                        <a:spcBef>
+                          <a:spcPts val="0"/>
+                        </a:spcBef>
+                        <a:spcAft>
+                          <a:spcPts val="0"/>
+                        </a:spcAft>
+                        <a:buClrTx/>
+                        <a:buSzTx/>
+                        <a:buFontTx/>
+                        <a:buNone/>
+                        <a:tabLst/>
+                        <a:defRPr/>
+                      </a:pPr>
+                      <a:r>
+                        <a:rPr lang="en-US" altLang="zh-CN" sz="1400" b="1" dirty="0" smtClean="0">
+                          <a:solidFill>
+                            <a:schemeClr val="tx1"/>
+                          </a:solidFill>
+                        </a:rPr>
+                        <a:t>Block m-1</a:t>
+                      </a:r>
+                      <a:endParaRPr lang="zh-CN" altLang="en-US" sz="1400" b="1" dirty="0" smtClean="0">
+                        <a:solidFill>
+                          <a:schemeClr val="tx1"/>
+                        </a:solidFill>
+                      </a:endParaRPr>
+                    </a:p>
+                  </a:txBody>
+                  <a:tcPr marL="68580" marR="68580" marT="34290" marB="34290">
+                    <a:lnL w="12700" cap="flat" cmpd="sng" algn="ctr">
+                      <a:solidFill>
+                        <a:schemeClr val="tx1"/>
+                      </a:solidFill>
+                      <a:prstDash val="solid"/>
+                      <a:round/>
+                      <a:headEnd type="none" w="med" len="med"/>
+                      <a:tailEnd type="none" w="med" len="med"/>
+                    </a:lnL>
+                    <a:lnR w="12700" cap="flat" cmpd="sng" algn="ctr">
+                      <a:solidFill>
+                        <a:schemeClr val="tx1"/>
+                      </a:solidFill>
+                      <a:prstDash val="solid"/>
+                      <a:round/>
+                      <a:headEnd type="none" w="med" len="med"/>
+                      <a:tailEnd type="none" w="med" len="med"/>
+                    </a:lnR>
+                    <a:lnT w="12700" cap="flat" cmpd="sng" algn="ctr">
+                      <a:solidFill>
+                        <a:schemeClr val="tx1"/>
+                      </a:solidFill>
+                      <a:prstDash val="solid"/>
+                      <a:round/>
+                      <a:headEnd type="none" w="med" len="med"/>
+                      <a:tailEnd type="none" w="med" len="med"/>
+                    </a:lnT>
+                    <a:lnB w="12700" cap="flat" cmpd="sng" algn="ctr">
+                      <a:solidFill>
+                        <a:schemeClr val="tx1"/>
+                      </a:solidFill>
+                      <a:prstDash val="solid"/>
+                      <a:round/>
+                      <a:headEnd type="none" w="med" len="med"/>
+                      <a:tailEnd type="none" w="med" len="med"/>
+                    </a:lnB>
+                    <a:lnTlToBr w="12700" cmpd="sng">
+                      <a:noFill/>
+                      <a:prstDash val="solid"/>
+                    </a:lnTlToBr>
+                    <a:lnBlToTr w="12700" cmpd="sng">
+                      <a:noFill/>
+                      <a:prstDash val="solid"/>
+                    </a:lnBlToTr>
+                    <a:solidFill>
+                      <a:schemeClr val="bg1"/>
+                    </a:solidFill>
+                  </a:tcPr>
+                </a:tc>
+                <a:extLst>
+                  <a:ext uri="{0D108BD9-81ED-4DB2-BD59-A6C34878D82A}">
+                    <a16:rowId xmlns:a16="http://schemas.microsoft.com/office/drawing/2014/main" val="1986359428"/>
+                  </a:ext>
+                </a:extLst>
+              </a:tr>
+              <a:tr h="368245">
+                <a:tc>
+                  <a:txBody>
+                    <a:bodyPr/>
+                    <a:lstStyle/>
+                    <a:p>
+                      <a:pPr marL="0" marR="0" indent="0" algn="l" defTabSz="914400" rtl="0" eaLnBrk="1" fontAlgn="auto" latinLnBrk="0" hangingPunct="1">
+                        <a:lnSpc>
+                          <a:spcPct val="100000"/>
+                        </a:lnSpc>
+                        <a:spcBef>
+                          <a:spcPts val="0"/>
+                        </a:spcBef>
+                        <a:spcAft>
+                          <a:spcPts val="0"/>
+                        </a:spcAft>
+                        <a:buClrTx/>
+                        <a:buSzTx/>
+                        <a:buFontTx/>
+                        <a:buNone/>
+                        <a:tabLst/>
+                        <a:defRPr/>
+                      </a:pPr>
+                      <a:r>
+                        <a:rPr lang="en-US" altLang="zh-CN" sz="1400" b="1" dirty="0" smtClean="0">
+                          <a:solidFill>
+                            <a:schemeClr val="tx1"/>
+                          </a:solidFill>
+                        </a:rPr>
+                        <a:t>Block m</a:t>
+                      </a:r>
+                      <a:endParaRPr lang="zh-CN" altLang="en-US" sz="1400" b="1" dirty="0" smtClean="0">
+                        <a:solidFill>
+                          <a:schemeClr val="tx1"/>
+                        </a:solidFill>
+                      </a:endParaRPr>
+                    </a:p>
+                  </a:txBody>
+                  <a:tcPr marL="68580" marR="68580" marT="34290" marB="34290">
+                    <a:lnL w="12700" cap="flat" cmpd="sng" algn="ctr">
+                      <a:solidFill>
+                        <a:schemeClr val="tx1"/>
+                      </a:solidFill>
+                      <a:prstDash val="solid"/>
+                      <a:round/>
+                      <a:headEnd type="none" w="med" len="med"/>
+                      <a:tailEnd type="none" w="med" len="med"/>
+                    </a:lnL>
+                    <a:lnR w="12700" cap="flat" cmpd="sng" algn="ctr">
+                      <a:solidFill>
+                        <a:schemeClr val="tx1"/>
+                      </a:solidFill>
+                      <a:prstDash val="solid"/>
+                      <a:round/>
+                      <a:headEnd type="none" w="med" len="med"/>
+                      <a:tailEnd type="none" w="med" len="med"/>
+                    </a:lnR>
+                    <a:lnT w="12700" cap="flat" cmpd="sng" algn="ctr">
+                      <a:solidFill>
+                        <a:schemeClr val="tx1"/>
+                      </a:solidFill>
+                      <a:prstDash val="solid"/>
+                      <a:round/>
+                      <a:headEnd type="none" w="med" len="med"/>
+                      <a:tailEnd type="none" w="med" len="med"/>
+                    </a:lnT>
+                    <a:lnB w="12700" cap="flat" cmpd="sng" algn="ctr">
+                      <a:solidFill>
+                        <a:schemeClr val="tx1"/>
+                      </a:solidFill>
+                      <a:prstDash val="solid"/>
+                      <a:round/>
+                      <a:headEnd type="none" w="med" len="med"/>
+                      <a:tailEnd type="none" w="med" len="med"/>
+                    </a:lnB>
+                    <a:lnTlToBr w="12700" cmpd="sng">
+                      <a:noFill/>
+                      <a:prstDash val="solid"/>
+                    </a:lnTlToBr>
+                    <a:lnBlToTr w="12700" cmpd="sng">
+                      <a:noFill/>
+                      <a:prstDash val="solid"/>
+                    </a:lnBlToTr>
+                    <a:solidFill>
+                      <a:schemeClr val="bg1"/>
+                    </a:solidFill>
+                  </a:tcPr>
+                </a:tc>
+                <a:extLst>
+                  <a:ext uri="{0D108BD9-81ED-4DB2-BD59-A6C34878D82A}">
+                    <a16:rowId xmlns:a16="http://schemas.microsoft.com/office/drawing/2014/main" val="1118201617"/>
+                  </a:ext>
+                </a:extLst>
+              </a:tr>
+            </a:tbl>
+          </a:graphicData>
+        </a:graphic>
+      </p:graphicFrame>
+      <p:graphicFrame>
+        <p:nvGraphicFramePr>
+          <p:cNvPr id="5" name="表格 4"/>
+          <p:cNvGraphicFramePr>
+            <a:graphicFrameLocks noGrp="1"/>
+          </p:cNvGraphicFramePr>
+          <p:nvPr>
+            <p:extLst>
+              <p:ext uri="{D42A27DB-BD31-4B8C-83A1-F6EECF244321}">
+                <p14:modId xmlns:p14="http://schemas.microsoft.com/office/powerpoint/2010/main" val="732477863"/>
+              </p:ext>
+            </p:extLst>
+          </p:nvPr>
+        </p:nvGraphicFramePr>
+        <p:xfrm>
+          <a:off x="5529470" y="1048827"/>
+          <a:ext cx="1634158" cy="4184128"/>
+        </p:xfrm>
+        <a:graphic>
+          <a:graphicData uri="http://schemas.openxmlformats.org/drawingml/2006/table">
+            <a:tbl>
+              <a:tblPr firstRow="1" bandRow="1">
+                <a:tableStyleId>{5C22544A-7EE6-4342-B048-85BDC9FD1C3A}</a:tableStyleId>
+              </a:tblPr>
+              <a:tblGrid>
+                <a:gridCol w="1634158">
+                  <a:extLst>
+                    <a:ext uri="{9D8B030D-6E8A-4147-A177-3AD203B41FA5}">
+                      <a16:colId xmlns:a16="http://schemas.microsoft.com/office/drawing/2014/main" val="4167427364"/>
+                    </a:ext>
+                  </a:extLst>
+                </a:gridCol>
+              </a:tblGrid>
+              <a:tr h="313514">
+                <a:tc>
+                  <a:txBody>
+                    <a:bodyPr/>
+                    <a:lstStyle/>
+                    <a:p>
+                      <a:r>
+                        <a:rPr lang="en-US" altLang="zh-CN" sz="1400" dirty="0" smtClean="0">
+                          <a:solidFill>
+                            <a:schemeClr val="tx1"/>
+                          </a:solidFill>
+                        </a:rPr>
+                        <a:t>Block 0</a:t>
+                      </a:r>
+                      <a:endParaRPr lang="zh-CN" altLang="en-US" sz="1400" dirty="0">
+                        <a:solidFill>
+                          <a:schemeClr val="tx1"/>
+                        </a:solidFill>
+                      </a:endParaRPr>
+                    </a:p>
+                  </a:txBody>
+                  <a:tcPr marL="68580" marR="68580" marT="34290" marB="34290">
+                    <a:lnL w="12700" cap="flat" cmpd="sng" algn="ctr">
+                      <a:solidFill>
+                        <a:schemeClr val="tx1"/>
+                      </a:solidFill>
+                      <a:prstDash val="solid"/>
+                      <a:round/>
+                      <a:headEnd type="none" w="med" len="med"/>
+                      <a:tailEnd type="none" w="med" len="med"/>
+                    </a:lnL>
+                    <a:lnR w="12700" cap="flat" cmpd="sng" algn="ctr">
+                      <a:solidFill>
+                        <a:schemeClr val="tx1"/>
+                      </a:solidFill>
+                      <a:prstDash val="solid"/>
+                      <a:round/>
+                      <a:headEnd type="none" w="med" len="med"/>
+                      <a:tailEnd type="none" w="med" len="med"/>
+                    </a:lnR>
+                    <a:lnT w="12700" cap="flat" cmpd="sng" algn="ctr">
+                      <a:solidFill>
+                        <a:schemeClr val="tx1"/>
+                      </a:solidFill>
+                      <a:prstDash val="solid"/>
+                      <a:round/>
+                      <a:headEnd type="none" w="med" len="med"/>
+                      <a:tailEnd type="none" w="med" len="med"/>
+                    </a:lnT>
+                    <a:lnB w="12700" cap="flat" cmpd="sng" algn="ctr">
+                      <a:solidFill>
+                        <a:schemeClr val="tx1"/>
+                      </a:solidFill>
+                      <a:prstDash val="solid"/>
+                      <a:round/>
+                      <a:headEnd type="none" w="med" len="med"/>
+                      <a:tailEnd type="none" w="med" len="med"/>
+                    </a:lnB>
+                    <a:lnTlToBr w="12700" cmpd="sng">
+                      <a:noFill/>
+                      <a:prstDash val="solid"/>
+                    </a:lnTlToBr>
+                    <a:lnBlToTr w="12700" cmpd="sng">
+                      <a:noFill/>
+                      <a:prstDash val="solid"/>
+                    </a:lnBlToTr>
+                    <a:solidFill>
+                      <a:schemeClr val="bg1"/>
+                    </a:solidFill>
+                  </a:tcPr>
+                </a:tc>
+                <a:extLst>
+                  <a:ext uri="{0D108BD9-81ED-4DB2-BD59-A6C34878D82A}">
+                    <a16:rowId xmlns:a16="http://schemas.microsoft.com/office/drawing/2014/main" val="2287454287"/>
+                  </a:ext>
+                </a:extLst>
+              </a:tr>
+              <a:tr h="363556">
+                <a:tc>
+                  <a:txBody>
+                    <a:bodyPr/>
+                    <a:lstStyle/>
+                    <a:p>
+                      <a:pPr marL="0" marR="0" lvl="0" indent="0" algn="l" defTabSz="914400" rtl="0" eaLnBrk="1" fontAlgn="auto" latinLnBrk="0" hangingPunct="1">
+                        <a:lnSpc>
+                          <a:spcPct val="100000"/>
+                        </a:lnSpc>
+                        <a:spcBef>
+                          <a:spcPts val="0"/>
+                        </a:spcBef>
+                        <a:spcAft>
+                          <a:spcPts val="0"/>
+                        </a:spcAft>
+                        <a:buClrTx/>
+                        <a:buSzTx/>
+                        <a:buFontTx/>
+                        <a:buNone/>
+                        <a:tabLst/>
+                        <a:defRPr/>
+                      </a:pPr>
+                      <a:r>
+                        <a:rPr kumimoji="0" lang="en-US" altLang="zh-CN" sz="1400" b="1" i="0" u="none" strike="noStrike" kern="1200" cap="none" spc="0" normalizeH="0" baseline="0" noProof="0" dirty="0" smtClean="0">
+                          <a:ln>
+                            <a:noFill/>
+                          </a:ln>
+                          <a:solidFill>
+                            <a:prstClr val="black"/>
+                          </a:solidFill>
+                          <a:effectLst/>
+                          <a:uLnTx/>
+                          <a:uFillTx/>
+                          <a:latin typeface="等线" panose="020F0502020204030204"/>
+                          <a:ea typeface="等线" panose="02010600030101010101" pitchFamily="2" charset="-122"/>
+                          <a:cs typeface="+mn-cs"/>
+                        </a:rPr>
+                        <a:t>Block 1</a:t>
+                      </a:r>
+                      <a:endParaRPr kumimoji="0" lang="zh-CN" altLang="en-US" sz="1400" b="1" i="0" u="none" strike="noStrike" kern="1200" cap="none" spc="0" normalizeH="0" baseline="0" noProof="0" dirty="0">
+                        <a:ln>
+                          <a:noFill/>
+                        </a:ln>
+                        <a:solidFill>
+                          <a:prstClr val="black"/>
+                        </a:solidFill>
+                        <a:effectLst/>
+                        <a:uLnTx/>
+                        <a:uFillTx/>
+                        <a:latin typeface="等线" panose="020F0502020204030204"/>
+                        <a:ea typeface="等线" panose="02010600030101010101" pitchFamily="2" charset="-122"/>
+                        <a:cs typeface="+mn-cs"/>
+                      </a:endParaRPr>
+                    </a:p>
+                  </a:txBody>
+                  <a:tcPr marL="68580" marR="68580" marT="34290" marB="34290">
+                    <a:lnL w="12700" cap="flat" cmpd="sng" algn="ctr">
+                      <a:solidFill>
+                        <a:schemeClr val="tx1"/>
+                      </a:solidFill>
+                      <a:prstDash val="solid"/>
+                      <a:round/>
+                      <a:headEnd type="none" w="med" len="med"/>
+                      <a:tailEnd type="none" w="med" len="med"/>
+                    </a:lnL>
+                    <a:lnR w="12700" cap="flat" cmpd="sng" algn="ctr">
+                      <a:solidFill>
+                        <a:schemeClr val="tx1"/>
+                      </a:solidFill>
+                      <a:prstDash val="solid"/>
+                      <a:round/>
+                      <a:headEnd type="none" w="med" len="med"/>
+                      <a:tailEnd type="none" w="med" len="med"/>
+                    </a:lnR>
+                    <a:lnT w="12700" cap="flat" cmpd="sng" algn="ctr">
+                      <a:solidFill>
+                        <a:schemeClr val="tx1"/>
+                      </a:solidFill>
+                      <a:prstDash val="solid"/>
+                      <a:round/>
+                      <a:headEnd type="none" w="med" len="med"/>
+                      <a:tailEnd type="none" w="med" len="med"/>
+                    </a:lnT>
+                    <a:lnB w="12700" cap="flat" cmpd="sng" algn="ctr">
+                      <a:solidFill>
+                        <a:schemeClr val="tx1"/>
+                      </a:solidFill>
+                      <a:prstDash val="solid"/>
+                      <a:round/>
+                      <a:headEnd type="none" w="med" len="med"/>
+                      <a:tailEnd type="none" w="med" len="med"/>
+                    </a:lnB>
+                    <a:lnTlToBr w="12700" cmpd="sng">
+                      <a:noFill/>
+                      <a:prstDash val="solid"/>
+                    </a:lnTlToBr>
+                    <a:lnBlToTr w="12700" cmpd="sng">
+                      <a:noFill/>
+                      <a:prstDash val="solid"/>
+                    </a:lnBlToTr>
+                    <a:solidFill>
+                      <a:schemeClr val="bg1"/>
+                    </a:solidFill>
+                  </a:tcPr>
+                </a:tc>
+                <a:extLst>
+                  <a:ext uri="{0D108BD9-81ED-4DB2-BD59-A6C34878D82A}">
+                    <a16:rowId xmlns:a16="http://schemas.microsoft.com/office/drawing/2014/main" val="3781671189"/>
+                  </a:ext>
+                </a:extLst>
+              </a:tr>
+              <a:tr h="363556">
+                <a:tc>
+                  <a:txBody>
+                    <a:bodyPr/>
+                    <a:lstStyle/>
+                    <a:p>
+                      <a:pPr marL="0" marR="0" lvl="0" indent="0" algn="l" defTabSz="914400" rtl="0" eaLnBrk="1" fontAlgn="auto" latinLnBrk="0" hangingPunct="1">
+                        <a:lnSpc>
+                          <a:spcPct val="100000"/>
+                        </a:lnSpc>
+                        <a:spcBef>
+                          <a:spcPts val="0"/>
+                        </a:spcBef>
+                        <a:spcAft>
+                          <a:spcPts val="0"/>
+                        </a:spcAft>
+                        <a:buClrTx/>
+                        <a:buSzTx/>
+                        <a:buFontTx/>
+                        <a:buNone/>
+                        <a:tabLst/>
+                        <a:defRPr/>
+                      </a:pPr>
+                      <a:r>
+                        <a:rPr kumimoji="0" lang="en-US" altLang="zh-CN" sz="1400" b="1" i="0" u="none" strike="noStrike" kern="1200" cap="none" spc="0" normalizeH="0" baseline="0" noProof="0" dirty="0" smtClean="0">
+                          <a:ln>
+                            <a:noFill/>
+                          </a:ln>
+                          <a:solidFill>
+                            <a:prstClr val="black"/>
+                          </a:solidFill>
+                          <a:effectLst/>
+                          <a:uLnTx/>
+                          <a:uFillTx/>
+                          <a:latin typeface="等线" panose="020F0502020204030204"/>
+                          <a:ea typeface="等线" panose="02010600030101010101" pitchFamily="2" charset="-122"/>
+                          <a:cs typeface="+mn-cs"/>
+                        </a:rPr>
+                        <a:t>…</a:t>
+                      </a:r>
+                      <a:endParaRPr kumimoji="0" lang="zh-CN" altLang="en-US" sz="1400" b="1" i="0" u="none" strike="noStrike" kern="1200" cap="none" spc="0" normalizeH="0" baseline="0" noProof="0" dirty="0">
+                        <a:ln>
+                          <a:noFill/>
+                        </a:ln>
+                        <a:solidFill>
+                          <a:prstClr val="black"/>
+                        </a:solidFill>
+                        <a:effectLst/>
+                        <a:uLnTx/>
+                        <a:uFillTx/>
+                        <a:latin typeface="等线" panose="020F0502020204030204"/>
+                        <a:ea typeface="等线" panose="02010600030101010101" pitchFamily="2" charset="-122"/>
+                        <a:cs typeface="+mn-cs"/>
+                      </a:endParaRPr>
+                    </a:p>
+                  </a:txBody>
+                  <a:tcPr marL="68580" marR="68580" marT="34290" marB="34290">
+                    <a:lnL w="12700" cap="flat" cmpd="sng" algn="ctr">
+                      <a:solidFill>
+                        <a:schemeClr val="tx1"/>
+                      </a:solidFill>
+                      <a:prstDash val="solid"/>
+                      <a:round/>
+                      <a:headEnd type="none" w="med" len="med"/>
+                      <a:tailEnd type="none" w="med" len="med"/>
+                    </a:lnL>
+                    <a:lnR w="12700" cap="flat" cmpd="sng" algn="ctr">
+                      <a:solidFill>
+                        <a:schemeClr val="tx1"/>
+                      </a:solidFill>
+                      <a:prstDash val="solid"/>
+                      <a:round/>
+                      <a:headEnd type="none" w="med" len="med"/>
+                      <a:tailEnd type="none" w="med" len="med"/>
+                    </a:lnR>
+                    <a:lnT w="12700" cap="flat" cmpd="sng" algn="ctr">
+                      <a:solidFill>
+                        <a:schemeClr val="tx1"/>
+                      </a:solidFill>
+                      <a:prstDash val="solid"/>
+                      <a:round/>
+                      <a:headEnd type="none" w="med" len="med"/>
+                      <a:tailEnd type="none" w="med" len="med"/>
+                    </a:lnT>
+                    <a:lnB w="12700" cap="flat" cmpd="sng" algn="ctr">
+                      <a:solidFill>
+                        <a:schemeClr val="tx1"/>
+                      </a:solidFill>
+                      <a:prstDash val="solid"/>
+                      <a:round/>
+                      <a:headEnd type="none" w="med" len="med"/>
+                      <a:tailEnd type="none" w="med" len="med"/>
+                    </a:lnB>
+                    <a:lnTlToBr w="12700" cmpd="sng">
+                      <a:noFill/>
+                      <a:prstDash val="solid"/>
+                    </a:lnTlToBr>
+                    <a:lnBlToTr w="12700" cmpd="sng">
+                      <a:noFill/>
+                      <a:prstDash val="solid"/>
+                    </a:lnBlToTr>
+                    <a:solidFill>
+                      <a:schemeClr val="bg1"/>
+                    </a:solidFill>
+                  </a:tcPr>
+                </a:tc>
+                <a:extLst>
+                  <a:ext uri="{0D108BD9-81ED-4DB2-BD59-A6C34878D82A}">
+                    <a16:rowId xmlns:a16="http://schemas.microsoft.com/office/drawing/2014/main" val="2906141404"/>
+                  </a:ext>
+                </a:extLst>
+              </a:tr>
+              <a:tr h="363556">
+                <a:tc>
+                  <a:txBody>
+                    <a:bodyPr/>
+                    <a:lstStyle/>
+                    <a:p>
+                      <a:pPr marL="0" marR="0" lvl="0" indent="0" algn="l" defTabSz="914400" rtl="0" eaLnBrk="1" fontAlgn="auto" latinLnBrk="0" hangingPunct="1">
+                        <a:lnSpc>
+                          <a:spcPct val="100000"/>
+                        </a:lnSpc>
+                        <a:spcBef>
+                          <a:spcPts val="0"/>
+                        </a:spcBef>
+                        <a:spcAft>
+                          <a:spcPts val="0"/>
+                        </a:spcAft>
+                        <a:buClrTx/>
+                        <a:buSzTx/>
+                        <a:buFontTx/>
+                        <a:buNone/>
+                        <a:tabLst/>
+                        <a:defRPr/>
+                      </a:pPr>
+                      <a:r>
+                        <a:rPr kumimoji="0" lang="en-US" altLang="zh-CN" sz="1400" b="1" i="0" u="none" strike="noStrike" kern="1200" cap="none" spc="0" normalizeH="0" baseline="0" noProof="0" dirty="0" smtClean="0">
+                          <a:ln>
+                            <a:noFill/>
+                          </a:ln>
+                          <a:solidFill>
+                            <a:prstClr val="black"/>
+                          </a:solidFill>
+                          <a:effectLst/>
+                          <a:uLnTx/>
+                          <a:uFillTx/>
+                          <a:latin typeface="等线" panose="020F0502020204030204"/>
+                          <a:ea typeface="等线" panose="02010600030101010101" pitchFamily="2" charset="-122"/>
+                          <a:cs typeface="+mn-cs"/>
+                        </a:rPr>
+                        <a:t>Block m-1</a:t>
+                      </a:r>
+                      <a:endParaRPr kumimoji="0" lang="zh-CN" altLang="en-US" sz="1400" b="1" i="0" u="none" strike="noStrike" kern="1200" cap="none" spc="0" normalizeH="0" baseline="0" noProof="0" dirty="0">
+                        <a:ln>
+                          <a:noFill/>
+                        </a:ln>
+                        <a:solidFill>
+                          <a:prstClr val="black"/>
+                        </a:solidFill>
+                        <a:effectLst/>
+                        <a:uLnTx/>
+                        <a:uFillTx/>
+                        <a:latin typeface="等线" panose="020F0502020204030204"/>
+                        <a:ea typeface="等线" panose="02010600030101010101" pitchFamily="2" charset="-122"/>
+                        <a:cs typeface="+mn-cs"/>
+                      </a:endParaRPr>
+                    </a:p>
+                  </a:txBody>
+                  <a:tcPr marL="68580" marR="68580" marT="34290" marB="34290">
+                    <a:lnL w="12700" cap="flat" cmpd="sng" algn="ctr">
+                      <a:solidFill>
+                        <a:schemeClr val="tx1"/>
+                      </a:solidFill>
+                      <a:prstDash val="solid"/>
+                      <a:round/>
+                      <a:headEnd type="none" w="med" len="med"/>
+                      <a:tailEnd type="none" w="med" len="med"/>
+                    </a:lnL>
+                    <a:lnR w="12700" cap="flat" cmpd="sng" algn="ctr">
+                      <a:solidFill>
+                        <a:schemeClr val="tx1"/>
+                      </a:solidFill>
+                      <a:prstDash val="solid"/>
+                      <a:round/>
+                      <a:headEnd type="none" w="med" len="med"/>
+                      <a:tailEnd type="none" w="med" len="med"/>
+                    </a:lnR>
+                    <a:lnT w="12700" cap="flat" cmpd="sng" algn="ctr">
+                      <a:solidFill>
+                        <a:schemeClr val="tx1"/>
+                      </a:solidFill>
+                      <a:prstDash val="solid"/>
+                      <a:round/>
+                      <a:headEnd type="none" w="med" len="med"/>
+                      <a:tailEnd type="none" w="med" len="med"/>
+                    </a:lnT>
+                    <a:lnB w="12700" cap="flat" cmpd="sng" algn="ctr">
+                      <a:solidFill>
+                        <a:schemeClr val="tx1"/>
+                      </a:solidFill>
+                      <a:prstDash val="solid"/>
+                      <a:round/>
+                      <a:headEnd type="none" w="med" len="med"/>
+                      <a:tailEnd type="none" w="med" len="med"/>
+                    </a:lnB>
+                    <a:lnTlToBr w="12700" cmpd="sng">
+                      <a:noFill/>
+                      <a:prstDash val="solid"/>
+                    </a:lnTlToBr>
+                    <a:lnBlToTr w="12700" cmpd="sng">
+                      <a:noFill/>
+                      <a:prstDash val="solid"/>
+                    </a:lnBlToTr>
+                    <a:solidFill>
+                      <a:schemeClr val="bg1"/>
+                    </a:solidFill>
+                  </a:tcPr>
+                </a:tc>
+                <a:extLst>
+                  <a:ext uri="{0D108BD9-81ED-4DB2-BD59-A6C34878D82A}">
+                    <a16:rowId xmlns:a16="http://schemas.microsoft.com/office/drawing/2014/main" val="1624634021"/>
+                  </a:ext>
+                </a:extLst>
+              </a:tr>
+              <a:tr h="363556">
+                <a:tc>
+                  <a:txBody>
+                    <a:bodyPr/>
+                    <a:lstStyle/>
+                    <a:p>
+                      <a:pPr marL="0" marR="0" lvl="0" indent="0" algn="l" defTabSz="914400" rtl="0" eaLnBrk="1" fontAlgn="auto" latinLnBrk="0" hangingPunct="1">
+                        <a:lnSpc>
+                          <a:spcPct val="100000"/>
+                        </a:lnSpc>
+                        <a:spcBef>
+                          <a:spcPts val="0"/>
+                        </a:spcBef>
+                        <a:spcAft>
+                          <a:spcPts val="0"/>
+                        </a:spcAft>
+                        <a:buClrTx/>
+                        <a:buSzTx/>
+                        <a:buFontTx/>
+                        <a:buNone/>
+                        <a:tabLst/>
+                        <a:defRPr/>
+                      </a:pPr>
+                      <a:r>
+                        <a:rPr kumimoji="0" lang="en-US" altLang="zh-CN" sz="1400" b="1" i="0" u="none" strike="noStrike" kern="1200" cap="none" spc="0" normalizeH="0" baseline="0" noProof="0" dirty="0" smtClean="0">
+                          <a:ln>
+                            <a:noFill/>
+                          </a:ln>
+                          <a:solidFill>
+                            <a:prstClr val="black"/>
+                          </a:solidFill>
+                          <a:effectLst/>
+                          <a:uLnTx/>
+                          <a:uFillTx/>
+                          <a:latin typeface="等线" panose="020F0502020204030204"/>
+                          <a:ea typeface="等线" panose="02010600030101010101" pitchFamily="2" charset="-122"/>
+                          <a:cs typeface="+mn-cs"/>
+                        </a:rPr>
+                        <a:t>Block m</a:t>
+                      </a:r>
+                      <a:endParaRPr kumimoji="0" lang="zh-CN" altLang="en-US" sz="1400" b="1" i="0" u="none" strike="noStrike" kern="1200" cap="none" spc="0" normalizeH="0" baseline="0" noProof="0" dirty="0">
+                        <a:ln>
+                          <a:noFill/>
+                        </a:ln>
+                        <a:solidFill>
+                          <a:prstClr val="black"/>
+                        </a:solidFill>
+                        <a:effectLst/>
+                        <a:uLnTx/>
+                        <a:uFillTx/>
+                        <a:latin typeface="等线" panose="020F0502020204030204"/>
+                        <a:ea typeface="等线" panose="02010600030101010101" pitchFamily="2" charset="-122"/>
+                        <a:cs typeface="+mn-cs"/>
+                      </a:endParaRPr>
+                    </a:p>
+                  </a:txBody>
+                  <a:tcPr marL="68580" marR="68580" marT="34290" marB="34290">
+                    <a:lnL w="12700" cap="flat" cmpd="sng" algn="ctr">
+                      <a:solidFill>
+                        <a:schemeClr val="tx1"/>
+                      </a:solidFill>
+                      <a:prstDash val="solid"/>
+                      <a:round/>
+                      <a:headEnd type="none" w="med" len="med"/>
+                      <a:tailEnd type="none" w="med" len="med"/>
+                    </a:lnL>
+                    <a:lnR w="12700" cap="flat" cmpd="sng" algn="ctr">
+                      <a:solidFill>
+                        <a:schemeClr val="tx1"/>
+                      </a:solidFill>
+                      <a:prstDash val="solid"/>
+                      <a:round/>
+                      <a:headEnd type="none" w="med" len="med"/>
+                      <a:tailEnd type="none" w="med" len="med"/>
+                    </a:lnR>
+                    <a:lnT w="12700" cap="flat" cmpd="sng" algn="ctr">
+                      <a:solidFill>
+                        <a:schemeClr val="tx1"/>
+                      </a:solidFill>
+                      <a:prstDash val="solid"/>
+                      <a:round/>
+                      <a:headEnd type="none" w="med" len="med"/>
+                      <a:tailEnd type="none" w="med" len="med"/>
+                    </a:lnT>
+                    <a:lnB w="12700" cap="flat" cmpd="sng" algn="ctr">
+                      <a:solidFill>
+                        <a:schemeClr val="tx1"/>
+                      </a:solidFill>
+                      <a:prstDash val="solid"/>
+                      <a:round/>
+                      <a:headEnd type="none" w="med" len="med"/>
+                      <a:tailEnd type="none" w="med" len="med"/>
+                    </a:lnB>
+                    <a:lnTlToBr w="12700" cmpd="sng">
+                      <a:noFill/>
+                      <a:prstDash val="solid"/>
+                    </a:lnTlToBr>
+                    <a:lnBlToTr w="12700" cmpd="sng">
+                      <a:noFill/>
+                      <a:prstDash val="solid"/>
+                    </a:lnBlToTr>
+                    <a:solidFill>
+                      <a:schemeClr val="bg1"/>
+                    </a:solidFill>
+                  </a:tcPr>
+                </a:tc>
+                <a:extLst>
+                  <a:ext uri="{0D108BD9-81ED-4DB2-BD59-A6C34878D82A}">
+                    <a16:rowId xmlns:a16="http://schemas.microsoft.com/office/drawing/2014/main" val="1986359428"/>
+                  </a:ext>
+                </a:extLst>
+              </a:tr>
+              <a:tr h="363556">
+                <a:tc>
+                  <a:txBody>
+                    <a:bodyPr/>
+                    <a:lstStyle/>
+                    <a:p>
+                      <a:pPr marL="0" marR="0" lvl="0" indent="0" algn="l" defTabSz="914400" rtl="0" eaLnBrk="1" fontAlgn="auto" latinLnBrk="0" hangingPunct="1">
+                        <a:lnSpc>
+                          <a:spcPct val="100000"/>
+                        </a:lnSpc>
+                        <a:spcBef>
+                          <a:spcPts val="0"/>
+                        </a:spcBef>
+                        <a:spcAft>
+                          <a:spcPts val="0"/>
+                        </a:spcAft>
+                        <a:buClrTx/>
+                        <a:buSzTx/>
+                        <a:buFontTx/>
+                        <a:buNone/>
+                        <a:tabLst/>
+                        <a:defRPr/>
+                      </a:pPr>
+                      <a:r>
+                        <a:rPr kumimoji="0" lang="en-US" altLang="zh-CN" sz="1400" b="1" i="0" u="none" strike="noStrike" kern="1200" cap="none" spc="0" normalizeH="0" baseline="0" noProof="0" dirty="0" smtClean="0">
+                          <a:ln>
+                            <a:noFill/>
+                          </a:ln>
+                          <a:solidFill>
+                            <a:prstClr val="black"/>
+                          </a:solidFill>
+                          <a:effectLst/>
+                          <a:uLnTx/>
+                          <a:uFillTx/>
+                          <a:latin typeface="等线" panose="020F0502020204030204"/>
+                          <a:ea typeface="等线" panose="02010600030101010101" pitchFamily="2" charset="-122"/>
+                          <a:cs typeface="+mn-cs"/>
+                        </a:rPr>
+                        <a:t>…</a:t>
+                      </a:r>
+                      <a:endParaRPr kumimoji="0" lang="zh-CN" altLang="en-US" sz="1400" b="1" i="0" u="none" strike="noStrike" kern="1200" cap="none" spc="0" normalizeH="0" baseline="0" noProof="0" dirty="0">
+                        <a:ln>
+                          <a:noFill/>
+                        </a:ln>
+                        <a:solidFill>
+                          <a:prstClr val="black"/>
+                        </a:solidFill>
+                        <a:effectLst/>
+                        <a:uLnTx/>
+                        <a:uFillTx/>
+                        <a:latin typeface="等线" panose="020F0502020204030204"/>
+                        <a:ea typeface="等线" panose="02010600030101010101" pitchFamily="2" charset="-122"/>
+                        <a:cs typeface="+mn-cs"/>
+                      </a:endParaRPr>
+                    </a:p>
+                  </a:txBody>
+                  <a:tcPr marL="68580" marR="68580" marT="34290" marB="34290">
+                    <a:lnL w="12700" cap="flat" cmpd="sng" algn="ctr">
+                      <a:solidFill>
+                        <a:schemeClr val="tx1"/>
+                      </a:solidFill>
+                      <a:prstDash val="solid"/>
+                      <a:round/>
+                      <a:headEnd type="none" w="med" len="med"/>
+                      <a:tailEnd type="none" w="med" len="med"/>
+                    </a:lnL>
+                    <a:lnR w="12700" cap="flat" cmpd="sng" algn="ctr">
+                      <a:solidFill>
+                        <a:schemeClr val="tx1"/>
+                      </a:solidFill>
+                      <a:prstDash val="solid"/>
+                      <a:round/>
+                      <a:headEnd type="none" w="med" len="med"/>
+                      <a:tailEnd type="none" w="med" len="med"/>
+                    </a:lnR>
+                    <a:lnT w="12700" cap="flat" cmpd="sng" algn="ctr">
+                      <a:solidFill>
+                        <a:schemeClr val="tx1"/>
+                      </a:solidFill>
+                      <a:prstDash val="solid"/>
+                      <a:round/>
+                      <a:headEnd type="none" w="med" len="med"/>
+                      <a:tailEnd type="none" w="med" len="med"/>
+                    </a:lnT>
+                    <a:lnB w="12700" cap="flat" cmpd="sng" algn="ctr">
+                      <a:solidFill>
+                        <a:schemeClr val="tx1"/>
+                      </a:solidFill>
+                      <a:prstDash val="solid"/>
+                      <a:round/>
+                      <a:headEnd type="none" w="med" len="med"/>
+                      <a:tailEnd type="none" w="med" len="med"/>
+                    </a:lnB>
+                    <a:lnTlToBr w="12700" cmpd="sng">
+                      <a:noFill/>
+                      <a:prstDash val="solid"/>
+                    </a:lnTlToBr>
+                    <a:lnBlToTr w="12700" cmpd="sng">
+                      <a:noFill/>
+                      <a:prstDash val="solid"/>
+                    </a:lnBlToTr>
+                    <a:solidFill>
+                      <a:schemeClr val="bg1"/>
+                    </a:solidFill>
+                  </a:tcPr>
+                </a:tc>
+                <a:extLst>
+                  <a:ext uri="{0D108BD9-81ED-4DB2-BD59-A6C34878D82A}">
+                    <a16:rowId xmlns:a16="http://schemas.microsoft.com/office/drawing/2014/main" val="1118201617"/>
+                  </a:ext>
+                </a:extLst>
+              </a:tr>
+              <a:tr h="363556">
+                <a:tc>
+                  <a:txBody>
+                    <a:bodyPr/>
+                    <a:lstStyle/>
+                    <a:p>
+                      <a:pPr marL="0" marR="0" lvl="0" indent="0" algn="l" defTabSz="914400" rtl="0" eaLnBrk="1" fontAlgn="auto" latinLnBrk="0" hangingPunct="1">
+                        <a:lnSpc>
+                          <a:spcPct val="100000"/>
+                        </a:lnSpc>
+                        <a:spcBef>
+                          <a:spcPts val="0"/>
+                        </a:spcBef>
+                        <a:spcAft>
+                          <a:spcPts val="0"/>
+                        </a:spcAft>
+                        <a:buClrTx/>
+                        <a:buSzTx/>
+                        <a:buFontTx/>
+                        <a:buNone/>
+                        <a:tabLst/>
+                        <a:defRPr/>
+                      </a:pPr>
+                      <a:r>
+                        <a:rPr kumimoji="0" lang="en-US" altLang="zh-CN" sz="1400" b="1" i="0" u="none" strike="noStrike" kern="1200" cap="none" spc="0" normalizeH="0" baseline="0" noProof="0" dirty="0" smtClean="0">
+                          <a:ln>
+                            <a:noFill/>
+                          </a:ln>
+                          <a:solidFill>
+                            <a:prstClr val="black"/>
+                          </a:solidFill>
+                          <a:effectLst/>
+                          <a:uLnTx/>
+                          <a:uFillTx/>
+                          <a:latin typeface="等线" panose="020F0502020204030204"/>
+                          <a:ea typeface="等线" panose="02010600030101010101" pitchFamily="2" charset="-122"/>
+                          <a:cs typeface="+mn-cs"/>
+                        </a:rPr>
+                        <a:t>Block n(m-1)</a:t>
+                      </a:r>
+                      <a:endParaRPr kumimoji="0" lang="zh-CN" altLang="en-US" sz="1400" b="1" i="0" u="none" strike="noStrike" kern="1200" cap="none" spc="0" normalizeH="0" baseline="0" noProof="0" dirty="0">
+                        <a:ln>
+                          <a:noFill/>
+                        </a:ln>
+                        <a:solidFill>
+                          <a:prstClr val="black"/>
+                        </a:solidFill>
+                        <a:effectLst/>
+                        <a:uLnTx/>
+                        <a:uFillTx/>
+                        <a:latin typeface="等线" panose="020F0502020204030204"/>
+                        <a:ea typeface="等线" panose="02010600030101010101" pitchFamily="2" charset="-122"/>
+                        <a:cs typeface="+mn-cs"/>
+                      </a:endParaRPr>
+                    </a:p>
+                  </a:txBody>
+                  <a:tcPr marL="68580" marR="68580" marT="34290" marB="34290">
+                    <a:lnL w="12700" cap="flat" cmpd="sng" algn="ctr">
+                      <a:solidFill>
+                        <a:schemeClr val="tx1"/>
+                      </a:solidFill>
+                      <a:prstDash val="solid"/>
+                      <a:round/>
+                      <a:headEnd type="none" w="med" len="med"/>
+                      <a:tailEnd type="none" w="med" len="med"/>
+                    </a:lnL>
+                    <a:lnR w="12700" cap="flat" cmpd="sng" algn="ctr">
+                      <a:solidFill>
+                        <a:schemeClr val="tx1"/>
+                      </a:solidFill>
+                      <a:prstDash val="solid"/>
+                      <a:round/>
+                      <a:headEnd type="none" w="med" len="med"/>
+                      <a:tailEnd type="none" w="med" len="med"/>
+                    </a:lnR>
+                    <a:lnT w="12700" cap="flat" cmpd="sng" algn="ctr">
+                      <a:solidFill>
+                        <a:schemeClr val="tx1"/>
+                      </a:solidFill>
+                      <a:prstDash val="solid"/>
+                      <a:round/>
+                      <a:headEnd type="none" w="med" len="med"/>
+                      <a:tailEnd type="none" w="med" len="med"/>
+                    </a:lnT>
+                    <a:lnB w="12700" cap="flat" cmpd="sng" algn="ctr">
+                      <a:solidFill>
+                        <a:schemeClr val="tx1"/>
+                      </a:solidFill>
+                      <a:prstDash val="solid"/>
+                      <a:round/>
+                      <a:headEnd type="none" w="med" len="med"/>
+                      <a:tailEnd type="none" w="med" len="med"/>
+                    </a:lnB>
+                    <a:lnTlToBr w="12700" cmpd="sng">
+                      <a:noFill/>
+                      <a:prstDash val="solid"/>
+                    </a:lnTlToBr>
+                    <a:lnBlToTr w="12700" cmpd="sng">
+                      <a:noFill/>
+                      <a:prstDash val="solid"/>
+                    </a:lnBlToTr>
+                    <a:solidFill>
+                      <a:schemeClr val="bg1"/>
+                    </a:solidFill>
+                  </a:tcPr>
+                </a:tc>
+                <a:extLst>
+                  <a:ext uri="{0D108BD9-81ED-4DB2-BD59-A6C34878D82A}">
+                    <a16:rowId xmlns:a16="http://schemas.microsoft.com/office/drawing/2014/main" val="713062447"/>
+                  </a:ext>
+                </a:extLst>
+              </a:tr>
+              <a:tr h="477040">
+                <a:tc>
+                  <a:txBody>
+                    <a:bodyPr/>
+                    <a:lstStyle/>
+                    <a:p>
+                      <a:pPr marL="0" marR="0" lvl="0" indent="0" algn="l" defTabSz="914400" rtl="0" eaLnBrk="1" fontAlgn="auto" latinLnBrk="0" hangingPunct="1">
+                        <a:lnSpc>
+                          <a:spcPct val="100000"/>
+                        </a:lnSpc>
+                        <a:spcBef>
+                          <a:spcPts val="0"/>
+                        </a:spcBef>
+                        <a:spcAft>
+                          <a:spcPts val="0"/>
+                        </a:spcAft>
+                        <a:buClrTx/>
+                        <a:buSzTx/>
+                        <a:buFontTx/>
+                        <a:buNone/>
+                        <a:tabLst/>
+                        <a:defRPr/>
+                      </a:pPr>
+                      <a:r>
+                        <a:rPr kumimoji="0" lang="en-US" altLang="zh-CN" sz="1400" b="1" i="0" u="none" strike="noStrike" kern="1200" cap="none" spc="0" normalizeH="0" baseline="0" noProof="0" dirty="0" smtClean="0">
+                          <a:ln>
+                            <a:noFill/>
+                          </a:ln>
+                          <a:solidFill>
+                            <a:prstClr val="black"/>
+                          </a:solidFill>
+                          <a:effectLst/>
+                          <a:uLnTx/>
+                          <a:uFillTx/>
+                          <a:latin typeface="等线" panose="020F0502020204030204"/>
+                          <a:ea typeface="等线" panose="02010600030101010101" pitchFamily="2" charset="-122"/>
+                          <a:cs typeface="+mn-cs"/>
+                        </a:rPr>
+                        <a:t>Block n(m-1)+1</a:t>
+                      </a:r>
+                      <a:endParaRPr kumimoji="0" lang="zh-CN" altLang="en-US" sz="1400" b="1" i="0" u="none" strike="noStrike" kern="1200" cap="none" spc="0" normalizeH="0" baseline="0" noProof="0" dirty="0">
+                        <a:ln>
+                          <a:noFill/>
+                        </a:ln>
+                        <a:solidFill>
+                          <a:prstClr val="black"/>
+                        </a:solidFill>
+                        <a:effectLst/>
+                        <a:uLnTx/>
+                        <a:uFillTx/>
+                        <a:latin typeface="等线" panose="020F0502020204030204"/>
+                        <a:ea typeface="等线" panose="02010600030101010101" pitchFamily="2" charset="-122"/>
+                        <a:cs typeface="+mn-cs"/>
+                      </a:endParaRPr>
+                    </a:p>
+                  </a:txBody>
+                  <a:tcPr marL="68580" marR="68580" marT="34290" marB="34290">
+                    <a:lnL w="12700" cap="flat" cmpd="sng" algn="ctr">
+                      <a:solidFill>
+                        <a:schemeClr val="tx1"/>
+                      </a:solidFill>
+                      <a:prstDash val="solid"/>
+                      <a:round/>
+                      <a:headEnd type="none" w="med" len="med"/>
+                      <a:tailEnd type="none" w="med" len="med"/>
+                    </a:lnL>
+                    <a:lnR w="12700" cap="flat" cmpd="sng" algn="ctr">
+                      <a:solidFill>
+                        <a:schemeClr val="tx1"/>
+                      </a:solidFill>
+                      <a:prstDash val="solid"/>
+                      <a:round/>
+                      <a:headEnd type="none" w="med" len="med"/>
+                      <a:tailEnd type="none" w="med" len="med"/>
+                    </a:lnR>
+                    <a:lnT w="12700" cap="flat" cmpd="sng" algn="ctr">
+                      <a:solidFill>
+                        <a:schemeClr val="tx1"/>
+                      </a:solidFill>
+                      <a:prstDash val="solid"/>
+                      <a:round/>
+                      <a:headEnd type="none" w="med" len="med"/>
+                      <a:tailEnd type="none" w="med" len="med"/>
+                    </a:lnT>
+                    <a:lnB w="12700" cap="flat" cmpd="sng" algn="ctr">
+                      <a:solidFill>
+                        <a:schemeClr val="tx1"/>
+                      </a:solidFill>
+                      <a:prstDash val="solid"/>
+                      <a:round/>
+                      <a:headEnd type="none" w="med" len="med"/>
+                      <a:tailEnd type="none" w="med" len="med"/>
+                    </a:lnB>
+                    <a:lnTlToBr w="12700" cmpd="sng">
+                      <a:noFill/>
+                      <a:prstDash val="solid"/>
+                    </a:lnTlToBr>
+                    <a:lnBlToTr w="12700" cmpd="sng">
+                      <a:noFill/>
+                      <a:prstDash val="solid"/>
+                    </a:lnBlToTr>
+                    <a:solidFill>
+                      <a:schemeClr val="bg1"/>
+                    </a:solidFill>
+                  </a:tcPr>
+                </a:tc>
+                <a:extLst>
+                  <a:ext uri="{0D108BD9-81ED-4DB2-BD59-A6C34878D82A}">
+                    <a16:rowId xmlns:a16="http://schemas.microsoft.com/office/drawing/2014/main" val="3702186721"/>
+                  </a:ext>
+                </a:extLst>
+              </a:tr>
+              <a:tr h="363556">
+                <a:tc>
+                  <a:txBody>
+                    <a:bodyPr/>
+                    <a:lstStyle/>
+                    <a:p>
+                      <a:pPr marL="0" marR="0" lvl="0" indent="0" algn="l" defTabSz="914400" rtl="0" eaLnBrk="1" fontAlgn="auto" latinLnBrk="0" hangingPunct="1">
+                        <a:lnSpc>
+                          <a:spcPct val="100000"/>
+                        </a:lnSpc>
+                        <a:spcBef>
+                          <a:spcPts val="0"/>
+                        </a:spcBef>
+                        <a:spcAft>
+                          <a:spcPts val="0"/>
+                        </a:spcAft>
+                        <a:buClrTx/>
+                        <a:buSzTx/>
+                        <a:buFontTx/>
+                        <a:buNone/>
+                        <a:tabLst/>
+                        <a:defRPr/>
+                      </a:pPr>
+                      <a:r>
+                        <a:rPr kumimoji="0" lang="en-US" altLang="zh-CN" sz="1400" b="1" i="0" u="none" strike="noStrike" kern="1200" cap="none" spc="0" normalizeH="0" baseline="0" noProof="0" dirty="0" smtClean="0">
+                          <a:ln>
+                            <a:noFill/>
+                          </a:ln>
+                          <a:solidFill>
+                            <a:prstClr val="black"/>
+                          </a:solidFill>
+                          <a:effectLst/>
+                          <a:uLnTx/>
+                          <a:uFillTx/>
+                          <a:latin typeface="等线" panose="020F0502020204030204"/>
+                          <a:ea typeface="等线" panose="02010600030101010101" pitchFamily="2" charset="-122"/>
+                          <a:cs typeface="+mn-cs"/>
+                        </a:rPr>
+                        <a:t>…</a:t>
+                      </a:r>
+                      <a:endParaRPr kumimoji="0" lang="zh-CN" altLang="en-US" sz="1400" b="1" i="0" u="none" strike="noStrike" kern="1200" cap="none" spc="0" normalizeH="0" baseline="0" noProof="0" dirty="0">
+                        <a:ln>
+                          <a:noFill/>
+                        </a:ln>
+                        <a:solidFill>
+                          <a:prstClr val="black"/>
+                        </a:solidFill>
+                        <a:effectLst/>
+                        <a:uLnTx/>
+                        <a:uFillTx/>
+                        <a:latin typeface="等线" panose="020F0502020204030204"/>
+                        <a:ea typeface="等线" panose="02010600030101010101" pitchFamily="2" charset="-122"/>
+                        <a:cs typeface="+mn-cs"/>
+                      </a:endParaRPr>
+                    </a:p>
+                  </a:txBody>
+                  <a:tcPr marL="68580" marR="68580" marT="34290" marB="34290">
+                    <a:lnL w="12700" cap="flat" cmpd="sng" algn="ctr">
+                      <a:solidFill>
+                        <a:schemeClr val="tx1"/>
+                      </a:solidFill>
+                      <a:prstDash val="solid"/>
+                      <a:round/>
+                      <a:headEnd type="none" w="med" len="med"/>
+                      <a:tailEnd type="none" w="med" len="med"/>
+                    </a:lnL>
+                    <a:lnR w="12700" cap="flat" cmpd="sng" algn="ctr">
+                      <a:solidFill>
+                        <a:schemeClr val="tx1"/>
+                      </a:solidFill>
+                      <a:prstDash val="solid"/>
+                      <a:round/>
+                      <a:headEnd type="none" w="med" len="med"/>
+                      <a:tailEnd type="none" w="med" len="med"/>
+                    </a:lnR>
+                    <a:lnT w="12700" cap="flat" cmpd="sng" algn="ctr">
+                      <a:solidFill>
+                        <a:schemeClr val="tx1"/>
+                      </a:solidFill>
+                      <a:prstDash val="solid"/>
+                      <a:round/>
+                      <a:headEnd type="none" w="med" len="med"/>
+                      <a:tailEnd type="none" w="med" len="med"/>
+                    </a:lnT>
+                    <a:lnB w="12700" cap="flat" cmpd="sng" algn="ctr">
+                      <a:solidFill>
+                        <a:schemeClr val="tx1"/>
+                      </a:solidFill>
+                      <a:prstDash val="solid"/>
+                      <a:round/>
+                      <a:headEnd type="none" w="med" len="med"/>
+                      <a:tailEnd type="none" w="med" len="med"/>
+                    </a:lnB>
+                    <a:lnTlToBr w="12700" cmpd="sng">
+                      <a:noFill/>
+                      <a:prstDash val="solid"/>
+                    </a:lnTlToBr>
+                    <a:lnBlToTr w="12700" cmpd="sng">
+                      <a:noFill/>
+                      <a:prstDash val="solid"/>
+                    </a:lnBlToTr>
+                    <a:solidFill>
+                      <a:schemeClr val="bg1"/>
+                    </a:solidFill>
+                  </a:tcPr>
+                </a:tc>
+                <a:extLst>
+                  <a:ext uri="{0D108BD9-81ED-4DB2-BD59-A6C34878D82A}">
+                    <a16:rowId xmlns:a16="http://schemas.microsoft.com/office/drawing/2014/main" val="4171796915"/>
+                  </a:ext>
+                </a:extLst>
+              </a:tr>
+              <a:tr h="485126">
+                <a:tc>
+                  <a:txBody>
+                    <a:bodyPr/>
+                    <a:lstStyle/>
+                    <a:p>
+                      <a:pPr marL="0" marR="0" lvl="0" indent="0" algn="l" defTabSz="914400" rtl="0" eaLnBrk="1" fontAlgn="auto" latinLnBrk="0" hangingPunct="1">
+                        <a:lnSpc>
+                          <a:spcPct val="100000"/>
+                        </a:lnSpc>
+                        <a:spcBef>
+                          <a:spcPts val="0"/>
+                        </a:spcBef>
+                        <a:spcAft>
+                          <a:spcPts val="0"/>
+                        </a:spcAft>
+                        <a:buClrTx/>
+                        <a:buSzTx/>
+                        <a:buFontTx/>
+                        <a:buNone/>
+                        <a:tabLst/>
+                        <a:defRPr/>
+                      </a:pPr>
+                      <a:r>
+                        <a:rPr kumimoji="0" lang="en-US" altLang="zh-CN" sz="1400" b="1" i="0" u="none" strike="noStrike" kern="1200" cap="none" spc="0" normalizeH="0" baseline="0" noProof="0" dirty="0" smtClean="0">
+                          <a:ln>
+                            <a:noFill/>
+                          </a:ln>
+                          <a:solidFill>
+                            <a:prstClr val="black"/>
+                          </a:solidFill>
+                          <a:effectLst/>
+                          <a:uLnTx/>
+                          <a:uFillTx/>
+                          <a:latin typeface="+mn-lt"/>
+                          <a:ea typeface="+mn-ea"/>
+                          <a:cs typeface="+mn-cs"/>
+                        </a:rPr>
+                        <a:t>Block n(m-1)+m-1</a:t>
+                      </a:r>
+                      <a:endParaRPr kumimoji="0" lang="zh-CN" altLang="en-US" sz="1400" b="1" i="0" u="none" strike="noStrike" kern="1200" cap="none" spc="0" normalizeH="0" baseline="0" noProof="0" dirty="0">
+                        <a:ln>
+                          <a:noFill/>
+                        </a:ln>
+                        <a:solidFill>
+                          <a:prstClr val="black"/>
+                        </a:solidFill>
+                        <a:effectLst/>
+                        <a:uLnTx/>
+                        <a:uFillTx/>
+                        <a:latin typeface="+mn-lt"/>
+                        <a:ea typeface="+mn-ea"/>
+                        <a:cs typeface="+mn-cs"/>
+                      </a:endParaRPr>
+                    </a:p>
+                  </a:txBody>
+                  <a:tcPr marL="68580" marR="68580" marT="34290" marB="34290">
+                    <a:lnL w="12700" cap="flat" cmpd="sng" algn="ctr">
+                      <a:solidFill>
+                        <a:schemeClr val="tx1"/>
+                      </a:solidFill>
+                      <a:prstDash val="solid"/>
+                      <a:round/>
+                      <a:headEnd type="none" w="med" len="med"/>
+                      <a:tailEnd type="none" w="med" len="med"/>
+                    </a:lnL>
+                    <a:lnR w="12700" cap="flat" cmpd="sng" algn="ctr">
+                      <a:solidFill>
+                        <a:schemeClr val="tx1"/>
+                      </a:solidFill>
+                      <a:prstDash val="solid"/>
+                      <a:round/>
+                      <a:headEnd type="none" w="med" len="med"/>
+                      <a:tailEnd type="none" w="med" len="med"/>
+                    </a:lnR>
+                    <a:lnT w="12700" cap="flat" cmpd="sng" algn="ctr">
+                      <a:solidFill>
+                        <a:schemeClr val="tx1"/>
+                      </a:solidFill>
+                      <a:prstDash val="solid"/>
+                      <a:round/>
+                      <a:headEnd type="none" w="med" len="med"/>
+                      <a:tailEnd type="none" w="med" len="med"/>
+                    </a:lnT>
+                    <a:lnB w="12700" cap="flat" cmpd="sng" algn="ctr">
+                      <a:solidFill>
+                        <a:schemeClr val="tx1"/>
+                      </a:solidFill>
+                      <a:prstDash val="solid"/>
+                      <a:round/>
+                      <a:headEnd type="none" w="med" len="med"/>
+                      <a:tailEnd type="none" w="med" len="med"/>
+                    </a:lnB>
+                    <a:lnTlToBr w="12700" cmpd="sng">
+                      <a:noFill/>
+                      <a:prstDash val="solid"/>
+                    </a:lnTlToBr>
+                    <a:lnBlToTr w="12700" cmpd="sng">
+                      <a:noFill/>
+                      <a:prstDash val="solid"/>
+                    </a:lnBlToTr>
+                    <a:solidFill>
+                      <a:schemeClr val="bg1"/>
+                    </a:solidFill>
+                  </a:tcPr>
+                </a:tc>
+                <a:extLst>
+                  <a:ext uri="{0D108BD9-81ED-4DB2-BD59-A6C34878D82A}">
+                    <a16:rowId xmlns:a16="http://schemas.microsoft.com/office/drawing/2014/main" val="2579952075"/>
+                  </a:ext>
+                </a:extLst>
+              </a:tr>
+              <a:tr h="363556">
+                <a:tc>
+                  <a:txBody>
+                    <a:bodyPr/>
+                    <a:lstStyle/>
+                    <a:p>
+                      <a:pPr marL="0" marR="0" lvl="0" indent="0" algn="l" defTabSz="914400" rtl="0" eaLnBrk="1" fontAlgn="auto" latinLnBrk="0" hangingPunct="1">
+                        <a:lnSpc>
+                          <a:spcPct val="100000"/>
+                        </a:lnSpc>
+                        <a:spcBef>
+                          <a:spcPts val="0"/>
+                        </a:spcBef>
+                        <a:spcAft>
+                          <a:spcPts val="0"/>
+                        </a:spcAft>
+                        <a:buClrTx/>
+                        <a:buSzTx/>
+                        <a:buFontTx/>
+                        <a:buNone/>
+                        <a:tabLst/>
+                        <a:defRPr/>
+                      </a:pPr>
+                      <a:r>
+                        <a:rPr kumimoji="0" lang="en-US" altLang="zh-CN" sz="1400" b="1" i="0" u="none" strike="noStrike" kern="1200" cap="none" spc="0" normalizeH="0" baseline="0" noProof="0" dirty="0" smtClean="0">
+                          <a:ln>
+                            <a:noFill/>
+                          </a:ln>
+                          <a:solidFill>
+                            <a:prstClr val="black"/>
+                          </a:solidFill>
+                          <a:effectLst/>
+                          <a:uLnTx/>
+                          <a:uFillTx/>
+                          <a:latin typeface="等线" panose="020F0502020204030204"/>
+                          <a:ea typeface="等线" panose="02010600030101010101" pitchFamily="2" charset="-122"/>
+                          <a:cs typeface="+mn-cs"/>
+                        </a:rPr>
+                        <a:t>Block nm</a:t>
+                      </a:r>
+                      <a:endParaRPr kumimoji="0" lang="zh-CN" altLang="en-US" sz="1400" b="1" i="0" u="none" strike="noStrike" kern="1200" cap="none" spc="0" normalizeH="0" baseline="0" noProof="0" dirty="0">
+                        <a:ln>
+                          <a:noFill/>
+                        </a:ln>
+                        <a:solidFill>
+                          <a:prstClr val="black"/>
+                        </a:solidFill>
+                        <a:effectLst/>
+                        <a:uLnTx/>
+                        <a:uFillTx/>
+                        <a:latin typeface="等线" panose="020F0502020204030204"/>
+                        <a:ea typeface="等线" panose="02010600030101010101" pitchFamily="2" charset="-122"/>
+                        <a:cs typeface="+mn-cs"/>
+                      </a:endParaRPr>
+                    </a:p>
+                  </a:txBody>
+                  <a:tcPr marL="68580" marR="68580" marT="34290" marB="34290">
+                    <a:lnL w="12700" cap="flat" cmpd="sng" algn="ctr">
+                      <a:solidFill>
+                        <a:schemeClr val="tx1"/>
+                      </a:solidFill>
+                      <a:prstDash val="solid"/>
+                      <a:round/>
+                      <a:headEnd type="none" w="med" len="med"/>
+                      <a:tailEnd type="none" w="med" len="med"/>
+                    </a:lnL>
+                    <a:lnR w="12700" cap="flat" cmpd="sng" algn="ctr">
+                      <a:solidFill>
+                        <a:schemeClr val="tx1"/>
+                      </a:solidFill>
+                      <a:prstDash val="solid"/>
+                      <a:round/>
+                      <a:headEnd type="none" w="med" len="med"/>
+                      <a:tailEnd type="none" w="med" len="med"/>
+                    </a:lnR>
+                    <a:lnT w="12700" cap="flat" cmpd="sng" algn="ctr">
+                      <a:solidFill>
+                        <a:schemeClr val="tx1"/>
+                      </a:solidFill>
+                      <a:prstDash val="solid"/>
+                      <a:round/>
+                      <a:headEnd type="none" w="med" len="med"/>
+                      <a:tailEnd type="none" w="med" len="med"/>
+                    </a:lnT>
+                    <a:lnB w="12700" cap="flat" cmpd="sng" algn="ctr">
+                      <a:solidFill>
+                        <a:schemeClr val="tx1"/>
+                      </a:solidFill>
+                      <a:prstDash val="solid"/>
+                      <a:round/>
+                      <a:headEnd type="none" w="med" len="med"/>
+                      <a:tailEnd type="none" w="med" len="med"/>
+                    </a:lnB>
+                    <a:lnTlToBr w="12700" cmpd="sng">
+                      <a:noFill/>
+                      <a:prstDash val="solid"/>
+                    </a:lnTlToBr>
+                    <a:lnBlToTr w="12700" cmpd="sng">
+                      <a:noFill/>
+                      <a:prstDash val="solid"/>
+                    </a:lnBlToTr>
+                    <a:solidFill>
+                      <a:schemeClr val="bg1"/>
+                    </a:solidFill>
+                  </a:tcPr>
+                </a:tc>
+                <a:extLst>
+                  <a:ext uri="{0D108BD9-81ED-4DB2-BD59-A6C34878D82A}">
+                    <a16:rowId xmlns:a16="http://schemas.microsoft.com/office/drawing/2014/main" val="3122750366"/>
+                  </a:ext>
+                </a:extLst>
+              </a:tr>
+            </a:tbl>
+          </a:graphicData>
+        </a:graphic>
+      </p:graphicFrame>
+      <p:sp>
+        <p:nvSpPr>
+          <p:cNvPr id="451" name="文本框 450"/>
+          <p:cNvSpPr txBox="1"/>
+          <p:nvPr/>
+        </p:nvSpPr>
+        <p:spPr>
+          <a:xfrm>
+            <a:off x="1828386" y="4222946"/>
+            <a:ext cx="704850" cy="300082"/>
+          </a:xfrm>
+          <a:prstGeom prst="rect">
+            <a:avLst/>
+          </a:prstGeom>
+          <a:noFill/>
+        </p:spPr>
+        <p:txBody>
+          <a:bodyPr wrap="square" rtlCol="0">
+            <a:spAutoFit/>
+          </a:bodyPr>
+          <a:lstStyle/>
+          <a:p>
+            <a:r>
+              <a:rPr lang="en-US" altLang="zh-CN" sz="1350" b="1" dirty="0"/>
+              <a:t>Cache</a:t>
+            </a:r>
+            <a:endParaRPr lang="zh-CN" altLang="en-US" sz="1350" b="1" dirty="0"/>
+          </a:p>
+        </p:txBody>
+      </p:sp>
+      <p:sp>
+        <p:nvSpPr>
+          <p:cNvPr id="452" name="文本框 451"/>
+          <p:cNvSpPr txBox="1"/>
+          <p:nvPr/>
+        </p:nvSpPr>
+        <p:spPr>
+          <a:xfrm>
+            <a:off x="5889141" y="5366688"/>
+            <a:ext cx="914814" cy="300082"/>
+          </a:xfrm>
+          <a:prstGeom prst="rect">
+            <a:avLst/>
+          </a:prstGeom>
+          <a:noFill/>
+        </p:spPr>
+        <p:txBody>
+          <a:bodyPr wrap="square" rtlCol="0">
+            <a:spAutoFit/>
+          </a:bodyPr>
+          <a:lstStyle/>
+          <a:p>
+            <a:r>
+              <a:rPr lang="en-US" altLang="zh-CN" sz="1350" b="1" dirty="0"/>
+              <a:t>memory</a:t>
+            </a:r>
+            <a:endParaRPr lang="zh-CN" altLang="en-US" sz="1350" b="1" dirty="0"/>
+          </a:p>
+        </p:txBody>
+      </p:sp>
+      <p:cxnSp>
+        <p:nvCxnSpPr>
+          <p:cNvPr id="3" name="直接箭头连接符 2"/>
+          <p:cNvCxnSpPr/>
+          <p:nvPr/>
+        </p:nvCxnSpPr>
+        <p:spPr>
+          <a:xfrm flipV="1">
+            <a:off x="2678597" y="1185242"/>
+            <a:ext cx="2850873" cy="1118152"/>
+          </a:xfrm>
+          <a:prstGeom prst="straightConnector1">
+            <a:avLst/>
+          </a:prstGeom>
+          <a:ln>
+            <a:tailEnd type="triangle"/>
+          </a:ln>
+        </p:spPr>
+        <p:style>
+          <a:lnRef idx="1">
+            <a:schemeClr val="accent1"/>
+          </a:lnRef>
+          <a:fillRef idx="0">
+            <a:schemeClr val="accent1"/>
+          </a:fillRef>
+          <a:effectRef idx="0">
+            <a:schemeClr val="accent1"/>
+          </a:effectRef>
+          <a:fontRef idx="minor">
+            <a:schemeClr val="tx1"/>
+          </a:fontRef>
+        </p:style>
+      </p:cxnSp>
+      <p:cxnSp>
+        <p:nvCxnSpPr>
+          <p:cNvPr id="44" name="直接箭头连接符 43"/>
+          <p:cNvCxnSpPr/>
+          <p:nvPr/>
+        </p:nvCxnSpPr>
+        <p:spPr>
+          <a:xfrm flipV="1">
+            <a:off x="2707171" y="1543050"/>
+            <a:ext cx="2850873" cy="1170333"/>
+          </a:xfrm>
+          <a:prstGeom prst="straightConnector1">
+            <a:avLst/>
+          </a:prstGeom>
+          <a:ln>
+            <a:tailEnd type="triangle"/>
+          </a:ln>
+        </p:spPr>
+        <p:style>
+          <a:lnRef idx="1">
+            <a:schemeClr val="accent1"/>
+          </a:lnRef>
+          <a:fillRef idx="0">
+            <a:schemeClr val="accent1"/>
+          </a:fillRef>
+          <a:effectRef idx="0">
+            <a:schemeClr val="accent1"/>
+          </a:effectRef>
+          <a:fontRef idx="minor">
+            <a:schemeClr val="tx1"/>
+          </a:fontRef>
+        </p:style>
+      </p:cxnSp>
+      <p:cxnSp>
+        <p:nvCxnSpPr>
+          <p:cNvPr id="47" name="直接箭头连接符 46"/>
+          <p:cNvCxnSpPr/>
+          <p:nvPr/>
+        </p:nvCxnSpPr>
+        <p:spPr>
+          <a:xfrm>
+            <a:off x="2735746" y="2303394"/>
+            <a:ext cx="2793724" cy="1058518"/>
+          </a:xfrm>
+          <a:prstGeom prst="straightConnector1">
+            <a:avLst/>
+          </a:prstGeom>
+          <a:ln>
+            <a:tailEnd type="triangle"/>
+          </a:ln>
+        </p:spPr>
+        <p:style>
+          <a:lnRef idx="1">
+            <a:schemeClr val="accent1"/>
+          </a:lnRef>
+          <a:fillRef idx="0">
+            <a:schemeClr val="accent1"/>
+          </a:fillRef>
+          <a:effectRef idx="0">
+            <a:schemeClr val="accent1"/>
+          </a:effectRef>
+          <a:fontRef idx="minor">
+            <a:schemeClr val="tx1"/>
+          </a:fontRef>
+        </p:style>
+      </p:cxnSp>
+      <p:cxnSp>
+        <p:nvCxnSpPr>
+          <p:cNvPr id="50" name="直接箭头连接符 49"/>
+          <p:cNvCxnSpPr/>
+          <p:nvPr/>
+        </p:nvCxnSpPr>
+        <p:spPr>
+          <a:xfrm>
+            <a:off x="2735746" y="2713384"/>
+            <a:ext cx="2793724" cy="1051062"/>
+          </a:xfrm>
+          <a:prstGeom prst="straightConnector1">
+            <a:avLst/>
+          </a:prstGeom>
+          <a:ln>
+            <a:tailEnd type="triangle"/>
+          </a:ln>
+        </p:spPr>
+        <p:style>
+          <a:lnRef idx="1">
+            <a:schemeClr val="accent1"/>
+          </a:lnRef>
+          <a:fillRef idx="0">
+            <a:schemeClr val="accent1"/>
+          </a:fillRef>
+          <a:effectRef idx="0">
+            <a:schemeClr val="accent1"/>
+          </a:effectRef>
+          <a:fontRef idx="minor">
+            <a:schemeClr val="tx1"/>
+          </a:fontRef>
+        </p:style>
+      </p:cxnSp>
+      <p:cxnSp>
+        <p:nvCxnSpPr>
+          <p:cNvPr id="53" name="直接箭头连接符 52"/>
+          <p:cNvCxnSpPr/>
+          <p:nvPr/>
+        </p:nvCxnSpPr>
+        <p:spPr>
+          <a:xfrm flipV="1">
+            <a:off x="2678597" y="2251213"/>
+            <a:ext cx="2850873" cy="1199930"/>
+          </a:xfrm>
+          <a:prstGeom prst="straightConnector1">
+            <a:avLst/>
+          </a:prstGeom>
+          <a:ln>
+            <a:tailEnd type="triangle"/>
+          </a:ln>
+        </p:spPr>
+        <p:style>
+          <a:lnRef idx="1">
+            <a:schemeClr val="accent1"/>
+          </a:lnRef>
+          <a:fillRef idx="0">
+            <a:schemeClr val="accent1"/>
+          </a:fillRef>
+          <a:effectRef idx="0">
+            <a:schemeClr val="accent1"/>
+          </a:effectRef>
+          <a:fontRef idx="minor">
+            <a:schemeClr val="tx1"/>
+          </a:fontRef>
+        </p:style>
+      </p:cxnSp>
+      <p:cxnSp>
+        <p:nvCxnSpPr>
+          <p:cNvPr id="56" name="直接箭头连接符 55"/>
+          <p:cNvCxnSpPr/>
+          <p:nvPr/>
+        </p:nvCxnSpPr>
+        <p:spPr>
+          <a:xfrm>
+            <a:off x="2692884" y="3451142"/>
+            <a:ext cx="2836586" cy="1148190"/>
+          </a:xfrm>
+          <a:prstGeom prst="straightConnector1">
+            <a:avLst/>
+          </a:prstGeom>
+          <a:ln>
+            <a:tailEnd type="triangle"/>
+          </a:ln>
+        </p:spPr>
+        <p:style>
+          <a:lnRef idx="1">
+            <a:schemeClr val="accent1"/>
+          </a:lnRef>
+          <a:fillRef idx="0">
+            <a:schemeClr val="accent1"/>
+          </a:fillRef>
+          <a:effectRef idx="0">
+            <a:schemeClr val="accent1"/>
+          </a:effectRef>
+          <a:fontRef idx="minor">
+            <a:schemeClr val="tx1"/>
+          </a:fontRef>
+        </p:style>
+      </p:cxnSp>
+      <p:cxnSp>
+        <p:nvCxnSpPr>
+          <p:cNvPr id="60" name="直接箭头连接符 59"/>
+          <p:cNvCxnSpPr/>
+          <p:nvPr/>
+        </p:nvCxnSpPr>
+        <p:spPr>
+          <a:xfrm flipV="1">
+            <a:off x="2685741" y="2661202"/>
+            <a:ext cx="2843729" cy="1118153"/>
+          </a:xfrm>
+          <a:prstGeom prst="straightConnector1">
+            <a:avLst/>
+          </a:prstGeom>
+          <a:ln>
+            <a:tailEnd type="triangle"/>
+          </a:ln>
+        </p:spPr>
+        <p:style>
+          <a:lnRef idx="1">
+            <a:schemeClr val="accent1"/>
+          </a:lnRef>
+          <a:fillRef idx="0">
+            <a:schemeClr val="accent1"/>
+          </a:fillRef>
+          <a:effectRef idx="0">
+            <a:schemeClr val="accent1"/>
+          </a:effectRef>
+          <a:fontRef idx="minor">
+            <a:schemeClr val="tx1"/>
+          </a:fontRef>
+        </p:style>
+      </p:cxnSp>
+      <p:cxnSp>
+        <p:nvCxnSpPr>
+          <p:cNvPr id="63" name="直接箭头连接符 62"/>
+          <p:cNvCxnSpPr/>
+          <p:nvPr/>
+        </p:nvCxnSpPr>
+        <p:spPr>
+          <a:xfrm>
+            <a:off x="2692884" y="3808951"/>
+            <a:ext cx="2822298" cy="1231541"/>
+          </a:xfrm>
+          <a:prstGeom prst="straightConnector1">
+            <a:avLst/>
+          </a:prstGeom>
+          <a:ln>
+            <a:tailEnd type="triangle"/>
+          </a:ln>
+        </p:spPr>
+        <p:style>
+          <a:lnRef idx="1">
+            <a:schemeClr val="accent1"/>
+          </a:lnRef>
+          <a:fillRef idx="0">
+            <a:schemeClr val="accent1"/>
+          </a:fillRef>
+          <a:effectRef idx="0">
+            <a:schemeClr val="accent1"/>
+          </a:effectRef>
+          <a:fontRef idx="minor">
+            <a:schemeClr val="tx1"/>
+          </a:fontRef>
+        </p:style>
+      </p:cxnSp>
+    </p:spTree>
+    <p:extLst>
+      <p:ext uri="{BB962C8B-B14F-4D97-AF65-F5344CB8AC3E}">
+        <p14:creationId xmlns:p14="http://schemas.microsoft.com/office/powerpoint/2010/main" val="2783374887"/>
+      </p:ext>
+    </p:extLst>
+  </p:cSld>
+  <p:clrMapOvr>
+    <a:masterClrMapping/>
+  </p:clrMapOvr>
+  <p:timing>
+    <p:tnLst>
+      <p:par>
+        <p:cTn id="1" dur="indefinite" restart="never" nodeType="tmRoot"/>
+      </p:par>
+    </p:tnLst>
+  </p:timing>
+</p:sld>
+</file>
+
+<file path=ppt/slides/slide4.xml><?xml version="1.0" encoding="utf-8"?>
+<p:sld xmlns:a="http://schemas.openxmlformats.org/drawingml/2006/main" xmlns:r="http://schemas.openxmlformats.org/officeDocument/2006/relationships" xmlns:p="http://schemas.openxmlformats.org/presentationml/2006/main">
+  <p:cSld>
+    <p:spTree>
+      <p:nvGrpSpPr>
+        <p:cNvPr id="1" name=""/>
+        <p:cNvGrpSpPr/>
+        <p:nvPr/>
+      </p:nvGrpSpPr>
+      <p:grpSpPr>
+        <a:xfrm>
+          <a:off x="0" y="0"/>
+          <a:ext cx="0" cy="0"/>
+          <a:chOff x="0" y="0"/>
+          <a:chExt cx="0" cy="0"/>
+        </a:xfrm>
+      </p:grpSpPr>
+      <p:sp>
+        <p:nvSpPr>
+          <p:cNvPr id="2" name="标题 1"/>
+          <p:cNvSpPr>
+            <a:spLocks noGrp="1"/>
+          </p:cNvSpPr>
+          <p:nvPr>
+            <p:ph type="title"/>
+          </p:nvPr>
+        </p:nvSpPr>
+        <p:spPr/>
+        <p:txBody>
+          <a:bodyPr/>
+          <a:lstStyle/>
+          <a:p>
+            <a:endParaRPr lang="zh-CN" altLang="en-US"/>
+          </a:p>
+        </p:txBody>
+      </p:sp>
+      <p:pic>
+        <p:nvPicPr>
+          <p:cNvPr id="4" name="内容占位符 3"/>
+          <p:cNvPicPr>
+            <a:picLocks noGrp="1" noChangeAspect="1"/>
+          </p:cNvPicPr>
+          <p:nvPr>
+            <p:ph idx="1"/>
+          </p:nvPr>
+        </p:nvPicPr>
+        <p:blipFill>
+          <a:blip r:embed="rId2"/>
+          <a:stretch>
+            <a:fillRect/>
+          </a:stretch>
+        </p:blipFill>
+        <p:spPr>
+          <a:xfrm>
+            <a:off x="2789414" y="2226469"/>
+            <a:ext cx="3565172" cy="3263504"/>
+          </a:xfrm>
+          <a:prstGeom prst="rect">
+            <a:avLst/>
+          </a:prstGeom>
+        </p:spPr>
+      </p:pic>
+    </p:spTree>
+    <p:extLst>
+      <p:ext uri="{BB962C8B-B14F-4D97-AF65-F5344CB8AC3E}">
+        <p14:creationId xmlns:p14="http://schemas.microsoft.com/office/powerpoint/2010/main" val="3453477588"/>
+      </p:ext>
+    </p:extLst>
+  </p:cSld>
+  <p:clrMapOvr>
+    <a:masterClrMapping/>
+  </p:clrMapOvr>
+  <p:timing>
+    <p:tnLst>
+      <p:par>
+        <p:cTn id="1" dur="indefinite" restart="never" nodeType="tmRoot"/>
+      </p:par>
+    </p:tnLst>
+  </p:timing>
+</p:sld>
+</file>
+
+<file path=ppt/slides/slide5.xml><?xml version="1.0" encoding="utf-8"?>
+<p:sld xmlns:a="http://schemas.openxmlformats.org/drawingml/2006/main" xmlns:r="http://schemas.openxmlformats.org/officeDocument/2006/relationships" xmlns:p="http://schemas.openxmlformats.org/presentationml/2006/main">
+  <p:cSld>
+    <p:spTree>
+      <p:nvGrpSpPr>
+        <p:cNvPr id="1" name=""/>
+        <p:cNvGrpSpPr/>
+        <p:nvPr/>
+      </p:nvGrpSpPr>
+      <p:grpSpPr>
+        <a:xfrm>
+          <a:off x="0" y="0"/>
+          <a:ext cx="0" cy="0"/>
+          <a:chOff x="0" y="0"/>
+          <a:chExt cx="0" cy="0"/>
+        </a:xfrm>
+      </p:grpSpPr>
+      <p:sp>
+        <p:nvSpPr>
+          <p:cNvPr id="4" name="矩形 3"/>
+          <p:cNvSpPr/>
+          <p:nvPr/>
+        </p:nvSpPr>
+        <p:spPr>
+          <a:xfrm>
+            <a:off x="710646" y="988942"/>
+            <a:ext cx="3091071" cy="3424032"/>
+          </a:xfrm>
+          <a:prstGeom prst="rect">
+            <a:avLst/>
+          </a:prstGeom>
+          <a:solidFill>
+            <a:schemeClr val="bg1"/>
+          </a:solidFill>
+        </p:spPr>
+        <p:style>
+          <a:lnRef idx="2">
+            <a:schemeClr val="accent1">
+              <a:shade val="50000"/>
+            </a:schemeClr>
+          </a:lnRef>
+          <a:fillRef idx="1">
+            <a:schemeClr val="accent1"/>
+          </a:fillRef>
+          <a:effectRef idx="0">
+            <a:schemeClr val="accent1"/>
+          </a:effectRef>
+          <a:fontRef idx="minor">
+            <a:schemeClr val="lt1"/>
+          </a:fontRef>
+        </p:style>
+        <p:txBody>
+          <a:bodyPr rtlCol="0" anchor="ctr"/>
+          <a:lstStyle/>
+          <a:p>
+            <a:pPr algn="ctr"/>
+            <a:endParaRPr lang="zh-CN" altLang="en-US"/>
+          </a:p>
+        </p:txBody>
+      </p:sp>
+      <p:sp>
+        <p:nvSpPr>
+          <p:cNvPr id="5" name="矩形 4"/>
+          <p:cNvSpPr/>
+          <p:nvPr/>
+        </p:nvSpPr>
+        <p:spPr>
+          <a:xfrm>
+            <a:off x="1530622" y="1287117"/>
+            <a:ext cx="1361661" cy="467139"/>
+          </a:xfrm>
+          <a:prstGeom prst="rect">
+            <a:avLst/>
+          </a:prstGeom>
+        </p:spPr>
+        <p:style>
+          <a:lnRef idx="2">
+            <a:schemeClr val="dk1"/>
+          </a:lnRef>
+          <a:fillRef idx="1">
+            <a:schemeClr val="lt1"/>
+          </a:fillRef>
+          <a:effectRef idx="0">
+            <a:schemeClr val="dk1"/>
+          </a:effectRef>
+          <a:fontRef idx="minor">
+            <a:schemeClr val="dk1"/>
+          </a:fontRef>
+        </p:style>
+        <p:txBody>
+          <a:bodyPr rtlCol="0" anchor="ctr"/>
+          <a:lstStyle/>
+          <a:p>
+            <a:pPr algn="ctr"/>
+            <a:r>
+              <a:rPr lang="zh-CN" altLang="en-US" dirty="0" smtClean="0"/>
+              <a:t>字节代替</a:t>
+            </a:r>
+            <a:endParaRPr lang="zh-CN" altLang="en-US" dirty="0"/>
+          </a:p>
+        </p:txBody>
+      </p:sp>
+      <p:sp>
+        <p:nvSpPr>
+          <p:cNvPr id="6" name="矩形 5"/>
+          <p:cNvSpPr/>
+          <p:nvPr/>
+        </p:nvSpPr>
+        <p:spPr>
+          <a:xfrm>
+            <a:off x="1530624" y="2092187"/>
+            <a:ext cx="1361661" cy="467139"/>
+          </a:xfrm>
+          <a:prstGeom prst="rect">
+            <a:avLst/>
+          </a:prstGeom>
+        </p:spPr>
+        <p:style>
+          <a:lnRef idx="2">
+            <a:schemeClr val="dk1"/>
+          </a:lnRef>
+          <a:fillRef idx="1">
+            <a:schemeClr val="lt1"/>
+          </a:fillRef>
+          <a:effectRef idx="0">
+            <a:schemeClr val="dk1"/>
+          </a:effectRef>
+          <a:fontRef idx="minor">
+            <a:schemeClr val="dk1"/>
+          </a:fontRef>
+        </p:style>
+        <p:txBody>
+          <a:bodyPr rtlCol="0" anchor="ctr"/>
+          <a:lstStyle/>
+          <a:p>
+            <a:pPr algn="ctr"/>
+            <a:r>
+              <a:rPr lang="zh-CN" altLang="en-US" dirty="0" smtClean="0"/>
+              <a:t>行移位</a:t>
+            </a:r>
+            <a:endParaRPr lang="zh-CN" altLang="en-US" dirty="0"/>
+          </a:p>
+        </p:txBody>
+      </p:sp>
+      <p:sp>
+        <p:nvSpPr>
+          <p:cNvPr id="7" name="矩形 6"/>
+          <p:cNvSpPr/>
+          <p:nvPr/>
+        </p:nvSpPr>
+        <p:spPr>
+          <a:xfrm>
+            <a:off x="1530623" y="2897257"/>
+            <a:ext cx="1361661" cy="467139"/>
+          </a:xfrm>
+          <a:prstGeom prst="rect">
+            <a:avLst/>
+          </a:prstGeom>
+        </p:spPr>
+        <p:style>
+          <a:lnRef idx="2">
+            <a:schemeClr val="dk1"/>
+          </a:lnRef>
+          <a:fillRef idx="1">
+            <a:schemeClr val="lt1"/>
+          </a:fillRef>
+          <a:effectRef idx="0">
+            <a:schemeClr val="dk1"/>
+          </a:effectRef>
+          <a:fontRef idx="minor">
+            <a:schemeClr val="dk1"/>
+          </a:fontRef>
+        </p:style>
+        <p:txBody>
+          <a:bodyPr rtlCol="0" anchor="ctr"/>
+          <a:lstStyle/>
+          <a:p>
+            <a:pPr algn="ctr"/>
+            <a:r>
+              <a:rPr lang="zh-CN" altLang="en-US" dirty="0" smtClean="0"/>
+              <a:t>列混淆</a:t>
+            </a:r>
+            <a:endParaRPr lang="zh-CN" altLang="en-US" dirty="0"/>
+          </a:p>
+        </p:txBody>
+      </p:sp>
+      <p:sp>
+        <p:nvSpPr>
+          <p:cNvPr id="8" name="矩形 7"/>
+          <p:cNvSpPr/>
+          <p:nvPr/>
+        </p:nvSpPr>
+        <p:spPr>
+          <a:xfrm>
+            <a:off x="1530622" y="3672510"/>
+            <a:ext cx="1361661" cy="467139"/>
+          </a:xfrm>
+          <a:prstGeom prst="rect">
+            <a:avLst/>
+          </a:prstGeom>
+        </p:spPr>
+        <p:style>
+          <a:lnRef idx="2">
+            <a:schemeClr val="dk1"/>
+          </a:lnRef>
+          <a:fillRef idx="1">
+            <a:schemeClr val="lt1"/>
+          </a:fillRef>
+          <a:effectRef idx="0">
+            <a:schemeClr val="dk1"/>
+          </a:effectRef>
+          <a:fontRef idx="minor">
+            <a:schemeClr val="dk1"/>
+          </a:fontRef>
+        </p:style>
+        <p:txBody>
+          <a:bodyPr rtlCol="0" anchor="ctr"/>
+          <a:lstStyle/>
+          <a:p>
+            <a:pPr algn="ctr"/>
+            <a:r>
+              <a:rPr lang="zh-CN" altLang="en-US" dirty="0"/>
+              <a:t>论</a:t>
+            </a:r>
+            <a:r>
+              <a:rPr lang="zh-CN" altLang="en-US" dirty="0" smtClean="0"/>
+              <a:t>密钥加</a:t>
+            </a:r>
+            <a:endParaRPr lang="zh-CN" altLang="en-US" dirty="0"/>
+          </a:p>
+        </p:txBody>
+      </p:sp>
+      <p:sp>
+        <p:nvSpPr>
+          <p:cNvPr id="11" name="文本框 10"/>
+          <p:cNvSpPr txBox="1"/>
+          <p:nvPr/>
+        </p:nvSpPr>
+        <p:spPr>
+          <a:xfrm>
+            <a:off x="710646" y="2516292"/>
+            <a:ext cx="775248" cy="369332"/>
+          </a:xfrm>
+          <a:prstGeom prst="rect">
+            <a:avLst/>
+          </a:prstGeom>
+          <a:noFill/>
+        </p:spPr>
+        <p:txBody>
+          <a:bodyPr wrap="square" rtlCol="0">
+            <a:spAutoFit/>
+          </a:bodyPr>
+          <a:lstStyle/>
+          <a:p>
+            <a:r>
+              <a:rPr lang="zh-CN" altLang="en-US" dirty="0" smtClean="0"/>
+              <a:t>第</a:t>
+            </a:r>
+            <a:r>
+              <a:rPr lang="en-US" altLang="zh-CN" dirty="0" smtClean="0"/>
+              <a:t>1</a:t>
+            </a:r>
+            <a:r>
+              <a:rPr lang="zh-CN" altLang="en-US" dirty="0" smtClean="0"/>
+              <a:t>轮</a:t>
+            </a:r>
+            <a:endParaRPr lang="zh-CN" altLang="en-US" dirty="0"/>
+          </a:p>
+        </p:txBody>
+      </p:sp>
+      <p:cxnSp>
+        <p:nvCxnSpPr>
+          <p:cNvPr id="13" name="直接箭头连接符 12"/>
+          <p:cNvCxnSpPr>
+            <a:stCxn id="5" idx="2"/>
+            <a:endCxn id="6" idx="0"/>
+          </p:cNvCxnSpPr>
+          <p:nvPr/>
+        </p:nvCxnSpPr>
+        <p:spPr>
+          <a:xfrm>
+            <a:off x="2211453" y="1754256"/>
+            <a:ext cx="2" cy="337931"/>
+          </a:xfrm>
+          <a:prstGeom prst="straightConnector1">
+            <a:avLst/>
+          </a:prstGeom>
+          <a:ln>
+            <a:tailEnd type="triangle"/>
+          </a:ln>
+        </p:spPr>
+        <p:style>
+          <a:lnRef idx="1">
+            <a:schemeClr val="accent1"/>
+          </a:lnRef>
+          <a:fillRef idx="0">
+            <a:schemeClr val="accent1"/>
+          </a:fillRef>
+          <a:effectRef idx="0">
+            <a:schemeClr val="accent1"/>
+          </a:effectRef>
+          <a:fontRef idx="minor">
+            <a:schemeClr val="tx1"/>
+          </a:fontRef>
+        </p:style>
+      </p:cxnSp>
+      <p:cxnSp>
+        <p:nvCxnSpPr>
+          <p:cNvPr id="15" name="直接箭头连接符 14"/>
+          <p:cNvCxnSpPr>
+            <a:stCxn id="6" idx="2"/>
+            <a:endCxn id="7" idx="0"/>
+          </p:cNvCxnSpPr>
+          <p:nvPr/>
+        </p:nvCxnSpPr>
+        <p:spPr>
+          <a:xfrm flipH="1">
+            <a:off x="2211454" y="2559326"/>
+            <a:ext cx="1" cy="337931"/>
+          </a:xfrm>
+          <a:prstGeom prst="straightConnector1">
+            <a:avLst/>
+          </a:prstGeom>
+          <a:ln>
+            <a:tailEnd type="triangle"/>
+          </a:ln>
+        </p:spPr>
+        <p:style>
+          <a:lnRef idx="1">
+            <a:schemeClr val="accent1"/>
+          </a:lnRef>
+          <a:fillRef idx="0">
+            <a:schemeClr val="accent1"/>
+          </a:fillRef>
+          <a:effectRef idx="0">
+            <a:schemeClr val="accent1"/>
+          </a:effectRef>
+          <a:fontRef idx="minor">
+            <a:schemeClr val="tx1"/>
+          </a:fontRef>
+        </p:style>
+      </p:cxnSp>
+      <p:cxnSp>
+        <p:nvCxnSpPr>
+          <p:cNvPr id="18" name="直接箭头连接符 17"/>
+          <p:cNvCxnSpPr>
+            <a:stCxn id="7" idx="2"/>
+            <a:endCxn id="8" idx="0"/>
+          </p:cNvCxnSpPr>
+          <p:nvPr/>
+        </p:nvCxnSpPr>
+        <p:spPr>
+          <a:xfrm flipH="1">
+            <a:off x="2211453" y="3364396"/>
+            <a:ext cx="1" cy="308114"/>
+          </a:xfrm>
+          <a:prstGeom prst="straightConnector1">
+            <a:avLst/>
+          </a:prstGeom>
+          <a:ln>
+            <a:tailEnd type="triangle"/>
+          </a:ln>
+        </p:spPr>
+        <p:style>
+          <a:lnRef idx="1">
+            <a:schemeClr val="accent1"/>
+          </a:lnRef>
+          <a:fillRef idx="0">
+            <a:schemeClr val="accent1"/>
+          </a:fillRef>
+          <a:effectRef idx="0">
+            <a:schemeClr val="accent1"/>
+          </a:effectRef>
+          <a:fontRef idx="minor">
+            <a:schemeClr val="tx1"/>
+          </a:fontRef>
+        </p:style>
+      </p:cxnSp>
+      <p:sp>
+        <p:nvSpPr>
+          <p:cNvPr id="21" name="矩形 20"/>
+          <p:cNvSpPr/>
+          <p:nvPr/>
+        </p:nvSpPr>
+        <p:spPr>
+          <a:xfrm>
+            <a:off x="1530621" y="248477"/>
+            <a:ext cx="1361661" cy="467139"/>
+          </a:xfrm>
+          <a:prstGeom prst="rect">
+            <a:avLst/>
+          </a:prstGeom>
+        </p:spPr>
+        <p:style>
+          <a:lnRef idx="2">
+            <a:schemeClr val="dk1"/>
+          </a:lnRef>
+          <a:fillRef idx="1">
+            <a:schemeClr val="lt1"/>
+          </a:fillRef>
+          <a:effectRef idx="0">
+            <a:schemeClr val="dk1"/>
+          </a:effectRef>
+          <a:fontRef idx="minor">
+            <a:schemeClr val="dk1"/>
+          </a:fontRef>
+        </p:style>
+        <p:txBody>
+          <a:bodyPr rtlCol="0" anchor="ctr"/>
+          <a:lstStyle/>
+          <a:p>
+            <a:pPr algn="ctr"/>
+            <a:r>
+              <a:rPr lang="zh-CN" altLang="en-US" dirty="0"/>
+              <a:t>论</a:t>
+            </a:r>
+            <a:r>
+              <a:rPr lang="zh-CN" altLang="en-US" dirty="0" smtClean="0"/>
+              <a:t>密钥加</a:t>
+            </a:r>
+            <a:endParaRPr lang="zh-CN" altLang="en-US" dirty="0"/>
+          </a:p>
+        </p:txBody>
+      </p:sp>
+    </p:spTree>
+    <p:extLst>
+      <p:ext uri="{BB962C8B-B14F-4D97-AF65-F5344CB8AC3E}">
+        <p14:creationId xmlns:p14="http://schemas.microsoft.com/office/powerpoint/2010/main" val="1349201784"/>
+      </p:ext>
+    </p:extLst>
+  </p:cSld>
+  <p:clrMapOvr>
+    <a:masterClrMapping/>
+  </p:clrMapOvr>
+  <p:timing>
+    <p:tnLst>
+      <p:par>
+        <p:cTn id="1" dur="indefinite" restart="never" nodeType="tmRoot"/>
+      </p:par>
+    </p:tnLst>
+  </p:timing>
+</p:sld>
+</file>
+
 <file path=ppt/theme/theme1.xml><?xml version="1.0" encoding="utf-8"?>
 <a:theme xmlns:a="http://schemas.openxmlformats.org/drawingml/2006/main" name="Office 主题​​">
   <a:themeElements>
-    <a:clrScheme name="Office">
+    <a:clrScheme name="Office 主题​​">
       <a:dk1>
         <a:sysClr val="windowText" lastClr="000000"/>
       </a:dk1>
@@ -3333,9 +8656,9 @@
         <a:srgbClr val="954F72"/>
       </a:folHlink>
     </a:clrScheme>
-    <a:fontScheme name="Office">
+    <a:fontScheme name="Office 主题​​">
       <a:majorFont>
-        <a:latin typeface="等线 Light" panose="020F0302020204030204"/>
+        <a:latin typeface="Calibri Light" panose="020F0302020204030204"/>
         <a:ea typeface=""/>
         <a:cs typeface=""/>
         <a:font script="Jpan" typeface="游ゴシック Light"/>
@@ -3370,7 +8693,7 @@
         <a:font script="Geor" typeface="Sylfaen"/>
       </a:majorFont>
       <a:minorFont>
-        <a:latin typeface="等线" panose="020F0502020204030204"/>
+        <a:latin typeface="Calibri" panose="020F0502020204030204"/>
         <a:ea typeface=""/>
         <a:cs typeface=""/>
         <a:font script="Jpan" typeface="游ゴシック"/>
@@ -3405,7 +8728,7 @@
         <a:font script="Geor" typeface="Sylfaen"/>
       </a:minorFont>
     </a:fontScheme>
-    <a:fmtScheme name="Office">
+    <a:fmtScheme name="Office 主题​​">
       <a:fillStyleLst>
         <a:solidFill>
           <a:schemeClr val="phClr"/>

--- a/论文图片.pptx
+++ b/论文图片.pptx
@@ -10,6 +10,7 @@
     <p:sldId id="259" r:id="rId4"/>
     <p:sldId id="258" r:id="rId5"/>
     <p:sldId id="260" r:id="rId6"/>
+    <p:sldId id="261" r:id="rId7"/>
   </p:sldIdLst>
   <p:sldSz cx="9144000" cy="6858000" type="screen4x3"/>
   <p:notesSz cx="6858000" cy="9144000"/>
@@ -3033,7 +3034,6 @@
                 <a:rPr lang="zh-CN" altLang="en-US" sz="1350" dirty="0"/>
                 <a:t>加密算法</a:t>
               </a:r>
-              <a:endParaRPr lang="zh-CN" altLang="en-US" sz="1350" dirty="0"/>
             </a:p>
           </p:txBody>
         </p:sp>
@@ -8615,6 +8615,716 @@
 </p:sld>
 </file>
 
+<file path=ppt/slides/slide6.xml><?xml version="1.0" encoding="utf-8"?>
+<p:sld xmlns:a="http://schemas.openxmlformats.org/drawingml/2006/main" xmlns:r="http://schemas.openxmlformats.org/officeDocument/2006/relationships" xmlns:p="http://schemas.openxmlformats.org/presentationml/2006/main">
+  <p:cSld>
+    <p:spTree>
+      <p:nvGrpSpPr>
+        <p:cNvPr id="1" name=""/>
+        <p:cNvGrpSpPr/>
+        <p:nvPr/>
+      </p:nvGrpSpPr>
+      <p:grpSpPr>
+        <a:xfrm>
+          <a:off x="0" y="0"/>
+          <a:ext cx="0" cy="0"/>
+          <a:chOff x="0" y="0"/>
+          <a:chExt cx="0" cy="0"/>
+        </a:xfrm>
+      </p:grpSpPr>
+      <p:sp>
+        <p:nvSpPr>
+          <p:cNvPr id="4" name="矩形 3"/>
+          <p:cNvSpPr/>
+          <p:nvPr/>
+        </p:nvSpPr>
+        <p:spPr>
+          <a:xfrm>
+            <a:off x="1828800" y="2233246"/>
+            <a:ext cx="1134208" cy="527539"/>
+          </a:xfrm>
+          <a:prstGeom prst="rect">
+            <a:avLst/>
+          </a:prstGeom>
+          <a:solidFill>
+            <a:schemeClr val="tx2">
+              <a:lumMod val="20000"/>
+              <a:lumOff val="80000"/>
+            </a:schemeClr>
+          </a:solidFill>
+        </p:spPr>
+        <p:style>
+          <a:lnRef idx="2">
+            <a:schemeClr val="dk1"/>
+          </a:lnRef>
+          <a:fillRef idx="1">
+            <a:schemeClr val="lt1"/>
+          </a:fillRef>
+          <a:effectRef idx="0">
+            <a:schemeClr val="dk1"/>
+          </a:effectRef>
+          <a:fontRef idx="minor">
+            <a:schemeClr val="dk1"/>
+          </a:fontRef>
+        </p:style>
+        <p:txBody>
+          <a:bodyPr rtlCol="0" anchor="ctr"/>
+          <a:lstStyle/>
+          <a:p>
+            <a:pPr algn="ctr"/>
+            <a:r>
+              <a:rPr lang="en-US" altLang="zh-CN" dirty="0" smtClean="0"/>
+              <a:t>Core 0</a:t>
+            </a:r>
+            <a:endParaRPr lang="zh-CN" altLang="en-US" dirty="0"/>
+          </a:p>
+        </p:txBody>
+      </p:sp>
+      <p:sp>
+        <p:nvSpPr>
+          <p:cNvPr id="5" name="矩形 4"/>
+          <p:cNvSpPr/>
+          <p:nvPr/>
+        </p:nvSpPr>
+        <p:spPr>
+          <a:xfrm>
+            <a:off x="3119802" y="2233246"/>
+            <a:ext cx="1134208" cy="527539"/>
+          </a:xfrm>
+          <a:prstGeom prst="rect">
+            <a:avLst/>
+          </a:prstGeom>
+          <a:solidFill>
+            <a:schemeClr val="tx2">
+              <a:lumMod val="20000"/>
+              <a:lumOff val="80000"/>
+            </a:schemeClr>
+          </a:solidFill>
+        </p:spPr>
+        <p:style>
+          <a:lnRef idx="2">
+            <a:schemeClr val="dk1"/>
+          </a:lnRef>
+          <a:fillRef idx="1">
+            <a:schemeClr val="lt1"/>
+          </a:fillRef>
+          <a:effectRef idx="0">
+            <a:schemeClr val="dk1"/>
+          </a:effectRef>
+          <a:fontRef idx="minor">
+            <a:schemeClr val="dk1"/>
+          </a:fontRef>
+        </p:style>
+        <p:txBody>
+          <a:bodyPr rtlCol="0" anchor="ctr"/>
+          <a:lstStyle/>
+          <a:p>
+            <a:pPr algn="ctr"/>
+            <a:r>
+              <a:rPr lang="en-US" altLang="zh-CN" dirty="0" smtClean="0"/>
+              <a:t>Core 1</a:t>
+            </a:r>
+            <a:endParaRPr lang="zh-CN" altLang="en-US" dirty="0"/>
+          </a:p>
+        </p:txBody>
+      </p:sp>
+      <p:sp>
+        <p:nvSpPr>
+          <p:cNvPr id="6" name="矩形 5"/>
+          <p:cNvSpPr/>
+          <p:nvPr/>
+        </p:nvSpPr>
+        <p:spPr>
+          <a:xfrm>
+            <a:off x="4410804" y="2233245"/>
+            <a:ext cx="1134208" cy="527539"/>
+          </a:xfrm>
+          <a:prstGeom prst="rect">
+            <a:avLst/>
+          </a:prstGeom>
+          <a:solidFill>
+            <a:schemeClr val="tx2">
+              <a:lumMod val="20000"/>
+              <a:lumOff val="80000"/>
+            </a:schemeClr>
+          </a:solidFill>
+        </p:spPr>
+        <p:style>
+          <a:lnRef idx="2">
+            <a:schemeClr val="dk1"/>
+          </a:lnRef>
+          <a:fillRef idx="1">
+            <a:schemeClr val="lt1"/>
+          </a:fillRef>
+          <a:effectRef idx="0">
+            <a:schemeClr val="dk1"/>
+          </a:effectRef>
+          <a:fontRef idx="minor">
+            <a:schemeClr val="dk1"/>
+          </a:fontRef>
+        </p:style>
+        <p:txBody>
+          <a:bodyPr rtlCol="0" anchor="ctr"/>
+          <a:lstStyle/>
+          <a:p>
+            <a:pPr algn="ctr"/>
+            <a:r>
+              <a:rPr lang="en-US" altLang="zh-CN" dirty="0" smtClean="0"/>
+              <a:t>Core 2</a:t>
+            </a:r>
+            <a:endParaRPr lang="zh-CN" altLang="en-US" dirty="0"/>
+          </a:p>
+        </p:txBody>
+      </p:sp>
+      <p:sp>
+        <p:nvSpPr>
+          <p:cNvPr id="7" name="矩形 6"/>
+          <p:cNvSpPr/>
+          <p:nvPr/>
+        </p:nvSpPr>
+        <p:spPr>
+          <a:xfrm>
+            <a:off x="5701806" y="2233245"/>
+            <a:ext cx="1134208" cy="527539"/>
+          </a:xfrm>
+          <a:prstGeom prst="rect">
+            <a:avLst/>
+          </a:prstGeom>
+          <a:solidFill>
+            <a:schemeClr val="tx2">
+              <a:lumMod val="20000"/>
+              <a:lumOff val="80000"/>
+            </a:schemeClr>
+          </a:solidFill>
+        </p:spPr>
+        <p:style>
+          <a:lnRef idx="2">
+            <a:schemeClr val="dk1"/>
+          </a:lnRef>
+          <a:fillRef idx="1">
+            <a:schemeClr val="lt1"/>
+          </a:fillRef>
+          <a:effectRef idx="0">
+            <a:schemeClr val="dk1"/>
+          </a:effectRef>
+          <a:fontRef idx="minor">
+            <a:schemeClr val="dk1"/>
+          </a:fontRef>
+        </p:style>
+        <p:txBody>
+          <a:bodyPr rtlCol="0" anchor="ctr"/>
+          <a:lstStyle/>
+          <a:p>
+            <a:pPr algn="ctr"/>
+            <a:r>
+              <a:rPr lang="en-US" altLang="zh-CN" dirty="0" smtClean="0"/>
+              <a:t>Core 3</a:t>
+            </a:r>
+            <a:endParaRPr lang="zh-CN" altLang="en-US" dirty="0"/>
+          </a:p>
+        </p:txBody>
+      </p:sp>
+      <p:sp>
+        <p:nvSpPr>
+          <p:cNvPr id="8" name="矩形 7"/>
+          <p:cNvSpPr/>
+          <p:nvPr/>
+        </p:nvSpPr>
+        <p:spPr>
+          <a:xfrm>
+            <a:off x="1828800" y="2939561"/>
+            <a:ext cx="1134208" cy="527539"/>
+          </a:xfrm>
+          <a:prstGeom prst="rect">
+            <a:avLst/>
+          </a:prstGeom>
+          <a:solidFill>
+            <a:srgbClr val="00B0F0"/>
+          </a:solidFill>
+        </p:spPr>
+        <p:style>
+          <a:lnRef idx="2">
+            <a:schemeClr val="dk1"/>
+          </a:lnRef>
+          <a:fillRef idx="1">
+            <a:schemeClr val="lt1"/>
+          </a:fillRef>
+          <a:effectRef idx="0">
+            <a:schemeClr val="dk1"/>
+          </a:effectRef>
+          <a:fontRef idx="minor">
+            <a:schemeClr val="dk1"/>
+          </a:fontRef>
+        </p:style>
+        <p:txBody>
+          <a:bodyPr rtlCol="0" anchor="ctr"/>
+          <a:lstStyle/>
+          <a:p>
+            <a:pPr algn="ctr"/>
+            <a:r>
+              <a:rPr lang="en-US" altLang="zh-CN" dirty="0" err="1" smtClean="0"/>
+              <a:t>L1</a:t>
+            </a:r>
+            <a:endParaRPr lang="zh-CN" altLang="en-US" dirty="0"/>
+          </a:p>
+        </p:txBody>
+      </p:sp>
+      <p:sp>
+        <p:nvSpPr>
+          <p:cNvPr id="9" name="矩形 8"/>
+          <p:cNvSpPr/>
+          <p:nvPr/>
+        </p:nvSpPr>
+        <p:spPr>
+          <a:xfrm>
+            <a:off x="3119802" y="2939561"/>
+            <a:ext cx="1134208" cy="527539"/>
+          </a:xfrm>
+          <a:prstGeom prst="rect">
+            <a:avLst/>
+          </a:prstGeom>
+          <a:solidFill>
+            <a:srgbClr val="00B0F0"/>
+          </a:solidFill>
+        </p:spPr>
+        <p:style>
+          <a:lnRef idx="2">
+            <a:schemeClr val="dk1"/>
+          </a:lnRef>
+          <a:fillRef idx="1">
+            <a:schemeClr val="lt1"/>
+          </a:fillRef>
+          <a:effectRef idx="0">
+            <a:schemeClr val="dk1"/>
+          </a:effectRef>
+          <a:fontRef idx="minor">
+            <a:schemeClr val="dk1"/>
+          </a:fontRef>
+        </p:style>
+        <p:txBody>
+          <a:bodyPr rtlCol="0" anchor="ctr"/>
+          <a:lstStyle/>
+          <a:p>
+            <a:pPr algn="ctr"/>
+            <a:r>
+              <a:rPr lang="en-US" altLang="zh-CN" dirty="0" err="1" smtClean="0"/>
+              <a:t>L1</a:t>
+            </a:r>
+            <a:endParaRPr lang="zh-CN" altLang="en-US" dirty="0"/>
+          </a:p>
+        </p:txBody>
+      </p:sp>
+      <p:sp>
+        <p:nvSpPr>
+          <p:cNvPr id="10" name="矩形 9"/>
+          <p:cNvSpPr/>
+          <p:nvPr/>
+        </p:nvSpPr>
+        <p:spPr>
+          <a:xfrm>
+            <a:off x="4410804" y="2939560"/>
+            <a:ext cx="1134208" cy="527539"/>
+          </a:xfrm>
+          <a:prstGeom prst="rect">
+            <a:avLst/>
+          </a:prstGeom>
+          <a:solidFill>
+            <a:srgbClr val="00B0F0"/>
+          </a:solidFill>
+        </p:spPr>
+        <p:style>
+          <a:lnRef idx="2">
+            <a:schemeClr val="dk1"/>
+          </a:lnRef>
+          <a:fillRef idx="1">
+            <a:schemeClr val="lt1"/>
+          </a:fillRef>
+          <a:effectRef idx="0">
+            <a:schemeClr val="dk1"/>
+          </a:effectRef>
+          <a:fontRef idx="minor">
+            <a:schemeClr val="dk1"/>
+          </a:fontRef>
+        </p:style>
+        <p:txBody>
+          <a:bodyPr rtlCol="0" anchor="ctr"/>
+          <a:lstStyle/>
+          <a:p>
+            <a:pPr algn="ctr"/>
+            <a:r>
+              <a:rPr lang="en-US" altLang="zh-CN" dirty="0" err="1" smtClean="0"/>
+              <a:t>L1</a:t>
+            </a:r>
+            <a:endParaRPr lang="zh-CN" altLang="en-US" dirty="0"/>
+          </a:p>
+        </p:txBody>
+      </p:sp>
+      <p:sp>
+        <p:nvSpPr>
+          <p:cNvPr id="11" name="矩形 10"/>
+          <p:cNvSpPr/>
+          <p:nvPr/>
+        </p:nvSpPr>
+        <p:spPr>
+          <a:xfrm>
+            <a:off x="5701806" y="2939560"/>
+            <a:ext cx="1134208" cy="527539"/>
+          </a:xfrm>
+          <a:prstGeom prst="rect">
+            <a:avLst/>
+          </a:prstGeom>
+          <a:solidFill>
+            <a:srgbClr val="00B0F0"/>
+          </a:solidFill>
+        </p:spPr>
+        <p:style>
+          <a:lnRef idx="2">
+            <a:schemeClr val="dk1"/>
+          </a:lnRef>
+          <a:fillRef idx="1">
+            <a:schemeClr val="lt1"/>
+          </a:fillRef>
+          <a:effectRef idx="0">
+            <a:schemeClr val="dk1"/>
+          </a:effectRef>
+          <a:fontRef idx="minor">
+            <a:schemeClr val="dk1"/>
+          </a:fontRef>
+        </p:style>
+        <p:txBody>
+          <a:bodyPr rtlCol="0" anchor="ctr"/>
+          <a:lstStyle/>
+          <a:p>
+            <a:pPr algn="ctr"/>
+            <a:r>
+              <a:rPr lang="en-US" altLang="zh-CN" dirty="0" err="1" smtClean="0"/>
+              <a:t>L1</a:t>
+            </a:r>
+            <a:endParaRPr lang="zh-CN" altLang="en-US" dirty="0"/>
+          </a:p>
+        </p:txBody>
+      </p:sp>
+      <p:sp>
+        <p:nvSpPr>
+          <p:cNvPr id="12" name="矩形 11"/>
+          <p:cNvSpPr/>
+          <p:nvPr/>
+        </p:nvSpPr>
+        <p:spPr>
+          <a:xfrm>
+            <a:off x="1828800" y="3645876"/>
+            <a:ext cx="5007214" cy="706316"/>
+          </a:xfrm>
+          <a:prstGeom prst="rect">
+            <a:avLst/>
+          </a:prstGeom>
+          <a:solidFill>
+            <a:schemeClr val="accent2">
+              <a:lumMod val="60000"/>
+              <a:lumOff val="40000"/>
+            </a:schemeClr>
+          </a:solidFill>
+        </p:spPr>
+        <p:style>
+          <a:lnRef idx="2">
+            <a:schemeClr val="dk1"/>
+          </a:lnRef>
+          <a:fillRef idx="1">
+            <a:schemeClr val="lt1"/>
+          </a:fillRef>
+          <a:effectRef idx="0">
+            <a:schemeClr val="dk1"/>
+          </a:effectRef>
+          <a:fontRef idx="minor">
+            <a:schemeClr val="dk1"/>
+          </a:fontRef>
+        </p:style>
+        <p:txBody>
+          <a:bodyPr rtlCol="0" anchor="ctr"/>
+          <a:lstStyle/>
+          <a:p>
+            <a:pPr algn="ctr"/>
+            <a:r>
+              <a:rPr lang="en-US" altLang="zh-CN" dirty="0" err="1" smtClean="0"/>
+              <a:t>L2</a:t>
+            </a:r>
+            <a:endParaRPr lang="zh-CN" altLang="en-US" dirty="0"/>
+          </a:p>
+        </p:txBody>
+      </p:sp>
+      <p:cxnSp>
+        <p:nvCxnSpPr>
+          <p:cNvPr id="14" name="直接连接符 13"/>
+          <p:cNvCxnSpPr>
+            <a:stCxn id="4" idx="2"/>
+            <a:endCxn id="8" idx="0"/>
+          </p:cNvCxnSpPr>
+          <p:nvPr/>
+        </p:nvCxnSpPr>
+        <p:spPr>
+          <a:xfrm>
+            <a:off x="2395904" y="2760785"/>
+            <a:ext cx="0" cy="178776"/>
+          </a:xfrm>
+          <a:prstGeom prst="line">
+            <a:avLst/>
+          </a:prstGeom>
+        </p:spPr>
+        <p:style>
+          <a:lnRef idx="1">
+            <a:schemeClr val="accent1"/>
+          </a:lnRef>
+          <a:fillRef idx="0">
+            <a:schemeClr val="accent1"/>
+          </a:fillRef>
+          <a:effectRef idx="0">
+            <a:schemeClr val="accent1"/>
+          </a:effectRef>
+          <a:fontRef idx="minor">
+            <a:schemeClr val="tx1"/>
+          </a:fontRef>
+        </p:style>
+      </p:cxnSp>
+      <p:cxnSp>
+        <p:nvCxnSpPr>
+          <p:cNvPr id="16" name="直接连接符 15"/>
+          <p:cNvCxnSpPr>
+            <a:stCxn id="5" idx="2"/>
+            <a:endCxn id="9" idx="0"/>
+          </p:cNvCxnSpPr>
+          <p:nvPr/>
+        </p:nvCxnSpPr>
+        <p:spPr>
+          <a:xfrm>
+            <a:off x="3686906" y="2760785"/>
+            <a:ext cx="0" cy="178776"/>
+          </a:xfrm>
+          <a:prstGeom prst="line">
+            <a:avLst/>
+          </a:prstGeom>
+        </p:spPr>
+        <p:style>
+          <a:lnRef idx="1">
+            <a:schemeClr val="accent1"/>
+          </a:lnRef>
+          <a:fillRef idx="0">
+            <a:schemeClr val="accent1"/>
+          </a:fillRef>
+          <a:effectRef idx="0">
+            <a:schemeClr val="accent1"/>
+          </a:effectRef>
+          <a:fontRef idx="minor">
+            <a:schemeClr val="tx1"/>
+          </a:fontRef>
+        </p:style>
+      </p:cxnSp>
+      <p:cxnSp>
+        <p:nvCxnSpPr>
+          <p:cNvPr id="18" name="直接连接符 17"/>
+          <p:cNvCxnSpPr>
+            <a:stCxn id="6" idx="2"/>
+            <a:endCxn id="10" idx="0"/>
+          </p:cNvCxnSpPr>
+          <p:nvPr/>
+        </p:nvCxnSpPr>
+        <p:spPr>
+          <a:xfrm>
+            <a:off x="4977908" y="2760784"/>
+            <a:ext cx="0" cy="178776"/>
+          </a:xfrm>
+          <a:prstGeom prst="line">
+            <a:avLst/>
+          </a:prstGeom>
+        </p:spPr>
+        <p:style>
+          <a:lnRef idx="1">
+            <a:schemeClr val="accent1"/>
+          </a:lnRef>
+          <a:fillRef idx="0">
+            <a:schemeClr val="accent1"/>
+          </a:fillRef>
+          <a:effectRef idx="0">
+            <a:schemeClr val="accent1"/>
+          </a:effectRef>
+          <a:fontRef idx="minor">
+            <a:schemeClr val="tx1"/>
+          </a:fontRef>
+        </p:style>
+      </p:cxnSp>
+      <p:cxnSp>
+        <p:nvCxnSpPr>
+          <p:cNvPr id="20" name="直接连接符 19"/>
+          <p:cNvCxnSpPr>
+            <a:stCxn id="7" idx="2"/>
+            <a:endCxn id="11" idx="0"/>
+          </p:cNvCxnSpPr>
+          <p:nvPr/>
+        </p:nvCxnSpPr>
+        <p:spPr>
+          <a:xfrm>
+            <a:off x="6268910" y="2760784"/>
+            <a:ext cx="0" cy="178776"/>
+          </a:xfrm>
+          <a:prstGeom prst="line">
+            <a:avLst/>
+          </a:prstGeom>
+        </p:spPr>
+        <p:style>
+          <a:lnRef idx="1">
+            <a:schemeClr val="accent1"/>
+          </a:lnRef>
+          <a:fillRef idx="0">
+            <a:schemeClr val="accent1"/>
+          </a:fillRef>
+          <a:effectRef idx="0">
+            <a:schemeClr val="accent1"/>
+          </a:effectRef>
+          <a:fontRef idx="minor">
+            <a:schemeClr val="tx1"/>
+          </a:fontRef>
+        </p:style>
+      </p:cxnSp>
+      <p:cxnSp>
+        <p:nvCxnSpPr>
+          <p:cNvPr id="22" name="直接连接符 21"/>
+          <p:cNvCxnSpPr>
+            <a:stCxn id="8" idx="2"/>
+          </p:cNvCxnSpPr>
+          <p:nvPr/>
+        </p:nvCxnSpPr>
+        <p:spPr>
+          <a:xfrm>
+            <a:off x="2395904" y="3467100"/>
+            <a:ext cx="0" cy="178776"/>
+          </a:xfrm>
+          <a:prstGeom prst="line">
+            <a:avLst/>
+          </a:prstGeom>
+        </p:spPr>
+        <p:style>
+          <a:lnRef idx="1">
+            <a:schemeClr val="accent1"/>
+          </a:lnRef>
+          <a:fillRef idx="0">
+            <a:schemeClr val="accent1"/>
+          </a:fillRef>
+          <a:effectRef idx="0">
+            <a:schemeClr val="accent1"/>
+          </a:effectRef>
+          <a:fontRef idx="minor">
+            <a:schemeClr val="tx1"/>
+          </a:fontRef>
+        </p:style>
+      </p:cxnSp>
+      <p:cxnSp>
+        <p:nvCxnSpPr>
+          <p:cNvPr id="24" name="直接连接符 23"/>
+          <p:cNvCxnSpPr>
+            <a:stCxn id="9" idx="2"/>
+          </p:cNvCxnSpPr>
+          <p:nvPr/>
+        </p:nvCxnSpPr>
+        <p:spPr>
+          <a:xfrm>
+            <a:off x="3686906" y="3467100"/>
+            <a:ext cx="0" cy="178776"/>
+          </a:xfrm>
+          <a:prstGeom prst="line">
+            <a:avLst/>
+          </a:prstGeom>
+        </p:spPr>
+        <p:style>
+          <a:lnRef idx="1">
+            <a:schemeClr val="accent1"/>
+          </a:lnRef>
+          <a:fillRef idx="0">
+            <a:schemeClr val="accent1"/>
+          </a:fillRef>
+          <a:effectRef idx="0">
+            <a:schemeClr val="accent1"/>
+          </a:effectRef>
+          <a:fontRef idx="minor">
+            <a:schemeClr val="tx1"/>
+          </a:fontRef>
+        </p:style>
+      </p:cxnSp>
+      <p:cxnSp>
+        <p:nvCxnSpPr>
+          <p:cNvPr id="26" name="直接连接符 25"/>
+          <p:cNvCxnSpPr>
+            <a:stCxn id="10" idx="2"/>
+          </p:cNvCxnSpPr>
+          <p:nvPr/>
+        </p:nvCxnSpPr>
+        <p:spPr>
+          <a:xfrm>
+            <a:off x="4977908" y="3467099"/>
+            <a:ext cx="0" cy="178777"/>
+          </a:xfrm>
+          <a:prstGeom prst="line">
+            <a:avLst/>
+          </a:prstGeom>
+        </p:spPr>
+        <p:style>
+          <a:lnRef idx="1">
+            <a:schemeClr val="accent1"/>
+          </a:lnRef>
+          <a:fillRef idx="0">
+            <a:schemeClr val="accent1"/>
+          </a:fillRef>
+          <a:effectRef idx="0">
+            <a:schemeClr val="accent1"/>
+          </a:effectRef>
+          <a:fontRef idx="minor">
+            <a:schemeClr val="tx1"/>
+          </a:fontRef>
+        </p:style>
+      </p:cxnSp>
+      <p:cxnSp>
+        <p:nvCxnSpPr>
+          <p:cNvPr id="28" name="直接连接符 27"/>
+          <p:cNvCxnSpPr>
+            <a:stCxn id="11" idx="2"/>
+          </p:cNvCxnSpPr>
+          <p:nvPr/>
+        </p:nvCxnSpPr>
+        <p:spPr>
+          <a:xfrm>
+            <a:off x="6268910" y="3467099"/>
+            <a:ext cx="0" cy="178777"/>
+          </a:xfrm>
+          <a:prstGeom prst="line">
+            <a:avLst/>
+          </a:prstGeom>
+        </p:spPr>
+        <p:style>
+          <a:lnRef idx="1">
+            <a:schemeClr val="accent1"/>
+          </a:lnRef>
+          <a:fillRef idx="0">
+            <a:schemeClr val="accent1"/>
+          </a:fillRef>
+          <a:effectRef idx="0">
+            <a:schemeClr val="accent1"/>
+          </a:effectRef>
+          <a:fontRef idx="minor">
+            <a:schemeClr val="tx1"/>
+          </a:fontRef>
+        </p:style>
+      </p:cxnSp>
+    </p:spTree>
+    <p:extLst>
+      <p:ext uri="{BB962C8B-B14F-4D97-AF65-F5344CB8AC3E}">
+        <p14:creationId xmlns:p14="http://schemas.microsoft.com/office/powerpoint/2010/main" val="2888361052"/>
+      </p:ext>
+    </p:extLst>
+  </p:cSld>
+  <p:clrMapOvr>
+    <a:masterClrMapping/>
+  </p:clrMapOvr>
+</p:sld>
+</file>
+
 <file path=ppt/theme/theme1.xml><?xml version="1.0" encoding="utf-8"?>
 <a:theme xmlns:a="http://schemas.openxmlformats.org/drawingml/2006/main" name="Office 主题​​">
   <a:themeElements>

--- a/论文图片.pptx
+++ b/论文图片.pptx
@@ -11,6 +11,7 @@
     <p:sldId id="258" r:id="rId5"/>
     <p:sldId id="260" r:id="rId6"/>
     <p:sldId id="261" r:id="rId7"/>
+    <p:sldId id="262" r:id="rId8"/>
   </p:sldIdLst>
   <p:sldSz cx="9144000" cy="6858000" type="screen4x3"/>
   <p:notesSz cx="6858000" cy="9144000"/>
@@ -248,7 +249,7 @@
           <a:p>
             <a:fld id="{2F2BA5F0-406C-4EF6-B0AC-72C3E0BE2794}" type="datetimeFigureOut">
               <a:rPr lang="zh-CN" altLang="en-US" smtClean="0"/>
-              <a:t>2018/1/24</a:t>
+              <a:t>2018/1/28</a:t>
             </a:fld>
             <a:endParaRPr lang="zh-CN" altLang="en-US"/>
           </a:p>
@@ -418,7 +419,7 @@
           <a:p>
             <a:fld id="{2F2BA5F0-406C-4EF6-B0AC-72C3E0BE2794}" type="datetimeFigureOut">
               <a:rPr lang="zh-CN" altLang="en-US" smtClean="0"/>
-              <a:t>2018/1/24</a:t>
+              <a:t>2018/1/28</a:t>
             </a:fld>
             <a:endParaRPr lang="zh-CN" altLang="en-US"/>
           </a:p>
@@ -598,7 +599,7 @@
           <a:p>
             <a:fld id="{2F2BA5F0-406C-4EF6-B0AC-72C3E0BE2794}" type="datetimeFigureOut">
               <a:rPr lang="zh-CN" altLang="en-US" smtClean="0"/>
-              <a:t>2018/1/24</a:t>
+              <a:t>2018/1/28</a:t>
             </a:fld>
             <a:endParaRPr lang="zh-CN" altLang="en-US"/>
           </a:p>
@@ -768,7 +769,7 @@
           <a:p>
             <a:fld id="{2F2BA5F0-406C-4EF6-B0AC-72C3E0BE2794}" type="datetimeFigureOut">
               <a:rPr lang="zh-CN" altLang="en-US" smtClean="0"/>
-              <a:t>2018/1/24</a:t>
+              <a:t>2018/1/28</a:t>
             </a:fld>
             <a:endParaRPr lang="zh-CN" altLang="en-US"/>
           </a:p>
@@ -1012,7 +1013,7 @@
           <a:p>
             <a:fld id="{2F2BA5F0-406C-4EF6-B0AC-72C3E0BE2794}" type="datetimeFigureOut">
               <a:rPr lang="zh-CN" altLang="en-US" smtClean="0"/>
-              <a:t>2018/1/24</a:t>
+              <a:t>2018/1/28</a:t>
             </a:fld>
             <a:endParaRPr lang="zh-CN" altLang="en-US"/>
           </a:p>
@@ -1244,7 +1245,7 @@
           <a:p>
             <a:fld id="{2F2BA5F0-406C-4EF6-B0AC-72C3E0BE2794}" type="datetimeFigureOut">
               <a:rPr lang="zh-CN" altLang="en-US" smtClean="0"/>
-              <a:t>2018/1/24</a:t>
+              <a:t>2018/1/28</a:t>
             </a:fld>
             <a:endParaRPr lang="zh-CN" altLang="en-US"/>
           </a:p>
@@ -1611,7 +1612,7 @@
           <a:p>
             <a:fld id="{2F2BA5F0-406C-4EF6-B0AC-72C3E0BE2794}" type="datetimeFigureOut">
               <a:rPr lang="zh-CN" altLang="en-US" smtClean="0"/>
-              <a:t>2018/1/24</a:t>
+              <a:t>2018/1/28</a:t>
             </a:fld>
             <a:endParaRPr lang="zh-CN" altLang="en-US"/>
           </a:p>
@@ -1729,7 +1730,7 @@
           <a:p>
             <a:fld id="{2F2BA5F0-406C-4EF6-B0AC-72C3E0BE2794}" type="datetimeFigureOut">
               <a:rPr lang="zh-CN" altLang="en-US" smtClean="0"/>
-              <a:t>2018/1/24</a:t>
+              <a:t>2018/1/28</a:t>
             </a:fld>
             <a:endParaRPr lang="zh-CN" altLang="en-US"/>
           </a:p>
@@ -1824,7 +1825,7 @@
           <a:p>
             <a:fld id="{2F2BA5F0-406C-4EF6-B0AC-72C3E0BE2794}" type="datetimeFigureOut">
               <a:rPr lang="zh-CN" altLang="en-US" smtClean="0"/>
-              <a:t>2018/1/24</a:t>
+              <a:t>2018/1/28</a:t>
             </a:fld>
             <a:endParaRPr lang="zh-CN" altLang="en-US"/>
           </a:p>
@@ -2101,7 +2102,7 @@
           <a:p>
             <a:fld id="{2F2BA5F0-406C-4EF6-B0AC-72C3E0BE2794}" type="datetimeFigureOut">
               <a:rPr lang="zh-CN" altLang="en-US" smtClean="0"/>
-              <a:t>2018/1/24</a:t>
+              <a:t>2018/1/28</a:t>
             </a:fld>
             <a:endParaRPr lang="zh-CN" altLang="en-US"/>
           </a:p>
@@ -2358,7 +2359,7 @@
           <a:p>
             <a:fld id="{2F2BA5F0-406C-4EF6-B0AC-72C3E0BE2794}" type="datetimeFigureOut">
               <a:rPr lang="zh-CN" altLang="en-US" smtClean="0"/>
-              <a:t>2018/1/24</a:t>
+              <a:t>2018/1/28</a:t>
             </a:fld>
             <a:endParaRPr lang="zh-CN" altLang="en-US"/>
           </a:p>
@@ -2571,7 +2572,7 @@
           <a:p>
             <a:fld id="{2F2BA5F0-406C-4EF6-B0AC-72C3E0BE2794}" type="datetimeFigureOut">
               <a:rPr lang="zh-CN" altLang="en-US" smtClean="0"/>
-              <a:t>2018/1/24</a:t>
+              <a:t>2018/1/28</a:t>
             </a:fld>
             <a:endParaRPr lang="zh-CN" altLang="en-US"/>
           </a:p>
@@ -3329,7 +3330,7 @@
           <p:nvPr>
             <p:extLst>
               <p:ext uri="{D42A27DB-BD31-4B8C-83A1-F6EECF244321}">
-                <p14:modId xmlns:p14="http://schemas.microsoft.com/office/powerpoint/2010/main" val="474805090"/>
+                <p14:modId xmlns:p14="http://schemas.microsoft.com/office/powerpoint/2010/main" val="1272085089"/>
               </p:ext>
             </p:extLst>
           </p:nvPr>
@@ -3365,7 +3366,31 @@
                             <a:schemeClr val="tx1"/>
                           </a:solidFill>
                         </a:rPr>
-                        <a:t>Block 0</a:t>
+                        <a:t>Set</a:t>
+                      </a:r>
+                      <a:r>
+                        <a:rPr lang="zh-CN" altLang="en-US" sz="1400" dirty="0" smtClean="0">
+                          <a:solidFill>
+                            <a:schemeClr val="tx1"/>
+                          </a:solidFill>
+                        </a:rPr>
+                        <a:t>块</a:t>
+                      </a:r>
+                      <a:r>
+                        <a:rPr lang="en-US" altLang="zh-CN" sz="1400" dirty="0" smtClean="0">
+                          <a:solidFill>
+                            <a:schemeClr val="tx1"/>
+                          </a:solidFill>
+                        </a:rPr>
+                        <a:t> </a:t>
+                      </a:r>
+                      <a:r>
+                        <a:rPr lang="en-US" altLang="zh-CN" sz="1400" dirty="0" smtClean="0">
+                          <a:solidFill>
+                            <a:schemeClr val="tx1"/>
+                          </a:solidFill>
+                        </a:rPr>
+                        <a:t>0</a:t>
                       </a:r>
                       <a:endParaRPr lang="zh-CN" altLang="en-US" sz="1400" dirty="0">
                         <a:solidFill>
@@ -3442,7 +3467,31 @@
                             <a:schemeClr val="tx1"/>
                           </a:solidFill>
                         </a:rPr>
-                        <a:t>Block 1</a:t>
+                        <a:t>Set</a:t>
+                      </a:r>
+                      <a:r>
+                        <a:rPr lang="zh-CN" altLang="en-US" sz="1400" b="1" dirty="0" smtClean="0">
+                          <a:solidFill>
+                            <a:schemeClr val="tx1"/>
+                          </a:solidFill>
+                        </a:rPr>
+                        <a:t>块</a:t>
+                      </a:r>
+                      <a:r>
+                        <a:rPr lang="en-US" altLang="zh-CN" sz="1400" b="1" dirty="0" smtClean="0">
+                          <a:solidFill>
+                            <a:schemeClr val="tx1"/>
+                          </a:solidFill>
+                        </a:rPr>
+                        <a:t> </a:t>
+                      </a:r>
+                      <a:r>
+                        <a:rPr lang="en-US" altLang="zh-CN" sz="1400" b="1" dirty="0" smtClean="0">
+                          <a:solidFill>
+                            <a:schemeClr val="tx1"/>
+                          </a:solidFill>
+                        </a:rPr>
+                        <a:t>1</a:t>
                       </a:r>
                       <a:endParaRPr lang="zh-CN" altLang="en-US" sz="1400" b="1" dirty="0">
                         <a:solidFill>
@@ -3605,7 +3654,31 @@
                             <a:schemeClr val="tx1"/>
                           </a:solidFill>
                         </a:rPr>
-                        <a:t>Block m-1</a:t>
+                        <a:t>Set</a:t>
+                      </a:r>
+                      <a:r>
+                        <a:rPr lang="zh-CN" altLang="en-US" sz="1400" b="1" dirty="0" smtClean="0">
+                          <a:solidFill>
+                            <a:schemeClr val="tx1"/>
+                          </a:solidFill>
+                        </a:rPr>
+                        <a:t>块</a:t>
+                      </a:r>
+                      <a:r>
+                        <a:rPr lang="en-US" altLang="zh-CN" sz="1400" b="1" dirty="0" smtClean="0">
+                          <a:solidFill>
+                            <a:schemeClr val="tx1"/>
+                          </a:solidFill>
+                        </a:rPr>
+                        <a:t> </a:t>
+                      </a:r>
+                      <a:r>
+                        <a:rPr lang="en-US" altLang="zh-CN" sz="1400" b="1" dirty="0" smtClean="0">
+                          <a:solidFill>
+                            <a:schemeClr val="tx1"/>
+                          </a:solidFill>
+                        </a:rPr>
+                        <a:t>m-1</a:t>
                       </a:r>
                       <a:endParaRPr lang="zh-CN" altLang="en-US" sz="1400" b="1" dirty="0" smtClean="0">
                         <a:solidFill>
@@ -3699,7 +3772,31 @@
                             <a:schemeClr val="tx1"/>
                           </a:solidFill>
                         </a:rPr>
-                        <a:t>Block m</a:t>
+                        <a:t>Set</a:t>
+                      </a:r>
+                      <a:r>
+                        <a:rPr lang="zh-CN" altLang="en-US" sz="1400" b="1" dirty="0" smtClean="0">
+                          <a:solidFill>
+                            <a:schemeClr val="tx1"/>
+                          </a:solidFill>
+                        </a:rPr>
+                        <a:t>块</a:t>
+                      </a:r>
+                      <a:r>
+                        <a:rPr lang="en-US" altLang="zh-CN" sz="1400" b="1" dirty="0" smtClean="0">
+                          <a:solidFill>
+                            <a:schemeClr val="tx1"/>
+                          </a:solidFill>
+                        </a:rPr>
+                        <a:t> </a:t>
+                      </a:r>
+                      <a:r>
+                        <a:rPr lang="en-US" altLang="zh-CN" sz="1400" b="1" dirty="0" smtClean="0">
+                          <a:solidFill>
+                            <a:schemeClr val="tx1"/>
+                          </a:solidFill>
+                        </a:rPr>
+                        <a:t>m</a:t>
                       </a:r>
                       <a:endParaRPr lang="zh-CN" altLang="en-US" sz="1400" b="1" dirty="0" smtClean="0">
                         <a:solidFill>
@@ -3777,14 +3874,14 @@
           <p:nvPr>
             <p:extLst>
               <p:ext uri="{D42A27DB-BD31-4B8C-83A1-F6EECF244321}">
-                <p14:modId xmlns:p14="http://schemas.microsoft.com/office/powerpoint/2010/main" val="4115003123"/>
+                <p14:modId xmlns:p14="http://schemas.microsoft.com/office/powerpoint/2010/main" val="625434190"/>
               </p:ext>
             </p:extLst>
           </p:nvPr>
         </p:nvGraphicFramePr>
         <p:xfrm>
-          <a:off x="5305840" y="1633994"/>
-          <a:ext cx="995570" cy="3314205"/>
+          <a:off x="5305839" y="1649897"/>
+          <a:ext cx="1194351" cy="3258946"/>
         </p:xfrm>
         <a:graphic>
           <a:graphicData uri="http://schemas.openxmlformats.org/drawingml/2006/table">
@@ -3793,7 +3890,7 @@
                 <a:tableStyleId>{5C22544A-7EE6-4342-B048-85BDC9FD1C3A}</a:tableStyleId>
               </a:tblPr>
               <a:tblGrid>
-                <a:gridCol w="995570">
+                <a:gridCol w="1194351">
                   <a:extLst>
                     <a:ext uri="{9D8B030D-6E8A-4147-A177-3AD203B41FA5}">
                       <a16:colId xmlns:a16="http://schemas.microsoft.com/office/drawing/2014/main" val="4167427364"/>
@@ -3801,19 +3898,35 @@
                   </a:extLst>
                 </a:gridCol>
               </a:tblGrid>
-              <a:tr h="368245">
+              <a:tr h="366660">
                 <a:tc>
                   <a:txBody>
                     <a:bodyPr/>
                     <a:lstStyle/>
                     <a:p>
                       <a:r>
+                        <a:rPr lang="zh-CN" altLang="en-US" sz="1400" dirty="0" smtClean="0">
+                          <a:solidFill>
+                            <a:schemeClr val="tx1"/>
+                          </a:solidFill>
+                        </a:rPr>
+                        <a:t>内存块</a:t>
+                      </a:r>
+                      <a:r>
                         <a:rPr lang="en-US" altLang="zh-CN" sz="1400" dirty="0" smtClean="0">
                           <a:solidFill>
                             <a:schemeClr val="tx1"/>
                           </a:solidFill>
                         </a:rPr>
-                        <a:t>Block 0</a:t>
+                        <a:t> </a:t>
+                      </a:r>
+                      <a:r>
+                        <a:rPr lang="en-US" altLang="zh-CN" sz="1400" dirty="0" smtClean="0">
+                          <a:solidFill>
+                            <a:schemeClr val="tx1"/>
+                          </a:solidFill>
+                        </a:rPr>
+                        <a:t>0</a:t>
                       </a:r>
                       <a:endParaRPr lang="zh-CN" altLang="en-US" sz="1400" dirty="0">
                         <a:solidFill>
@@ -3878,7 +3991,7 @@
                   </a:ext>
                 </a:extLst>
               </a:tr>
-              <a:tr h="368245">
+              <a:tr h="366660">
                 <a:tc>
                   <a:txBody>
                     <a:bodyPr/>
@@ -3902,6 +4015,23 @@
                         <a:defRPr/>
                       </a:pPr>
                       <a:r>
+                        <a:rPr kumimoji="0" lang="zh-CN" altLang="en-US" sz="1400" b="1" i="0" u="none" strike="noStrike" kern="1200" cap="none" spc="0" normalizeH="0" baseline="0" noProof="0" dirty="0" smtClean="0">
+                          <a:ln>
+                            <a:noFill/>
+                          </a:ln>
+                          <a:solidFill>
+                            <a:prstClr val="black"/>
+                          </a:solidFill>
+                          <a:effectLst/>
+                          <a:uLnTx/>
+                          <a:uFillTx/>
+                          <a:latin typeface="等线" panose="020F0502020204030204"/>
+                          <a:ea typeface="等线" panose="02010600030101010101" pitchFamily="2" charset="-122"/>
+                          <a:cs typeface="+mn-cs"/>
+                        </a:rPr>
+                        <a:t>内存块</a:t>
+                      </a:r>
+                      <a:r>
                         <a:rPr kumimoji="0" lang="en-US" altLang="zh-CN" sz="1400" b="1" i="0" u="none" strike="noStrike" kern="1200" cap="none" spc="0" normalizeH="0" baseline="0" noProof="0" dirty="0" smtClean="0">
                           <a:ln>
                             <a:noFill/>
@@ -3916,7 +4046,24 @@
                           <a:ea typeface="等线" panose="02010600030101010101" pitchFamily="2" charset="-122"/>
                           <a:cs typeface="+mn-cs"/>
                         </a:rPr>
-                        <a:t>Block 1</a:t>
+                        <a:t> </a:t>
+                      </a:r>
+                      <a:r>
+                        <a:rPr kumimoji="0" lang="en-US" altLang="zh-CN" sz="1400" b="1" i="0" u="none" strike="noStrike" kern="1200" cap="none" spc="0" normalizeH="0" baseline="0" noProof="0" dirty="0" smtClean="0">
+                          <a:ln>
+                            <a:noFill/>
+                          </a:ln>
+                          <a:solidFill>
+                            <a:prstClr val="black"/>
+                          </a:solidFill>
+                          <a:effectLst/>
+                          <a:uLnTx/>
+                          <a:uFillTx/>
+                          <a:latin typeface="等线" panose="020F0502020204030204"/>
+                          <a:ea typeface="等线" panose="02010600030101010101" pitchFamily="2" charset="-122"/>
+                          <a:cs typeface="+mn-cs"/>
+                        </a:rPr>
+                        <a:t>1</a:t>
                       </a:r>
                       <a:endParaRPr kumimoji="0" lang="zh-CN" altLang="en-US" sz="1400" b="1" i="0" u="none" strike="noStrike" kern="1200" cap="none" spc="0" normalizeH="0" baseline="0" noProof="0" dirty="0">
                         <a:ln>
@@ -3990,7 +4137,7 @@
                   </a:ext>
                 </a:extLst>
               </a:tr>
-              <a:tr h="368245">
+              <a:tr h="366660">
                 <a:tc>
                   <a:txBody>
                     <a:bodyPr/>
@@ -4014,6 +4161,23 @@
                         <a:defRPr/>
                       </a:pPr>
                       <a:r>
+                        <a:rPr kumimoji="0" lang="zh-CN" altLang="en-US" sz="1400" b="1" i="0" u="none" strike="noStrike" kern="1200" cap="none" spc="0" normalizeH="0" baseline="0" noProof="0" dirty="0" smtClean="0">
+                          <a:ln>
+                            <a:noFill/>
+                          </a:ln>
+                          <a:solidFill>
+                            <a:prstClr val="black"/>
+                          </a:solidFill>
+                          <a:effectLst/>
+                          <a:uLnTx/>
+                          <a:uFillTx/>
+                          <a:latin typeface="等线" panose="020F0502020204030204"/>
+                          <a:ea typeface="等线" panose="02010600030101010101" pitchFamily="2" charset="-122"/>
+                          <a:cs typeface="+mn-cs"/>
+                        </a:rPr>
+                        <a:t>内存块</a:t>
+                      </a:r>
+                      <a:r>
                         <a:rPr kumimoji="0" lang="en-US" altLang="zh-CN" sz="1400" b="1" i="0" u="none" strike="noStrike" kern="1200" cap="none" spc="0" normalizeH="0" baseline="0" noProof="0" dirty="0" smtClean="0">
                           <a:ln>
                             <a:noFill/>
@@ -4028,7 +4192,24 @@
                           <a:ea typeface="等线" panose="02010600030101010101" pitchFamily="2" charset="-122"/>
                           <a:cs typeface="+mn-cs"/>
                         </a:rPr>
-                        <a:t>Block 2</a:t>
+                        <a:t> </a:t>
+                      </a:r>
+                      <a:r>
+                        <a:rPr kumimoji="0" lang="en-US" altLang="zh-CN" sz="1400" b="1" i="0" u="none" strike="noStrike" kern="1200" cap="none" spc="0" normalizeH="0" baseline="0" noProof="0" dirty="0" smtClean="0">
+                          <a:ln>
+                            <a:noFill/>
+                          </a:ln>
+                          <a:solidFill>
+                            <a:prstClr val="black"/>
+                          </a:solidFill>
+                          <a:effectLst/>
+                          <a:uLnTx/>
+                          <a:uFillTx/>
+                          <a:latin typeface="等线" panose="020F0502020204030204"/>
+                          <a:ea typeface="等线" panose="02010600030101010101" pitchFamily="2" charset="-122"/>
+                          <a:cs typeface="+mn-cs"/>
+                        </a:rPr>
+                        <a:t>2</a:t>
                       </a:r>
                       <a:endParaRPr kumimoji="0" lang="zh-CN" altLang="en-US" sz="1400" b="1" i="0" u="none" strike="noStrike" kern="1200" cap="none" spc="0" normalizeH="0" baseline="0" noProof="0" dirty="0">
                         <a:ln>
@@ -4102,7 +4283,7 @@
                   </a:ext>
                 </a:extLst>
               </a:tr>
-              <a:tr h="368245">
+              <a:tr h="366660">
                 <a:tc>
                   <a:txBody>
                     <a:bodyPr/>
@@ -4126,6 +4307,23 @@
                         <a:defRPr/>
                       </a:pPr>
                       <a:r>
+                        <a:rPr kumimoji="0" lang="zh-CN" altLang="en-US" sz="1400" b="1" i="0" u="none" strike="noStrike" kern="1200" cap="none" spc="0" normalizeH="0" baseline="0" noProof="0" dirty="0" smtClean="0">
+                          <a:ln>
+                            <a:noFill/>
+                          </a:ln>
+                          <a:solidFill>
+                            <a:prstClr val="black"/>
+                          </a:solidFill>
+                          <a:effectLst/>
+                          <a:uLnTx/>
+                          <a:uFillTx/>
+                          <a:latin typeface="等线" panose="020F0502020204030204"/>
+                          <a:ea typeface="等线" panose="02010600030101010101" pitchFamily="2" charset="-122"/>
+                          <a:cs typeface="+mn-cs"/>
+                        </a:rPr>
+                        <a:t>内存块</a:t>
+                      </a:r>
+                      <a:r>
                         <a:rPr kumimoji="0" lang="en-US" altLang="zh-CN" sz="1400" b="1" i="0" u="none" strike="noStrike" kern="1200" cap="none" spc="0" normalizeH="0" baseline="0" noProof="0" dirty="0" smtClean="0">
                           <a:ln>
                             <a:noFill/>
@@ -4140,7 +4338,24 @@
                           <a:ea typeface="等线" panose="02010600030101010101" pitchFamily="2" charset="-122"/>
                           <a:cs typeface="+mn-cs"/>
                         </a:rPr>
-                        <a:t>Block 3</a:t>
+                        <a:t> </a:t>
+                      </a:r>
+                      <a:r>
+                        <a:rPr kumimoji="0" lang="en-US" altLang="zh-CN" sz="1400" b="1" i="0" u="none" strike="noStrike" kern="1200" cap="none" spc="0" normalizeH="0" baseline="0" noProof="0" dirty="0" smtClean="0">
+                          <a:ln>
+                            <a:noFill/>
+                          </a:ln>
+                          <a:solidFill>
+                            <a:prstClr val="black"/>
+                          </a:solidFill>
+                          <a:effectLst/>
+                          <a:uLnTx/>
+                          <a:uFillTx/>
+                          <a:latin typeface="等线" panose="020F0502020204030204"/>
+                          <a:ea typeface="等线" panose="02010600030101010101" pitchFamily="2" charset="-122"/>
+                          <a:cs typeface="+mn-cs"/>
+                        </a:rPr>
+                        <a:t>3</a:t>
                       </a:r>
                       <a:endParaRPr kumimoji="0" lang="zh-CN" altLang="en-US" sz="1400" b="1" i="0" u="none" strike="noStrike" kern="1200" cap="none" spc="0" normalizeH="0" baseline="0" noProof="0" dirty="0">
                         <a:ln>
@@ -4214,7 +4429,7 @@
                   </a:ext>
                 </a:extLst>
               </a:tr>
-              <a:tr h="368245">
+              <a:tr h="342280">
                 <a:tc>
                   <a:txBody>
                     <a:bodyPr/>
@@ -4326,7 +4541,7 @@
                   </a:ext>
                 </a:extLst>
               </a:tr>
-              <a:tr h="368245">
+              <a:tr h="357809">
                 <a:tc>
                   <a:txBody>
                     <a:bodyPr/>
@@ -4350,6 +4565,23 @@
                         <a:defRPr/>
                       </a:pPr>
                       <a:r>
+                        <a:rPr kumimoji="0" lang="zh-CN" altLang="en-US" sz="1400" b="1" i="0" u="none" strike="noStrike" kern="1200" cap="none" spc="0" normalizeH="0" baseline="0" noProof="0" dirty="0" smtClean="0">
+                          <a:ln>
+                            <a:noFill/>
+                          </a:ln>
+                          <a:solidFill>
+                            <a:prstClr val="black"/>
+                          </a:solidFill>
+                          <a:effectLst/>
+                          <a:uLnTx/>
+                          <a:uFillTx/>
+                          <a:latin typeface="等线" panose="020F0502020204030204"/>
+                          <a:ea typeface="等线" panose="02010600030101010101" pitchFamily="2" charset="-122"/>
+                          <a:cs typeface="+mn-cs"/>
+                        </a:rPr>
+                        <a:t>内存块</a:t>
+                      </a:r>
+                      <a:r>
                         <a:rPr kumimoji="0" lang="en-US" altLang="zh-CN" sz="1400" b="1" i="0" u="none" strike="noStrike" kern="1200" cap="none" spc="0" normalizeH="0" baseline="0" noProof="0" dirty="0" smtClean="0">
                           <a:ln>
                             <a:noFill/>
@@ -4364,7 +4596,24 @@
                           <a:ea typeface="等线" panose="02010600030101010101" pitchFamily="2" charset="-122"/>
                           <a:cs typeface="+mn-cs"/>
                         </a:rPr>
-                        <a:t>Block n-3</a:t>
+                        <a:t> </a:t>
+                      </a:r>
+                      <a:r>
+                        <a:rPr kumimoji="0" lang="en-US" altLang="zh-CN" sz="1400" b="1" i="0" u="none" strike="noStrike" kern="1200" cap="none" spc="0" normalizeH="0" baseline="0" noProof="0" dirty="0" smtClean="0">
+                          <a:ln>
+                            <a:noFill/>
+                          </a:ln>
+                          <a:solidFill>
+                            <a:prstClr val="black"/>
+                          </a:solidFill>
+                          <a:effectLst/>
+                          <a:uLnTx/>
+                          <a:uFillTx/>
+                          <a:latin typeface="等线" panose="020F0502020204030204"/>
+                          <a:ea typeface="等线" panose="02010600030101010101" pitchFamily="2" charset="-122"/>
+                          <a:cs typeface="+mn-cs"/>
+                        </a:rPr>
+                        <a:t>n-3</a:t>
                       </a:r>
                       <a:endParaRPr kumimoji="0" lang="zh-CN" altLang="en-US" sz="1400" b="1" i="0" u="none" strike="noStrike" kern="1200" cap="none" spc="0" normalizeH="0" baseline="0" noProof="0" dirty="0">
                         <a:ln>
@@ -4438,7 +4687,7 @@
                   </a:ext>
                 </a:extLst>
               </a:tr>
-              <a:tr h="368245">
+              <a:tr h="347870">
                 <a:tc>
                   <a:txBody>
                     <a:bodyPr/>
@@ -4462,6 +4711,23 @@
                         <a:defRPr/>
                       </a:pPr>
                       <a:r>
+                        <a:rPr kumimoji="0" lang="zh-CN" altLang="en-US" sz="1400" b="1" i="0" u="none" strike="noStrike" kern="1200" cap="none" spc="0" normalizeH="0" baseline="0" noProof="0" dirty="0" smtClean="0">
+                          <a:ln>
+                            <a:noFill/>
+                          </a:ln>
+                          <a:solidFill>
+                            <a:prstClr val="black"/>
+                          </a:solidFill>
+                          <a:effectLst/>
+                          <a:uLnTx/>
+                          <a:uFillTx/>
+                          <a:latin typeface="等线" panose="020F0502020204030204"/>
+                          <a:ea typeface="等线" panose="02010600030101010101" pitchFamily="2" charset="-122"/>
+                          <a:cs typeface="+mn-cs"/>
+                        </a:rPr>
+                        <a:t>内存块</a:t>
+                      </a:r>
+                      <a:r>
                         <a:rPr kumimoji="0" lang="en-US" altLang="zh-CN" sz="1400" b="1" i="0" u="none" strike="noStrike" kern="1200" cap="none" spc="0" normalizeH="0" baseline="0" noProof="0" dirty="0" smtClean="0">
                           <a:ln>
                             <a:noFill/>
@@ -4476,7 +4742,24 @@
                           <a:ea typeface="等线" panose="02010600030101010101" pitchFamily="2" charset="-122"/>
                           <a:cs typeface="+mn-cs"/>
                         </a:rPr>
-                        <a:t>Block n-2</a:t>
+                        <a:t> </a:t>
+                      </a:r>
+                      <a:r>
+                        <a:rPr kumimoji="0" lang="en-US" altLang="zh-CN" sz="1400" b="1" i="0" u="none" strike="noStrike" kern="1200" cap="none" spc="0" normalizeH="0" baseline="0" noProof="0" dirty="0" smtClean="0">
+                          <a:ln>
+                            <a:noFill/>
+                          </a:ln>
+                          <a:solidFill>
+                            <a:prstClr val="black"/>
+                          </a:solidFill>
+                          <a:effectLst/>
+                          <a:uLnTx/>
+                          <a:uFillTx/>
+                          <a:latin typeface="等线" panose="020F0502020204030204"/>
+                          <a:ea typeface="等线" panose="02010600030101010101" pitchFamily="2" charset="-122"/>
+                          <a:cs typeface="+mn-cs"/>
+                        </a:rPr>
+                        <a:t>n-2</a:t>
                       </a:r>
                       <a:endParaRPr kumimoji="0" lang="zh-CN" altLang="en-US" sz="1400" b="1" i="0" u="none" strike="noStrike" kern="1200" cap="none" spc="0" normalizeH="0" baseline="0" noProof="0" dirty="0">
                         <a:ln>
@@ -4550,7 +4833,7 @@
                   </a:ext>
                 </a:extLst>
               </a:tr>
-              <a:tr h="368245">
+              <a:tr h="377687">
                 <a:tc>
                   <a:txBody>
                     <a:bodyPr/>
@@ -4574,6 +4857,23 @@
                         <a:defRPr/>
                       </a:pPr>
                       <a:r>
+                        <a:rPr kumimoji="0" lang="zh-CN" altLang="en-US" sz="1400" b="1" i="0" u="none" strike="noStrike" kern="1200" cap="none" spc="0" normalizeH="0" baseline="0" noProof="0" dirty="0" smtClean="0">
+                          <a:ln>
+                            <a:noFill/>
+                          </a:ln>
+                          <a:solidFill>
+                            <a:prstClr val="black"/>
+                          </a:solidFill>
+                          <a:effectLst/>
+                          <a:uLnTx/>
+                          <a:uFillTx/>
+                          <a:latin typeface="等线" panose="020F0502020204030204"/>
+                          <a:ea typeface="等线" panose="02010600030101010101" pitchFamily="2" charset="-122"/>
+                          <a:cs typeface="+mn-cs"/>
+                        </a:rPr>
+                        <a:t>内存块</a:t>
+                      </a:r>
+                      <a:r>
                         <a:rPr kumimoji="0" lang="en-US" altLang="zh-CN" sz="1400" b="1" i="0" u="none" strike="noStrike" kern="1200" cap="none" spc="0" normalizeH="0" baseline="0" noProof="0" dirty="0" smtClean="0">
                           <a:ln>
                             <a:noFill/>
@@ -4588,7 +4888,24 @@
                           <a:ea typeface="等线" panose="02010600030101010101" pitchFamily="2" charset="-122"/>
                           <a:cs typeface="+mn-cs"/>
                         </a:rPr>
-                        <a:t>Block n-1</a:t>
+                        <a:t> </a:t>
+                      </a:r>
+                      <a:r>
+                        <a:rPr kumimoji="0" lang="en-US" altLang="zh-CN" sz="1400" b="1" i="0" u="none" strike="noStrike" kern="1200" cap="none" spc="0" normalizeH="0" baseline="0" noProof="0" dirty="0" smtClean="0">
+                          <a:ln>
+                            <a:noFill/>
+                          </a:ln>
+                          <a:solidFill>
+                            <a:prstClr val="black"/>
+                          </a:solidFill>
+                          <a:effectLst/>
+                          <a:uLnTx/>
+                          <a:uFillTx/>
+                          <a:latin typeface="等线" panose="020F0502020204030204"/>
+                          <a:ea typeface="等线" panose="02010600030101010101" pitchFamily="2" charset="-122"/>
+                          <a:cs typeface="+mn-cs"/>
+                        </a:rPr>
+                        <a:t>n-1</a:t>
                       </a:r>
                       <a:endParaRPr kumimoji="0" lang="zh-CN" altLang="en-US" sz="1400" b="1" i="0" u="none" strike="noStrike" kern="1200" cap="none" spc="0" normalizeH="0" baseline="0" noProof="0" dirty="0">
                         <a:ln>
@@ -4662,7 +4979,7 @@
                   </a:ext>
                 </a:extLst>
               </a:tr>
-              <a:tr h="368245">
+              <a:tr h="366660">
                 <a:tc>
                   <a:txBody>
                     <a:bodyPr/>
@@ -4686,6 +5003,23 @@
                         <a:defRPr/>
                       </a:pPr>
                       <a:r>
+                        <a:rPr kumimoji="0" lang="zh-CN" altLang="en-US" sz="1400" b="1" i="0" u="none" strike="noStrike" kern="1200" cap="none" spc="0" normalizeH="0" baseline="0" noProof="0" dirty="0" smtClean="0">
+                          <a:ln>
+                            <a:noFill/>
+                          </a:ln>
+                          <a:solidFill>
+                            <a:prstClr val="black"/>
+                          </a:solidFill>
+                          <a:effectLst/>
+                          <a:uLnTx/>
+                          <a:uFillTx/>
+                          <a:latin typeface="等线" panose="020F0502020204030204"/>
+                          <a:ea typeface="等线" panose="02010600030101010101" pitchFamily="2" charset="-122"/>
+                          <a:cs typeface="+mn-cs"/>
+                        </a:rPr>
+                        <a:t>内存块</a:t>
+                      </a:r>
+                      <a:r>
                         <a:rPr kumimoji="0" lang="en-US" altLang="zh-CN" sz="1400" b="1" i="0" u="none" strike="noStrike" kern="1200" cap="none" spc="0" normalizeH="0" baseline="0" noProof="0" dirty="0" smtClean="0">
                           <a:ln>
                             <a:noFill/>
@@ -4700,7 +5034,24 @@
                           <a:ea typeface="等线" panose="02010600030101010101" pitchFamily="2" charset="-122"/>
                           <a:cs typeface="+mn-cs"/>
                         </a:rPr>
-                        <a:t>Block n</a:t>
+                        <a:t> </a:t>
+                      </a:r>
+                      <a:r>
+                        <a:rPr kumimoji="0" lang="en-US" altLang="zh-CN" sz="1400" b="1" i="0" u="none" strike="noStrike" kern="1200" cap="none" spc="0" normalizeH="0" baseline="0" noProof="0" dirty="0" smtClean="0">
+                          <a:ln>
+                            <a:noFill/>
+                          </a:ln>
+                          <a:solidFill>
+                            <a:prstClr val="black"/>
+                          </a:solidFill>
+                          <a:effectLst/>
+                          <a:uLnTx/>
+                          <a:uFillTx/>
+                          <a:latin typeface="等线" panose="020F0502020204030204"/>
+                          <a:ea typeface="等线" panose="02010600030101010101" pitchFamily="2" charset="-122"/>
+                          <a:cs typeface="+mn-cs"/>
+                        </a:rPr>
+                        <a:t>n</a:t>
                       </a:r>
                       <a:endParaRPr kumimoji="0" lang="zh-CN" altLang="en-US" sz="1400" b="1" i="0" u="none" strike="noStrike" kern="1200" cap="none" spc="0" normalizeH="0" baseline="0" noProof="0" dirty="0">
                         <a:ln>
@@ -5975,7 +6326,7 @@
         <p:spPr>
           <a:xfrm>
             <a:off x="2355160" y="4349670"/>
-            <a:ext cx="704850" cy="300082"/>
+            <a:ext cx="704850" cy="338554"/>
           </a:xfrm>
           <a:prstGeom prst="rect">
             <a:avLst/>
@@ -5988,11 +6339,12 @@
           </a:bodyPr>
           <a:lstStyle/>
           <a:p>
-            <a:r>
-              <a:rPr lang="en-US" altLang="zh-CN" sz="1350" dirty="0"/>
-              <a:t>Cache</a:t>
-            </a:r>
-            <a:endParaRPr lang="zh-CN" altLang="en-US" sz="1350" dirty="0"/>
+            <a:pPr algn="ctr"/>
+            <a:r>
+              <a:rPr lang="zh-CN" altLang="en-US" sz="1600" b="1" dirty="0"/>
+              <a:t>缓存</a:t>
+            </a:r>
+            <a:endParaRPr lang="zh-CN" altLang="en-US" sz="1600" b="1" dirty="0"/>
           </a:p>
         </p:txBody>
       </p:sp>
@@ -6004,8 +6356,8 @@
         </p:nvSpPr>
         <p:spPr>
           <a:xfrm>
-            <a:off x="5451199" y="5075227"/>
-            <a:ext cx="914814" cy="300082"/>
+            <a:off x="5445607" y="5095107"/>
+            <a:ext cx="914814" cy="338554"/>
           </a:xfrm>
           <a:prstGeom prst="rect">
             <a:avLst/>
@@ -6018,11 +6370,12 @@
           </a:bodyPr>
           <a:lstStyle/>
           <a:p>
-            <a:r>
-              <a:rPr lang="en-US" altLang="zh-CN" sz="1350" dirty="0"/>
-              <a:t>memory</a:t>
-            </a:r>
-            <a:endParaRPr lang="zh-CN" altLang="en-US" sz="1350" dirty="0"/>
+            <a:pPr algn="ctr"/>
+            <a:r>
+              <a:rPr lang="zh-CN" altLang="en-US" sz="1600" b="1" dirty="0"/>
+              <a:t>内存</a:t>
+            </a:r>
+            <a:endParaRPr lang="zh-CN" altLang="en-US" sz="1600" b="1" dirty="0"/>
           </a:p>
         </p:txBody>
       </p:sp>
@@ -6072,7 +6425,7 @@
           <p:nvPr>
             <p:extLst>
               <p:ext uri="{D42A27DB-BD31-4B8C-83A1-F6EECF244321}">
-                <p14:modId xmlns:p14="http://schemas.microsoft.com/office/powerpoint/2010/main" val="3059225080"/>
+                <p14:modId xmlns:p14="http://schemas.microsoft.com/office/powerpoint/2010/main" val="104602771"/>
               </p:ext>
             </p:extLst>
           </p:nvPr>
@@ -6108,7 +6461,31 @@
                             <a:schemeClr val="tx1"/>
                           </a:solidFill>
                         </a:rPr>
-                        <a:t>Block 0</a:t>
+                        <a:t>Set</a:t>
+                      </a:r>
+                      <a:r>
+                        <a:rPr lang="zh-CN" altLang="en-US" sz="1400" dirty="0" smtClean="0">
+                          <a:solidFill>
+                            <a:schemeClr val="tx1"/>
+                          </a:solidFill>
+                        </a:rPr>
+                        <a:t>块</a:t>
+                      </a:r>
+                      <a:r>
+                        <a:rPr lang="en-US" altLang="zh-CN" sz="1400" dirty="0" smtClean="0">
+                          <a:solidFill>
+                            <a:schemeClr val="tx1"/>
+                          </a:solidFill>
+                        </a:rPr>
+                        <a:t> </a:t>
+                      </a:r>
+                      <a:r>
+                        <a:rPr lang="en-US" altLang="zh-CN" sz="1400" dirty="0" smtClean="0">
+                          <a:solidFill>
+                            <a:schemeClr val="tx1"/>
+                          </a:solidFill>
+                        </a:rPr>
+                        <a:t>0</a:t>
                       </a:r>
                       <a:endParaRPr lang="zh-CN" altLang="en-US" sz="1400" dirty="0">
                         <a:solidFill>
@@ -6185,7 +6562,31 @@
                             <a:schemeClr val="tx1"/>
                           </a:solidFill>
                         </a:rPr>
-                        <a:t>Block 1</a:t>
+                        <a:t>Set</a:t>
+                      </a:r>
+                      <a:r>
+                        <a:rPr lang="zh-CN" altLang="en-US" sz="1400" b="1" dirty="0" smtClean="0">
+                          <a:solidFill>
+                            <a:schemeClr val="tx1"/>
+                          </a:solidFill>
+                        </a:rPr>
+                        <a:t>块</a:t>
+                      </a:r>
+                      <a:r>
+                        <a:rPr lang="en-US" altLang="zh-CN" sz="1400" b="1" dirty="0" smtClean="0">
+                          <a:solidFill>
+                            <a:schemeClr val="tx1"/>
+                          </a:solidFill>
+                        </a:rPr>
+                        <a:t>  </a:t>
+                      </a:r>
+                      <a:r>
+                        <a:rPr lang="en-US" altLang="zh-CN" sz="1400" b="1" dirty="0" smtClean="0">
+                          <a:solidFill>
+                            <a:schemeClr val="tx1"/>
+                          </a:solidFill>
+                        </a:rPr>
+                        <a:t>1</a:t>
                       </a:r>
                       <a:endParaRPr lang="zh-CN" altLang="en-US" sz="1400" b="1" dirty="0">
                         <a:solidFill>
@@ -6348,7 +6749,31 @@
                             <a:schemeClr val="tx1"/>
                           </a:solidFill>
                         </a:rPr>
-                        <a:t>Block m-1</a:t>
+                        <a:t>Set</a:t>
+                      </a:r>
+                      <a:r>
+                        <a:rPr lang="zh-CN" altLang="en-US" sz="1400" b="1" dirty="0" smtClean="0">
+                          <a:solidFill>
+                            <a:schemeClr val="tx1"/>
+                          </a:solidFill>
+                        </a:rPr>
+                        <a:t>块</a:t>
+                      </a:r>
+                      <a:r>
+                        <a:rPr lang="en-US" altLang="zh-CN" sz="1400" b="1" dirty="0" smtClean="0">
+                          <a:solidFill>
+                            <a:schemeClr val="tx1"/>
+                          </a:solidFill>
+                        </a:rPr>
+                        <a:t>  </a:t>
+                      </a:r>
+                      <a:r>
+                        <a:rPr lang="en-US" altLang="zh-CN" sz="1400" b="1" dirty="0" smtClean="0">
+                          <a:solidFill>
+                            <a:schemeClr val="tx1"/>
+                          </a:solidFill>
+                        </a:rPr>
+                        <a:t>m-1</a:t>
                       </a:r>
                       <a:endParaRPr lang="zh-CN" altLang="en-US" sz="1400" b="1" dirty="0" smtClean="0">
                         <a:solidFill>
@@ -6442,7 +6867,31 @@
                             <a:schemeClr val="tx1"/>
                           </a:solidFill>
                         </a:rPr>
-                        <a:t>Block m</a:t>
+                        <a:t>Set</a:t>
+                      </a:r>
+                      <a:r>
+                        <a:rPr lang="zh-CN" altLang="en-US" sz="1400" b="1" dirty="0" smtClean="0">
+                          <a:solidFill>
+                            <a:schemeClr val="tx1"/>
+                          </a:solidFill>
+                        </a:rPr>
+                        <a:t>块</a:t>
+                      </a:r>
+                      <a:r>
+                        <a:rPr lang="en-US" altLang="zh-CN" sz="1400" b="1" dirty="0" smtClean="0">
+                          <a:solidFill>
+                            <a:schemeClr val="tx1"/>
+                          </a:solidFill>
+                        </a:rPr>
+                        <a:t>  </a:t>
+                      </a:r>
+                      <a:r>
+                        <a:rPr lang="en-US" altLang="zh-CN" sz="1400" b="1" dirty="0" smtClean="0">
+                          <a:solidFill>
+                            <a:schemeClr val="tx1"/>
+                          </a:solidFill>
+                        </a:rPr>
+                        <a:t>m</a:t>
                       </a:r>
                       <a:endParaRPr lang="zh-CN" altLang="en-US" sz="1400" b="1" dirty="0" smtClean="0">
                         <a:solidFill>
@@ -6520,14 +6969,14 @@
           <p:nvPr>
             <p:extLst>
               <p:ext uri="{D42A27DB-BD31-4B8C-83A1-F6EECF244321}">
-                <p14:modId xmlns:p14="http://schemas.microsoft.com/office/powerpoint/2010/main" val="732477863"/>
+                <p14:modId xmlns:p14="http://schemas.microsoft.com/office/powerpoint/2010/main" val="681061057"/>
               </p:ext>
             </p:extLst>
           </p:nvPr>
         </p:nvGraphicFramePr>
         <p:xfrm>
           <a:off x="5529470" y="1048827"/>
-          <a:ext cx="1634158" cy="4184128"/>
+          <a:ext cx="1634158" cy="3976181"/>
         </p:xfrm>
         <a:graphic>
           <a:graphicData uri="http://schemas.openxmlformats.org/drawingml/2006/table">
@@ -6551,12 +7000,28 @@
                     <a:lstStyle/>
                     <a:p>
                       <a:r>
+                        <a:rPr lang="zh-CN" altLang="en-US" sz="1400" dirty="0" smtClean="0">
+                          <a:solidFill>
+                            <a:schemeClr val="tx1"/>
+                          </a:solidFill>
+                        </a:rPr>
+                        <a:t>内存块</a:t>
+                      </a:r>
+                      <a:r>
                         <a:rPr lang="en-US" altLang="zh-CN" sz="1400" dirty="0" smtClean="0">
                           <a:solidFill>
                             <a:schemeClr val="tx1"/>
                           </a:solidFill>
                         </a:rPr>
-                        <a:t>Block 0</a:t>
+                        <a:t> </a:t>
+                      </a:r>
+                      <a:r>
+                        <a:rPr lang="en-US" altLang="zh-CN" sz="1400" dirty="0" smtClean="0">
+                          <a:solidFill>
+                            <a:schemeClr val="tx1"/>
+                          </a:solidFill>
+                        </a:rPr>
+                        <a:t>0</a:t>
                       </a:r>
                       <a:endParaRPr lang="zh-CN" altLang="en-US" sz="1400" dirty="0">
                         <a:solidFill>
@@ -6645,6 +7110,23 @@
                         <a:defRPr/>
                       </a:pPr>
                       <a:r>
+                        <a:rPr kumimoji="0" lang="zh-CN" altLang="en-US" sz="1400" b="1" i="0" u="none" strike="noStrike" kern="1200" cap="none" spc="0" normalizeH="0" baseline="0" noProof="0" dirty="0" smtClean="0">
+                          <a:ln>
+                            <a:noFill/>
+                          </a:ln>
+                          <a:solidFill>
+                            <a:prstClr val="black"/>
+                          </a:solidFill>
+                          <a:effectLst/>
+                          <a:uLnTx/>
+                          <a:uFillTx/>
+                          <a:latin typeface="等线" panose="020F0502020204030204"/>
+                          <a:ea typeface="等线" panose="02010600030101010101" pitchFamily="2" charset="-122"/>
+                          <a:cs typeface="+mn-cs"/>
+                        </a:rPr>
+                        <a:t>内存块</a:t>
+                      </a:r>
+                      <a:r>
                         <a:rPr kumimoji="0" lang="en-US" altLang="zh-CN" sz="1400" b="1" i="0" u="none" strike="noStrike" kern="1200" cap="none" spc="0" normalizeH="0" baseline="0" noProof="0" dirty="0" smtClean="0">
                           <a:ln>
                             <a:noFill/>
@@ -6659,7 +7141,24 @@
                           <a:ea typeface="等线" panose="02010600030101010101" pitchFamily="2" charset="-122"/>
                           <a:cs typeface="+mn-cs"/>
                         </a:rPr>
-                        <a:t>Block 1</a:t>
+                        <a:t> </a:t>
+                      </a:r>
+                      <a:r>
+                        <a:rPr kumimoji="0" lang="en-US" altLang="zh-CN" sz="1400" b="1" i="0" u="none" strike="noStrike" kern="1200" cap="none" spc="0" normalizeH="0" baseline="0" noProof="0" dirty="0" smtClean="0">
+                          <a:ln>
+                            <a:noFill/>
+                          </a:ln>
+                          <a:solidFill>
+                            <a:prstClr val="black"/>
+                          </a:solidFill>
+                          <a:effectLst/>
+                          <a:uLnTx/>
+                          <a:uFillTx/>
+                          <a:latin typeface="等线" panose="020F0502020204030204"/>
+                          <a:ea typeface="等线" panose="02010600030101010101" pitchFamily="2" charset="-122"/>
+                          <a:cs typeface="+mn-cs"/>
+                        </a:rPr>
+                        <a:t>1</a:t>
                       </a:r>
                       <a:endParaRPr kumimoji="0" lang="zh-CN" altLang="en-US" sz="1400" b="1" i="0" u="none" strike="noStrike" kern="1200" cap="none" spc="0" normalizeH="0" baseline="0" noProof="0" dirty="0">
                         <a:ln>
@@ -6869,6 +7368,23 @@
                         <a:defRPr/>
                       </a:pPr>
                       <a:r>
+                        <a:rPr kumimoji="0" lang="zh-CN" altLang="en-US" sz="1400" b="1" i="0" u="none" strike="noStrike" kern="1200" cap="none" spc="0" normalizeH="0" baseline="0" noProof="0" dirty="0" smtClean="0">
+                          <a:ln>
+                            <a:noFill/>
+                          </a:ln>
+                          <a:solidFill>
+                            <a:prstClr val="black"/>
+                          </a:solidFill>
+                          <a:effectLst/>
+                          <a:uLnTx/>
+                          <a:uFillTx/>
+                          <a:latin typeface="等线" panose="020F0502020204030204"/>
+                          <a:ea typeface="等线" panose="02010600030101010101" pitchFamily="2" charset="-122"/>
+                          <a:cs typeface="+mn-cs"/>
+                        </a:rPr>
+                        <a:t>内存块</a:t>
+                      </a:r>
+                      <a:r>
                         <a:rPr kumimoji="0" lang="en-US" altLang="zh-CN" sz="1400" b="1" i="0" u="none" strike="noStrike" kern="1200" cap="none" spc="0" normalizeH="0" baseline="0" noProof="0" dirty="0" smtClean="0">
                           <a:ln>
                             <a:noFill/>
@@ -6883,7 +7399,24 @@
                           <a:ea typeface="等线" panose="02010600030101010101" pitchFamily="2" charset="-122"/>
                           <a:cs typeface="+mn-cs"/>
                         </a:rPr>
-                        <a:t>Block m-1</a:t>
+                        <a:t> </a:t>
+                      </a:r>
+                      <a:r>
+                        <a:rPr kumimoji="0" lang="en-US" altLang="zh-CN" sz="1400" b="1" i="0" u="none" strike="noStrike" kern="1200" cap="none" spc="0" normalizeH="0" baseline="0" noProof="0" dirty="0" smtClean="0">
+                          <a:ln>
+                            <a:noFill/>
+                          </a:ln>
+                          <a:solidFill>
+                            <a:prstClr val="black"/>
+                          </a:solidFill>
+                          <a:effectLst/>
+                          <a:uLnTx/>
+                          <a:uFillTx/>
+                          <a:latin typeface="等线" panose="020F0502020204030204"/>
+                          <a:ea typeface="等线" panose="02010600030101010101" pitchFamily="2" charset="-122"/>
+                          <a:cs typeface="+mn-cs"/>
+                        </a:rPr>
+                        <a:t>m-1</a:t>
                       </a:r>
                       <a:endParaRPr kumimoji="0" lang="zh-CN" altLang="en-US" sz="1400" b="1" i="0" u="none" strike="noStrike" kern="1200" cap="none" spc="0" normalizeH="0" baseline="0" noProof="0" dirty="0">
                         <a:ln>
@@ -6981,6 +7514,23 @@
                         <a:defRPr/>
                       </a:pPr>
                       <a:r>
+                        <a:rPr kumimoji="0" lang="zh-CN" altLang="en-US" sz="1400" b="1" i="0" u="none" strike="noStrike" kern="1200" cap="none" spc="0" normalizeH="0" baseline="0" noProof="0" dirty="0" smtClean="0">
+                          <a:ln>
+                            <a:noFill/>
+                          </a:ln>
+                          <a:solidFill>
+                            <a:prstClr val="black"/>
+                          </a:solidFill>
+                          <a:effectLst/>
+                          <a:uLnTx/>
+                          <a:uFillTx/>
+                          <a:latin typeface="等线" panose="020F0502020204030204"/>
+                          <a:ea typeface="等线" panose="02010600030101010101" pitchFamily="2" charset="-122"/>
+                          <a:cs typeface="+mn-cs"/>
+                        </a:rPr>
+                        <a:t>内存块</a:t>
+                      </a:r>
+                      <a:r>
                         <a:rPr kumimoji="0" lang="en-US" altLang="zh-CN" sz="1400" b="1" i="0" u="none" strike="noStrike" kern="1200" cap="none" spc="0" normalizeH="0" baseline="0" noProof="0" dirty="0" smtClean="0">
                           <a:ln>
                             <a:noFill/>
@@ -6995,7 +7545,24 @@
                           <a:ea typeface="等线" panose="02010600030101010101" pitchFamily="2" charset="-122"/>
                           <a:cs typeface="+mn-cs"/>
                         </a:rPr>
-                        <a:t>Block m</a:t>
+                        <a:t> </a:t>
+                      </a:r>
+                      <a:r>
+                        <a:rPr kumimoji="0" lang="en-US" altLang="zh-CN" sz="1400" b="1" i="0" u="none" strike="noStrike" kern="1200" cap="none" spc="0" normalizeH="0" baseline="0" noProof="0" dirty="0" smtClean="0">
+                          <a:ln>
+                            <a:noFill/>
+                          </a:ln>
+                          <a:solidFill>
+                            <a:prstClr val="black"/>
+                          </a:solidFill>
+                          <a:effectLst/>
+                          <a:uLnTx/>
+                          <a:uFillTx/>
+                          <a:latin typeface="等线" panose="020F0502020204030204"/>
+                          <a:ea typeface="等线" panose="02010600030101010101" pitchFamily="2" charset="-122"/>
+                          <a:cs typeface="+mn-cs"/>
+                        </a:rPr>
+                        <a:t>m</a:t>
                       </a:r>
                       <a:endParaRPr kumimoji="0" lang="zh-CN" altLang="en-US" sz="1400" b="1" i="0" u="none" strike="noStrike" kern="1200" cap="none" spc="0" normalizeH="0" baseline="0" noProof="0" dirty="0">
                         <a:ln>
@@ -7205,6 +7772,23 @@
                         <a:defRPr/>
                       </a:pPr>
                       <a:r>
+                        <a:rPr kumimoji="0" lang="zh-CN" altLang="en-US" sz="1400" b="1" i="0" u="none" strike="noStrike" kern="1200" cap="none" spc="0" normalizeH="0" baseline="0" noProof="0" dirty="0" smtClean="0">
+                          <a:ln>
+                            <a:noFill/>
+                          </a:ln>
+                          <a:solidFill>
+                            <a:prstClr val="black"/>
+                          </a:solidFill>
+                          <a:effectLst/>
+                          <a:uLnTx/>
+                          <a:uFillTx/>
+                          <a:latin typeface="等线" panose="020F0502020204030204"/>
+                          <a:ea typeface="等线" panose="02010600030101010101" pitchFamily="2" charset="-122"/>
+                          <a:cs typeface="+mn-cs"/>
+                        </a:rPr>
+                        <a:t>内存块</a:t>
+                      </a:r>
+                      <a:r>
                         <a:rPr kumimoji="0" lang="en-US" altLang="zh-CN" sz="1400" b="1" i="0" u="none" strike="noStrike" kern="1200" cap="none" spc="0" normalizeH="0" baseline="0" noProof="0" dirty="0" smtClean="0">
                           <a:ln>
                             <a:noFill/>
@@ -7219,7 +7803,24 @@
                           <a:ea typeface="等线" panose="02010600030101010101" pitchFamily="2" charset="-122"/>
                           <a:cs typeface="+mn-cs"/>
                         </a:rPr>
-                        <a:t>Block n(m-1)</a:t>
+                        <a:t> </a:t>
+                      </a:r>
+                      <a:r>
+                        <a:rPr kumimoji="0" lang="en-US" altLang="zh-CN" sz="1400" b="1" i="0" u="none" strike="noStrike" kern="1200" cap="none" spc="0" normalizeH="0" baseline="0" noProof="0" dirty="0" smtClean="0">
+                          <a:ln>
+                            <a:noFill/>
+                          </a:ln>
+                          <a:solidFill>
+                            <a:prstClr val="black"/>
+                          </a:solidFill>
+                          <a:effectLst/>
+                          <a:uLnTx/>
+                          <a:uFillTx/>
+                          <a:latin typeface="等线" panose="020F0502020204030204"/>
+                          <a:ea typeface="等线" panose="02010600030101010101" pitchFamily="2" charset="-122"/>
+                          <a:cs typeface="+mn-cs"/>
+                        </a:rPr>
+                        <a:t>n(m-1)</a:t>
                       </a:r>
                       <a:endParaRPr kumimoji="0" lang="zh-CN" altLang="en-US" sz="1400" b="1" i="0" u="none" strike="noStrike" kern="1200" cap="none" spc="0" normalizeH="0" baseline="0" noProof="0" dirty="0">
                         <a:ln>
@@ -7293,7 +7894,7 @@
                   </a:ext>
                 </a:extLst>
               </a:tr>
-              <a:tr h="477040">
+              <a:tr h="372340">
                 <a:tc>
                   <a:txBody>
                     <a:bodyPr/>
@@ -7317,6 +7918,23 @@
                         <a:defRPr/>
                       </a:pPr>
                       <a:r>
+                        <a:rPr kumimoji="0" lang="zh-CN" altLang="en-US" sz="1400" b="1" i="0" u="none" strike="noStrike" kern="1200" cap="none" spc="0" normalizeH="0" baseline="0" noProof="0" dirty="0" smtClean="0">
+                          <a:ln>
+                            <a:noFill/>
+                          </a:ln>
+                          <a:solidFill>
+                            <a:prstClr val="black"/>
+                          </a:solidFill>
+                          <a:effectLst/>
+                          <a:uLnTx/>
+                          <a:uFillTx/>
+                          <a:latin typeface="等线" panose="020F0502020204030204"/>
+                          <a:ea typeface="等线" panose="02010600030101010101" pitchFamily="2" charset="-122"/>
+                          <a:cs typeface="+mn-cs"/>
+                        </a:rPr>
+                        <a:t>内存块</a:t>
+                      </a:r>
+                      <a:r>
                         <a:rPr kumimoji="0" lang="en-US" altLang="zh-CN" sz="1400" b="1" i="0" u="none" strike="noStrike" kern="1200" cap="none" spc="0" normalizeH="0" baseline="0" noProof="0" dirty="0" smtClean="0">
                           <a:ln>
                             <a:noFill/>
@@ -7331,7 +7949,24 @@
                           <a:ea typeface="等线" panose="02010600030101010101" pitchFamily="2" charset="-122"/>
                           <a:cs typeface="+mn-cs"/>
                         </a:rPr>
-                        <a:t>Block n(m-1)+1</a:t>
+                        <a:t> </a:t>
+                      </a:r>
+                      <a:r>
+                        <a:rPr kumimoji="0" lang="en-US" altLang="zh-CN" sz="1400" b="1" i="0" u="none" strike="noStrike" kern="1200" cap="none" spc="0" normalizeH="0" baseline="0" noProof="0" dirty="0" smtClean="0">
+                          <a:ln>
+                            <a:noFill/>
+                          </a:ln>
+                          <a:solidFill>
+                            <a:prstClr val="black"/>
+                          </a:solidFill>
+                          <a:effectLst/>
+                          <a:uLnTx/>
+                          <a:uFillTx/>
+                          <a:latin typeface="等线" panose="020F0502020204030204"/>
+                          <a:ea typeface="等线" panose="02010600030101010101" pitchFamily="2" charset="-122"/>
+                          <a:cs typeface="+mn-cs"/>
+                        </a:rPr>
+                        <a:t>n(m-1)+1</a:t>
                       </a:r>
                       <a:endParaRPr kumimoji="0" lang="zh-CN" altLang="en-US" sz="1400" b="1" i="0" u="none" strike="noStrike" kern="1200" cap="none" spc="0" normalizeH="0" baseline="0" noProof="0" dirty="0">
                         <a:ln>
@@ -7517,7 +8152,7 @@
                   </a:ext>
                 </a:extLst>
               </a:tr>
-              <a:tr h="485126">
+              <a:tr h="381879">
                 <a:tc>
                   <a:txBody>
                     <a:bodyPr/>
@@ -7541,6 +8176,23 @@
                         <a:defRPr/>
                       </a:pPr>
                       <a:r>
+                        <a:rPr kumimoji="0" lang="zh-CN" altLang="en-US" sz="1400" b="1" i="0" u="none" strike="noStrike" kern="1200" cap="none" spc="0" normalizeH="0" baseline="0" noProof="0" dirty="0" smtClean="0">
+                          <a:ln>
+                            <a:noFill/>
+                          </a:ln>
+                          <a:solidFill>
+                            <a:prstClr val="black"/>
+                          </a:solidFill>
+                          <a:effectLst/>
+                          <a:uLnTx/>
+                          <a:uFillTx/>
+                          <a:latin typeface="+mn-lt"/>
+                          <a:ea typeface="+mn-ea"/>
+                          <a:cs typeface="+mn-cs"/>
+                        </a:rPr>
+                        <a:t>内存块</a:t>
+                      </a:r>
+                      <a:r>
                         <a:rPr kumimoji="0" lang="en-US" altLang="zh-CN" sz="1400" b="1" i="0" u="none" strike="noStrike" kern="1200" cap="none" spc="0" normalizeH="0" baseline="0" noProof="0" dirty="0" smtClean="0">
                           <a:ln>
                             <a:noFill/>
@@ -7555,7 +8207,24 @@
                           <a:ea typeface="+mn-ea"/>
                           <a:cs typeface="+mn-cs"/>
                         </a:rPr>
-                        <a:t>Block n(m-1)+m-1</a:t>
+                        <a:t> </a:t>
+                      </a:r>
+                      <a:r>
+                        <a:rPr kumimoji="0" lang="en-US" altLang="zh-CN" sz="1400" b="1" i="0" u="none" strike="noStrike" kern="1200" cap="none" spc="0" normalizeH="0" baseline="0" noProof="0" dirty="0" smtClean="0">
+                          <a:ln>
+                            <a:noFill/>
+                          </a:ln>
+                          <a:solidFill>
+                            <a:prstClr val="black"/>
+                          </a:solidFill>
+                          <a:effectLst/>
+                          <a:uLnTx/>
+                          <a:uFillTx/>
+                          <a:latin typeface="+mn-lt"/>
+                          <a:ea typeface="+mn-ea"/>
+                          <a:cs typeface="+mn-cs"/>
+                        </a:rPr>
+                        <a:t>n(m-1)+m-1</a:t>
                       </a:r>
                       <a:endParaRPr kumimoji="0" lang="zh-CN" altLang="en-US" sz="1400" b="1" i="0" u="none" strike="noStrike" kern="1200" cap="none" spc="0" normalizeH="0" baseline="0" noProof="0" dirty="0">
                         <a:ln>
@@ -7653,6 +8322,23 @@
                         <a:defRPr/>
                       </a:pPr>
                       <a:r>
+                        <a:rPr kumimoji="0" lang="zh-CN" altLang="en-US" sz="1400" b="1" i="0" u="none" strike="noStrike" kern="1200" cap="none" spc="0" normalizeH="0" baseline="0" noProof="0" dirty="0" smtClean="0">
+                          <a:ln>
+                            <a:noFill/>
+                          </a:ln>
+                          <a:solidFill>
+                            <a:prstClr val="black"/>
+                          </a:solidFill>
+                          <a:effectLst/>
+                          <a:uLnTx/>
+                          <a:uFillTx/>
+                          <a:latin typeface="等线" panose="020F0502020204030204"/>
+                          <a:ea typeface="等线" panose="02010600030101010101" pitchFamily="2" charset="-122"/>
+                          <a:cs typeface="+mn-cs"/>
+                        </a:rPr>
+                        <a:t>内存块</a:t>
+                      </a:r>
+                      <a:r>
                         <a:rPr kumimoji="0" lang="en-US" altLang="zh-CN" sz="1400" b="1" i="0" u="none" strike="noStrike" kern="1200" cap="none" spc="0" normalizeH="0" baseline="0" noProof="0" dirty="0" smtClean="0">
                           <a:ln>
                             <a:noFill/>
@@ -7667,7 +8353,24 @@
                           <a:ea typeface="等线" panose="02010600030101010101" pitchFamily="2" charset="-122"/>
                           <a:cs typeface="+mn-cs"/>
                         </a:rPr>
-                        <a:t>Block nm</a:t>
+                        <a:t> </a:t>
+                      </a:r>
+                      <a:r>
+                        <a:rPr kumimoji="0" lang="en-US" altLang="zh-CN" sz="1400" b="1" i="0" u="none" strike="noStrike" kern="1200" cap="none" spc="0" normalizeH="0" baseline="0" noProof="0" dirty="0" smtClean="0">
+                          <a:ln>
+                            <a:noFill/>
+                          </a:ln>
+                          <a:solidFill>
+                            <a:prstClr val="black"/>
+                          </a:solidFill>
+                          <a:effectLst/>
+                          <a:uLnTx/>
+                          <a:uFillTx/>
+                          <a:latin typeface="等线" panose="020F0502020204030204"/>
+                          <a:ea typeface="等线" panose="02010600030101010101" pitchFamily="2" charset="-122"/>
+                          <a:cs typeface="+mn-cs"/>
+                        </a:rPr>
+                        <a:t>nm</a:t>
                       </a:r>
                       <a:endParaRPr kumimoji="0" lang="zh-CN" altLang="en-US" sz="1400" b="1" i="0" u="none" strike="noStrike" kern="1200" cap="none" spc="0" normalizeH="0" baseline="0" noProof="0" dirty="0">
                         <a:ln>
@@ -7754,7 +8457,7 @@
         <p:spPr>
           <a:xfrm>
             <a:off x="1828386" y="4222946"/>
-            <a:ext cx="704850" cy="300082"/>
+            <a:ext cx="704850" cy="338554"/>
           </a:xfrm>
           <a:prstGeom prst="rect">
             <a:avLst/>
@@ -7767,11 +8470,12 @@
           </a:bodyPr>
           <a:lstStyle/>
           <a:p>
-            <a:r>
-              <a:rPr lang="en-US" altLang="zh-CN" sz="1350" b="1" dirty="0"/>
-              <a:t>Cache</a:t>
-            </a:r>
-            <a:endParaRPr lang="zh-CN" altLang="en-US" sz="1350" b="1" dirty="0"/>
+            <a:pPr algn="ctr"/>
+            <a:r>
+              <a:rPr lang="zh-CN" altLang="en-US" sz="1600" b="1" dirty="0" smtClean="0"/>
+              <a:t>缓存</a:t>
+            </a:r>
+            <a:endParaRPr lang="zh-CN" altLang="en-US" sz="1600" b="1" dirty="0"/>
           </a:p>
         </p:txBody>
       </p:sp>
@@ -7783,8 +8487,8 @@
         </p:nvSpPr>
         <p:spPr>
           <a:xfrm>
-            <a:off x="5889141" y="5366688"/>
-            <a:ext cx="914814" cy="300082"/>
+            <a:off x="5889142" y="5227541"/>
+            <a:ext cx="988736" cy="338554"/>
           </a:xfrm>
           <a:prstGeom prst="rect">
             <a:avLst/>
@@ -7797,11 +8501,12 @@
           </a:bodyPr>
           <a:lstStyle/>
           <a:p>
-            <a:r>
-              <a:rPr lang="en-US" altLang="zh-CN" sz="1350" b="1" dirty="0"/>
-              <a:t>memory</a:t>
-            </a:r>
-            <a:endParaRPr lang="zh-CN" altLang="en-US" sz="1350" b="1" dirty="0"/>
+            <a:pPr algn="ctr"/>
+            <a:r>
+              <a:rPr lang="zh-CN" altLang="en-US" sz="1600" b="1" dirty="0" smtClean="0"/>
+              <a:t>内存</a:t>
+            </a:r>
+            <a:endParaRPr lang="zh-CN" altLang="en-US" sz="1600" b="1" dirty="0"/>
           </a:p>
         </p:txBody>
       </p:sp>
@@ -7912,7 +8617,7 @@
         </p:nvCxnSpPr>
         <p:spPr>
           <a:xfrm>
-            <a:off x="2735746" y="2713384"/>
+            <a:off x="2735746" y="2694747"/>
             <a:ext cx="2793724" cy="1051062"/>
           </a:xfrm>
           <a:prstGeom prst="straightConnector1">
@@ -8045,7 +8750,7 @@
         <p:spPr>
           <a:xfrm>
             <a:off x="2692884" y="3808951"/>
-            <a:ext cx="2822298" cy="1231541"/>
+            <a:ext cx="2836586" cy="1041345"/>
           </a:xfrm>
           <a:prstGeom prst="straightConnector1">
             <a:avLst/>
@@ -8196,8 +8901,8 @@
         </p:nvSpPr>
         <p:spPr>
           <a:xfrm>
-            <a:off x="710646" y="988942"/>
-            <a:ext cx="3091071" cy="3424032"/>
+            <a:off x="710646" y="1744106"/>
+            <a:ext cx="3091071" cy="3087902"/>
           </a:xfrm>
           <a:prstGeom prst="rect">
             <a:avLst/>
@@ -8239,7 +8944,7 @@
         </p:nvSpPr>
         <p:spPr>
           <a:xfrm>
-            <a:off x="1530622" y="1287117"/>
+            <a:off x="1530622" y="1852821"/>
             <a:ext cx="1361661" cy="467139"/>
           </a:xfrm>
           <a:prstGeom prst="rect">
@@ -8281,7 +8986,7 @@
         </p:nvSpPr>
         <p:spPr>
           <a:xfrm>
-            <a:off x="1530624" y="2092187"/>
+            <a:off x="1530624" y="2657891"/>
             <a:ext cx="1361661" cy="467139"/>
           </a:xfrm>
           <a:prstGeom prst="rect">
@@ -8323,7 +9028,7 @@
         </p:nvSpPr>
         <p:spPr>
           <a:xfrm>
-            <a:off x="1530623" y="2897257"/>
+            <a:off x="1530623" y="3462961"/>
             <a:ext cx="1361661" cy="467139"/>
           </a:xfrm>
           <a:prstGeom prst="rect">
@@ -8365,7 +9070,7 @@
         </p:nvSpPr>
         <p:spPr>
           <a:xfrm>
-            <a:off x="1530622" y="3672510"/>
+            <a:off x="1530622" y="4238214"/>
             <a:ext cx="1361661" cy="467139"/>
           </a:xfrm>
           <a:prstGeom prst="rect">
@@ -8393,11 +9098,15 @@
             <a:pPr algn="ctr"/>
             <a:r>
               <a:rPr lang="zh-CN" altLang="en-US" dirty="0"/>
-              <a:t>论</a:t>
+              <a:t>轮</a:t>
             </a:r>
             <a:r>
               <a:rPr lang="zh-CN" altLang="en-US" dirty="0" smtClean="0"/>
-              <a:t>密钥加</a:t>
+              <a:t>密钥</a:t>
+            </a:r>
+            <a:r>
+              <a:rPr lang="zh-CN" altLang="en-US" dirty="0" smtClean="0"/>
+              <a:t>加</a:t>
             </a:r>
             <a:endParaRPr lang="zh-CN" altLang="en-US" dirty="0"/>
           </a:p>
@@ -8411,7 +9120,7 @@
         </p:nvSpPr>
         <p:spPr>
           <a:xfrm>
-            <a:off x="710646" y="2516292"/>
+            <a:off x="710646" y="3081996"/>
             <a:ext cx="775248" cy="369332"/>
           </a:xfrm>
           <a:prstGeom prst="rect">
@@ -8452,7 +9161,7 @@
         </p:nvCxnSpPr>
         <p:spPr>
           <a:xfrm>
-            <a:off x="2211453" y="1754256"/>
+            <a:off x="2211453" y="2319960"/>
             <a:ext cx="2" cy="337931"/>
           </a:xfrm>
           <a:prstGeom prst="straightConnector1">
@@ -8488,7 +9197,7 @@
         </p:nvCxnSpPr>
         <p:spPr>
           <a:xfrm flipH="1">
-            <a:off x="2211454" y="2559326"/>
+            <a:off x="2211454" y="3125030"/>
             <a:ext cx="1" cy="337931"/>
           </a:xfrm>
           <a:prstGeom prst="straightConnector1">
@@ -8524,7 +9233,7 @@
         </p:nvCxnSpPr>
         <p:spPr>
           <a:xfrm flipH="1">
-            <a:off x="2211453" y="3364396"/>
+            <a:off x="2211453" y="3930100"/>
             <a:ext cx="1" cy="308114"/>
           </a:xfrm>
           <a:prstGeom prst="straightConnector1">
@@ -8557,7 +9266,7 @@
         </p:nvSpPr>
         <p:spPr>
           <a:xfrm>
-            <a:off x="1530621" y="248477"/>
+            <a:off x="1530621" y="1105817"/>
             <a:ext cx="1361661" cy="467139"/>
           </a:xfrm>
           <a:prstGeom prst="rect">
@@ -8585,13 +9294,3049 @@
             <a:pPr algn="ctr"/>
             <a:r>
               <a:rPr lang="zh-CN" altLang="en-US" dirty="0"/>
-              <a:t>论</a:t>
+              <a:t>轮</a:t>
             </a:r>
             <a:r>
               <a:rPr lang="zh-CN" altLang="en-US" dirty="0" smtClean="0"/>
-              <a:t>密钥加</a:t>
+              <a:t>密钥</a:t>
+            </a:r>
+            <a:r>
+              <a:rPr lang="zh-CN" altLang="en-US" dirty="0" smtClean="0"/>
+              <a:t>加</a:t>
             </a:r>
             <a:endParaRPr lang="zh-CN" altLang="en-US" dirty="0"/>
+          </a:p>
+        </p:txBody>
+      </p:sp>
+      <p:sp>
+        <p:nvSpPr>
+          <p:cNvPr id="14" name="矩形 13"/>
+          <p:cNvSpPr/>
+          <p:nvPr/>
+        </p:nvSpPr>
+        <p:spPr>
+          <a:xfrm>
+            <a:off x="710646" y="4945510"/>
+            <a:ext cx="3091071" cy="3102259"/>
+          </a:xfrm>
+          <a:prstGeom prst="rect">
+            <a:avLst/>
+          </a:prstGeom>
+          <a:solidFill>
+            <a:schemeClr val="bg1"/>
+          </a:solidFill>
+        </p:spPr>
+        <p:style>
+          <a:lnRef idx="2">
+            <a:schemeClr val="accent1">
+              <a:shade val="50000"/>
+            </a:schemeClr>
+          </a:lnRef>
+          <a:fillRef idx="1">
+            <a:schemeClr val="accent1"/>
+          </a:fillRef>
+          <a:effectRef idx="0">
+            <a:schemeClr val="accent1"/>
+          </a:effectRef>
+          <a:fontRef idx="minor">
+            <a:schemeClr val="lt1"/>
+          </a:fontRef>
+        </p:style>
+        <p:txBody>
+          <a:bodyPr rtlCol="0" anchor="ctr"/>
+          <a:lstStyle/>
+          <a:p>
+            <a:pPr algn="ctr"/>
+            <a:endParaRPr lang="zh-CN" altLang="en-US"/>
+          </a:p>
+        </p:txBody>
+      </p:sp>
+      <p:sp>
+        <p:nvSpPr>
+          <p:cNvPr id="16" name="矩形 15"/>
+          <p:cNvSpPr/>
+          <p:nvPr/>
+        </p:nvSpPr>
+        <p:spPr>
+          <a:xfrm>
+            <a:off x="1530622" y="5083869"/>
+            <a:ext cx="1361661" cy="467139"/>
+          </a:xfrm>
+          <a:prstGeom prst="rect">
+            <a:avLst/>
+          </a:prstGeom>
+        </p:spPr>
+        <p:style>
+          <a:lnRef idx="2">
+            <a:schemeClr val="dk1"/>
+          </a:lnRef>
+          <a:fillRef idx="1">
+            <a:schemeClr val="lt1"/>
+          </a:fillRef>
+          <a:effectRef idx="0">
+            <a:schemeClr val="dk1"/>
+          </a:effectRef>
+          <a:fontRef idx="minor">
+            <a:schemeClr val="dk1"/>
+          </a:fontRef>
+        </p:style>
+        <p:txBody>
+          <a:bodyPr rtlCol="0" anchor="ctr"/>
+          <a:lstStyle/>
+          <a:p>
+            <a:pPr algn="ctr"/>
+            <a:r>
+              <a:rPr lang="zh-CN" altLang="en-US" dirty="0" smtClean="0"/>
+              <a:t>字节代替</a:t>
+            </a:r>
+            <a:endParaRPr lang="zh-CN" altLang="en-US" dirty="0"/>
+          </a:p>
+        </p:txBody>
+      </p:sp>
+      <p:sp>
+        <p:nvSpPr>
+          <p:cNvPr id="17" name="矩形 16"/>
+          <p:cNvSpPr/>
+          <p:nvPr/>
+        </p:nvSpPr>
+        <p:spPr>
+          <a:xfrm>
+            <a:off x="1530624" y="5888939"/>
+            <a:ext cx="1361661" cy="467139"/>
+          </a:xfrm>
+          <a:prstGeom prst="rect">
+            <a:avLst/>
+          </a:prstGeom>
+        </p:spPr>
+        <p:style>
+          <a:lnRef idx="2">
+            <a:schemeClr val="dk1"/>
+          </a:lnRef>
+          <a:fillRef idx="1">
+            <a:schemeClr val="lt1"/>
+          </a:fillRef>
+          <a:effectRef idx="0">
+            <a:schemeClr val="dk1"/>
+          </a:effectRef>
+          <a:fontRef idx="minor">
+            <a:schemeClr val="dk1"/>
+          </a:fontRef>
+        </p:style>
+        <p:txBody>
+          <a:bodyPr rtlCol="0" anchor="ctr"/>
+          <a:lstStyle/>
+          <a:p>
+            <a:pPr algn="ctr"/>
+            <a:r>
+              <a:rPr lang="zh-CN" altLang="en-US" dirty="0" smtClean="0"/>
+              <a:t>行移位</a:t>
+            </a:r>
+            <a:endParaRPr lang="zh-CN" altLang="en-US" dirty="0"/>
+          </a:p>
+        </p:txBody>
+      </p:sp>
+      <p:sp>
+        <p:nvSpPr>
+          <p:cNvPr id="19" name="矩形 18"/>
+          <p:cNvSpPr/>
+          <p:nvPr/>
+        </p:nvSpPr>
+        <p:spPr>
+          <a:xfrm>
+            <a:off x="1530623" y="6694009"/>
+            <a:ext cx="1361661" cy="467139"/>
+          </a:xfrm>
+          <a:prstGeom prst="rect">
+            <a:avLst/>
+          </a:prstGeom>
+        </p:spPr>
+        <p:style>
+          <a:lnRef idx="2">
+            <a:schemeClr val="dk1"/>
+          </a:lnRef>
+          <a:fillRef idx="1">
+            <a:schemeClr val="lt1"/>
+          </a:fillRef>
+          <a:effectRef idx="0">
+            <a:schemeClr val="dk1"/>
+          </a:effectRef>
+          <a:fontRef idx="minor">
+            <a:schemeClr val="dk1"/>
+          </a:fontRef>
+        </p:style>
+        <p:txBody>
+          <a:bodyPr rtlCol="0" anchor="ctr"/>
+          <a:lstStyle/>
+          <a:p>
+            <a:pPr algn="ctr"/>
+            <a:r>
+              <a:rPr lang="zh-CN" altLang="en-US" dirty="0" smtClean="0"/>
+              <a:t>列混淆</a:t>
+            </a:r>
+            <a:endParaRPr lang="zh-CN" altLang="en-US" dirty="0"/>
+          </a:p>
+        </p:txBody>
+      </p:sp>
+      <p:sp>
+        <p:nvSpPr>
+          <p:cNvPr id="20" name="矩形 19"/>
+          <p:cNvSpPr/>
+          <p:nvPr/>
+        </p:nvSpPr>
+        <p:spPr>
+          <a:xfrm>
+            <a:off x="1530622" y="7469262"/>
+            <a:ext cx="1361661" cy="467139"/>
+          </a:xfrm>
+          <a:prstGeom prst="rect">
+            <a:avLst/>
+          </a:prstGeom>
+        </p:spPr>
+        <p:style>
+          <a:lnRef idx="2">
+            <a:schemeClr val="dk1"/>
+          </a:lnRef>
+          <a:fillRef idx="1">
+            <a:schemeClr val="lt1"/>
+          </a:fillRef>
+          <a:effectRef idx="0">
+            <a:schemeClr val="dk1"/>
+          </a:effectRef>
+          <a:fontRef idx="minor">
+            <a:schemeClr val="dk1"/>
+          </a:fontRef>
+        </p:style>
+        <p:txBody>
+          <a:bodyPr rtlCol="0" anchor="ctr"/>
+          <a:lstStyle/>
+          <a:p>
+            <a:pPr algn="ctr"/>
+            <a:r>
+              <a:rPr lang="zh-CN" altLang="en-US" dirty="0"/>
+              <a:t>轮</a:t>
+            </a:r>
+            <a:r>
+              <a:rPr lang="zh-CN" altLang="en-US" dirty="0" smtClean="0"/>
+              <a:t>密钥</a:t>
+            </a:r>
+            <a:r>
+              <a:rPr lang="zh-CN" altLang="en-US" dirty="0" smtClean="0"/>
+              <a:t>加</a:t>
+            </a:r>
+            <a:endParaRPr lang="zh-CN" altLang="en-US" dirty="0"/>
+          </a:p>
+        </p:txBody>
+      </p:sp>
+      <p:sp>
+        <p:nvSpPr>
+          <p:cNvPr id="22" name="文本框 21"/>
+          <p:cNvSpPr txBox="1"/>
+          <p:nvPr/>
+        </p:nvSpPr>
+        <p:spPr>
+          <a:xfrm>
+            <a:off x="710646" y="6313044"/>
+            <a:ext cx="775248" cy="369332"/>
+          </a:xfrm>
+          <a:prstGeom prst="rect">
+            <a:avLst/>
+          </a:prstGeom>
+          <a:noFill/>
+        </p:spPr>
+        <p:txBody>
+          <a:bodyPr wrap="square" rtlCol="0">
+            <a:spAutoFit/>
+          </a:bodyPr>
+          <a:lstStyle/>
+          <a:p>
+            <a:r>
+              <a:rPr lang="zh-CN" altLang="en-US" dirty="0" smtClean="0"/>
+              <a:t>第</a:t>
+            </a:r>
+            <a:r>
+              <a:rPr lang="en-US" altLang="zh-CN" dirty="0"/>
+              <a:t>9</a:t>
+            </a:r>
+            <a:r>
+              <a:rPr lang="zh-CN" altLang="en-US" dirty="0" smtClean="0"/>
+              <a:t>轮</a:t>
+            </a:r>
+            <a:endParaRPr lang="zh-CN" altLang="en-US" dirty="0"/>
+          </a:p>
+        </p:txBody>
+      </p:sp>
+      <p:cxnSp>
+        <p:nvCxnSpPr>
+          <p:cNvPr id="23" name="直接箭头连接符 22"/>
+          <p:cNvCxnSpPr>
+            <a:stCxn id="16" idx="2"/>
+            <a:endCxn id="17" idx="0"/>
+          </p:cNvCxnSpPr>
+          <p:nvPr/>
+        </p:nvCxnSpPr>
+        <p:spPr>
+          <a:xfrm>
+            <a:off x="2211453" y="5551008"/>
+            <a:ext cx="2" cy="337931"/>
+          </a:xfrm>
+          <a:prstGeom prst="straightConnector1">
+            <a:avLst/>
+          </a:prstGeom>
+          <a:ln>
+            <a:tailEnd type="triangle"/>
+          </a:ln>
+        </p:spPr>
+        <p:style>
+          <a:lnRef idx="1">
+            <a:schemeClr val="accent1"/>
+          </a:lnRef>
+          <a:fillRef idx="0">
+            <a:schemeClr val="accent1"/>
+          </a:fillRef>
+          <a:effectRef idx="0">
+            <a:schemeClr val="accent1"/>
+          </a:effectRef>
+          <a:fontRef idx="minor">
+            <a:schemeClr val="tx1"/>
+          </a:fontRef>
+        </p:style>
+      </p:cxnSp>
+      <p:cxnSp>
+        <p:nvCxnSpPr>
+          <p:cNvPr id="24" name="直接箭头连接符 23"/>
+          <p:cNvCxnSpPr>
+            <a:stCxn id="17" idx="2"/>
+            <a:endCxn id="19" idx="0"/>
+          </p:cNvCxnSpPr>
+          <p:nvPr/>
+        </p:nvCxnSpPr>
+        <p:spPr>
+          <a:xfrm flipH="1">
+            <a:off x="2211454" y="6356078"/>
+            <a:ext cx="1" cy="337931"/>
+          </a:xfrm>
+          <a:prstGeom prst="straightConnector1">
+            <a:avLst/>
+          </a:prstGeom>
+          <a:ln>
+            <a:tailEnd type="triangle"/>
+          </a:ln>
+        </p:spPr>
+        <p:style>
+          <a:lnRef idx="1">
+            <a:schemeClr val="accent1"/>
+          </a:lnRef>
+          <a:fillRef idx="0">
+            <a:schemeClr val="accent1"/>
+          </a:fillRef>
+          <a:effectRef idx="0">
+            <a:schemeClr val="accent1"/>
+          </a:effectRef>
+          <a:fontRef idx="minor">
+            <a:schemeClr val="tx1"/>
+          </a:fontRef>
+        </p:style>
+      </p:cxnSp>
+      <p:cxnSp>
+        <p:nvCxnSpPr>
+          <p:cNvPr id="25" name="直接箭头连接符 24"/>
+          <p:cNvCxnSpPr>
+            <a:stCxn id="19" idx="2"/>
+            <a:endCxn id="20" idx="0"/>
+          </p:cNvCxnSpPr>
+          <p:nvPr/>
+        </p:nvCxnSpPr>
+        <p:spPr>
+          <a:xfrm flipH="1">
+            <a:off x="2211453" y="7161148"/>
+            <a:ext cx="1" cy="308114"/>
+          </a:xfrm>
+          <a:prstGeom prst="straightConnector1">
+            <a:avLst/>
+          </a:prstGeom>
+          <a:ln>
+            <a:tailEnd type="triangle"/>
+          </a:ln>
+        </p:spPr>
+        <p:style>
+          <a:lnRef idx="1">
+            <a:schemeClr val="accent1"/>
+          </a:lnRef>
+          <a:fillRef idx="0">
+            <a:schemeClr val="accent1"/>
+          </a:fillRef>
+          <a:effectRef idx="0">
+            <a:schemeClr val="accent1"/>
+          </a:effectRef>
+          <a:fontRef idx="minor">
+            <a:schemeClr val="tx1"/>
+          </a:fontRef>
+        </p:style>
+      </p:cxnSp>
+      <p:sp>
+        <p:nvSpPr>
+          <p:cNvPr id="2" name="文本框 1"/>
+          <p:cNvSpPr txBox="1"/>
+          <p:nvPr/>
+        </p:nvSpPr>
+        <p:spPr>
+          <a:xfrm>
+            <a:off x="-1127587" y="-2321960"/>
+            <a:ext cx="461665" cy="16448926"/>
+          </a:xfrm>
+          <a:prstGeom prst="rect">
+            <a:avLst/>
+          </a:prstGeom>
+          <a:noFill/>
+        </p:spPr>
+        <p:txBody>
+          <a:bodyPr vert="eaVert" wrap="square" rtlCol="0">
+            <a:spAutoFit/>
+          </a:bodyPr>
+          <a:lstStyle/>
+          <a:p>
+            <a:r>
+              <a:rPr lang="en-US" altLang="zh-CN" dirty="0" smtClean="0"/>
+              <a:t>122222222222222222222222222222222222222222222222222222222222222222222222222222222222222222222222222222222222222</a:t>
+            </a:r>
+            <a:endParaRPr lang="zh-CN" altLang="en-US" dirty="0"/>
+          </a:p>
+        </p:txBody>
+      </p:sp>
+      <p:cxnSp>
+        <p:nvCxnSpPr>
+          <p:cNvPr id="9" name="直接连接符 8"/>
+          <p:cNvCxnSpPr/>
+          <p:nvPr/>
+        </p:nvCxnSpPr>
+        <p:spPr>
+          <a:xfrm flipH="1">
+            <a:off x="-1779104" y="-4452730"/>
+            <a:ext cx="9939" cy="20086982"/>
+          </a:xfrm>
+          <a:prstGeom prst="line">
+            <a:avLst/>
+          </a:prstGeom>
+        </p:spPr>
+        <p:style>
+          <a:lnRef idx="1">
+            <a:schemeClr val="accent1"/>
+          </a:lnRef>
+          <a:fillRef idx="0">
+            <a:schemeClr val="accent1"/>
+          </a:fillRef>
+          <a:effectRef idx="0">
+            <a:schemeClr val="accent1"/>
+          </a:effectRef>
+          <a:fontRef idx="minor">
+            <a:schemeClr val="tx1"/>
+          </a:fontRef>
+        </p:style>
+      </p:cxnSp>
+      <p:cxnSp>
+        <p:nvCxnSpPr>
+          <p:cNvPr id="30" name="直接箭头连接符 29"/>
+          <p:cNvCxnSpPr>
+            <a:stCxn id="8" idx="2"/>
+            <a:endCxn id="16" idx="0"/>
+          </p:cNvCxnSpPr>
+          <p:nvPr/>
+        </p:nvCxnSpPr>
+        <p:spPr>
+          <a:xfrm>
+            <a:off x="2211453" y="4705353"/>
+            <a:ext cx="0" cy="378516"/>
+          </a:xfrm>
+          <a:prstGeom prst="straightConnector1">
+            <a:avLst/>
+          </a:prstGeom>
+          <a:ln>
+            <a:tailEnd type="triangle"/>
+          </a:ln>
+        </p:spPr>
+        <p:style>
+          <a:lnRef idx="1">
+            <a:schemeClr val="accent1"/>
+          </a:lnRef>
+          <a:fillRef idx="0">
+            <a:schemeClr val="accent1"/>
+          </a:fillRef>
+          <a:effectRef idx="0">
+            <a:schemeClr val="accent1"/>
+          </a:effectRef>
+          <a:fontRef idx="minor">
+            <a:schemeClr val="tx1"/>
+          </a:fontRef>
+        </p:style>
+      </p:cxnSp>
+      <p:sp>
+        <p:nvSpPr>
+          <p:cNvPr id="31" name="矩形 30"/>
+          <p:cNvSpPr/>
+          <p:nvPr/>
+        </p:nvSpPr>
+        <p:spPr>
+          <a:xfrm>
+            <a:off x="710646" y="8186128"/>
+            <a:ext cx="3091071" cy="2312982"/>
+          </a:xfrm>
+          <a:prstGeom prst="rect">
+            <a:avLst/>
+          </a:prstGeom>
+          <a:solidFill>
+            <a:schemeClr val="bg1"/>
+          </a:solidFill>
+        </p:spPr>
+        <p:style>
+          <a:lnRef idx="2">
+            <a:schemeClr val="accent1">
+              <a:shade val="50000"/>
+            </a:schemeClr>
+          </a:lnRef>
+          <a:fillRef idx="1">
+            <a:schemeClr val="accent1"/>
+          </a:fillRef>
+          <a:effectRef idx="0">
+            <a:schemeClr val="accent1"/>
+          </a:effectRef>
+          <a:fontRef idx="minor">
+            <a:schemeClr val="lt1"/>
+          </a:fontRef>
+        </p:style>
+        <p:txBody>
+          <a:bodyPr rtlCol="0" anchor="ctr"/>
+          <a:lstStyle/>
+          <a:p>
+            <a:pPr algn="ctr"/>
+            <a:endParaRPr lang="zh-CN" altLang="en-US"/>
+          </a:p>
+        </p:txBody>
+      </p:sp>
+      <p:sp>
+        <p:nvSpPr>
+          <p:cNvPr id="32" name="矩形 31"/>
+          <p:cNvSpPr/>
+          <p:nvPr/>
+        </p:nvSpPr>
+        <p:spPr>
+          <a:xfrm>
+            <a:off x="1530622" y="8319962"/>
+            <a:ext cx="1361661" cy="467139"/>
+          </a:xfrm>
+          <a:prstGeom prst="rect">
+            <a:avLst/>
+          </a:prstGeom>
+        </p:spPr>
+        <p:style>
+          <a:lnRef idx="2">
+            <a:schemeClr val="dk1"/>
+          </a:lnRef>
+          <a:fillRef idx="1">
+            <a:schemeClr val="lt1"/>
+          </a:fillRef>
+          <a:effectRef idx="0">
+            <a:schemeClr val="dk1"/>
+          </a:effectRef>
+          <a:fontRef idx="minor">
+            <a:schemeClr val="dk1"/>
+          </a:fontRef>
+        </p:style>
+        <p:txBody>
+          <a:bodyPr rtlCol="0" anchor="ctr"/>
+          <a:lstStyle/>
+          <a:p>
+            <a:pPr algn="ctr"/>
+            <a:r>
+              <a:rPr lang="zh-CN" altLang="en-US" dirty="0" smtClean="0"/>
+              <a:t>字节代替</a:t>
+            </a:r>
+            <a:endParaRPr lang="zh-CN" altLang="en-US" dirty="0"/>
+          </a:p>
+        </p:txBody>
+      </p:sp>
+      <p:sp>
+        <p:nvSpPr>
+          <p:cNvPr id="33" name="矩形 32"/>
+          <p:cNvSpPr/>
+          <p:nvPr/>
+        </p:nvSpPr>
+        <p:spPr>
+          <a:xfrm>
+            <a:off x="1530624" y="9125032"/>
+            <a:ext cx="1361661" cy="467139"/>
+          </a:xfrm>
+          <a:prstGeom prst="rect">
+            <a:avLst/>
+          </a:prstGeom>
+        </p:spPr>
+        <p:style>
+          <a:lnRef idx="2">
+            <a:schemeClr val="dk1"/>
+          </a:lnRef>
+          <a:fillRef idx="1">
+            <a:schemeClr val="lt1"/>
+          </a:fillRef>
+          <a:effectRef idx="0">
+            <a:schemeClr val="dk1"/>
+          </a:effectRef>
+          <a:fontRef idx="minor">
+            <a:schemeClr val="dk1"/>
+          </a:fontRef>
+        </p:style>
+        <p:txBody>
+          <a:bodyPr rtlCol="0" anchor="ctr"/>
+          <a:lstStyle/>
+          <a:p>
+            <a:pPr algn="ctr"/>
+            <a:r>
+              <a:rPr lang="zh-CN" altLang="en-US" dirty="0" smtClean="0"/>
+              <a:t>行移位</a:t>
+            </a:r>
+            <a:endParaRPr lang="zh-CN" altLang="en-US" dirty="0"/>
+          </a:p>
+        </p:txBody>
+      </p:sp>
+      <p:sp>
+        <p:nvSpPr>
+          <p:cNvPr id="34" name="矩形 33"/>
+          <p:cNvSpPr/>
+          <p:nvPr/>
+        </p:nvSpPr>
+        <p:spPr>
+          <a:xfrm>
+            <a:off x="1530622" y="9918469"/>
+            <a:ext cx="1361661" cy="467139"/>
+          </a:xfrm>
+          <a:prstGeom prst="rect">
+            <a:avLst/>
+          </a:prstGeom>
+        </p:spPr>
+        <p:style>
+          <a:lnRef idx="2">
+            <a:schemeClr val="dk1"/>
+          </a:lnRef>
+          <a:fillRef idx="1">
+            <a:schemeClr val="lt1"/>
+          </a:fillRef>
+          <a:effectRef idx="0">
+            <a:schemeClr val="dk1"/>
+          </a:effectRef>
+          <a:fontRef idx="minor">
+            <a:schemeClr val="dk1"/>
+          </a:fontRef>
+        </p:style>
+        <p:txBody>
+          <a:bodyPr rtlCol="0" anchor="ctr"/>
+          <a:lstStyle/>
+          <a:p>
+            <a:pPr algn="ctr"/>
+            <a:r>
+              <a:rPr lang="zh-CN" altLang="en-US" dirty="0" smtClean="0"/>
+              <a:t>轮密钥</a:t>
+            </a:r>
+            <a:r>
+              <a:rPr lang="zh-CN" altLang="en-US" dirty="0"/>
+              <a:t>加</a:t>
+            </a:r>
+            <a:endParaRPr lang="zh-CN" altLang="en-US" dirty="0"/>
+          </a:p>
+        </p:txBody>
+      </p:sp>
+      <p:sp>
+        <p:nvSpPr>
+          <p:cNvPr id="36" name="文本框 35"/>
+          <p:cNvSpPr txBox="1"/>
+          <p:nvPr/>
+        </p:nvSpPr>
+        <p:spPr>
+          <a:xfrm>
+            <a:off x="710646" y="9155295"/>
+            <a:ext cx="969067" cy="369332"/>
+          </a:xfrm>
+          <a:prstGeom prst="rect">
+            <a:avLst/>
+          </a:prstGeom>
+          <a:noFill/>
+        </p:spPr>
+        <p:txBody>
+          <a:bodyPr wrap="square" rtlCol="0">
+            <a:spAutoFit/>
+          </a:bodyPr>
+          <a:lstStyle/>
+          <a:p>
+            <a:r>
+              <a:rPr lang="zh-CN" altLang="en-US" dirty="0" smtClean="0"/>
+              <a:t>第</a:t>
+            </a:r>
+            <a:r>
+              <a:rPr lang="en-US" altLang="zh-CN" dirty="0" smtClean="0"/>
+              <a:t>10</a:t>
+            </a:r>
+            <a:r>
+              <a:rPr lang="zh-CN" altLang="en-US" dirty="0" smtClean="0"/>
+              <a:t>轮</a:t>
+            </a:r>
+            <a:endParaRPr lang="zh-CN" altLang="en-US" dirty="0"/>
+          </a:p>
+        </p:txBody>
+      </p:sp>
+      <p:cxnSp>
+        <p:nvCxnSpPr>
+          <p:cNvPr id="37" name="直接箭头连接符 36"/>
+          <p:cNvCxnSpPr>
+            <a:stCxn id="32" idx="2"/>
+            <a:endCxn id="33" idx="0"/>
+          </p:cNvCxnSpPr>
+          <p:nvPr/>
+        </p:nvCxnSpPr>
+        <p:spPr>
+          <a:xfrm>
+            <a:off x="2211453" y="8787101"/>
+            <a:ext cx="2" cy="337931"/>
+          </a:xfrm>
+          <a:prstGeom prst="straightConnector1">
+            <a:avLst/>
+          </a:prstGeom>
+          <a:ln>
+            <a:tailEnd type="triangle"/>
+          </a:ln>
+        </p:spPr>
+        <p:style>
+          <a:lnRef idx="1">
+            <a:schemeClr val="accent1"/>
+          </a:lnRef>
+          <a:fillRef idx="0">
+            <a:schemeClr val="accent1"/>
+          </a:fillRef>
+          <a:effectRef idx="0">
+            <a:schemeClr val="accent1"/>
+          </a:effectRef>
+          <a:fontRef idx="minor">
+            <a:schemeClr val="tx1"/>
+          </a:fontRef>
+        </p:style>
+      </p:cxnSp>
+      <p:cxnSp>
+        <p:nvCxnSpPr>
+          <p:cNvPr id="38" name="直接箭头连接符 37"/>
+          <p:cNvCxnSpPr>
+            <a:stCxn id="33" idx="2"/>
+            <a:endCxn id="34" idx="0"/>
+          </p:cNvCxnSpPr>
+          <p:nvPr/>
+        </p:nvCxnSpPr>
+        <p:spPr>
+          <a:xfrm flipH="1">
+            <a:off x="2211453" y="9592171"/>
+            <a:ext cx="2" cy="326298"/>
+          </a:xfrm>
+          <a:prstGeom prst="straightConnector1">
+            <a:avLst/>
+          </a:prstGeom>
+          <a:ln>
+            <a:tailEnd type="triangle"/>
+          </a:ln>
+        </p:spPr>
+        <p:style>
+          <a:lnRef idx="1">
+            <a:schemeClr val="accent1"/>
+          </a:lnRef>
+          <a:fillRef idx="0">
+            <a:schemeClr val="accent1"/>
+          </a:fillRef>
+          <a:effectRef idx="0">
+            <a:schemeClr val="accent1"/>
+          </a:effectRef>
+          <a:fontRef idx="minor">
+            <a:schemeClr val="tx1"/>
+          </a:fontRef>
+        </p:style>
+      </p:cxnSp>
+      <p:cxnSp>
+        <p:nvCxnSpPr>
+          <p:cNvPr id="43" name="直接箭头连接符 42"/>
+          <p:cNvCxnSpPr>
+            <a:stCxn id="20" idx="2"/>
+            <a:endCxn id="32" idx="0"/>
+          </p:cNvCxnSpPr>
+          <p:nvPr/>
+        </p:nvCxnSpPr>
+        <p:spPr>
+          <a:xfrm>
+            <a:off x="2211453" y="7936401"/>
+            <a:ext cx="0" cy="383561"/>
+          </a:xfrm>
+          <a:prstGeom prst="straightConnector1">
+            <a:avLst/>
+          </a:prstGeom>
+          <a:ln>
+            <a:tailEnd type="triangle"/>
+          </a:ln>
+        </p:spPr>
+        <p:style>
+          <a:lnRef idx="1">
+            <a:schemeClr val="accent1"/>
+          </a:lnRef>
+          <a:fillRef idx="0">
+            <a:schemeClr val="accent1"/>
+          </a:fillRef>
+          <a:effectRef idx="0">
+            <a:schemeClr val="accent1"/>
+          </a:effectRef>
+          <a:fontRef idx="minor">
+            <a:schemeClr val="tx1"/>
+          </a:fontRef>
+        </p:style>
+      </p:cxnSp>
+      <p:cxnSp>
+        <p:nvCxnSpPr>
+          <p:cNvPr id="45" name="直接箭头连接符 44"/>
+          <p:cNvCxnSpPr>
+            <a:stCxn id="31" idx="2"/>
+          </p:cNvCxnSpPr>
+          <p:nvPr/>
+        </p:nvCxnSpPr>
+        <p:spPr>
+          <a:xfrm>
+            <a:off x="2256182" y="10499110"/>
+            <a:ext cx="0" cy="576470"/>
+          </a:xfrm>
+          <a:prstGeom prst="straightConnector1">
+            <a:avLst/>
+          </a:prstGeom>
+          <a:ln>
+            <a:tailEnd type="triangle"/>
+          </a:ln>
+        </p:spPr>
+        <p:style>
+          <a:lnRef idx="1">
+            <a:schemeClr val="accent1"/>
+          </a:lnRef>
+          <a:fillRef idx="0">
+            <a:schemeClr val="accent1"/>
+          </a:fillRef>
+          <a:effectRef idx="0">
+            <a:schemeClr val="accent1"/>
+          </a:effectRef>
+          <a:fontRef idx="minor">
+            <a:schemeClr val="tx1"/>
+          </a:fontRef>
+        </p:style>
+      </p:cxnSp>
+      <p:sp>
+        <p:nvSpPr>
+          <p:cNvPr id="46" name="文本框 45"/>
+          <p:cNvSpPr txBox="1"/>
+          <p:nvPr/>
+        </p:nvSpPr>
+        <p:spPr>
+          <a:xfrm>
+            <a:off x="1679713" y="11098945"/>
+            <a:ext cx="1212569" cy="369332"/>
+          </a:xfrm>
+          <a:prstGeom prst="rect">
+            <a:avLst/>
+          </a:prstGeom>
+          <a:noFill/>
+        </p:spPr>
+        <p:txBody>
+          <a:bodyPr wrap="square" rtlCol="0">
+            <a:spAutoFit/>
+          </a:bodyPr>
+          <a:lstStyle/>
+          <a:p>
+            <a:pPr algn="ctr"/>
+            <a:r>
+              <a:rPr lang="zh-CN" altLang="en-US" dirty="0"/>
+              <a:t>密文</a:t>
+            </a:r>
+          </a:p>
+        </p:txBody>
+      </p:sp>
+      <p:cxnSp>
+        <p:nvCxnSpPr>
+          <p:cNvPr id="50" name="直接箭头连接符 49"/>
+          <p:cNvCxnSpPr>
+            <a:stCxn id="21" idx="2"/>
+            <a:endCxn id="5" idx="0"/>
+          </p:cNvCxnSpPr>
+          <p:nvPr/>
+        </p:nvCxnSpPr>
+        <p:spPr>
+          <a:xfrm>
+            <a:off x="2211452" y="1572956"/>
+            <a:ext cx="1" cy="279865"/>
+          </a:xfrm>
+          <a:prstGeom prst="straightConnector1">
+            <a:avLst/>
+          </a:prstGeom>
+          <a:ln>
+            <a:tailEnd type="triangle"/>
+          </a:ln>
+        </p:spPr>
+        <p:style>
+          <a:lnRef idx="1">
+            <a:schemeClr val="accent1"/>
+          </a:lnRef>
+          <a:fillRef idx="0">
+            <a:schemeClr val="accent1"/>
+          </a:fillRef>
+          <a:effectRef idx="0">
+            <a:schemeClr val="accent1"/>
+          </a:effectRef>
+          <a:fontRef idx="minor">
+            <a:schemeClr val="tx1"/>
+          </a:fontRef>
+        </p:style>
+      </p:cxnSp>
+      <p:sp>
+        <p:nvSpPr>
+          <p:cNvPr id="51" name="文本框 50"/>
+          <p:cNvSpPr txBox="1"/>
+          <p:nvPr/>
+        </p:nvSpPr>
+        <p:spPr>
+          <a:xfrm>
+            <a:off x="1749279" y="-7653"/>
+            <a:ext cx="924344" cy="646331"/>
+          </a:xfrm>
+          <a:prstGeom prst="rect">
+            <a:avLst/>
+          </a:prstGeom>
+          <a:noFill/>
+        </p:spPr>
+        <p:txBody>
+          <a:bodyPr wrap="square" rtlCol="0">
+            <a:spAutoFit/>
+          </a:bodyPr>
+          <a:lstStyle/>
+          <a:p>
+            <a:pPr algn="ctr"/>
+            <a:r>
+              <a:rPr lang="zh-CN" altLang="en-US" dirty="0" smtClean="0"/>
+              <a:t>明文</a:t>
+            </a:r>
+            <a:endParaRPr lang="en-US" altLang="zh-CN" dirty="0"/>
+          </a:p>
+          <a:p>
+            <a:pPr algn="ctr"/>
+            <a:r>
+              <a:rPr lang="en-US" altLang="zh-CN" dirty="0" smtClean="0"/>
+              <a:t>16</a:t>
+            </a:r>
+            <a:r>
+              <a:rPr lang="zh-CN" altLang="en-US" dirty="0" smtClean="0"/>
+              <a:t>字节</a:t>
+            </a:r>
+            <a:endParaRPr lang="zh-CN" altLang="en-US" dirty="0"/>
+          </a:p>
+        </p:txBody>
+      </p:sp>
+      <p:cxnSp>
+        <p:nvCxnSpPr>
+          <p:cNvPr id="53" name="直接箭头连接符 52"/>
+          <p:cNvCxnSpPr>
+            <a:stCxn id="51" idx="2"/>
+            <a:endCxn id="21" idx="0"/>
+          </p:cNvCxnSpPr>
+          <p:nvPr/>
+        </p:nvCxnSpPr>
+        <p:spPr>
+          <a:xfrm>
+            <a:off x="2211451" y="638678"/>
+            <a:ext cx="1" cy="467139"/>
+          </a:xfrm>
+          <a:prstGeom prst="straightConnector1">
+            <a:avLst/>
+          </a:prstGeom>
+          <a:ln>
+            <a:tailEnd type="triangle"/>
+          </a:ln>
+        </p:spPr>
+        <p:style>
+          <a:lnRef idx="1">
+            <a:schemeClr val="accent1"/>
+          </a:lnRef>
+          <a:fillRef idx="0">
+            <a:schemeClr val="accent1"/>
+          </a:fillRef>
+          <a:effectRef idx="0">
+            <a:schemeClr val="accent1"/>
+          </a:effectRef>
+          <a:fontRef idx="minor">
+            <a:schemeClr val="tx1"/>
+          </a:fontRef>
+        </p:style>
+      </p:cxnSp>
+      <p:sp>
+        <p:nvSpPr>
+          <p:cNvPr id="55" name="矩形 54"/>
+          <p:cNvSpPr/>
+          <p:nvPr/>
+        </p:nvSpPr>
+        <p:spPr>
+          <a:xfrm>
+            <a:off x="4160762" y="0"/>
+            <a:ext cx="1361661" cy="467139"/>
+          </a:xfrm>
+          <a:prstGeom prst="rect">
+            <a:avLst/>
+          </a:prstGeom>
+        </p:spPr>
+        <p:style>
+          <a:lnRef idx="2">
+            <a:schemeClr val="dk1"/>
+          </a:lnRef>
+          <a:fillRef idx="1">
+            <a:schemeClr val="lt1"/>
+          </a:fillRef>
+          <a:effectRef idx="0">
+            <a:schemeClr val="dk1"/>
+          </a:effectRef>
+          <a:fontRef idx="minor">
+            <a:schemeClr val="dk1"/>
+          </a:fontRef>
+        </p:style>
+        <p:txBody>
+          <a:bodyPr rtlCol="0" anchor="ctr"/>
+          <a:lstStyle/>
+          <a:p>
+            <a:pPr algn="ctr"/>
+            <a:r>
+              <a:rPr lang="zh-CN" altLang="en-US" dirty="0"/>
+              <a:t>轮</a:t>
+            </a:r>
+            <a:r>
+              <a:rPr lang="zh-CN" altLang="en-US" dirty="0" smtClean="0"/>
+              <a:t>密钥</a:t>
+            </a:r>
+            <a:r>
+              <a:rPr lang="zh-CN" altLang="en-US" dirty="0" smtClean="0"/>
+              <a:t>加</a:t>
+            </a:r>
+            <a:endParaRPr lang="zh-CN" altLang="en-US" dirty="0"/>
+          </a:p>
+        </p:txBody>
+      </p:sp>
+      <p:sp>
+        <p:nvSpPr>
+          <p:cNvPr id="57" name="矩形 56"/>
+          <p:cNvSpPr/>
+          <p:nvPr/>
+        </p:nvSpPr>
+        <p:spPr>
+          <a:xfrm>
+            <a:off x="5998259" y="964096"/>
+            <a:ext cx="2946957" cy="2300454"/>
+          </a:xfrm>
+          <a:prstGeom prst="rect">
+            <a:avLst/>
+          </a:prstGeom>
+          <a:solidFill>
+            <a:schemeClr val="bg1"/>
+          </a:solidFill>
+        </p:spPr>
+        <p:style>
+          <a:lnRef idx="2">
+            <a:schemeClr val="accent1">
+              <a:shade val="50000"/>
+            </a:schemeClr>
+          </a:lnRef>
+          <a:fillRef idx="1">
+            <a:schemeClr val="accent1"/>
+          </a:fillRef>
+          <a:effectRef idx="0">
+            <a:schemeClr val="accent1"/>
+          </a:effectRef>
+          <a:fontRef idx="minor">
+            <a:schemeClr val="lt1"/>
+          </a:fontRef>
+        </p:style>
+        <p:txBody>
+          <a:bodyPr rtlCol="0" anchor="ctr"/>
+          <a:lstStyle/>
+          <a:p>
+            <a:pPr algn="ctr"/>
+            <a:endParaRPr lang="zh-CN" altLang="en-US"/>
+          </a:p>
+        </p:txBody>
+      </p:sp>
+      <p:sp>
+        <p:nvSpPr>
+          <p:cNvPr id="58" name="矩形 57"/>
+          <p:cNvSpPr/>
+          <p:nvPr/>
+        </p:nvSpPr>
+        <p:spPr>
+          <a:xfrm>
+            <a:off x="6790905" y="1108399"/>
+            <a:ext cx="1361661" cy="467139"/>
+          </a:xfrm>
+          <a:prstGeom prst="rect">
+            <a:avLst/>
+          </a:prstGeom>
+        </p:spPr>
+        <p:style>
+          <a:lnRef idx="2">
+            <a:schemeClr val="dk1"/>
+          </a:lnRef>
+          <a:fillRef idx="1">
+            <a:schemeClr val="lt1"/>
+          </a:fillRef>
+          <a:effectRef idx="0">
+            <a:schemeClr val="dk1"/>
+          </a:effectRef>
+          <a:fontRef idx="minor">
+            <a:schemeClr val="dk1"/>
+          </a:fontRef>
+        </p:style>
+        <p:txBody>
+          <a:bodyPr rtlCol="0" anchor="ctr"/>
+          <a:lstStyle/>
+          <a:p>
+            <a:pPr algn="ctr"/>
+            <a:r>
+              <a:rPr lang="zh-CN" altLang="en-US" dirty="0" smtClean="0"/>
+              <a:t>轮密钥加</a:t>
+            </a:r>
+            <a:endParaRPr lang="zh-CN" altLang="en-US" dirty="0"/>
+          </a:p>
+        </p:txBody>
+      </p:sp>
+      <p:sp>
+        <p:nvSpPr>
+          <p:cNvPr id="59" name="矩形 58"/>
+          <p:cNvSpPr/>
+          <p:nvPr/>
+        </p:nvSpPr>
+        <p:spPr>
+          <a:xfrm>
+            <a:off x="6790904" y="1852821"/>
+            <a:ext cx="1361661" cy="467139"/>
+          </a:xfrm>
+          <a:prstGeom prst="rect">
+            <a:avLst/>
+          </a:prstGeom>
+        </p:spPr>
+        <p:style>
+          <a:lnRef idx="2">
+            <a:schemeClr val="dk1"/>
+          </a:lnRef>
+          <a:fillRef idx="1">
+            <a:schemeClr val="lt1"/>
+          </a:fillRef>
+          <a:effectRef idx="0">
+            <a:schemeClr val="dk1"/>
+          </a:effectRef>
+          <a:fontRef idx="minor">
+            <a:schemeClr val="dk1"/>
+          </a:fontRef>
+        </p:style>
+        <p:txBody>
+          <a:bodyPr rtlCol="0" anchor="ctr"/>
+          <a:lstStyle/>
+          <a:p>
+            <a:pPr algn="ctr"/>
+            <a:r>
+              <a:rPr lang="zh-CN" altLang="en-US" dirty="0" smtClean="0"/>
+              <a:t>逆字节代替</a:t>
+            </a:r>
+            <a:endParaRPr lang="zh-CN" altLang="en-US" dirty="0"/>
+          </a:p>
+        </p:txBody>
+      </p:sp>
+      <p:sp>
+        <p:nvSpPr>
+          <p:cNvPr id="60" name="矩形 59"/>
+          <p:cNvSpPr/>
+          <p:nvPr/>
+        </p:nvSpPr>
+        <p:spPr>
+          <a:xfrm>
+            <a:off x="6790906" y="2644393"/>
+            <a:ext cx="1361661" cy="467139"/>
+          </a:xfrm>
+          <a:prstGeom prst="rect">
+            <a:avLst/>
+          </a:prstGeom>
+        </p:spPr>
+        <p:style>
+          <a:lnRef idx="2">
+            <a:schemeClr val="dk1"/>
+          </a:lnRef>
+          <a:fillRef idx="1">
+            <a:schemeClr val="lt1"/>
+          </a:fillRef>
+          <a:effectRef idx="0">
+            <a:schemeClr val="dk1"/>
+          </a:effectRef>
+          <a:fontRef idx="minor">
+            <a:schemeClr val="dk1"/>
+          </a:fontRef>
+        </p:style>
+        <p:txBody>
+          <a:bodyPr rtlCol="0" anchor="ctr"/>
+          <a:lstStyle/>
+          <a:p>
+            <a:pPr algn="ctr"/>
+            <a:r>
+              <a:rPr lang="zh-CN" altLang="en-US" dirty="0" smtClean="0"/>
+              <a:t>逆行移位</a:t>
+            </a:r>
+            <a:endParaRPr lang="zh-CN" altLang="en-US" dirty="0"/>
+          </a:p>
+        </p:txBody>
+      </p:sp>
+      <p:sp>
+        <p:nvSpPr>
+          <p:cNvPr id="61" name="文本框 60"/>
+          <p:cNvSpPr txBox="1"/>
+          <p:nvPr/>
+        </p:nvSpPr>
+        <p:spPr>
+          <a:xfrm>
+            <a:off x="5938628" y="1898368"/>
+            <a:ext cx="969067" cy="369332"/>
+          </a:xfrm>
+          <a:prstGeom prst="rect">
+            <a:avLst/>
+          </a:prstGeom>
+          <a:noFill/>
+        </p:spPr>
+        <p:txBody>
+          <a:bodyPr wrap="square" rtlCol="0">
+            <a:spAutoFit/>
+          </a:bodyPr>
+          <a:lstStyle/>
+          <a:p>
+            <a:r>
+              <a:rPr lang="zh-CN" altLang="en-US" dirty="0" smtClean="0"/>
+              <a:t>第</a:t>
+            </a:r>
+            <a:r>
+              <a:rPr lang="en-US" altLang="zh-CN" dirty="0" smtClean="0"/>
+              <a:t>10</a:t>
+            </a:r>
+            <a:r>
+              <a:rPr lang="zh-CN" altLang="en-US" dirty="0" smtClean="0"/>
+              <a:t>轮</a:t>
+            </a:r>
+            <a:endParaRPr lang="zh-CN" altLang="en-US" dirty="0"/>
+          </a:p>
+        </p:txBody>
+      </p:sp>
+      <p:sp>
+        <p:nvSpPr>
+          <p:cNvPr id="73" name="矩形 72"/>
+          <p:cNvSpPr/>
+          <p:nvPr/>
+        </p:nvSpPr>
+        <p:spPr>
+          <a:xfrm>
+            <a:off x="5998260" y="6620714"/>
+            <a:ext cx="2946957" cy="3130827"/>
+          </a:xfrm>
+          <a:prstGeom prst="rect">
+            <a:avLst/>
+          </a:prstGeom>
+          <a:solidFill>
+            <a:schemeClr val="bg1"/>
+          </a:solidFill>
+        </p:spPr>
+        <p:style>
+          <a:lnRef idx="2">
+            <a:schemeClr val="accent1">
+              <a:shade val="50000"/>
+            </a:schemeClr>
+          </a:lnRef>
+          <a:fillRef idx="1">
+            <a:schemeClr val="accent1"/>
+          </a:fillRef>
+          <a:effectRef idx="0">
+            <a:schemeClr val="accent1"/>
+          </a:effectRef>
+          <a:fontRef idx="minor">
+            <a:schemeClr val="lt1"/>
+          </a:fontRef>
+        </p:style>
+        <p:txBody>
+          <a:bodyPr rtlCol="0" anchor="ctr"/>
+          <a:lstStyle/>
+          <a:p>
+            <a:pPr algn="ctr"/>
+            <a:endParaRPr lang="zh-CN" altLang="en-US"/>
+          </a:p>
+        </p:txBody>
+      </p:sp>
+      <p:sp>
+        <p:nvSpPr>
+          <p:cNvPr id="74" name="矩形 73"/>
+          <p:cNvSpPr/>
+          <p:nvPr/>
+        </p:nvSpPr>
+        <p:spPr>
+          <a:xfrm>
+            <a:off x="6815743" y="6694009"/>
+            <a:ext cx="1361661" cy="467139"/>
+          </a:xfrm>
+          <a:prstGeom prst="rect">
+            <a:avLst/>
+          </a:prstGeom>
+        </p:spPr>
+        <p:style>
+          <a:lnRef idx="2">
+            <a:schemeClr val="dk1"/>
+          </a:lnRef>
+          <a:fillRef idx="1">
+            <a:schemeClr val="lt1"/>
+          </a:fillRef>
+          <a:effectRef idx="0">
+            <a:schemeClr val="dk1"/>
+          </a:effectRef>
+          <a:fontRef idx="minor">
+            <a:schemeClr val="dk1"/>
+          </a:fontRef>
+        </p:style>
+        <p:txBody>
+          <a:bodyPr rtlCol="0" anchor="ctr"/>
+          <a:lstStyle/>
+          <a:p>
+            <a:pPr algn="ctr"/>
+            <a:r>
+              <a:rPr lang="zh-CN" altLang="en-US" dirty="0" smtClean="0"/>
+              <a:t>逆列混淆</a:t>
+            </a:r>
+            <a:endParaRPr lang="zh-CN" altLang="en-US" dirty="0"/>
+          </a:p>
+        </p:txBody>
+      </p:sp>
+      <p:sp>
+        <p:nvSpPr>
+          <p:cNvPr id="75" name="矩形 74"/>
+          <p:cNvSpPr/>
+          <p:nvPr/>
+        </p:nvSpPr>
+        <p:spPr>
+          <a:xfrm>
+            <a:off x="6815743" y="7469262"/>
+            <a:ext cx="1361661" cy="467139"/>
+          </a:xfrm>
+          <a:prstGeom prst="rect">
+            <a:avLst/>
+          </a:prstGeom>
+        </p:spPr>
+        <p:style>
+          <a:lnRef idx="2">
+            <a:schemeClr val="dk1"/>
+          </a:lnRef>
+          <a:fillRef idx="1">
+            <a:schemeClr val="lt1"/>
+          </a:fillRef>
+          <a:effectRef idx="0">
+            <a:schemeClr val="dk1"/>
+          </a:effectRef>
+          <a:fontRef idx="minor">
+            <a:schemeClr val="dk1"/>
+          </a:fontRef>
+        </p:style>
+        <p:txBody>
+          <a:bodyPr rtlCol="0" anchor="ctr"/>
+          <a:lstStyle/>
+          <a:p>
+            <a:pPr algn="ctr"/>
+            <a:r>
+              <a:rPr lang="zh-CN" altLang="en-US" dirty="0" smtClean="0"/>
+              <a:t>轮密钥加</a:t>
+            </a:r>
+            <a:endParaRPr lang="zh-CN" altLang="en-US" dirty="0"/>
+          </a:p>
+        </p:txBody>
+      </p:sp>
+      <p:sp>
+        <p:nvSpPr>
+          <p:cNvPr id="76" name="矩形 75"/>
+          <p:cNvSpPr/>
+          <p:nvPr/>
+        </p:nvSpPr>
+        <p:spPr>
+          <a:xfrm>
+            <a:off x="6815744" y="8319961"/>
+            <a:ext cx="1361660" cy="467139"/>
+          </a:xfrm>
+          <a:prstGeom prst="rect">
+            <a:avLst/>
+          </a:prstGeom>
+        </p:spPr>
+        <p:style>
+          <a:lnRef idx="2">
+            <a:schemeClr val="dk1"/>
+          </a:lnRef>
+          <a:fillRef idx="1">
+            <a:schemeClr val="lt1"/>
+          </a:fillRef>
+          <a:effectRef idx="0">
+            <a:schemeClr val="dk1"/>
+          </a:effectRef>
+          <a:fontRef idx="minor">
+            <a:schemeClr val="dk1"/>
+          </a:fontRef>
+        </p:style>
+        <p:txBody>
+          <a:bodyPr rtlCol="0" anchor="ctr"/>
+          <a:lstStyle/>
+          <a:p>
+            <a:pPr algn="ctr"/>
+            <a:r>
+              <a:rPr lang="zh-CN" altLang="en-US" dirty="0" smtClean="0"/>
+              <a:t>逆字节代替</a:t>
+            </a:r>
+            <a:endParaRPr lang="zh-CN" altLang="en-US" dirty="0"/>
+          </a:p>
+        </p:txBody>
+      </p:sp>
+      <p:sp>
+        <p:nvSpPr>
+          <p:cNvPr id="77" name="矩形 76"/>
+          <p:cNvSpPr/>
+          <p:nvPr/>
+        </p:nvSpPr>
+        <p:spPr>
+          <a:xfrm>
+            <a:off x="6815742" y="9125031"/>
+            <a:ext cx="1361661" cy="467139"/>
+          </a:xfrm>
+          <a:prstGeom prst="rect">
+            <a:avLst/>
+          </a:prstGeom>
+        </p:spPr>
+        <p:style>
+          <a:lnRef idx="2">
+            <a:schemeClr val="dk1"/>
+          </a:lnRef>
+          <a:fillRef idx="1">
+            <a:schemeClr val="lt1"/>
+          </a:fillRef>
+          <a:effectRef idx="0">
+            <a:schemeClr val="dk1"/>
+          </a:effectRef>
+          <a:fontRef idx="minor">
+            <a:schemeClr val="dk1"/>
+          </a:fontRef>
+        </p:style>
+        <p:txBody>
+          <a:bodyPr rtlCol="0" anchor="ctr"/>
+          <a:lstStyle/>
+          <a:p>
+            <a:pPr algn="ctr"/>
+            <a:r>
+              <a:rPr lang="zh-CN" altLang="en-US" dirty="0" smtClean="0"/>
+              <a:t>逆行位移</a:t>
+            </a:r>
+            <a:endParaRPr lang="zh-CN" altLang="en-US" dirty="0"/>
+          </a:p>
+        </p:txBody>
+      </p:sp>
+      <p:sp>
+        <p:nvSpPr>
+          <p:cNvPr id="78" name="文本框 77"/>
+          <p:cNvSpPr txBox="1"/>
+          <p:nvPr/>
+        </p:nvSpPr>
+        <p:spPr>
+          <a:xfrm>
+            <a:off x="5998260" y="7950629"/>
+            <a:ext cx="775248" cy="369332"/>
+          </a:xfrm>
+          <a:prstGeom prst="rect">
+            <a:avLst/>
+          </a:prstGeom>
+          <a:noFill/>
+        </p:spPr>
+        <p:txBody>
+          <a:bodyPr wrap="square" rtlCol="0">
+            <a:spAutoFit/>
+          </a:bodyPr>
+          <a:lstStyle/>
+          <a:p>
+            <a:r>
+              <a:rPr lang="zh-CN" altLang="en-US" dirty="0" smtClean="0"/>
+              <a:t>第</a:t>
+            </a:r>
+            <a:r>
+              <a:rPr lang="en-US" altLang="zh-CN" dirty="0" smtClean="0"/>
+              <a:t>1</a:t>
+            </a:r>
+            <a:r>
+              <a:rPr lang="zh-CN" altLang="en-US" dirty="0" smtClean="0"/>
+              <a:t>轮</a:t>
+            </a:r>
+            <a:endParaRPr lang="zh-CN" altLang="en-US" dirty="0"/>
+          </a:p>
+        </p:txBody>
+      </p:sp>
+      <p:sp>
+        <p:nvSpPr>
+          <p:cNvPr id="91" name="矩形 90"/>
+          <p:cNvSpPr/>
+          <p:nvPr/>
+        </p:nvSpPr>
+        <p:spPr>
+          <a:xfrm>
+            <a:off x="6815741" y="9918468"/>
+            <a:ext cx="1361661" cy="467139"/>
+          </a:xfrm>
+          <a:prstGeom prst="rect">
+            <a:avLst/>
+          </a:prstGeom>
+        </p:spPr>
+        <p:style>
+          <a:lnRef idx="2">
+            <a:schemeClr val="dk1"/>
+          </a:lnRef>
+          <a:fillRef idx="1">
+            <a:schemeClr val="lt1"/>
+          </a:fillRef>
+          <a:effectRef idx="0">
+            <a:schemeClr val="dk1"/>
+          </a:effectRef>
+          <a:fontRef idx="minor">
+            <a:schemeClr val="dk1"/>
+          </a:fontRef>
+        </p:style>
+        <p:txBody>
+          <a:bodyPr rtlCol="0" anchor="ctr"/>
+          <a:lstStyle/>
+          <a:p>
+            <a:pPr algn="ctr"/>
+            <a:r>
+              <a:rPr lang="zh-CN" altLang="en-US" dirty="0"/>
+              <a:t>轮</a:t>
+            </a:r>
+            <a:r>
+              <a:rPr lang="zh-CN" altLang="en-US" dirty="0" smtClean="0"/>
+              <a:t>密钥</a:t>
+            </a:r>
+            <a:r>
+              <a:rPr lang="zh-CN" altLang="en-US" dirty="0" smtClean="0"/>
+              <a:t>加</a:t>
+            </a:r>
+            <a:endParaRPr lang="zh-CN" altLang="en-US" dirty="0"/>
+          </a:p>
+        </p:txBody>
+      </p:sp>
+      <p:sp>
+        <p:nvSpPr>
+          <p:cNvPr id="97" name="矩形 96"/>
+          <p:cNvSpPr/>
+          <p:nvPr/>
+        </p:nvSpPr>
+        <p:spPr>
+          <a:xfrm>
+            <a:off x="5998260" y="3383035"/>
+            <a:ext cx="2946957" cy="3130827"/>
+          </a:xfrm>
+          <a:prstGeom prst="rect">
+            <a:avLst/>
+          </a:prstGeom>
+          <a:solidFill>
+            <a:schemeClr val="bg1"/>
+          </a:solidFill>
+        </p:spPr>
+        <p:style>
+          <a:lnRef idx="2">
+            <a:schemeClr val="accent1">
+              <a:shade val="50000"/>
+            </a:schemeClr>
+          </a:lnRef>
+          <a:fillRef idx="1">
+            <a:schemeClr val="accent1"/>
+          </a:fillRef>
+          <a:effectRef idx="0">
+            <a:schemeClr val="accent1"/>
+          </a:effectRef>
+          <a:fontRef idx="minor">
+            <a:schemeClr val="lt1"/>
+          </a:fontRef>
+        </p:style>
+        <p:txBody>
+          <a:bodyPr rtlCol="0" anchor="ctr"/>
+          <a:lstStyle/>
+          <a:p>
+            <a:pPr algn="ctr"/>
+            <a:endParaRPr lang="zh-CN" altLang="en-US"/>
+          </a:p>
+        </p:txBody>
+      </p:sp>
+      <p:sp>
+        <p:nvSpPr>
+          <p:cNvPr id="98" name="矩形 97"/>
+          <p:cNvSpPr/>
+          <p:nvPr/>
+        </p:nvSpPr>
+        <p:spPr>
+          <a:xfrm>
+            <a:off x="6815743" y="3456330"/>
+            <a:ext cx="1361661" cy="467139"/>
+          </a:xfrm>
+          <a:prstGeom prst="rect">
+            <a:avLst/>
+          </a:prstGeom>
+        </p:spPr>
+        <p:style>
+          <a:lnRef idx="2">
+            <a:schemeClr val="dk1"/>
+          </a:lnRef>
+          <a:fillRef idx="1">
+            <a:schemeClr val="lt1"/>
+          </a:fillRef>
+          <a:effectRef idx="0">
+            <a:schemeClr val="dk1"/>
+          </a:effectRef>
+          <a:fontRef idx="minor">
+            <a:schemeClr val="dk1"/>
+          </a:fontRef>
+        </p:style>
+        <p:txBody>
+          <a:bodyPr rtlCol="0" anchor="ctr"/>
+          <a:lstStyle/>
+          <a:p>
+            <a:pPr algn="ctr"/>
+            <a:r>
+              <a:rPr lang="zh-CN" altLang="en-US" dirty="0" smtClean="0"/>
+              <a:t>逆列混淆</a:t>
+            </a:r>
+            <a:endParaRPr lang="zh-CN" altLang="en-US" dirty="0"/>
+          </a:p>
+        </p:txBody>
+      </p:sp>
+      <p:sp>
+        <p:nvSpPr>
+          <p:cNvPr id="99" name="矩形 98"/>
+          <p:cNvSpPr/>
+          <p:nvPr/>
+        </p:nvSpPr>
+        <p:spPr>
+          <a:xfrm>
+            <a:off x="6815743" y="4231583"/>
+            <a:ext cx="1361661" cy="467139"/>
+          </a:xfrm>
+          <a:prstGeom prst="rect">
+            <a:avLst/>
+          </a:prstGeom>
+        </p:spPr>
+        <p:style>
+          <a:lnRef idx="2">
+            <a:schemeClr val="dk1"/>
+          </a:lnRef>
+          <a:fillRef idx="1">
+            <a:schemeClr val="lt1"/>
+          </a:fillRef>
+          <a:effectRef idx="0">
+            <a:schemeClr val="dk1"/>
+          </a:effectRef>
+          <a:fontRef idx="minor">
+            <a:schemeClr val="dk1"/>
+          </a:fontRef>
+        </p:style>
+        <p:txBody>
+          <a:bodyPr rtlCol="0" anchor="ctr"/>
+          <a:lstStyle/>
+          <a:p>
+            <a:pPr algn="ctr"/>
+            <a:r>
+              <a:rPr lang="zh-CN" altLang="en-US" dirty="0" smtClean="0"/>
+              <a:t>轮密钥加</a:t>
+            </a:r>
+            <a:endParaRPr lang="zh-CN" altLang="en-US" dirty="0"/>
+          </a:p>
+        </p:txBody>
+      </p:sp>
+      <p:sp>
+        <p:nvSpPr>
+          <p:cNvPr id="100" name="矩形 99"/>
+          <p:cNvSpPr/>
+          <p:nvPr/>
+        </p:nvSpPr>
+        <p:spPr>
+          <a:xfrm>
+            <a:off x="6815744" y="5082282"/>
+            <a:ext cx="1361660" cy="467139"/>
+          </a:xfrm>
+          <a:prstGeom prst="rect">
+            <a:avLst/>
+          </a:prstGeom>
+        </p:spPr>
+        <p:style>
+          <a:lnRef idx="2">
+            <a:schemeClr val="dk1"/>
+          </a:lnRef>
+          <a:fillRef idx="1">
+            <a:schemeClr val="lt1"/>
+          </a:fillRef>
+          <a:effectRef idx="0">
+            <a:schemeClr val="dk1"/>
+          </a:effectRef>
+          <a:fontRef idx="minor">
+            <a:schemeClr val="dk1"/>
+          </a:fontRef>
+        </p:style>
+        <p:txBody>
+          <a:bodyPr rtlCol="0" anchor="ctr"/>
+          <a:lstStyle/>
+          <a:p>
+            <a:pPr algn="ctr"/>
+            <a:r>
+              <a:rPr lang="zh-CN" altLang="en-US" dirty="0" smtClean="0"/>
+              <a:t>逆字节代替</a:t>
+            </a:r>
+            <a:endParaRPr lang="zh-CN" altLang="en-US" dirty="0"/>
+          </a:p>
+        </p:txBody>
+      </p:sp>
+      <p:sp>
+        <p:nvSpPr>
+          <p:cNvPr id="101" name="矩形 100"/>
+          <p:cNvSpPr/>
+          <p:nvPr/>
+        </p:nvSpPr>
+        <p:spPr>
+          <a:xfrm>
+            <a:off x="6815742" y="5887352"/>
+            <a:ext cx="1361661" cy="467139"/>
+          </a:xfrm>
+          <a:prstGeom prst="rect">
+            <a:avLst/>
+          </a:prstGeom>
+        </p:spPr>
+        <p:style>
+          <a:lnRef idx="2">
+            <a:schemeClr val="dk1"/>
+          </a:lnRef>
+          <a:fillRef idx="1">
+            <a:schemeClr val="lt1"/>
+          </a:fillRef>
+          <a:effectRef idx="0">
+            <a:schemeClr val="dk1"/>
+          </a:effectRef>
+          <a:fontRef idx="minor">
+            <a:schemeClr val="dk1"/>
+          </a:fontRef>
+        </p:style>
+        <p:txBody>
+          <a:bodyPr rtlCol="0" anchor="ctr"/>
+          <a:lstStyle/>
+          <a:p>
+            <a:pPr algn="ctr"/>
+            <a:r>
+              <a:rPr lang="zh-CN" altLang="en-US" dirty="0" smtClean="0"/>
+              <a:t>逆行位移</a:t>
+            </a:r>
+            <a:endParaRPr lang="zh-CN" altLang="en-US" dirty="0"/>
+          </a:p>
+        </p:txBody>
+      </p:sp>
+      <p:sp>
+        <p:nvSpPr>
+          <p:cNvPr id="102" name="文本框 101"/>
+          <p:cNvSpPr txBox="1"/>
+          <p:nvPr/>
+        </p:nvSpPr>
+        <p:spPr>
+          <a:xfrm>
+            <a:off x="5998260" y="4712950"/>
+            <a:ext cx="775248" cy="369332"/>
+          </a:xfrm>
+          <a:prstGeom prst="rect">
+            <a:avLst/>
+          </a:prstGeom>
+          <a:noFill/>
+        </p:spPr>
+        <p:txBody>
+          <a:bodyPr wrap="square" rtlCol="0">
+            <a:spAutoFit/>
+          </a:bodyPr>
+          <a:lstStyle/>
+          <a:p>
+            <a:r>
+              <a:rPr lang="zh-CN" altLang="en-US" dirty="0" smtClean="0"/>
+              <a:t>第</a:t>
+            </a:r>
+            <a:r>
+              <a:rPr lang="en-US" altLang="zh-CN" dirty="0"/>
+              <a:t>9</a:t>
+            </a:r>
+            <a:r>
+              <a:rPr lang="zh-CN" altLang="en-US" dirty="0" smtClean="0"/>
+              <a:t>轮</a:t>
+            </a:r>
+            <a:endParaRPr lang="zh-CN" altLang="en-US" dirty="0"/>
+          </a:p>
+        </p:txBody>
+      </p:sp>
+      <p:sp>
+        <p:nvSpPr>
+          <p:cNvPr id="114" name="文本框 113"/>
+          <p:cNvSpPr txBox="1"/>
+          <p:nvPr/>
+        </p:nvSpPr>
+        <p:spPr>
+          <a:xfrm>
+            <a:off x="7009563" y="-33211"/>
+            <a:ext cx="924344" cy="646331"/>
+          </a:xfrm>
+          <a:prstGeom prst="rect">
+            <a:avLst/>
+          </a:prstGeom>
+          <a:noFill/>
+        </p:spPr>
+        <p:txBody>
+          <a:bodyPr wrap="square" rtlCol="0">
+            <a:spAutoFit/>
+          </a:bodyPr>
+          <a:lstStyle/>
+          <a:p>
+            <a:pPr algn="ctr"/>
+            <a:r>
+              <a:rPr lang="zh-CN" altLang="en-US" dirty="0" smtClean="0"/>
+              <a:t>明文</a:t>
+            </a:r>
+            <a:endParaRPr lang="en-US" altLang="zh-CN" dirty="0"/>
+          </a:p>
+          <a:p>
+            <a:pPr algn="ctr"/>
+            <a:r>
+              <a:rPr lang="en-US" altLang="zh-CN" dirty="0" smtClean="0"/>
+              <a:t>16</a:t>
+            </a:r>
+            <a:r>
+              <a:rPr lang="zh-CN" altLang="en-US" dirty="0" smtClean="0"/>
+              <a:t>字节</a:t>
+            </a:r>
+            <a:endParaRPr lang="zh-CN" altLang="en-US" dirty="0"/>
+          </a:p>
+        </p:txBody>
+      </p:sp>
+      <p:cxnSp>
+        <p:nvCxnSpPr>
+          <p:cNvPr id="116" name="直接箭头连接符 115"/>
+          <p:cNvCxnSpPr>
+            <a:stCxn id="58" idx="0"/>
+            <a:endCxn id="114" idx="2"/>
+          </p:cNvCxnSpPr>
+          <p:nvPr/>
+        </p:nvCxnSpPr>
+        <p:spPr>
+          <a:xfrm flipH="1" flipV="1">
+            <a:off x="7471735" y="613120"/>
+            <a:ext cx="1" cy="495279"/>
+          </a:xfrm>
+          <a:prstGeom prst="straightConnector1">
+            <a:avLst/>
+          </a:prstGeom>
+          <a:ln>
+            <a:tailEnd type="triangle"/>
+          </a:ln>
+        </p:spPr>
+        <p:style>
+          <a:lnRef idx="1">
+            <a:schemeClr val="accent1"/>
+          </a:lnRef>
+          <a:fillRef idx="0">
+            <a:schemeClr val="accent1"/>
+          </a:fillRef>
+          <a:effectRef idx="0">
+            <a:schemeClr val="accent1"/>
+          </a:effectRef>
+          <a:fontRef idx="minor">
+            <a:schemeClr val="tx1"/>
+          </a:fontRef>
+        </p:style>
+      </p:cxnSp>
+      <p:sp>
+        <p:nvSpPr>
+          <p:cNvPr id="118" name="文本框 117"/>
+          <p:cNvSpPr txBox="1"/>
+          <p:nvPr/>
+        </p:nvSpPr>
+        <p:spPr>
+          <a:xfrm>
+            <a:off x="6890286" y="11106751"/>
+            <a:ext cx="1212569" cy="369332"/>
+          </a:xfrm>
+          <a:prstGeom prst="rect">
+            <a:avLst/>
+          </a:prstGeom>
+          <a:noFill/>
+        </p:spPr>
+        <p:txBody>
+          <a:bodyPr wrap="square" rtlCol="0">
+            <a:spAutoFit/>
+          </a:bodyPr>
+          <a:lstStyle/>
+          <a:p>
+            <a:pPr algn="ctr"/>
+            <a:r>
+              <a:rPr lang="zh-CN" altLang="en-US" dirty="0"/>
+              <a:t>密文</a:t>
+            </a:r>
+          </a:p>
+        </p:txBody>
+      </p:sp>
+      <p:cxnSp>
+        <p:nvCxnSpPr>
+          <p:cNvPr id="120" name="直接箭头连接符 119"/>
+          <p:cNvCxnSpPr>
+            <a:stCxn id="118" idx="0"/>
+            <a:endCxn id="91" idx="2"/>
+          </p:cNvCxnSpPr>
+          <p:nvPr/>
+        </p:nvCxnSpPr>
+        <p:spPr>
+          <a:xfrm flipV="1">
+            <a:off x="7496571" y="10385607"/>
+            <a:ext cx="1" cy="721144"/>
+          </a:xfrm>
+          <a:prstGeom prst="straightConnector1">
+            <a:avLst/>
+          </a:prstGeom>
+          <a:ln>
+            <a:tailEnd type="triangle"/>
+          </a:ln>
+        </p:spPr>
+        <p:style>
+          <a:lnRef idx="1">
+            <a:schemeClr val="accent1"/>
+          </a:lnRef>
+          <a:fillRef idx="0">
+            <a:schemeClr val="accent1"/>
+          </a:fillRef>
+          <a:effectRef idx="0">
+            <a:schemeClr val="accent1"/>
+          </a:effectRef>
+          <a:fontRef idx="minor">
+            <a:schemeClr val="tx1"/>
+          </a:fontRef>
+        </p:style>
+      </p:cxnSp>
+      <p:cxnSp>
+        <p:nvCxnSpPr>
+          <p:cNvPr id="124" name="直接箭头连接符 123"/>
+          <p:cNvCxnSpPr>
+            <a:stCxn id="91" idx="0"/>
+            <a:endCxn id="77" idx="2"/>
+          </p:cNvCxnSpPr>
+          <p:nvPr/>
+        </p:nvCxnSpPr>
+        <p:spPr>
+          <a:xfrm flipV="1">
+            <a:off x="7496572" y="9592170"/>
+            <a:ext cx="1" cy="326298"/>
+          </a:xfrm>
+          <a:prstGeom prst="straightConnector1">
+            <a:avLst/>
+          </a:prstGeom>
+          <a:ln>
+            <a:tailEnd type="triangle"/>
+          </a:ln>
+        </p:spPr>
+        <p:style>
+          <a:lnRef idx="1">
+            <a:schemeClr val="accent1"/>
+          </a:lnRef>
+          <a:fillRef idx="0">
+            <a:schemeClr val="accent1"/>
+          </a:fillRef>
+          <a:effectRef idx="0">
+            <a:schemeClr val="accent1"/>
+          </a:effectRef>
+          <a:fontRef idx="minor">
+            <a:schemeClr val="tx1"/>
+          </a:fontRef>
+        </p:style>
+      </p:cxnSp>
+      <p:cxnSp>
+        <p:nvCxnSpPr>
+          <p:cNvPr id="129" name="直接箭头连接符 128"/>
+          <p:cNvCxnSpPr>
+            <a:stCxn id="77" idx="0"/>
+            <a:endCxn id="76" idx="2"/>
+          </p:cNvCxnSpPr>
+          <p:nvPr/>
+        </p:nvCxnSpPr>
+        <p:spPr>
+          <a:xfrm flipV="1">
+            <a:off x="7496573" y="8787100"/>
+            <a:ext cx="1" cy="337931"/>
+          </a:xfrm>
+          <a:prstGeom prst="straightConnector1">
+            <a:avLst/>
+          </a:prstGeom>
+          <a:ln>
+            <a:tailEnd type="triangle"/>
+          </a:ln>
+        </p:spPr>
+        <p:style>
+          <a:lnRef idx="1">
+            <a:schemeClr val="accent1"/>
+          </a:lnRef>
+          <a:fillRef idx="0">
+            <a:schemeClr val="accent1"/>
+          </a:fillRef>
+          <a:effectRef idx="0">
+            <a:schemeClr val="accent1"/>
+          </a:effectRef>
+          <a:fontRef idx="minor">
+            <a:schemeClr val="tx1"/>
+          </a:fontRef>
+        </p:style>
+      </p:cxnSp>
+      <p:cxnSp>
+        <p:nvCxnSpPr>
+          <p:cNvPr id="131" name="直接箭头连接符 130"/>
+          <p:cNvCxnSpPr>
+            <a:stCxn id="76" idx="0"/>
+            <a:endCxn id="75" idx="2"/>
+          </p:cNvCxnSpPr>
+          <p:nvPr/>
+        </p:nvCxnSpPr>
+        <p:spPr>
+          <a:xfrm flipV="1">
+            <a:off x="7496574" y="7936401"/>
+            <a:ext cx="0" cy="383560"/>
+          </a:xfrm>
+          <a:prstGeom prst="straightConnector1">
+            <a:avLst/>
+          </a:prstGeom>
+          <a:ln>
+            <a:tailEnd type="triangle"/>
+          </a:ln>
+        </p:spPr>
+        <p:style>
+          <a:lnRef idx="1">
+            <a:schemeClr val="accent1"/>
+          </a:lnRef>
+          <a:fillRef idx="0">
+            <a:schemeClr val="accent1"/>
+          </a:fillRef>
+          <a:effectRef idx="0">
+            <a:schemeClr val="accent1"/>
+          </a:effectRef>
+          <a:fontRef idx="minor">
+            <a:schemeClr val="tx1"/>
+          </a:fontRef>
+        </p:style>
+      </p:cxnSp>
+      <p:cxnSp>
+        <p:nvCxnSpPr>
+          <p:cNvPr id="133" name="直接箭头连接符 132"/>
+          <p:cNvCxnSpPr>
+            <a:stCxn id="75" idx="0"/>
+            <a:endCxn id="74" idx="2"/>
+          </p:cNvCxnSpPr>
+          <p:nvPr/>
+        </p:nvCxnSpPr>
+        <p:spPr>
+          <a:xfrm flipV="1">
+            <a:off x="7496574" y="7161148"/>
+            <a:ext cx="0" cy="308114"/>
+          </a:xfrm>
+          <a:prstGeom prst="straightConnector1">
+            <a:avLst/>
+          </a:prstGeom>
+          <a:ln>
+            <a:tailEnd type="triangle"/>
+          </a:ln>
+        </p:spPr>
+        <p:style>
+          <a:lnRef idx="1">
+            <a:schemeClr val="accent1"/>
+          </a:lnRef>
+          <a:fillRef idx="0">
+            <a:schemeClr val="accent1"/>
+          </a:fillRef>
+          <a:effectRef idx="0">
+            <a:schemeClr val="accent1"/>
+          </a:effectRef>
+          <a:fontRef idx="minor">
+            <a:schemeClr val="tx1"/>
+          </a:fontRef>
+        </p:style>
+      </p:cxnSp>
+      <p:cxnSp>
+        <p:nvCxnSpPr>
+          <p:cNvPr id="135" name="直接箭头连接符 134"/>
+          <p:cNvCxnSpPr>
+            <a:stCxn id="74" idx="0"/>
+            <a:endCxn id="101" idx="2"/>
+          </p:cNvCxnSpPr>
+          <p:nvPr/>
+        </p:nvCxnSpPr>
+        <p:spPr>
+          <a:xfrm flipH="1" flipV="1">
+            <a:off x="7496573" y="6354491"/>
+            <a:ext cx="1" cy="339518"/>
+          </a:xfrm>
+          <a:prstGeom prst="straightConnector1">
+            <a:avLst/>
+          </a:prstGeom>
+          <a:ln>
+            <a:tailEnd type="triangle"/>
+          </a:ln>
+        </p:spPr>
+        <p:style>
+          <a:lnRef idx="1">
+            <a:schemeClr val="accent1"/>
+          </a:lnRef>
+          <a:fillRef idx="0">
+            <a:schemeClr val="accent1"/>
+          </a:fillRef>
+          <a:effectRef idx="0">
+            <a:schemeClr val="accent1"/>
+          </a:effectRef>
+          <a:fontRef idx="minor">
+            <a:schemeClr val="tx1"/>
+          </a:fontRef>
+        </p:style>
+      </p:cxnSp>
+      <p:cxnSp>
+        <p:nvCxnSpPr>
+          <p:cNvPr id="137" name="直接箭头连接符 136"/>
+          <p:cNvCxnSpPr>
+            <a:stCxn id="101" idx="0"/>
+            <a:endCxn id="100" idx="2"/>
+          </p:cNvCxnSpPr>
+          <p:nvPr/>
+        </p:nvCxnSpPr>
+        <p:spPr>
+          <a:xfrm flipV="1">
+            <a:off x="7496573" y="5549421"/>
+            <a:ext cx="1" cy="337931"/>
+          </a:xfrm>
+          <a:prstGeom prst="straightConnector1">
+            <a:avLst/>
+          </a:prstGeom>
+          <a:ln>
+            <a:tailEnd type="triangle"/>
+          </a:ln>
+        </p:spPr>
+        <p:style>
+          <a:lnRef idx="1">
+            <a:schemeClr val="accent1"/>
+          </a:lnRef>
+          <a:fillRef idx="0">
+            <a:schemeClr val="accent1"/>
+          </a:fillRef>
+          <a:effectRef idx="0">
+            <a:schemeClr val="accent1"/>
+          </a:effectRef>
+          <a:fontRef idx="minor">
+            <a:schemeClr val="tx1"/>
+          </a:fontRef>
+        </p:style>
+      </p:cxnSp>
+      <p:cxnSp>
+        <p:nvCxnSpPr>
+          <p:cNvPr id="139" name="直接箭头连接符 138"/>
+          <p:cNvCxnSpPr>
+            <a:stCxn id="100" idx="0"/>
+            <a:endCxn id="99" idx="2"/>
+          </p:cNvCxnSpPr>
+          <p:nvPr/>
+        </p:nvCxnSpPr>
+        <p:spPr>
+          <a:xfrm flipV="1">
+            <a:off x="7496574" y="4698722"/>
+            <a:ext cx="0" cy="383560"/>
+          </a:xfrm>
+          <a:prstGeom prst="straightConnector1">
+            <a:avLst/>
+          </a:prstGeom>
+          <a:ln>
+            <a:tailEnd type="triangle"/>
+          </a:ln>
+        </p:spPr>
+        <p:style>
+          <a:lnRef idx="1">
+            <a:schemeClr val="accent1"/>
+          </a:lnRef>
+          <a:fillRef idx="0">
+            <a:schemeClr val="accent1"/>
+          </a:fillRef>
+          <a:effectRef idx="0">
+            <a:schemeClr val="accent1"/>
+          </a:effectRef>
+          <a:fontRef idx="minor">
+            <a:schemeClr val="tx1"/>
+          </a:fontRef>
+        </p:style>
+      </p:cxnSp>
+      <p:cxnSp>
+        <p:nvCxnSpPr>
+          <p:cNvPr id="141" name="直接箭头连接符 140"/>
+          <p:cNvCxnSpPr>
+            <a:stCxn id="99" idx="0"/>
+            <a:endCxn id="98" idx="2"/>
+          </p:cNvCxnSpPr>
+          <p:nvPr/>
+        </p:nvCxnSpPr>
+        <p:spPr>
+          <a:xfrm flipV="1">
+            <a:off x="7496574" y="3923469"/>
+            <a:ext cx="0" cy="308114"/>
+          </a:xfrm>
+          <a:prstGeom prst="straightConnector1">
+            <a:avLst/>
+          </a:prstGeom>
+          <a:ln>
+            <a:tailEnd type="triangle"/>
+          </a:ln>
+        </p:spPr>
+        <p:style>
+          <a:lnRef idx="1">
+            <a:schemeClr val="accent1"/>
+          </a:lnRef>
+          <a:fillRef idx="0">
+            <a:schemeClr val="accent1"/>
+          </a:fillRef>
+          <a:effectRef idx="0">
+            <a:schemeClr val="accent1"/>
+          </a:effectRef>
+          <a:fontRef idx="minor">
+            <a:schemeClr val="tx1"/>
+          </a:fontRef>
+        </p:style>
+      </p:cxnSp>
+      <p:cxnSp>
+        <p:nvCxnSpPr>
+          <p:cNvPr id="147" name="直接箭头连接符 146"/>
+          <p:cNvCxnSpPr>
+            <a:stCxn id="98" idx="0"/>
+          </p:cNvCxnSpPr>
+          <p:nvPr/>
+        </p:nvCxnSpPr>
+        <p:spPr>
+          <a:xfrm flipH="1" flipV="1">
+            <a:off x="7496570" y="3118399"/>
+            <a:ext cx="4" cy="337931"/>
+          </a:xfrm>
+          <a:prstGeom prst="straightConnector1">
+            <a:avLst/>
+          </a:prstGeom>
+          <a:ln>
+            <a:tailEnd type="triangle"/>
+          </a:ln>
+        </p:spPr>
+        <p:style>
+          <a:lnRef idx="1">
+            <a:schemeClr val="accent1"/>
+          </a:lnRef>
+          <a:fillRef idx="0">
+            <a:schemeClr val="accent1"/>
+          </a:fillRef>
+          <a:effectRef idx="0">
+            <a:schemeClr val="accent1"/>
+          </a:effectRef>
+          <a:fontRef idx="minor">
+            <a:schemeClr val="tx1"/>
+          </a:fontRef>
+        </p:style>
+      </p:cxnSp>
+      <p:cxnSp>
+        <p:nvCxnSpPr>
+          <p:cNvPr id="149" name="直接箭头连接符 148"/>
+          <p:cNvCxnSpPr>
+            <a:stCxn id="60" idx="0"/>
+            <a:endCxn id="59" idx="2"/>
+          </p:cNvCxnSpPr>
+          <p:nvPr/>
+        </p:nvCxnSpPr>
+        <p:spPr>
+          <a:xfrm flipH="1" flipV="1">
+            <a:off x="7471735" y="2319960"/>
+            <a:ext cx="2" cy="324433"/>
+          </a:xfrm>
+          <a:prstGeom prst="straightConnector1">
+            <a:avLst/>
+          </a:prstGeom>
+          <a:ln>
+            <a:tailEnd type="triangle"/>
+          </a:ln>
+        </p:spPr>
+        <p:style>
+          <a:lnRef idx="1">
+            <a:schemeClr val="accent1"/>
+          </a:lnRef>
+          <a:fillRef idx="0">
+            <a:schemeClr val="accent1"/>
+          </a:fillRef>
+          <a:effectRef idx="0">
+            <a:schemeClr val="accent1"/>
+          </a:effectRef>
+          <a:fontRef idx="minor">
+            <a:schemeClr val="tx1"/>
+          </a:fontRef>
+        </p:style>
+      </p:cxnSp>
+      <p:cxnSp>
+        <p:nvCxnSpPr>
+          <p:cNvPr id="151" name="直接箭头连接符 150"/>
+          <p:cNvCxnSpPr>
+            <a:stCxn id="59" idx="0"/>
+            <a:endCxn id="58" idx="2"/>
+          </p:cNvCxnSpPr>
+          <p:nvPr/>
+        </p:nvCxnSpPr>
+        <p:spPr>
+          <a:xfrm flipV="1">
+            <a:off x="7471735" y="1575538"/>
+            <a:ext cx="1" cy="277283"/>
+          </a:xfrm>
+          <a:prstGeom prst="straightConnector1">
+            <a:avLst/>
+          </a:prstGeom>
+          <a:ln>
+            <a:tailEnd type="triangle"/>
+          </a:ln>
+        </p:spPr>
+        <p:style>
+          <a:lnRef idx="1">
+            <a:schemeClr val="accent1"/>
+          </a:lnRef>
+          <a:fillRef idx="0">
+            <a:schemeClr val="accent1"/>
+          </a:fillRef>
+          <a:effectRef idx="0">
+            <a:schemeClr val="accent1"/>
+          </a:effectRef>
+          <a:fontRef idx="minor">
+            <a:schemeClr val="tx1"/>
+          </a:fontRef>
+        </p:style>
+      </p:cxnSp>
+      <p:sp>
+        <p:nvSpPr>
+          <p:cNvPr id="156" name="文本框 155"/>
+          <p:cNvSpPr txBox="1"/>
+          <p:nvPr/>
+        </p:nvSpPr>
+        <p:spPr>
+          <a:xfrm>
+            <a:off x="4379421" y="-684671"/>
+            <a:ext cx="924344" cy="646331"/>
+          </a:xfrm>
+          <a:prstGeom prst="rect">
+            <a:avLst/>
+          </a:prstGeom>
+          <a:noFill/>
+        </p:spPr>
+        <p:txBody>
+          <a:bodyPr wrap="square" rtlCol="0">
+            <a:spAutoFit/>
+          </a:bodyPr>
+          <a:lstStyle/>
+          <a:p>
+            <a:pPr algn="ctr"/>
+            <a:r>
+              <a:rPr lang="zh-CN" altLang="en-US" dirty="0"/>
+              <a:t>密钥</a:t>
+            </a:r>
+            <a:endParaRPr lang="en-US" altLang="zh-CN" dirty="0"/>
+          </a:p>
+          <a:p>
+            <a:pPr algn="ctr"/>
+            <a:r>
+              <a:rPr lang="en-US" altLang="zh-CN" dirty="0" smtClean="0"/>
+              <a:t>16</a:t>
+            </a:r>
+            <a:r>
+              <a:rPr lang="zh-CN" altLang="en-US" dirty="0" smtClean="0"/>
+              <a:t>字节</a:t>
+            </a:r>
+            <a:endParaRPr lang="zh-CN" altLang="en-US" dirty="0"/>
+          </a:p>
+        </p:txBody>
+      </p:sp>
+      <p:sp>
+        <p:nvSpPr>
+          <p:cNvPr id="157" name="文本框 156"/>
+          <p:cNvSpPr txBox="1"/>
+          <p:nvPr/>
+        </p:nvSpPr>
+        <p:spPr>
+          <a:xfrm>
+            <a:off x="4379421" y="1151829"/>
+            <a:ext cx="938004" cy="375113"/>
+          </a:xfrm>
+          <a:prstGeom prst="rect">
+            <a:avLst/>
+          </a:prstGeom>
+          <a:noFill/>
+        </p:spPr>
+        <p:txBody>
+          <a:bodyPr wrap="square" rtlCol="0">
+            <a:spAutoFit/>
+          </a:bodyPr>
+          <a:lstStyle/>
+          <a:p>
+            <a:pPr algn="ctr"/>
+            <a:r>
+              <a:rPr lang="en-US" altLang="zh-CN" dirty="0" smtClean="0"/>
+              <a:t>W[0,3]</a:t>
+            </a:r>
+            <a:endParaRPr lang="zh-CN" altLang="en-US" dirty="0"/>
+          </a:p>
+        </p:txBody>
+      </p:sp>
+      <p:sp>
+        <p:nvSpPr>
+          <p:cNvPr id="158" name="文本框 157"/>
+          <p:cNvSpPr txBox="1"/>
+          <p:nvPr/>
+        </p:nvSpPr>
+        <p:spPr>
+          <a:xfrm>
+            <a:off x="4379421" y="4323609"/>
+            <a:ext cx="938004" cy="375113"/>
+          </a:xfrm>
+          <a:prstGeom prst="rect">
+            <a:avLst/>
+          </a:prstGeom>
+          <a:noFill/>
+        </p:spPr>
+        <p:txBody>
+          <a:bodyPr wrap="square" rtlCol="0">
+            <a:spAutoFit/>
+          </a:bodyPr>
+          <a:lstStyle/>
+          <a:p>
+            <a:pPr algn="ctr"/>
+            <a:r>
+              <a:rPr lang="en-US" altLang="zh-CN" dirty="0" smtClean="0"/>
+              <a:t>W[4,7]</a:t>
+            </a:r>
+            <a:endParaRPr lang="zh-CN" altLang="en-US" dirty="0"/>
+          </a:p>
+        </p:txBody>
+      </p:sp>
+      <p:sp>
+        <p:nvSpPr>
+          <p:cNvPr id="159" name="文本框 158"/>
+          <p:cNvSpPr txBox="1"/>
+          <p:nvPr/>
+        </p:nvSpPr>
+        <p:spPr>
+          <a:xfrm>
+            <a:off x="4417289" y="7562095"/>
+            <a:ext cx="1131826" cy="369332"/>
+          </a:xfrm>
+          <a:prstGeom prst="rect">
+            <a:avLst/>
+          </a:prstGeom>
+          <a:noFill/>
+        </p:spPr>
+        <p:txBody>
+          <a:bodyPr wrap="square" rtlCol="0">
+            <a:spAutoFit/>
+          </a:bodyPr>
+          <a:lstStyle/>
+          <a:p>
+            <a:pPr algn="ctr"/>
+            <a:r>
+              <a:rPr lang="en-US" altLang="zh-CN" dirty="0" smtClean="0"/>
+              <a:t>W[36,39]</a:t>
+            </a:r>
+            <a:endParaRPr lang="zh-CN" altLang="en-US" dirty="0"/>
+          </a:p>
+        </p:txBody>
+      </p:sp>
+      <p:sp>
+        <p:nvSpPr>
+          <p:cNvPr id="160" name="文本框 159"/>
+          <p:cNvSpPr txBox="1"/>
+          <p:nvPr/>
+        </p:nvSpPr>
+        <p:spPr>
+          <a:xfrm>
+            <a:off x="4390597" y="9964480"/>
+            <a:ext cx="1131826" cy="369332"/>
+          </a:xfrm>
+          <a:prstGeom prst="rect">
+            <a:avLst/>
+          </a:prstGeom>
+          <a:noFill/>
+        </p:spPr>
+        <p:txBody>
+          <a:bodyPr wrap="square" rtlCol="0">
+            <a:spAutoFit/>
+          </a:bodyPr>
+          <a:lstStyle/>
+          <a:p>
+            <a:pPr algn="ctr"/>
+            <a:r>
+              <a:rPr lang="en-US" altLang="zh-CN" dirty="0" smtClean="0"/>
+              <a:t>W[40,33]</a:t>
+            </a:r>
+            <a:endParaRPr lang="zh-CN" altLang="en-US" dirty="0"/>
+          </a:p>
+        </p:txBody>
+      </p:sp>
+      <p:cxnSp>
+        <p:nvCxnSpPr>
+          <p:cNvPr id="162" name="直接箭头连接符 161"/>
+          <p:cNvCxnSpPr>
+            <a:stCxn id="55" idx="2"/>
+            <a:endCxn id="157" idx="0"/>
+          </p:cNvCxnSpPr>
+          <p:nvPr/>
+        </p:nvCxnSpPr>
+        <p:spPr>
+          <a:xfrm>
+            <a:off x="4841593" y="467139"/>
+            <a:ext cx="6830" cy="684690"/>
+          </a:xfrm>
+          <a:prstGeom prst="straightConnector1">
+            <a:avLst/>
+          </a:prstGeom>
+          <a:ln>
+            <a:tailEnd type="triangle"/>
+          </a:ln>
+        </p:spPr>
+        <p:style>
+          <a:lnRef idx="1">
+            <a:schemeClr val="accent1"/>
+          </a:lnRef>
+          <a:fillRef idx="0">
+            <a:schemeClr val="accent1"/>
+          </a:fillRef>
+          <a:effectRef idx="0">
+            <a:schemeClr val="accent1"/>
+          </a:effectRef>
+          <a:fontRef idx="minor">
+            <a:schemeClr val="tx1"/>
+          </a:fontRef>
+        </p:style>
+      </p:cxnSp>
+      <p:cxnSp>
+        <p:nvCxnSpPr>
+          <p:cNvPr id="164" name="肘形连接符 163"/>
+          <p:cNvCxnSpPr/>
+          <p:nvPr/>
+        </p:nvCxnSpPr>
+        <p:spPr>
+          <a:xfrm rot="5400000">
+            <a:off x="106074" y="4856649"/>
+            <a:ext cx="8797040" cy="674002"/>
+          </a:xfrm>
+          <a:prstGeom prst="bentConnector3">
+            <a:avLst>
+              <a:gd name="adj1" fmla="val -277"/>
+            </a:avLst>
+          </a:prstGeom>
+          <a:ln>
+            <a:tailEnd type="triangle"/>
+          </a:ln>
+        </p:spPr>
+        <p:style>
+          <a:lnRef idx="1">
+            <a:schemeClr val="accent1"/>
+          </a:lnRef>
+          <a:fillRef idx="0">
+            <a:schemeClr val="accent1"/>
+          </a:fillRef>
+          <a:effectRef idx="0">
+            <a:schemeClr val="accent1"/>
+          </a:effectRef>
+          <a:fontRef idx="minor">
+            <a:schemeClr val="tx1"/>
+          </a:fontRef>
+        </p:style>
+      </p:cxnSp>
+      <p:cxnSp>
+        <p:nvCxnSpPr>
+          <p:cNvPr id="173" name="肘形连接符 172"/>
+          <p:cNvCxnSpPr>
+            <a:endCxn id="158" idx="0"/>
+          </p:cNvCxnSpPr>
+          <p:nvPr/>
+        </p:nvCxnSpPr>
+        <p:spPr>
+          <a:xfrm>
+            <a:off x="4157657" y="3930051"/>
+            <a:ext cx="690766" cy="354214"/>
+          </a:xfrm>
+          <a:prstGeom prst="bentConnector2">
+            <a:avLst/>
+          </a:prstGeom>
+          <a:ln>
+            <a:tailEnd type="triangle"/>
+          </a:ln>
+        </p:spPr>
+        <p:style>
+          <a:lnRef idx="1">
+            <a:schemeClr val="accent1"/>
+          </a:lnRef>
+          <a:fillRef idx="0">
+            <a:schemeClr val="accent1"/>
+          </a:fillRef>
+          <a:effectRef idx="0">
+            <a:schemeClr val="accent1"/>
+          </a:effectRef>
+          <a:fontRef idx="minor">
+            <a:schemeClr val="tx1"/>
+          </a:fontRef>
+        </p:style>
+      </p:cxnSp>
+      <p:cxnSp>
+        <p:nvCxnSpPr>
+          <p:cNvPr id="175" name="肘形连接符 174"/>
+          <p:cNvCxnSpPr>
+            <a:endCxn id="159" idx="0"/>
+          </p:cNvCxnSpPr>
+          <p:nvPr/>
+        </p:nvCxnSpPr>
+        <p:spPr>
+          <a:xfrm>
+            <a:off x="4194285" y="7236494"/>
+            <a:ext cx="788917" cy="258895"/>
+          </a:xfrm>
+          <a:prstGeom prst="bentConnector2">
+            <a:avLst/>
+          </a:prstGeom>
+          <a:ln>
+            <a:tailEnd type="triangle"/>
+          </a:ln>
+        </p:spPr>
+        <p:style>
+          <a:lnRef idx="1">
+            <a:schemeClr val="accent1"/>
+          </a:lnRef>
+          <a:fillRef idx="0">
+            <a:schemeClr val="accent1"/>
+          </a:fillRef>
+          <a:effectRef idx="0">
+            <a:schemeClr val="accent1"/>
+          </a:effectRef>
+          <a:fontRef idx="minor">
+            <a:schemeClr val="tx1"/>
+          </a:fontRef>
+        </p:style>
+      </p:cxnSp>
+      <p:cxnSp>
+        <p:nvCxnSpPr>
+          <p:cNvPr id="179" name="肘形连接符 178"/>
+          <p:cNvCxnSpPr>
+            <a:endCxn id="160" idx="0"/>
+          </p:cNvCxnSpPr>
+          <p:nvPr/>
+        </p:nvCxnSpPr>
+        <p:spPr>
+          <a:xfrm>
+            <a:off x="4167593" y="9524627"/>
+            <a:ext cx="788917" cy="439853"/>
+          </a:xfrm>
+          <a:prstGeom prst="bentConnector2">
+            <a:avLst/>
+          </a:prstGeom>
+          <a:ln>
+            <a:tailEnd type="triangle"/>
+          </a:ln>
+        </p:spPr>
+        <p:style>
+          <a:lnRef idx="1">
+            <a:schemeClr val="accent1"/>
+          </a:lnRef>
+          <a:fillRef idx="0">
+            <a:schemeClr val="accent1"/>
+          </a:fillRef>
+          <a:effectRef idx="0">
+            <a:schemeClr val="accent1"/>
+          </a:effectRef>
+          <a:fontRef idx="minor">
+            <a:schemeClr val="tx1"/>
+          </a:fontRef>
+        </p:style>
+      </p:cxnSp>
+      <p:cxnSp>
+        <p:nvCxnSpPr>
+          <p:cNvPr id="181" name="直接箭头连接符 180"/>
+          <p:cNvCxnSpPr>
+            <a:stCxn id="157" idx="3"/>
+            <a:endCxn id="58" idx="1"/>
+          </p:cNvCxnSpPr>
+          <p:nvPr/>
+        </p:nvCxnSpPr>
+        <p:spPr>
+          <a:xfrm>
+            <a:off x="5317425" y="1339386"/>
+            <a:ext cx="1473480" cy="2583"/>
+          </a:xfrm>
+          <a:prstGeom prst="straightConnector1">
+            <a:avLst/>
+          </a:prstGeom>
+          <a:ln>
+            <a:tailEnd type="triangle"/>
+          </a:ln>
+        </p:spPr>
+        <p:style>
+          <a:lnRef idx="1">
+            <a:schemeClr val="accent1"/>
+          </a:lnRef>
+          <a:fillRef idx="0">
+            <a:schemeClr val="accent1"/>
+          </a:fillRef>
+          <a:effectRef idx="0">
+            <a:schemeClr val="accent1"/>
+          </a:effectRef>
+          <a:fontRef idx="minor">
+            <a:schemeClr val="tx1"/>
+          </a:fontRef>
+        </p:style>
+      </p:cxnSp>
+      <p:cxnSp>
+        <p:nvCxnSpPr>
+          <p:cNvPr id="183" name="直接箭头连接符 182"/>
+          <p:cNvCxnSpPr>
+            <a:stCxn id="157" idx="1"/>
+            <a:endCxn id="21" idx="3"/>
+          </p:cNvCxnSpPr>
+          <p:nvPr/>
+        </p:nvCxnSpPr>
+        <p:spPr>
+          <a:xfrm flipH="1">
+            <a:off x="2892282" y="1339386"/>
+            <a:ext cx="1487139" cy="1"/>
+          </a:xfrm>
+          <a:prstGeom prst="straightConnector1">
+            <a:avLst/>
+          </a:prstGeom>
+          <a:ln>
+            <a:tailEnd type="triangle"/>
+          </a:ln>
+        </p:spPr>
+        <p:style>
+          <a:lnRef idx="1">
+            <a:schemeClr val="accent1"/>
+          </a:lnRef>
+          <a:fillRef idx="0">
+            <a:schemeClr val="accent1"/>
+          </a:fillRef>
+          <a:effectRef idx="0">
+            <a:schemeClr val="accent1"/>
+          </a:effectRef>
+          <a:fontRef idx="minor">
+            <a:schemeClr val="tx1"/>
+          </a:fontRef>
+        </p:style>
+      </p:cxnSp>
+      <p:cxnSp>
+        <p:nvCxnSpPr>
+          <p:cNvPr id="185" name="直接箭头连接符 184"/>
+          <p:cNvCxnSpPr>
+            <a:stCxn id="158" idx="3"/>
+            <a:endCxn id="99" idx="1"/>
+          </p:cNvCxnSpPr>
+          <p:nvPr/>
+        </p:nvCxnSpPr>
+        <p:spPr>
+          <a:xfrm flipV="1">
+            <a:off x="5317425" y="4465153"/>
+            <a:ext cx="1498318" cy="26341"/>
+          </a:xfrm>
+          <a:prstGeom prst="straightConnector1">
+            <a:avLst/>
+          </a:prstGeom>
+          <a:ln>
+            <a:tailEnd type="triangle"/>
+          </a:ln>
+        </p:spPr>
+        <p:style>
+          <a:lnRef idx="1">
+            <a:schemeClr val="accent1"/>
+          </a:lnRef>
+          <a:fillRef idx="0">
+            <a:schemeClr val="accent1"/>
+          </a:fillRef>
+          <a:effectRef idx="0">
+            <a:schemeClr val="accent1"/>
+          </a:effectRef>
+          <a:fontRef idx="minor">
+            <a:schemeClr val="tx1"/>
+          </a:fontRef>
+        </p:style>
+      </p:cxnSp>
+      <p:cxnSp>
+        <p:nvCxnSpPr>
+          <p:cNvPr id="187" name="直接箭头连接符 186"/>
+          <p:cNvCxnSpPr>
+            <a:stCxn id="158" idx="1"/>
+            <a:endCxn id="8" idx="3"/>
+          </p:cNvCxnSpPr>
+          <p:nvPr/>
+        </p:nvCxnSpPr>
+        <p:spPr>
+          <a:xfrm flipH="1" flipV="1">
+            <a:off x="2892283" y="4471784"/>
+            <a:ext cx="1487138" cy="19710"/>
+          </a:xfrm>
+          <a:prstGeom prst="straightConnector1">
+            <a:avLst/>
+          </a:prstGeom>
+          <a:ln>
+            <a:tailEnd type="triangle"/>
+          </a:ln>
+        </p:spPr>
+        <p:style>
+          <a:lnRef idx="1">
+            <a:schemeClr val="accent1"/>
+          </a:lnRef>
+          <a:fillRef idx="0">
+            <a:schemeClr val="accent1"/>
+          </a:fillRef>
+          <a:effectRef idx="0">
+            <a:schemeClr val="accent1"/>
+          </a:effectRef>
+          <a:fontRef idx="minor">
+            <a:schemeClr val="tx1"/>
+          </a:fontRef>
+        </p:style>
+      </p:cxnSp>
+      <p:cxnSp>
+        <p:nvCxnSpPr>
+          <p:cNvPr id="191" name="直接箭头连接符 190"/>
+          <p:cNvCxnSpPr>
+            <a:stCxn id="159" idx="3"/>
+            <a:endCxn id="75" idx="1"/>
+          </p:cNvCxnSpPr>
+          <p:nvPr/>
+        </p:nvCxnSpPr>
+        <p:spPr>
+          <a:xfrm flipV="1">
+            <a:off x="5549115" y="7702832"/>
+            <a:ext cx="1266628" cy="10576"/>
+          </a:xfrm>
+          <a:prstGeom prst="straightConnector1">
+            <a:avLst/>
+          </a:prstGeom>
+          <a:ln>
+            <a:tailEnd type="triangle"/>
+          </a:ln>
+        </p:spPr>
+        <p:style>
+          <a:lnRef idx="1">
+            <a:schemeClr val="accent1"/>
+          </a:lnRef>
+          <a:fillRef idx="0">
+            <a:schemeClr val="accent1"/>
+          </a:fillRef>
+          <a:effectRef idx="0">
+            <a:schemeClr val="accent1"/>
+          </a:effectRef>
+          <a:fontRef idx="minor">
+            <a:schemeClr val="tx1"/>
+          </a:fontRef>
+        </p:style>
+      </p:cxnSp>
+      <p:cxnSp>
+        <p:nvCxnSpPr>
+          <p:cNvPr id="193" name="直接箭头连接符 192"/>
+          <p:cNvCxnSpPr>
+            <a:stCxn id="159" idx="1"/>
+            <a:endCxn id="20" idx="3"/>
+          </p:cNvCxnSpPr>
+          <p:nvPr/>
+        </p:nvCxnSpPr>
+        <p:spPr>
+          <a:xfrm flipH="1" flipV="1">
+            <a:off x="2892283" y="7702832"/>
+            <a:ext cx="1525006" cy="10576"/>
+          </a:xfrm>
+          <a:prstGeom prst="straightConnector1">
+            <a:avLst/>
+          </a:prstGeom>
+          <a:ln>
+            <a:tailEnd type="triangle"/>
+          </a:ln>
+        </p:spPr>
+        <p:style>
+          <a:lnRef idx="1">
+            <a:schemeClr val="accent1"/>
+          </a:lnRef>
+          <a:fillRef idx="0">
+            <a:schemeClr val="accent1"/>
+          </a:fillRef>
+          <a:effectRef idx="0">
+            <a:schemeClr val="accent1"/>
+          </a:effectRef>
+          <a:fontRef idx="minor">
+            <a:schemeClr val="tx1"/>
+          </a:fontRef>
+        </p:style>
+      </p:cxnSp>
+      <p:cxnSp>
+        <p:nvCxnSpPr>
+          <p:cNvPr id="195" name="直接箭头连接符 194"/>
+          <p:cNvCxnSpPr>
+            <a:stCxn id="160" idx="3"/>
+            <a:endCxn id="91" idx="1"/>
+          </p:cNvCxnSpPr>
+          <p:nvPr/>
+        </p:nvCxnSpPr>
+        <p:spPr>
+          <a:xfrm>
+            <a:off x="5522423" y="10149146"/>
+            <a:ext cx="1293318" cy="2892"/>
+          </a:xfrm>
+          <a:prstGeom prst="straightConnector1">
+            <a:avLst/>
+          </a:prstGeom>
+          <a:ln>
+            <a:tailEnd type="triangle"/>
+          </a:ln>
+        </p:spPr>
+        <p:style>
+          <a:lnRef idx="1">
+            <a:schemeClr val="accent1"/>
+          </a:lnRef>
+          <a:fillRef idx="0">
+            <a:schemeClr val="accent1"/>
+          </a:fillRef>
+          <a:effectRef idx="0">
+            <a:schemeClr val="accent1"/>
+          </a:effectRef>
+          <a:fontRef idx="minor">
+            <a:schemeClr val="tx1"/>
+          </a:fontRef>
+        </p:style>
+      </p:cxnSp>
+      <p:cxnSp>
+        <p:nvCxnSpPr>
+          <p:cNvPr id="197" name="直接箭头连接符 196"/>
+          <p:cNvCxnSpPr>
+            <a:stCxn id="160" idx="1"/>
+            <a:endCxn id="34" idx="3"/>
+          </p:cNvCxnSpPr>
+          <p:nvPr/>
+        </p:nvCxnSpPr>
+        <p:spPr>
+          <a:xfrm flipH="1">
+            <a:off x="2892283" y="10149146"/>
+            <a:ext cx="1498314" cy="2893"/>
+          </a:xfrm>
+          <a:prstGeom prst="straightConnector1">
+            <a:avLst/>
+          </a:prstGeom>
+          <a:ln>
+            <a:tailEnd type="triangle"/>
+          </a:ln>
+        </p:spPr>
+        <p:style>
+          <a:lnRef idx="1">
+            <a:schemeClr val="accent1"/>
+          </a:lnRef>
+          <a:fillRef idx="0">
+            <a:schemeClr val="accent1"/>
+          </a:fillRef>
+          <a:effectRef idx="0">
+            <a:schemeClr val="accent1"/>
+          </a:effectRef>
+          <a:fontRef idx="minor">
+            <a:schemeClr val="tx1"/>
+          </a:fontRef>
+        </p:style>
+      </p:cxnSp>
+      <p:cxnSp>
+        <p:nvCxnSpPr>
+          <p:cNvPr id="209" name="直接连接符 208"/>
+          <p:cNvCxnSpPr/>
+          <p:nvPr/>
+        </p:nvCxnSpPr>
+        <p:spPr>
+          <a:xfrm flipV="1">
+            <a:off x="477078" y="11476083"/>
+            <a:ext cx="8885583" cy="73187"/>
+          </a:xfrm>
+          <a:prstGeom prst="line">
+            <a:avLst/>
+          </a:prstGeom>
+        </p:spPr>
+        <p:style>
+          <a:lnRef idx="1">
+            <a:schemeClr val="accent1"/>
+          </a:lnRef>
+          <a:fillRef idx="0">
+            <a:schemeClr val="accent1"/>
+          </a:fillRef>
+          <a:effectRef idx="0">
+            <a:schemeClr val="accent1"/>
+          </a:effectRef>
+          <a:fontRef idx="minor">
+            <a:schemeClr val="tx1"/>
+          </a:fontRef>
+        </p:style>
+      </p:cxnSp>
+      <p:sp>
+        <p:nvSpPr>
+          <p:cNvPr id="210" name="文本框 209"/>
+          <p:cNvSpPr txBox="1"/>
+          <p:nvPr/>
+        </p:nvSpPr>
+        <p:spPr>
+          <a:xfrm>
+            <a:off x="1649890" y="11893637"/>
+            <a:ext cx="1272214" cy="369332"/>
+          </a:xfrm>
+          <a:prstGeom prst="rect">
+            <a:avLst/>
+          </a:prstGeom>
+          <a:noFill/>
+        </p:spPr>
+        <p:txBody>
+          <a:bodyPr wrap="square" rtlCol="0">
+            <a:spAutoFit/>
+          </a:bodyPr>
+          <a:lstStyle/>
+          <a:p>
+            <a:pPr algn="ctr"/>
+            <a:r>
+              <a:rPr lang="zh-CN" altLang="en-US" b="1" dirty="0" smtClean="0"/>
+              <a:t>加密过程</a:t>
+            </a:r>
+            <a:endParaRPr lang="zh-CN" altLang="en-US" b="1" dirty="0"/>
+          </a:p>
+        </p:txBody>
+      </p:sp>
+      <p:sp>
+        <p:nvSpPr>
+          <p:cNvPr id="211" name="文本框 210"/>
+          <p:cNvSpPr txBox="1"/>
+          <p:nvPr/>
+        </p:nvSpPr>
+        <p:spPr>
+          <a:xfrm>
+            <a:off x="6907695" y="11893637"/>
+            <a:ext cx="1272214" cy="369332"/>
+          </a:xfrm>
+          <a:prstGeom prst="rect">
+            <a:avLst/>
+          </a:prstGeom>
+          <a:noFill/>
+        </p:spPr>
+        <p:txBody>
+          <a:bodyPr wrap="square" rtlCol="0">
+            <a:spAutoFit/>
+          </a:bodyPr>
+          <a:lstStyle/>
+          <a:p>
+            <a:pPr algn="ctr"/>
+            <a:r>
+              <a:rPr lang="zh-CN" altLang="en-US" b="1" dirty="0"/>
+              <a:t>解密</a:t>
+            </a:r>
+            <a:r>
+              <a:rPr lang="zh-CN" altLang="en-US" b="1" dirty="0" smtClean="0"/>
+              <a:t>过程</a:t>
+            </a:r>
+            <a:endParaRPr lang="zh-CN" altLang="en-US" b="1" dirty="0"/>
           </a:p>
         </p:txBody>
       </p:sp>
@@ -9316,6 +13061,36 @@
     <p:extLst>
       <p:ext uri="{BB962C8B-B14F-4D97-AF65-F5344CB8AC3E}">
         <p14:creationId xmlns:p14="http://schemas.microsoft.com/office/powerpoint/2010/main" val="2888361052"/>
+      </p:ext>
+    </p:extLst>
+  </p:cSld>
+  <p:clrMapOvr>
+    <a:masterClrMapping/>
+  </p:clrMapOvr>
+</p:sld>
+</file>
+
+<file path=ppt/slides/slide7.xml><?xml version="1.0" encoding="utf-8"?>
+<p:sld xmlns:a="http://schemas.openxmlformats.org/drawingml/2006/main" xmlns:r="http://schemas.openxmlformats.org/officeDocument/2006/relationships" xmlns:p="http://schemas.openxmlformats.org/presentationml/2006/main">
+  <p:cSld>
+    <p:spTree>
+      <p:nvGrpSpPr>
+        <p:cNvPr id="1" name=""/>
+        <p:cNvGrpSpPr/>
+        <p:nvPr/>
+      </p:nvGrpSpPr>
+      <p:grpSpPr>
+        <a:xfrm>
+          <a:off x="0" y="0"/>
+          <a:ext cx="0" cy="0"/>
+          <a:chOff x="0" y="0"/>
+          <a:chExt cx="0" cy="0"/>
+        </a:xfrm>
+      </p:grpSpPr>
+    </p:spTree>
+    <p:extLst>
+      <p:ext uri="{BB962C8B-B14F-4D97-AF65-F5344CB8AC3E}">
+        <p14:creationId xmlns:p14="http://schemas.microsoft.com/office/powerpoint/2010/main" val="2315093578"/>
       </p:ext>
     </p:extLst>
   </p:cSld>

--- a/论文图片.pptx
+++ b/论文图片.pptx
@@ -12,6 +12,7 @@
     <p:sldId id="260" r:id="rId6"/>
     <p:sldId id="261" r:id="rId7"/>
     <p:sldId id="262" r:id="rId8"/>
+    <p:sldId id="263" r:id="rId9"/>
   </p:sldIdLst>
   <p:sldSz cx="9144000" cy="6858000" type="screen4x3"/>
   <p:notesSz cx="6858000" cy="9144000"/>
@@ -249,7 +250,7 @@
           <a:p>
             <a:fld id="{2F2BA5F0-406C-4EF6-B0AC-72C3E0BE2794}" type="datetimeFigureOut">
               <a:rPr lang="zh-CN" altLang="en-US" smtClean="0"/>
-              <a:t>2018/1/28</a:t>
+              <a:t>2018/1/29</a:t>
             </a:fld>
             <a:endParaRPr lang="zh-CN" altLang="en-US"/>
           </a:p>
@@ -419,7 +420,7 @@
           <a:p>
             <a:fld id="{2F2BA5F0-406C-4EF6-B0AC-72C3E0BE2794}" type="datetimeFigureOut">
               <a:rPr lang="zh-CN" altLang="en-US" smtClean="0"/>
-              <a:t>2018/1/28</a:t>
+              <a:t>2018/1/29</a:t>
             </a:fld>
             <a:endParaRPr lang="zh-CN" altLang="en-US"/>
           </a:p>
@@ -599,7 +600,7 @@
           <a:p>
             <a:fld id="{2F2BA5F0-406C-4EF6-B0AC-72C3E0BE2794}" type="datetimeFigureOut">
               <a:rPr lang="zh-CN" altLang="en-US" smtClean="0"/>
-              <a:t>2018/1/28</a:t>
+              <a:t>2018/1/29</a:t>
             </a:fld>
             <a:endParaRPr lang="zh-CN" altLang="en-US"/>
           </a:p>
@@ -769,7 +770,7 @@
           <a:p>
             <a:fld id="{2F2BA5F0-406C-4EF6-B0AC-72C3E0BE2794}" type="datetimeFigureOut">
               <a:rPr lang="zh-CN" altLang="en-US" smtClean="0"/>
-              <a:t>2018/1/28</a:t>
+              <a:t>2018/1/29</a:t>
             </a:fld>
             <a:endParaRPr lang="zh-CN" altLang="en-US"/>
           </a:p>
@@ -1013,7 +1014,7 @@
           <a:p>
             <a:fld id="{2F2BA5F0-406C-4EF6-B0AC-72C3E0BE2794}" type="datetimeFigureOut">
               <a:rPr lang="zh-CN" altLang="en-US" smtClean="0"/>
-              <a:t>2018/1/28</a:t>
+              <a:t>2018/1/29</a:t>
             </a:fld>
             <a:endParaRPr lang="zh-CN" altLang="en-US"/>
           </a:p>
@@ -1245,7 +1246,7 @@
           <a:p>
             <a:fld id="{2F2BA5F0-406C-4EF6-B0AC-72C3E0BE2794}" type="datetimeFigureOut">
               <a:rPr lang="zh-CN" altLang="en-US" smtClean="0"/>
-              <a:t>2018/1/28</a:t>
+              <a:t>2018/1/29</a:t>
             </a:fld>
             <a:endParaRPr lang="zh-CN" altLang="en-US"/>
           </a:p>
@@ -1612,7 +1613,7 @@
           <a:p>
             <a:fld id="{2F2BA5F0-406C-4EF6-B0AC-72C3E0BE2794}" type="datetimeFigureOut">
               <a:rPr lang="zh-CN" altLang="en-US" smtClean="0"/>
-              <a:t>2018/1/28</a:t>
+              <a:t>2018/1/29</a:t>
             </a:fld>
             <a:endParaRPr lang="zh-CN" altLang="en-US"/>
           </a:p>
@@ -1730,7 +1731,7 @@
           <a:p>
             <a:fld id="{2F2BA5F0-406C-4EF6-B0AC-72C3E0BE2794}" type="datetimeFigureOut">
               <a:rPr lang="zh-CN" altLang="en-US" smtClean="0"/>
-              <a:t>2018/1/28</a:t>
+              <a:t>2018/1/29</a:t>
             </a:fld>
             <a:endParaRPr lang="zh-CN" altLang="en-US"/>
           </a:p>
@@ -1825,7 +1826,7 @@
           <a:p>
             <a:fld id="{2F2BA5F0-406C-4EF6-B0AC-72C3E0BE2794}" type="datetimeFigureOut">
               <a:rPr lang="zh-CN" altLang="en-US" smtClean="0"/>
-              <a:t>2018/1/28</a:t>
+              <a:t>2018/1/29</a:t>
             </a:fld>
             <a:endParaRPr lang="zh-CN" altLang="en-US"/>
           </a:p>
@@ -2102,7 +2103,7 @@
           <a:p>
             <a:fld id="{2F2BA5F0-406C-4EF6-B0AC-72C3E0BE2794}" type="datetimeFigureOut">
               <a:rPr lang="zh-CN" altLang="en-US" smtClean="0"/>
-              <a:t>2018/1/28</a:t>
+              <a:t>2018/1/29</a:t>
             </a:fld>
             <a:endParaRPr lang="zh-CN" altLang="en-US"/>
           </a:p>
@@ -2359,7 +2360,7 @@
           <a:p>
             <a:fld id="{2F2BA5F0-406C-4EF6-B0AC-72C3E0BE2794}" type="datetimeFigureOut">
               <a:rPr lang="zh-CN" altLang="en-US" smtClean="0"/>
-              <a:t>2018/1/28</a:t>
+              <a:t>2018/1/29</a:t>
             </a:fld>
             <a:endParaRPr lang="zh-CN" altLang="en-US"/>
           </a:p>
@@ -2572,7 +2573,7 @@
           <a:p>
             <a:fld id="{2F2BA5F0-406C-4EF6-B0AC-72C3E0BE2794}" type="datetimeFigureOut">
               <a:rPr lang="zh-CN" altLang="en-US" smtClean="0"/>
-              <a:t>2018/1/28</a:t>
+              <a:t>2018/1/29</a:t>
             </a:fld>
             <a:endParaRPr lang="zh-CN" altLang="en-US"/>
           </a:p>
@@ -3382,15 +3383,7 @@
                             <a:schemeClr val="tx1"/>
                           </a:solidFill>
                         </a:rPr>
-                        <a:t> </a:t>
-                      </a:r>
-                      <a:r>
-                        <a:rPr lang="en-US" altLang="zh-CN" sz="1400" dirty="0" smtClean="0">
-                          <a:solidFill>
-                            <a:schemeClr val="tx1"/>
-                          </a:solidFill>
-                        </a:rPr>
-                        <a:t>0</a:t>
+                        <a:t> 0</a:t>
                       </a:r>
                       <a:endParaRPr lang="zh-CN" altLang="en-US" sz="1400" dirty="0">
                         <a:solidFill>
@@ -3483,15 +3476,7 @@
                             <a:schemeClr val="tx1"/>
                           </a:solidFill>
                         </a:rPr>
-                        <a:t> </a:t>
-                      </a:r>
-                      <a:r>
-                        <a:rPr lang="en-US" altLang="zh-CN" sz="1400" b="1" dirty="0" smtClean="0">
-                          <a:solidFill>
-                            <a:schemeClr val="tx1"/>
-                          </a:solidFill>
-                        </a:rPr>
-                        <a:t>1</a:t>
+                        <a:t> 1</a:t>
                       </a:r>
                       <a:endParaRPr lang="zh-CN" altLang="en-US" sz="1400" b="1" dirty="0">
                         <a:solidFill>
@@ -3670,15 +3655,7 @@
                             <a:schemeClr val="tx1"/>
                           </a:solidFill>
                         </a:rPr>
-                        <a:t> </a:t>
-                      </a:r>
-                      <a:r>
-                        <a:rPr lang="en-US" altLang="zh-CN" sz="1400" b="1" dirty="0" smtClean="0">
-                          <a:solidFill>
-                            <a:schemeClr val="tx1"/>
-                          </a:solidFill>
-                        </a:rPr>
-                        <a:t>m-1</a:t>
+                        <a:t> m-1</a:t>
                       </a:r>
                       <a:endParaRPr lang="zh-CN" altLang="en-US" sz="1400" b="1" dirty="0" smtClean="0">
                         <a:solidFill>
@@ -3788,15 +3765,7 @@
                             <a:schemeClr val="tx1"/>
                           </a:solidFill>
                         </a:rPr>
-                        <a:t> </a:t>
-                      </a:r>
-                      <a:r>
-                        <a:rPr lang="en-US" altLang="zh-CN" sz="1400" b="1" dirty="0" smtClean="0">
-                          <a:solidFill>
-                            <a:schemeClr val="tx1"/>
-                          </a:solidFill>
-                        </a:rPr>
-                        <a:t>m</a:t>
+                        <a:t> m</a:t>
                       </a:r>
                       <a:endParaRPr lang="zh-CN" altLang="en-US" sz="1400" b="1" dirty="0" smtClean="0">
                         <a:solidFill>
@@ -3918,15 +3887,7 @@
                             <a:schemeClr val="tx1"/>
                           </a:solidFill>
                         </a:rPr>
-                        <a:t> </a:t>
-                      </a:r>
-                      <a:r>
-                        <a:rPr lang="en-US" altLang="zh-CN" sz="1400" dirty="0" smtClean="0">
-                          <a:solidFill>
-                            <a:schemeClr val="tx1"/>
-                          </a:solidFill>
-                        </a:rPr>
-                        <a:t>0</a:t>
+                        <a:t> 0</a:t>
                       </a:r>
                       <a:endParaRPr lang="zh-CN" altLang="en-US" sz="1400" dirty="0">
                         <a:solidFill>
@@ -4046,24 +4007,7 @@
                           <a:ea typeface="等线" panose="02010600030101010101" pitchFamily="2" charset="-122"/>
                           <a:cs typeface="+mn-cs"/>
                         </a:rPr>
-                        <a:t> </a:t>
-                      </a:r>
-                      <a:r>
-                        <a:rPr kumimoji="0" lang="en-US" altLang="zh-CN" sz="1400" b="1" i="0" u="none" strike="noStrike" kern="1200" cap="none" spc="0" normalizeH="0" baseline="0" noProof="0" dirty="0" smtClean="0">
-                          <a:ln>
-                            <a:noFill/>
-                          </a:ln>
-                          <a:solidFill>
-                            <a:prstClr val="black"/>
-                          </a:solidFill>
-                          <a:effectLst/>
-                          <a:uLnTx/>
-                          <a:uFillTx/>
-                          <a:latin typeface="等线" panose="020F0502020204030204"/>
-                          <a:ea typeface="等线" panose="02010600030101010101" pitchFamily="2" charset="-122"/>
-                          <a:cs typeface="+mn-cs"/>
-                        </a:rPr>
-                        <a:t>1</a:t>
+                        <a:t> 1</a:t>
                       </a:r>
                       <a:endParaRPr kumimoji="0" lang="zh-CN" altLang="en-US" sz="1400" b="1" i="0" u="none" strike="noStrike" kern="1200" cap="none" spc="0" normalizeH="0" baseline="0" noProof="0" dirty="0">
                         <a:ln>
@@ -4192,24 +4136,7 @@
                           <a:ea typeface="等线" panose="02010600030101010101" pitchFamily="2" charset="-122"/>
                           <a:cs typeface="+mn-cs"/>
                         </a:rPr>
-                        <a:t> </a:t>
-                      </a:r>
-                      <a:r>
-                        <a:rPr kumimoji="0" lang="en-US" altLang="zh-CN" sz="1400" b="1" i="0" u="none" strike="noStrike" kern="1200" cap="none" spc="0" normalizeH="0" baseline="0" noProof="0" dirty="0" smtClean="0">
-                          <a:ln>
-                            <a:noFill/>
-                          </a:ln>
-                          <a:solidFill>
-                            <a:prstClr val="black"/>
-                          </a:solidFill>
-                          <a:effectLst/>
-                          <a:uLnTx/>
-                          <a:uFillTx/>
-                          <a:latin typeface="等线" panose="020F0502020204030204"/>
-                          <a:ea typeface="等线" panose="02010600030101010101" pitchFamily="2" charset="-122"/>
-                          <a:cs typeface="+mn-cs"/>
-                        </a:rPr>
-                        <a:t>2</a:t>
+                        <a:t> 2</a:t>
                       </a:r>
                       <a:endParaRPr kumimoji="0" lang="zh-CN" altLang="en-US" sz="1400" b="1" i="0" u="none" strike="noStrike" kern="1200" cap="none" spc="0" normalizeH="0" baseline="0" noProof="0" dirty="0">
                         <a:ln>
@@ -4338,24 +4265,7 @@
                           <a:ea typeface="等线" panose="02010600030101010101" pitchFamily="2" charset="-122"/>
                           <a:cs typeface="+mn-cs"/>
                         </a:rPr>
-                        <a:t> </a:t>
-                      </a:r>
-                      <a:r>
-                        <a:rPr kumimoji="0" lang="en-US" altLang="zh-CN" sz="1400" b="1" i="0" u="none" strike="noStrike" kern="1200" cap="none" spc="0" normalizeH="0" baseline="0" noProof="0" dirty="0" smtClean="0">
-                          <a:ln>
-                            <a:noFill/>
-                          </a:ln>
-                          <a:solidFill>
-                            <a:prstClr val="black"/>
-                          </a:solidFill>
-                          <a:effectLst/>
-                          <a:uLnTx/>
-                          <a:uFillTx/>
-                          <a:latin typeface="等线" panose="020F0502020204030204"/>
-                          <a:ea typeface="等线" panose="02010600030101010101" pitchFamily="2" charset="-122"/>
-                          <a:cs typeface="+mn-cs"/>
-                        </a:rPr>
-                        <a:t>3</a:t>
+                        <a:t> 3</a:t>
                       </a:r>
                       <a:endParaRPr kumimoji="0" lang="zh-CN" altLang="en-US" sz="1400" b="1" i="0" u="none" strike="noStrike" kern="1200" cap="none" spc="0" normalizeH="0" baseline="0" noProof="0" dirty="0">
                         <a:ln>
@@ -4596,24 +4506,7 @@
                           <a:ea typeface="等线" panose="02010600030101010101" pitchFamily="2" charset="-122"/>
                           <a:cs typeface="+mn-cs"/>
                         </a:rPr>
-                        <a:t> </a:t>
-                      </a:r>
-                      <a:r>
-                        <a:rPr kumimoji="0" lang="en-US" altLang="zh-CN" sz="1400" b="1" i="0" u="none" strike="noStrike" kern="1200" cap="none" spc="0" normalizeH="0" baseline="0" noProof="0" dirty="0" smtClean="0">
-                          <a:ln>
-                            <a:noFill/>
-                          </a:ln>
-                          <a:solidFill>
-                            <a:prstClr val="black"/>
-                          </a:solidFill>
-                          <a:effectLst/>
-                          <a:uLnTx/>
-                          <a:uFillTx/>
-                          <a:latin typeface="等线" panose="020F0502020204030204"/>
-                          <a:ea typeface="等线" panose="02010600030101010101" pitchFamily="2" charset="-122"/>
-                          <a:cs typeface="+mn-cs"/>
-                        </a:rPr>
-                        <a:t>n-3</a:t>
+                        <a:t> n-3</a:t>
                       </a:r>
                       <a:endParaRPr kumimoji="0" lang="zh-CN" altLang="en-US" sz="1400" b="1" i="0" u="none" strike="noStrike" kern="1200" cap="none" spc="0" normalizeH="0" baseline="0" noProof="0" dirty="0">
                         <a:ln>
@@ -4742,24 +4635,7 @@
                           <a:ea typeface="等线" panose="02010600030101010101" pitchFamily="2" charset="-122"/>
                           <a:cs typeface="+mn-cs"/>
                         </a:rPr>
-                        <a:t> </a:t>
-                      </a:r>
-                      <a:r>
-                        <a:rPr kumimoji="0" lang="en-US" altLang="zh-CN" sz="1400" b="1" i="0" u="none" strike="noStrike" kern="1200" cap="none" spc="0" normalizeH="0" baseline="0" noProof="0" dirty="0" smtClean="0">
-                          <a:ln>
-                            <a:noFill/>
-                          </a:ln>
-                          <a:solidFill>
-                            <a:prstClr val="black"/>
-                          </a:solidFill>
-                          <a:effectLst/>
-                          <a:uLnTx/>
-                          <a:uFillTx/>
-                          <a:latin typeface="等线" panose="020F0502020204030204"/>
-                          <a:ea typeface="等线" panose="02010600030101010101" pitchFamily="2" charset="-122"/>
-                          <a:cs typeface="+mn-cs"/>
-                        </a:rPr>
-                        <a:t>n-2</a:t>
+                        <a:t> n-2</a:t>
                       </a:r>
                       <a:endParaRPr kumimoji="0" lang="zh-CN" altLang="en-US" sz="1400" b="1" i="0" u="none" strike="noStrike" kern="1200" cap="none" spc="0" normalizeH="0" baseline="0" noProof="0" dirty="0">
                         <a:ln>
@@ -4888,24 +4764,7 @@
                           <a:ea typeface="等线" panose="02010600030101010101" pitchFamily="2" charset="-122"/>
                           <a:cs typeface="+mn-cs"/>
                         </a:rPr>
-                        <a:t> </a:t>
-                      </a:r>
-                      <a:r>
-                        <a:rPr kumimoji="0" lang="en-US" altLang="zh-CN" sz="1400" b="1" i="0" u="none" strike="noStrike" kern="1200" cap="none" spc="0" normalizeH="0" baseline="0" noProof="0" dirty="0" smtClean="0">
-                          <a:ln>
-                            <a:noFill/>
-                          </a:ln>
-                          <a:solidFill>
-                            <a:prstClr val="black"/>
-                          </a:solidFill>
-                          <a:effectLst/>
-                          <a:uLnTx/>
-                          <a:uFillTx/>
-                          <a:latin typeface="等线" panose="020F0502020204030204"/>
-                          <a:ea typeface="等线" panose="02010600030101010101" pitchFamily="2" charset="-122"/>
-                          <a:cs typeface="+mn-cs"/>
-                        </a:rPr>
-                        <a:t>n-1</a:t>
+                        <a:t> n-1</a:t>
                       </a:r>
                       <a:endParaRPr kumimoji="0" lang="zh-CN" altLang="en-US" sz="1400" b="1" i="0" u="none" strike="noStrike" kern="1200" cap="none" spc="0" normalizeH="0" baseline="0" noProof="0" dirty="0">
                         <a:ln>
@@ -5034,24 +4893,7 @@
                           <a:ea typeface="等线" panose="02010600030101010101" pitchFamily="2" charset="-122"/>
                           <a:cs typeface="+mn-cs"/>
                         </a:rPr>
-                        <a:t> </a:t>
-                      </a:r>
-                      <a:r>
-                        <a:rPr kumimoji="0" lang="en-US" altLang="zh-CN" sz="1400" b="1" i="0" u="none" strike="noStrike" kern="1200" cap="none" spc="0" normalizeH="0" baseline="0" noProof="0" dirty="0" smtClean="0">
-                          <a:ln>
-                            <a:noFill/>
-                          </a:ln>
-                          <a:solidFill>
-                            <a:prstClr val="black"/>
-                          </a:solidFill>
-                          <a:effectLst/>
-                          <a:uLnTx/>
-                          <a:uFillTx/>
-                          <a:latin typeface="等线" panose="020F0502020204030204"/>
-                          <a:ea typeface="等线" panose="02010600030101010101" pitchFamily="2" charset="-122"/>
-                          <a:cs typeface="+mn-cs"/>
-                        </a:rPr>
-                        <a:t>n</a:t>
+                        <a:t> n</a:t>
                       </a:r>
                       <a:endParaRPr kumimoji="0" lang="zh-CN" altLang="en-US" sz="1400" b="1" i="0" u="none" strike="noStrike" kern="1200" cap="none" spc="0" normalizeH="0" baseline="0" noProof="0" dirty="0">
                         <a:ln>
@@ -6344,7 +6186,6 @@
               <a:rPr lang="zh-CN" altLang="en-US" sz="1600" b="1" dirty="0"/>
               <a:t>缓存</a:t>
             </a:r>
-            <a:endParaRPr lang="zh-CN" altLang="en-US" sz="1600" b="1" dirty="0"/>
           </a:p>
         </p:txBody>
       </p:sp>
@@ -6375,7 +6216,6 @@
               <a:rPr lang="zh-CN" altLang="en-US" sz="1600" b="1" dirty="0"/>
               <a:t>内存</a:t>
             </a:r>
-            <a:endParaRPr lang="zh-CN" altLang="en-US" sz="1600" b="1" dirty="0"/>
           </a:p>
         </p:txBody>
       </p:sp>
@@ -6477,15 +6317,7 @@
                             <a:schemeClr val="tx1"/>
                           </a:solidFill>
                         </a:rPr>
-                        <a:t> </a:t>
-                      </a:r>
-                      <a:r>
-                        <a:rPr lang="en-US" altLang="zh-CN" sz="1400" dirty="0" smtClean="0">
-                          <a:solidFill>
-                            <a:schemeClr val="tx1"/>
-                          </a:solidFill>
-                        </a:rPr>
-                        <a:t>0</a:t>
+                        <a:t> 0</a:t>
                       </a:r>
                       <a:endParaRPr lang="zh-CN" altLang="en-US" sz="1400" dirty="0">
                         <a:solidFill>
@@ -6578,15 +6410,7 @@
                             <a:schemeClr val="tx1"/>
                           </a:solidFill>
                         </a:rPr>
-                        <a:t>  </a:t>
-                      </a:r>
-                      <a:r>
-                        <a:rPr lang="en-US" altLang="zh-CN" sz="1400" b="1" dirty="0" smtClean="0">
-                          <a:solidFill>
-                            <a:schemeClr val="tx1"/>
-                          </a:solidFill>
-                        </a:rPr>
-                        <a:t>1</a:t>
+                        <a:t>  1</a:t>
                       </a:r>
                       <a:endParaRPr lang="zh-CN" altLang="en-US" sz="1400" b="1" dirty="0">
                         <a:solidFill>
@@ -6765,15 +6589,7 @@
                             <a:schemeClr val="tx1"/>
                           </a:solidFill>
                         </a:rPr>
-                        <a:t>  </a:t>
-                      </a:r>
-                      <a:r>
-                        <a:rPr lang="en-US" altLang="zh-CN" sz="1400" b="1" dirty="0" smtClean="0">
-                          <a:solidFill>
-                            <a:schemeClr val="tx1"/>
-                          </a:solidFill>
-                        </a:rPr>
-                        <a:t>m-1</a:t>
+                        <a:t>  m-1</a:t>
                       </a:r>
                       <a:endParaRPr lang="zh-CN" altLang="en-US" sz="1400" b="1" dirty="0" smtClean="0">
                         <a:solidFill>
@@ -6883,15 +6699,7 @@
                             <a:schemeClr val="tx1"/>
                           </a:solidFill>
                         </a:rPr>
-                        <a:t>  </a:t>
-                      </a:r>
-                      <a:r>
-                        <a:rPr lang="en-US" altLang="zh-CN" sz="1400" b="1" dirty="0" smtClean="0">
-                          <a:solidFill>
-                            <a:schemeClr val="tx1"/>
-                          </a:solidFill>
-                        </a:rPr>
-                        <a:t>m</a:t>
+                        <a:t>  m</a:t>
                       </a:r>
                       <a:endParaRPr lang="zh-CN" altLang="en-US" sz="1400" b="1" dirty="0" smtClean="0">
                         <a:solidFill>
@@ -7013,15 +6821,7 @@
                             <a:schemeClr val="tx1"/>
                           </a:solidFill>
                         </a:rPr>
-                        <a:t> </a:t>
-                      </a:r>
-                      <a:r>
-                        <a:rPr lang="en-US" altLang="zh-CN" sz="1400" dirty="0" smtClean="0">
-                          <a:solidFill>
-                            <a:schemeClr val="tx1"/>
-                          </a:solidFill>
-                        </a:rPr>
-                        <a:t>0</a:t>
+                        <a:t> 0</a:t>
                       </a:r>
                       <a:endParaRPr lang="zh-CN" altLang="en-US" sz="1400" dirty="0">
                         <a:solidFill>
@@ -7141,24 +6941,7 @@
                           <a:ea typeface="等线" panose="02010600030101010101" pitchFamily="2" charset="-122"/>
                           <a:cs typeface="+mn-cs"/>
                         </a:rPr>
-                        <a:t> </a:t>
-                      </a:r>
-                      <a:r>
-                        <a:rPr kumimoji="0" lang="en-US" altLang="zh-CN" sz="1400" b="1" i="0" u="none" strike="noStrike" kern="1200" cap="none" spc="0" normalizeH="0" baseline="0" noProof="0" dirty="0" smtClean="0">
-                          <a:ln>
-                            <a:noFill/>
-                          </a:ln>
-                          <a:solidFill>
-                            <a:prstClr val="black"/>
-                          </a:solidFill>
-                          <a:effectLst/>
-                          <a:uLnTx/>
-                          <a:uFillTx/>
-                          <a:latin typeface="等线" panose="020F0502020204030204"/>
-                          <a:ea typeface="等线" panose="02010600030101010101" pitchFamily="2" charset="-122"/>
-                          <a:cs typeface="+mn-cs"/>
-                        </a:rPr>
-                        <a:t>1</a:t>
+                        <a:t> 1</a:t>
                       </a:r>
                       <a:endParaRPr kumimoji="0" lang="zh-CN" altLang="en-US" sz="1400" b="1" i="0" u="none" strike="noStrike" kern="1200" cap="none" spc="0" normalizeH="0" baseline="0" noProof="0" dirty="0">
                         <a:ln>
@@ -7399,24 +7182,7 @@
                           <a:ea typeface="等线" panose="02010600030101010101" pitchFamily="2" charset="-122"/>
                           <a:cs typeface="+mn-cs"/>
                         </a:rPr>
-                        <a:t> </a:t>
-                      </a:r>
-                      <a:r>
-                        <a:rPr kumimoji="0" lang="en-US" altLang="zh-CN" sz="1400" b="1" i="0" u="none" strike="noStrike" kern="1200" cap="none" spc="0" normalizeH="0" baseline="0" noProof="0" dirty="0" smtClean="0">
-                          <a:ln>
-                            <a:noFill/>
-                          </a:ln>
-                          <a:solidFill>
-                            <a:prstClr val="black"/>
-                          </a:solidFill>
-                          <a:effectLst/>
-                          <a:uLnTx/>
-                          <a:uFillTx/>
-                          <a:latin typeface="等线" panose="020F0502020204030204"/>
-                          <a:ea typeface="等线" panose="02010600030101010101" pitchFamily="2" charset="-122"/>
-                          <a:cs typeface="+mn-cs"/>
-                        </a:rPr>
-                        <a:t>m-1</a:t>
+                        <a:t> m-1</a:t>
                       </a:r>
                       <a:endParaRPr kumimoji="0" lang="zh-CN" altLang="en-US" sz="1400" b="1" i="0" u="none" strike="noStrike" kern="1200" cap="none" spc="0" normalizeH="0" baseline="0" noProof="0" dirty="0">
                         <a:ln>
@@ -7545,24 +7311,7 @@
                           <a:ea typeface="等线" panose="02010600030101010101" pitchFamily="2" charset="-122"/>
                           <a:cs typeface="+mn-cs"/>
                         </a:rPr>
-                        <a:t> </a:t>
-                      </a:r>
-                      <a:r>
-                        <a:rPr kumimoji="0" lang="en-US" altLang="zh-CN" sz="1400" b="1" i="0" u="none" strike="noStrike" kern="1200" cap="none" spc="0" normalizeH="0" baseline="0" noProof="0" dirty="0" smtClean="0">
-                          <a:ln>
-                            <a:noFill/>
-                          </a:ln>
-                          <a:solidFill>
-                            <a:prstClr val="black"/>
-                          </a:solidFill>
-                          <a:effectLst/>
-                          <a:uLnTx/>
-                          <a:uFillTx/>
-                          <a:latin typeface="等线" panose="020F0502020204030204"/>
-                          <a:ea typeface="等线" panose="02010600030101010101" pitchFamily="2" charset="-122"/>
-                          <a:cs typeface="+mn-cs"/>
-                        </a:rPr>
-                        <a:t>m</a:t>
+                        <a:t> m</a:t>
                       </a:r>
                       <a:endParaRPr kumimoji="0" lang="zh-CN" altLang="en-US" sz="1400" b="1" i="0" u="none" strike="noStrike" kern="1200" cap="none" spc="0" normalizeH="0" baseline="0" noProof="0" dirty="0">
                         <a:ln>
@@ -7803,24 +7552,7 @@
                           <a:ea typeface="等线" panose="02010600030101010101" pitchFamily="2" charset="-122"/>
                           <a:cs typeface="+mn-cs"/>
                         </a:rPr>
-                        <a:t> </a:t>
-                      </a:r>
-                      <a:r>
-                        <a:rPr kumimoji="0" lang="en-US" altLang="zh-CN" sz="1400" b="1" i="0" u="none" strike="noStrike" kern="1200" cap="none" spc="0" normalizeH="0" baseline="0" noProof="0" dirty="0" smtClean="0">
-                          <a:ln>
-                            <a:noFill/>
-                          </a:ln>
-                          <a:solidFill>
-                            <a:prstClr val="black"/>
-                          </a:solidFill>
-                          <a:effectLst/>
-                          <a:uLnTx/>
-                          <a:uFillTx/>
-                          <a:latin typeface="等线" panose="020F0502020204030204"/>
-                          <a:ea typeface="等线" panose="02010600030101010101" pitchFamily="2" charset="-122"/>
-                          <a:cs typeface="+mn-cs"/>
-                        </a:rPr>
-                        <a:t>n(m-1)</a:t>
+                        <a:t> n(m-1)</a:t>
                       </a:r>
                       <a:endParaRPr kumimoji="0" lang="zh-CN" altLang="en-US" sz="1400" b="1" i="0" u="none" strike="noStrike" kern="1200" cap="none" spc="0" normalizeH="0" baseline="0" noProof="0" dirty="0">
                         <a:ln>
@@ -7949,24 +7681,7 @@
                           <a:ea typeface="等线" panose="02010600030101010101" pitchFamily="2" charset="-122"/>
                           <a:cs typeface="+mn-cs"/>
                         </a:rPr>
-                        <a:t> </a:t>
-                      </a:r>
-                      <a:r>
-                        <a:rPr kumimoji="0" lang="en-US" altLang="zh-CN" sz="1400" b="1" i="0" u="none" strike="noStrike" kern="1200" cap="none" spc="0" normalizeH="0" baseline="0" noProof="0" dirty="0" smtClean="0">
-                          <a:ln>
-                            <a:noFill/>
-                          </a:ln>
-                          <a:solidFill>
-                            <a:prstClr val="black"/>
-                          </a:solidFill>
-                          <a:effectLst/>
-                          <a:uLnTx/>
-                          <a:uFillTx/>
-                          <a:latin typeface="等线" panose="020F0502020204030204"/>
-                          <a:ea typeface="等线" panose="02010600030101010101" pitchFamily="2" charset="-122"/>
-                          <a:cs typeface="+mn-cs"/>
-                        </a:rPr>
-                        <a:t>n(m-1)+1</a:t>
+                        <a:t> n(m-1)+1</a:t>
                       </a:r>
                       <a:endParaRPr kumimoji="0" lang="zh-CN" altLang="en-US" sz="1400" b="1" i="0" u="none" strike="noStrike" kern="1200" cap="none" spc="0" normalizeH="0" baseline="0" noProof="0" dirty="0">
                         <a:ln>
@@ -8207,24 +7922,7 @@
                           <a:ea typeface="+mn-ea"/>
                           <a:cs typeface="+mn-cs"/>
                         </a:rPr>
-                        <a:t> </a:t>
-                      </a:r>
-                      <a:r>
-                        <a:rPr kumimoji="0" lang="en-US" altLang="zh-CN" sz="1400" b="1" i="0" u="none" strike="noStrike" kern="1200" cap="none" spc="0" normalizeH="0" baseline="0" noProof="0" dirty="0" smtClean="0">
-                          <a:ln>
-                            <a:noFill/>
-                          </a:ln>
-                          <a:solidFill>
-                            <a:prstClr val="black"/>
-                          </a:solidFill>
-                          <a:effectLst/>
-                          <a:uLnTx/>
-                          <a:uFillTx/>
-                          <a:latin typeface="+mn-lt"/>
-                          <a:ea typeface="+mn-ea"/>
-                          <a:cs typeface="+mn-cs"/>
-                        </a:rPr>
-                        <a:t>n(m-1)+m-1</a:t>
+                        <a:t> n(m-1)+m-1</a:t>
                       </a:r>
                       <a:endParaRPr kumimoji="0" lang="zh-CN" altLang="en-US" sz="1400" b="1" i="0" u="none" strike="noStrike" kern="1200" cap="none" spc="0" normalizeH="0" baseline="0" noProof="0" dirty="0">
                         <a:ln>
@@ -8353,24 +8051,7 @@
                           <a:ea typeface="等线" panose="02010600030101010101" pitchFamily="2" charset="-122"/>
                           <a:cs typeface="+mn-cs"/>
                         </a:rPr>
-                        <a:t> </a:t>
-                      </a:r>
-                      <a:r>
-                        <a:rPr kumimoji="0" lang="en-US" altLang="zh-CN" sz="1400" b="1" i="0" u="none" strike="noStrike" kern="1200" cap="none" spc="0" normalizeH="0" baseline="0" noProof="0" dirty="0" smtClean="0">
-                          <a:ln>
-                            <a:noFill/>
-                          </a:ln>
-                          <a:solidFill>
-                            <a:prstClr val="black"/>
-                          </a:solidFill>
-                          <a:effectLst/>
-                          <a:uLnTx/>
-                          <a:uFillTx/>
-                          <a:latin typeface="等线" panose="020F0502020204030204"/>
-                          <a:ea typeface="等线" panose="02010600030101010101" pitchFamily="2" charset="-122"/>
-                          <a:cs typeface="+mn-cs"/>
-                        </a:rPr>
-                        <a:t>nm</a:t>
+                        <a:t> nm</a:t>
                       </a:r>
                       <a:endParaRPr kumimoji="0" lang="zh-CN" altLang="en-US" sz="1400" b="1" i="0" u="none" strike="noStrike" kern="1200" cap="none" spc="0" normalizeH="0" baseline="0" noProof="0" dirty="0">
                         <a:ln>
@@ -9102,11 +8783,7 @@
             </a:r>
             <a:r>
               <a:rPr lang="zh-CN" altLang="en-US" dirty="0" smtClean="0"/>
-              <a:t>密钥</a:t>
-            </a:r>
-            <a:r>
-              <a:rPr lang="zh-CN" altLang="en-US" dirty="0" smtClean="0"/>
-              <a:t>加</a:t>
+              <a:t>密钥加</a:t>
             </a:r>
             <a:endParaRPr lang="zh-CN" altLang="en-US" dirty="0"/>
           </a:p>
@@ -9298,11 +8975,7 @@
             </a:r>
             <a:r>
               <a:rPr lang="zh-CN" altLang="en-US" dirty="0" smtClean="0"/>
-              <a:t>密钥</a:t>
-            </a:r>
-            <a:r>
-              <a:rPr lang="zh-CN" altLang="en-US" dirty="0" smtClean="0"/>
-              <a:t>加</a:t>
+              <a:t>密钥加</a:t>
             </a:r>
             <a:endParaRPr lang="zh-CN" altLang="en-US" dirty="0"/>
           </a:p>
@@ -9517,11 +9190,7 @@
             </a:r>
             <a:r>
               <a:rPr lang="zh-CN" altLang="en-US" dirty="0" smtClean="0"/>
-              <a:t>密钥</a:t>
-            </a:r>
-            <a:r>
-              <a:rPr lang="zh-CN" altLang="en-US" dirty="0" smtClean="0"/>
-              <a:t>加</a:t>
+              <a:t>密钥加</a:t>
             </a:r>
             <a:endParaRPr lang="zh-CN" altLang="en-US" dirty="0"/>
           </a:p>
@@ -9938,7 +9607,6 @@
               <a:rPr lang="zh-CN" altLang="en-US" dirty="0"/>
               <a:t>加</a:t>
             </a:r>
-            <a:endParaRPr lang="zh-CN" altLang="en-US" dirty="0"/>
           </a:p>
         </p:txBody>
       </p:sp>
@@ -10308,11 +9976,7 @@
             </a:r>
             <a:r>
               <a:rPr lang="zh-CN" altLang="en-US" dirty="0" smtClean="0"/>
-              <a:t>密钥</a:t>
-            </a:r>
-            <a:r>
-              <a:rPr lang="zh-CN" altLang="en-US" dirty="0" smtClean="0"/>
-              <a:t>加</a:t>
+              <a:t>密钥加</a:t>
             </a:r>
             <a:endParaRPr lang="zh-CN" altLang="en-US" dirty="0"/>
           </a:p>
@@ -10814,11 +10478,7 @@
             </a:r>
             <a:r>
               <a:rPr lang="zh-CN" altLang="en-US" dirty="0" smtClean="0"/>
-              <a:t>密钥</a:t>
-            </a:r>
-            <a:r>
-              <a:rPr lang="zh-CN" altLang="en-US" dirty="0" smtClean="0"/>
-              <a:t>加</a:t>
+              <a:t>密钥加</a:t>
             </a:r>
             <a:endParaRPr lang="zh-CN" altLang="en-US" dirty="0"/>
           </a:p>
@@ -13087,10 +12747,7521 @@
           <a:chExt cx="0" cy="0"/>
         </a:xfrm>
       </p:grpSpPr>
+      <p:cxnSp>
+        <p:nvCxnSpPr>
+          <p:cNvPr id="2" name="直接连接符 1"/>
+          <p:cNvCxnSpPr/>
+          <p:nvPr/>
+        </p:nvCxnSpPr>
+        <p:spPr>
+          <a:xfrm flipH="1">
+            <a:off x="-1779104" y="-4452730"/>
+            <a:ext cx="9939" cy="20086982"/>
+          </a:xfrm>
+          <a:prstGeom prst="line">
+            <a:avLst/>
+          </a:prstGeom>
+        </p:spPr>
+        <p:style>
+          <a:lnRef idx="1">
+            <a:schemeClr val="accent1"/>
+          </a:lnRef>
+          <a:fillRef idx="0">
+            <a:schemeClr val="accent1"/>
+          </a:fillRef>
+          <a:effectRef idx="0">
+            <a:schemeClr val="accent1"/>
+          </a:effectRef>
+          <a:fontRef idx="minor">
+            <a:schemeClr val="tx1"/>
+          </a:fontRef>
+        </p:style>
+      </p:cxnSp>
+      <p:graphicFrame>
+        <p:nvGraphicFramePr>
+          <p:cNvPr id="3" name="表格 2"/>
+          <p:cNvGraphicFramePr>
+            <a:graphicFrameLocks noGrp="1"/>
+          </p:cNvGraphicFramePr>
+          <p:nvPr>
+            <p:extLst>
+              <p:ext uri="{D42A27DB-BD31-4B8C-83A1-F6EECF244321}">
+                <p14:modId xmlns:p14="http://schemas.microsoft.com/office/powerpoint/2010/main" val="191103046"/>
+              </p:ext>
+            </p:extLst>
+          </p:nvPr>
+        </p:nvGraphicFramePr>
+        <p:xfrm>
+          <a:off x="829408" y="0"/>
+          <a:ext cx="6096000" cy="370840"/>
+        </p:xfrm>
+        <a:graphic>
+          <a:graphicData uri="http://schemas.openxmlformats.org/drawingml/2006/table">
+            <a:tbl>
+              <a:tblPr firstRow="1" bandRow="1">
+                <a:tableStyleId>{BC89EF96-8CEA-46FF-86C4-4CE0E7609802}</a:tableStyleId>
+              </a:tblPr>
+              <a:tblGrid>
+                <a:gridCol w="381000">
+                  <a:extLst>
+                    <a:ext uri="{9D8B030D-6E8A-4147-A177-3AD203B41FA5}">
+                      <a16:colId xmlns:a16="http://schemas.microsoft.com/office/drawing/2014/main" val="3007818853"/>
+                    </a:ext>
+                  </a:extLst>
+                </a:gridCol>
+                <a:gridCol w="381000">
+                  <a:extLst>
+                    <a:ext uri="{9D8B030D-6E8A-4147-A177-3AD203B41FA5}">
+                      <a16:colId xmlns:a16="http://schemas.microsoft.com/office/drawing/2014/main" val="2498663781"/>
+                    </a:ext>
+                  </a:extLst>
+                </a:gridCol>
+                <a:gridCol w="381000">
+                  <a:extLst>
+                    <a:ext uri="{9D8B030D-6E8A-4147-A177-3AD203B41FA5}">
+                      <a16:colId xmlns:a16="http://schemas.microsoft.com/office/drawing/2014/main" val="804477408"/>
+                    </a:ext>
+                  </a:extLst>
+                </a:gridCol>
+                <a:gridCol w="381000">
+                  <a:extLst>
+                    <a:ext uri="{9D8B030D-6E8A-4147-A177-3AD203B41FA5}">
+                      <a16:colId xmlns:a16="http://schemas.microsoft.com/office/drawing/2014/main" val="2446680721"/>
+                    </a:ext>
+                  </a:extLst>
+                </a:gridCol>
+                <a:gridCol w="381000">
+                  <a:extLst>
+                    <a:ext uri="{9D8B030D-6E8A-4147-A177-3AD203B41FA5}">
+                      <a16:colId xmlns:a16="http://schemas.microsoft.com/office/drawing/2014/main" val="2801392847"/>
+                    </a:ext>
+                  </a:extLst>
+                </a:gridCol>
+                <a:gridCol w="381000">
+                  <a:extLst>
+                    <a:ext uri="{9D8B030D-6E8A-4147-A177-3AD203B41FA5}">
+                      <a16:colId xmlns:a16="http://schemas.microsoft.com/office/drawing/2014/main" val="605661667"/>
+                    </a:ext>
+                  </a:extLst>
+                </a:gridCol>
+                <a:gridCol w="381000">
+                  <a:extLst>
+                    <a:ext uri="{9D8B030D-6E8A-4147-A177-3AD203B41FA5}">
+                      <a16:colId xmlns:a16="http://schemas.microsoft.com/office/drawing/2014/main" val="198251928"/>
+                    </a:ext>
+                  </a:extLst>
+                </a:gridCol>
+                <a:gridCol w="381000">
+                  <a:extLst>
+                    <a:ext uri="{9D8B030D-6E8A-4147-A177-3AD203B41FA5}">
+                      <a16:colId xmlns:a16="http://schemas.microsoft.com/office/drawing/2014/main" val="2538757732"/>
+                    </a:ext>
+                  </a:extLst>
+                </a:gridCol>
+                <a:gridCol w="381000">
+                  <a:extLst>
+                    <a:ext uri="{9D8B030D-6E8A-4147-A177-3AD203B41FA5}">
+                      <a16:colId xmlns:a16="http://schemas.microsoft.com/office/drawing/2014/main" val="1214841426"/>
+                    </a:ext>
+                  </a:extLst>
+                </a:gridCol>
+                <a:gridCol w="381000">
+                  <a:extLst>
+                    <a:ext uri="{9D8B030D-6E8A-4147-A177-3AD203B41FA5}">
+                      <a16:colId xmlns:a16="http://schemas.microsoft.com/office/drawing/2014/main" val="3049451208"/>
+                    </a:ext>
+                  </a:extLst>
+                </a:gridCol>
+                <a:gridCol w="381000">
+                  <a:extLst>
+                    <a:ext uri="{9D8B030D-6E8A-4147-A177-3AD203B41FA5}">
+                      <a16:colId xmlns:a16="http://schemas.microsoft.com/office/drawing/2014/main" val="3193957586"/>
+                    </a:ext>
+                  </a:extLst>
+                </a:gridCol>
+                <a:gridCol w="381000">
+                  <a:extLst>
+                    <a:ext uri="{9D8B030D-6E8A-4147-A177-3AD203B41FA5}">
+                      <a16:colId xmlns:a16="http://schemas.microsoft.com/office/drawing/2014/main" val="366614868"/>
+                    </a:ext>
+                  </a:extLst>
+                </a:gridCol>
+                <a:gridCol w="381000">
+                  <a:extLst>
+                    <a:ext uri="{9D8B030D-6E8A-4147-A177-3AD203B41FA5}">
+                      <a16:colId xmlns:a16="http://schemas.microsoft.com/office/drawing/2014/main" val="2198995603"/>
+                    </a:ext>
+                  </a:extLst>
+                </a:gridCol>
+                <a:gridCol w="381000">
+                  <a:extLst>
+                    <a:ext uri="{9D8B030D-6E8A-4147-A177-3AD203B41FA5}">
+                      <a16:colId xmlns:a16="http://schemas.microsoft.com/office/drawing/2014/main" val="2909103792"/>
+                    </a:ext>
+                  </a:extLst>
+                </a:gridCol>
+                <a:gridCol w="381000">
+                  <a:extLst>
+                    <a:ext uri="{9D8B030D-6E8A-4147-A177-3AD203B41FA5}">
+                      <a16:colId xmlns:a16="http://schemas.microsoft.com/office/drawing/2014/main" val="1211171743"/>
+                    </a:ext>
+                  </a:extLst>
+                </a:gridCol>
+                <a:gridCol w="381000">
+                  <a:extLst>
+                    <a:ext uri="{9D8B030D-6E8A-4147-A177-3AD203B41FA5}">
+                      <a16:colId xmlns:a16="http://schemas.microsoft.com/office/drawing/2014/main" val="2896928695"/>
+                    </a:ext>
+                  </a:extLst>
+                </a:gridCol>
+              </a:tblGrid>
+              <a:tr h="370840">
+                <a:tc>
+                  <a:txBody>
+                    <a:bodyPr/>
+                    <a:lstStyle/>
+                    <a:p>
+                      <a:r>
+                        <a:rPr lang="en-US" altLang="zh-CN" sz="900" dirty="0" err="1" smtClean="0"/>
+                        <a:t>p0</a:t>
+                      </a:r>
+                      <a:endParaRPr lang="zh-CN" altLang="en-US" sz="900" dirty="0"/>
+                    </a:p>
+                  </a:txBody>
+                  <a:tcPr/>
+                </a:tc>
+                <a:tc>
+                  <a:txBody>
+                    <a:bodyPr/>
+                    <a:lstStyle/>
+                    <a:p>
+                      <a:pPr marL="0" marR="0" lvl="0" indent="0" algn="l" defTabSz="914400" rtl="0" eaLnBrk="1" fontAlgn="auto" latinLnBrk="0" hangingPunct="1">
+                        <a:lnSpc>
+                          <a:spcPct val="100000"/>
+                        </a:lnSpc>
+                        <a:spcBef>
+                          <a:spcPts val="0"/>
+                        </a:spcBef>
+                        <a:spcAft>
+                          <a:spcPts val="0"/>
+                        </a:spcAft>
+                        <a:buClrTx/>
+                        <a:buSzTx/>
+                        <a:buFontTx/>
+                        <a:buNone/>
+                        <a:tabLst/>
+                        <a:defRPr/>
+                      </a:pPr>
+                      <a:r>
+                        <a:rPr kumimoji="0" lang="en-US" altLang="zh-CN" sz="900" b="1" i="0" u="none" strike="noStrike" kern="1200" cap="none" spc="0" normalizeH="0" baseline="0" noProof="0" dirty="0" err="1" smtClean="0">
+                          <a:ln>
+                            <a:noFill/>
+                          </a:ln>
+                          <a:solidFill>
+                            <a:prstClr val="black"/>
+                          </a:solidFill>
+                          <a:effectLst/>
+                          <a:uLnTx/>
+                          <a:uFillTx/>
+                          <a:latin typeface="Calibri" panose="020F0502020204030204"/>
+                          <a:ea typeface="等线" panose="02010600030101010101" pitchFamily="2" charset="-122"/>
+                          <a:cs typeface="+mn-cs"/>
+                        </a:rPr>
+                        <a:t>p1</a:t>
+                      </a:r>
+                      <a:endParaRPr kumimoji="0" lang="zh-CN" altLang="en-US" sz="900" b="1" i="0" u="none" strike="noStrike" kern="1200" cap="none" spc="0" normalizeH="0" baseline="0" noProof="0" dirty="0">
+                        <a:ln>
+                          <a:noFill/>
+                        </a:ln>
+                        <a:solidFill>
+                          <a:prstClr val="black"/>
+                        </a:solidFill>
+                        <a:effectLst/>
+                        <a:uLnTx/>
+                        <a:uFillTx/>
+                        <a:latin typeface="Calibri" panose="020F0502020204030204"/>
+                        <a:ea typeface="等线" panose="02010600030101010101" pitchFamily="2" charset="-122"/>
+                        <a:cs typeface="+mn-cs"/>
+                      </a:endParaRPr>
+                    </a:p>
+                  </a:txBody>
+                  <a:tcPr/>
+                </a:tc>
+                <a:tc>
+                  <a:txBody>
+                    <a:bodyPr/>
+                    <a:lstStyle/>
+                    <a:p>
+                      <a:pPr marL="0" marR="0" lvl="0" indent="0" algn="l" defTabSz="914400" rtl="0" eaLnBrk="1" fontAlgn="auto" latinLnBrk="0" hangingPunct="1">
+                        <a:lnSpc>
+                          <a:spcPct val="100000"/>
+                        </a:lnSpc>
+                        <a:spcBef>
+                          <a:spcPts val="0"/>
+                        </a:spcBef>
+                        <a:spcAft>
+                          <a:spcPts val="0"/>
+                        </a:spcAft>
+                        <a:buClrTx/>
+                        <a:buSzTx/>
+                        <a:buFontTx/>
+                        <a:buNone/>
+                        <a:tabLst/>
+                        <a:defRPr/>
+                      </a:pPr>
+                      <a:r>
+                        <a:rPr kumimoji="0" lang="en-US" altLang="zh-CN" sz="900" b="1" i="0" u="none" strike="noStrike" kern="1200" cap="none" spc="0" normalizeH="0" baseline="0" noProof="0" dirty="0" err="1" smtClean="0">
+                          <a:ln>
+                            <a:noFill/>
+                          </a:ln>
+                          <a:solidFill>
+                            <a:prstClr val="black"/>
+                          </a:solidFill>
+                          <a:effectLst/>
+                          <a:uLnTx/>
+                          <a:uFillTx/>
+                          <a:latin typeface="Calibri" panose="020F0502020204030204"/>
+                          <a:ea typeface="等线" panose="02010600030101010101" pitchFamily="2" charset="-122"/>
+                          <a:cs typeface="+mn-cs"/>
+                        </a:rPr>
+                        <a:t>p2</a:t>
+                      </a:r>
+                      <a:endParaRPr kumimoji="0" lang="zh-CN" altLang="en-US" sz="900" b="1" i="0" u="none" strike="noStrike" kern="1200" cap="none" spc="0" normalizeH="0" baseline="0" noProof="0" dirty="0">
+                        <a:ln>
+                          <a:noFill/>
+                        </a:ln>
+                        <a:solidFill>
+                          <a:prstClr val="black"/>
+                        </a:solidFill>
+                        <a:effectLst/>
+                        <a:uLnTx/>
+                        <a:uFillTx/>
+                        <a:latin typeface="Calibri" panose="020F0502020204030204"/>
+                        <a:ea typeface="等线" panose="02010600030101010101" pitchFamily="2" charset="-122"/>
+                        <a:cs typeface="+mn-cs"/>
+                      </a:endParaRPr>
+                    </a:p>
+                  </a:txBody>
+                  <a:tcPr/>
+                </a:tc>
+                <a:tc>
+                  <a:txBody>
+                    <a:bodyPr/>
+                    <a:lstStyle/>
+                    <a:p>
+                      <a:pPr marL="0" marR="0" lvl="0" indent="0" algn="l" defTabSz="914400" rtl="0" eaLnBrk="1" fontAlgn="auto" latinLnBrk="0" hangingPunct="1">
+                        <a:lnSpc>
+                          <a:spcPct val="100000"/>
+                        </a:lnSpc>
+                        <a:spcBef>
+                          <a:spcPts val="0"/>
+                        </a:spcBef>
+                        <a:spcAft>
+                          <a:spcPts val="0"/>
+                        </a:spcAft>
+                        <a:buClrTx/>
+                        <a:buSzTx/>
+                        <a:buFontTx/>
+                        <a:buNone/>
+                        <a:tabLst/>
+                        <a:defRPr/>
+                      </a:pPr>
+                      <a:r>
+                        <a:rPr kumimoji="0" lang="en-US" altLang="zh-CN" sz="900" b="1" i="0" u="none" strike="noStrike" kern="1200" cap="none" spc="0" normalizeH="0" baseline="0" noProof="0" dirty="0" err="1" smtClean="0">
+                          <a:ln>
+                            <a:noFill/>
+                          </a:ln>
+                          <a:solidFill>
+                            <a:prstClr val="black"/>
+                          </a:solidFill>
+                          <a:effectLst/>
+                          <a:uLnTx/>
+                          <a:uFillTx/>
+                          <a:latin typeface="Calibri" panose="020F0502020204030204"/>
+                          <a:ea typeface="等线" panose="02010600030101010101" pitchFamily="2" charset="-122"/>
+                          <a:cs typeface="+mn-cs"/>
+                        </a:rPr>
+                        <a:t>p3</a:t>
+                      </a:r>
+                      <a:endParaRPr kumimoji="0" lang="zh-CN" altLang="en-US" sz="900" b="1" i="0" u="none" strike="noStrike" kern="1200" cap="none" spc="0" normalizeH="0" baseline="0" noProof="0" dirty="0">
+                        <a:ln>
+                          <a:noFill/>
+                        </a:ln>
+                        <a:solidFill>
+                          <a:prstClr val="black"/>
+                        </a:solidFill>
+                        <a:effectLst/>
+                        <a:uLnTx/>
+                        <a:uFillTx/>
+                        <a:latin typeface="Calibri" panose="020F0502020204030204"/>
+                        <a:ea typeface="等线" panose="02010600030101010101" pitchFamily="2" charset="-122"/>
+                        <a:cs typeface="+mn-cs"/>
+                      </a:endParaRPr>
+                    </a:p>
+                  </a:txBody>
+                  <a:tcPr/>
+                </a:tc>
+                <a:tc>
+                  <a:txBody>
+                    <a:bodyPr/>
+                    <a:lstStyle/>
+                    <a:p>
+                      <a:pPr marL="0" marR="0" lvl="0" indent="0" algn="l" defTabSz="914400" rtl="0" eaLnBrk="1" fontAlgn="auto" latinLnBrk="0" hangingPunct="1">
+                        <a:lnSpc>
+                          <a:spcPct val="100000"/>
+                        </a:lnSpc>
+                        <a:spcBef>
+                          <a:spcPts val="0"/>
+                        </a:spcBef>
+                        <a:spcAft>
+                          <a:spcPts val="0"/>
+                        </a:spcAft>
+                        <a:buClrTx/>
+                        <a:buSzTx/>
+                        <a:buFontTx/>
+                        <a:buNone/>
+                        <a:tabLst/>
+                        <a:defRPr/>
+                      </a:pPr>
+                      <a:r>
+                        <a:rPr kumimoji="0" lang="en-US" altLang="zh-CN" sz="900" b="1" i="0" u="none" strike="noStrike" kern="1200" cap="none" spc="0" normalizeH="0" baseline="0" noProof="0" dirty="0" err="1" smtClean="0">
+                          <a:ln>
+                            <a:noFill/>
+                          </a:ln>
+                          <a:solidFill>
+                            <a:prstClr val="black"/>
+                          </a:solidFill>
+                          <a:effectLst/>
+                          <a:uLnTx/>
+                          <a:uFillTx/>
+                          <a:latin typeface="Calibri" panose="020F0502020204030204"/>
+                          <a:ea typeface="等线" panose="02010600030101010101" pitchFamily="2" charset="-122"/>
+                          <a:cs typeface="+mn-cs"/>
+                        </a:rPr>
+                        <a:t>p4</a:t>
+                      </a:r>
+                      <a:endParaRPr kumimoji="0" lang="zh-CN" altLang="en-US" sz="900" b="1" i="0" u="none" strike="noStrike" kern="1200" cap="none" spc="0" normalizeH="0" baseline="0" noProof="0" dirty="0">
+                        <a:ln>
+                          <a:noFill/>
+                        </a:ln>
+                        <a:solidFill>
+                          <a:prstClr val="black"/>
+                        </a:solidFill>
+                        <a:effectLst/>
+                        <a:uLnTx/>
+                        <a:uFillTx/>
+                        <a:latin typeface="Calibri" panose="020F0502020204030204"/>
+                        <a:ea typeface="等线" panose="02010600030101010101" pitchFamily="2" charset="-122"/>
+                        <a:cs typeface="+mn-cs"/>
+                      </a:endParaRPr>
+                    </a:p>
+                  </a:txBody>
+                  <a:tcPr/>
+                </a:tc>
+                <a:tc>
+                  <a:txBody>
+                    <a:bodyPr/>
+                    <a:lstStyle/>
+                    <a:p>
+                      <a:pPr marL="0" marR="0" lvl="0" indent="0" algn="l" defTabSz="914400" rtl="0" eaLnBrk="1" fontAlgn="auto" latinLnBrk="0" hangingPunct="1">
+                        <a:lnSpc>
+                          <a:spcPct val="100000"/>
+                        </a:lnSpc>
+                        <a:spcBef>
+                          <a:spcPts val="0"/>
+                        </a:spcBef>
+                        <a:spcAft>
+                          <a:spcPts val="0"/>
+                        </a:spcAft>
+                        <a:buClrTx/>
+                        <a:buSzTx/>
+                        <a:buFontTx/>
+                        <a:buNone/>
+                        <a:tabLst/>
+                        <a:defRPr/>
+                      </a:pPr>
+                      <a:r>
+                        <a:rPr kumimoji="0" lang="en-US" altLang="zh-CN" sz="900" b="1" i="0" u="none" strike="noStrike" kern="1200" cap="none" spc="0" normalizeH="0" baseline="0" noProof="0" dirty="0" err="1" smtClean="0">
+                          <a:ln>
+                            <a:noFill/>
+                          </a:ln>
+                          <a:solidFill>
+                            <a:prstClr val="black"/>
+                          </a:solidFill>
+                          <a:effectLst/>
+                          <a:uLnTx/>
+                          <a:uFillTx/>
+                          <a:latin typeface="Calibri" panose="020F0502020204030204"/>
+                          <a:ea typeface="等线" panose="02010600030101010101" pitchFamily="2" charset="-122"/>
+                          <a:cs typeface="+mn-cs"/>
+                        </a:rPr>
+                        <a:t>p5</a:t>
+                      </a:r>
+                      <a:endParaRPr kumimoji="0" lang="zh-CN" altLang="en-US" sz="900" b="1" i="0" u="none" strike="noStrike" kern="1200" cap="none" spc="0" normalizeH="0" baseline="0" noProof="0" dirty="0">
+                        <a:ln>
+                          <a:noFill/>
+                        </a:ln>
+                        <a:solidFill>
+                          <a:prstClr val="black"/>
+                        </a:solidFill>
+                        <a:effectLst/>
+                        <a:uLnTx/>
+                        <a:uFillTx/>
+                        <a:latin typeface="Calibri" panose="020F0502020204030204"/>
+                        <a:ea typeface="等线" panose="02010600030101010101" pitchFamily="2" charset="-122"/>
+                        <a:cs typeface="+mn-cs"/>
+                      </a:endParaRPr>
+                    </a:p>
+                  </a:txBody>
+                  <a:tcPr/>
+                </a:tc>
+                <a:tc>
+                  <a:txBody>
+                    <a:bodyPr/>
+                    <a:lstStyle/>
+                    <a:p>
+                      <a:pPr marL="0" marR="0" lvl="0" indent="0" algn="l" defTabSz="914400" rtl="0" eaLnBrk="1" fontAlgn="auto" latinLnBrk="0" hangingPunct="1">
+                        <a:lnSpc>
+                          <a:spcPct val="100000"/>
+                        </a:lnSpc>
+                        <a:spcBef>
+                          <a:spcPts val="0"/>
+                        </a:spcBef>
+                        <a:spcAft>
+                          <a:spcPts val="0"/>
+                        </a:spcAft>
+                        <a:buClrTx/>
+                        <a:buSzTx/>
+                        <a:buFontTx/>
+                        <a:buNone/>
+                        <a:tabLst/>
+                        <a:defRPr/>
+                      </a:pPr>
+                      <a:r>
+                        <a:rPr kumimoji="0" lang="en-US" altLang="zh-CN" sz="900" b="1" i="0" u="none" strike="noStrike" kern="1200" cap="none" spc="0" normalizeH="0" baseline="0" noProof="0" dirty="0" err="1" smtClean="0">
+                          <a:ln>
+                            <a:noFill/>
+                          </a:ln>
+                          <a:solidFill>
+                            <a:prstClr val="black"/>
+                          </a:solidFill>
+                          <a:effectLst/>
+                          <a:uLnTx/>
+                          <a:uFillTx/>
+                          <a:latin typeface="Calibri" panose="020F0502020204030204"/>
+                          <a:ea typeface="等线" panose="02010600030101010101" pitchFamily="2" charset="-122"/>
+                          <a:cs typeface="+mn-cs"/>
+                        </a:rPr>
+                        <a:t>p6</a:t>
+                      </a:r>
+                      <a:endParaRPr kumimoji="0" lang="zh-CN" altLang="en-US" sz="900" b="1" i="0" u="none" strike="noStrike" kern="1200" cap="none" spc="0" normalizeH="0" baseline="0" noProof="0" dirty="0">
+                        <a:ln>
+                          <a:noFill/>
+                        </a:ln>
+                        <a:solidFill>
+                          <a:prstClr val="black"/>
+                        </a:solidFill>
+                        <a:effectLst/>
+                        <a:uLnTx/>
+                        <a:uFillTx/>
+                        <a:latin typeface="Calibri" panose="020F0502020204030204"/>
+                        <a:ea typeface="等线" panose="02010600030101010101" pitchFamily="2" charset="-122"/>
+                        <a:cs typeface="+mn-cs"/>
+                      </a:endParaRPr>
+                    </a:p>
+                  </a:txBody>
+                  <a:tcPr/>
+                </a:tc>
+                <a:tc>
+                  <a:txBody>
+                    <a:bodyPr/>
+                    <a:lstStyle/>
+                    <a:p>
+                      <a:pPr marL="0" marR="0" lvl="0" indent="0" algn="l" defTabSz="914400" rtl="0" eaLnBrk="1" fontAlgn="auto" latinLnBrk="0" hangingPunct="1">
+                        <a:lnSpc>
+                          <a:spcPct val="100000"/>
+                        </a:lnSpc>
+                        <a:spcBef>
+                          <a:spcPts val="0"/>
+                        </a:spcBef>
+                        <a:spcAft>
+                          <a:spcPts val="0"/>
+                        </a:spcAft>
+                        <a:buClrTx/>
+                        <a:buSzTx/>
+                        <a:buFontTx/>
+                        <a:buNone/>
+                        <a:tabLst/>
+                        <a:defRPr/>
+                      </a:pPr>
+                      <a:r>
+                        <a:rPr kumimoji="0" lang="en-US" altLang="zh-CN" sz="900" b="1" i="0" u="none" strike="noStrike" kern="1200" cap="none" spc="0" normalizeH="0" baseline="0" noProof="0" dirty="0" err="1" smtClean="0">
+                          <a:ln>
+                            <a:noFill/>
+                          </a:ln>
+                          <a:solidFill>
+                            <a:prstClr val="black"/>
+                          </a:solidFill>
+                          <a:effectLst/>
+                          <a:uLnTx/>
+                          <a:uFillTx/>
+                          <a:latin typeface="Calibri" panose="020F0502020204030204"/>
+                          <a:ea typeface="等线" panose="02010600030101010101" pitchFamily="2" charset="-122"/>
+                          <a:cs typeface="+mn-cs"/>
+                        </a:rPr>
+                        <a:t>p7</a:t>
+                      </a:r>
+                      <a:endParaRPr kumimoji="0" lang="zh-CN" altLang="en-US" sz="900" b="1" i="0" u="none" strike="noStrike" kern="1200" cap="none" spc="0" normalizeH="0" baseline="0" noProof="0" dirty="0">
+                        <a:ln>
+                          <a:noFill/>
+                        </a:ln>
+                        <a:solidFill>
+                          <a:prstClr val="black"/>
+                        </a:solidFill>
+                        <a:effectLst/>
+                        <a:uLnTx/>
+                        <a:uFillTx/>
+                        <a:latin typeface="Calibri" panose="020F0502020204030204"/>
+                        <a:ea typeface="等线" panose="02010600030101010101" pitchFamily="2" charset="-122"/>
+                        <a:cs typeface="+mn-cs"/>
+                      </a:endParaRPr>
+                    </a:p>
+                  </a:txBody>
+                  <a:tcPr/>
+                </a:tc>
+                <a:tc>
+                  <a:txBody>
+                    <a:bodyPr/>
+                    <a:lstStyle/>
+                    <a:p>
+                      <a:pPr marL="0" marR="0" lvl="0" indent="0" algn="l" defTabSz="914400" rtl="0" eaLnBrk="1" fontAlgn="auto" latinLnBrk="0" hangingPunct="1">
+                        <a:lnSpc>
+                          <a:spcPct val="100000"/>
+                        </a:lnSpc>
+                        <a:spcBef>
+                          <a:spcPts val="0"/>
+                        </a:spcBef>
+                        <a:spcAft>
+                          <a:spcPts val="0"/>
+                        </a:spcAft>
+                        <a:buClrTx/>
+                        <a:buSzTx/>
+                        <a:buFontTx/>
+                        <a:buNone/>
+                        <a:tabLst/>
+                        <a:defRPr/>
+                      </a:pPr>
+                      <a:r>
+                        <a:rPr kumimoji="0" lang="en-US" altLang="zh-CN" sz="900" b="1" i="0" u="none" strike="noStrike" kern="1200" cap="none" spc="0" normalizeH="0" baseline="0" noProof="0" dirty="0" err="1" smtClean="0">
+                          <a:ln>
+                            <a:noFill/>
+                          </a:ln>
+                          <a:solidFill>
+                            <a:prstClr val="black"/>
+                          </a:solidFill>
+                          <a:effectLst/>
+                          <a:uLnTx/>
+                          <a:uFillTx/>
+                          <a:latin typeface="Calibri" panose="020F0502020204030204"/>
+                          <a:ea typeface="等线" panose="02010600030101010101" pitchFamily="2" charset="-122"/>
+                          <a:cs typeface="+mn-cs"/>
+                        </a:rPr>
+                        <a:t>p8</a:t>
+                      </a:r>
+                      <a:endParaRPr kumimoji="0" lang="zh-CN" altLang="en-US" sz="900" b="1" i="0" u="none" strike="noStrike" kern="1200" cap="none" spc="0" normalizeH="0" baseline="0" noProof="0" dirty="0">
+                        <a:ln>
+                          <a:noFill/>
+                        </a:ln>
+                        <a:solidFill>
+                          <a:prstClr val="black"/>
+                        </a:solidFill>
+                        <a:effectLst/>
+                        <a:uLnTx/>
+                        <a:uFillTx/>
+                        <a:latin typeface="Calibri" panose="020F0502020204030204"/>
+                        <a:ea typeface="等线" panose="02010600030101010101" pitchFamily="2" charset="-122"/>
+                        <a:cs typeface="+mn-cs"/>
+                      </a:endParaRPr>
+                    </a:p>
+                  </a:txBody>
+                  <a:tcPr/>
+                </a:tc>
+                <a:tc>
+                  <a:txBody>
+                    <a:bodyPr/>
+                    <a:lstStyle/>
+                    <a:p>
+                      <a:pPr marL="0" marR="0" lvl="0" indent="0" algn="l" defTabSz="914400" rtl="0" eaLnBrk="1" fontAlgn="auto" latinLnBrk="0" hangingPunct="1">
+                        <a:lnSpc>
+                          <a:spcPct val="100000"/>
+                        </a:lnSpc>
+                        <a:spcBef>
+                          <a:spcPts val="0"/>
+                        </a:spcBef>
+                        <a:spcAft>
+                          <a:spcPts val="0"/>
+                        </a:spcAft>
+                        <a:buClrTx/>
+                        <a:buSzTx/>
+                        <a:buFontTx/>
+                        <a:buNone/>
+                        <a:tabLst/>
+                        <a:defRPr/>
+                      </a:pPr>
+                      <a:r>
+                        <a:rPr kumimoji="0" lang="en-US" altLang="zh-CN" sz="900" b="1" i="0" u="none" strike="noStrike" kern="1200" cap="none" spc="0" normalizeH="0" baseline="0" noProof="0" dirty="0" err="1" smtClean="0">
+                          <a:ln>
+                            <a:noFill/>
+                          </a:ln>
+                          <a:solidFill>
+                            <a:prstClr val="black"/>
+                          </a:solidFill>
+                          <a:effectLst/>
+                          <a:uLnTx/>
+                          <a:uFillTx/>
+                          <a:latin typeface="Calibri" panose="020F0502020204030204"/>
+                          <a:ea typeface="等线" panose="02010600030101010101" pitchFamily="2" charset="-122"/>
+                          <a:cs typeface="+mn-cs"/>
+                        </a:rPr>
+                        <a:t>p9</a:t>
+                      </a:r>
+                      <a:endParaRPr kumimoji="0" lang="zh-CN" altLang="en-US" sz="900" b="1" i="0" u="none" strike="noStrike" kern="1200" cap="none" spc="0" normalizeH="0" baseline="0" noProof="0" dirty="0">
+                        <a:ln>
+                          <a:noFill/>
+                        </a:ln>
+                        <a:solidFill>
+                          <a:prstClr val="black"/>
+                        </a:solidFill>
+                        <a:effectLst/>
+                        <a:uLnTx/>
+                        <a:uFillTx/>
+                        <a:latin typeface="Calibri" panose="020F0502020204030204"/>
+                        <a:ea typeface="等线" panose="02010600030101010101" pitchFamily="2" charset="-122"/>
+                        <a:cs typeface="+mn-cs"/>
+                      </a:endParaRPr>
+                    </a:p>
+                  </a:txBody>
+                  <a:tcPr/>
+                </a:tc>
+                <a:tc>
+                  <a:txBody>
+                    <a:bodyPr/>
+                    <a:lstStyle/>
+                    <a:p>
+                      <a:pPr marL="0" marR="0" lvl="0" indent="0" algn="l" defTabSz="914400" rtl="0" eaLnBrk="1" fontAlgn="auto" latinLnBrk="0" hangingPunct="1">
+                        <a:lnSpc>
+                          <a:spcPct val="100000"/>
+                        </a:lnSpc>
+                        <a:spcBef>
+                          <a:spcPts val="0"/>
+                        </a:spcBef>
+                        <a:spcAft>
+                          <a:spcPts val="0"/>
+                        </a:spcAft>
+                        <a:buClrTx/>
+                        <a:buSzTx/>
+                        <a:buFontTx/>
+                        <a:buNone/>
+                        <a:tabLst/>
+                        <a:defRPr/>
+                      </a:pPr>
+                      <a:r>
+                        <a:rPr kumimoji="0" lang="en-US" altLang="zh-CN" sz="900" b="1" i="0" u="none" strike="noStrike" kern="1200" cap="none" spc="0" normalizeH="0" baseline="0" noProof="0" dirty="0" err="1" smtClean="0">
+                          <a:ln>
+                            <a:noFill/>
+                          </a:ln>
+                          <a:solidFill>
+                            <a:prstClr val="black"/>
+                          </a:solidFill>
+                          <a:effectLst/>
+                          <a:uLnTx/>
+                          <a:uFillTx/>
+                          <a:latin typeface="Calibri" panose="020F0502020204030204"/>
+                          <a:ea typeface="等线" panose="02010600030101010101" pitchFamily="2" charset="-122"/>
+                          <a:cs typeface="+mn-cs"/>
+                        </a:rPr>
+                        <a:t>p10</a:t>
+                      </a:r>
+                      <a:endParaRPr kumimoji="0" lang="zh-CN" altLang="en-US" sz="900" b="1" i="0" u="none" strike="noStrike" kern="1200" cap="none" spc="0" normalizeH="0" baseline="0" noProof="0" dirty="0">
+                        <a:ln>
+                          <a:noFill/>
+                        </a:ln>
+                        <a:solidFill>
+                          <a:prstClr val="black"/>
+                        </a:solidFill>
+                        <a:effectLst/>
+                        <a:uLnTx/>
+                        <a:uFillTx/>
+                        <a:latin typeface="Calibri" panose="020F0502020204030204"/>
+                        <a:ea typeface="等线" panose="02010600030101010101" pitchFamily="2" charset="-122"/>
+                        <a:cs typeface="+mn-cs"/>
+                      </a:endParaRPr>
+                    </a:p>
+                  </a:txBody>
+                  <a:tcPr/>
+                </a:tc>
+                <a:tc>
+                  <a:txBody>
+                    <a:bodyPr/>
+                    <a:lstStyle/>
+                    <a:p>
+                      <a:pPr marL="0" marR="0" lvl="0" indent="0" algn="l" defTabSz="914400" rtl="0" eaLnBrk="1" fontAlgn="auto" latinLnBrk="0" hangingPunct="1">
+                        <a:lnSpc>
+                          <a:spcPct val="100000"/>
+                        </a:lnSpc>
+                        <a:spcBef>
+                          <a:spcPts val="0"/>
+                        </a:spcBef>
+                        <a:spcAft>
+                          <a:spcPts val="0"/>
+                        </a:spcAft>
+                        <a:buClrTx/>
+                        <a:buSzTx/>
+                        <a:buFontTx/>
+                        <a:buNone/>
+                        <a:tabLst/>
+                        <a:defRPr/>
+                      </a:pPr>
+                      <a:r>
+                        <a:rPr kumimoji="0" lang="en-US" altLang="zh-CN" sz="900" b="1" i="0" u="none" strike="noStrike" kern="1200" cap="none" spc="0" normalizeH="0" baseline="0" noProof="0" dirty="0" err="1" smtClean="0">
+                          <a:ln>
+                            <a:noFill/>
+                          </a:ln>
+                          <a:solidFill>
+                            <a:prstClr val="black"/>
+                          </a:solidFill>
+                          <a:effectLst/>
+                          <a:uLnTx/>
+                          <a:uFillTx/>
+                          <a:latin typeface="Calibri" panose="020F0502020204030204"/>
+                          <a:ea typeface="等线" panose="02010600030101010101" pitchFamily="2" charset="-122"/>
+                          <a:cs typeface="+mn-cs"/>
+                        </a:rPr>
+                        <a:t>p11</a:t>
+                      </a:r>
+                      <a:endParaRPr kumimoji="0" lang="zh-CN" altLang="en-US" sz="900" b="1" i="0" u="none" strike="noStrike" kern="1200" cap="none" spc="0" normalizeH="0" baseline="0" noProof="0" dirty="0">
+                        <a:ln>
+                          <a:noFill/>
+                        </a:ln>
+                        <a:solidFill>
+                          <a:prstClr val="black"/>
+                        </a:solidFill>
+                        <a:effectLst/>
+                        <a:uLnTx/>
+                        <a:uFillTx/>
+                        <a:latin typeface="Calibri" panose="020F0502020204030204"/>
+                        <a:ea typeface="等线" panose="02010600030101010101" pitchFamily="2" charset="-122"/>
+                        <a:cs typeface="+mn-cs"/>
+                      </a:endParaRPr>
+                    </a:p>
+                  </a:txBody>
+                  <a:tcPr/>
+                </a:tc>
+                <a:tc>
+                  <a:txBody>
+                    <a:bodyPr/>
+                    <a:lstStyle/>
+                    <a:p>
+                      <a:pPr marL="0" marR="0" lvl="0" indent="0" algn="l" defTabSz="914400" rtl="0" eaLnBrk="1" fontAlgn="auto" latinLnBrk="0" hangingPunct="1">
+                        <a:lnSpc>
+                          <a:spcPct val="100000"/>
+                        </a:lnSpc>
+                        <a:spcBef>
+                          <a:spcPts val="0"/>
+                        </a:spcBef>
+                        <a:spcAft>
+                          <a:spcPts val="0"/>
+                        </a:spcAft>
+                        <a:buClrTx/>
+                        <a:buSzTx/>
+                        <a:buFontTx/>
+                        <a:buNone/>
+                        <a:tabLst/>
+                        <a:defRPr/>
+                      </a:pPr>
+                      <a:r>
+                        <a:rPr kumimoji="0" lang="en-US" altLang="zh-CN" sz="900" b="1" i="0" u="none" strike="noStrike" kern="1200" cap="none" spc="0" normalizeH="0" baseline="0" noProof="0" dirty="0" err="1" smtClean="0">
+                          <a:ln>
+                            <a:noFill/>
+                          </a:ln>
+                          <a:solidFill>
+                            <a:prstClr val="black"/>
+                          </a:solidFill>
+                          <a:effectLst/>
+                          <a:uLnTx/>
+                          <a:uFillTx/>
+                          <a:latin typeface="Calibri" panose="020F0502020204030204"/>
+                          <a:ea typeface="等线" panose="02010600030101010101" pitchFamily="2" charset="-122"/>
+                          <a:cs typeface="+mn-cs"/>
+                        </a:rPr>
+                        <a:t>p12</a:t>
+                      </a:r>
+                      <a:endParaRPr kumimoji="0" lang="zh-CN" altLang="en-US" sz="900" b="1" i="0" u="none" strike="noStrike" kern="1200" cap="none" spc="0" normalizeH="0" baseline="0" noProof="0" dirty="0">
+                        <a:ln>
+                          <a:noFill/>
+                        </a:ln>
+                        <a:solidFill>
+                          <a:prstClr val="black"/>
+                        </a:solidFill>
+                        <a:effectLst/>
+                        <a:uLnTx/>
+                        <a:uFillTx/>
+                        <a:latin typeface="Calibri" panose="020F0502020204030204"/>
+                        <a:ea typeface="等线" panose="02010600030101010101" pitchFamily="2" charset="-122"/>
+                        <a:cs typeface="+mn-cs"/>
+                      </a:endParaRPr>
+                    </a:p>
+                  </a:txBody>
+                  <a:tcPr/>
+                </a:tc>
+                <a:tc>
+                  <a:txBody>
+                    <a:bodyPr/>
+                    <a:lstStyle/>
+                    <a:p>
+                      <a:pPr marL="0" marR="0" lvl="0" indent="0" algn="l" defTabSz="914400" rtl="0" eaLnBrk="1" fontAlgn="auto" latinLnBrk="0" hangingPunct="1">
+                        <a:lnSpc>
+                          <a:spcPct val="100000"/>
+                        </a:lnSpc>
+                        <a:spcBef>
+                          <a:spcPts val="0"/>
+                        </a:spcBef>
+                        <a:spcAft>
+                          <a:spcPts val="0"/>
+                        </a:spcAft>
+                        <a:buClrTx/>
+                        <a:buSzTx/>
+                        <a:buFontTx/>
+                        <a:buNone/>
+                        <a:tabLst/>
+                        <a:defRPr/>
+                      </a:pPr>
+                      <a:r>
+                        <a:rPr kumimoji="0" lang="en-US" altLang="zh-CN" sz="900" b="1" i="0" u="none" strike="noStrike" kern="1200" cap="none" spc="0" normalizeH="0" baseline="0" noProof="0" dirty="0" err="1" smtClean="0">
+                          <a:ln>
+                            <a:noFill/>
+                          </a:ln>
+                          <a:solidFill>
+                            <a:prstClr val="black"/>
+                          </a:solidFill>
+                          <a:effectLst/>
+                          <a:uLnTx/>
+                          <a:uFillTx/>
+                          <a:latin typeface="Calibri" panose="020F0502020204030204"/>
+                          <a:ea typeface="等线" panose="02010600030101010101" pitchFamily="2" charset="-122"/>
+                          <a:cs typeface="+mn-cs"/>
+                        </a:rPr>
+                        <a:t>p13</a:t>
+                      </a:r>
+                      <a:endParaRPr kumimoji="0" lang="zh-CN" altLang="en-US" sz="900" b="1" i="0" u="none" strike="noStrike" kern="1200" cap="none" spc="0" normalizeH="0" baseline="0" noProof="0" dirty="0">
+                        <a:ln>
+                          <a:noFill/>
+                        </a:ln>
+                        <a:solidFill>
+                          <a:prstClr val="black"/>
+                        </a:solidFill>
+                        <a:effectLst/>
+                        <a:uLnTx/>
+                        <a:uFillTx/>
+                        <a:latin typeface="Calibri" panose="020F0502020204030204"/>
+                        <a:ea typeface="等线" panose="02010600030101010101" pitchFamily="2" charset="-122"/>
+                        <a:cs typeface="+mn-cs"/>
+                      </a:endParaRPr>
+                    </a:p>
+                  </a:txBody>
+                  <a:tcPr/>
+                </a:tc>
+                <a:tc>
+                  <a:txBody>
+                    <a:bodyPr/>
+                    <a:lstStyle/>
+                    <a:p>
+                      <a:pPr marL="0" marR="0" lvl="0" indent="0" algn="l" defTabSz="914400" rtl="0" eaLnBrk="1" fontAlgn="auto" latinLnBrk="0" hangingPunct="1">
+                        <a:lnSpc>
+                          <a:spcPct val="100000"/>
+                        </a:lnSpc>
+                        <a:spcBef>
+                          <a:spcPts val="0"/>
+                        </a:spcBef>
+                        <a:spcAft>
+                          <a:spcPts val="0"/>
+                        </a:spcAft>
+                        <a:buClrTx/>
+                        <a:buSzTx/>
+                        <a:buFontTx/>
+                        <a:buNone/>
+                        <a:tabLst/>
+                        <a:defRPr/>
+                      </a:pPr>
+                      <a:r>
+                        <a:rPr kumimoji="0" lang="en-US" altLang="zh-CN" sz="900" b="1" i="0" u="none" strike="noStrike" kern="1200" cap="none" spc="0" normalizeH="0" baseline="0" noProof="0" dirty="0" err="1" smtClean="0">
+                          <a:ln>
+                            <a:noFill/>
+                          </a:ln>
+                          <a:solidFill>
+                            <a:prstClr val="black"/>
+                          </a:solidFill>
+                          <a:effectLst/>
+                          <a:uLnTx/>
+                          <a:uFillTx/>
+                          <a:latin typeface="Calibri" panose="020F0502020204030204"/>
+                          <a:ea typeface="等线" panose="02010600030101010101" pitchFamily="2" charset="-122"/>
+                          <a:cs typeface="+mn-cs"/>
+                        </a:rPr>
+                        <a:t>p14</a:t>
+                      </a:r>
+                      <a:endParaRPr kumimoji="0" lang="zh-CN" altLang="en-US" sz="900" b="1" i="0" u="none" strike="noStrike" kern="1200" cap="none" spc="0" normalizeH="0" baseline="0" noProof="0" dirty="0">
+                        <a:ln>
+                          <a:noFill/>
+                        </a:ln>
+                        <a:solidFill>
+                          <a:prstClr val="black"/>
+                        </a:solidFill>
+                        <a:effectLst/>
+                        <a:uLnTx/>
+                        <a:uFillTx/>
+                        <a:latin typeface="Calibri" panose="020F0502020204030204"/>
+                        <a:ea typeface="等线" panose="02010600030101010101" pitchFamily="2" charset="-122"/>
+                        <a:cs typeface="+mn-cs"/>
+                      </a:endParaRPr>
+                    </a:p>
+                  </a:txBody>
+                  <a:tcPr/>
+                </a:tc>
+                <a:tc>
+                  <a:txBody>
+                    <a:bodyPr/>
+                    <a:lstStyle/>
+                    <a:p>
+                      <a:pPr marL="0" marR="0" lvl="0" indent="0" algn="l" defTabSz="914400" rtl="0" eaLnBrk="1" fontAlgn="auto" latinLnBrk="0" hangingPunct="1">
+                        <a:lnSpc>
+                          <a:spcPct val="100000"/>
+                        </a:lnSpc>
+                        <a:spcBef>
+                          <a:spcPts val="0"/>
+                        </a:spcBef>
+                        <a:spcAft>
+                          <a:spcPts val="0"/>
+                        </a:spcAft>
+                        <a:buClrTx/>
+                        <a:buSzTx/>
+                        <a:buFontTx/>
+                        <a:buNone/>
+                        <a:tabLst/>
+                        <a:defRPr/>
+                      </a:pPr>
+                      <a:r>
+                        <a:rPr kumimoji="0" lang="en-US" altLang="zh-CN" sz="900" b="1" i="0" u="none" strike="noStrike" kern="1200" cap="none" spc="0" normalizeH="0" baseline="0" noProof="0" dirty="0" err="1" smtClean="0">
+                          <a:ln>
+                            <a:noFill/>
+                          </a:ln>
+                          <a:solidFill>
+                            <a:prstClr val="black"/>
+                          </a:solidFill>
+                          <a:effectLst/>
+                          <a:uLnTx/>
+                          <a:uFillTx/>
+                          <a:latin typeface="Calibri" panose="020F0502020204030204"/>
+                          <a:ea typeface="等线" panose="02010600030101010101" pitchFamily="2" charset="-122"/>
+                          <a:cs typeface="+mn-cs"/>
+                        </a:rPr>
+                        <a:t>p15</a:t>
+                      </a:r>
+                      <a:endParaRPr kumimoji="0" lang="zh-CN" altLang="en-US" sz="900" b="1" i="0" u="none" strike="noStrike" kern="1200" cap="none" spc="0" normalizeH="0" baseline="0" noProof="0" dirty="0">
+                        <a:ln>
+                          <a:noFill/>
+                        </a:ln>
+                        <a:solidFill>
+                          <a:prstClr val="black"/>
+                        </a:solidFill>
+                        <a:effectLst/>
+                        <a:uLnTx/>
+                        <a:uFillTx/>
+                        <a:latin typeface="Calibri" panose="020F0502020204030204"/>
+                        <a:ea typeface="等线" panose="02010600030101010101" pitchFamily="2" charset="-122"/>
+                        <a:cs typeface="+mn-cs"/>
+                      </a:endParaRPr>
+                    </a:p>
+                  </a:txBody>
+                  <a:tcPr/>
+                </a:tc>
+                <a:extLst>
+                  <a:ext uri="{0D108BD9-81ED-4DB2-BD59-A6C34878D82A}">
+                    <a16:rowId xmlns:a16="http://schemas.microsoft.com/office/drawing/2014/main" val="3529947148"/>
+                  </a:ext>
+                </a:extLst>
+              </a:tr>
+            </a:tbl>
+          </a:graphicData>
+        </a:graphic>
+      </p:graphicFrame>
+      <p:graphicFrame>
+        <p:nvGraphicFramePr>
+          <p:cNvPr id="4" name="表格 3"/>
+          <p:cNvGraphicFramePr>
+            <a:graphicFrameLocks noGrp="1"/>
+          </p:cNvGraphicFramePr>
+          <p:nvPr>
+            <p:extLst>
+              <p:ext uri="{D42A27DB-BD31-4B8C-83A1-F6EECF244321}">
+                <p14:modId xmlns:p14="http://schemas.microsoft.com/office/powerpoint/2010/main" val="1118747993"/>
+              </p:ext>
+            </p:extLst>
+          </p:nvPr>
+        </p:nvGraphicFramePr>
+        <p:xfrm>
+          <a:off x="829408" y="803031"/>
+          <a:ext cx="6096000" cy="370840"/>
+        </p:xfrm>
+        <a:graphic>
+          <a:graphicData uri="http://schemas.openxmlformats.org/drawingml/2006/table">
+            <a:tbl>
+              <a:tblPr firstRow="1" bandRow="1">
+                <a:tableStyleId>{BDBED569-4797-4DF1-A0F4-6AAB3CD982D8}</a:tableStyleId>
+              </a:tblPr>
+              <a:tblGrid>
+                <a:gridCol w="381000">
+                  <a:extLst>
+                    <a:ext uri="{9D8B030D-6E8A-4147-A177-3AD203B41FA5}">
+                      <a16:colId xmlns:a16="http://schemas.microsoft.com/office/drawing/2014/main" val="3007818853"/>
+                    </a:ext>
+                  </a:extLst>
+                </a:gridCol>
+                <a:gridCol w="381000">
+                  <a:extLst>
+                    <a:ext uri="{9D8B030D-6E8A-4147-A177-3AD203B41FA5}">
+                      <a16:colId xmlns:a16="http://schemas.microsoft.com/office/drawing/2014/main" val="2498663781"/>
+                    </a:ext>
+                  </a:extLst>
+                </a:gridCol>
+                <a:gridCol w="381000">
+                  <a:extLst>
+                    <a:ext uri="{9D8B030D-6E8A-4147-A177-3AD203B41FA5}">
+                      <a16:colId xmlns:a16="http://schemas.microsoft.com/office/drawing/2014/main" val="804477408"/>
+                    </a:ext>
+                  </a:extLst>
+                </a:gridCol>
+                <a:gridCol w="381000">
+                  <a:extLst>
+                    <a:ext uri="{9D8B030D-6E8A-4147-A177-3AD203B41FA5}">
+                      <a16:colId xmlns:a16="http://schemas.microsoft.com/office/drawing/2014/main" val="2446680721"/>
+                    </a:ext>
+                  </a:extLst>
+                </a:gridCol>
+                <a:gridCol w="381000">
+                  <a:extLst>
+                    <a:ext uri="{9D8B030D-6E8A-4147-A177-3AD203B41FA5}">
+                      <a16:colId xmlns:a16="http://schemas.microsoft.com/office/drawing/2014/main" val="2801392847"/>
+                    </a:ext>
+                  </a:extLst>
+                </a:gridCol>
+                <a:gridCol w="381000">
+                  <a:extLst>
+                    <a:ext uri="{9D8B030D-6E8A-4147-A177-3AD203B41FA5}">
+                      <a16:colId xmlns:a16="http://schemas.microsoft.com/office/drawing/2014/main" val="605661667"/>
+                    </a:ext>
+                  </a:extLst>
+                </a:gridCol>
+                <a:gridCol w="381000">
+                  <a:extLst>
+                    <a:ext uri="{9D8B030D-6E8A-4147-A177-3AD203B41FA5}">
+                      <a16:colId xmlns:a16="http://schemas.microsoft.com/office/drawing/2014/main" val="198251928"/>
+                    </a:ext>
+                  </a:extLst>
+                </a:gridCol>
+                <a:gridCol w="381000">
+                  <a:extLst>
+                    <a:ext uri="{9D8B030D-6E8A-4147-A177-3AD203B41FA5}">
+                      <a16:colId xmlns:a16="http://schemas.microsoft.com/office/drawing/2014/main" val="2538757732"/>
+                    </a:ext>
+                  </a:extLst>
+                </a:gridCol>
+                <a:gridCol w="381000">
+                  <a:extLst>
+                    <a:ext uri="{9D8B030D-6E8A-4147-A177-3AD203B41FA5}">
+                      <a16:colId xmlns:a16="http://schemas.microsoft.com/office/drawing/2014/main" val="1214841426"/>
+                    </a:ext>
+                  </a:extLst>
+                </a:gridCol>
+                <a:gridCol w="381000">
+                  <a:extLst>
+                    <a:ext uri="{9D8B030D-6E8A-4147-A177-3AD203B41FA5}">
+                      <a16:colId xmlns:a16="http://schemas.microsoft.com/office/drawing/2014/main" val="3049451208"/>
+                    </a:ext>
+                  </a:extLst>
+                </a:gridCol>
+                <a:gridCol w="381000">
+                  <a:extLst>
+                    <a:ext uri="{9D8B030D-6E8A-4147-A177-3AD203B41FA5}">
+                      <a16:colId xmlns:a16="http://schemas.microsoft.com/office/drawing/2014/main" val="3193957586"/>
+                    </a:ext>
+                  </a:extLst>
+                </a:gridCol>
+                <a:gridCol w="381000">
+                  <a:extLst>
+                    <a:ext uri="{9D8B030D-6E8A-4147-A177-3AD203B41FA5}">
+                      <a16:colId xmlns:a16="http://schemas.microsoft.com/office/drawing/2014/main" val="366614868"/>
+                    </a:ext>
+                  </a:extLst>
+                </a:gridCol>
+                <a:gridCol w="381000">
+                  <a:extLst>
+                    <a:ext uri="{9D8B030D-6E8A-4147-A177-3AD203B41FA5}">
+                      <a16:colId xmlns:a16="http://schemas.microsoft.com/office/drawing/2014/main" val="2198995603"/>
+                    </a:ext>
+                  </a:extLst>
+                </a:gridCol>
+                <a:gridCol w="381000">
+                  <a:extLst>
+                    <a:ext uri="{9D8B030D-6E8A-4147-A177-3AD203B41FA5}">
+                      <a16:colId xmlns:a16="http://schemas.microsoft.com/office/drawing/2014/main" val="2909103792"/>
+                    </a:ext>
+                  </a:extLst>
+                </a:gridCol>
+                <a:gridCol w="381000">
+                  <a:extLst>
+                    <a:ext uri="{9D8B030D-6E8A-4147-A177-3AD203B41FA5}">
+                      <a16:colId xmlns:a16="http://schemas.microsoft.com/office/drawing/2014/main" val="1211171743"/>
+                    </a:ext>
+                  </a:extLst>
+                </a:gridCol>
+                <a:gridCol w="381000">
+                  <a:extLst>
+                    <a:ext uri="{9D8B030D-6E8A-4147-A177-3AD203B41FA5}">
+                      <a16:colId xmlns:a16="http://schemas.microsoft.com/office/drawing/2014/main" val="2896928695"/>
+                    </a:ext>
+                  </a:extLst>
+                </a:gridCol>
+              </a:tblGrid>
+              <a:tr h="370840">
+                <a:tc>
+                  <a:txBody>
+                    <a:bodyPr/>
+                    <a:lstStyle/>
+                    <a:p>
+                      <a:r>
+                        <a:rPr lang="en-US" altLang="zh-CN" sz="900" dirty="0" err="1" smtClean="0"/>
+                        <a:t>k0</a:t>
+                      </a:r>
+                      <a:endParaRPr lang="zh-CN" altLang="en-US" sz="900" dirty="0"/>
+                    </a:p>
+                  </a:txBody>
+                  <a:tcPr/>
+                </a:tc>
+                <a:tc>
+                  <a:txBody>
+                    <a:bodyPr/>
+                    <a:lstStyle/>
+                    <a:p>
+                      <a:pPr marL="0" marR="0" lvl="0" indent="0" algn="l" defTabSz="914400" rtl="0" eaLnBrk="1" fontAlgn="auto" latinLnBrk="0" hangingPunct="1">
+                        <a:lnSpc>
+                          <a:spcPct val="100000"/>
+                        </a:lnSpc>
+                        <a:spcBef>
+                          <a:spcPts val="0"/>
+                        </a:spcBef>
+                        <a:spcAft>
+                          <a:spcPts val="0"/>
+                        </a:spcAft>
+                        <a:buClrTx/>
+                        <a:buSzTx/>
+                        <a:buFontTx/>
+                        <a:buNone/>
+                        <a:tabLst/>
+                        <a:defRPr/>
+                      </a:pPr>
+                      <a:r>
+                        <a:rPr kumimoji="0" lang="en-US" altLang="zh-CN" sz="900" b="1" i="0" u="none" strike="noStrike" kern="1200" cap="none" spc="0" normalizeH="0" baseline="0" noProof="0" dirty="0" err="1" smtClean="0">
+                          <a:ln>
+                            <a:noFill/>
+                          </a:ln>
+                          <a:solidFill>
+                            <a:prstClr val="black"/>
+                          </a:solidFill>
+                          <a:effectLst/>
+                          <a:uLnTx/>
+                          <a:uFillTx/>
+                          <a:latin typeface="Calibri" panose="020F0502020204030204"/>
+                          <a:ea typeface="等线" panose="02010600030101010101" pitchFamily="2" charset="-122"/>
+                          <a:cs typeface="+mn-cs"/>
+                        </a:rPr>
+                        <a:t>k1</a:t>
+                      </a:r>
+                      <a:endParaRPr kumimoji="0" lang="zh-CN" altLang="en-US" sz="900" b="1" i="0" u="none" strike="noStrike" kern="1200" cap="none" spc="0" normalizeH="0" baseline="0" noProof="0" dirty="0">
+                        <a:ln>
+                          <a:noFill/>
+                        </a:ln>
+                        <a:solidFill>
+                          <a:prstClr val="black"/>
+                        </a:solidFill>
+                        <a:effectLst/>
+                        <a:uLnTx/>
+                        <a:uFillTx/>
+                        <a:latin typeface="Calibri" panose="020F0502020204030204"/>
+                        <a:ea typeface="等线" panose="02010600030101010101" pitchFamily="2" charset="-122"/>
+                        <a:cs typeface="+mn-cs"/>
+                      </a:endParaRPr>
+                    </a:p>
+                  </a:txBody>
+                  <a:tcPr/>
+                </a:tc>
+                <a:tc>
+                  <a:txBody>
+                    <a:bodyPr/>
+                    <a:lstStyle/>
+                    <a:p>
+                      <a:pPr marL="0" marR="0" lvl="0" indent="0" algn="l" defTabSz="914400" rtl="0" eaLnBrk="1" fontAlgn="auto" latinLnBrk="0" hangingPunct="1">
+                        <a:lnSpc>
+                          <a:spcPct val="100000"/>
+                        </a:lnSpc>
+                        <a:spcBef>
+                          <a:spcPts val="0"/>
+                        </a:spcBef>
+                        <a:spcAft>
+                          <a:spcPts val="0"/>
+                        </a:spcAft>
+                        <a:buClrTx/>
+                        <a:buSzTx/>
+                        <a:buFontTx/>
+                        <a:buNone/>
+                        <a:tabLst/>
+                        <a:defRPr/>
+                      </a:pPr>
+                      <a:r>
+                        <a:rPr kumimoji="0" lang="en-US" altLang="zh-CN" sz="900" b="1" i="0" u="none" strike="noStrike" kern="1200" cap="none" spc="0" normalizeH="0" baseline="0" noProof="0" dirty="0" err="1" smtClean="0">
+                          <a:ln>
+                            <a:noFill/>
+                          </a:ln>
+                          <a:solidFill>
+                            <a:prstClr val="black"/>
+                          </a:solidFill>
+                          <a:effectLst/>
+                          <a:uLnTx/>
+                          <a:uFillTx/>
+                          <a:latin typeface="Calibri" panose="020F0502020204030204"/>
+                          <a:ea typeface="等线" panose="02010600030101010101" pitchFamily="2" charset="-122"/>
+                          <a:cs typeface="+mn-cs"/>
+                        </a:rPr>
+                        <a:t>k2</a:t>
+                      </a:r>
+                      <a:endParaRPr kumimoji="0" lang="zh-CN" altLang="en-US" sz="900" b="1" i="0" u="none" strike="noStrike" kern="1200" cap="none" spc="0" normalizeH="0" baseline="0" noProof="0" dirty="0">
+                        <a:ln>
+                          <a:noFill/>
+                        </a:ln>
+                        <a:solidFill>
+                          <a:prstClr val="black"/>
+                        </a:solidFill>
+                        <a:effectLst/>
+                        <a:uLnTx/>
+                        <a:uFillTx/>
+                        <a:latin typeface="Calibri" panose="020F0502020204030204"/>
+                        <a:ea typeface="等线" panose="02010600030101010101" pitchFamily="2" charset="-122"/>
+                        <a:cs typeface="+mn-cs"/>
+                      </a:endParaRPr>
+                    </a:p>
+                  </a:txBody>
+                  <a:tcPr/>
+                </a:tc>
+                <a:tc>
+                  <a:txBody>
+                    <a:bodyPr/>
+                    <a:lstStyle/>
+                    <a:p>
+                      <a:pPr marL="0" marR="0" lvl="0" indent="0" algn="l" defTabSz="914400" rtl="0" eaLnBrk="1" fontAlgn="auto" latinLnBrk="0" hangingPunct="1">
+                        <a:lnSpc>
+                          <a:spcPct val="100000"/>
+                        </a:lnSpc>
+                        <a:spcBef>
+                          <a:spcPts val="0"/>
+                        </a:spcBef>
+                        <a:spcAft>
+                          <a:spcPts val="0"/>
+                        </a:spcAft>
+                        <a:buClrTx/>
+                        <a:buSzTx/>
+                        <a:buFontTx/>
+                        <a:buNone/>
+                        <a:tabLst/>
+                        <a:defRPr/>
+                      </a:pPr>
+                      <a:r>
+                        <a:rPr kumimoji="0" lang="en-US" altLang="zh-CN" sz="900" b="1" i="0" u="none" strike="noStrike" kern="1200" cap="none" spc="0" normalizeH="0" baseline="0" noProof="0" dirty="0" err="1" smtClean="0">
+                          <a:ln>
+                            <a:noFill/>
+                          </a:ln>
+                          <a:solidFill>
+                            <a:prstClr val="black"/>
+                          </a:solidFill>
+                          <a:effectLst/>
+                          <a:uLnTx/>
+                          <a:uFillTx/>
+                          <a:latin typeface="Calibri" panose="020F0502020204030204"/>
+                          <a:ea typeface="等线" panose="02010600030101010101" pitchFamily="2" charset="-122"/>
+                          <a:cs typeface="+mn-cs"/>
+                        </a:rPr>
+                        <a:t>k3</a:t>
+                      </a:r>
+                      <a:endParaRPr kumimoji="0" lang="zh-CN" altLang="en-US" sz="900" b="1" i="0" u="none" strike="noStrike" kern="1200" cap="none" spc="0" normalizeH="0" baseline="0" noProof="0" dirty="0">
+                        <a:ln>
+                          <a:noFill/>
+                        </a:ln>
+                        <a:solidFill>
+                          <a:prstClr val="black"/>
+                        </a:solidFill>
+                        <a:effectLst/>
+                        <a:uLnTx/>
+                        <a:uFillTx/>
+                        <a:latin typeface="Calibri" panose="020F0502020204030204"/>
+                        <a:ea typeface="等线" panose="02010600030101010101" pitchFamily="2" charset="-122"/>
+                        <a:cs typeface="+mn-cs"/>
+                      </a:endParaRPr>
+                    </a:p>
+                  </a:txBody>
+                  <a:tcPr/>
+                </a:tc>
+                <a:tc>
+                  <a:txBody>
+                    <a:bodyPr/>
+                    <a:lstStyle/>
+                    <a:p>
+                      <a:pPr marL="0" marR="0" lvl="0" indent="0" algn="l" defTabSz="914400" rtl="0" eaLnBrk="1" fontAlgn="auto" latinLnBrk="0" hangingPunct="1">
+                        <a:lnSpc>
+                          <a:spcPct val="100000"/>
+                        </a:lnSpc>
+                        <a:spcBef>
+                          <a:spcPts val="0"/>
+                        </a:spcBef>
+                        <a:spcAft>
+                          <a:spcPts val="0"/>
+                        </a:spcAft>
+                        <a:buClrTx/>
+                        <a:buSzTx/>
+                        <a:buFontTx/>
+                        <a:buNone/>
+                        <a:tabLst/>
+                        <a:defRPr/>
+                      </a:pPr>
+                      <a:r>
+                        <a:rPr kumimoji="0" lang="en-US" altLang="zh-CN" sz="900" b="1" i="0" u="none" strike="noStrike" kern="1200" cap="none" spc="0" normalizeH="0" baseline="0" noProof="0" dirty="0" err="1" smtClean="0">
+                          <a:ln>
+                            <a:noFill/>
+                          </a:ln>
+                          <a:solidFill>
+                            <a:prstClr val="black"/>
+                          </a:solidFill>
+                          <a:effectLst/>
+                          <a:uLnTx/>
+                          <a:uFillTx/>
+                          <a:latin typeface="Calibri" panose="020F0502020204030204"/>
+                          <a:ea typeface="等线" panose="02010600030101010101" pitchFamily="2" charset="-122"/>
+                          <a:cs typeface="+mn-cs"/>
+                        </a:rPr>
+                        <a:t>k4</a:t>
+                      </a:r>
+                      <a:endParaRPr kumimoji="0" lang="zh-CN" altLang="en-US" sz="900" b="1" i="0" u="none" strike="noStrike" kern="1200" cap="none" spc="0" normalizeH="0" baseline="0" noProof="0" dirty="0">
+                        <a:ln>
+                          <a:noFill/>
+                        </a:ln>
+                        <a:solidFill>
+                          <a:prstClr val="black"/>
+                        </a:solidFill>
+                        <a:effectLst/>
+                        <a:uLnTx/>
+                        <a:uFillTx/>
+                        <a:latin typeface="Calibri" panose="020F0502020204030204"/>
+                        <a:ea typeface="等线" panose="02010600030101010101" pitchFamily="2" charset="-122"/>
+                        <a:cs typeface="+mn-cs"/>
+                      </a:endParaRPr>
+                    </a:p>
+                  </a:txBody>
+                  <a:tcPr/>
+                </a:tc>
+                <a:tc>
+                  <a:txBody>
+                    <a:bodyPr/>
+                    <a:lstStyle/>
+                    <a:p>
+                      <a:pPr marL="0" marR="0" lvl="0" indent="0" algn="l" defTabSz="914400" rtl="0" eaLnBrk="1" fontAlgn="auto" latinLnBrk="0" hangingPunct="1">
+                        <a:lnSpc>
+                          <a:spcPct val="100000"/>
+                        </a:lnSpc>
+                        <a:spcBef>
+                          <a:spcPts val="0"/>
+                        </a:spcBef>
+                        <a:spcAft>
+                          <a:spcPts val="0"/>
+                        </a:spcAft>
+                        <a:buClrTx/>
+                        <a:buSzTx/>
+                        <a:buFontTx/>
+                        <a:buNone/>
+                        <a:tabLst/>
+                        <a:defRPr/>
+                      </a:pPr>
+                      <a:r>
+                        <a:rPr kumimoji="0" lang="en-US" altLang="zh-CN" sz="900" b="1" i="0" u="none" strike="noStrike" kern="1200" cap="none" spc="0" normalizeH="0" baseline="0" noProof="0" dirty="0" err="1" smtClean="0">
+                          <a:ln>
+                            <a:noFill/>
+                          </a:ln>
+                          <a:solidFill>
+                            <a:prstClr val="black"/>
+                          </a:solidFill>
+                          <a:effectLst/>
+                          <a:uLnTx/>
+                          <a:uFillTx/>
+                          <a:latin typeface="Calibri" panose="020F0502020204030204"/>
+                          <a:ea typeface="等线" panose="02010600030101010101" pitchFamily="2" charset="-122"/>
+                          <a:cs typeface="+mn-cs"/>
+                        </a:rPr>
+                        <a:t>k5</a:t>
+                      </a:r>
+                      <a:endParaRPr kumimoji="0" lang="zh-CN" altLang="en-US" sz="900" b="1" i="0" u="none" strike="noStrike" kern="1200" cap="none" spc="0" normalizeH="0" baseline="0" noProof="0" dirty="0">
+                        <a:ln>
+                          <a:noFill/>
+                        </a:ln>
+                        <a:solidFill>
+                          <a:prstClr val="black"/>
+                        </a:solidFill>
+                        <a:effectLst/>
+                        <a:uLnTx/>
+                        <a:uFillTx/>
+                        <a:latin typeface="Calibri" panose="020F0502020204030204"/>
+                        <a:ea typeface="等线" panose="02010600030101010101" pitchFamily="2" charset="-122"/>
+                        <a:cs typeface="+mn-cs"/>
+                      </a:endParaRPr>
+                    </a:p>
+                  </a:txBody>
+                  <a:tcPr/>
+                </a:tc>
+                <a:tc>
+                  <a:txBody>
+                    <a:bodyPr/>
+                    <a:lstStyle/>
+                    <a:p>
+                      <a:pPr marL="0" marR="0" lvl="0" indent="0" algn="l" defTabSz="914400" rtl="0" eaLnBrk="1" fontAlgn="auto" latinLnBrk="0" hangingPunct="1">
+                        <a:lnSpc>
+                          <a:spcPct val="100000"/>
+                        </a:lnSpc>
+                        <a:spcBef>
+                          <a:spcPts val="0"/>
+                        </a:spcBef>
+                        <a:spcAft>
+                          <a:spcPts val="0"/>
+                        </a:spcAft>
+                        <a:buClrTx/>
+                        <a:buSzTx/>
+                        <a:buFontTx/>
+                        <a:buNone/>
+                        <a:tabLst/>
+                        <a:defRPr/>
+                      </a:pPr>
+                      <a:r>
+                        <a:rPr kumimoji="0" lang="en-US" altLang="zh-CN" sz="900" b="1" i="0" u="none" strike="noStrike" kern="1200" cap="none" spc="0" normalizeH="0" baseline="0" noProof="0" dirty="0" err="1" smtClean="0">
+                          <a:ln>
+                            <a:noFill/>
+                          </a:ln>
+                          <a:solidFill>
+                            <a:prstClr val="black"/>
+                          </a:solidFill>
+                          <a:effectLst/>
+                          <a:uLnTx/>
+                          <a:uFillTx/>
+                          <a:latin typeface="Calibri" panose="020F0502020204030204"/>
+                          <a:ea typeface="等线" panose="02010600030101010101" pitchFamily="2" charset="-122"/>
+                          <a:cs typeface="+mn-cs"/>
+                        </a:rPr>
+                        <a:t>k6</a:t>
+                      </a:r>
+                      <a:endParaRPr kumimoji="0" lang="zh-CN" altLang="en-US" sz="900" b="1" i="0" u="none" strike="noStrike" kern="1200" cap="none" spc="0" normalizeH="0" baseline="0" noProof="0" dirty="0">
+                        <a:ln>
+                          <a:noFill/>
+                        </a:ln>
+                        <a:solidFill>
+                          <a:prstClr val="black"/>
+                        </a:solidFill>
+                        <a:effectLst/>
+                        <a:uLnTx/>
+                        <a:uFillTx/>
+                        <a:latin typeface="Calibri" panose="020F0502020204030204"/>
+                        <a:ea typeface="等线" panose="02010600030101010101" pitchFamily="2" charset="-122"/>
+                        <a:cs typeface="+mn-cs"/>
+                      </a:endParaRPr>
+                    </a:p>
+                  </a:txBody>
+                  <a:tcPr/>
+                </a:tc>
+                <a:tc>
+                  <a:txBody>
+                    <a:bodyPr/>
+                    <a:lstStyle/>
+                    <a:p>
+                      <a:pPr marL="0" marR="0" lvl="0" indent="0" algn="l" defTabSz="914400" rtl="0" eaLnBrk="1" fontAlgn="auto" latinLnBrk="0" hangingPunct="1">
+                        <a:lnSpc>
+                          <a:spcPct val="100000"/>
+                        </a:lnSpc>
+                        <a:spcBef>
+                          <a:spcPts val="0"/>
+                        </a:spcBef>
+                        <a:spcAft>
+                          <a:spcPts val="0"/>
+                        </a:spcAft>
+                        <a:buClrTx/>
+                        <a:buSzTx/>
+                        <a:buFontTx/>
+                        <a:buNone/>
+                        <a:tabLst/>
+                        <a:defRPr/>
+                      </a:pPr>
+                      <a:r>
+                        <a:rPr kumimoji="0" lang="en-US" altLang="zh-CN" sz="900" b="1" i="0" u="none" strike="noStrike" kern="1200" cap="none" spc="0" normalizeH="0" baseline="0" noProof="0" dirty="0" err="1" smtClean="0">
+                          <a:ln>
+                            <a:noFill/>
+                          </a:ln>
+                          <a:solidFill>
+                            <a:prstClr val="black"/>
+                          </a:solidFill>
+                          <a:effectLst/>
+                          <a:uLnTx/>
+                          <a:uFillTx/>
+                          <a:latin typeface="Calibri" panose="020F0502020204030204"/>
+                          <a:ea typeface="等线" panose="02010600030101010101" pitchFamily="2" charset="-122"/>
+                          <a:cs typeface="+mn-cs"/>
+                        </a:rPr>
+                        <a:t>k7</a:t>
+                      </a:r>
+                      <a:endParaRPr kumimoji="0" lang="zh-CN" altLang="en-US" sz="900" b="1" i="0" u="none" strike="noStrike" kern="1200" cap="none" spc="0" normalizeH="0" baseline="0" noProof="0" dirty="0">
+                        <a:ln>
+                          <a:noFill/>
+                        </a:ln>
+                        <a:solidFill>
+                          <a:prstClr val="black"/>
+                        </a:solidFill>
+                        <a:effectLst/>
+                        <a:uLnTx/>
+                        <a:uFillTx/>
+                        <a:latin typeface="Calibri" panose="020F0502020204030204"/>
+                        <a:ea typeface="等线" panose="02010600030101010101" pitchFamily="2" charset="-122"/>
+                        <a:cs typeface="+mn-cs"/>
+                      </a:endParaRPr>
+                    </a:p>
+                  </a:txBody>
+                  <a:tcPr/>
+                </a:tc>
+                <a:tc>
+                  <a:txBody>
+                    <a:bodyPr/>
+                    <a:lstStyle/>
+                    <a:p>
+                      <a:pPr marL="0" marR="0" lvl="0" indent="0" algn="l" defTabSz="914400" rtl="0" eaLnBrk="1" fontAlgn="auto" latinLnBrk="0" hangingPunct="1">
+                        <a:lnSpc>
+                          <a:spcPct val="100000"/>
+                        </a:lnSpc>
+                        <a:spcBef>
+                          <a:spcPts val="0"/>
+                        </a:spcBef>
+                        <a:spcAft>
+                          <a:spcPts val="0"/>
+                        </a:spcAft>
+                        <a:buClrTx/>
+                        <a:buSzTx/>
+                        <a:buFontTx/>
+                        <a:buNone/>
+                        <a:tabLst/>
+                        <a:defRPr/>
+                      </a:pPr>
+                      <a:r>
+                        <a:rPr kumimoji="0" lang="en-US" altLang="zh-CN" sz="900" b="1" i="0" u="none" strike="noStrike" kern="1200" cap="none" spc="0" normalizeH="0" baseline="0" noProof="0" dirty="0" err="1" smtClean="0">
+                          <a:ln>
+                            <a:noFill/>
+                          </a:ln>
+                          <a:solidFill>
+                            <a:prstClr val="black"/>
+                          </a:solidFill>
+                          <a:effectLst/>
+                          <a:uLnTx/>
+                          <a:uFillTx/>
+                          <a:latin typeface="Calibri" panose="020F0502020204030204"/>
+                          <a:ea typeface="等线" panose="02010600030101010101" pitchFamily="2" charset="-122"/>
+                          <a:cs typeface="+mn-cs"/>
+                        </a:rPr>
+                        <a:t>k8</a:t>
+                      </a:r>
+                      <a:endParaRPr kumimoji="0" lang="zh-CN" altLang="en-US" sz="900" b="1" i="0" u="none" strike="noStrike" kern="1200" cap="none" spc="0" normalizeH="0" baseline="0" noProof="0" dirty="0">
+                        <a:ln>
+                          <a:noFill/>
+                        </a:ln>
+                        <a:solidFill>
+                          <a:prstClr val="black"/>
+                        </a:solidFill>
+                        <a:effectLst/>
+                        <a:uLnTx/>
+                        <a:uFillTx/>
+                        <a:latin typeface="Calibri" panose="020F0502020204030204"/>
+                        <a:ea typeface="等线" panose="02010600030101010101" pitchFamily="2" charset="-122"/>
+                        <a:cs typeface="+mn-cs"/>
+                      </a:endParaRPr>
+                    </a:p>
+                  </a:txBody>
+                  <a:tcPr/>
+                </a:tc>
+                <a:tc>
+                  <a:txBody>
+                    <a:bodyPr/>
+                    <a:lstStyle/>
+                    <a:p>
+                      <a:pPr marL="0" marR="0" lvl="0" indent="0" algn="l" defTabSz="914400" rtl="0" eaLnBrk="1" fontAlgn="auto" latinLnBrk="0" hangingPunct="1">
+                        <a:lnSpc>
+                          <a:spcPct val="100000"/>
+                        </a:lnSpc>
+                        <a:spcBef>
+                          <a:spcPts val="0"/>
+                        </a:spcBef>
+                        <a:spcAft>
+                          <a:spcPts val="0"/>
+                        </a:spcAft>
+                        <a:buClrTx/>
+                        <a:buSzTx/>
+                        <a:buFontTx/>
+                        <a:buNone/>
+                        <a:tabLst/>
+                        <a:defRPr/>
+                      </a:pPr>
+                      <a:r>
+                        <a:rPr kumimoji="0" lang="en-US" altLang="zh-CN" sz="900" b="1" i="0" u="none" strike="noStrike" kern="1200" cap="none" spc="0" normalizeH="0" baseline="0" noProof="0" dirty="0" err="1" smtClean="0">
+                          <a:ln>
+                            <a:noFill/>
+                          </a:ln>
+                          <a:solidFill>
+                            <a:prstClr val="black"/>
+                          </a:solidFill>
+                          <a:effectLst/>
+                          <a:uLnTx/>
+                          <a:uFillTx/>
+                          <a:latin typeface="Calibri" panose="020F0502020204030204"/>
+                          <a:ea typeface="等线" panose="02010600030101010101" pitchFamily="2" charset="-122"/>
+                          <a:cs typeface="+mn-cs"/>
+                        </a:rPr>
+                        <a:t>k9</a:t>
+                      </a:r>
+                      <a:endParaRPr kumimoji="0" lang="zh-CN" altLang="en-US" sz="900" b="1" i="0" u="none" strike="noStrike" kern="1200" cap="none" spc="0" normalizeH="0" baseline="0" noProof="0" dirty="0">
+                        <a:ln>
+                          <a:noFill/>
+                        </a:ln>
+                        <a:solidFill>
+                          <a:prstClr val="black"/>
+                        </a:solidFill>
+                        <a:effectLst/>
+                        <a:uLnTx/>
+                        <a:uFillTx/>
+                        <a:latin typeface="Calibri" panose="020F0502020204030204"/>
+                        <a:ea typeface="等线" panose="02010600030101010101" pitchFamily="2" charset="-122"/>
+                        <a:cs typeface="+mn-cs"/>
+                      </a:endParaRPr>
+                    </a:p>
+                  </a:txBody>
+                  <a:tcPr/>
+                </a:tc>
+                <a:tc>
+                  <a:txBody>
+                    <a:bodyPr/>
+                    <a:lstStyle/>
+                    <a:p>
+                      <a:pPr marL="0" marR="0" lvl="0" indent="0" algn="l" defTabSz="914400" rtl="0" eaLnBrk="1" fontAlgn="auto" latinLnBrk="0" hangingPunct="1">
+                        <a:lnSpc>
+                          <a:spcPct val="100000"/>
+                        </a:lnSpc>
+                        <a:spcBef>
+                          <a:spcPts val="0"/>
+                        </a:spcBef>
+                        <a:spcAft>
+                          <a:spcPts val="0"/>
+                        </a:spcAft>
+                        <a:buClrTx/>
+                        <a:buSzTx/>
+                        <a:buFontTx/>
+                        <a:buNone/>
+                        <a:tabLst/>
+                        <a:defRPr/>
+                      </a:pPr>
+                      <a:r>
+                        <a:rPr kumimoji="0" lang="en-US" altLang="zh-CN" sz="900" b="1" i="0" u="none" strike="noStrike" kern="1200" cap="none" spc="0" normalizeH="0" baseline="0" noProof="0" dirty="0" err="1" smtClean="0">
+                          <a:ln>
+                            <a:noFill/>
+                          </a:ln>
+                          <a:solidFill>
+                            <a:prstClr val="black"/>
+                          </a:solidFill>
+                          <a:effectLst/>
+                          <a:uLnTx/>
+                          <a:uFillTx/>
+                          <a:latin typeface="Calibri" panose="020F0502020204030204"/>
+                          <a:ea typeface="等线" panose="02010600030101010101" pitchFamily="2" charset="-122"/>
+                          <a:cs typeface="+mn-cs"/>
+                        </a:rPr>
+                        <a:t>k10</a:t>
+                      </a:r>
+                      <a:endParaRPr kumimoji="0" lang="zh-CN" altLang="en-US" sz="900" b="1" i="0" u="none" strike="noStrike" kern="1200" cap="none" spc="0" normalizeH="0" baseline="0" noProof="0" dirty="0">
+                        <a:ln>
+                          <a:noFill/>
+                        </a:ln>
+                        <a:solidFill>
+                          <a:prstClr val="black"/>
+                        </a:solidFill>
+                        <a:effectLst/>
+                        <a:uLnTx/>
+                        <a:uFillTx/>
+                        <a:latin typeface="Calibri" panose="020F0502020204030204"/>
+                        <a:ea typeface="等线" panose="02010600030101010101" pitchFamily="2" charset="-122"/>
+                        <a:cs typeface="+mn-cs"/>
+                      </a:endParaRPr>
+                    </a:p>
+                  </a:txBody>
+                  <a:tcPr/>
+                </a:tc>
+                <a:tc>
+                  <a:txBody>
+                    <a:bodyPr/>
+                    <a:lstStyle/>
+                    <a:p>
+                      <a:pPr marL="0" marR="0" lvl="0" indent="0" algn="l" defTabSz="914400" rtl="0" eaLnBrk="1" fontAlgn="auto" latinLnBrk="0" hangingPunct="1">
+                        <a:lnSpc>
+                          <a:spcPct val="100000"/>
+                        </a:lnSpc>
+                        <a:spcBef>
+                          <a:spcPts val="0"/>
+                        </a:spcBef>
+                        <a:spcAft>
+                          <a:spcPts val="0"/>
+                        </a:spcAft>
+                        <a:buClrTx/>
+                        <a:buSzTx/>
+                        <a:buFontTx/>
+                        <a:buNone/>
+                        <a:tabLst/>
+                        <a:defRPr/>
+                      </a:pPr>
+                      <a:r>
+                        <a:rPr kumimoji="0" lang="en-US" altLang="zh-CN" sz="900" b="1" i="0" u="none" strike="noStrike" kern="1200" cap="none" spc="0" normalizeH="0" baseline="0" noProof="0" dirty="0" err="1" smtClean="0">
+                          <a:ln>
+                            <a:noFill/>
+                          </a:ln>
+                          <a:solidFill>
+                            <a:prstClr val="black"/>
+                          </a:solidFill>
+                          <a:effectLst/>
+                          <a:uLnTx/>
+                          <a:uFillTx/>
+                          <a:latin typeface="Calibri" panose="020F0502020204030204"/>
+                          <a:ea typeface="等线" panose="02010600030101010101" pitchFamily="2" charset="-122"/>
+                          <a:cs typeface="+mn-cs"/>
+                        </a:rPr>
+                        <a:t>k11</a:t>
+                      </a:r>
+                      <a:endParaRPr kumimoji="0" lang="zh-CN" altLang="en-US" sz="900" b="1" i="0" u="none" strike="noStrike" kern="1200" cap="none" spc="0" normalizeH="0" baseline="0" noProof="0" dirty="0">
+                        <a:ln>
+                          <a:noFill/>
+                        </a:ln>
+                        <a:solidFill>
+                          <a:prstClr val="black"/>
+                        </a:solidFill>
+                        <a:effectLst/>
+                        <a:uLnTx/>
+                        <a:uFillTx/>
+                        <a:latin typeface="Calibri" panose="020F0502020204030204"/>
+                        <a:ea typeface="等线" panose="02010600030101010101" pitchFamily="2" charset="-122"/>
+                        <a:cs typeface="+mn-cs"/>
+                      </a:endParaRPr>
+                    </a:p>
+                  </a:txBody>
+                  <a:tcPr/>
+                </a:tc>
+                <a:tc>
+                  <a:txBody>
+                    <a:bodyPr/>
+                    <a:lstStyle/>
+                    <a:p>
+                      <a:pPr marL="0" marR="0" lvl="0" indent="0" algn="l" defTabSz="914400" rtl="0" eaLnBrk="1" fontAlgn="auto" latinLnBrk="0" hangingPunct="1">
+                        <a:lnSpc>
+                          <a:spcPct val="100000"/>
+                        </a:lnSpc>
+                        <a:spcBef>
+                          <a:spcPts val="0"/>
+                        </a:spcBef>
+                        <a:spcAft>
+                          <a:spcPts val="0"/>
+                        </a:spcAft>
+                        <a:buClrTx/>
+                        <a:buSzTx/>
+                        <a:buFontTx/>
+                        <a:buNone/>
+                        <a:tabLst/>
+                        <a:defRPr/>
+                      </a:pPr>
+                      <a:r>
+                        <a:rPr kumimoji="0" lang="en-US" altLang="zh-CN" sz="900" b="1" i="0" u="none" strike="noStrike" kern="1200" cap="none" spc="0" normalizeH="0" baseline="0" noProof="0" dirty="0" err="1" smtClean="0">
+                          <a:ln>
+                            <a:noFill/>
+                          </a:ln>
+                          <a:solidFill>
+                            <a:prstClr val="black"/>
+                          </a:solidFill>
+                          <a:effectLst/>
+                          <a:uLnTx/>
+                          <a:uFillTx/>
+                          <a:latin typeface="Calibri" panose="020F0502020204030204"/>
+                          <a:ea typeface="等线" panose="02010600030101010101" pitchFamily="2" charset="-122"/>
+                          <a:cs typeface="+mn-cs"/>
+                        </a:rPr>
+                        <a:t>k12</a:t>
+                      </a:r>
+                      <a:endParaRPr kumimoji="0" lang="zh-CN" altLang="en-US" sz="900" b="1" i="0" u="none" strike="noStrike" kern="1200" cap="none" spc="0" normalizeH="0" baseline="0" noProof="0" dirty="0">
+                        <a:ln>
+                          <a:noFill/>
+                        </a:ln>
+                        <a:solidFill>
+                          <a:prstClr val="black"/>
+                        </a:solidFill>
+                        <a:effectLst/>
+                        <a:uLnTx/>
+                        <a:uFillTx/>
+                        <a:latin typeface="Calibri" panose="020F0502020204030204"/>
+                        <a:ea typeface="等线" panose="02010600030101010101" pitchFamily="2" charset="-122"/>
+                        <a:cs typeface="+mn-cs"/>
+                      </a:endParaRPr>
+                    </a:p>
+                  </a:txBody>
+                  <a:tcPr/>
+                </a:tc>
+                <a:tc>
+                  <a:txBody>
+                    <a:bodyPr/>
+                    <a:lstStyle/>
+                    <a:p>
+                      <a:pPr marL="0" marR="0" lvl="0" indent="0" algn="l" defTabSz="914400" rtl="0" eaLnBrk="1" fontAlgn="auto" latinLnBrk="0" hangingPunct="1">
+                        <a:lnSpc>
+                          <a:spcPct val="100000"/>
+                        </a:lnSpc>
+                        <a:spcBef>
+                          <a:spcPts val="0"/>
+                        </a:spcBef>
+                        <a:spcAft>
+                          <a:spcPts val="0"/>
+                        </a:spcAft>
+                        <a:buClrTx/>
+                        <a:buSzTx/>
+                        <a:buFontTx/>
+                        <a:buNone/>
+                        <a:tabLst/>
+                        <a:defRPr/>
+                      </a:pPr>
+                      <a:r>
+                        <a:rPr kumimoji="0" lang="en-US" altLang="zh-CN" sz="900" b="1" i="0" u="none" strike="noStrike" kern="1200" cap="none" spc="0" normalizeH="0" baseline="0" noProof="0" dirty="0" err="1" smtClean="0">
+                          <a:ln>
+                            <a:noFill/>
+                          </a:ln>
+                          <a:solidFill>
+                            <a:prstClr val="black"/>
+                          </a:solidFill>
+                          <a:effectLst/>
+                          <a:uLnTx/>
+                          <a:uFillTx/>
+                          <a:latin typeface="Calibri" panose="020F0502020204030204"/>
+                          <a:ea typeface="等线" panose="02010600030101010101" pitchFamily="2" charset="-122"/>
+                          <a:cs typeface="+mn-cs"/>
+                        </a:rPr>
+                        <a:t>k13</a:t>
+                      </a:r>
+                      <a:endParaRPr kumimoji="0" lang="zh-CN" altLang="en-US" sz="900" b="1" i="0" u="none" strike="noStrike" kern="1200" cap="none" spc="0" normalizeH="0" baseline="0" noProof="0" dirty="0">
+                        <a:ln>
+                          <a:noFill/>
+                        </a:ln>
+                        <a:solidFill>
+                          <a:prstClr val="black"/>
+                        </a:solidFill>
+                        <a:effectLst/>
+                        <a:uLnTx/>
+                        <a:uFillTx/>
+                        <a:latin typeface="Calibri" panose="020F0502020204030204"/>
+                        <a:ea typeface="等线" panose="02010600030101010101" pitchFamily="2" charset="-122"/>
+                        <a:cs typeface="+mn-cs"/>
+                      </a:endParaRPr>
+                    </a:p>
+                  </a:txBody>
+                  <a:tcPr/>
+                </a:tc>
+                <a:tc>
+                  <a:txBody>
+                    <a:bodyPr/>
+                    <a:lstStyle/>
+                    <a:p>
+                      <a:pPr marL="0" marR="0" lvl="0" indent="0" algn="l" defTabSz="914400" rtl="0" eaLnBrk="1" fontAlgn="auto" latinLnBrk="0" hangingPunct="1">
+                        <a:lnSpc>
+                          <a:spcPct val="100000"/>
+                        </a:lnSpc>
+                        <a:spcBef>
+                          <a:spcPts val="0"/>
+                        </a:spcBef>
+                        <a:spcAft>
+                          <a:spcPts val="0"/>
+                        </a:spcAft>
+                        <a:buClrTx/>
+                        <a:buSzTx/>
+                        <a:buFontTx/>
+                        <a:buNone/>
+                        <a:tabLst/>
+                        <a:defRPr/>
+                      </a:pPr>
+                      <a:r>
+                        <a:rPr kumimoji="0" lang="en-US" altLang="zh-CN" sz="900" b="1" i="0" u="none" strike="noStrike" kern="1200" cap="none" spc="0" normalizeH="0" baseline="0" noProof="0" dirty="0" err="1" smtClean="0">
+                          <a:ln>
+                            <a:noFill/>
+                          </a:ln>
+                          <a:solidFill>
+                            <a:prstClr val="black"/>
+                          </a:solidFill>
+                          <a:effectLst/>
+                          <a:uLnTx/>
+                          <a:uFillTx/>
+                          <a:latin typeface="Calibri" panose="020F0502020204030204"/>
+                          <a:ea typeface="等线" panose="02010600030101010101" pitchFamily="2" charset="-122"/>
+                          <a:cs typeface="+mn-cs"/>
+                        </a:rPr>
+                        <a:t>k14</a:t>
+                      </a:r>
+                      <a:endParaRPr kumimoji="0" lang="zh-CN" altLang="en-US" sz="900" b="1" i="0" u="none" strike="noStrike" kern="1200" cap="none" spc="0" normalizeH="0" baseline="0" noProof="0" dirty="0">
+                        <a:ln>
+                          <a:noFill/>
+                        </a:ln>
+                        <a:solidFill>
+                          <a:prstClr val="black"/>
+                        </a:solidFill>
+                        <a:effectLst/>
+                        <a:uLnTx/>
+                        <a:uFillTx/>
+                        <a:latin typeface="Calibri" panose="020F0502020204030204"/>
+                        <a:ea typeface="等线" panose="02010600030101010101" pitchFamily="2" charset="-122"/>
+                        <a:cs typeface="+mn-cs"/>
+                      </a:endParaRPr>
+                    </a:p>
+                  </a:txBody>
+                  <a:tcPr/>
+                </a:tc>
+                <a:tc>
+                  <a:txBody>
+                    <a:bodyPr/>
+                    <a:lstStyle/>
+                    <a:p>
+                      <a:pPr marL="0" marR="0" lvl="0" indent="0" algn="l" defTabSz="914400" rtl="0" eaLnBrk="1" fontAlgn="auto" latinLnBrk="0" hangingPunct="1">
+                        <a:lnSpc>
+                          <a:spcPct val="100000"/>
+                        </a:lnSpc>
+                        <a:spcBef>
+                          <a:spcPts val="0"/>
+                        </a:spcBef>
+                        <a:spcAft>
+                          <a:spcPts val="0"/>
+                        </a:spcAft>
+                        <a:buClrTx/>
+                        <a:buSzTx/>
+                        <a:buFontTx/>
+                        <a:buNone/>
+                        <a:tabLst/>
+                        <a:defRPr/>
+                      </a:pPr>
+                      <a:r>
+                        <a:rPr kumimoji="0" lang="en-US" altLang="zh-CN" sz="900" b="1" i="0" u="none" strike="noStrike" kern="1200" cap="none" spc="0" normalizeH="0" baseline="0" noProof="0" dirty="0" err="1" smtClean="0">
+                          <a:ln>
+                            <a:noFill/>
+                          </a:ln>
+                          <a:solidFill>
+                            <a:prstClr val="black"/>
+                          </a:solidFill>
+                          <a:effectLst/>
+                          <a:uLnTx/>
+                          <a:uFillTx/>
+                          <a:latin typeface="Calibri" panose="020F0502020204030204"/>
+                          <a:ea typeface="等线" panose="02010600030101010101" pitchFamily="2" charset="-122"/>
+                          <a:cs typeface="+mn-cs"/>
+                        </a:rPr>
+                        <a:t>k15</a:t>
+                      </a:r>
+                      <a:endParaRPr kumimoji="0" lang="zh-CN" altLang="en-US" sz="900" b="1" i="0" u="none" strike="noStrike" kern="1200" cap="none" spc="0" normalizeH="0" baseline="0" noProof="0" dirty="0">
+                        <a:ln>
+                          <a:noFill/>
+                        </a:ln>
+                        <a:solidFill>
+                          <a:prstClr val="black"/>
+                        </a:solidFill>
+                        <a:effectLst/>
+                        <a:uLnTx/>
+                        <a:uFillTx/>
+                        <a:latin typeface="Calibri" panose="020F0502020204030204"/>
+                        <a:ea typeface="等线" panose="02010600030101010101" pitchFamily="2" charset="-122"/>
+                        <a:cs typeface="+mn-cs"/>
+                      </a:endParaRPr>
+                    </a:p>
+                  </a:txBody>
+                  <a:tcPr/>
+                </a:tc>
+                <a:extLst>
+                  <a:ext uri="{0D108BD9-81ED-4DB2-BD59-A6C34878D82A}">
+                    <a16:rowId xmlns:a16="http://schemas.microsoft.com/office/drawing/2014/main" val="3529947148"/>
+                  </a:ext>
+                </a:extLst>
+              </a:tr>
+            </a:tbl>
+          </a:graphicData>
+        </a:graphic>
+      </p:graphicFrame>
+      <p:graphicFrame>
+        <p:nvGraphicFramePr>
+          <p:cNvPr id="5" name="表格 4"/>
+          <p:cNvGraphicFramePr>
+            <a:graphicFrameLocks noGrp="1"/>
+          </p:cNvGraphicFramePr>
+          <p:nvPr>
+            <p:extLst>
+              <p:ext uri="{D42A27DB-BD31-4B8C-83A1-F6EECF244321}">
+                <p14:modId xmlns:p14="http://schemas.microsoft.com/office/powerpoint/2010/main" val="2129583034"/>
+              </p:ext>
+            </p:extLst>
+          </p:nvPr>
+        </p:nvGraphicFramePr>
+        <p:xfrm>
+          <a:off x="829406" y="2109177"/>
+          <a:ext cx="6096000" cy="1442916"/>
+        </p:xfrm>
+        <a:graphic>
+          <a:graphicData uri="http://schemas.openxmlformats.org/drawingml/2006/table">
+            <a:tbl>
+              <a:tblPr firstRow="1" bandRow="1">
+                <a:tableStyleId>{5C22544A-7EE6-4342-B048-85BDC9FD1C3A}</a:tableStyleId>
+              </a:tblPr>
+              <a:tblGrid>
+                <a:gridCol w="1524000">
+                  <a:extLst>
+                    <a:ext uri="{9D8B030D-6E8A-4147-A177-3AD203B41FA5}">
+                      <a16:colId xmlns:a16="http://schemas.microsoft.com/office/drawing/2014/main" val="3199233859"/>
+                    </a:ext>
+                  </a:extLst>
+                </a:gridCol>
+                <a:gridCol w="1524000">
+                  <a:extLst>
+                    <a:ext uri="{9D8B030D-6E8A-4147-A177-3AD203B41FA5}">
+                      <a16:colId xmlns:a16="http://schemas.microsoft.com/office/drawing/2014/main" val="1242359772"/>
+                    </a:ext>
+                  </a:extLst>
+                </a:gridCol>
+                <a:gridCol w="1524000">
+                  <a:extLst>
+                    <a:ext uri="{9D8B030D-6E8A-4147-A177-3AD203B41FA5}">
+                      <a16:colId xmlns:a16="http://schemas.microsoft.com/office/drawing/2014/main" val="4016460198"/>
+                    </a:ext>
+                  </a:extLst>
+                </a:gridCol>
+                <a:gridCol w="1524000">
+                  <a:extLst>
+                    <a:ext uri="{9D8B030D-6E8A-4147-A177-3AD203B41FA5}">
+                      <a16:colId xmlns:a16="http://schemas.microsoft.com/office/drawing/2014/main" val="1841100177"/>
+                    </a:ext>
+                  </a:extLst>
+                </a:gridCol>
+              </a:tblGrid>
+              <a:tr h="1442916">
+                <a:tc>
+                  <a:txBody>
+                    <a:bodyPr/>
+                    <a:lstStyle/>
+                    <a:p>
+                      <a:pPr algn="ctr"/>
+                      <a:r>
+                        <a:rPr lang="zh-CN" altLang="en-US" dirty="0" smtClean="0">
+                          <a:solidFill>
+                            <a:schemeClr val="tx1"/>
+                          </a:solidFill>
+                        </a:rPr>
+                        <a:t>索引表</a:t>
+                      </a:r>
+                      <a:r>
+                        <a:rPr lang="en-US" altLang="zh-CN" dirty="0" err="1" smtClean="0">
+                          <a:solidFill>
+                            <a:schemeClr val="tx1"/>
+                          </a:solidFill>
+                        </a:rPr>
+                        <a:t>T1</a:t>
+                      </a:r>
+                      <a:endParaRPr lang="zh-CN" altLang="en-US" dirty="0">
+                        <a:solidFill>
+                          <a:schemeClr val="tx1"/>
+                        </a:solidFill>
+                      </a:endParaRPr>
+                    </a:p>
+                  </a:txBody>
+                  <a:tcPr>
+                    <a:solidFill>
+                      <a:schemeClr val="accent1">
+                        <a:lumMod val="60000"/>
+                        <a:lumOff val="40000"/>
+                      </a:schemeClr>
+                    </a:solidFill>
+                  </a:tcPr>
+                </a:tc>
+                <a:tc>
+                  <a:txBody>
+                    <a:bodyPr/>
+                    <a:lstStyle/>
+                    <a:p>
+                      <a:pPr marL="0" marR="0" lvl="0" indent="0" algn="ctr" defTabSz="914400" rtl="0" eaLnBrk="1" fontAlgn="auto" latinLnBrk="0" hangingPunct="1">
+                        <a:lnSpc>
+                          <a:spcPct val="100000"/>
+                        </a:lnSpc>
+                        <a:spcBef>
+                          <a:spcPts val="0"/>
+                        </a:spcBef>
+                        <a:spcAft>
+                          <a:spcPts val="0"/>
+                        </a:spcAft>
+                        <a:buClrTx/>
+                        <a:buSzTx/>
+                        <a:buFontTx/>
+                        <a:buNone/>
+                        <a:tabLst/>
+                        <a:defRPr/>
+                      </a:pPr>
+                      <a:r>
+                        <a:rPr kumimoji="0" lang="zh-CN" altLang="en-US" sz="1800" b="1" i="0" u="none" strike="noStrike" kern="1200" cap="none" spc="0" normalizeH="0" baseline="0" noProof="0" dirty="0" smtClean="0">
+                          <a:ln>
+                            <a:noFill/>
+                          </a:ln>
+                          <a:solidFill>
+                            <a:schemeClr val="tx1"/>
+                          </a:solidFill>
+                          <a:effectLst/>
+                          <a:uLnTx/>
+                          <a:uFillTx/>
+                          <a:latin typeface="Calibri" panose="020F0502020204030204"/>
+                          <a:ea typeface="等线" panose="02010600030101010101" pitchFamily="2" charset="-122"/>
+                          <a:cs typeface="+mn-cs"/>
+                        </a:rPr>
+                        <a:t>索引表</a:t>
+                      </a:r>
+                      <a:r>
+                        <a:rPr kumimoji="0" lang="en-US" altLang="zh-CN" sz="1800" b="1" i="0" u="none" strike="noStrike" kern="1200" cap="none" spc="0" normalizeH="0" baseline="0" noProof="0" dirty="0" err="1" smtClean="0">
+                          <a:ln>
+                            <a:noFill/>
+                          </a:ln>
+                          <a:solidFill>
+                            <a:schemeClr val="tx1"/>
+                          </a:solidFill>
+                          <a:effectLst/>
+                          <a:uLnTx/>
+                          <a:uFillTx/>
+                          <a:latin typeface="Calibri" panose="020F0502020204030204"/>
+                          <a:ea typeface="等线" panose="02010600030101010101" pitchFamily="2" charset="-122"/>
+                          <a:cs typeface="+mn-cs"/>
+                        </a:rPr>
+                        <a:t>T2</a:t>
+                      </a:r>
+                      <a:endParaRPr kumimoji="0" lang="zh-CN" altLang="en-US" sz="1800" b="1" i="0" u="none" strike="noStrike" kern="1200" cap="none" spc="0" normalizeH="0" baseline="0" noProof="0" dirty="0">
+                        <a:ln>
+                          <a:noFill/>
+                        </a:ln>
+                        <a:solidFill>
+                          <a:schemeClr val="tx1"/>
+                        </a:solidFill>
+                        <a:effectLst/>
+                        <a:uLnTx/>
+                        <a:uFillTx/>
+                        <a:latin typeface="Calibri" panose="020F0502020204030204"/>
+                        <a:ea typeface="等线" panose="02010600030101010101" pitchFamily="2" charset="-122"/>
+                        <a:cs typeface="+mn-cs"/>
+                      </a:endParaRPr>
+                    </a:p>
+                  </a:txBody>
+                  <a:tcPr>
+                    <a:solidFill>
+                      <a:schemeClr val="accent1">
+                        <a:lumMod val="60000"/>
+                        <a:lumOff val="40000"/>
+                      </a:schemeClr>
+                    </a:solidFill>
+                  </a:tcPr>
+                </a:tc>
+                <a:tc>
+                  <a:txBody>
+                    <a:bodyPr/>
+                    <a:lstStyle/>
+                    <a:p>
+                      <a:pPr marL="0" marR="0" lvl="0" indent="0" algn="ctr" defTabSz="914400" rtl="0" eaLnBrk="1" fontAlgn="auto" latinLnBrk="0" hangingPunct="1">
+                        <a:lnSpc>
+                          <a:spcPct val="100000"/>
+                        </a:lnSpc>
+                        <a:spcBef>
+                          <a:spcPts val="0"/>
+                        </a:spcBef>
+                        <a:spcAft>
+                          <a:spcPts val="0"/>
+                        </a:spcAft>
+                        <a:buClrTx/>
+                        <a:buSzTx/>
+                        <a:buFontTx/>
+                        <a:buNone/>
+                        <a:tabLst/>
+                        <a:defRPr/>
+                      </a:pPr>
+                      <a:r>
+                        <a:rPr kumimoji="0" lang="zh-CN" altLang="en-US" sz="1800" b="1" i="0" u="none" strike="noStrike" kern="1200" cap="none" spc="0" normalizeH="0" baseline="0" noProof="0" dirty="0" smtClean="0">
+                          <a:ln>
+                            <a:noFill/>
+                          </a:ln>
+                          <a:solidFill>
+                            <a:schemeClr val="tx1"/>
+                          </a:solidFill>
+                          <a:effectLst/>
+                          <a:uLnTx/>
+                          <a:uFillTx/>
+                          <a:latin typeface="Calibri" panose="020F0502020204030204"/>
+                          <a:ea typeface="等线" panose="02010600030101010101" pitchFamily="2" charset="-122"/>
+                          <a:cs typeface="+mn-cs"/>
+                        </a:rPr>
+                        <a:t>索引表</a:t>
+                      </a:r>
+                      <a:r>
+                        <a:rPr kumimoji="0" lang="en-US" altLang="zh-CN" sz="1800" b="1" i="0" u="none" strike="noStrike" kern="1200" cap="none" spc="0" normalizeH="0" baseline="0" noProof="0" dirty="0" err="1" smtClean="0">
+                          <a:ln>
+                            <a:noFill/>
+                          </a:ln>
+                          <a:solidFill>
+                            <a:schemeClr val="tx1"/>
+                          </a:solidFill>
+                          <a:effectLst/>
+                          <a:uLnTx/>
+                          <a:uFillTx/>
+                          <a:latin typeface="Calibri" panose="020F0502020204030204"/>
+                          <a:ea typeface="等线" panose="02010600030101010101" pitchFamily="2" charset="-122"/>
+                          <a:cs typeface="+mn-cs"/>
+                        </a:rPr>
+                        <a:t>T3</a:t>
+                      </a:r>
+                      <a:endParaRPr kumimoji="0" lang="zh-CN" altLang="en-US" sz="1800" b="1" i="0" u="none" strike="noStrike" kern="1200" cap="none" spc="0" normalizeH="0" baseline="0" noProof="0" dirty="0">
+                        <a:ln>
+                          <a:noFill/>
+                        </a:ln>
+                        <a:solidFill>
+                          <a:schemeClr val="tx1"/>
+                        </a:solidFill>
+                        <a:effectLst/>
+                        <a:uLnTx/>
+                        <a:uFillTx/>
+                        <a:latin typeface="Calibri" panose="020F0502020204030204"/>
+                        <a:ea typeface="等线" panose="02010600030101010101" pitchFamily="2" charset="-122"/>
+                        <a:cs typeface="+mn-cs"/>
+                      </a:endParaRPr>
+                    </a:p>
+                  </a:txBody>
+                  <a:tcPr>
+                    <a:solidFill>
+                      <a:schemeClr val="accent1">
+                        <a:lumMod val="60000"/>
+                        <a:lumOff val="40000"/>
+                      </a:schemeClr>
+                    </a:solidFill>
+                  </a:tcPr>
+                </a:tc>
+                <a:tc>
+                  <a:txBody>
+                    <a:bodyPr/>
+                    <a:lstStyle/>
+                    <a:p>
+                      <a:pPr marL="0" marR="0" lvl="0" indent="0" algn="ctr" defTabSz="914400" rtl="0" eaLnBrk="1" fontAlgn="auto" latinLnBrk="0" hangingPunct="1">
+                        <a:lnSpc>
+                          <a:spcPct val="100000"/>
+                        </a:lnSpc>
+                        <a:spcBef>
+                          <a:spcPts val="0"/>
+                        </a:spcBef>
+                        <a:spcAft>
+                          <a:spcPts val="0"/>
+                        </a:spcAft>
+                        <a:buClrTx/>
+                        <a:buSzTx/>
+                        <a:buFontTx/>
+                        <a:buNone/>
+                        <a:tabLst/>
+                        <a:defRPr/>
+                      </a:pPr>
+                      <a:r>
+                        <a:rPr kumimoji="0" lang="zh-CN" altLang="en-US" sz="1800" b="1" i="0" u="none" strike="noStrike" kern="1200" cap="none" spc="0" normalizeH="0" baseline="0" noProof="0" dirty="0" smtClean="0">
+                          <a:ln>
+                            <a:noFill/>
+                          </a:ln>
+                          <a:solidFill>
+                            <a:schemeClr val="tx1"/>
+                          </a:solidFill>
+                          <a:effectLst/>
+                          <a:uLnTx/>
+                          <a:uFillTx/>
+                          <a:latin typeface="Calibri" panose="020F0502020204030204"/>
+                          <a:ea typeface="等线" panose="02010600030101010101" pitchFamily="2" charset="-122"/>
+                          <a:cs typeface="+mn-cs"/>
+                        </a:rPr>
+                        <a:t>索引表</a:t>
+                      </a:r>
+                      <a:r>
+                        <a:rPr kumimoji="0" lang="en-US" altLang="zh-CN" sz="1800" b="1" i="0" u="none" strike="noStrike" kern="1200" cap="none" spc="0" normalizeH="0" baseline="0" noProof="0" dirty="0" err="1" smtClean="0">
+                          <a:ln>
+                            <a:noFill/>
+                          </a:ln>
+                          <a:solidFill>
+                            <a:schemeClr val="tx1"/>
+                          </a:solidFill>
+                          <a:effectLst/>
+                          <a:uLnTx/>
+                          <a:uFillTx/>
+                          <a:latin typeface="Calibri" panose="020F0502020204030204"/>
+                          <a:ea typeface="等线" panose="02010600030101010101" pitchFamily="2" charset="-122"/>
+                          <a:cs typeface="+mn-cs"/>
+                        </a:rPr>
+                        <a:t>T4</a:t>
+                      </a:r>
+                      <a:endParaRPr kumimoji="0" lang="zh-CN" altLang="en-US" sz="1800" b="1" i="0" u="none" strike="noStrike" kern="1200" cap="none" spc="0" normalizeH="0" baseline="0" noProof="0" dirty="0">
+                        <a:ln>
+                          <a:noFill/>
+                        </a:ln>
+                        <a:solidFill>
+                          <a:schemeClr val="tx1"/>
+                        </a:solidFill>
+                        <a:effectLst/>
+                        <a:uLnTx/>
+                        <a:uFillTx/>
+                        <a:latin typeface="Calibri" panose="020F0502020204030204"/>
+                        <a:ea typeface="等线" panose="02010600030101010101" pitchFamily="2" charset="-122"/>
+                        <a:cs typeface="+mn-cs"/>
+                      </a:endParaRPr>
+                    </a:p>
+                  </a:txBody>
+                  <a:tcPr>
+                    <a:solidFill>
+                      <a:schemeClr val="accent1">
+                        <a:lumMod val="60000"/>
+                        <a:lumOff val="40000"/>
+                      </a:schemeClr>
+                    </a:solidFill>
+                  </a:tcPr>
+                </a:tc>
+                <a:extLst>
+                  <a:ext uri="{0D108BD9-81ED-4DB2-BD59-A6C34878D82A}">
+                    <a16:rowId xmlns:a16="http://schemas.microsoft.com/office/drawing/2014/main" val="3207421139"/>
+                  </a:ext>
+                </a:extLst>
+              </a:tr>
+            </a:tbl>
+          </a:graphicData>
+        </a:graphic>
+      </p:graphicFrame>
+      <p:sp>
+        <p:nvSpPr>
+          <p:cNvPr id="6" name="圆角矩形 5"/>
+          <p:cNvSpPr/>
+          <p:nvPr/>
+        </p:nvSpPr>
+        <p:spPr>
+          <a:xfrm>
+            <a:off x="-747346" y="1"/>
+            <a:ext cx="1248509" cy="370840"/>
+          </a:xfrm>
+          <a:prstGeom prst="roundRect">
+            <a:avLst/>
+          </a:prstGeom>
+        </p:spPr>
+        <p:style>
+          <a:lnRef idx="2">
+            <a:schemeClr val="accent1"/>
+          </a:lnRef>
+          <a:fillRef idx="1">
+            <a:schemeClr val="lt1"/>
+          </a:fillRef>
+          <a:effectRef idx="0">
+            <a:schemeClr val="accent1"/>
+          </a:effectRef>
+          <a:fontRef idx="minor">
+            <a:schemeClr val="dk1"/>
+          </a:fontRef>
+        </p:style>
+        <p:txBody>
+          <a:bodyPr rtlCol="0" anchor="ctr"/>
+          <a:lstStyle/>
+          <a:p>
+            <a:pPr algn="ctr"/>
+            <a:r>
+              <a:rPr lang="zh-CN" altLang="en-US" dirty="0" smtClean="0"/>
+              <a:t>明文字节</a:t>
+            </a:r>
+            <a:endParaRPr lang="zh-CN" altLang="en-US" dirty="0"/>
+          </a:p>
+        </p:txBody>
+      </p:sp>
+      <p:sp>
+        <p:nvSpPr>
+          <p:cNvPr id="7" name="圆角矩形 6"/>
+          <p:cNvSpPr/>
+          <p:nvPr/>
+        </p:nvSpPr>
+        <p:spPr>
+          <a:xfrm>
+            <a:off x="-747346" y="803031"/>
+            <a:ext cx="1248509" cy="370840"/>
+          </a:xfrm>
+          <a:prstGeom prst="roundRect">
+            <a:avLst/>
+          </a:prstGeom>
+        </p:spPr>
+        <p:style>
+          <a:lnRef idx="2">
+            <a:schemeClr val="accent1"/>
+          </a:lnRef>
+          <a:fillRef idx="1">
+            <a:schemeClr val="lt1"/>
+          </a:fillRef>
+          <a:effectRef idx="0">
+            <a:schemeClr val="accent1"/>
+          </a:effectRef>
+          <a:fontRef idx="minor">
+            <a:schemeClr val="dk1"/>
+          </a:fontRef>
+        </p:style>
+        <p:txBody>
+          <a:bodyPr rtlCol="0" anchor="ctr"/>
+          <a:lstStyle/>
+          <a:p>
+            <a:pPr algn="ctr"/>
+            <a:r>
+              <a:rPr lang="zh-CN" altLang="en-US" dirty="0"/>
+              <a:t>密钥</a:t>
+            </a:r>
+            <a:r>
+              <a:rPr lang="zh-CN" altLang="en-US" dirty="0" smtClean="0"/>
+              <a:t>字节</a:t>
+            </a:r>
+            <a:endParaRPr lang="zh-CN" altLang="en-US" dirty="0"/>
+          </a:p>
+        </p:txBody>
+      </p:sp>
+      <mc:AlternateContent xmlns:mc="http://schemas.openxmlformats.org/markup-compatibility/2006">
+        <mc:Choice xmlns:a14="http://schemas.microsoft.com/office/drawing/2010/main" Requires="a14">
+          <p:sp>
+            <p:nvSpPr>
+              <p:cNvPr id="9" name="文本框 8"/>
+              <p:cNvSpPr txBox="1"/>
+              <p:nvPr/>
+            </p:nvSpPr>
+            <p:spPr>
+              <a:xfrm>
+                <a:off x="-781496" y="402269"/>
+                <a:ext cx="1610902" cy="369332"/>
+              </a:xfrm>
+              <a:prstGeom prst="rect">
+                <a:avLst/>
+              </a:prstGeom>
+              <a:noFill/>
+            </p:spPr>
+            <p:txBody>
+              <a:bodyPr wrap="square" rtlCol="0">
+                <a:spAutoFit/>
+              </a:bodyPr>
+              <a:lstStyle/>
+              <a:p>
+                <a14:m>
+                  <m:oMath xmlns:m="http://schemas.openxmlformats.org/officeDocument/2006/math">
+                    <m:r>
+                      <a:rPr lang="zh-CN" altLang="zh-CN">
+                        <a:latin typeface="Cambria Math" panose="02040503050406030204" pitchFamily="18" charset="0"/>
+                      </a:rPr>
+                      <m:t>⊕</m:t>
+                    </m:r>
+                  </m:oMath>
+                </a14:m>
+                <a:r>
+                  <a:rPr lang="zh-CN" altLang="en-US" dirty="0" smtClean="0"/>
+                  <a:t>按位异或</a:t>
+                </a:r>
+                <a:endParaRPr lang="zh-CN" altLang="en-US" dirty="0"/>
+              </a:p>
+            </p:txBody>
+          </p:sp>
+        </mc:Choice>
+        <mc:Fallback>
+          <p:sp>
+            <p:nvSpPr>
+              <p:cNvPr id="9" name="文本框 8"/>
+              <p:cNvSpPr txBox="1">
+                <a:spLocks noRot="1" noChangeAspect="1" noMove="1" noResize="1" noEditPoints="1" noAdjustHandles="1" noChangeArrowheads="1" noChangeShapeType="1" noTextEdit="1"/>
+              </p:cNvSpPr>
+              <p:nvPr/>
+            </p:nvSpPr>
+            <p:spPr>
+              <a:xfrm>
+                <a:off x="-781496" y="402269"/>
+                <a:ext cx="1610902" cy="369332"/>
+              </a:xfrm>
+              <a:prstGeom prst="rect">
+                <a:avLst/>
+              </a:prstGeom>
+              <a:blipFill>
+                <a:blip r:embed="rId2"/>
+                <a:stretch>
+                  <a:fillRect l="-758" t="-9836" b="-24590"/>
+                </a:stretch>
+              </a:blipFill>
+            </p:spPr>
+            <p:txBody>
+              <a:bodyPr/>
+              <a:lstStyle/>
+              <a:p>
+                <a:r>
+                  <a:rPr lang="zh-CN" altLang="en-US">
+                    <a:noFill/>
+                  </a:rPr>
+                  <a:t> </a:t>
+                </a:r>
+              </a:p>
+            </p:txBody>
+          </p:sp>
+        </mc:Fallback>
+      </mc:AlternateContent>
+      <p:cxnSp>
+        <p:nvCxnSpPr>
+          <p:cNvPr id="11" name="直接箭头连接符 10"/>
+          <p:cNvCxnSpPr/>
+          <p:nvPr/>
+        </p:nvCxnSpPr>
+        <p:spPr>
+          <a:xfrm>
+            <a:off x="993531" y="1173871"/>
+            <a:ext cx="562707" cy="935306"/>
+          </a:xfrm>
+          <a:prstGeom prst="straightConnector1">
+            <a:avLst/>
+          </a:prstGeom>
+          <a:ln>
+            <a:tailEnd type="triangle"/>
+          </a:ln>
+        </p:spPr>
+        <p:style>
+          <a:lnRef idx="1">
+            <a:schemeClr val="accent1"/>
+          </a:lnRef>
+          <a:fillRef idx="0">
+            <a:schemeClr val="accent1"/>
+          </a:fillRef>
+          <a:effectRef idx="0">
+            <a:schemeClr val="accent1"/>
+          </a:effectRef>
+          <a:fontRef idx="minor">
+            <a:schemeClr val="tx1"/>
+          </a:fontRef>
+        </p:style>
+      </p:cxnSp>
+      <p:cxnSp>
+        <p:nvCxnSpPr>
+          <p:cNvPr id="13" name="直接箭头连接符 12"/>
+          <p:cNvCxnSpPr/>
+          <p:nvPr/>
+        </p:nvCxnSpPr>
+        <p:spPr>
+          <a:xfrm>
+            <a:off x="993531" y="370840"/>
+            <a:ext cx="0" cy="400761"/>
+          </a:xfrm>
+          <a:prstGeom prst="straightConnector1">
+            <a:avLst/>
+          </a:prstGeom>
+          <a:ln>
+            <a:headEnd type="triangle"/>
+            <a:tailEnd type="triangle"/>
+          </a:ln>
+        </p:spPr>
+        <p:style>
+          <a:lnRef idx="1">
+            <a:schemeClr val="accent1"/>
+          </a:lnRef>
+          <a:fillRef idx="0">
+            <a:schemeClr val="accent1"/>
+          </a:fillRef>
+          <a:effectRef idx="0">
+            <a:schemeClr val="accent1"/>
+          </a:effectRef>
+          <a:fontRef idx="minor">
+            <a:schemeClr val="tx1"/>
+          </a:fontRef>
+        </p:style>
+      </p:cxnSp>
+      <p:cxnSp>
+        <p:nvCxnSpPr>
+          <p:cNvPr id="14" name="直接箭头连接符 13"/>
+          <p:cNvCxnSpPr/>
+          <p:nvPr/>
+        </p:nvCxnSpPr>
+        <p:spPr>
+          <a:xfrm>
+            <a:off x="1383324" y="386554"/>
+            <a:ext cx="0" cy="400761"/>
+          </a:xfrm>
+          <a:prstGeom prst="straightConnector1">
+            <a:avLst/>
+          </a:prstGeom>
+          <a:ln>
+            <a:headEnd type="triangle"/>
+            <a:tailEnd type="triangle"/>
+          </a:ln>
+        </p:spPr>
+        <p:style>
+          <a:lnRef idx="1">
+            <a:schemeClr val="accent1"/>
+          </a:lnRef>
+          <a:fillRef idx="0">
+            <a:schemeClr val="accent1"/>
+          </a:fillRef>
+          <a:effectRef idx="0">
+            <a:schemeClr val="accent1"/>
+          </a:effectRef>
+          <a:fontRef idx="minor">
+            <a:schemeClr val="tx1"/>
+          </a:fontRef>
+        </p:style>
+      </p:cxnSp>
+      <p:cxnSp>
+        <p:nvCxnSpPr>
+          <p:cNvPr id="15" name="直接箭头连接符 14"/>
+          <p:cNvCxnSpPr/>
+          <p:nvPr/>
+        </p:nvCxnSpPr>
+        <p:spPr>
+          <a:xfrm>
+            <a:off x="1773116" y="402269"/>
+            <a:ext cx="0" cy="400761"/>
+          </a:xfrm>
+          <a:prstGeom prst="straightConnector1">
+            <a:avLst/>
+          </a:prstGeom>
+          <a:ln>
+            <a:headEnd type="triangle"/>
+            <a:tailEnd type="triangle"/>
+          </a:ln>
+        </p:spPr>
+        <p:style>
+          <a:lnRef idx="1">
+            <a:schemeClr val="accent1"/>
+          </a:lnRef>
+          <a:fillRef idx="0">
+            <a:schemeClr val="accent1"/>
+          </a:fillRef>
+          <a:effectRef idx="0">
+            <a:schemeClr val="accent1"/>
+          </a:effectRef>
+          <a:fontRef idx="minor">
+            <a:schemeClr val="tx1"/>
+          </a:fontRef>
+        </p:style>
+      </p:cxnSp>
+      <p:cxnSp>
+        <p:nvCxnSpPr>
+          <p:cNvPr id="16" name="直接箭头连接符 15"/>
+          <p:cNvCxnSpPr/>
+          <p:nvPr/>
+        </p:nvCxnSpPr>
+        <p:spPr>
+          <a:xfrm>
+            <a:off x="2159978" y="402268"/>
+            <a:ext cx="0" cy="400761"/>
+          </a:xfrm>
+          <a:prstGeom prst="straightConnector1">
+            <a:avLst/>
+          </a:prstGeom>
+          <a:ln>
+            <a:headEnd type="triangle"/>
+            <a:tailEnd type="triangle"/>
+          </a:ln>
+        </p:spPr>
+        <p:style>
+          <a:lnRef idx="1">
+            <a:schemeClr val="accent1"/>
+          </a:lnRef>
+          <a:fillRef idx="0">
+            <a:schemeClr val="accent1"/>
+          </a:fillRef>
+          <a:effectRef idx="0">
+            <a:schemeClr val="accent1"/>
+          </a:effectRef>
+          <a:fontRef idx="minor">
+            <a:schemeClr val="tx1"/>
+          </a:fontRef>
+        </p:style>
+      </p:cxnSp>
+      <p:cxnSp>
+        <p:nvCxnSpPr>
+          <p:cNvPr id="17" name="直接箭头连接符 16"/>
+          <p:cNvCxnSpPr/>
+          <p:nvPr/>
+        </p:nvCxnSpPr>
+        <p:spPr>
+          <a:xfrm>
+            <a:off x="2546839" y="387334"/>
+            <a:ext cx="0" cy="400761"/>
+          </a:xfrm>
+          <a:prstGeom prst="straightConnector1">
+            <a:avLst/>
+          </a:prstGeom>
+          <a:ln>
+            <a:headEnd type="triangle"/>
+            <a:tailEnd type="triangle"/>
+          </a:ln>
+        </p:spPr>
+        <p:style>
+          <a:lnRef idx="1">
+            <a:schemeClr val="accent1"/>
+          </a:lnRef>
+          <a:fillRef idx="0">
+            <a:schemeClr val="accent1"/>
+          </a:fillRef>
+          <a:effectRef idx="0">
+            <a:schemeClr val="accent1"/>
+          </a:effectRef>
+          <a:fontRef idx="minor">
+            <a:schemeClr val="tx1"/>
+          </a:fontRef>
+        </p:style>
+      </p:cxnSp>
+      <p:cxnSp>
+        <p:nvCxnSpPr>
+          <p:cNvPr id="18" name="直接箭头连接符 17"/>
+          <p:cNvCxnSpPr/>
+          <p:nvPr/>
+        </p:nvCxnSpPr>
+        <p:spPr>
+          <a:xfrm>
+            <a:off x="2892670" y="370840"/>
+            <a:ext cx="0" cy="400761"/>
+          </a:xfrm>
+          <a:prstGeom prst="straightConnector1">
+            <a:avLst/>
+          </a:prstGeom>
+          <a:ln>
+            <a:headEnd type="triangle"/>
+            <a:tailEnd type="triangle"/>
+          </a:ln>
+        </p:spPr>
+        <p:style>
+          <a:lnRef idx="1">
+            <a:schemeClr val="accent1"/>
+          </a:lnRef>
+          <a:fillRef idx="0">
+            <a:schemeClr val="accent1"/>
+          </a:fillRef>
+          <a:effectRef idx="0">
+            <a:schemeClr val="accent1"/>
+          </a:effectRef>
+          <a:fontRef idx="minor">
+            <a:schemeClr val="tx1"/>
+          </a:fontRef>
+        </p:style>
+      </p:cxnSp>
+      <p:cxnSp>
+        <p:nvCxnSpPr>
+          <p:cNvPr id="19" name="直接箭头连接符 18"/>
+          <p:cNvCxnSpPr/>
+          <p:nvPr/>
+        </p:nvCxnSpPr>
+        <p:spPr>
+          <a:xfrm>
+            <a:off x="3297116" y="370840"/>
+            <a:ext cx="0" cy="400761"/>
+          </a:xfrm>
+          <a:prstGeom prst="straightConnector1">
+            <a:avLst/>
+          </a:prstGeom>
+          <a:ln>
+            <a:headEnd type="triangle"/>
+            <a:tailEnd type="triangle"/>
+          </a:ln>
+        </p:spPr>
+        <p:style>
+          <a:lnRef idx="1">
+            <a:schemeClr val="accent1"/>
+          </a:lnRef>
+          <a:fillRef idx="0">
+            <a:schemeClr val="accent1"/>
+          </a:fillRef>
+          <a:effectRef idx="0">
+            <a:schemeClr val="accent1"/>
+          </a:effectRef>
+          <a:fontRef idx="minor">
+            <a:schemeClr val="tx1"/>
+          </a:fontRef>
+        </p:style>
+      </p:cxnSp>
+      <p:cxnSp>
+        <p:nvCxnSpPr>
+          <p:cNvPr id="20" name="直接箭头连接符 19"/>
+          <p:cNvCxnSpPr/>
+          <p:nvPr/>
+        </p:nvCxnSpPr>
+        <p:spPr>
+          <a:xfrm>
+            <a:off x="3660532" y="386553"/>
+            <a:ext cx="0" cy="400761"/>
+          </a:xfrm>
+          <a:prstGeom prst="straightConnector1">
+            <a:avLst/>
+          </a:prstGeom>
+          <a:ln>
+            <a:headEnd type="triangle"/>
+            <a:tailEnd type="triangle"/>
+          </a:ln>
+        </p:spPr>
+        <p:style>
+          <a:lnRef idx="1">
+            <a:schemeClr val="accent1"/>
+          </a:lnRef>
+          <a:fillRef idx="0">
+            <a:schemeClr val="accent1"/>
+          </a:fillRef>
+          <a:effectRef idx="0">
+            <a:schemeClr val="accent1"/>
+          </a:effectRef>
+          <a:fontRef idx="minor">
+            <a:schemeClr val="tx1"/>
+          </a:fontRef>
+        </p:style>
+      </p:cxnSp>
+      <p:cxnSp>
+        <p:nvCxnSpPr>
+          <p:cNvPr id="21" name="直接箭头连接符 20"/>
+          <p:cNvCxnSpPr/>
+          <p:nvPr/>
+        </p:nvCxnSpPr>
+        <p:spPr>
+          <a:xfrm>
+            <a:off x="4064978" y="386553"/>
+            <a:ext cx="0" cy="400761"/>
+          </a:xfrm>
+          <a:prstGeom prst="straightConnector1">
+            <a:avLst/>
+          </a:prstGeom>
+          <a:ln>
+            <a:headEnd type="triangle"/>
+            <a:tailEnd type="triangle"/>
+          </a:ln>
+        </p:spPr>
+        <p:style>
+          <a:lnRef idx="1">
+            <a:schemeClr val="accent1"/>
+          </a:lnRef>
+          <a:fillRef idx="0">
+            <a:schemeClr val="accent1"/>
+          </a:fillRef>
+          <a:effectRef idx="0">
+            <a:schemeClr val="accent1"/>
+          </a:effectRef>
+          <a:fontRef idx="minor">
+            <a:schemeClr val="tx1"/>
+          </a:fontRef>
+        </p:style>
+      </p:cxnSp>
+      <p:cxnSp>
+        <p:nvCxnSpPr>
+          <p:cNvPr id="22" name="直接箭头连接符 21"/>
+          <p:cNvCxnSpPr/>
+          <p:nvPr/>
+        </p:nvCxnSpPr>
+        <p:spPr>
+          <a:xfrm>
+            <a:off x="4410808" y="386553"/>
+            <a:ext cx="0" cy="400761"/>
+          </a:xfrm>
+          <a:prstGeom prst="straightConnector1">
+            <a:avLst/>
+          </a:prstGeom>
+          <a:ln>
+            <a:headEnd type="triangle"/>
+            <a:tailEnd type="triangle"/>
+          </a:ln>
+        </p:spPr>
+        <p:style>
+          <a:lnRef idx="1">
+            <a:schemeClr val="accent1"/>
+          </a:lnRef>
+          <a:fillRef idx="0">
+            <a:schemeClr val="accent1"/>
+          </a:fillRef>
+          <a:effectRef idx="0">
+            <a:schemeClr val="accent1"/>
+          </a:effectRef>
+          <a:fontRef idx="minor">
+            <a:schemeClr val="tx1"/>
+          </a:fontRef>
+        </p:style>
+      </p:cxnSp>
+      <p:cxnSp>
+        <p:nvCxnSpPr>
+          <p:cNvPr id="23" name="直接箭头连接符 22"/>
+          <p:cNvCxnSpPr/>
+          <p:nvPr/>
+        </p:nvCxnSpPr>
+        <p:spPr>
+          <a:xfrm>
+            <a:off x="4800600" y="402268"/>
+            <a:ext cx="0" cy="400761"/>
+          </a:xfrm>
+          <a:prstGeom prst="straightConnector1">
+            <a:avLst/>
+          </a:prstGeom>
+          <a:ln>
+            <a:headEnd type="triangle"/>
+            <a:tailEnd type="triangle"/>
+          </a:ln>
+        </p:spPr>
+        <p:style>
+          <a:lnRef idx="1">
+            <a:schemeClr val="accent1"/>
+          </a:lnRef>
+          <a:fillRef idx="0">
+            <a:schemeClr val="accent1"/>
+          </a:fillRef>
+          <a:effectRef idx="0">
+            <a:schemeClr val="accent1"/>
+          </a:effectRef>
+          <a:fontRef idx="minor">
+            <a:schemeClr val="tx1"/>
+          </a:fontRef>
+        </p:style>
+      </p:cxnSp>
+      <p:cxnSp>
+        <p:nvCxnSpPr>
+          <p:cNvPr id="24" name="直接箭头连接符 23"/>
+          <p:cNvCxnSpPr/>
+          <p:nvPr/>
+        </p:nvCxnSpPr>
+        <p:spPr>
+          <a:xfrm>
+            <a:off x="5187462" y="402267"/>
+            <a:ext cx="0" cy="400761"/>
+          </a:xfrm>
+          <a:prstGeom prst="straightConnector1">
+            <a:avLst/>
+          </a:prstGeom>
+          <a:ln>
+            <a:headEnd type="triangle"/>
+            <a:tailEnd type="triangle"/>
+          </a:ln>
+        </p:spPr>
+        <p:style>
+          <a:lnRef idx="1">
+            <a:schemeClr val="accent1"/>
+          </a:lnRef>
+          <a:fillRef idx="0">
+            <a:schemeClr val="accent1"/>
+          </a:fillRef>
+          <a:effectRef idx="0">
+            <a:schemeClr val="accent1"/>
+          </a:effectRef>
+          <a:fontRef idx="minor">
+            <a:schemeClr val="tx1"/>
+          </a:fontRef>
+        </p:style>
+      </p:cxnSp>
+      <p:cxnSp>
+        <p:nvCxnSpPr>
+          <p:cNvPr id="25" name="直接箭头连接符 24"/>
+          <p:cNvCxnSpPr/>
+          <p:nvPr/>
+        </p:nvCxnSpPr>
+        <p:spPr>
+          <a:xfrm>
+            <a:off x="5574323" y="387333"/>
+            <a:ext cx="0" cy="400761"/>
+          </a:xfrm>
+          <a:prstGeom prst="straightConnector1">
+            <a:avLst/>
+          </a:prstGeom>
+          <a:ln>
+            <a:headEnd type="triangle"/>
+            <a:tailEnd type="triangle"/>
+          </a:ln>
+        </p:spPr>
+        <p:style>
+          <a:lnRef idx="1">
+            <a:schemeClr val="accent1"/>
+          </a:lnRef>
+          <a:fillRef idx="0">
+            <a:schemeClr val="accent1"/>
+          </a:fillRef>
+          <a:effectRef idx="0">
+            <a:schemeClr val="accent1"/>
+          </a:effectRef>
+          <a:fontRef idx="minor">
+            <a:schemeClr val="tx1"/>
+          </a:fontRef>
+        </p:style>
+      </p:cxnSp>
+      <p:cxnSp>
+        <p:nvCxnSpPr>
+          <p:cNvPr id="26" name="直接箭头连接符 25"/>
+          <p:cNvCxnSpPr/>
+          <p:nvPr/>
+        </p:nvCxnSpPr>
+        <p:spPr>
+          <a:xfrm>
+            <a:off x="5920154" y="370839"/>
+            <a:ext cx="0" cy="400761"/>
+          </a:xfrm>
+          <a:prstGeom prst="straightConnector1">
+            <a:avLst/>
+          </a:prstGeom>
+          <a:ln>
+            <a:headEnd type="triangle"/>
+            <a:tailEnd type="triangle"/>
+          </a:ln>
+        </p:spPr>
+        <p:style>
+          <a:lnRef idx="1">
+            <a:schemeClr val="accent1"/>
+          </a:lnRef>
+          <a:fillRef idx="0">
+            <a:schemeClr val="accent1"/>
+          </a:fillRef>
+          <a:effectRef idx="0">
+            <a:schemeClr val="accent1"/>
+          </a:effectRef>
+          <a:fontRef idx="minor">
+            <a:schemeClr val="tx1"/>
+          </a:fontRef>
+        </p:style>
+      </p:cxnSp>
+      <p:cxnSp>
+        <p:nvCxnSpPr>
+          <p:cNvPr id="27" name="直接箭头连接符 26"/>
+          <p:cNvCxnSpPr/>
+          <p:nvPr/>
+        </p:nvCxnSpPr>
+        <p:spPr>
+          <a:xfrm>
+            <a:off x="6324600" y="370839"/>
+            <a:ext cx="0" cy="400761"/>
+          </a:xfrm>
+          <a:prstGeom prst="straightConnector1">
+            <a:avLst/>
+          </a:prstGeom>
+          <a:ln>
+            <a:headEnd type="triangle"/>
+            <a:tailEnd type="triangle"/>
+          </a:ln>
+        </p:spPr>
+        <p:style>
+          <a:lnRef idx="1">
+            <a:schemeClr val="accent1"/>
+          </a:lnRef>
+          <a:fillRef idx="0">
+            <a:schemeClr val="accent1"/>
+          </a:fillRef>
+          <a:effectRef idx="0">
+            <a:schemeClr val="accent1"/>
+          </a:effectRef>
+          <a:fontRef idx="minor">
+            <a:schemeClr val="tx1"/>
+          </a:fontRef>
+        </p:style>
+      </p:cxnSp>
+      <p:cxnSp>
+        <p:nvCxnSpPr>
+          <p:cNvPr id="28" name="直接箭头连接符 27"/>
+          <p:cNvCxnSpPr/>
+          <p:nvPr/>
+        </p:nvCxnSpPr>
+        <p:spPr>
+          <a:xfrm>
+            <a:off x="6688016" y="386552"/>
+            <a:ext cx="0" cy="400761"/>
+          </a:xfrm>
+          <a:prstGeom prst="straightConnector1">
+            <a:avLst/>
+          </a:prstGeom>
+          <a:ln>
+            <a:headEnd type="triangle"/>
+            <a:tailEnd type="triangle"/>
+          </a:ln>
+        </p:spPr>
+        <p:style>
+          <a:lnRef idx="1">
+            <a:schemeClr val="accent1"/>
+          </a:lnRef>
+          <a:fillRef idx="0">
+            <a:schemeClr val="accent1"/>
+          </a:fillRef>
+          <a:effectRef idx="0">
+            <a:schemeClr val="accent1"/>
+          </a:effectRef>
+          <a:fontRef idx="minor">
+            <a:schemeClr val="tx1"/>
+          </a:fontRef>
+        </p:style>
+      </p:cxnSp>
+      <p:cxnSp>
+        <p:nvCxnSpPr>
+          <p:cNvPr id="31" name="直接箭头连接符 30"/>
+          <p:cNvCxnSpPr/>
+          <p:nvPr/>
+        </p:nvCxnSpPr>
+        <p:spPr>
+          <a:xfrm>
+            <a:off x="1383324" y="1173871"/>
+            <a:ext cx="1667607" cy="935306"/>
+          </a:xfrm>
+          <a:prstGeom prst="straightConnector1">
+            <a:avLst/>
+          </a:prstGeom>
+          <a:ln>
+            <a:tailEnd type="triangle"/>
+          </a:ln>
+        </p:spPr>
+        <p:style>
+          <a:lnRef idx="1">
+            <a:schemeClr val="accent1"/>
+          </a:lnRef>
+          <a:fillRef idx="0">
+            <a:schemeClr val="accent1"/>
+          </a:fillRef>
+          <a:effectRef idx="0">
+            <a:schemeClr val="accent1"/>
+          </a:effectRef>
+          <a:fontRef idx="minor">
+            <a:schemeClr val="tx1"/>
+          </a:fontRef>
+        </p:style>
+      </p:cxnSp>
+      <p:cxnSp>
+        <p:nvCxnSpPr>
+          <p:cNvPr id="32" name="直接箭头连接符 31"/>
+          <p:cNvCxnSpPr/>
+          <p:nvPr/>
+        </p:nvCxnSpPr>
+        <p:spPr>
+          <a:xfrm>
+            <a:off x="1773116" y="1173871"/>
+            <a:ext cx="2834053" cy="935306"/>
+          </a:xfrm>
+          <a:prstGeom prst="straightConnector1">
+            <a:avLst/>
+          </a:prstGeom>
+          <a:ln>
+            <a:tailEnd type="triangle"/>
+          </a:ln>
+        </p:spPr>
+        <p:style>
+          <a:lnRef idx="1">
+            <a:schemeClr val="accent1"/>
+          </a:lnRef>
+          <a:fillRef idx="0">
+            <a:schemeClr val="accent1"/>
+          </a:fillRef>
+          <a:effectRef idx="0">
+            <a:schemeClr val="accent1"/>
+          </a:effectRef>
+          <a:fontRef idx="minor">
+            <a:schemeClr val="tx1"/>
+          </a:fontRef>
+        </p:style>
+      </p:cxnSp>
+      <p:cxnSp>
+        <p:nvCxnSpPr>
+          <p:cNvPr id="34" name="直接箭头连接符 33"/>
+          <p:cNvCxnSpPr/>
+          <p:nvPr/>
+        </p:nvCxnSpPr>
+        <p:spPr>
+          <a:xfrm>
+            <a:off x="2116015" y="1174875"/>
+            <a:ext cx="4038600" cy="934302"/>
+          </a:xfrm>
+          <a:prstGeom prst="straightConnector1">
+            <a:avLst/>
+          </a:prstGeom>
+          <a:ln>
+            <a:tailEnd type="triangle"/>
+          </a:ln>
+        </p:spPr>
+        <p:style>
+          <a:lnRef idx="1">
+            <a:schemeClr val="accent1"/>
+          </a:lnRef>
+          <a:fillRef idx="0">
+            <a:schemeClr val="accent1"/>
+          </a:fillRef>
+          <a:effectRef idx="0">
+            <a:schemeClr val="accent1"/>
+          </a:effectRef>
+          <a:fontRef idx="minor">
+            <a:schemeClr val="tx1"/>
+          </a:fontRef>
+        </p:style>
+      </p:cxnSp>
+      <p:cxnSp>
+        <p:nvCxnSpPr>
+          <p:cNvPr id="36" name="直接箭头连接符 35"/>
+          <p:cNvCxnSpPr/>
+          <p:nvPr/>
+        </p:nvCxnSpPr>
+        <p:spPr>
+          <a:xfrm flipH="1">
+            <a:off x="1556238" y="1158153"/>
+            <a:ext cx="990602" cy="950020"/>
+          </a:xfrm>
+          <a:prstGeom prst="straightConnector1">
+            <a:avLst/>
+          </a:prstGeom>
+          <a:ln>
+            <a:tailEnd type="triangle"/>
+          </a:ln>
+        </p:spPr>
+        <p:style>
+          <a:lnRef idx="1">
+            <a:schemeClr val="accent1"/>
+          </a:lnRef>
+          <a:fillRef idx="0">
+            <a:schemeClr val="accent1"/>
+          </a:fillRef>
+          <a:effectRef idx="0">
+            <a:schemeClr val="accent1"/>
+          </a:effectRef>
+          <a:fontRef idx="minor">
+            <a:schemeClr val="tx1"/>
+          </a:fontRef>
+        </p:style>
+      </p:cxnSp>
+      <p:cxnSp>
+        <p:nvCxnSpPr>
+          <p:cNvPr id="37" name="直接箭头连接符 36"/>
+          <p:cNvCxnSpPr/>
+          <p:nvPr/>
+        </p:nvCxnSpPr>
+        <p:spPr>
+          <a:xfrm>
+            <a:off x="2936632" y="1158153"/>
+            <a:ext cx="114299" cy="966736"/>
+          </a:xfrm>
+          <a:prstGeom prst="straightConnector1">
+            <a:avLst/>
+          </a:prstGeom>
+          <a:ln>
+            <a:tailEnd type="triangle"/>
+          </a:ln>
+        </p:spPr>
+        <p:style>
+          <a:lnRef idx="1">
+            <a:schemeClr val="accent1"/>
+          </a:lnRef>
+          <a:fillRef idx="0">
+            <a:schemeClr val="accent1"/>
+          </a:fillRef>
+          <a:effectRef idx="0">
+            <a:schemeClr val="accent1"/>
+          </a:effectRef>
+          <a:fontRef idx="minor">
+            <a:schemeClr val="tx1"/>
+          </a:fontRef>
+        </p:style>
+      </p:cxnSp>
+      <p:cxnSp>
+        <p:nvCxnSpPr>
+          <p:cNvPr id="38" name="直接箭头连接符 37"/>
+          <p:cNvCxnSpPr/>
+          <p:nvPr/>
+        </p:nvCxnSpPr>
+        <p:spPr>
+          <a:xfrm>
+            <a:off x="3326424" y="1158153"/>
+            <a:ext cx="1280745" cy="982451"/>
+          </a:xfrm>
+          <a:prstGeom prst="straightConnector1">
+            <a:avLst/>
+          </a:prstGeom>
+          <a:ln>
+            <a:tailEnd type="triangle"/>
+          </a:ln>
+        </p:spPr>
+        <p:style>
+          <a:lnRef idx="1">
+            <a:schemeClr val="accent1"/>
+          </a:lnRef>
+          <a:fillRef idx="0">
+            <a:schemeClr val="accent1"/>
+          </a:fillRef>
+          <a:effectRef idx="0">
+            <a:schemeClr val="accent1"/>
+          </a:effectRef>
+          <a:fontRef idx="minor">
+            <a:schemeClr val="tx1"/>
+          </a:fontRef>
+        </p:style>
+      </p:cxnSp>
+      <p:cxnSp>
+        <p:nvCxnSpPr>
+          <p:cNvPr id="39" name="直接箭头连接符 38"/>
+          <p:cNvCxnSpPr/>
+          <p:nvPr/>
+        </p:nvCxnSpPr>
+        <p:spPr>
+          <a:xfrm>
+            <a:off x="3669323" y="1159157"/>
+            <a:ext cx="2485292" cy="949016"/>
+          </a:xfrm>
+          <a:prstGeom prst="straightConnector1">
+            <a:avLst/>
+          </a:prstGeom>
+          <a:ln>
+            <a:tailEnd type="triangle"/>
+          </a:ln>
+        </p:spPr>
+        <p:style>
+          <a:lnRef idx="1">
+            <a:schemeClr val="accent1"/>
+          </a:lnRef>
+          <a:fillRef idx="0">
+            <a:schemeClr val="accent1"/>
+          </a:fillRef>
+          <a:effectRef idx="0">
+            <a:schemeClr val="accent1"/>
+          </a:effectRef>
+          <a:fontRef idx="minor">
+            <a:schemeClr val="tx1"/>
+          </a:fontRef>
+        </p:style>
+      </p:cxnSp>
+      <p:cxnSp>
+        <p:nvCxnSpPr>
+          <p:cNvPr id="56" name="直接箭头连接符 55"/>
+          <p:cNvCxnSpPr/>
+          <p:nvPr/>
+        </p:nvCxnSpPr>
+        <p:spPr>
+          <a:xfrm flipH="1">
+            <a:off x="1556238" y="1177126"/>
+            <a:ext cx="2488224" cy="931047"/>
+          </a:xfrm>
+          <a:prstGeom prst="straightConnector1">
+            <a:avLst/>
+          </a:prstGeom>
+          <a:ln>
+            <a:tailEnd type="triangle"/>
+          </a:ln>
+        </p:spPr>
+        <p:style>
+          <a:lnRef idx="1">
+            <a:schemeClr val="accent1"/>
+          </a:lnRef>
+          <a:fillRef idx="0">
+            <a:schemeClr val="accent1"/>
+          </a:fillRef>
+          <a:effectRef idx="0">
+            <a:schemeClr val="accent1"/>
+          </a:effectRef>
+          <a:fontRef idx="minor">
+            <a:schemeClr val="tx1"/>
+          </a:fontRef>
+        </p:style>
+      </p:cxnSp>
+      <p:cxnSp>
+        <p:nvCxnSpPr>
+          <p:cNvPr id="57" name="直接箭头连接符 56"/>
+          <p:cNvCxnSpPr/>
+          <p:nvPr/>
+        </p:nvCxnSpPr>
+        <p:spPr>
+          <a:xfrm flipH="1">
+            <a:off x="3050931" y="1177126"/>
+            <a:ext cx="1383322" cy="931047"/>
+          </a:xfrm>
+          <a:prstGeom prst="straightConnector1">
+            <a:avLst/>
+          </a:prstGeom>
+          <a:ln>
+            <a:tailEnd type="triangle"/>
+          </a:ln>
+        </p:spPr>
+        <p:style>
+          <a:lnRef idx="1">
+            <a:schemeClr val="accent1"/>
+          </a:lnRef>
+          <a:fillRef idx="0">
+            <a:schemeClr val="accent1"/>
+          </a:fillRef>
+          <a:effectRef idx="0">
+            <a:schemeClr val="accent1"/>
+          </a:effectRef>
+          <a:fontRef idx="minor">
+            <a:schemeClr val="tx1"/>
+          </a:fontRef>
+        </p:style>
+      </p:cxnSp>
+      <p:cxnSp>
+        <p:nvCxnSpPr>
+          <p:cNvPr id="58" name="直接箭头连接符 57"/>
+          <p:cNvCxnSpPr/>
+          <p:nvPr/>
+        </p:nvCxnSpPr>
+        <p:spPr>
+          <a:xfrm flipH="1">
+            <a:off x="4607169" y="1177126"/>
+            <a:ext cx="216876" cy="945761"/>
+          </a:xfrm>
+          <a:prstGeom prst="straightConnector1">
+            <a:avLst/>
+          </a:prstGeom>
+          <a:ln>
+            <a:tailEnd type="triangle"/>
+          </a:ln>
+        </p:spPr>
+        <p:style>
+          <a:lnRef idx="1">
+            <a:schemeClr val="accent1"/>
+          </a:lnRef>
+          <a:fillRef idx="0">
+            <a:schemeClr val="accent1"/>
+          </a:fillRef>
+          <a:effectRef idx="0">
+            <a:schemeClr val="accent1"/>
+          </a:effectRef>
+          <a:fontRef idx="minor">
+            <a:schemeClr val="tx1"/>
+          </a:fontRef>
+        </p:style>
+      </p:cxnSp>
+      <p:cxnSp>
+        <p:nvCxnSpPr>
+          <p:cNvPr id="59" name="直接箭头连接符 58"/>
+          <p:cNvCxnSpPr/>
+          <p:nvPr/>
+        </p:nvCxnSpPr>
+        <p:spPr>
+          <a:xfrm>
+            <a:off x="5166944" y="1178130"/>
+            <a:ext cx="987671" cy="930043"/>
+          </a:xfrm>
+          <a:prstGeom prst="straightConnector1">
+            <a:avLst/>
+          </a:prstGeom>
+          <a:ln>
+            <a:tailEnd type="triangle"/>
+          </a:ln>
+        </p:spPr>
+        <p:style>
+          <a:lnRef idx="1">
+            <a:schemeClr val="accent1"/>
+          </a:lnRef>
+          <a:fillRef idx="0">
+            <a:schemeClr val="accent1"/>
+          </a:fillRef>
+          <a:effectRef idx="0">
+            <a:schemeClr val="accent1"/>
+          </a:effectRef>
+          <a:fontRef idx="minor">
+            <a:schemeClr val="tx1"/>
+          </a:fontRef>
+        </p:style>
+      </p:cxnSp>
+      <p:cxnSp>
+        <p:nvCxnSpPr>
+          <p:cNvPr id="76" name="直接箭头连接符 75"/>
+          <p:cNvCxnSpPr/>
+          <p:nvPr/>
+        </p:nvCxnSpPr>
+        <p:spPr>
+          <a:xfrm flipH="1">
+            <a:off x="1556238" y="1169267"/>
+            <a:ext cx="4013690" cy="953620"/>
+          </a:xfrm>
+          <a:prstGeom prst="straightConnector1">
+            <a:avLst/>
+          </a:prstGeom>
+          <a:ln>
+            <a:tailEnd type="triangle"/>
+          </a:ln>
+        </p:spPr>
+        <p:style>
+          <a:lnRef idx="1">
+            <a:schemeClr val="accent1"/>
+          </a:lnRef>
+          <a:fillRef idx="0">
+            <a:schemeClr val="accent1"/>
+          </a:fillRef>
+          <a:effectRef idx="0">
+            <a:schemeClr val="accent1"/>
+          </a:effectRef>
+          <a:fontRef idx="minor">
+            <a:schemeClr val="tx1"/>
+          </a:fontRef>
+        </p:style>
+      </p:cxnSp>
+      <p:cxnSp>
+        <p:nvCxnSpPr>
+          <p:cNvPr id="77" name="直接箭头连接符 76"/>
+          <p:cNvCxnSpPr/>
+          <p:nvPr/>
+        </p:nvCxnSpPr>
+        <p:spPr>
+          <a:xfrm flipH="1">
+            <a:off x="3050931" y="1169267"/>
+            <a:ext cx="2908788" cy="938906"/>
+          </a:xfrm>
+          <a:prstGeom prst="straightConnector1">
+            <a:avLst/>
+          </a:prstGeom>
+          <a:ln>
+            <a:tailEnd type="triangle"/>
+          </a:ln>
+        </p:spPr>
+        <p:style>
+          <a:lnRef idx="1">
+            <a:schemeClr val="accent1"/>
+          </a:lnRef>
+          <a:fillRef idx="0">
+            <a:schemeClr val="accent1"/>
+          </a:fillRef>
+          <a:effectRef idx="0">
+            <a:schemeClr val="accent1"/>
+          </a:effectRef>
+          <a:fontRef idx="minor">
+            <a:schemeClr val="tx1"/>
+          </a:fontRef>
+        </p:style>
+      </p:cxnSp>
+      <p:cxnSp>
+        <p:nvCxnSpPr>
+          <p:cNvPr id="78" name="直接箭头连接符 77"/>
+          <p:cNvCxnSpPr/>
+          <p:nvPr/>
+        </p:nvCxnSpPr>
+        <p:spPr>
+          <a:xfrm flipH="1">
+            <a:off x="4607169" y="1169267"/>
+            <a:ext cx="1742342" cy="953620"/>
+          </a:xfrm>
+          <a:prstGeom prst="straightConnector1">
+            <a:avLst/>
+          </a:prstGeom>
+          <a:ln>
+            <a:tailEnd type="triangle"/>
+          </a:ln>
+        </p:spPr>
+        <p:style>
+          <a:lnRef idx="1">
+            <a:schemeClr val="accent1"/>
+          </a:lnRef>
+          <a:fillRef idx="0">
+            <a:schemeClr val="accent1"/>
+          </a:fillRef>
+          <a:effectRef idx="0">
+            <a:schemeClr val="accent1"/>
+          </a:effectRef>
+          <a:fontRef idx="minor">
+            <a:schemeClr val="tx1"/>
+          </a:fontRef>
+        </p:style>
+      </p:cxnSp>
+      <p:cxnSp>
+        <p:nvCxnSpPr>
+          <p:cNvPr id="79" name="直接箭头连接符 78"/>
+          <p:cNvCxnSpPr/>
+          <p:nvPr/>
+        </p:nvCxnSpPr>
+        <p:spPr>
+          <a:xfrm flipH="1">
+            <a:off x="6154615" y="1170271"/>
+            <a:ext cx="537795" cy="937902"/>
+          </a:xfrm>
+          <a:prstGeom prst="straightConnector1">
+            <a:avLst/>
+          </a:prstGeom>
+          <a:ln>
+            <a:tailEnd type="triangle"/>
+          </a:ln>
+        </p:spPr>
+        <p:style>
+          <a:lnRef idx="1">
+            <a:schemeClr val="accent1"/>
+          </a:lnRef>
+          <a:fillRef idx="0">
+            <a:schemeClr val="accent1"/>
+          </a:fillRef>
+          <a:effectRef idx="0">
+            <a:schemeClr val="accent1"/>
+          </a:effectRef>
+          <a:fontRef idx="minor">
+            <a:schemeClr val="tx1"/>
+          </a:fontRef>
+        </p:style>
+      </p:cxnSp>
     </p:spTree>
     <p:extLst>
       <p:ext uri="{BB962C8B-B14F-4D97-AF65-F5344CB8AC3E}">
         <p14:creationId xmlns:p14="http://schemas.microsoft.com/office/powerpoint/2010/main" val="2315093578"/>
+      </p:ext>
+    </p:extLst>
+  </p:cSld>
+  <p:clrMapOvr>
+    <a:masterClrMapping/>
+  </p:clrMapOvr>
+</p:sld>
+</file>
+
+<file path=ppt/slides/slide8.xml><?xml version="1.0" encoding="utf-8"?>
+<p:sld xmlns:a="http://schemas.openxmlformats.org/drawingml/2006/main" xmlns:r="http://schemas.openxmlformats.org/officeDocument/2006/relationships" xmlns:p="http://schemas.openxmlformats.org/presentationml/2006/main">
+  <p:cSld>
+    <p:spTree>
+      <p:nvGrpSpPr>
+        <p:cNvPr id="1" name=""/>
+        <p:cNvGrpSpPr/>
+        <p:nvPr/>
+      </p:nvGrpSpPr>
+      <p:grpSpPr>
+        <a:xfrm>
+          <a:off x="0" y="0"/>
+          <a:ext cx="0" cy="0"/>
+          <a:chOff x="0" y="0"/>
+          <a:chExt cx="0" cy="0"/>
+        </a:xfrm>
+      </p:grpSpPr>
+      <p:graphicFrame>
+        <p:nvGraphicFramePr>
+          <p:cNvPr id="4" name="表格 3"/>
+          <p:cNvGraphicFramePr>
+            <a:graphicFrameLocks noGrp="1"/>
+          </p:cNvGraphicFramePr>
+          <p:nvPr>
+            <p:extLst>
+              <p:ext uri="{D42A27DB-BD31-4B8C-83A1-F6EECF244321}">
+                <p14:modId xmlns:p14="http://schemas.microsoft.com/office/powerpoint/2010/main" val="3165991934"/>
+              </p:ext>
+            </p:extLst>
+          </p:nvPr>
+        </p:nvGraphicFramePr>
+        <p:xfrm>
+          <a:off x="1524000" y="1397000"/>
+          <a:ext cx="1113692" cy="1566008"/>
+        </p:xfrm>
+        <a:graphic>
+          <a:graphicData uri="http://schemas.openxmlformats.org/drawingml/2006/table">
+            <a:tbl>
+              <a:tblPr firstRow="1" bandRow="1">
+                <a:tableStyleId>{5C22544A-7EE6-4342-B048-85BDC9FD1C3A}</a:tableStyleId>
+              </a:tblPr>
+              <a:tblGrid>
+                <a:gridCol w="1113692">
+                  <a:extLst>
+                    <a:ext uri="{9D8B030D-6E8A-4147-A177-3AD203B41FA5}">
+                      <a16:colId xmlns:a16="http://schemas.microsoft.com/office/drawing/2014/main" val="1211189660"/>
+                    </a:ext>
+                  </a:extLst>
+                </a:gridCol>
+              </a:tblGrid>
+              <a:tr h="391502">
+                <a:tc>
+                  <a:txBody>
+                    <a:bodyPr/>
+                    <a:lstStyle/>
+                    <a:p>
+                      <a:r>
+                        <a:rPr lang="zh-CN" altLang="en-US" dirty="0" smtClean="0">
+                          <a:solidFill>
+                            <a:schemeClr val="tx1"/>
+                          </a:solidFill>
+                        </a:rPr>
+                        <a:t>第</a:t>
+                      </a:r>
+                      <a:r>
+                        <a:rPr lang="en-US" altLang="zh-CN" dirty="0" smtClean="0">
+                          <a:solidFill>
+                            <a:schemeClr val="tx1"/>
+                          </a:solidFill>
+                        </a:rPr>
+                        <a:t>0</a:t>
+                      </a:r>
+                      <a:r>
+                        <a:rPr lang="zh-CN" altLang="en-US" dirty="0" smtClean="0">
+                          <a:solidFill>
+                            <a:schemeClr val="tx1"/>
+                          </a:solidFill>
+                        </a:rPr>
+                        <a:t>块</a:t>
+                      </a:r>
+                      <a:endParaRPr lang="zh-CN" altLang="en-US" dirty="0">
+                        <a:solidFill>
+                          <a:schemeClr val="tx1"/>
+                        </a:solidFill>
+                      </a:endParaRPr>
+                    </a:p>
+                  </a:txBody>
+                  <a:tcPr>
+                    <a:lnL w="12700" cap="flat" cmpd="sng" algn="ctr">
+                      <a:solidFill>
+                        <a:schemeClr val="tx1"/>
+                      </a:solidFill>
+                      <a:prstDash val="solid"/>
+                      <a:round/>
+                      <a:headEnd type="none" w="med" len="med"/>
+                      <a:tailEnd type="none" w="med" len="med"/>
+                    </a:lnL>
+                    <a:lnR w="12700" cap="flat" cmpd="sng" algn="ctr">
+                      <a:solidFill>
+                        <a:schemeClr val="tx1"/>
+                      </a:solidFill>
+                      <a:prstDash val="solid"/>
+                      <a:round/>
+                      <a:headEnd type="none" w="med" len="med"/>
+                      <a:tailEnd type="none" w="med" len="med"/>
+                    </a:lnR>
+                    <a:lnT w="12700" cap="flat" cmpd="sng" algn="ctr">
+                      <a:solidFill>
+                        <a:schemeClr val="tx1"/>
+                      </a:solidFill>
+                      <a:prstDash val="solid"/>
+                      <a:round/>
+                      <a:headEnd type="none" w="med" len="med"/>
+                      <a:tailEnd type="none" w="med" len="med"/>
+                    </a:lnT>
+                    <a:lnB w="12700" cap="flat" cmpd="sng" algn="ctr">
+                      <a:solidFill>
+                        <a:schemeClr val="tx1"/>
+                      </a:solidFill>
+                      <a:prstDash val="solid"/>
+                      <a:round/>
+                      <a:headEnd type="none" w="med" len="med"/>
+                      <a:tailEnd type="none" w="med" len="med"/>
+                    </a:lnB>
+                    <a:solidFill>
+                      <a:schemeClr val="bg1"/>
+                    </a:solidFill>
+                  </a:tcPr>
+                </a:tc>
+                <a:extLst>
+                  <a:ext uri="{0D108BD9-81ED-4DB2-BD59-A6C34878D82A}">
+                    <a16:rowId xmlns:a16="http://schemas.microsoft.com/office/drawing/2014/main" val="4043127137"/>
+                  </a:ext>
+                </a:extLst>
+              </a:tr>
+              <a:tr h="391502">
+                <a:tc>
+                  <a:txBody>
+                    <a:bodyPr/>
+                    <a:lstStyle/>
+                    <a:p>
+                      <a:pPr marL="0" marR="0" lvl="0" indent="0" algn="l" defTabSz="914400" rtl="0" eaLnBrk="1" fontAlgn="auto" latinLnBrk="0" hangingPunct="1">
+                        <a:lnSpc>
+                          <a:spcPct val="100000"/>
+                        </a:lnSpc>
+                        <a:spcBef>
+                          <a:spcPts val="0"/>
+                        </a:spcBef>
+                        <a:spcAft>
+                          <a:spcPts val="0"/>
+                        </a:spcAft>
+                        <a:buClrTx/>
+                        <a:buSzTx/>
+                        <a:buFontTx/>
+                        <a:buNone/>
+                        <a:tabLst/>
+                        <a:defRPr/>
+                      </a:pPr>
+                      <a:r>
+                        <a:rPr kumimoji="0" lang="zh-CN" altLang="en-US" sz="1800" b="1" i="0" u="none" strike="noStrike" kern="1200" cap="none" spc="0" normalizeH="0" baseline="0" noProof="0" dirty="0" smtClean="0">
+                          <a:ln>
+                            <a:noFill/>
+                          </a:ln>
+                          <a:solidFill>
+                            <a:prstClr val="black"/>
+                          </a:solidFill>
+                          <a:effectLst/>
+                          <a:uLnTx/>
+                          <a:uFillTx/>
+                          <a:latin typeface="Calibri" panose="020F0502020204030204"/>
+                          <a:ea typeface="等线" panose="02010600030101010101" pitchFamily="2" charset="-122"/>
+                          <a:cs typeface="+mn-cs"/>
+                        </a:rPr>
+                        <a:t>第</a:t>
+                      </a:r>
+                      <a:r>
+                        <a:rPr kumimoji="0" lang="en-US" altLang="zh-CN" sz="1800" b="1" i="0" u="none" strike="noStrike" kern="1200" cap="none" spc="0" normalizeH="0" baseline="0" noProof="0" dirty="0" smtClean="0">
+                          <a:ln>
+                            <a:noFill/>
+                          </a:ln>
+                          <a:solidFill>
+                            <a:prstClr val="black"/>
+                          </a:solidFill>
+                          <a:effectLst/>
+                          <a:uLnTx/>
+                          <a:uFillTx/>
+                          <a:latin typeface="Calibri" panose="020F0502020204030204"/>
+                          <a:ea typeface="等线" panose="02010600030101010101" pitchFamily="2" charset="-122"/>
+                          <a:cs typeface="+mn-cs"/>
+                        </a:rPr>
+                        <a:t>1</a:t>
+                      </a:r>
+                      <a:r>
+                        <a:rPr kumimoji="0" lang="zh-CN" altLang="en-US" sz="1800" b="1" i="0" u="none" strike="noStrike" kern="1200" cap="none" spc="0" normalizeH="0" baseline="0" noProof="0" dirty="0" smtClean="0">
+                          <a:ln>
+                            <a:noFill/>
+                          </a:ln>
+                          <a:solidFill>
+                            <a:prstClr val="black"/>
+                          </a:solidFill>
+                          <a:effectLst/>
+                          <a:uLnTx/>
+                          <a:uFillTx/>
+                          <a:latin typeface="Calibri" panose="020F0502020204030204"/>
+                          <a:ea typeface="等线" panose="02010600030101010101" pitchFamily="2" charset="-122"/>
+                          <a:cs typeface="+mn-cs"/>
+                        </a:rPr>
+                        <a:t>块</a:t>
+                      </a:r>
+                      <a:endParaRPr kumimoji="0" lang="zh-CN" altLang="en-US" sz="1800" b="1" i="0" u="none" strike="noStrike" kern="1200" cap="none" spc="0" normalizeH="0" baseline="0" noProof="0" dirty="0">
+                        <a:ln>
+                          <a:noFill/>
+                        </a:ln>
+                        <a:solidFill>
+                          <a:prstClr val="black"/>
+                        </a:solidFill>
+                        <a:effectLst/>
+                        <a:uLnTx/>
+                        <a:uFillTx/>
+                        <a:latin typeface="Calibri" panose="020F0502020204030204"/>
+                        <a:ea typeface="等线" panose="02010600030101010101" pitchFamily="2" charset="-122"/>
+                        <a:cs typeface="+mn-cs"/>
+                      </a:endParaRPr>
+                    </a:p>
+                  </a:txBody>
+                  <a:tcPr>
+                    <a:lnL w="12700" cap="flat" cmpd="sng" algn="ctr">
+                      <a:solidFill>
+                        <a:schemeClr val="tx1"/>
+                      </a:solidFill>
+                      <a:prstDash val="solid"/>
+                      <a:round/>
+                      <a:headEnd type="none" w="med" len="med"/>
+                      <a:tailEnd type="none" w="med" len="med"/>
+                    </a:lnL>
+                    <a:lnR w="12700" cap="flat" cmpd="sng" algn="ctr">
+                      <a:solidFill>
+                        <a:schemeClr val="tx1"/>
+                      </a:solidFill>
+                      <a:prstDash val="solid"/>
+                      <a:round/>
+                      <a:headEnd type="none" w="med" len="med"/>
+                      <a:tailEnd type="none" w="med" len="med"/>
+                    </a:lnR>
+                    <a:lnT w="12700" cap="flat" cmpd="sng" algn="ctr">
+                      <a:solidFill>
+                        <a:schemeClr val="tx1"/>
+                      </a:solidFill>
+                      <a:prstDash val="solid"/>
+                      <a:round/>
+                      <a:headEnd type="none" w="med" len="med"/>
+                      <a:tailEnd type="none" w="med" len="med"/>
+                    </a:lnT>
+                    <a:lnB w="12700" cap="flat" cmpd="sng" algn="ctr">
+                      <a:solidFill>
+                        <a:schemeClr val="tx1"/>
+                      </a:solidFill>
+                      <a:prstDash val="solid"/>
+                      <a:round/>
+                      <a:headEnd type="none" w="med" len="med"/>
+                      <a:tailEnd type="none" w="med" len="med"/>
+                    </a:lnB>
+                    <a:solidFill>
+                      <a:schemeClr val="bg1"/>
+                    </a:solidFill>
+                  </a:tcPr>
+                </a:tc>
+                <a:extLst>
+                  <a:ext uri="{0D108BD9-81ED-4DB2-BD59-A6C34878D82A}">
+                    <a16:rowId xmlns:a16="http://schemas.microsoft.com/office/drawing/2014/main" val="787085509"/>
+                  </a:ext>
+                </a:extLst>
+              </a:tr>
+              <a:tr h="391502">
+                <a:tc>
+                  <a:txBody>
+                    <a:bodyPr/>
+                    <a:lstStyle/>
+                    <a:p>
+                      <a:pPr marL="0" marR="0" lvl="0" indent="0" algn="l" defTabSz="914400" rtl="0" eaLnBrk="1" fontAlgn="auto" latinLnBrk="0" hangingPunct="1">
+                        <a:lnSpc>
+                          <a:spcPct val="100000"/>
+                        </a:lnSpc>
+                        <a:spcBef>
+                          <a:spcPts val="0"/>
+                        </a:spcBef>
+                        <a:spcAft>
+                          <a:spcPts val="0"/>
+                        </a:spcAft>
+                        <a:buClrTx/>
+                        <a:buSzTx/>
+                        <a:buFontTx/>
+                        <a:buNone/>
+                        <a:tabLst/>
+                        <a:defRPr/>
+                      </a:pPr>
+                      <a:r>
+                        <a:rPr kumimoji="0" lang="en-US" altLang="zh-CN" sz="1800" b="1" i="0" u="none" strike="noStrike" kern="1200" cap="none" spc="0" normalizeH="0" baseline="0" noProof="0" dirty="0" smtClean="0">
+                          <a:ln>
+                            <a:noFill/>
+                          </a:ln>
+                          <a:solidFill>
+                            <a:prstClr val="black"/>
+                          </a:solidFill>
+                          <a:effectLst/>
+                          <a:uLnTx/>
+                          <a:uFillTx/>
+                          <a:latin typeface="Calibri" panose="020F0502020204030204"/>
+                          <a:ea typeface="等线" panose="02010600030101010101" pitchFamily="2" charset="-122"/>
+                          <a:cs typeface="+mn-cs"/>
+                        </a:rPr>
+                        <a:t>…</a:t>
+                      </a:r>
+                      <a:endParaRPr kumimoji="0" lang="zh-CN" altLang="en-US" sz="1800" b="1" i="0" u="none" strike="noStrike" kern="1200" cap="none" spc="0" normalizeH="0" baseline="0" noProof="0" dirty="0">
+                        <a:ln>
+                          <a:noFill/>
+                        </a:ln>
+                        <a:solidFill>
+                          <a:prstClr val="black"/>
+                        </a:solidFill>
+                        <a:effectLst/>
+                        <a:uLnTx/>
+                        <a:uFillTx/>
+                        <a:latin typeface="Calibri" panose="020F0502020204030204"/>
+                        <a:ea typeface="等线" panose="02010600030101010101" pitchFamily="2" charset="-122"/>
+                        <a:cs typeface="+mn-cs"/>
+                      </a:endParaRPr>
+                    </a:p>
+                  </a:txBody>
+                  <a:tcPr>
+                    <a:lnL w="12700" cap="flat" cmpd="sng" algn="ctr">
+                      <a:solidFill>
+                        <a:schemeClr val="tx1"/>
+                      </a:solidFill>
+                      <a:prstDash val="solid"/>
+                      <a:round/>
+                      <a:headEnd type="none" w="med" len="med"/>
+                      <a:tailEnd type="none" w="med" len="med"/>
+                    </a:lnL>
+                    <a:lnR w="12700" cap="flat" cmpd="sng" algn="ctr">
+                      <a:solidFill>
+                        <a:schemeClr val="tx1"/>
+                      </a:solidFill>
+                      <a:prstDash val="solid"/>
+                      <a:round/>
+                      <a:headEnd type="none" w="med" len="med"/>
+                      <a:tailEnd type="none" w="med" len="med"/>
+                    </a:lnR>
+                    <a:lnT w="12700" cap="flat" cmpd="sng" algn="ctr">
+                      <a:solidFill>
+                        <a:schemeClr val="tx1"/>
+                      </a:solidFill>
+                      <a:prstDash val="solid"/>
+                      <a:round/>
+                      <a:headEnd type="none" w="med" len="med"/>
+                      <a:tailEnd type="none" w="med" len="med"/>
+                    </a:lnT>
+                    <a:lnB w="12700" cap="flat" cmpd="sng" algn="ctr">
+                      <a:solidFill>
+                        <a:schemeClr val="tx1"/>
+                      </a:solidFill>
+                      <a:prstDash val="solid"/>
+                      <a:round/>
+                      <a:headEnd type="none" w="med" len="med"/>
+                      <a:tailEnd type="none" w="med" len="med"/>
+                    </a:lnB>
+                    <a:solidFill>
+                      <a:schemeClr val="bg1"/>
+                    </a:solidFill>
+                  </a:tcPr>
+                </a:tc>
+                <a:extLst>
+                  <a:ext uri="{0D108BD9-81ED-4DB2-BD59-A6C34878D82A}">
+                    <a16:rowId xmlns:a16="http://schemas.microsoft.com/office/drawing/2014/main" val="1193275564"/>
+                  </a:ext>
+                </a:extLst>
+              </a:tr>
+              <a:tr h="391502">
+                <a:tc>
+                  <a:txBody>
+                    <a:bodyPr/>
+                    <a:lstStyle/>
+                    <a:p>
+                      <a:pPr marL="0" marR="0" lvl="0" indent="0" algn="l" defTabSz="914400" rtl="0" eaLnBrk="1" fontAlgn="auto" latinLnBrk="0" hangingPunct="1">
+                        <a:lnSpc>
+                          <a:spcPct val="100000"/>
+                        </a:lnSpc>
+                        <a:spcBef>
+                          <a:spcPts val="0"/>
+                        </a:spcBef>
+                        <a:spcAft>
+                          <a:spcPts val="0"/>
+                        </a:spcAft>
+                        <a:buClrTx/>
+                        <a:buSzTx/>
+                        <a:buFontTx/>
+                        <a:buNone/>
+                        <a:tabLst/>
+                        <a:defRPr/>
+                      </a:pPr>
+                      <a:r>
+                        <a:rPr kumimoji="0" lang="zh-CN" altLang="en-US" sz="1800" b="1" i="0" u="none" strike="noStrike" kern="1200" cap="none" spc="0" normalizeH="0" baseline="0" noProof="0" dirty="0" smtClean="0">
+                          <a:ln>
+                            <a:noFill/>
+                          </a:ln>
+                          <a:solidFill>
+                            <a:prstClr val="black"/>
+                          </a:solidFill>
+                          <a:effectLst/>
+                          <a:uLnTx/>
+                          <a:uFillTx/>
+                          <a:latin typeface="Calibri" panose="020F0502020204030204"/>
+                          <a:ea typeface="等线" panose="02010600030101010101" pitchFamily="2" charset="-122"/>
+                          <a:cs typeface="+mn-cs"/>
+                        </a:rPr>
+                        <a:t>第</a:t>
+                      </a:r>
+                      <a:r>
+                        <a:rPr kumimoji="0" lang="en-US" altLang="zh-CN" sz="1800" b="1" i="0" u="none" strike="noStrike" kern="1200" cap="none" spc="0" normalizeH="0" baseline="0" noProof="0" dirty="0" smtClean="0">
+                          <a:ln>
+                            <a:noFill/>
+                          </a:ln>
+                          <a:solidFill>
+                            <a:prstClr val="black"/>
+                          </a:solidFill>
+                          <a:effectLst/>
+                          <a:uLnTx/>
+                          <a:uFillTx/>
+                          <a:latin typeface="Calibri" panose="020F0502020204030204"/>
+                          <a:ea typeface="等线" panose="02010600030101010101" pitchFamily="2" charset="-122"/>
+                          <a:cs typeface="+mn-cs"/>
+                        </a:rPr>
+                        <a:t>15</a:t>
+                      </a:r>
+                      <a:r>
+                        <a:rPr kumimoji="0" lang="zh-CN" altLang="en-US" sz="1800" b="1" i="0" u="none" strike="noStrike" kern="1200" cap="none" spc="0" normalizeH="0" baseline="0" noProof="0" dirty="0" smtClean="0">
+                          <a:ln>
+                            <a:noFill/>
+                          </a:ln>
+                          <a:solidFill>
+                            <a:prstClr val="black"/>
+                          </a:solidFill>
+                          <a:effectLst/>
+                          <a:uLnTx/>
+                          <a:uFillTx/>
+                          <a:latin typeface="Calibri" panose="020F0502020204030204"/>
+                          <a:ea typeface="等线" panose="02010600030101010101" pitchFamily="2" charset="-122"/>
+                          <a:cs typeface="+mn-cs"/>
+                        </a:rPr>
+                        <a:t>块</a:t>
+                      </a:r>
+                      <a:endParaRPr kumimoji="0" lang="zh-CN" altLang="en-US" sz="1800" b="1" i="0" u="none" strike="noStrike" kern="1200" cap="none" spc="0" normalizeH="0" baseline="0" noProof="0" dirty="0">
+                        <a:ln>
+                          <a:noFill/>
+                        </a:ln>
+                        <a:solidFill>
+                          <a:prstClr val="black"/>
+                        </a:solidFill>
+                        <a:effectLst/>
+                        <a:uLnTx/>
+                        <a:uFillTx/>
+                        <a:latin typeface="Calibri" panose="020F0502020204030204"/>
+                        <a:ea typeface="等线" panose="02010600030101010101" pitchFamily="2" charset="-122"/>
+                        <a:cs typeface="+mn-cs"/>
+                      </a:endParaRPr>
+                    </a:p>
+                  </a:txBody>
+                  <a:tcPr>
+                    <a:lnL w="12700" cap="flat" cmpd="sng" algn="ctr">
+                      <a:solidFill>
+                        <a:schemeClr val="tx1"/>
+                      </a:solidFill>
+                      <a:prstDash val="solid"/>
+                      <a:round/>
+                      <a:headEnd type="none" w="med" len="med"/>
+                      <a:tailEnd type="none" w="med" len="med"/>
+                    </a:lnL>
+                    <a:lnR w="12700" cap="flat" cmpd="sng" algn="ctr">
+                      <a:solidFill>
+                        <a:schemeClr val="tx1"/>
+                      </a:solidFill>
+                      <a:prstDash val="solid"/>
+                      <a:round/>
+                      <a:headEnd type="none" w="med" len="med"/>
+                      <a:tailEnd type="none" w="med" len="med"/>
+                    </a:lnR>
+                    <a:lnT w="12700" cap="flat" cmpd="sng" algn="ctr">
+                      <a:solidFill>
+                        <a:schemeClr val="tx1"/>
+                      </a:solidFill>
+                      <a:prstDash val="solid"/>
+                      <a:round/>
+                      <a:headEnd type="none" w="med" len="med"/>
+                      <a:tailEnd type="none" w="med" len="med"/>
+                    </a:lnT>
+                    <a:lnB w="12700" cap="flat" cmpd="sng" algn="ctr">
+                      <a:solidFill>
+                        <a:schemeClr val="tx1"/>
+                      </a:solidFill>
+                      <a:prstDash val="solid"/>
+                      <a:round/>
+                      <a:headEnd type="none" w="med" len="med"/>
+                      <a:tailEnd type="none" w="med" len="med"/>
+                    </a:lnB>
+                    <a:solidFill>
+                      <a:schemeClr val="bg1"/>
+                    </a:solidFill>
+                  </a:tcPr>
+                </a:tc>
+                <a:extLst>
+                  <a:ext uri="{0D108BD9-81ED-4DB2-BD59-A6C34878D82A}">
+                    <a16:rowId xmlns:a16="http://schemas.microsoft.com/office/drawing/2014/main" val="2062599599"/>
+                  </a:ext>
+                </a:extLst>
+              </a:tr>
+            </a:tbl>
+          </a:graphicData>
+        </a:graphic>
+      </p:graphicFrame>
+      <p:graphicFrame>
+        <p:nvGraphicFramePr>
+          <p:cNvPr id="5" name="表格 4"/>
+          <p:cNvGraphicFramePr>
+            <a:graphicFrameLocks noGrp="1"/>
+          </p:cNvGraphicFramePr>
+          <p:nvPr>
+            <p:extLst>
+              <p:ext uri="{D42A27DB-BD31-4B8C-83A1-F6EECF244321}">
+                <p14:modId xmlns:p14="http://schemas.microsoft.com/office/powerpoint/2010/main" val="3579194095"/>
+              </p:ext>
+            </p:extLst>
+          </p:nvPr>
+        </p:nvGraphicFramePr>
+        <p:xfrm>
+          <a:off x="3006970" y="3745525"/>
+          <a:ext cx="1113692" cy="1566008"/>
+        </p:xfrm>
+        <a:graphic>
+          <a:graphicData uri="http://schemas.openxmlformats.org/drawingml/2006/table">
+            <a:tbl>
+              <a:tblPr firstRow="1" bandRow="1">
+                <a:tableStyleId>{5C22544A-7EE6-4342-B048-85BDC9FD1C3A}</a:tableStyleId>
+              </a:tblPr>
+              <a:tblGrid>
+                <a:gridCol w="1113692">
+                  <a:extLst>
+                    <a:ext uri="{9D8B030D-6E8A-4147-A177-3AD203B41FA5}">
+                      <a16:colId xmlns:a16="http://schemas.microsoft.com/office/drawing/2014/main" val="1211189660"/>
+                    </a:ext>
+                  </a:extLst>
+                </a:gridCol>
+              </a:tblGrid>
+              <a:tr h="391502">
+                <a:tc>
+                  <a:txBody>
+                    <a:bodyPr/>
+                    <a:lstStyle/>
+                    <a:p>
+                      <a:r>
+                        <a:rPr lang="zh-CN" altLang="en-US" dirty="0" smtClean="0">
+                          <a:solidFill>
+                            <a:schemeClr val="tx1"/>
+                          </a:solidFill>
+                        </a:rPr>
+                        <a:t>第</a:t>
+                      </a:r>
+                      <a:r>
+                        <a:rPr lang="en-US" altLang="zh-CN" dirty="0" smtClean="0">
+                          <a:solidFill>
+                            <a:schemeClr val="tx1"/>
+                          </a:solidFill>
+                        </a:rPr>
+                        <a:t>0</a:t>
+                      </a:r>
+                      <a:r>
+                        <a:rPr lang="zh-CN" altLang="en-US" dirty="0" smtClean="0">
+                          <a:solidFill>
+                            <a:schemeClr val="tx1"/>
+                          </a:solidFill>
+                        </a:rPr>
+                        <a:t>块</a:t>
+                      </a:r>
+                      <a:endParaRPr lang="zh-CN" altLang="en-US" dirty="0">
+                        <a:solidFill>
+                          <a:schemeClr val="tx1"/>
+                        </a:solidFill>
+                      </a:endParaRPr>
+                    </a:p>
+                  </a:txBody>
+                  <a:tcPr>
+                    <a:lnL w="12700" cap="flat" cmpd="sng" algn="ctr">
+                      <a:solidFill>
+                        <a:schemeClr val="tx1"/>
+                      </a:solidFill>
+                      <a:prstDash val="solid"/>
+                      <a:round/>
+                      <a:headEnd type="none" w="med" len="med"/>
+                      <a:tailEnd type="none" w="med" len="med"/>
+                    </a:lnL>
+                    <a:lnR w="12700" cap="flat" cmpd="sng" algn="ctr">
+                      <a:solidFill>
+                        <a:schemeClr val="tx1"/>
+                      </a:solidFill>
+                      <a:prstDash val="solid"/>
+                      <a:round/>
+                      <a:headEnd type="none" w="med" len="med"/>
+                      <a:tailEnd type="none" w="med" len="med"/>
+                    </a:lnR>
+                    <a:lnT w="12700" cap="flat" cmpd="sng" algn="ctr">
+                      <a:solidFill>
+                        <a:schemeClr val="tx1"/>
+                      </a:solidFill>
+                      <a:prstDash val="solid"/>
+                      <a:round/>
+                      <a:headEnd type="none" w="med" len="med"/>
+                      <a:tailEnd type="none" w="med" len="med"/>
+                    </a:lnT>
+                    <a:lnB w="12700" cap="flat" cmpd="sng" algn="ctr">
+                      <a:solidFill>
+                        <a:schemeClr val="tx1"/>
+                      </a:solidFill>
+                      <a:prstDash val="solid"/>
+                      <a:round/>
+                      <a:headEnd type="none" w="med" len="med"/>
+                      <a:tailEnd type="none" w="med" len="med"/>
+                    </a:lnB>
+                    <a:solidFill>
+                      <a:schemeClr val="bg1"/>
+                    </a:solidFill>
+                  </a:tcPr>
+                </a:tc>
+                <a:extLst>
+                  <a:ext uri="{0D108BD9-81ED-4DB2-BD59-A6C34878D82A}">
+                    <a16:rowId xmlns:a16="http://schemas.microsoft.com/office/drawing/2014/main" val="4043127137"/>
+                  </a:ext>
+                </a:extLst>
+              </a:tr>
+              <a:tr h="391502">
+                <a:tc>
+                  <a:txBody>
+                    <a:bodyPr/>
+                    <a:lstStyle/>
+                    <a:p>
+                      <a:pPr marL="0" marR="0" lvl="0" indent="0" algn="l" defTabSz="914400" rtl="0" eaLnBrk="1" fontAlgn="auto" latinLnBrk="0" hangingPunct="1">
+                        <a:lnSpc>
+                          <a:spcPct val="100000"/>
+                        </a:lnSpc>
+                        <a:spcBef>
+                          <a:spcPts val="0"/>
+                        </a:spcBef>
+                        <a:spcAft>
+                          <a:spcPts val="0"/>
+                        </a:spcAft>
+                        <a:buClrTx/>
+                        <a:buSzTx/>
+                        <a:buFontTx/>
+                        <a:buNone/>
+                        <a:tabLst/>
+                        <a:defRPr/>
+                      </a:pPr>
+                      <a:r>
+                        <a:rPr kumimoji="0" lang="zh-CN" altLang="en-US" sz="1800" b="1" i="0" u="none" strike="noStrike" kern="1200" cap="none" spc="0" normalizeH="0" baseline="0" noProof="0" dirty="0" smtClean="0">
+                          <a:ln>
+                            <a:noFill/>
+                          </a:ln>
+                          <a:solidFill>
+                            <a:prstClr val="black"/>
+                          </a:solidFill>
+                          <a:effectLst/>
+                          <a:uLnTx/>
+                          <a:uFillTx/>
+                          <a:latin typeface="Calibri" panose="020F0502020204030204"/>
+                          <a:ea typeface="等线" panose="02010600030101010101" pitchFamily="2" charset="-122"/>
+                          <a:cs typeface="+mn-cs"/>
+                        </a:rPr>
+                        <a:t>第</a:t>
+                      </a:r>
+                      <a:r>
+                        <a:rPr kumimoji="0" lang="en-US" altLang="zh-CN" sz="1800" b="1" i="0" u="none" strike="noStrike" kern="1200" cap="none" spc="0" normalizeH="0" baseline="0" noProof="0" dirty="0" smtClean="0">
+                          <a:ln>
+                            <a:noFill/>
+                          </a:ln>
+                          <a:solidFill>
+                            <a:prstClr val="black"/>
+                          </a:solidFill>
+                          <a:effectLst/>
+                          <a:uLnTx/>
+                          <a:uFillTx/>
+                          <a:latin typeface="Calibri" panose="020F0502020204030204"/>
+                          <a:ea typeface="等线" panose="02010600030101010101" pitchFamily="2" charset="-122"/>
+                          <a:cs typeface="+mn-cs"/>
+                        </a:rPr>
+                        <a:t>1</a:t>
+                      </a:r>
+                      <a:r>
+                        <a:rPr kumimoji="0" lang="zh-CN" altLang="en-US" sz="1800" b="1" i="0" u="none" strike="noStrike" kern="1200" cap="none" spc="0" normalizeH="0" baseline="0" noProof="0" dirty="0" smtClean="0">
+                          <a:ln>
+                            <a:noFill/>
+                          </a:ln>
+                          <a:solidFill>
+                            <a:prstClr val="black"/>
+                          </a:solidFill>
+                          <a:effectLst/>
+                          <a:uLnTx/>
+                          <a:uFillTx/>
+                          <a:latin typeface="Calibri" panose="020F0502020204030204"/>
+                          <a:ea typeface="等线" panose="02010600030101010101" pitchFamily="2" charset="-122"/>
+                          <a:cs typeface="+mn-cs"/>
+                        </a:rPr>
+                        <a:t>块</a:t>
+                      </a:r>
+                      <a:endParaRPr kumimoji="0" lang="zh-CN" altLang="en-US" sz="1800" b="1" i="0" u="none" strike="noStrike" kern="1200" cap="none" spc="0" normalizeH="0" baseline="0" noProof="0" dirty="0">
+                        <a:ln>
+                          <a:noFill/>
+                        </a:ln>
+                        <a:solidFill>
+                          <a:prstClr val="black"/>
+                        </a:solidFill>
+                        <a:effectLst/>
+                        <a:uLnTx/>
+                        <a:uFillTx/>
+                        <a:latin typeface="Calibri" panose="020F0502020204030204"/>
+                        <a:ea typeface="等线" panose="02010600030101010101" pitchFamily="2" charset="-122"/>
+                        <a:cs typeface="+mn-cs"/>
+                      </a:endParaRPr>
+                    </a:p>
+                  </a:txBody>
+                  <a:tcPr>
+                    <a:lnL w="12700" cap="flat" cmpd="sng" algn="ctr">
+                      <a:solidFill>
+                        <a:schemeClr val="tx1"/>
+                      </a:solidFill>
+                      <a:prstDash val="solid"/>
+                      <a:round/>
+                      <a:headEnd type="none" w="med" len="med"/>
+                      <a:tailEnd type="none" w="med" len="med"/>
+                    </a:lnL>
+                    <a:lnR w="12700" cap="flat" cmpd="sng" algn="ctr">
+                      <a:solidFill>
+                        <a:schemeClr val="tx1"/>
+                      </a:solidFill>
+                      <a:prstDash val="solid"/>
+                      <a:round/>
+                      <a:headEnd type="none" w="med" len="med"/>
+                      <a:tailEnd type="none" w="med" len="med"/>
+                    </a:lnR>
+                    <a:lnT w="12700" cap="flat" cmpd="sng" algn="ctr">
+                      <a:solidFill>
+                        <a:schemeClr val="tx1"/>
+                      </a:solidFill>
+                      <a:prstDash val="solid"/>
+                      <a:round/>
+                      <a:headEnd type="none" w="med" len="med"/>
+                      <a:tailEnd type="none" w="med" len="med"/>
+                    </a:lnT>
+                    <a:lnB w="12700" cap="flat" cmpd="sng" algn="ctr">
+                      <a:solidFill>
+                        <a:schemeClr val="tx1"/>
+                      </a:solidFill>
+                      <a:prstDash val="solid"/>
+                      <a:round/>
+                      <a:headEnd type="none" w="med" len="med"/>
+                      <a:tailEnd type="none" w="med" len="med"/>
+                    </a:lnB>
+                    <a:solidFill>
+                      <a:schemeClr val="bg1"/>
+                    </a:solidFill>
+                  </a:tcPr>
+                </a:tc>
+                <a:extLst>
+                  <a:ext uri="{0D108BD9-81ED-4DB2-BD59-A6C34878D82A}">
+                    <a16:rowId xmlns:a16="http://schemas.microsoft.com/office/drawing/2014/main" val="787085509"/>
+                  </a:ext>
+                </a:extLst>
+              </a:tr>
+              <a:tr h="391502">
+                <a:tc>
+                  <a:txBody>
+                    <a:bodyPr/>
+                    <a:lstStyle/>
+                    <a:p>
+                      <a:pPr marL="0" marR="0" lvl="0" indent="0" algn="l" defTabSz="914400" rtl="0" eaLnBrk="1" fontAlgn="auto" latinLnBrk="0" hangingPunct="1">
+                        <a:lnSpc>
+                          <a:spcPct val="100000"/>
+                        </a:lnSpc>
+                        <a:spcBef>
+                          <a:spcPts val="0"/>
+                        </a:spcBef>
+                        <a:spcAft>
+                          <a:spcPts val="0"/>
+                        </a:spcAft>
+                        <a:buClrTx/>
+                        <a:buSzTx/>
+                        <a:buFontTx/>
+                        <a:buNone/>
+                        <a:tabLst/>
+                        <a:defRPr/>
+                      </a:pPr>
+                      <a:r>
+                        <a:rPr kumimoji="0" lang="en-US" altLang="zh-CN" sz="1800" b="1" i="0" u="none" strike="noStrike" kern="1200" cap="none" spc="0" normalizeH="0" baseline="0" noProof="0" dirty="0" smtClean="0">
+                          <a:ln>
+                            <a:noFill/>
+                          </a:ln>
+                          <a:solidFill>
+                            <a:prstClr val="black"/>
+                          </a:solidFill>
+                          <a:effectLst/>
+                          <a:uLnTx/>
+                          <a:uFillTx/>
+                          <a:latin typeface="Calibri" panose="020F0502020204030204"/>
+                          <a:ea typeface="等线" panose="02010600030101010101" pitchFamily="2" charset="-122"/>
+                          <a:cs typeface="+mn-cs"/>
+                        </a:rPr>
+                        <a:t>…</a:t>
+                      </a:r>
+                      <a:endParaRPr kumimoji="0" lang="zh-CN" altLang="en-US" sz="1800" b="1" i="0" u="none" strike="noStrike" kern="1200" cap="none" spc="0" normalizeH="0" baseline="0" noProof="0" dirty="0">
+                        <a:ln>
+                          <a:noFill/>
+                        </a:ln>
+                        <a:solidFill>
+                          <a:prstClr val="black"/>
+                        </a:solidFill>
+                        <a:effectLst/>
+                        <a:uLnTx/>
+                        <a:uFillTx/>
+                        <a:latin typeface="Calibri" panose="020F0502020204030204"/>
+                        <a:ea typeface="等线" panose="02010600030101010101" pitchFamily="2" charset="-122"/>
+                        <a:cs typeface="+mn-cs"/>
+                      </a:endParaRPr>
+                    </a:p>
+                  </a:txBody>
+                  <a:tcPr>
+                    <a:lnL w="12700" cap="flat" cmpd="sng" algn="ctr">
+                      <a:solidFill>
+                        <a:schemeClr val="tx1"/>
+                      </a:solidFill>
+                      <a:prstDash val="solid"/>
+                      <a:round/>
+                      <a:headEnd type="none" w="med" len="med"/>
+                      <a:tailEnd type="none" w="med" len="med"/>
+                    </a:lnL>
+                    <a:lnR w="12700" cap="flat" cmpd="sng" algn="ctr">
+                      <a:solidFill>
+                        <a:schemeClr val="tx1"/>
+                      </a:solidFill>
+                      <a:prstDash val="solid"/>
+                      <a:round/>
+                      <a:headEnd type="none" w="med" len="med"/>
+                      <a:tailEnd type="none" w="med" len="med"/>
+                    </a:lnR>
+                    <a:lnT w="12700" cap="flat" cmpd="sng" algn="ctr">
+                      <a:solidFill>
+                        <a:schemeClr val="tx1"/>
+                      </a:solidFill>
+                      <a:prstDash val="solid"/>
+                      <a:round/>
+                      <a:headEnd type="none" w="med" len="med"/>
+                      <a:tailEnd type="none" w="med" len="med"/>
+                    </a:lnT>
+                    <a:lnB w="12700" cap="flat" cmpd="sng" algn="ctr">
+                      <a:solidFill>
+                        <a:schemeClr val="tx1"/>
+                      </a:solidFill>
+                      <a:prstDash val="solid"/>
+                      <a:round/>
+                      <a:headEnd type="none" w="med" len="med"/>
+                      <a:tailEnd type="none" w="med" len="med"/>
+                    </a:lnB>
+                    <a:solidFill>
+                      <a:schemeClr val="bg1"/>
+                    </a:solidFill>
+                  </a:tcPr>
+                </a:tc>
+                <a:extLst>
+                  <a:ext uri="{0D108BD9-81ED-4DB2-BD59-A6C34878D82A}">
+                    <a16:rowId xmlns:a16="http://schemas.microsoft.com/office/drawing/2014/main" val="1193275564"/>
+                  </a:ext>
+                </a:extLst>
+              </a:tr>
+              <a:tr h="391502">
+                <a:tc>
+                  <a:txBody>
+                    <a:bodyPr/>
+                    <a:lstStyle/>
+                    <a:p>
+                      <a:pPr marL="0" marR="0" lvl="0" indent="0" algn="l" defTabSz="914400" rtl="0" eaLnBrk="1" fontAlgn="auto" latinLnBrk="0" hangingPunct="1">
+                        <a:lnSpc>
+                          <a:spcPct val="100000"/>
+                        </a:lnSpc>
+                        <a:spcBef>
+                          <a:spcPts val="0"/>
+                        </a:spcBef>
+                        <a:spcAft>
+                          <a:spcPts val="0"/>
+                        </a:spcAft>
+                        <a:buClrTx/>
+                        <a:buSzTx/>
+                        <a:buFontTx/>
+                        <a:buNone/>
+                        <a:tabLst/>
+                        <a:defRPr/>
+                      </a:pPr>
+                      <a:r>
+                        <a:rPr kumimoji="0" lang="zh-CN" altLang="en-US" sz="1800" b="1" i="0" u="none" strike="noStrike" kern="1200" cap="none" spc="0" normalizeH="0" baseline="0" noProof="0" dirty="0" smtClean="0">
+                          <a:ln>
+                            <a:noFill/>
+                          </a:ln>
+                          <a:solidFill>
+                            <a:prstClr val="black"/>
+                          </a:solidFill>
+                          <a:effectLst/>
+                          <a:uLnTx/>
+                          <a:uFillTx/>
+                          <a:latin typeface="Calibri" panose="020F0502020204030204"/>
+                          <a:ea typeface="等线" panose="02010600030101010101" pitchFamily="2" charset="-122"/>
+                          <a:cs typeface="+mn-cs"/>
+                        </a:rPr>
+                        <a:t>第</a:t>
+                      </a:r>
+                      <a:r>
+                        <a:rPr kumimoji="0" lang="en-US" altLang="zh-CN" sz="1800" b="1" i="0" u="none" strike="noStrike" kern="1200" cap="none" spc="0" normalizeH="0" baseline="0" noProof="0" dirty="0" smtClean="0">
+                          <a:ln>
+                            <a:noFill/>
+                          </a:ln>
+                          <a:solidFill>
+                            <a:prstClr val="black"/>
+                          </a:solidFill>
+                          <a:effectLst/>
+                          <a:uLnTx/>
+                          <a:uFillTx/>
+                          <a:latin typeface="Calibri" panose="020F0502020204030204"/>
+                          <a:ea typeface="等线" panose="02010600030101010101" pitchFamily="2" charset="-122"/>
+                          <a:cs typeface="+mn-cs"/>
+                        </a:rPr>
+                        <a:t>15</a:t>
+                      </a:r>
+                      <a:r>
+                        <a:rPr kumimoji="0" lang="zh-CN" altLang="en-US" sz="1800" b="1" i="0" u="none" strike="noStrike" kern="1200" cap="none" spc="0" normalizeH="0" baseline="0" noProof="0" dirty="0" smtClean="0">
+                          <a:ln>
+                            <a:noFill/>
+                          </a:ln>
+                          <a:solidFill>
+                            <a:prstClr val="black"/>
+                          </a:solidFill>
+                          <a:effectLst/>
+                          <a:uLnTx/>
+                          <a:uFillTx/>
+                          <a:latin typeface="Calibri" panose="020F0502020204030204"/>
+                          <a:ea typeface="等线" panose="02010600030101010101" pitchFamily="2" charset="-122"/>
+                          <a:cs typeface="+mn-cs"/>
+                        </a:rPr>
+                        <a:t>块</a:t>
+                      </a:r>
+                      <a:endParaRPr kumimoji="0" lang="zh-CN" altLang="en-US" sz="1800" b="1" i="0" u="none" strike="noStrike" kern="1200" cap="none" spc="0" normalizeH="0" baseline="0" noProof="0" dirty="0">
+                        <a:ln>
+                          <a:noFill/>
+                        </a:ln>
+                        <a:solidFill>
+                          <a:prstClr val="black"/>
+                        </a:solidFill>
+                        <a:effectLst/>
+                        <a:uLnTx/>
+                        <a:uFillTx/>
+                        <a:latin typeface="Calibri" panose="020F0502020204030204"/>
+                        <a:ea typeface="等线" panose="02010600030101010101" pitchFamily="2" charset="-122"/>
+                        <a:cs typeface="+mn-cs"/>
+                      </a:endParaRPr>
+                    </a:p>
+                  </a:txBody>
+                  <a:tcPr>
+                    <a:lnL w="12700" cap="flat" cmpd="sng" algn="ctr">
+                      <a:solidFill>
+                        <a:schemeClr val="tx1"/>
+                      </a:solidFill>
+                      <a:prstDash val="solid"/>
+                      <a:round/>
+                      <a:headEnd type="none" w="med" len="med"/>
+                      <a:tailEnd type="none" w="med" len="med"/>
+                    </a:lnL>
+                    <a:lnR w="12700" cap="flat" cmpd="sng" algn="ctr">
+                      <a:solidFill>
+                        <a:schemeClr val="tx1"/>
+                      </a:solidFill>
+                      <a:prstDash val="solid"/>
+                      <a:round/>
+                      <a:headEnd type="none" w="med" len="med"/>
+                      <a:tailEnd type="none" w="med" len="med"/>
+                    </a:lnR>
+                    <a:lnT w="12700" cap="flat" cmpd="sng" algn="ctr">
+                      <a:solidFill>
+                        <a:schemeClr val="tx1"/>
+                      </a:solidFill>
+                      <a:prstDash val="solid"/>
+                      <a:round/>
+                      <a:headEnd type="none" w="med" len="med"/>
+                      <a:tailEnd type="none" w="med" len="med"/>
+                    </a:lnT>
+                    <a:lnB w="12700" cap="flat" cmpd="sng" algn="ctr">
+                      <a:solidFill>
+                        <a:schemeClr val="tx1"/>
+                      </a:solidFill>
+                      <a:prstDash val="solid"/>
+                      <a:round/>
+                      <a:headEnd type="none" w="med" len="med"/>
+                      <a:tailEnd type="none" w="med" len="med"/>
+                    </a:lnB>
+                    <a:solidFill>
+                      <a:schemeClr val="bg1"/>
+                    </a:solidFill>
+                  </a:tcPr>
+                </a:tc>
+                <a:extLst>
+                  <a:ext uri="{0D108BD9-81ED-4DB2-BD59-A6C34878D82A}">
+                    <a16:rowId xmlns:a16="http://schemas.microsoft.com/office/drawing/2014/main" val="2062599599"/>
+                  </a:ext>
+                </a:extLst>
+              </a:tr>
+            </a:tbl>
+          </a:graphicData>
+        </a:graphic>
+      </p:graphicFrame>
+      <p:graphicFrame>
+        <p:nvGraphicFramePr>
+          <p:cNvPr id="6" name="表格 5"/>
+          <p:cNvGraphicFramePr>
+            <a:graphicFrameLocks noGrp="1"/>
+          </p:cNvGraphicFramePr>
+          <p:nvPr>
+            <p:extLst>
+              <p:ext uri="{D42A27DB-BD31-4B8C-83A1-F6EECF244321}">
+                <p14:modId xmlns:p14="http://schemas.microsoft.com/office/powerpoint/2010/main" val="404185200"/>
+              </p:ext>
+            </p:extLst>
+          </p:nvPr>
+        </p:nvGraphicFramePr>
+        <p:xfrm>
+          <a:off x="3006970" y="1397000"/>
+          <a:ext cx="1113692" cy="1566008"/>
+        </p:xfrm>
+        <a:graphic>
+          <a:graphicData uri="http://schemas.openxmlformats.org/drawingml/2006/table">
+            <a:tbl>
+              <a:tblPr firstRow="1" bandRow="1">
+                <a:tableStyleId>{5C22544A-7EE6-4342-B048-85BDC9FD1C3A}</a:tableStyleId>
+              </a:tblPr>
+              <a:tblGrid>
+                <a:gridCol w="1113692">
+                  <a:extLst>
+                    <a:ext uri="{9D8B030D-6E8A-4147-A177-3AD203B41FA5}">
+                      <a16:colId xmlns:a16="http://schemas.microsoft.com/office/drawing/2014/main" val="1211189660"/>
+                    </a:ext>
+                  </a:extLst>
+                </a:gridCol>
+              </a:tblGrid>
+              <a:tr h="391502">
+                <a:tc>
+                  <a:txBody>
+                    <a:bodyPr/>
+                    <a:lstStyle/>
+                    <a:p>
+                      <a:r>
+                        <a:rPr lang="zh-CN" altLang="en-US" dirty="0" smtClean="0">
+                          <a:solidFill>
+                            <a:schemeClr val="tx1"/>
+                          </a:solidFill>
+                        </a:rPr>
+                        <a:t>第</a:t>
+                      </a:r>
+                      <a:r>
+                        <a:rPr lang="en-US" altLang="zh-CN" dirty="0" smtClean="0">
+                          <a:solidFill>
+                            <a:schemeClr val="tx1"/>
+                          </a:solidFill>
+                        </a:rPr>
+                        <a:t>0</a:t>
+                      </a:r>
+                      <a:r>
+                        <a:rPr lang="zh-CN" altLang="en-US" dirty="0" smtClean="0">
+                          <a:solidFill>
+                            <a:schemeClr val="tx1"/>
+                          </a:solidFill>
+                        </a:rPr>
+                        <a:t>块</a:t>
+                      </a:r>
+                      <a:endParaRPr lang="zh-CN" altLang="en-US" dirty="0">
+                        <a:solidFill>
+                          <a:schemeClr val="tx1"/>
+                        </a:solidFill>
+                      </a:endParaRPr>
+                    </a:p>
+                  </a:txBody>
+                  <a:tcPr>
+                    <a:lnL w="12700" cap="flat" cmpd="sng" algn="ctr">
+                      <a:solidFill>
+                        <a:schemeClr val="tx1"/>
+                      </a:solidFill>
+                      <a:prstDash val="solid"/>
+                      <a:round/>
+                      <a:headEnd type="none" w="med" len="med"/>
+                      <a:tailEnd type="none" w="med" len="med"/>
+                    </a:lnL>
+                    <a:lnR w="12700" cap="flat" cmpd="sng" algn="ctr">
+                      <a:solidFill>
+                        <a:schemeClr val="tx1"/>
+                      </a:solidFill>
+                      <a:prstDash val="solid"/>
+                      <a:round/>
+                      <a:headEnd type="none" w="med" len="med"/>
+                      <a:tailEnd type="none" w="med" len="med"/>
+                    </a:lnR>
+                    <a:lnT w="12700" cap="flat" cmpd="sng" algn="ctr">
+                      <a:solidFill>
+                        <a:schemeClr val="tx1"/>
+                      </a:solidFill>
+                      <a:prstDash val="solid"/>
+                      <a:round/>
+                      <a:headEnd type="none" w="med" len="med"/>
+                      <a:tailEnd type="none" w="med" len="med"/>
+                    </a:lnT>
+                    <a:lnB w="12700" cap="flat" cmpd="sng" algn="ctr">
+                      <a:solidFill>
+                        <a:schemeClr val="tx1"/>
+                      </a:solidFill>
+                      <a:prstDash val="solid"/>
+                      <a:round/>
+                      <a:headEnd type="none" w="med" len="med"/>
+                      <a:tailEnd type="none" w="med" len="med"/>
+                    </a:lnB>
+                    <a:solidFill>
+                      <a:schemeClr val="bg1"/>
+                    </a:solidFill>
+                  </a:tcPr>
+                </a:tc>
+                <a:extLst>
+                  <a:ext uri="{0D108BD9-81ED-4DB2-BD59-A6C34878D82A}">
+                    <a16:rowId xmlns:a16="http://schemas.microsoft.com/office/drawing/2014/main" val="4043127137"/>
+                  </a:ext>
+                </a:extLst>
+              </a:tr>
+              <a:tr h="391502">
+                <a:tc>
+                  <a:txBody>
+                    <a:bodyPr/>
+                    <a:lstStyle/>
+                    <a:p>
+                      <a:pPr marL="0" marR="0" lvl="0" indent="0" algn="l" defTabSz="914400" rtl="0" eaLnBrk="1" fontAlgn="auto" latinLnBrk="0" hangingPunct="1">
+                        <a:lnSpc>
+                          <a:spcPct val="100000"/>
+                        </a:lnSpc>
+                        <a:spcBef>
+                          <a:spcPts val="0"/>
+                        </a:spcBef>
+                        <a:spcAft>
+                          <a:spcPts val="0"/>
+                        </a:spcAft>
+                        <a:buClrTx/>
+                        <a:buSzTx/>
+                        <a:buFontTx/>
+                        <a:buNone/>
+                        <a:tabLst/>
+                        <a:defRPr/>
+                      </a:pPr>
+                      <a:r>
+                        <a:rPr kumimoji="0" lang="zh-CN" altLang="en-US" sz="1800" b="1" i="0" u="none" strike="noStrike" kern="1200" cap="none" spc="0" normalizeH="0" baseline="0" noProof="0" dirty="0" smtClean="0">
+                          <a:ln>
+                            <a:noFill/>
+                          </a:ln>
+                          <a:solidFill>
+                            <a:prstClr val="black"/>
+                          </a:solidFill>
+                          <a:effectLst/>
+                          <a:uLnTx/>
+                          <a:uFillTx/>
+                          <a:latin typeface="Calibri" panose="020F0502020204030204"/>
+                          <a:ea typeface="等线" panose="02010600030101010101" pitchFamily="2" charset="-122"/>
+                          <a:cs typeface="+mn-cs"/>
+                        </a:rPr>
+                        <a:t>第</a:t>
+                      </a:r>
+                      <a:r>
+                        <a:rPr kumimoji="0" lang="en-US" altLang="zh-CN" sz="1800" b="1" i="0" u="none" strike="noStrike" kern="1200" cap="none" spc="0" normalizeH="0" baseline="0" noProof="0" dirty="0" smtClean="0">
+                          <a:ln>
+                            <a:noFill/>
+                          </a:ln>
+                          <a:solidFill>
+                            <a:prstClr val="black"/>
+                          </a:solidFill>
+                          <a:effectLst/>
+                          <a:uLnTx/>
+                          <a:uFillTx/>
+                          <a:latin typeface="Calibri" panose="020F0502020204030204"/>
+                          <a:ea typeface="等线" panose="02010600030101010101" pitchFamily="2" charset="-122"/>
+                          <a:cs typeface="+mn-cs"/>
+                        </a:rPr>
+                        <a:t>1</a:t>
+                      </a:r>
+                      <a:r>
+                        <a:rPr kumimoji="0" lang="zh-CN" altLang="en-US" sz="1800" b="1" i="0" u="none" strike="noStrike" kern="1200" cap="none" spc="0" normalizeH="0" baseline="0" noProof="0" dirty="0" smtClean="0">
+                          <a:ln>
+                            <a:noFill/>
+                          </a:ln>
+                          <a:solidFill>
+                            <a:prstClr val="black"/>
+                          </a:solidFill>
+                          <a:effectLst/>
+                          <a:uLnTx/>
+                          <a:uFillTx/>
+                          <a:latin typeface="Calibri" panose="020F0502020204030204"/>
+                          <a:ea typeface="等线" panose="02010600030101010101" pitchFamily="2" charset="-122"/>
+                          <a:cs typeface="+mn-cs"/>
+                        </a:rPr>
+                        <a:t>块</a:t>
+                      </a:r>
+                      <a:endParaRPr kumimoji="0" lang="zh-CN" altLang="en-US" sz="1800" b="1" i="0" u="none" strike="noStrike" kern="1200" cap="none" spc="0" normalizeH="0" baseline="0" noProof="0" dirty="0">
+                        <a:ln>
+                          <a:noFill/>
+                        </a:ln>
+                        <a:solidFill>
+                          <a:prstClr val="black"/>
+                        </a:solidFill>
+                        <a:effectLst/>
+                        <a:uLnTx/>
+                        <a:uFillTx/>
+                        <a:latin typeface="Calibri" panose="020F0502020204030204"/>
+                        <a:ea typeface="等线" panose="02010600030101010101" pitchFamily="2" charset="-122"/>
+                        <a:cs typeface="+mn-cs"/>
+                      </a:endParaRPr>
+                    </a:p>
+                  </a:txBody>
+                  <a:tcPr>
+                    <a:lnL w="12700" cap="flat" cmpd="sng" algn="ctr">
+                      <a:solidFill>
+                        <a:schemeClr val="tx1"/>
+                      </a:solidFill>
+                      <a:prstDash val="solid"/>
+                      <a:round/>
+                      <a:headEnd type="none" w="med" len="med"/>
+                      <a:tailEnd type="none" w="med" len="med"/>
+                    </a:lnL>
+                    <a:lnR w="12700" cap="flat" cmpd="sng" algn="ctr">
+                      <a:solidFill>
+                        <a:schemeClr val="tx1"/>
+                      </a:solidFill>
+                      <a:prstDash val="solid"/>
+                      <a:round/>
+                      <a:headEnd type="none" w="med" len="med"/>
+                      <a:tailEnd type="none" w="med" len="med"/>
+                    </a:lnR>
+                    <a:lnT w="12700" cap="flat" cmpd="sng" algn="ctr">
+                      <a:solidFill>
+                        <a:schemeClr val="tx1"/>
+                      </a:solidFill>
+                      <a:prstDash val="solid"/>
+                      <a:round/>
+                      <a:headEnd type="none" w="med" len="med"/>
+                      <a:tailEnd type="none" w="med" len="med"/>
+                    </a:lnT>
+                    <a:lnB w="12700" cap="flat" cmpd="sng" algn="ctr">
+                      <a:solidFill>
+                        <a:schemeClr val="tx1"/>
+                      </a:solidFill>
+                      <a:prstDash val="solid"/>
+                      <a:round/>
+                      <a:headEnd type="none" w="med" len="med"/>
+                      <a:tailEnd type="none" w="med" len="med"/>
+                    </a:lnB>
+                    <a:solidFill>
+                      <a:schemeClr val="bg1"/>
+                    </a:solidFill>
+                  </a:tcPr>
+                </a:tc>
+                <a:extLst>
+                  <a:ext uri="{0D108BD9-81ED-4DB2-BD59-A6C34878D82A}">
+                    <a16:rowId xmlns:a16="http://schemas.microsoft.com/office/drawing/2014/main" val="787085509"/>
+                  </a:ext>
+                </a:extLst>
+              </a:tr>
+              <a:tr h="391502">
+                <a:tc>
+                  <a:txBody>
+                    <a:bodyPr/>
+                    <a:lstStyle/>
+                    <a:p>
+                      <a:pPr marL="0" marR="0" lvl="0" indent="0" algn="l" defTabSz="914400" rtl="0" eaLnBrk="1" fontAlgn="auto" latinLnBrk="0" hangingPunct="1">
+                        <a:lnSpc>
+                          <a:spcPct val="100000"/>
+                        </a:lnSpc>
+                        <a:spcBef>
+                          <a:spcPts val="0"/>
+                        </a:spcBef>
+                        <a:spcAft>
+                          <a:spcPts val="0"/>
+                        </a:spcAft>
+                        <a:buClrTx/>
+                        <a:buSzTx/>
+                        <a:buFontTx/>
+                        <a:buNone/>
+                        <a:tabLst/>
+                        <a:defRPr/>
+                      </a:pPr>
+                      <a:r>
+                        <a:rPr kumimoji="0" lang="en-US" altLang="zh-CN" sz="1800" b="1" i="0" u="none" strike="noStrike" kern="1200" cap="none" spc="0" normalizeH="0" baseline="0" noProof="0" dirty="0" smtClean="0">
+                          <a:ln>
+                            <a:noFill/>
+                          </a:ln>
+                          <a:solidFill>
+                            <a:prstClr val="black"/>
+                          </a:solidFill>
+                          <a:effectLst/>
+                          <a:uLnTx/>
+                          <a:uFillTx/>
+                          <a:latin typeface="Calibri" panose="020F0502020204030204"/>
+                          <a:ea typeface="等线" panose="02010600030101010101" pitchFamily="2" charset="-122"/>
+                          <a:cs typeface="+mn-cs"/>
+                        </a:rPr>
+                        <a:t>…</a:t>
+                      </a:r>
+                      <a:endParaRPr kumimoji="0" lang="zh-CN" altLang="en-US" sz="1800" b="1" i="0" u="none" strike="noStrike" kern="1200" cap="none" spc="0" normalizeH="0" baseline="0" noProof="0" dirty="0">
+                        <a:ln>
+                          <a:noFill/>
+                        </a:ln>
+                        <a:solidFill>
+                          <a:prstClr val="black"/>
+                        </a:solidFill>
+                        <a:effectLst/>
+                        <a:uLnTx/>
+                        <a:uFillTx/>
+                        <a:latin typeface="Calibri" panose="020F0502020204030204"/>
+                        <a:ea typeface="等线" panose="02010600030101010101" pitchFamily="2" charset="-122"/>
+                        <a:cs typeface="+mn-cs"/>
+                      </a:endParaRPr>
+                    </a:p>
+                  </a:txBody>
+                  <a:tcPr>
+                    <a:lnL w="12700" cap="flat" cmpd="sng" algn="ctr">
+                      <a:solidFill>
+                        <a:schemeClr val="tx1"/>
+                      </a:solidFill>
+                      <a:prstDash val="solid"/>
+                      <a:round/>
+                      <a:headEnd type="none" w="med" len="med"/>
+                      <a:tailEnd type="none" w="med" len="med"/>
+                    </a:lnL>
+                    <a:lnR w="12700" cap="flat" cmpd="sng" algn="ctr">
+                      <a:solidFill>
+                        <a:schemeClr val="tx1"/>
+                      </a:solidFill>
+                      <a:prstDash val="solid"/>
+                      <a:round/>
+                      <a:headEnd type="none" w="med" len="med"/>
+                      <a:tailEnd type="none" w="med" len="med"/>
+                    </a:lnR>
+                    <a:lnT w="12700" cap="flat" cmpd="sng" algn="ctr">
+                      <a:solidFill>
+                        <a:schemeClr val="tx1"/>
+                      </a:solidFill>
+                      <a:prstDash val="solid"/>
+                      <a:round/>
+                      <a:headEnd type="none" w="med" len="med"/>
+                      <a:tailEnd type="none" w="med" len="med"/>
+                    </a:lnT>
+                    <a:lnB w="12700" cap="flat" cmpd="sng" algn="ctr">
+                      <a:solidFill>
+                        <a:schemeClr val="tx1"/>
+                      </a:solidFill>
+                      <a:prstDash val="solid"/>
+                      <a:round/>
+                      <a:headEnd type="none" w="med" len="med"/>
+                      <a:tailEnd type="none" w="med" len="med"/>
+                    </a:lnB>
+                    <a:solidFill>
+                      <a:schemeClr val="bg1"/>
+                    </a:solidFill>
+                  </a:tcPr>
+                </a:tc>
+                <a:extLst>
+                  <a:ext uri="{0D108BD9-81ED-4DB2-BD59-A6C34878D82A}">
+                    <a16:rowId xmlns:a16="http://schemas.microsoft.com/office/drawing/2014/main" val="1193275564"/>
+                  </a:ext>
+                </a:extLst>
+              </a:tr>
+              <a:tr h="391502">
+                <a:tc>
+                  <a:txBody>
+                    <a:bodyPr/>
+                    <a:lstStyle/>
+                    <a:p>
+                      <a:pPr marL="0" marR="0" lvl="0" indent="0" algn="l" defTabSz="914400" rtl="0" eaLnBrk="1" fontAlgn="auto" latinLnBrk="0" hangingPunct="1">
+                        <a:lnSpc>
+                          <a:spcPct val="100000"/>
+                        </a:lnSpc>
+                        <a:spcBef>
+                          <a:spcPts val="0"/>
+                        </a:spcBef>
+                        <a:spcAft>
+                          <a:spcPts val="0"/>
+                        </a:spcAft>
+                        <a:buClrTx/>
+                        <a:buSzTx/>
+                        <a:buFontTx/>
+                        <a:buNone/>
+                        <a:tabLst/>
+                        <a:defRPr/>
+                      </a:pPr>
+                      <a:r>
+                        <a:rPr kumimoji="0" lang="zh-CN" altLang="en-US" sz="1800" b="1" i="0" u="none" strike="noStrike" kern="1200" cap="none" spc="0" normalizeH="0" baseline="0" noProof="0" dirty="0" smtClean="0">
+                          <a:ln>
+                            <a:noFill/>
+                          </a:ln>
+                          <a:solidFill>
+                            <a:prstClr val="black"/>
+                          </a:solidFill>
+                          <a:effectLst/>
+                          <a:uLnTx/>
+                          <a:uFillTx/>
+                          <a:latin typeface="Calibri" panose="020F0502020204030204"/>
+                          <a:ea typeface="等线" panose="02010600030101010101" pitchFamily="2" charset="-122"/>
+                          <a:cs typeface="+mn-cs"/>
+                        </a:rPr>
+                        <a:t>第</a:t>
+                      </a:r>
+                      <a:r>
+                        <a:rPr kumimoji="0" lang="en-US" altLang="zh-CN" sz="1800" b="1" i="0" u="none" strike="noStrike" kern="1200" cap="none" spc="0" normalizeH="0" baseline="0" noProof="0" dirty="0" smtClean="0">
+                          <a:ln>
+                            <a:noFill/>
+                          </a:ln>
+                          <a:solidFill>
+                            <a:prstClr val="black"/>
+                          </a:solidFill>
+                          <a:effectLst/>
+                          <a:uLnTx/>
+                          <a:uFillTx/>
+                          <a:latin typeface="Calibri" panose="020F0502020204030204"/>
+                          <a:ea typeface="等线" panose="02010600030101010101" pitchFamily="2" charset="-122"/>
+                          <a:cs typeface="+mn-cs"/>
+                        </a:rPr>
+                        <a:t>15</a:t>
+                      </a:r>
+                      <a:r>
+                        <a:rPr kumimoji="0" lang="zh-CN" altLang="en-US" sz="1800" b="1" i="0" u="none" strike="noStrike" kern="1200" cap="none" spc="0" normalizeH="0" baseline="0" noProof="0" dirty="0" smtClean="0">
+                          <a:ln>
+                            <a:noFill/>
+                          </a:ln>
+                          <a:solidFill>
+                            <a:prstClr val="black"/>
+                          </a:solidFill>
+                          <a:effectLst/>
+                          <a:uLnTx/>
+                          <a:uFillTx/>
+                          <a:latin typeface="Calibri" panose="020F0502020204030204"/>
+                          <a:ea typeface="等线" panose="02010600030101010101" pitchFamily="2" charset="-122"/>
+                          <a:cs typeface="+mn-cs"/>
+                        </a:rPr>
+                        <a:t>块</a:t>
+                      </a:r>
+                      <a:endParaRPr kumimoji="0" lang="zh-CN" altLang="en-US" sz="1800" b="1" i="0" u="none" strike="noStrike" kern="1200" cap="none" spc="0" normalizeH="0" baseline="0" noProof="0" dirty="0">
+                        <a:ln>
+                          <a:noFill/>
+                        </a:ln>
+                        <a:solidFill>
+                          <a:prstClr val="black"/>
+                        </a:solidFill>
+                        <a:effectLst/>
+                        <a:uLnTx/>
+                        <a:uFillTx/>
+                        <a:latin typeface="Calibri" panose="020F0502020204030204"/>
+                        <a:ea typeface="等线" panose="02010600030101010101" pitchFamily="2" charset="-122"/>
+                        <a:cs typeface="+mn-cs"/>
+                      </a:endParaRPr>
+                    </a:p>
+                  </a:txBody>
+                  <a:tcPr>
+                    <a:lnL w="12700" cap="flat" cmpd="sng" algn="ctr">
+                      <a:solidFill>
+                        <a:schemeClr val="tx1"/>
+                      </a:solidFill>
+                      <a:prstDash val="solid"/>
+                      <a:round/>
+                      <a:headEnd type="none" w="med" len="med"/>
+                      <a:tailEnd type="none" w="med" len="med"/>
+                    </a:lnL>
+                    <a:lnR w="12700" cap="flat" cmpd="sng" algn="ctr">
+                      <a:solidFill>
+                        <a:schemeClr val="tx1"/>
+                      </a:solidFill>
+                      <a:prstDash val="solid"/>
+                      <a:round/>
+                      <a:headEnd type="none" w="med" len="med"/>
+                      <a:tailEnd type="none" w="med" len="med"/>
+                    </a:lnR>
+                    <a:lnT w="12700" cap="flat" cmpd="sng" algn="ctr">
+                      <a:solidFill>
+                        <a:schemeClr val="tx1"/>
+                      </a:solidFill>
+                      <a:prstDash val="solid"/>
+                      <a:round/>
+                      <a:headEnd type="none" w="med" len="med"/>
+                      <a:tailEnd type="none" w="med" len="med"/>
+                    </a:lnT>
+                    <a:lnB w="12700" cap="flat" cmpd="sng" algn="ctr">
+                      <a:solidFill>
+                        <a:schemeClr val="tx1"/>
+                      </a:solidFill>
+                      <a:prstDash val="solid"/>
+                      <a:round/>
+                      <a:headEnd type="none" w="med" len="med"/>
+                      <a:tailEnd type="none" w="med" len="med"/>
+                    </a:lnB>
+                    <a:solidFill>
+                      <a:schemeClr val="bg1"/>
+                    </a:solidFill>
+                  </a:tcPr>
+                </a:tc>
+                <a:extLst>
+                  <a:ext uri="{0D108BD9-81ED-4DB2-BD59-A6C34878D82A}">
+                    <a16:rowId xmlns:a16="http://schemas.microsoft.com/office/drawing/2014/main" val="2062599599"/>
+                  </a:ext>
+                </a:extLst>
+              </a:tr>
+            </a:tbl>
+          </a:graphicData>
+        </a:graphic>
+      </p:graphicFrame>
+      <p:graphicFrame>
+        <p:nvGraphicFramePr>
+          <p:cNvPr id="7" name="表格 6"/>
+          <p:cNvGraphicFramePr>
+            <a:graphicFrameLocks noGrp="1"/>
+          </p:cNvGraphicFramePr>
+          <p:nvPr>
+            <p:extLst>
+              <p:ext uri="{D42A27DB-BD31-4B8C-83A1-F6EECF244321}">
+                <p14:modId xmlns:p14="http://schemas.microsoft.com/office/powerpoint/2010/main" val="553877306"/>
+              </p:ext>
+            </p:extLst>
+          </p:nvPr>
+        </p:nvGraphicFramePr>
+        <p:xfrm>
+          <a:off x="1524000" y="3745525"/>
+          <a:ext cx="1113692" cy="1566008"/>
+        </p:xfrm>
+        <a:graphic>
+          <a:graphicData uri="http://schemas.openxmlformats.org/drawingml/2006/table">
+            <a:tbl>
+              <a:tblPr firstRow="1" bandRow="1">
+                <a:tableStyleId>{5C22544A-7EE6-4342-B048-85BDC9FD1C3A}</a:tableStyleId>
+              </a:tblPr>
+              <a:tblGrid>
+                <a:gridCol w="1113692">
+                  <a:extLst>
+                    <a:ext uri="{9D8B030D-6E8A-4147-A177-3AD203B41FA5}">
+                      <a16:colId xmlns:a16="http://schemas.microsoft.com/office/drawing/2014/main" val="1211189660"/>
+                    </a:ext>
+                  </a:extLst>
+                </a:gridCol>
+              </a:tblGrid>
+              <a:tr h="391502">
+                <a:tc>
+                  <a:txBody>
+                    <a:bodyPr/>
+                    <a:lstStyle/>
+                    <a:p>
+                      <a:r>
+                        <a:rPr lang="zh-CN" altLang="en-US" dirty="0" smtClean="0">
+                          <a:solidFill>
+                            <a:schemeClr val="tx1"/>
+                          </a:solidFill>
+                        </a:rPr>
+                        <a:t>第</a:t>
+                      </a:r>
+                      <a:r>
+                        <a:rPr lang="en-US" altLang="zh-CN" dirty="0" smtClean="0">
+                          <a:solidFill>
+                            <a:schemeClr val="tx1"/>
+                          </a:solidFill>
+                        </a:rPr>
+                        <a:t>0</a:t>
+                      </a:r>
+                      <a:r>
+                        <a:rPr lang="zh-CN" altLang="en-US" dirty="0" smtClean="0">
+                          <a:solidFill>
+                            <a:schemeClr val="tx1"/>
+                          </a:solidFill>
+                        </a:rPr>
+                        <a:t>块</a:t>
+                      </a:r>
+                      <a:endParaRPr lang="zh-CN" altLang="en-US" dirty="0">
+                        <a:solidFill>
+                          <a:schemeClr val="tx1"/>
+                        </a:solidFill>
+                      </a:endParaRPr>
+                    </a:p>
+                  </a:txBody>
+                  <a:tcPr>
+                    <a:lnL w="12700" cap="flat" cmpd="sng" algn="ctr">
+                      <a:solidFill>
+                        <a:schemeClr val="tx1"/>
+                      </a:solidFill>
+                      <a:prstDash val="solid"/>
+                      <a:round/>
+                      <a:headEnd type="none" w="med" len="med"/>
+                      <a:tailEnd type="none" w="med" len="med"/>
+                    </a:lnL>
+                    <a:lnR w="12700" cap="flat" cmpd="sng" algn="ctr">
+                      <a:solidFill>
+                        <a:schemeClr val="tx1"/>
+                      </a:solidFill>
+                      <a:prstDash val="solid"/>
+                      <a:round/>
+                      <a:headEnd type="none" w="med" len="med"/>
+                      <a:tailEnd type="none" w="med" len="med"/>
+                    </a:lnR>
+                    <a:lnT w="12700" cap="flat" cmpd="sng" algn="ctr">
+                      <a:solidFill>
+                        <a:schemeClr val="tx1"/>
+                      </a:solidFill>
+                      <a:prstDash val="solid"/>
+                      <a:round/>
+                      <a:headEnd type="none" w="med" len="med"/>
+                      <a:tailEnd type="none" w="med" len="med"/>
+                    </a:lnT>
+                    <a:lnB w="12700" cap="flat" cmpd="sng" algn="ctr">
+                      <a:solidFill>
+                        <a:schemeClr val="tx1"/>
+                      </a:solidFill>
+                      <a:prstDash val="solid"/>
+                      <a:round/>
+                      <a:headEnd type="none" w="med" len="med"/>
+                      <a:tailEnd type="none" w="med" len="med"/>
+                    </a:lnB>
+                    <a:solidFill>
+                      <a:schemeClr val="bg1"/>
+                    </a:solidFill>
+                  </a:tcPr>
+                </a:tc>
+                <a:extLst>
+                  <a:ext uri="{0D108BD9-81ED-4DB2-BD59-A6C34878D82A}">
+                    <a16:rowId xmlns:a16="http://schemas.microsoft.com/office/drawing/2014/main" val="4043127137"/>
+                  </a:ext>
+                </a:extLst>
+              </a:tr>
+              <a:tr h="391502">
+                <a:tc>
+                  <a:txBody>
+                    <a:bodyPr/>
+                    <a:lstStyle/>
+                    <a:p>
+                      <a:pPr marL="0" marR="0" lvl="0" indent="0" algn="l" defTabSz="914400" rtl="0" eaLnBrk="1" fontAlgn="auto" latinLnBrk="0" hangingPunct="1">
+                        <a:lnSpc>
+                          <a:spcPct val="100000"/>
+                        </a:lnSpc>
+                        <a:spcBef>
+                          <a:spcPts val="0"/>
+                        </a:spcBef>
+                        <a:spcAft>
+                          <a:spcPts val="0"/>
+                        </a:spcAft>
+                        <a:buClrTx/>
+                        <a:buSzTx/>
+                        <a:buFontTx/>
+                        <a:buNone/>
+                        <a:tabLst/>
+                        <a:defRPr/>
+                      </a:pPr>
+                      <a:r>
+                        <a:rPr kumimoji="0" lang="zh-CN" altLang="en-US" sz="1800" b="1" i="0" u="none" strike="noStrike" kern="1200" cap="none" spc="0" normalizeH="0" baseline="0" noProof="0" dirty="0" smtClean="0">
+                          <a:ln>
+                            <a:noFill/>
+                          </a:ln>
+                          <a:solidFill>
+                            <a:prstClr val="black"/>
+                          </a:solidFill>
+                          <a:effectLst/>
+                          <a:uLnTx/>
+                          <a:uFillTx/>
+                          <a:latin typeface="Calibri" panose="020F0502020204030204"/>
+                          <a:ea typeface="等线" panose="02010600030101010101" pitchFamily="2" charset="-122"/>
+                          <a:cs typeface="+mn-cs"/>
+                        </a:rPr>
+                        <a:t>第</a:t>
+                      </a:r>
+                      <a:r>
+                        <a:rPr kumimoji="0" lang="en-US" altLang="zh-CN" sz="1800" b="1" i="0" u="none" strike="noStrike" kern="1200" cap="none" spc="0" normalizeH="0" baseline="0" noProof="0" dirty="0" smtClean="0">
+                          <a:ln>
+                            <a:noFill/>
+                          </a:ln>
+                          <a:solidFill>
+                            <a:prstClr val="black"/>
+                          </a:solidFill>
+                          <a:effectLst/>
+                          <a:uLnTx/>
+                          <a:uFillTx/>
+                          <a:latin typeface="Calibri" panose="020F0502020204030204"/>
+                          <a:ea typeface="等线" panose="02010600030101010101" pitchFamily="2" charset="-122"/>
+                          <a:cs typeface="+mn-cs"/>
+                        </a:rPr>
+                        <a:t>1</a:t>
+                      </a:r>
+                      <a:r>
+                        <a:rPr kumimoji="0" lang="zh-CN" altLang="en-US" sz="1800" b="1" i="0" u="none" strike="noStrike" kern="1200" cap="none" spc="0" normalizeH="0" baseline="0" noProof="0" dirty="0" smtClean="0">
+                          <a:ln>
+                            <a:noFill/>
+                          </a:ln>
+                          <a:solidFill>
+                            <a:prstClr val="black"/>
+                          </a:solidFill>
+                          <a:effectLst/>
+                          <a:uLnTx/>
+                          <a:uFillTx/>
+                          <a:latin typeface="Calibri" panose="020F0502020204030204"/>
+                          <a:ea typeface="等线" panose="02010600030101010101" pitchFamily="2" charset="-122"/>
+                          <a:cs typeface="+mn-cs"/>
+                        </a:rPr>
+                        <a:t>块</a:t>
+                      </a:r>
+                      <a:endParaRPr kumimoji="0" lang="zh-CN" altLang="en-US" sz="1800" b="1" i="0" u="none" strike="noStrike" kern="1200" cap="none" spc="0" normalizeH="0" baseline="0" noProof="0" dirty="0">
+                        <a:ln>
+                          <a:noFill/>
+                        </a:ln>
+                        <a:solidFill>
+                          <a:prstClr val="black"/>
+                        </a:solidFill>
+                        <a:effectLst/>
+                        <a:uLnTx/>
+                        <a:uFillTx/>
+                        <a:latin typeface="Calibri" panose="020F0502020204030204"/>
+                        <a:ea typeface="等线" panose="02010600030101010101" pitchFamily="2" charset="-122"/>
+                        <a:cs typeface="+mn-cs"/>
+                      </a:endParaRPr>
+                    </a:p>
+                  </a:txBody>
+                  <a:tcPr>
+                    <a:lnL w="12700" cap="flat" cmpd="sng" algn="ctr">
+                      <a:solidFill>
+                        <a:schemeClr val="tx1"/>
+                      </a:solidFill>
+                      <a:prstDash val="solid"/>
+                      <a:round/>
+                      <a:headEnd type="none" w="med" len="med"/>
+                      <a:tailEnd type="none" w="med" len="med"/>
+                    </a:lnL>
+                    <a:lnR w="12700" cap="flat" cmpd="sng" algn="ctr">
+                      <a:solidFill>
+                        <a:schemeClr val="tx1"/>
+                      </a:solidFill>
+                      <a:prstDash val="solid"/>
+                      <a:round/>
+                      <a:headEnd type="none" w="med" len="med"/>
+                      <a:tailEnd type="none" w="med" len="med"/>
+                    </a:lnR>
+                    <a:lnT w="12700" cap="flat" cmpd="sng" algn="ctr">
+                      <a:solidFill>
+                        <a:schemeClr val="tx1"/>
+                      </a:solidFill>
+                      <a:prstDash val="solid"/>
+                      <a:round/>
+                      <a:headEnd type="none" w="med" len="med"/>
+                      <a:tailEnd type="none" w="med" len="med"/>
+                    </a:lnT>
+                    <a:lnB w="12700" cap="flat" cmpd="sng" algn="ctr">
+                      <a:solidFill>
+                        <a:schemeClr val="tx1"/>
+                      </a:solidFill>
+                      <a:prstDash val="solid"/>
+                      <a:round/>
+                      <a:headEnd type="none" w="med" len="med"/>
+                      <a:tailEnd type="none" w="med" len="med"/>
+                    </a:lnB>
+                    <a:solidFill>
+                      <a:schemeClr val="bg1"/>
+                    </a:solidFill>
+                  </a:tcPr>
+                </a:tc>
+                <a:extLst>
+                  <a:ext uri="{0D108BD9-81ED-4DB2-BD59-A6C34878D82A}">
+                    <a16:rowId xmlns:a16="http://schemas.microsoft.com/office/drawing/2014/main" val="787085509"/>
+                  </a:ext>
+                </a:extLst>
+              </a:tr>
+              <a:tr h="391502">
+                <a:tc>
+                  <a:txBody>
+                    <a:bodyPr/>
+                    <a:lstStyle/>
+                    <a:p>
+                      <a:pPr marL="0" marR="0" lvl="0" indent="0" algn="l" defTabSz="914400" rtl="0" eaLnBrk="1" fontAlgn="auto" latinLnBrk="0" hangingPunct="1">
+                        <a:lnSpc>
+                          <a:spcPct val="100000"/>
+                        </a:lnSpc>
+                        <a:spcBef>
+                          <a:spcPts val="0"/>
+                        </a:spcBef>
+                        <a:spcAft>
+                          <a:spcPts val="0"/>
+                        </a:spcAft>
+                        <a:buClrTx/>
+                        <a:buSzTx/>
+                        <a:buFontTx/>
+                        <a:buNone/>
+                        <a:tabLst/>
+                        <a:defRPr/>
+                      </a:pPr>
+                      <a:r>
+                        <a:rPr kumimoji="0" lang="en-US" altLang="zh-CN" sz="1800" b="1" i="0" u="none" strike="noStrike" kern="1200" cap="none" spc="0" normalizeH="0" baseline="0" noProof="0" dirty="0" smtClean="0">
+                          <a:ln>
+                            <a:noFill/>
+                          </a:ln>
+                          <a:solidFill>
+                            <a:prstClr val="black"/>
+                          </a:solidFill>
+                          <a:effectLst/>
+                          <a:uLnTx/>
+                          <a:uFillTx/>
+                          <a:latin typeface="Calibri" panose="020F0502020204030204"/>
+                          <a:ea typeface="等线" panose="02010600030101010101" pitchFamily="2" charset="-122"/>
+                          <a:cs typeface="+mn-cs"/>
+                        </a:rPr>
+                        <a:t>…</a:t>
+                      </a:r>
+                      <a:endParaRPr kumimoji="0" lang="zh-CN" altLang="en-US" sz="1800" b="1" i="0" u="none" strike="noStrike" kern="1200" cap="none" spc="0" normalizeH="0" baseline="0" noProof="0" dirty="0">
+                        <a:ln>
+                          <a:noFill/>
+                        </a:ln>
+                        <a:solidFill>
+                          <a:prstClr val="black"/>
+                        </a:solidFill>
+                        <a:effectLst/>
+                        <a:uLnTx/>
+                        <a:uFillTx/>
+                        <a:latin typeface="Calibri" panose="020F0502020204030204"/>
+                        <a:ea typeface="等线" panose="02010600030101010101" pitchFamily="2" charset="-122"/>
+                        <a:cs typeface="+mn-cs"/>
+                      </a:endParaRPr>
+                    </a:p>
+                  </a:txBody>
+                  <a:tcPr>
+                    <a:lnL w="12700" cap="flat" cmpd="sng" algn="ctr">
+                      <a:solidFill>
+                        <a:schemeClr val="tx1"/>
+                      </a:solidFill>
+                      <a:prstDash val="solid"/>
+                      <a:round/>
+                      <a:headEnd type="none" w="med" len="med"/>
+                      <a:tailEnd type="none" w="med" len="med"/>
+                    </a:lnL>
+                    <a:lnR w="12700" cap="flat" cmpd="sng" algn="ctr">
+                      <a:solidFill>
+                        <a:schemeClr val="tx1"/>
+                      </a:solidFill>
+                      <a:prstDash val="solid"/>
+                      <a:round/>
+                      <a:headEnd type="none" w="med" len="med"/>
+                      <a:tailEnd type="none" w="med" len="med"/>
+                    </a:lnR>
+                    <a:lnT w="12700" cap="flat" cmpd="sng" algn="ctr">
+                      <a:solidFill>
+                        <a:schemeClr val="tx1"/>
+                      </a:solidFill>
+                      <a:prstDash val="solid"/>
+                      <a:round/>
+                      <a:headEnd type="none" w="med" len="med"/>
+                      <a:tailEnd type="none" w="med" len="med"/>
+                    </a:lnT>
+                    <a:lnB w="12700" cap="flat" cmpd="sng" algn="ctr">
+                      <a:solidFill>
+                        <a:schemeClr val="tx1"/>
+                      </a:solidFill>
+                      <a:prstDash val="solid"/>
+                      <a:round/>
+                      <a:headEnd type="none" w="med" len="med"/>
+                      <a:tailEnd type="none" w="med" len="med"/>
+                    </a:lnB>
+                    <a:solidFill>
+                      <a:schemeClr val="bg1"/>
+                    </a:solidFill>
+                  </a:tcPr>
+                </a:tc>
+                <a:extLst>
+                  <a:ext uri="{0D108BD9-81ED-4DB2-BD59-A6C34878D82A}">
+                    <a16:rowId xmlns:a16="http://schemas.microsoft.com/office/drawing/2014/main" val="1193275564"/>
+                  </a:ext>
+                </a:extLst>
+              </a:tr>
+              <a:tr h="391502">
+                <a:tc>
+                  <a:txBody>
+                    <a:bodyPr/>
+                    <a:lstStyle/>
+                    <a:p>
+                      <a:pPr marL="0" marR="0" lvl="0" indent="0" algn="l" defTabSz="914400" rtl="0" eaLnBrk="1" fontAlgn="auto" latinLnBrk="0" hangingPunct="1">
+                        <a:lnSpc>
+                          <a:spcPct val="100000"/>
+                        </a:lnSpc>
+                        <a:spcBef>
+                          <a:spcPts val="0"/>
+                        </a:spcBef>
+                        <a:spcAft>
+                          <a:spcPts val="0"/>
+                        </a:spcAft>
+                        <a:buClrTx/>
+                        <a:buSzTx/>
+                        <a:buFontTx/>
+                        <a:buNone/>
+                        <a:tabLst/>
+                        <a:defRPr/>
+                      </a:pPr>
+                      <a:r>
+                        <a:rPr kumimoji="0" lang="zh-CN" altLang="en-US" sz="1800" b="1" i="0" u="none" strike="noStrike" kern="1200" cap="none" spc="0" normalizeH="0" baseline="0" noProof="0" dirty="0" smtClean="0">
+                          <a:ln>
+                            <a:noFill/>
+                          </a:ln>
+                          <a:solidFill>
+                            <a:prstClr val="black"/>
+                          </a:solidFill>
+                          <a:effectLst/>
+                          <a:uLnTx/>
+                          <a:uFillTx/>
+                          <a:latin typeface="Calibri" panose="020F0502020204030204"/>
+                          <a:ea typeface="等线" panose="02010600030101010101" pitchFamily="2" charset="-122"/>
+                          <a:cs typeface="+mn-cs"/>
+                        </a:rPr>
+                        <a:t>第</a:t>
+                      </a:r>
+                      <a:r>
+                        <a:rPr kumimoji="0" lang="en-US" altLang="zh-CN" sz="1800" b="1" i="0" u="none" strike="noStrike" kern="1200" cap="none" spc="0" normalizeH="0" baseline="0" noProof="0" dirty="0" smtClean="0">
+                          <a:ln>
+                            <a:noFill/>
+                          </a:ln>
+                          <a:solidFill>
+                            <a:prstClr val="black"/>
+                          </a:solidFill>
+                          <a:effectLst/>
+                          <a:uLnTx/>
+                          <a:uFillTx/>
+                          <a:latin typeface="Calibri" panose="020F0502020204030204"/>
+                          <a:ea typeface="等线" panose="02010600030101010101" pitchFamily="2" charset="-122"/>
+                          <a:cs typeface="+mn-cs"/>
+                        </a:rPr>
+                        <a:t>15</a:t>
+                      </a:r>
+                      <a:r>
+                        <a:rPr kumimoji="0" lang="zh-CN" altLang="en-US" sz="1800" b="1" i="0" u="none" strike="noStrike" kern="1200" cap="none" spc="0" normalizeH="0" baseline="0" noProof="0" dirty="0" smtClean="0">
+                          <a:ln>
+                            <a:noFill/>
+                          </a:ln>
+                          <a:solidFill>
+                            <a:prstClr val="black"/>
+                          </a:solidFill>
+                          <a:effectLst/>
+                          <a:uLnTx/>
+                          <a:uFillTx/>
+                          <a:latin typeface="Calibri" panose="020F0502020204030204"/>
+                          <a:ea typeface="等线" panose="02010600030101010101" pitchFamily="2" charset="-122"/>
+                          <a:cs typeface="+mn-cs"/>
+                        </a:rPr>
+                        <a:t>块</a:t>
+                      </a:r>
+                      <a:endParaRPr kumimoji="0" lang="zh-CN" altLang="en-US" sz="1800" b="1" i="0" u="none" strike="noStrike" kern="1200" cap="none" spc="0" normalizeH="0" baseline="0" noProof="0" dirty="0">
+                        <a:ln>
+                          <a:noFill/>
+                        </a:ln>
+                        <a:solidFill>
+                          <a:prstClr val="black"/>
+                        </a:solidFill>
+                        <a:effectLst/>
+                        <a:uLnTx/>
+                        <a:uFillTx/>
+                        <a:latin typeface="Calibri" panose="020F0502020204030204"/>
+                        <a:ea typeface="等线" panose="02010600030101010101" pitchFamily="2" charset="-122"/>
+                        <a:cs typeface="+mn-cs"/>
+                      </a:endParaRPr>
+                    </a:p>
+                  </a:txBody>
+                  <a:tcPr>
+                    <a:lnL w="12700" cap="flat" cmpd="sng" algn="ctr">
+                      <a:solidFill>
+                        <a:schemeClr val="tx1"/>
+                      </a:solidFill>
+                      <a:prstDash val="solid"/>
+                      <a:round/>
+                      <a:headEnd type="none" w="med" len="med"/>
+                      <a:tailEnd type="none" w="med" len="med"/>
+                    </a:lnL>
+                    <a:lnR w="12700" cap="flat" cmpd="sng" algn="ctr">
+                      <a:solidFill>
+                        <a:schemeClr val="tx1"/>
+                      </a:solidFill>
+                      <a:prstDash val="solid"/>
+                      <a:round/>
+                      <a:headEnd type="none" w="med" len="med"/>
+                      <a:tailEnd type="none" w="med" len="med"/>
+                    </a:lnR>
+                    <a:lnT w="12700" cap="flat" cmpd="sng" algn="ctr">
+                      <a:solidFill>
+                        <a:schemeClr val="tx1"/>
+                      </a:solidFill>
+                      <a:prstDash val="solid"/>
+                      <a:round/>
+                      <a:headEnd type="none" w="med" len="med"/>
+                      <a:tailEnd type="none" w="med" len="med"/>
+                    </a:lnT>
+                    <a:lnB w="12700" cap="flat" cmpd="sng" algn="ctr">
+                      <a:solidFill>
+                        <a:schemeClr val="tx1"/>
+                      </a:solidFill>
+                      <a:prstDash val="solid"/>
+                      <a:round/>
+                      <a:headEnd type="none" w="med" len="med"/>
+                      <a:tailEnd type="none" w="med" len="med"/>
+                    </a:lnB>
+                    <a:solidFill>
+                      <a:schemeClr val="bg1"/>
+                    </a:solidFill>
+                  </a:tcPr>
+                </a:tc>
+                <a:extLst>
+                  <a:ext uri="{0D108BD9-81ED-4DB2-BD59-A6C34878D82A}">
+                    <a16:rowId xmlns:a16="http://schemas.microsoft.com/office/drawing/2014/main" val="2062599599"/>
+                  </a:ext>
+                </a:extLst>
+              </a:tr>
+            </a:tbl>
+          </a:graphicData>
+        </a:graphic>
+      </p:graphicFrame>
+      <p:sp>
+        <p:nvSpPr>
+          <p:cNvPr id="8" name="文本框 7"/>
+          <p:cNvSpPr txBox="1"/>
+          <p:nvPr/>
+        </p:nvSpPr>
+        <p:spPr>
+          <a:xfrm>
+            <a:off x="1503485" y="2984991"/>
+            <a:ext cx="1154722" cy="369275"/>
+          </a:xfrm>
+          <a:prstGeom prst="rect">
+            <a:avLst/>
+          </a:prstGeom>
+          <a:noFill/>
+        </p:spPr>
+        <p:txBody>
+          <a:bodyPr wrap="square" rtlCol="0">
+            <a:spAutoFit/>
+          </a:bodyPr>
+          <a:lstStyle/>
+          <a:p>
+            <a:r>
+              <a:rPr lang="zh-CN" altLang="en-US" dirty="0"/>
+              <a:t>索引</a:t>
+            </a:r>
+            <a:r>
+              <a:rPr lang="zh-CN" altLang="en-US" dirty="0" smtClean="0"/>
+              <a:t>表</a:t>
+            </a:r>
+            <a:r>
+              <a:rPr lang="en-US" altLang="zh-CN" dirty="0" err="1" smtClean="0"/>
+              <a:t>T1</a:t>
+            </a:r>
+            <a:endParaRPr lang="zh-CN" altLang="en-US" dirty="0"/>
+          </a:p>
+        </p:txBody>
+      </p:sp>
+      <p:sp>
+        <p:nvSpPr>
+          <p:cNvPr id="9" name="文本框 8"/>
+          <p:cNvSpPr txBox="1"/>
+          <p:nvPr/>
+        </p:nvSpPr>
+        <p:spPr>
+          <a:xfrm>
+            <a:off x="2965940" y="2984991"/>
+            <a:ext cx="1154722" cy="369275"/>
+          </a:xfrm>
+          <a:prstGeom prst="rect">
+            <a:avLst/>
+          </a:prstGeom>
+          <a:noFill/>
+        </p:spPr>
+        <p:txBody>
+          <a:bodyPr wrap="square" rtlCol="0">
+            <a:spAutoFit/>
+          </a:bodyPr>
+          <a:lstStyle/>
+          <a:p>
+            <a:r>
+              <a:rPr lang="zh-CN" altLang="en-US" dirty="0"/>
+              <a:t>索引</a:t>
+            </a:r>
+            <a:r>
+              <a:rPr lang="zh-CN" altLang="en-US" dirty="0" smtClean="0"/>
+              <a:t>表</a:t>
+            </a:r>
+            <a:r>
+              <a:rPr lang="en-US" altLang="zh-CN" dirty="0" err="1" smtClean="0"/>
+              <a:t>T2</a:t>
+            </a:r>
+            <a:endParaRPr lang="zh-CN" altLang="en-US" dirty="0"/>
+          </a:p>
+        </p:txBody>
+      </p:sp>
+      <p:sp>
+        <p:nvSpPr>
+          <p:cNvPr id="10" name="文本框 9"/>
+          <p:cNvSpPr txBox="1"/>
+          <p:nvPr/>
+        </p:nvSpPr>
+        <p:spPr>
+          <a:xfrm>
+            <a:off x="1524000" y="5333517"/>
+            <a:ext cx="1154722" cy="369275"/>
+          </a:xfrm>
+          <a:prstGeom prst="rect">
+            <a:avLst/>
+          </a:prstGeom>
+          <a:noFill/>
+        </p:spPr>
+        <p:txBody>
+          <a:bodyPr wrap="square" rtlCol="0">
+            <a:spAutoFit/>
+          </a:bodyPr>
+          <a:lstStyle/>
+          <a:p>
+            <a:r>
+              <a:rPr lang="zh-CN" altLang="en-US" dirty="0"/>
+              <a:t>索引</a:t>
+            </a:r>
+            <a:r>
+              <a:rPr lang="zh-CN" altLang="en-US" dirty="0" smtClean="0"/>
+              <a:t>表</a:t>
+            </a:r>
+            <a:r>
+              <a:rPr lang="en-US" altLang="zh-CN" dirty="0" err="1" smtClean="0"/>
+              <a:t>T3</a:t>
+            </a:r>
+            <a:endParaRPr lang="zh-CN" altLang="en-US" dirty="0"/>
+          </a:p>
+        </p:txBody>
+      </p:sp>
+      <p:sp>
+        <p:nvSpPr>
+          <p:cNvPr id="11" name="文本框 10"/>
+          <p:cNvSpPr txBox="1"/>
+          <p:nvPr/>
+        </p:nvSpPr>
+        <p:spPr>
+          <a:xfrm>
+            <a:off x="2986455" y="5333517"/>
+            <a:ext cx="1154722" cy="369275"/>
+          </a:xfrm>
+          <a:prstGeom prst="rect">
+            <a:avLst/>
+          </a:prstGeom>
+          <a:noFill/>
+        </p:spPr>
+        <p:txBody>
+          <a:bodyPr wrap="square" rtlCol="0">
+            <a:spAutoFit/>
+          </a:bodyPr>
+          <a:lstStyle/>
+          <a:p>
+            <a:r>
+              <a:rPr lang="zh-CN" altLang="en-US" dirty="0"/>
+              <a:t>索引</a:t>
+            </a:r>
+            <a:r>
+              <a:rPr lang="zh-CN" altLang="en-US" dirty="0" smtClean="0"/>
+              <a:t>表</a:t>
+            </a:r>
+            <a:r>
+              <a:rPr lang="en-US" altLang="zh-CN" dirty="0" err="1" smtClean="0"/>
+              <a:t>T4</a:t>
+            </a:r>
+            <a:endParaRPr lang="zh-CN" altLang="en-US" dirty="0"/>
+          </a:p>
+        </p:txBody>
+      </p:sp>
+      <p:graphicFrame>
+        <p:nvGraphicFramePr>
+          <p:cNvPr id="12" name="表格 11"/>
+          <p:cNvGraphicFramePr>
+            <a:graphicFrameLocks noGrp="1"/>
+          </p:cNvGraphicFramePr>
+          <p:nvPr>
+            <p:extLst>
+              <p:ext uri="{D42A27DB-BD31-4B8C-83A1-F6EECF244321}">
+                <p14:modId xmlns:p14="http://schemas.microsoft.com/office/powerpoint/2010/main" val="2773770788"/>
+              </p:ext>
+            </p:extLst>
+          </p:nvPr>
+        </p:nvGraphicFramePr>
+        <p:xfrm>
+          <a:off x="5911362" y="1154724"/>
+          <a:ext cx="1113692" cy="4698024"/>
+        </p:xfrm>
+        <a:graphic>
+          <a:graphicData uri="http://schemas.openxmlformats.org/drawingml/2006/table">
+            <a:tbl>
+              <a:tblPr firstRow="1" bandRow="1">
+                <a:tableStyleId>{5C22544A-7EE6-4342-B048-85BDC9FD1C3A}</a:tableStyleId>
+              </a:tblPr>
+              <a:tblGrid>
+                <a:gridCol w="1113692">
+                  <a:extLst>
+                    <a:ext uri="{9D8B030D-6E8A-4147-A177-3AD203B41FA5}">
+                      <a16:colId xmlns:a16="http://schemas.microsoft.com/office/drawing/2014/main" val="1211189660"/>
+                    </a:ext>
+                  </a:extLst>
+                </a:gridCol>
+              </a:tblGrid>
+              <a:tr h="391502">
+                <a:tc>
+                  <a:txBody>
+                    <a:bodyPr/>
+                    <a:lstStyle/>
+                    <a:p>
+                      <a:r>
+                        <a:rPr lang="en-US" altLang="zh-CN" dirty="0" smtClean="0">
+                          <a:solidFill>
+                            <a:schemeClr val="tx1"/>
+                          </a:solidFill>
+                        </a:rPr>
+                        <a:t>Set</a:t>
+                      </a:r>
+                      <a:r>
+                        <a:rPr lang="en-US" altLang="zh-CN" baseline="0" dirty="0" smtClean="0">
+                          <a:solidFill>
+                            <a:schemeClr val="tx1"/>
+                          </a:solidFill>
+                        </a:rPr>
+                        <a:t> 0</a:t>
+                      </a:r>
+                      <a:endParaRPr lang="zh-CN" altLang="en-US" dirty="0">
+                        <a:solidFill>
+                          <a:schemeClr val="tx1"/>
+                        </a:solidFill>
+                      </a:endParaRPr>
+                    </a:p>
+                  </a:txBody>
+                  <a:tcPr>
+                    <a:lnL w="12700" cap="flat" cmpd="sng" algn="ctr">
+                      <a:solidFill>
+                        <a:schemeClr val="tx1"/>
+                      </a:solidFill>
+                      <a:prstDash val="solid"/>
+                      <a:round/>
+                      <a:headEnd type="none" w="med" len="med"/>
+                      <a:tailEnd type="none" w="med" len="med"/>
+                    </a:lnL>
+                    <a:lnR w="12700" cap="flat" cmpd="sng" algn="ctr">
+                      <a:solidFill>
+                        <a:schemeClr val="tx1"/>
+                      </a:solidFill>
+                      <a:prstDash val="solid"/>
+                      <a:round/>
+                      <a:headEnd type="none" w="med" len="med"/>
+                      <a:tailEnd type="none" w="med" len="med"/>
+                    </a:lnR>
+                    <a:lnT w="12700" cap="flat" cmpd="sng" algn="ctr">
+                      <a:solidFill>
+                        <a:schemeClr val="tx1"/>
+                      </a:solidFill>
+                      <a:prstDash val="solid"/>
+                      <a:round/>
+                      <a:headEnd type="none" w="med" len="med"/>
+                      <a:tailEnd type="none" w="med" len="med"/>
+                    </a:lnT>
+                    <a:lnB w="12700" cap="flat" cmpd="sng" algn="ctr">
+                      <a:solidFill>
+                        <a:schemeClr val="tx1"/>
+                      </a:solidFill>
+                      <a:prstDash val="solid"/>
+                      <a:round/>
+                      <a:headEnd type="none" w="med" len="med"/>
+                      <a:tailEnd type="none" w="med" len="med"/>
+                    </a:lnB>
+                    <a:solidFill>
+                      <a:schemeClr val="bg1"/>
+                    </a:solidFill>
+                  </a:tcPr>
+                </a:tc>
+                <a:extLst>
+                  <a:ext uri="{0D108BD9-81ED-4DB2-BD59-A6C34878D82A}">
+                    <a16:rowId xmlns:a16="http://schemas.microsoft.com/office/drawing/2014/main" val="4043127137"/>
+                  </a:ext>
+                </a:extLst>
+              </a:tr>
+              <a:tr h="391502">
+                <a:tc>
+                  <a:txBody>
+                    <a:bodyPr/>
+                    <a:lstStyle/>
+                    <a:p>
+                      <a:pPr marL="0" marR="0" lvl="0" indent="0" algn="l" defTabSz="914400" rtl="0" eaLnBrk="1" fontAlgn="auto" latinLnBrk="0" hangingPunct="1">
+                        <a:lnSpc>
+                          <a:spcPct val="100000"/>
+                        </a:lnSpc>
+                        <a:spcBef>
+                          <a:spcPts val="0"/>
+                        </a:spcBef>
+                        <a:spcAft>
+                          <a:spcPts val="0"/>
+                        </a:spcAft>
+                        <a:buClrTx/>
+                        <a:buSzTx/>
+                        <a:buFontTx/>
+                        <a:buNone/>
+                        <a:tabLst/>
+                        <a:defRPr/>
+                      </a:pPr>
+                      <a:r>
+                        <a:rPr kumimoji="0" lang="en-US" altLang="zh-CN" sz="1800" b="1" i="0" u="none" strike="noStrike" kern="1200" cap="none" spc="0" normalizeH="0" baseline="0" noProof="0" dirty="0" smtClean="0">
+                          <a:ln>
+                            <a:noFill/>
+                          </a:ln>
+                          <a:solidFill>
+                            <a:prstClr val="black"/>
+                          </a:solidFill>
+                          <a:effectLst/>
+                          <a:uLnTx/>
+                          <a:uFillTx/>
+                          <a:latin typeface="Calibri" panose="020F0502020204030204"/>
+                          <a:ea typeface="等线" panose="02010600030101010101" pitchFamily="2" charset="-122"/>
+                          <a:cs typeface="+mn-cs"/>
+                        </a:rPr>
+                        <a:t>…</a:t>
+                      </a:r>
+                      <a:endParaRPr kumimoji="0" lang="zh-CN" altLang="en-US" sz="1800" b="1" i="0" u="none" strike="noStrike" kern="1200" cap="none" spc="0" normalizeH="0" baseline="0" noProof="0" dirty="0">
+                        <a:ln>
+                          <a:noFill/>
+                        </a:ln>
+                        <a:solidFill>
+                          <a:prstClr val="black"/>
+                        </a:solidFill>
+                        <a:effectLst/>
+                        <a:uLnTx/>
+                        <a:uFillTx/>
+                        <a:latin typeface="Calibri" panose="020F0502020204030204"/>
+                        <a:ea typeface="等线" panose="02010600030101010101" pitchFamily="2" charset="-122"/>
+                        <a:cs typeface="+mn-cs"/>
+                      </a:endParaRPr>
+                    </a:p>
+                  </a:txBody>
+                  <a:tcPr>
+                    <a:lnL w="12700" cap="flat" cmpd="sng" algn="ctr">
+                      <a:solidFill>
+                        <a:schemeClr val="tx1"/>
+                      </a:solidFill>
+                      <a:prstDash val="solid"/>
+                      <a:round/>
+                      <a:headEnd type="none" w="med" len="med"/>
+                      <a:tailEnd type="none" w="med" len="med"/>
+                    </a:lnL>
+                    <a:lnR w="12700" cap="flat" cmpd="sng" algn="ctr">
+                      <a:solidFill>
+                        <a:schemeClr val="tx1"/>
+                      </a:solidFill>
+                      <a:prstDash val="solid"/>
+                      <a:round/>
+                      <a:headEnd type="none" w="med" len="med"/>
+                      <a:tailEnd type="none" w="med" len="med"/>
+                    </a:lnR>
+                    <a:lnT w="12700" cap="flat" cmpd="sng" algn="ctr">
+                      <a:solidFill>
+                        <a:schemeClr val="tx1"/>
+                      </a:solidFill>
+                      <a:prstDash val="solid"/>
+                      <a:round/>
+                      <a:headEnd type="none" w="med" len="med"/>
+                      <a:tailEnd type="none" w="med" len="med"/>
+                    </a:lnT>
+                    <a:lnB w="12700" cap="flat" cmpd="sng" algn="ctr">
+                      <a:solidFill>
+                        <a:schemeClr val="tx1"/>
+                      </a:solidFill>
+                      <a:prstDash val="solid"/>
+                      <a:round/>
+                      <a:headEnd type="none" w="med" len="med"/>
+                      <a:tailEnd type="none" w="med" len="med"/>
+                    </a:lnB>
+                    <a:solidFill>
+                      <a:schemeClr val="bg1"/>
+                    </a:solidFill>
+                  </a:tcPr>
+                </a:tc>
+                <a:extLst>
+                  <a:ext uri="{0D108BD9-81ED-4DB2-BD59-A6C34878D82A}">
+                    <a16:rowId xmlns:a16="http://schemas.microsoft.com/office/drawing/2014/main" val="3189396893"/>
+                  </a:ext>
+                </a:extLst>
+              </a:tr>
+              <a:tr h="391502">
+                <a:tc>
+                  <a:txBody>
+                    <a:bodyPr/>
+                    <a:lstStyle/>
+                    <a:p>
+                      <a:pPr marL="0" marR="0" lvl="0" indent="0" algn="l" defTabSz="914400" rtl="0" eaLnBrk="1" fontAlgn="auto" latinLnBrk="0" hangingPunct="1">
+                        <a:lnSpc>
+                          <a:spcPct val="100000"/>
+                        </a:lnSpc>
+                        <a:spcBef>
+                          <a:spcPts val="0"/>
+                        </a:spcBef>
+                        <a:spcAft>
+                          <a:spcPts val="0"/>
+                        </a:spcAft>
+                        <a:buClrTx/>
+                        <a:buSzTx/>
+                        <a:buFontTx/>
+                        <a:buNone/>
+                        <a:tabLst/>
+                        <a:defRPr/>
+                      </a:pPr>
+                      <a:r>
+                        <a:rPr kumimoji="0" lang="en-US" altLang="zh-CN" sz="1800" b="1" i="0" u="none" strike="noStrike" kern="1200" cap="none" spc="0" normalizeH="0" baseline="0" noProof="0" dirty="0" smtClean="0">
+                          <a:ln>
+                            <a:noFill/>
+                          </a:ln>
+                          <a:solidFill>
+                            <a:prstClr val="black"/>
+                          </a:solidFill>
+                          <a:effectLst/>
+                          <a:uLnTx/>
+                          <a:uFillTx/>
+                          <a:latin typeface="Calibri" panose="020F0502020204030204"/>
+                          <a:ea typeface="等线" panose="02010600030101010101" pitchFamily="2" charset="-122"/>
+                          <a:cs typeface="+mn-cs"/>
+                        </a:rPr>
+                        <a:t>Set 15</a:t>
+                      </a:r>
+                      <a:endParaRPr kumimoji="0" lang="zh-CN" altLang="en-US" sz="1800" b="1" i="0" u="none" strike="noStrike" kern="1200" cap="none" spc="0" normalizeH="0" baseline="0" noProof="0" dirty="0">
+                        <a:ln>
+                          <a:noFill/>
+                        </a:ln>
+                        <a:solidFill>
+                          <a:prstClr val="black"/>
+                        </a:solidFill>
+                        <a:effectLst/>
+                        <a:uLnTx/>
+                        <a:uFillTx/>
+                        <a:latin typeface="Calibri" panose="020F0502020204030204"/>
+                        <a:ea typeface="等线" panose="02010600030101010101" pitchFamily="2" charset="-122"/>
+                        <a:cs typeface="+mn-cs"/>
+                      </a:endParaRPr>
+                    </a:p>
+                  </a:txBody>
+                  <a:tcPr>
+                    <a:lnL w="12700" cap="flat" cmpd="sng" algn="ctr">
+                      <a:solidFill>
+                        <a:schemeClr val="tx1"/>
+                      </a:solidFill>
+                      <a:prstDash val="solid"/>
+                      <a:round/>
+                      <a:headEnd type="none" w="med" len="med"/>
+                      <a:tailEnd type="none" w="med" len="med"/>
+                    </a:lnL>
+                    <a:lnR w="12700" cap="flat" cmpd="sng" algn="ctr">
+                      <a:solidFill>
+                        <a:schemeClr val="tx1"/>
+                      </a:solidFill>
+                      <a:prstDash val="solid"/>
+                      <a:round/>
+                      <a:headEnd type="none" w="med" len="med"/>
+                      <a:tailEnd type="none" w="med" len="med"/>
+                    </a:lnR>
+                    <a:lnT w="12700" cap="flat" cmpd="sng" algn="ctr">
+                      <a:solidFill>
+                        <a:schemeClr val="tx1"/>
+                      </a:solidFill>
+                      <a:prstDash val="solid"/>
+                      <a:round/>
+                      <a:headEnd type="none" w="med" len="med"/>
+                      <a:tailEnd type="none" w="med" len="med"/>
+                    </a:lnT>
+                    <a:lnB w="12700" cap="flat" cmpd="sng" algn="ctr">
+                      <a:solidFill>
+                        <a:schemeClr val="tx1"/>
+                      </a:solidFill>
+                      <a:prstDash val="solid"/>
+                      <a:round/>
+                      <a:headEnd type="none" w="med" len="med"/>
+                      <a:tailEnd type="none" w="med" len="med"/>
+                    </a:lnB>
+                    <a:solidFill>
+                      <a:schemeClr val="bg1"/>
+                    </a:solidFill>
+                  </a:tcPr>
+                </a:tc>
+                <a:extLst>
+                  <a:ext uri="{0D108BD9-81ED-4DB2-BD59-A6C34878D82A}">
+                    <a16:rowId xmlns:a16="http://schemas.microsoft.com/office/drawing/2014/main" val="2542733184"/>
+                  </a:ext>
+                </a:extLst>
+              </a:tr>
+              <a:tr h="391502">
+                <a:tc>
+                  <a:txBody>
+                    <a:bodyPr/>
+                    <a:lstStyle/>
+                    <a:p>
+                      <a:pPr marL="0" marR="0" lvl="0" indent="0" algn="l" defTabSz="914400" rtl="0" eaLnBrk="1" fontAlgn="auto" latinLnBrk="0" hangingPunct="1">
+                        <a:lnSpc>
+                          <a:spcPct val="100000"/>
+                        </a:lnSpc>
+                        <a:spcBef>
+                          <a:spcPts val="0"/>
+                        </a:spcBef>
+                        <a:spcAft>
+                          <a:spcPts val="0"/>
+                        </a:spcAft>
+                        <a:buClrTx/>
+                        <a:buSzTx/>
+                        <a:buFontTx/>
+                        <a:buNone/>
+                        <a:tabLst/>
+                        <a:defRPr/>
+                      </a:pPr>
+                      <a:r>
+                        <a:rPr kumimoji="0" lang="en-US" altLang="zh-CN" sz="1800" b="1" i="0" u="none" strike="noStrike" kern="1200" cap="none" spc="0" normalizeH="0" baseline="0" dirty="0" smtClean="0">
+                          <a:ln>
+                            <a:noFill/>
+                          </a:ln>
+                          <a:solidFill>
+                            <a:prstClr val="black"/>
+                          </a:solidFill>
+                          <a:effectLst/>
+                          <a:uLnTx/>
+                          <a:uFillTx/>
+                          <a:latin typeface="Calibri" panose="020F0502020204030204"/>
+                          <a:ea typeface="等线" panose="02010600030101010101" pitchFamily="2" charset="-122"/>
+                          <a:cs typeface="+mn-cs"/>
+                        </a:rPr>
+                        <a:t>Set </a:t>
+                      </a:r>
+                      <a:r>
+                        <a:rPr kumimoji="0" lang="en-US" altLang="zh-CN" sz="1800" b="1" i="0" u="none" strike="noStrike" kern="1200" cap="none" spc="0" normalizeH="0" baseline="0" dirty="0" smtClean="0">
+                          <a:ln>
+                            <a:noFill/>
+                          </a:ln>
+                          <a:solidFill>
+                            <a:prstClr val="black"/>
+                          </a:solidFill>
+                          <a:effectLst/>
+                          <a:uLnTx/>
+                          <a:uFillTx/>
+                          <a:latin typeface="Calibri" panose="020F0502020204030204"/>
+                          <a:ea typeface="等线" panose="02010600030101010101" pitchFamily="2" charset="-122"/>
+                          <a:cs typeface="+mn-cs"/>
+                        </a:rPr>
+                        <a:t>16</a:t>
+                      </a:r>
+                      <a:endParaRPr kumimoji="0" lang="zh-CN" altLang="en-US" sz="1800" b="1" i="0" u="none" strike="noStrike" kern="1200" cap="none" spc="0" normalizeH="0" baseline="0" dirty="0">
+                        <a:ln>
+                          <a:noFill/>
+                        </a:ln>
+                        <a:solidFill>
+                          <a:prstClr val="black"/>
+                        </a:solidFill>
+                        <a:effectLst/>
+                        <a:uLnTx/>
+                        <a:uFillTx/>
+                        <a:latin typeface="Calibri" panose="020F0502020204030204"/>
+                        <a:ea typeface="等线" panose="02010600030101010101" pitchFamily="2" charset="-122"/>
+                        <a:cs typeface="+mn-cs"/>
+                      </a:endParaRPr>
+                    </a:p>
+                  </a:txBody>
+                  <a:tcPr>
+                    <a:lnL w="12700" cap="flat" cmpd="sng" algn="ctr">
+                      <a:solidFill>
+                        <a:schemeClr val="tx1"/>
+                      </a:solidFill>
+                      <a:prstDash val="solid"/>
+                      <a:round/>
+                      <a:headEnd type="none" w="med" len="med"/>
+                      <a:tailEnd type="none" w="med" len="med"/>
+                    </a:lnL>
+                    <a:lnR w="12700" cap="flat" cmpd="sng" algn="ctr">
+                      <a:solidFill>
+                        <a:schemeClr val="tx1"/>
+                      </a:solidFill>
+                      <a:prstDash val="solid"/>
+                      <a:round/>
+                      <a:headEnd type="none" w="med" len="med"/>
+                      <a:tailEnd type="none" w="med" len="med"/>
+                    </a:lnR>
+                    <a:lnT w="12700" cap="flat" cmpd="sng" algn="ctr">
+                      <a:solidFill>
+                        <a:schemeClr val="tx1"/>
+                      </a:solidFill>
+                      <a:prstDash val="solid"/>
+                      <a:round/>
+                      <a:headEnd type="none" w="med" len="med"/>
+                      <a:tailEnd type="none" w="med" len="med"/>
+                    </a:lnT>
+                    <a:lnB w="12700" cap="flat" cmpd="sng" algn="ctr">
+                      <a:solidFill>
+                        <a:schemeClr val="tx1"/>
+                      </a:solidFill>
+                      <a:prstDash val="solid"/>
+                      <a:round/>
+                      <a:headEnd type="none" w="med" len="med"/>
+                      <a:tailEnd type="none" w="med" len="med"/>
+                    </a:lnB>
+                    <a:solidFill>
+                      <a:schemeClr val="bg1"/>
+                    </a:solidFill>
+                  </a:tcPr>
+                </a:tc>
+                <a:extLst>
+                  <a:ext uri="{0D108BD9-81ED-4DB2-BD59-A6C34878D82A}">
+                    <a16:rowId xmlns:a16="http://schemas.microsoft.com/office/drawing/2014/main" val="3524121005"/>
+                  </a:ext>
+                </a:extLst>
+              </a:tr>
+              <a:tr h="391502">
+                <a:tc>
+                  <a:txBody>
+                    <a:bodyPr/>
+                    <a:lstStyle/>
+                    <a:p>
+                      <a:pPr marL="0" marR="0" lvl="0" indent="0" algn="l" defTabSz="914400" rtl="0" eaLnBrk="1" fontAlgn="auto" latinLnBrk="0" hangingPunct="1">
+                        <a:lnSpc>
+                          <a:spcPct val="100000"/>
+                        </a:lnSpc>
+                        <a:spcBef>
+                          <a:spcPts val="0"/>
+                        </a:spcBef>
+                        <a:spcAft>
+                          <a:spcPts val="0"/>
+                        </a:spcAft>
+                        <a:buClrTx/>
+                        <a:buSzTx/>
+                        <a:buFontTx/>
+                        <a:buNone/>
+                        <a:tabLst/>
+                        <a:defRPr/>
+                      </a:pPr>
+                      <a:r>
+                        <a:rPr kumimoji="0" lang="en-US" altLang="zh-CN" sz="1800" b="1" i="0" u="none" strike="noStrike" kern="1200" cap="none" spc="0" normalizeH="0" baseline="0" noProof="0" dirty="0" smtClean="0">
+                          <a:ln>
+                            <a:noFill/>
+                          </a:ln>
+                          <a:solidFill>
+                            <a:prstClr val="black"/>
+                          </a:solidFill>
+                          <a:effectLst/>
+                          <a:uLnTx/>
+                          <a:uFillTx/>
+                          <a:latin typeface="Calibri" panose="020F0502020204030204"/>
+                          <a:ea typeface="等线" panose="02010600030101010101" pitchFamily="2" charset="-122"/>
+                          <a:cs typeface="+mn-cs"/>
+                        </a:rPr>
+                        <a:t>…</a:t>
+                      </a:r>
+                      <a:endParaRPr kumimoji="0" lang="zh-CN" altLang="en-US" sz="1800" b="1" i="0" u="none" strike="noStrike" kern="1200" cap="none" spc="0" normalizeH="0" baseline="0" noProof="0" dirty="0">
+                        <a:ln>
+                          <a:noFill/>
+                        </a:ln>
+                        <a:solidFill>
+                          <a:prstClr val="black"/>
+                        </a:solidFill>
+                        <a:effectLst/>
+                        <a:uLnTx/>
+                        <a:uFillTx/>
+                        <a:latin typeface="Calibri" panose="020F0502020204030204"/>
+                        <a:ea typeface="等线" panose="02010600030101010101" pitchFamily="2" charset="-122"/>
+                        <a:cs typeface="+mn-cs"/>
+                      </a:endParaRPr>
+                    </a:p>
+                  </a:txBody>
+                  <a:tcPr>
+                    <a:lnL w="12700" cap="flat" cmpd="sng" algn="ctr">
+                      <a:solidFill>
+                        <a:schemeClr val="tx1"/>
+                      </a:solidFill>
+                      <a:prstDash val="solid"/>
+                      <a:round/>
+                      <a:headEnd type="none" w="med" len="med"/>
+                      <a:tailEnd type="none" w="med" len="med"/>
+                    </a:lnL>
+                    <a:lnR w="12700" cap="flat" cmpd="sng" algn="ctr">
+                      <a:solidFill>
+                        <a:schemeClr val="tx1"/>
+                      </a:solidFill>
+                      <a:prstDash val="solid"/>
+                      <a:round/>
+                      <a:headEnd type="none" w="med" len="med"/>
+                      <a:tailEnd type="none" w="med" len="med"/>
+                    </a:lnR>
+                    <a:lnT w="12700" cap="flat" cmpd="sng" algn="ctr">
+                      <a:solidFill>
+                        <a:schemeClr val="tx1"/>
+                      </a:solidFill>
+                      <a:prstDash val="solid"/>
+                      <a:round/>
+                      <a:headEnd type="none" w="med" len="med"/>
+                      <a:tailEnd type="none" w="med" len="med"/>
+                    </a:lnT>
+                    <a:lnB w="12700" cap="flat" cmpd="sng" algn="ctr">
+                      <a:solidFill>
+                        <a:schemeClr val="tx1"/>
+                      </a:solidFill>
+                      <a:prstDash val="solid"/>
+                      <a:round/>
+                      <a:headEnd type="none" w="med" len="med"/>
+                      <a:tailEnd type="none" w="med" len="med"/>
+                    </a:lnB>
+                    <a:solidFill>
+                      <a:schemeClr val="bg1"/>
+                    </a:solidFill>
+                  </a:tcPr>
+                </a:tc>
+                <a:extLst>
+                  <a:ext uri="{0D108BD9-81ED-4DB2-BD59-A6C34878D82A}">
+                    <a16:rowId xmlns:a16="http://schemas.microsoft.com/office/drawing/2014/main" val="4053351956"/>
+                  </a:ext>
+                </a:extLst>
+              </a:tr>
+              <a:tr h="391502">
+                <a:tc>
+                  <a:txBody>
+                    <a:bodyPr/>
+                    <a:lstStyle/>
+                    <a:p>
+                      <a:pPr marL="0" marR="0" lvl="0" indent="0" algn="l" defTabSz="914400" rtl="0" eaLnBrk="1" fontAlgn="auto" latinLnBrk="0" hangingPunct="1">
+                        <a:lnSpc>
+                          <a:spcPct val="100000"/>
+                        </a:lnSpc>
+                        <a:spcBef>
+                          <a:spcPts val="0"/>
+                        </a:spcBef>
+                        <a:spcAft>
+                          <a:spcPts val="0"/>
+                        </a:spcAft>
+                        <a:buClrTx/>
+                        <a:buSzTx/>
+                        <a:buFontTx/>
+                        <a:buNone/>
+                        <a:tabLst/>
+                        <a:defRPr/>
+                      </a:pPr>
+                      <a:r>
+                        <a:rPr kumimoji="0" lang="en-US" altLang="zh-CN" sz="1800" b="1" i="0" u="none" strike="noStrike" kern="1200" cap="none" spc="0" normalizeH="0" baseline="0" noProof="0" dirty="0" smtClean="0">
+                          <a:ln>
+                            <a:noFill/>
+                          </a:ln>
+                          <a:solidFill>
+                            <a:prstClr val="black"/>
+                          </a:solidFill>
+                          <a:effectLst/>
+                          <a:uLnTx/>
+                          <a:uFillTx/>
+                          <a:latin typeface="Calibri" panose="020F0502020204030204"/>
+                          <a:ea typeface="等线" panose="02010600030101010101" pitchFamily="2" charset="-122"/>
+                          <a:cs typeface="+mn-cs"/>
+                        </a:rPr>
+                        <a:t>Set </a:t>
+                      </a:r>
+                      <a:r>
+                        <a:rPr kumimoji="0" lang="en-US" altLang="zh-CN" sz="1800" b="1" i="0" u="none" strike="noStrike" kern="1200" cap="none" spc="0" normalizeH="0" baseline="0" noProof="0" dirty="0" smtClean="0">
+                          <a:ln>
+                            <a:noFill/>
+                          </a:ln>
+                          <a:solidFill>
+                            <a:prstClr val="black"/>
+                          </a:solidFill>
+                          <a:effectLst/>
+                          <a:uLnTx/>
+                          <a:uFillTx/>
+                          <a:latin typeface="Calibri" panose="020F0502020204030204"/>
+                          <a:ea typeface="等线" panose="02010600030101010101" pitchFamily="2" charset="-122"/>
+                          <a:cs typeface="+mn-cs"/>
+                        </a:rPr>
+                        <a:t>31</a:t>
+                      </a:r>
+                      <a:endParaRPr kumimoji="0" lang="zh-CN" altLang="en-US" sz="1800" b="1" i="0" u="none" strike="noStrike" kern="1200" cap="none" spc="0" normalizeH="0" baseline="0" noProof="0" dirty="0">
+                        <a:ln>
+                          <a:noFill/>
+                        </a:ln>
+                        <a:solidFill>
+                          <a:prstClr val="black"/>
+                        </a:solidFill>
+                        <a:effectLst/>
+                        <a:uLnTx/>
+                        <a:uFillTx/>
+                        <a:latin typeface="Calibri" panose="020F0502020204030204"/>
+                        <a:ea typeface="等线" panose="02010600030101010101" pitchFamily="2" charset="-122"/>
+                        <a:cs typeface="+mn-cs"/>
+                      </a:endParaRPr>
+                    </a:p>
+                  </a:txBody>
+                  <a:tcPr>
+                    <a:lnL w="12700" cap="flat" cmpd="sng" algn="ctr">
+                      <a:solidFill>
+                        <a:schemeClr val="tx1"/>
+                      </a:solidFill>
+                      <a:prstDash val="solid"/>
+                      <a:round/>
+                      <a:headEnd type="none" w="med" len="med"/>
+                      <a:tailEnd type="none" w="med" len="med"/>
+                    </a:lnL>
+                    <a:lnR w="12700" cap="flat" cmpd="sng" algn="ctr">
+                      <a:solidFill>
+                        <a:schemeClr val="tx1"/>
+                      </a:solidFill>
+                      <a:prstDash val="solid"/>
+                      <a:round/>
+                      <a:headEnd type="none" w="med" len="med"/>
+                      <a:tailEnd type="none" w="med" len="med"/>
+                    </a:lnR>
+                    <a:lnT w="12700" cap="flat" cmpd="sng" algn="ctr">
+                      <a:solidFill>
+                        <a:schemeClr val="tx1"/>
+                      </a:solidFill>
+                      <a:prstDash val="solid"/>
+                      <a:round/>
+                      <a:headEnd type="none" w="med" len="med"/>
+                      <a:tailEnd type="none" w="med" len="med"/>
+                    </a:lnT>
+                    <a:lnB w="12700" cap="flat" cmpd="sng" algn="ctr">
+                      <a:solidFill>
+                        <a:schemeClr val="tx1"/>
+                      </a:solidFill>
+                      <a:prstDash val="solid"/>
+                      <a:round/>
+                      <a:headEnd type="none" w="med" len="med"/>
+                      <a:tailEnd type="none" w="med" len="med"/>
+                    </a:lnB>
+                    <a:solidFill>
+                      <a:schemeClr val="bg1"/>
+                    </a:solidFill>
+                  </a:tcPr>
+                </a:tc>
+                <a:extLst>
+                  <a:ext uri="{0D108BD9-81ED-4DB2-BD59-A6C34878D82A}">
+                    <a16:rowId xmlns:a16="http://schemas.microsoft.com/office/drawing/2014/main" val="508416871"/>
+                  </a:ext>
+                </a:extLst>
+              </a:tr>
+              <a:tr h="391502">
+                <a:tc>
+                  <a:txBody>
+                    <a:bodyPr/>
+                    <a:lstStyle/>
+                    <a:p>
+                      <a:pPr marL="0" marR="0" lvl="0" indent="0" algn="l" defTabSz="914400" rtl="0" eaLnBrk="1" fontAlgn="auto" latinLnBrk="0" hangingPunct="1">
+                        <a:lnSpc>
+                          <a:spcPct val="100000"/>
+                        </a:lnSpc>
+                        <a:spcBef>
+                          <a:spcPts val="0"/>
+                        </a:spcBef>
+                        <a:spcAft>
+                          <a:spcPts val="0"/>
+                        </a:spcAft>
+                        <a:buClrTx/>
+                        <a:buSzTx/>
+                        <a:buFontTx/>
+                        <a:buNone/>
+                        <a:tabLst/>
+                        <a:defRPr/>
+                      </a:pPr>
+                      <a:r>
+                        <a:rPr kumimoji="0" lang="en-US" altLang="zh-CN" sz="1800" b="1" i="0" u="none" strike="noStrike" kern="1200" cap="none" spc="0" normalizeH="0" baseline="0" dirty="0" smtClean="0">
+                          <a:ln>
+                            <a:noFill/>
+                          </a:ln>
+                          <a:solidFill>
+                            <a:prstClr val="black"/>
+                          </a:solidFill>
+                          <a:effectLst/>
+                          <a:uLnTx/>
+                          <a:uFillTx/>
+                          <a:latin typeface="Calibri" panose="020F0502020204030204"/>
+                          <a:ea typeface="等线" panose="02010600030101010101" pitchFamily="2" charset="-122"/>
+                          <a:cs typeface="+mn-cs"/>
+                        </a:rPr>
+                        <a:t>Set </a:t>
+                      </a:r>
+                      <a:r>
+                        <a:rPr kumimoji="0" lang="en-US" altLang="zh-CN" sz="1800" b="1" i="0" u="none" strike="noStrike" kern="1200" cap="none" spc="0" normalizeH="0" baseline="0" dirty="0" smtClean="0">
+                          <a:ln>
+                            <a:noFill/>
+                          </a:ln>
+                          <a:solidFill>
+                            <a:prstClr val="black"/>
+                          </a:solidFill>
+                          <a:effectLst/>
+                          <a:uLnTx/>
+                          <a:uFillTx/>
+                          <a:latin typeface="Calibri" panose="020F0502020204030204"/>
+                          <a:ea typeface="等线" panose="02010600030101010101" pitchFamily="2" charset="-122"/>
+                          <a:cs typeface="+mn-cs"/>
+                        </a:rPr>
+                        <a:t>32</a:t>
+                      </a:r>
+                      <a:endParaRPr kumimoji="0" lang="zh-CN" altLang="en-US" sz="1800" b="1" i="0" u="none" strike="noStrike" kern="1200" cap="none" spc="0" normalizeH="0" baseline="0" dirty="0">
+                        <a:ln>
+                          <a:noFill/>
+                        </a:ln>
+                        <a:solidFill>
+                          <a:prstClr val="black"/>
+                        </a:solidFill>
+                        <a:effectLst/>
+                        <a:uLnTx/>
+                        <a:uFillTx/>
+                        <a:latin typeface="Calibri" panose="020F0502020204030204"/>
+                        <a:ea typeface="等线" panose="02010600030101010101" pitchFamily="2" charset="-122"/>
+                        <a:cs typeface="+mn-cs"/>
+                      </a:endParaRPr>
+                    </a:p>
+                  </a:txBody>
+                  <a:tcPr>
+                    <a:lnL w="12700" cap="flat" cmpd="sng" algn="ctr">
+                      <a:solidFill>
+                        <a:schemeClr val="tx1"/>
+                      </a:solidFill>
+                      <a:prstDash val="solid"/>
+                      <a:round/>
+                      <a:headEnd type="none" w="med" len="med"/>
+                      <a:tailEnd type="none" w="med" len="med"/>
+                    </a:lnL>
+                    <a:lnR w="12700" cap="flat" cmpd="sng" algn="ctr">
+                      <a:solidFill>
+                        <a:schemeClr val="tx1"/>
+                      </a:solidFill>
+                      <a:prstDash val="solid"/>
+                      <a:round/>
+                      <a:headEnd type="none" w="med" len="med"/>
+                      <a:tailEnd type="none" w="med" len="med"/>
+                    </a:lnR>
+                    <a:lnT w="12700" cap="flat" cmpd="sng" algn="ctr">
+                      <a:solidFill>
+                        <a:schemeClr val="tx1"/>
+                      </a:solidFill>
+                      <a:prstDash val="solid"/>
+                      <a:round/>
+                      <a:headEnd type="none" w="med" len="med"/>
+                      <a:tailEnd type="none" w="med" len="med"/>
+                    </a:lnT>
+                    <a:lnB w="12700" cap="flat" cmpd="sng" algn="ctr">
+                      <a:solidFill>
+                        <a:schemeClr val="tx1"/>
+                      </a:solidFill>
+                      <a:prstDash val="solid"/>
+                      <a:round/>
+                      <a:headEnd type="none" w="med" len="med"/>
+                      <a:tailEnd type="none" w="med" len="med"/>
+                    </a:lnB>
+                    <a:solidFill>
+                      <a:schemeClr val="bg1"/>
+                    </a:solidFill>
+                  </a:tcPr>
+                </a:tc>
+                <a:extLst>
+                  <a:ext uri="{0D108BD9-81ED-4DB2-BD59-A6C34878D82A}">
+                    <a16:rowId xmlns:a16="http://schemas.microsoft.com/office/drawing/2014/main" val="1047735134"/>
+                  </a:ext>
+                </a:extLst>
+              </a:tr>
+              <a:tr h="391502">
+                <a:tc>
+                  <a:txBody>
+                    <a:bodyPr/>
+                    <a:lstStyle/>
+                    <a:p>
+                      <a:pPr marL="0" marR="0" lvl="0" indent="0" algn="l" defTabSz="914400" rtl="0" eaLnBrk="1" fontAlgn="auto" latinLnBrk="0" hangingPunct="1">
+                        <a:lnSpc>
+                          <a:spcPct val="100000"/>
+                        </a:lnSpc>
+                        <a:spcBef>
+                          <a:spcPts val="0"/>
+                        </a:spcBef>
+                        <a:spcAft>
+                          <a:spcPts val="0"/>
+                        </a:spcAft>
+                        <a:buClrTx/>
+                        <a:buSzTx/>
+                        <a:buFontTx/>
+                        <a:buNone/>
+                        <a:tabLst/>
+                        <a:defRPr/>
+                      </a:pPr>
+                      <a:r>
+                        <a:rPr kumimoji="0" lang="en-US" altLang="zh-CN" sz="1800" b="1" i="0" u="none" strike="noStrike" kern="1200" cap="none" spc="0" normalizeH="0" baseline="0" noProof="0" dirty="0" smtClean="0">
+                          <a:ln>
+                            <a:noFill/>
+                          </a:ln>
+                          <a:solidFill>
+                            <a:prstClr val="black"/>
+                          </a:solidFill>
+                          <a:effectLst/>
+                          <a:uLnTx/>
+                          <a:uFillTx/>
+                          <a:latin typeface="Calibri" panose="020F0502020204030204"/>
+                          <a:ea typeface="等线" panose="02010600030101010101" pitchFamily="2" charset="-122"/>
+                          <a:cs typeface="+mn-cs"/>
+                        </a:rPr>
+                        <a:t>…</a:t>
+                      </a:r>
+                      <a:endParaRPr kumimoji="0" lang="zh-CN" altLang="en-US" sz="1800" b="1" i="0" u="none" strike="noStrike" kern="1200" cap="none" spc="0" normalizeH="0" baseline="0" noProof="0" dirty="0">
+                        <a:ln>
+                          <a:noFill/>
+                        </a:ln>
+                        <a:solidFill>
+                          <a:prstClr val="black"/>
+                        </a:solidFill>
+                        <a:effectLst/>
+                        <a:uLnTx/>
+                        <a:uFillTx/>
+                        <a:latin typeface="Calibri" panose="020F0502020204030204"/>
+                        <a:ea typeface="等线" panose="02010600030101010101" pitchFamily="2" charset="-122"/>
+                        <a:cs typeface="+mn-cs"/>
+                      </a:endParaRPr>
+                    </a:p>
+                  </a:txBody>
+                  <a:tcPr>
+                    <a:lnL w="12700" cap="flat" cmpd="sng" algn="ctr">
+                      <a:solidFill>
+                        <a:schemeClr val="tx1"/>
+                      </a:solidFill>
+                      <a:prstDash val="solid"/>
+                      <a:round/>
+                      <a:headEnd type="none" w="med" len="med"/>
+                      <a:tailEnd type="none" w="med" len="med"/>
+                    </a:lnL>
+                    <a:lnR w="12700" cap="flat" cmpd="sng" algn="ctr">
+                      <a:solidFill>
+                        <a:schemeClr val="tx1"/>
+                      </a:solidFill>
+                      <a:prstDash val="solid"/>
+                      <a:round/>
+                      <a:headEnd type="none" w="med" len="med"/>
+                      <a:tailEnd type="none" w="med" len="med"/>
+                    </a:lnR>
+                    <a:lnT w="12700" cap="flat" cmpd="sng" algn="ctr">
+                      <a:solidFill>
+                        <a:schemeClr val="tx1"/>
+                      </a:solidFill>
+                      <a:prstDash val="solid"/>
+                      <a:round/>
+                      <a:headEnd type="none" w="med" len="med"/>
+                      <a:tailEnd type="none" w="med" len="med"/>
+                    </a:lnT>
+                    <a:lnB w="12700" cap="flat" cmpd="sng" algn="ctr">
+                      <a:solidFill>
+                        <a:schemeClr val="tx1"/>
+                      </a:solidFill>
+                      <a:prstDash val="solid"/>
+                      <a:round/>
+                      <a:headEnd type="none" w="med" len="med"/>
+                      <a:tailEnd type="none" w="med" len="med"/>
+                    </a:lnB>
+                    <a:solidFill>
+                      <a:schemeClr val="bg1"/>
+                    </a:solidFill>
+                  </a:tcPr>
+                </a:tc>
+                <a:extLst>
+                  <a:ext uri="{0D108BD9-81ED-4DB2-BD59-A6C34878D82A}">
+                    <a16:rowId xmlns:a16="http://schemas.microsoft.com/office/drawing/2014/main" val="108100730"/>
+                  </a:ext>
+                </a:extLst>
+              </a:tr>
+              <a:tr h="391502">
+                <a:tc>
+                  <a:txBody>
+                    <a:bodyPr/>
+                    <a:lstStyle/>
+                    <a:p>
+                      <a:pPr marL="0" marR="0" lvl="0" indent="0" algn="l" defTabSz="914400" rtl="0" eaLnBrk="1" fontAlgn="auto" latinLnBrk="0" hangingPunct="1">
+                        <a:lnSpc>
+                          <a:spcPct val="100000"/>
+                        </a:lnSpc>
+                        <a:spcBef>
+                          <a:spcPts val="0"/>
+                        </a:spcBef>
+                        <a:spcAft>
+                          <a:spcPts val="0"/>
+                        </a:spcAft>
+                        <a:buClrTx/>
+                        <a:buSzTx/>
+                        <a:buFontTx/>
+                        <a:buNone/>
+                        <a:tabLst/>
+                        <a:defRPr/>
+                      </a:pPr>
+                      <a:r>
+                        <a:rPr kumimoji="0" lang="en-US" altLang="zh-CN" sz="1800" b="1" i="0" u="none" strike="noStrike" kern="1200" cap="none" spc="0" normalizeH="0" baseline="0" noProof="0" dirty="0" smtClean="0">
+                          <a:ln>
+                            <a:noFill/>
+                          </a:ln>
+                          <a:solidFill>
+                            <a:prstClr val="black"/>
+                          </a:solidFill>
+                          <a:effectLst/>
+                          <a:uLnTx/>
+                          <a:uFillTx/>
+                          <a:latin typeface="Calibri" panose="020F0502020204030204"/>
+                          <a:ea typeface="等线" panose="02010600030101010101" pitchFamily="2" charset="-122"/>
+                          <a:cs typeface="+mn-cs"/>
+                        </a:rPr>
+                        <a:t>Set </a:t>
+                      </a:r>
+                      <a:r>
+                        <a:rPr kumimoji="0" lang="en-US" altLang="zh-CN" sz="1800" b="1" i="0" u="none" strike="noStrike" kern="1200" cap="none" spc="0" normalizeH="0" baseline="0" noProof="0" dirty="0" smtClean="0">
+                          <a:ln>
+                            <a:noFill/>
+                          </a:ln>
+                          <a:solidFill>
+                            <a:prstClr val="black"/>
+                          </a:solidFill>
+                          <a:effectLst/>
+                          <a:uLnTx/>
+                          <a:uFillTx/>
+                          <a:latin typeface="Calibri" panose="020F0502020204030204"/>
+                          <a:ea typeface="等线" panose="02010600030101010101" pitchFamily="2" charset="-122"/>
+                          <a:cs typeface="+mn-cs"/>
+                        </a:rPr>
+                        <a:t>47</a:t>
+                      </a:r>
+                      <a:endParaRPr kumimoji="0" lang="zh-CN" altLang="en-US" sz="1800" b="1" i="0" u="none" strike="noStrike" kern="1200" cap="none" spc="0" normalizeH="0" baseline="0" noProof="0" dirty="0">
+                        <a:ln>
+                          <a:noFill/>
+                        </a:ln>
+                        <a:solidFill>
+                          <a:prstClr val="black"/>
+                        </a:solidFill>
+                        <a:effectLst/>
+                        <a:uLnTx/>
+                        <a:uFillTx/>
+                        <a:latin typeface="Calibri" panose="020F0502020204030204"/>
+                        <a:ea typeface="等线" panose="02010600030101010101" pitchFamily="2" charset="-122"/>
+                        <a:cs typeface="+mn-cs"/>
+                      </a:endParaRPr>
+                    </a:p>
+                  </a:txBody>
+                  <a:tcPr>
+                    <a:lnL w="12700" cap="flat" cmpd="sng" algn="ctr">
+                      <a:solidFill>
+                        <a:schemeClr val="tx1"/>
+                      </a:solidFill>
+                      <a:prstDash val="solid"/>
+                      <a:round/>
+                      <a:headEnd type="none" w="med" len="med"/>
+                      <a:tailEnd type="none" w="med" len="med"/>
+                    </a:lnL>
+                    <a:lnR w="12700" cap="flat" cmpd="sng" algn="ctr">
+                      <a:solidFill>
+                        <a:schemeClr val="tx1"/>
+                      </a:solidFill>
+                      <a:prstDash val="solid"/>
+                      <a:round/>
+                      <a:headEnd type="none" w="med" len="med"/>
+                      <a:tailEnd type="none" w="med" len="med"/>
+                    </a:lnR>
+                    <a:lnT w="12700" cap="flat" cmpd="sng" algn="ctr">
+                      <a:solidFill>
+                        <a:schemeClr val="tx1"/>
+                      </a:solidFill>
+                      <a:prstDash val="solid"/>
+                      <a:round/>
+                      <a:headEnd type="none" w="med" len="med"/>
+                      <a:tailEnd type="none" w="med" len="med"/>
+                    </a:lnT>
+                    <a:lnB w="12700" cap="flat" cmpd="sng" algn="ctr">
+                      <a:solidFill>
+                        <a:schemeClr val="tx1"/>
+                      </a:solidFill>
+                      <a:prstDash val="solid"/>
+                      <a:round/>
+                      <a:headEnd type="none" w="med" len="med"/>
+                      <a:tailEnd type="none" w="med" len="med"/>
+                    </a:lnB>
+                    <a:solidFill>
+                      <a:schemeClr val="bg1"/>
+                    </a:solidFill>
+                  </a:tcPr>
+                </a:tc>
+                <a:extLst>
+                  <a:ext uri="{0D108BD9-81ED-4DB2-BD59-A6C34878D82A}">
+                    <a16:rowId xmlns:a16="http://schemas.microsoft.com/office/drawing/2014/main" val="547264374"/>
+                  </a:ext>
+                </a:extLst>
+              </a:tr>
+              <a:tr h="391502">
+                <a:tc>
+                  <a:txBody>
+                    <a:bodyPr/>
+                    <a:lstStyle/>
+                    <a:p>
+                      <a:pPr marL="0" marR="0" lvl="0" indent="0" algn="l" defTabSz="914400" rtl="0" eaLnBrk="1" fontAlgn="auto" latinLnBrk="0" hangingPunct="1">
+                        <a:lnSpc>
+                          <a:spcPct val="100000"/>
+                        </a:lnSpc>
+                        <a:spcBef>
+                          <a:spcPts val="0"/>
+                        </a:spcBef>
+                        <a:spcAft>
+                          <a:spcPts val="0"/>
+                        </a:spcAft>
+                        <a:buClrTx/>
+                        <a:buSzTx/>
+                        <a:buFontTx/>
+                        <a:buNone/>
+                        <a:tabLst/>
+                        <a:defRPr/>
+                      </a:pPr>
+                      <a:r>
+                        <a:rPr kumimoji="0" lang="en-US" altLang="zh-CN" sz="1800" b="1" i="0" u="none" strike="noStrike" kern="1200" cap="none" spc="0" normalizeH="0" baseline="0" dirty="0" smtClean="0">
+                          <a:ln>
+                            <a:noFill/>
+                          </a:ln>
+                          <a:solidFill>
+                            <a:prstClr val="black"/>
+                          </a:solidFill>
+                          <a:effectLst/>
+                          <a:uLnTx/>
+                          <a:uFillTx/>
+                          <a:latin typeface="Calibri" panose="020F0502020204030204"/>
+                          <a:ea typeface="等线" panose="02010600030101010101" pitchFamily="2" charset="-122"/>
+                          <a:cs typeface="+mn-cs"/>
+                        </a:rPr>
+                        <a:t>Set </a:t>
+                      </a:r>
+                      <a:r>
+                        <a:rPr kumimoji="0" lang="en-US" altLang="zh-CN" sz="1800" b="1" i="0" u="none" strike="noStrike" kern="1200" cap="none" spc="0" normalizeH="0" baseline="0" dirty="0" smtClean="0">
+                          <a:ln>
+                            <a:noFill/>
+                          </a:ln>
+                          <a:solidFill>
+                            <a:prstClr val="black"/>
+                          </a:solidFill>
+                          <a:effectLst/>
+                          <a:uLnTx/>
+                          <a:uFillTx/>
+                          <a:latin typeface="Calibri" panose="020F0502020204030204"/>
+                          <a:ea typeface="等线" panose="02010600030101010101" pitchFamily="2" charset="-122"/>
+                          <a:cs typeface="+mn-cs"/>
+                        </a:rPr>
+                        <a:t>48</a:t>
+                      </a:r>
+                      <a:endParaRPr kumimoji="0" lang="zh-CN" altLang="en-US" sz="1800" b="1" i="0" u="none" strike="noStrike" kern="1200" cap="none" spc="0" normalizeH="0" baseline="0" dirty="0">
+                        <a:ln>
+                          <a:noFill/>
+                        </a:ln>
+                        <a:solidFill>
+                          <a:prstClr val="black"/>
+                        </a:solidFill>
+                        <a:effectLst/>
+                        <a:uLnTx/>
+                        <a:uFillTx/>
+                        <a:latin typeface="Calibri" panose="020F0502020204030204"/>
+                        <a:ea typeface="等线" panose="02010600030101010101" pitchFamily="2" charset="-122"/>
+                        <a:cs typeface="+mn-cs"/>
+                      </a:endParaRPr>
+                    </a:p>
+                  </a:txBody>
+                  <a:tcPr>
+                    <a:lnL w="12700" cap="flat" cmpd="sng" algn="ctr">
+                      <a:solidFill>
+                        <a:schemeClr val="tx1"/>
+                      </a:solidFill>
+                      <a:prstDash val="solid"/>
+                      <a:round/>
+                      <a:headEnd type="none" w="med" len="med"/>
+                      <a:tailEnd type="none" w="med" len="med"/>
+                    </a:lnL>
+                    <a:lnR w="12700" cap="flat" cmpd="sng" algn="ctr">
+                      <a:solidFill>
+                        <a:schemeClr val="tx1"/>
+                      </a:solidFill>
+                      <a:prstDash val="solid"/>
+                      <a:round/>
+                      <a:headEnd type="none" w="med" len="med"/>
+                      <a:tailEnd type="none" w="med" len="med"/>
+                    </a:lnR>
+                    <a:lnT w="12700" cap="flat" cmpd="sng" algn="ctr">
+                      <a:solidFill>
+                        <a:schemeClr val="tx1"/>
+                      </a:solidFill>
+                      <a:prstDash val="solid"/>
+                      <a:round/>
+                      <a:headEnd type="none" w="med" len="med"/>
+                      <a:tailEnd type="none" w="med" len="med"/>
+                    </a:lnT>
+                    <a:lnB w="12700" cap="flat" cmpd="sng" algn="ctr">
+                      <a:solidFill>
+                        <a:schemeClr val="tx1"/>
+                      </a:solidFill>
+                      <a:prstDash val="solid"/>
+                      <a:round/>
+                      <a:headEnd type="none" w="med" len="med"/>
+                      <a:tailEnd type="none" w="med" len="med"/>
+                    </a:lnB>
+                    <a:solidFill>
+                      <a:schemeClr val="bg1"/>
+                    </a:solidFill>
+                  </a:tcPr>
+                </a:tc>
+                <a:extLst>
+                  <a:ext uri="{0D108BD9-81ED-4DB2-BD59-A6C34878D82A}">
+                    <a16:rowId xmlns:a16="http://schemas.microsoft.com/office/drawing/2014/main" val="3263585616"/>
+                  </a:ext>
+                </a:extLst>
+              </a:tr>
+              <a:tr h="391502">
+                <a:tc>
+                  <a:txBody>
+                    <a:bodyPr/>
+                    <a:lstStyle/>
+                    <a:p>
+                      <a:pPr marL="0" marR="0" lvl="0" indent="0" algn="l" defTabSz="914400" rtl="0" eaLnBrk="1" fontAlgn="auto" latinLnBrk="0" hangingPunct="1">
+                        <a:lnSpc>
+                          <a:spcPct val="100000"/>
+                        </a:lnSpc>
+                        <a:spcBef>
+                          <a:spcPts val="0"/>
+                        </a:spcBef>
+                        <a:spcAft>
+                          <a:spcPts val="0"/>
+                        </a:spcAft>
+                        <a:buClrTx/>
+                        <a:buSzTx/>
+                        <a:buFontTx/>
+                        <a:buNone/>
+                        <a:tabLst/>
+                        <a:defRPr/>
+                      </a:pPr>
+                      <a:r>
+                        <a:rPr kumimoji="0" lang="en-US" altLang="zh-CN" sz="1800" b="1" i="0" u="none" strike="noStrike" kern="1200" cap="none" spc="0" normalizeH="0" baseline="0" noProof="0" dirty="0" smtClean="0">
+                          <a:ln>
+                            <a:noFill/>
+                          </a:ln>
+                          <a:solidFill>
+                            <a:prstClr val="black"/>
+                          </a:solidFill>
+                          <a:effectLst/>
+                          <a:uLnTx/>
+                          <a:uFillTx/>
+                          <a:latin typeface="Calibri" panose="020F0502020204030204"/>
+                          <a:ea typeface="等线" panose="02010600030101010101" pitchFamily="2" charset="-122"/>
+                          <a:cs typeface="+mn-cs"/>
+                        </a:rPr>
+                        <a:t>…</a:t>
+                      </a:r>
+                      <a:endParaRPr kumimoji="0" lang="zh-CN" altLang="en-US" sz="1800" b="1" i="0" u="none" strike="noStrike" kern="1200" cap="none" spc="0" normalizeH="0" baseline="0" noProof="0" dirty="0">
+                        <a:ln>
+                          <a:noFill/>
+                        </a:ln>
+                        <a:solidFill>
+                          <a:prstClr val="black"/>
+                        </a:solidFill>
+                        <a:effectLst/>
+                        <a:uLnTx/>
+                        <a:uFillTx/>
+                        <a:latin typeface="Calibri" panose="020F0502020204030204"/>
+                        <a:ea typeface="等线" panose="02010600030101010101" pitchFamily="2" charset="-122"/>
+                        <a:cs typeface="+mn-cs"/>
+                      </a:endParaRPr>
+                    </a:p>
+                  </a:txBody>
+                  <a:tcPr>
+                    <a:lnL w="12700" cap="flat" cmpd="sng" algn="ctr">
+                      <a:solidFill>
+                        <a:schemeClr val="tx1"/>
+                      </a:solidFill>
+                      <a:prstDash val="solid"/>
+                      <a:round/>
+                      <a:headEnd type="none" w="med" len="med"/>
+                      <a:tailEnd type="none" w="med" len="med"/>
+                    </a:lnL>
+                    <a:lnR w="12700" cap="flat" cmpd="sng" algn="ctr">
+                      <a:solidFill>
+                        <a:schemeClr val="tx1"/>
+                      </a:solidFill>
+                      <a:prstDash val="solid"/>
+                      <a:round/>
+                      <a:headEnd type="none" w="med" len="med"/>
+                      <a:tailEnd type="none" w="med" len="med"/>
+                    </a:lnR>
+                    <a:lnT w="12700" cap="flat" cmpd="sng" algn="ctr">
+                      <a:solidFill>
+                        <a:schemeClr val="tx1"/>
+                      </a:solidFill>
+                      <a:prstDash val="solid"/>
+                      <a:round/>
+                      <a:headEnd type="none" w="med" len="med"/>
+                      <a:tailEnd type="none" w="med" len="med"/>
+                    </a:lnT>
+                    <a:lnB w="12700" cap="flat" cmpd="sng" algn="ctr">
+                      <a:solidFill>
+                        <a:schemeClr val="tx1"/>
+                      </a:solidFill>
+                      <a:prstDash val="solid"/>
+                      <a:round/>
+                      <a:headEnd type="none" w="med" len="med"/>
+                      <a:tailEnd type="none" w="med" len="med"/>
+                    </a:lnB>
+                    <a:solidFill>
+                      <a:schemeClr val="bg1"/>
+                    </a:solidFill>
+                  </a:tcPr>
+                </a:tc>
+                <a:extLst>
+                  <a:ext uri="{0D108BD9-81ED-4DB2-BD59-A6C34878D82A}">
+                    <a16:rowId xmlns:a16="http://schemas.microsoft.com/office/drawing/2014/main" val="2190539028"/>
+                  </a:ext>
+                </a:extLst>
+              </a:tr>
+              <a:tr h="391502">
+                <a:tc>
+                  <a:txBody>
+                    <a:bodyPr/>
+                    <a:lstStyle/>
+                    <a:p>
+                      <a:pPr marL="0" marR="0" lvl="0" indent="0" algn="l" defTabSz="914400" rtl="0" eaLnBrk="1" fontAlgn="auto" latinLnBrk="0" hangingPunct="1">
+                        <a:lnSpc>
+                          <a:spcPct val="100000"/>
+                        </a:lnSpc>
+                        <a:spcBef>
+                          <a:spcPts val="0"/>
+                        </a:spcBef>
+                        <a:spcAft>
+                          <a:spcPts val="0"/>
+                        </a:spcAft>
+                        <a:buClrTx/>
+                        <a:buSzTx/>
+                        <a:buFontTx/>
+                        <a:buNone/>
+                        <a:tabLst/>
+                        <a:defRPr/>
+                      </a:pPr>
+                      <a:r>
+                        <a:rPr kumimoji="0" lang="en-US" altLang="zh-CN" sz="1800" b="1" i="0" u="none" strike="noStrike" kern="1200" cap="none" spc="0" normalizeH="0" baseline="0" noProof="0" dirty="0" smtClean="0">
+                          <a:ln>
+                            <a:noFill/>
+                          </a:ln>
+                          <a:solidFill>
+                            <a:prstClr val="black"/>
+                          </a:solidFill>
+                          <a:effectLst/>
+                          <a:uLnTx/>
+                          <a:uFillTx/>
+                          <a:latin typeface="Calibri" panose="020F0502020204030204"/>
+                          <a:ea typeface="等线" panose="02010600030101010101" pitchFamily="2" charset="-122"/>
+                          <a:cs typeface="+mn-cs"/>
+                        </a:rPr>
+                        <a:t>Set </a:t>
+                      </a:r>
+                      <a:r>
+                        <a:rPr kumimoji="0" lang="en-US" altLang="zh-CN" sz="1800" b="1" i="0" u="none" strike="noStrike" kern="1200" cap="none" spc="0" normalizeH="0" baseline="0" noProof="0" dirty="0" smtClean="0">
+                          <a:ln>
+                            <a:noFill/>
+                          </a:ln>
+                          <a:solidFill>
+                            <a:prstClr val="black"/>
+                          </a:solidFill>
+                          <a:effectLst/>
+                          <a:uLnTx/>
+                          <a:uFillTx/>
+                          <a:latin typeface="Calibri" panose="020F0502020204030204"/>
+                          <a:ea typeface="等线" panose="02010600030101010101" pitchFamily="2" charset="-122"/>
+                          <a:cs typeface="+mn-cs"/>
+                        </a:rPr>
+                        <a:t>63</a:t>
+                      </a:r>
+                      <a:endParaRPr kumimoji="0" lang="zh-CN" altLang="en-US" sz="1800" b="1" i="0" u="none" strike="noStrike" kern="1200" cap="none" spc="0" normalizeH="0" baseline="0" noProof="0" dirty="0">
+                        <a:ln>
+                          <a:noFill/>
+                        </a:ln>
+                        <a:solidFill>
+                          <a:prstClr val="black"/>
+                        </a:solidFill>
+                        <a:effectLst/>
+                        <a:uLnTx/>
+                        <a:uFillTx/>
+                        <a:latin typeface="Calibri" panose="020F0502020204030204"/>
+                        <a:ea typeface="等线" panose="02010600030101010101" pitchFamily="2" charset="-122"/>
+                        <a:cs typeface="+mn-cs"/>
+                      </a:endParaRPr>
+                    </a:p>
+                  </a:txBody>
+                  <a:tcPr>
+                    <a:lnL w="12700" cap="flat" cmpd="sng" algn="ctr">
+                      <a:solidFill>
+                        <a:schemeClr val="tx1"/>
+                      </a:solidFill>
+                      <a:prstDash val="solid"/>
+                      <a:round/>
+                      <a:headEnd type="none" w="med" len="med"/>
+                      <a:tailEnd type="none" w="med" len="med"/>
+                    </a:lnL>
+                    <a:lnR w="12700" cap="flat" cmpd="sng" algn="ctr">
+                      <a:solidFill>
+                        <a:schemeClr val="tx1"/>
+                      </a:solidFill>
+                      <a:prstDash val="solid"/>
+                      <a:round/>
+                      <a:headEnd type="none" w="med" len="med"/>
+                      <a:tailEnd type="none" w="med" len="med"/>
+                    </a:lnR>
+                    <a:lnT w="12700" cap="flat" cmpd="sng" algn="ctr">
+                      <a:solidFill>
+                        <a:schemeClr val="tx1"/>
+                      </a:solidFill>
+                      <a:prstDash val="solid"/>
+                      <a:round/>
+                      <a:headEnd type="none" w="med" len="med"/>
+                      <a:tailEnd type="none" w="med" len="med"/>
+                    </a:lnT>
+                    <a:lnB w="12700" cap="flat" cmpd="sng" algn="ctr">
+                      <a:solidFill>
+                        <a:schemeClr val="tx1"/>
+                      </a:solidFill>
+                      <a:prstDash val="solid"/>
+                      <a:round/>
+                      <a:headEnd type="none" w="med" len="med"/>
+                      <a:tailEnd type="none" w="med" len="med"/>
+                    </a:lnB>
+                    <a:solidFill>
+                      <a:schemeClr val="bg1"/>
+                    </a:solidFill>
+                  </a:tcPr>
+                </a:tc>
+                <a:extLst>
+                  <a:ext uri="{0D108BD9-81ED-4DB2-BD59-A6C34878D82A}">
+                    <a16:rowId xmlns:a16="http://schemas.microsoft.com/office/drawing/2014/main" val="1876194568"/>
+                  </a:ext>
+                </a:extLst>
+              </a:tr>
+            </a:tbl>
+          </a:graphicData>
+        </a:graphic>
+      </p:graphicFrame>
+      <p:cxnSp>
+        <p:nvCxnSpPr>
+          <p:cNvPr id="14" name="直接箭头连接符 13"/>
+          <p:cNvCxnSpPr/>
+          <p:nvPr/>
+        </p:nvCxnSpPr>
+        <p:spPr>
+          <a:xfrm flipV="1">
+            <a:off x="2658207" y="1169378"/>
+            <a:ext cx="3267808" cy="227135"/>
+          </a:xfrm>
+          <a:prstGeom prst="straightConnector1">
+            <a:avLst/>
+          </a:prstGeom>
+          <a:ln>
+            <a:tailEnd type="triangle"/>
+          </a:ln>
+        </p:spPr>
+        <p:style>
+          <a:lnRef idx="1">
+            <a:schemeClr val="accent1"/>
+          </a:lnRef>
+          <a:fillRef idx="0">
+            <a:schemeClr val="accent1"/>
+          </a:fillRef>
+          <a:effectRef idx="0">
+            <a:schemeClr val="accent1"/>
+          </a:effectRef>
+          <a:fontRef idx="minor">
+            <a:schemeClr val="tx1"/>
+          </a:fontRef>
+        </p:style>
+      </p:cxnSp>
+      <p:cxnSp>
+        <p:nvCxnSpPr>
+          <p:cNvPr id="16" name="直接箭头连接符 15"/>
+          <p:cNvCxnSpPr/>
+          <p:nvPr/>
+        </p:nvCxnSpPr>
+        <p:spPr>
+          <a:xfrm flipV="1">
+            <a:off x="2637692" y="2329962"/>
+            <a:ext cx="3288323" cy="633044"/>
+          </a:xfrm>
+          <a:prstGeom prst="straightConnector1">
+            <a:avLst/>
+          </a:prstGeom>
+          <a:ln>
+            <a:tailEnd type="triangle"/>
+          </a:ln>
+        </p:spPr>
+        <p:style>
+          <a:lnRef idx="1">
+            <a:schemeClr val="accent1"/>
+          </a:lnRef>
+          <a:fillRef idx="0">
+            <a:schemeClr val="accent1"/>
+          </a:fillRef>
+          <a:effectRef idx="0">
+            <a:schemeClr val="accent1"/>
+          </a:effectRef>
+          <a:fontRef idx="minor">
+            <a:schemeClr val="tx1"/>
+          </a:fontRef>
+        </p:style>
+      </p:cxnSp>
+      <p:cxnSp>
+        <p:nvCxnSpPr>
+          <p:cNvPr id="18" name="直接箭头连接符 17"/>
+          <p:cNvCxnSpPr/>
+          <p:nvPr/>
+        </p:nvCxnSpPr>
+        <p:spPr>
+          <a:xfrm>
+            <a:off x="4141177" y="1418496"/>
+            <a:ext cx="1784838" cy="911466"/>
+          </a:xfrm>
+          <a:prstGeom prst="straightConnector1">
+            <a:avLst/>
+          </a:prstGeom>
+          <a:ln>
+            <a:tailEnd type="triangle"/>
+          </a:ln>
+        </p:spPr>
+        <p:style>
+          <a:lnRef idx="1">
+            <a:schemeClr val="accent1"/>
+          </a:lnRef>
+          <a:fillRef idx="0">
+            <a:schemeClr val="accent1"/>
+          </a:fillRef>
+          <a:effectRef idx="0">
+            <a:schemeClr val="accent1"/>
+          </a:effectRef>
+          <a:fontRef idx="minor">
+            <a:schemeClr val="tx1"/>
+          </a:fontRef>
+        </p:style>
+      </p:cxnSp>
+      <p:cxnSp>
+        <p:nvCxnSpPr>
+          <p:cNvPr id="20" name="直接箭头连接符 19"/>
+          <p:cNvCxnSpPr>
+            <a:endCxn id="12" idx="1"/>
+          </p:cNvCxnSpPr>
+          <p:nvPr/>
+        </p:nvCxnSpPr>
+        <p:spPr>
+          <a:xfrm>
+            <a:off x="4120662" y="2963006"/>
+            <a:ext cx="1790700" cy="540730"/>
+          </a:xfrm>
+          <a:prstGeom prst="straightConnector1">
+            <a:avLst/>
+          </a:prstGeom>
+          <a:ln>
+            <a:tailEnd type="triangle"/>
+          </a:ln>
+        </p:spPr>
+        <p:style>
+          <a:lnRef idx="1">
+            <a:schemeClr val="accent1"/>
+          </a:lnRef>
+          <a:fillRef idx="0">
+            <a:schemeClr val="accent1"/>
+          </a:fillRef>
+          <a:effectRef idx="0">
+            <a:schemeClr val="accent1"/>
+          </a:effectRef>
+          <a:fontRef idx="minor">
+            <a:schemeClr val="tx1"/>
+          </a:fontRef>
+        </p:style>
+      </p:cxnSp>
+      <p:cxnSp>
+        <p:nvCxnSpPr>
+          <p:cNvPr id="22" name="直接箭头连接符 21"/>
+          <p:cNvCxnSpPr>
+            <a:endCxn id="12" idx="1"/>
+          </p:cNvCxnSpPr>
+          <p:nvPr/>
+        </p:nvCxnSpPr>
+        <p:spPr>
+          <a:xfrm flipV="1">
+            <a:off x="2637692" y="3503736"/>
+            <a:ext cx="3273670" cy="241789"/>
+          </a:xfrm>
+          <a:prstGeom prst="straightConnector1">
+            <a:avLst/>
+          </a:prstGeom>
+          <a:ln>
+            <a:tailEnd type="triangle"/>
+          </a:ln>
+        </p:spPr>
+        <p:style>
+          <a:lnRef idx="1">
+            <a:schemeClr val="accent1"/>
+          </a:lnRef>
+          <a:fillRef idx="0">
+            <a:schemeClr val="accent1"/>
+          </a:fillRef>
+          <a:effectRef idx="0">
+            <a:schemeClr val="accent1"/>
+          </a:effectRef>
+          <a:fontRef idx="minor">
+            <a:schemeClr val="tx1"/>
+          </a:fontRef>
+        </p:style>
+      </p:cxnSp>
+      <p:cxnSp>
+        <p:nvCxnSpPr>
+          <p:cNvPr id="29" name="直接箭头连接符 28"/>
+          <p:cNvCxnSpPr/>
+          <p:nvPr/>
+        </p:nvCxnSpPr>
+        <p:spPr>
+          <a:xfrm flipV="1">
+            <a:off x="2637692" y="4700473"/>
+            <a:ext cx="3273670" cy="611060"/>
+          </a:xfrm>
+          <a:prstGeom prst="straightConnector1">
+            <a:avLst/>
+          </a:prstGeom>
+          <a:ln>
+            <a:tailEnd type="triangle"/>
+          </a:ln>
+        </p:spPr>
+        <p:style>
+          <a:lnRef idx="1">
+            <a:schemeClr val="accent1"/>
+          </a:lnRef>
+          <a:fillRef idx="0">
+            <a:schemeClr val="accent1"/>
+          </a:fillRef>
+          <a:effectRef idx="0">
+            <a:schemeClr val="accent1"/>
+          </a:effectRef>
+          <a:fontRef idx="minor">
+            <a:schemeClr val="tx1"/>
+          </a:fontRef>
+        </p:style>
+      </p:cxnSp>
+      <p:cxnSp>
+        <p:nvCxnSpPr>
+          <p:cNvPr id="31" name="直接箭头连接符 30"/>
+          <p:cNvCxnSpPr/>
+          <p:nvPr/>
+        </p:nvCxnSpPr>
+        <p:spPr>
+          <a:xfrm>
+            <a:off x="4120662" y="3745525"/>
+            <a:ext cx="1805353" cy="954948"/>
+          </a:xfrm>
+          <a:prstGeom prst="straightConnector1">
+            <a:avLst/>
+          </a:prstGeom>
+          <a:ln>
+            <a:tailEnd type="triangle"/>
+          </a:ln>
+        </p:spPr>
+        <p:style>
+          <a:lnRef idx="1">
+            <a:schemeClr val="accent1"/>
+          </a:lnRef>
+          <a:fillRef idx="0">
+            <a:schemeClr val="accent1"/>
+          </a:fillRef>
+          <a:effectRef idx="0">
+            <a:schemeClr val="accent1"/>
+          </a:effectRef>
+          <a:fontRef idx="minor">
+            <a:schemeClr val="tx1"/>
+          </a:fontRef>
+        </p:style>
+      </p:cxnSp>
+      <p:cxnSp>
+        <p:nvCxnSpPr>
+          <p:cNvPr id="33" name="直接箭头连接符 32"/>
+          <p:cNvCxnSpPr/>
+          <p:nvPr/>
+        </p:nvCxnSpPr>
+        <p:spPr>
+          <a:xfrm>
+            <a:off x="4113336" y="5311533"/>
+            <a:ext cx="1790700" cy="530466"/>
+          </a:xfrm>
+          <a:prstGeom prst="straightConnector1">
+            <a:avLst/>
+          </a:prstGeom>
+          <a:ln>
+            <a:tailEnd type="triangle"/>
+          </a:ln>
+        </p:spPr>
+        <p:style>
+          <a:lnRef idx="1">
+            <a:schemeClr val="accent1"/>
+          </a:lnRef>
+          <a:fillRef idx="0">
+            <a:schemeClr val="accent1"/>
+          </a:fillRef>
+          <a:effectRef idx="0">
+            <a:schemeClr val="accent1"/>
+          </a:effectRef>
+          <a:fontRef idx="minor">
+            <a:schemeClr val="tx1"/>
+          </a:fontRef>
+        </p:style>
+      </p:cxnSp>
+      <p:sp>
+        <p:nvSpPr>
+          <p:cNvPr id="34" name="文本框 33"/>
+          <p:cNvSpPr txBox="1"/>
+          <p:nvPr/>
+        </p:nvSpPr>
+        <p:spPr>
+          <a:xfrm>
+            <a:off x="5675435" y="5973612"/>
+            <a:ext cx="1585545" cy="369332"/>
+          </a:xfrm>
+          <a:prstGeom prst="rect">
+            <a:avLst/>
+          </a:prstGeom>
+          <a:noFill/>
+        </p:spPr>
+        <p:txBody>
+          <a:bodyPr wrap="square" rtlCol="0">
+            <a:spAutoFit/>
+          </a:bodyPr>
+          <a:lstStyle/>
+          <a:p>
+            <a:pPr algn="ctr"/>
+            <a:r>
+              <a:rPr lang="en-US" altLang="zh-CN" dirty="0" smtClean="0"/>
+              <a:t>Cache</a:t>
+            </a:r>
+            <a:r>
+              <a:rPr lang="zh-CN" altLang="en-US" dirty="0" smtClean="0"/>
+              <a:t>部分</a:t>
+            </a:r>
+            <a:r>
+              <a:rPr lang="en-US" altLang="zh-CN" dirty="0" smtClean="0"/>
+              <a:t>set</a:t>
+            </a:r>
+            <a:endParaRPr lang="zh-CN" altLang="en-US" dirty="0"/>
+          </a:p>
+        </p:txBody>
+      </p:sp>
+    </p:spTree>
+    <p:extLst>
+      <p:ext uri="{BB962C8B-B14F-4D97-AF65-F5344CB8AC3E}">
+        <p14:creationId xmlns:p14="http://schemas.microsoft.com/office/powerpoint/2010/main" val="2155947795"/>
       </p:ext>
     </p:extLst>
   </p:cSld>

--- a/论文图片.pptx
+++ b/论文图片.pptx
@@ -5,7 +5,7 @@
     <p:sldMasterId id="2147483660" r:id="rId1"/>
   </p:sldMasterIdLst>
   <p:notesMasterIdLst>
-    <p:notesMasterId r:id="rId12"/>
+    <p:notesMasterId r:id="rId14"/>
   </p:notesMasterIdLst>
   <p:sldIdLst>
     <p:sldId id="256" r:id="rId2"/>
@@ -18,6 +18,8 @@
     <p:sldId id="263" r:id="rId9"/>
     <p:sldId id="264" r:id="rId10"/>
     <p:sldId id="265" r:id="rId11"/>
+    <p:sldId id="266" r:id="rId12"/>
+    <p:sldId id="267" r:id="rId13"/>
   </p:sldIdLst>
   <p:sldSz cx="9144000" cy="6858000" type="screen4x3"/>
   <p:notesSz cx="6858000" cy="9144000"/>
@@ -206,7 +208,7 @@
           <a:p>
             <a:fld id="{6BE41ED8-606A-4686-B2C2-DB49E5C56C48}" type="datetimeFigureOut">
               <a:rPr lang="zh-CN" altLang="en-US" smtClean="0"/>
-              <a:t>2018/1/30</a:t>
+              <a:t>2018/2/3</a:t>
             </a:fld>
             <a:endParaRPr lang="zh-CN" altLang="en-US"/>
           </a:p>
@@ -773,7 +775,7 @@
           <a:p>
             <a:fld id="{2F2BA5F0-406C-4EF6-B0AC-72C3E0BE2794}" type="datetimeFigureOut">
               <a:rPr lang="zh-CN" altLang="en-US" smtClean="0"/>
-              <a:t>2018/1/30</a:t>
+              <a:t>2018/2/3</a:t>
             </a:fld>
             <a:endParaRPr lang="zh-CN" altLang="en-US"/>
           </a:p>
@@ -943,7 +945,7 @@
           <a:p>
             <a:fld id="{2F2BA5F0-406C-4EF6-B0AC-72C3E0BE2794}" type="datetimeFigureOut">
               <a:rPr lang="zh-CN" altLang="en-US" smtClean="0"/>
-              <a:t>2018/1/30</a:t>
+              <a:t>2018/2/3</a:t>
             </a:fld>
             <a:endParaRPr lang="zh-CN" altLang="en-US"/>
           </a:p>
@@ -1123,7 +1125,7 @@
           <a:p>
             <a:fld id="{2F2BA5F0-406C-4EF6-B0AC-72C3E0BE2794}" type="datetimeFigureOut">
               <a:rPr lang="zh-CN" altLang="en-US" smtClean="0"/>
-              <a:t>2018/1/30</a:t>
+              <a:t>2018/2/3</a:t>
             </a:fld>
             <a:endParaRPr lang="zh-CN" altLang="en-US"/>
           </a:p>
@@ -1293,7 +1295,7 @@
           <a:p>
             <a:fld id="{2F2BA5F0-406C-4EF6-B0AC-72C3E0BE2794}" type="datetimeFigureOut">
               <a:rPr lang="zh-CN" altLang="en-US" smtClean="0"/>
-              <a:t>2018/1/30</a:t>
+              <a:t>2018/2/3</a:t>
             </a:fld>
             <a:endParaRPr lang="zh-CN" altLang="en-US"/>
           </a:p>
@@ -1537,7 +1539,7 @@
           <a:p>
             <a:fld id="{2F2BA5F0-406C-4EF6-B0AC-72C3E0BE2794}" type="datetimeFigureOut">
               <a:rPr lang="zh-CN" altLang="en-US" smtClean="0"/>
-              <a:t>2018/1/30</a:t>
+              <a:t>2018/2/3</a:t>
             </a:fld>
             <a:endParaRPr lang="zh-CN" altLang="en-US"/>
           </a:p>
@@ -1769,7 +1771,7 @@
           <a:p>
             <a:fld id="{2F2BA5F0-406C-4EF6-B0AC-72C3E0BE2794}" type="datetimeFigureOut">
               <a:rPr lang="zh-CN" altLang="en-US" smtClean="0"/>
-              <a:t>2018/1/30</a:t>
+              <a:t>2018/2/3</a:t>
             </a:fld>
             <a:endParaRPr lang="zh-CN" altLang="en-US"/>
           </a:p>
@@ -2136,7 +2138,7 @@
           <a:p>
             <a:fld id="{2F2BA5F0-406C-4EF6-B0AC-72C3E0BE2794}" type="datetimeFigureOut">
               <a:rPr lang="zh-CN" altLang="en-US" smtClean="0"/>
-              <a:t>2018/1/30</a:t>
+              <a:t>2018/2/3</a:t>
             </a:fld>
             <a:endParaRPr lang="zh-CN" altLang="en-US"/>
           </a:p>
@@ -2254,7 +2256,7 @@
           <a:p>
             <a:fld id="{2F2BA5F0-406C-4EF6-B0AC-72C3E0BE2794}" type="datetimeFigureOut">
               <a:rPr lang="zh-CN" altLang="en-US" smtClean="0"/>
-              <a:t>2018/1/30</a:t>
+              <a:t>2018/2/3</a:t>
             </a:fld>
             <a:endParaRPr lang="zh-CN" altLang="en-US"/>
           </a:p>
@@ -2349,7 +2351,7 @@
           <a:p>
             <a:fld id="{2F2BA5F0-406C-4EF6-B0AC-72C3E0BE2794}" type="datetimeFigureOut">
               <a:rPr lang="zh-CN" altLang="en-US" smtClean="0"/>
-              <a:t>2018/1/30</a:t>
+              <a:t>2018/2/3</a:t>
             </a:fld>
             <a:endParaRPr lang="zh-CN" altLang="en-US"/>
           </a:p>
@@ -2626,7 +2628,7 @@
           <a:p>
             <a:fld id="{2F2BA5F0-406C-4EF6-B0AC-72C3E0BE2794}" type="datetimeFigureOut">
               <a:rPr lang="zh-CN" altLang="en-US" smtClean="0"/>
-              <a:t>2018/1/30</a:t>
+              <a:t>2018/2/3</a:t>
             </a:fld>
             <a:endParaRPr lang="zh-CN" altLang="en-US"/>
           </a:p>
@@ -2883,7 +2885,7 @@
           <a:p>
             <a:fld id="{2F2BA5F0-406C-4EF6-B0AC-72C3E0BE2794}" type="datetimeFigureOut">
               <a:rPr lang="zh-CN" altLang="en-US" smtClean="0"/>
-              <a:t>2018/1/30</a:t>
+              <a:t>2018/2/3</a:t>
             </a:fld>
             <a:endParaRPr lang="zh-CN" altLang="en-US"/>
           </a:p>
@@ -3096,7 +3098,7 @@
           <a:p>
             <a:fld id="{2F2BA5F0-406C-4EF6-B0AC-72C3E0BE2794}" type="datetimeFigureOut">
               <a:rPr lang="zh-CN" altLang="en-US" smtClean="0"/>
-              <a:t>2018/1/30</a:t>
+              <a:t>2018/2/3</a:t>
             </a:fld>
             <a:endParaRPr lang="zh-CN" altLang="en-US"/>
           </a:p>
@@ -14300,8 +14302,8 @@
           </a:p>
         </p:txBody>
       </p:sp>
-      <mc:AlternateContent xmlns:mc="http://schemas.openxmlformats.org/markup-compatibility/2006">
-        <mc:Choice xmlns:a14="http://schemas.microsoft.com/office/drawing/2010/main" Requires="a14">
+      <mc:AlternateContent xmlns:mc="http://schemas.openxmlformats.org/markup-compatibility/2006" xmlns:a14="http://schemas.microsoft.com/office/drawing/2010/main">
+        <mc:Choice Requires="a14">
           <p:sp>
             <p:nvSpPr>
               <p:cNvPr id="13" name="文本框 12"/>
@@ -14357,7 +14359,7 @@
             </p:txBody>
           </p:sp>
         </mc:Choice>
-        <mc:Fallback>
+        <mc:Fallback xmlns="">
           <p:sp>
             <p:nvSpPr>
               <p:cNvPr id="13" name="文本框 12"/>
@@ -15854,6 +15856,3264 @@
     <p:extLst>
       <p:ext uri="{BB962C8B-B14F-4D97-AF65-F5344CB8AC3E}">
         <p14:creationId xmlns:p14="http://schemas.microsoft.com/office/powerpoint/2010/main" val="2349025451"/>
+      </p:ext>
+    </p:extLst>
+  </p:cSld>
+  <p:clrMapOvr>
+    <a:masterClrMapping/>
+  </p:clrMapOvr>
+</p:sld>
+</file>
+
+<file path=ppt/slides/slide11.xml><?xml version="1.0" encoding="utf-8"?>
+<p:sld xmlns:a="http://schemas.openxmlformats.org/drawingml/2006/main" xmlns:r="http://schemas.openxmlformats.org/officeDocument/2006/relationships" xmlns:p="http://schemas.openxmlformats.org/presentationml/2006/main">
+  <p:cSld>
+    <p:spTree>
+      <p:nvGrpSpPr>
+        <p:cNvPr id="1" name=""/>
+        <p:cNvGrpSpPr/>
+        <p:nvPr/>
+      </p:nvGrpSpPr>
+      <p:grpSpPr>
+        <a:xfrm>
+          <a:off x="0" y="0"/>
+          <a:ext cx="0" cy="0"/>
+          <a:chOff x="0" y="0"/>
+          <a:chExt cx="0" cy="0"/>
+        </a:xfrm>
+      </p:grpSpPr>
+      <p:sp>
+        <p:nvSpPr>
+          <p:cNvPr id="4" name="矩形 3"/>
+          <p:cNvSpPr/>
+          <p:nvPr/>
+        </p:nvSpPr>
+        <p:spPr>
+          <a:xfrm>
+            <a:off x="1934308" y="1767254"/>
+            <a:ext cx="1846384" cy="254977"/>
+          </a:xfrm>
+          <a:prstGeom prst="rect">
+            <a:avLst/>
+          </a:prstGeom>
+        </p:spPr>
+        <p:style>
+          <a:lnRef idx="1">
+            <a:schemeClr val="accent3"/>
+          </a:lnRef>
+          <a:fillRef idx="2">
+            <a:schemeClr val="accent3"/>
+          </a:fillRef>
+          <a:effectRef idx="1">
+            <a:schemeClr val="accent3"/>
+          </a:effectRef>
+          <a:fontRef idx="minor">
+            <a:schemeClr val="dk1"/>
+          </a:fontRef>
+        </p:style>
+        <p:txBody>
+          <a:bodyPr rtlCol="0" anchor="ctr"/>
+          <a:lstStyle/>
+          <a:p>
+            <a:pPr algn="ctr"/>
+            <a:r>
+              <a:rPr lang="zh-CN" altLang="en-US" dirty="0"/>
+              <a:t>核</a:t>
+            </a:r>
+            <a:r>
+              <a:rPr lang="en-US" altLang="zh-CN" dirty="0" smtClean="0"/>
+              <a:t> 0</a:t>
+            </a:r>
+            <a:endParaRPr lang="zh-CN" altLang="en-US" dirty="0"/>
+          </a:p>
+        </p:txBody>
+      </p:sp>
+      <p:graphicFrame>
+        <p:nvGraphicFramePr>
+          <p:cNvPr id="5" name="表格 4"/>
+          <p:cNvGraphicFramePr>
+            <a:graphicFrameLocks noGrp="1"/>
+          </p:cNvGraphicFramePr>
+          <p:nvPr>
+            <p:extLst>
+              <p:ext uri="{D42A27DB-BD31-4B8C-83A1-F6EECF244321}">
+                <p14:modId xmlns:p14="http://schemas.microsoft.com/office/powerpoint/2010/main" val="3103310236"/>
+              </p:ext>
+            </p:extLst>
+          </p:nvPr>
+        </p:nvGraphicFramePr>
+        <p:xfrm>
+          <a:off x="1934308" y="2338754"/>
+          <a:ext cx="833120" cy="1453369"/>
+        </p:xfrm>
+        <a:graphic>
+          <a:graphicData uri="http://schemas.openxmlformats.org/drawingml/2006/table">
+            <a:tbl>
+              <a:tblPr firstRow="1" bandRow="1">
+                <a:tableStyleId>{5940675A-B579-460E-94D1-54222C63F5DA}</a:tableStyleId>
+              </a:tblPr>
+              <a:tblGrid>
+                <a:gridCol w="208280">
+                  <a:extLst>
+                    <a:ext uri="{9D8B030D-6E8A-4147-A177-3AD203B41FA5}">
+                      <a16:colId xmlns:a16="http://schemas.microsoft.com/office/drawing/2014/main" val="2014264856"/>
+                    </a:ext>
+                  </a:extLst>
+                </a:gridCol>
+                <a:gridCol w="208280">
+                  <a:extLst>
+                    <a:ext uri="{9D8B030D-6E8A-4147-A177-3AD203B41FA5}">
+                      <a16:colId xmlns:a16="http://schemas.microsoft.com/office/drawing/2014/main" val="4100929933"/>
+                    </a:ext>
+                  </a:extLst>
+                </a:gridCol>
+                <a:gridCol w="208280">
+                  <a:extLst>
+                    <a:ext uri="{9D8B030D-6E8A-4147-A177-3AD203B41FA5}">
+                      <a16:colId xmlns:a16="http://schemas.microsoft.com/office/drawing/2014/main" val="2307657411"/>
+                    </a:ext>
+                  </a:extLst>
+                </a:gridCol>
+                <a:gridCol w="208280">
+                  <a:extLst>
+                    <a:ext uri="{9D8B030D-6E8A-4147-A177-3AD203B41FA5}">
+                      <a16:colId xmlns:a16="http://schemas.microsoft.com/office/drawing/2014/main" val="2818336942"/>
+                    </a:ext>
+                  </a:extLst>
+                </a:gridCol>
+              </a:tblGrid>
+              <a:tr h="356089">
+                <a:tc gridSpan="4">
+                  <a:txBody>
+                    <a:bodyPr/>
+                    <a:lstStyle/>
+                    <a:p>
+                      <a:r>
+                        <a:rPr lang="en-US" altLang="zh-CN" sz="1000" dirty="0" err="1" smtClean="0">
+                          <a:solidFill>
+                            <a:schemeClr val="tx1"/>
+                          </a:solidFill>
+                        </a:rPr>
+                        <a:t>L1</a:t>
+                      </a:r>
+                      <a:r>
+                        <a:rPr lang="zh-CN" altLang="en-US" sz="1000" dirty="0" smtClean="0">
+                          <a:solidFill>
+                            <a:schemeClr val="tx1"/>
+                          </a:solidFill>
+                        </a:rPr>
+                        <a:t>指令缓存</a:t>
+                      </a:r>
+                      <a:endParaRPr lang="zh-CN" altLang="en-US" sz="1000" dirty="0">
+                        <a:solidFill>
+                          <a:schemeClr val="tx1"/>
+                        </a:solidFill>
+                      </a:endParaRPr>
+                    </a:p>
+                  </a:txBody>
+                  <a:tcPr>
+                    <a:solidFill>
+                      <a:schemeClr val="bg1">
+                        <a:lumMod val="85000"/>
+                      </a:schemeClr>
+                    </a:solidFill>
+                  </a:tcPr>
+                </a:tc>
+                <a:tc hMerge="1">
+                  <a:txBody>
+                    <a:bodyPr/>
+                    <a:lstStyle/>
+                    <a:p>
+                      <a:endParaRPr lang="zh-CN" altLang="en-US" dirty="0"/>
+                    </a:p>
+                  </a:txBody>
+                  <a:tcPr/>
+                </a:tc>
+                <a:tc hMerge="1">
+                  <a:txBody>
+                    <a:bodyPr/>
+                    <a:lstStyle/>
+                    <a:p>
+                      <a:endParaRPr lang="zh-CN" altLang="en-US" dirty="0"/>
+                    </a:p>
+                  </a:txBody>
+                  <a:tcPr/>
+                </a:tc>
+                <a:tc hMerge="1">
+                  <a:txBody>
+                    <a:bodyPr/>
+                    <a:lstStyle/>
+                    <a:p>
+                      <a:endParaRPr lang="zh-CN" altLang="en-US" dirty="0"/>
+                    </a:p>
+                  </a:txBody>
+                  <a:tcPr/>
+                </a:tc>
+                <a:extLst>
+                  <a:ext uri="{0D108BD9-81ED-4DB2-BD59-A6C34878D82A}">
+                    <a16:rowId xmlns:a16="http://schemas.microsoft.com/office/drawing/2014/main" val="3010152750"/>
+                  </a:ext>
+                </a:extLst>
+              </a:tr>
+              <a:tr h="356089">
+                <a:tc>
+                  <a:txBody>
+                    <a:bodyPr/>
+                    <a:lstStyle/>
+                    <a:p>
+                      <a:endParaRPr lang="zh-CN" altLang="en-US"/>
+                    </a:p>
+                  </a:txBody>
+                  <a:tcPr/>
+                </a:tc>
+                <a:tc>
+                  <a:txBody>
+                    <a:bodyPr/>
+                    <a:lstStyle/>
+                    <a:p>
+                      <a:endParaRPr lang="zh-CN" altLang="en-US"/>
+                    </a:p>
+                  </a:txBody>
+                  <a:tcPr/>
+                </a:tc>
+                <a:tc>
+                  <a:txBody>
+                    <a:bodyPr/>
+                    <a:lstStyle/>
+                    <a:p>
+                      <a:endParaRPr lang="zh-CN" altLang="en-US"/>
+                    </a:p>
+                  </a:txBody>
+                  <a:tcPr/>
+                </a:tc>
+                <a:tc>
+                  <a:txBody>
+                    <a:bodyPr/>
+                    <a:lstStyle/>
+                    <a:p>
+                      <a:endParaRPr lang="zh-CN" altLang="en-US"/>
+                    </a:p>
+                  </a:txBody>
+                  <a:tcPr/>
+                </a:tc>
+                <a:extLst>
+                  <a:ext uri="{0D108BD9-81ED-4DB2-BD59-A6C34878D82A}">
+                    <a16:rowId xmlns:a16="http://schemas.microsoft.com/office/drawing/2014/main" val="1494737855"/>
+                  </a:ext>
+                </a:extLst>
+              </a:tr>
+              <a:tr h="356089">
+                <a:tc>
+                  <a:txBody>
+                    <a:bodyPr/>
+                    <a:lstStyle/>
+                    <a:p>
+                      <a:endParaRPr lang="zh-CN" altLang="en-US"/>
+                    </a:p>
+                  </a:txBody>
+                  <a:tcPr/>
+                </a:tc>
+                <a:tc>
+                  <a:txBody>
+                    <a:bodyPr/>
+                    <a:lstStyle/>
+                    <a:p>
+                      <a:endParaRPr lang="zh-CN" altLang="en-US"/>
+                    </a:p>
+                  </a:txBody>
+                  <a:tcPr/>
+                </a:tc>
+                <a:tc>
+                  <a:txBody>
+                    <a:bodyPr/>
+                    <a:lstStyle/>
+                    <a:p>
+                      <a:endParaRPr lang="zh-CN" altLang="en-US"/>
+                    </a:p>
+                  </a:txBody>
+                  <a:tcPr/>
+                </a:tc>
+                <a:tc>
+                  <a:txBody>
+                    <a:bodyPr/>
+                    <a:lstStyle/>
+                    <a:p>
+                      <a:endParaRPr lang="zh-CN" altLang="en-US"/>
+                    </a:p>
+                  </a:txBody>
+                  <a:tcPr/>
+                </a:tc>
+                <a:extLst>
+                  <a:ext uri="{0D108BD9-81ED-4DB2-BD59-A6C34878D82A}">
+                    <a16:rowId xmlns:a16="http://schemas.microsoft.com/office/drawing/2014/main" val="1742432558"/>
+                  </a:ext>
+                </a:extLst>
+              </a:tr>
+              <a:tr h="356089">
+                <a:tc>
+                  <a:txBody>
+                    <a:bodyPr/>
+                    <a:lstStyle/>
+                    <a:p>
+                      <a:endParaRPr lang="zh-CN" altLang="en-US"/>
+                    </a:p>
+                  </a:txBody>
+                  <a:tcPr/>
+                </a:tc>
+                <a:tc>
+                  <a:txBody>
+                    <a:bodyPr/>
+                    <a:lstStyle/>
+                    <a:p>
+                      <a:endParaRPr lang="zh-CN" altLang="en-US"/>
+                    </a:p>
+                  </a:txBody>
+                  <a:tcPr/>
+                </a:tc>
+                <a:tc>
+                  <a:txBody>
+                    <a:bodyPr/>
+                    <a:lstStyle/>
+                    <a:p>
+                      <a:endParaRPr lang="zh-CN" altLang="en-US" dirty="0"/>
+                    </a:p>
+                  </a:txBody>
+                  <a:tcPr/>
+                </a:tc>
+                <a:tc>
+                  <a:txBody>
+                    <a:bodyPr/>
+                    <a:lstStyle/>
+                    <a:p>
+                      <a:endParaRPr lang="zh-CN" altLang="en-US" dirty="0"/>
+                    </a:p>
+                  </a:txBody>
+                  <a:tcPr/>
+                </a:tc>
+                <a:extLst>
+                  <a:ext uri="{0D108BD9-81ED-4DB2-BD59-A6C34878D82A}">
+                    <a16:rowId xmlns:a16="http://schemas.microsoft.com/office/drawing/2014/main" val="159218908"/>
+                  </a:ext>
+                </a:extLst>
+              </a:tr>
+            </a:tbl>
+          </a:graphicData>
+        </a:graphic>
+      </p:graphicFrame>
+      <p:graphicFrame>
+        <p:nvGraphicFramePr>
+          <p:cNvPr id="6" name="表格 5"/>
+          <p:cNvGraphicFramePr>
+            <a:graphicFrameLocks noGrp="1"/>
+          </p:cNvGraphicFramePr>
+          <p:nvPr>
+            <p:extLst>
+              <p:ext uri="{D42A27DB-BD31-4B8C-83A1-F6EECF244321}">
+                <p14:modId xmlns:p14="http://schemas.microsoft.com/office/powerpoint/2010/main" val="650802839"/>
+              </p:ext>
+            </p:extLst>
+          </p:nvPr>
+        </p:nvGraphicFramePr>
+        <p:xfrm>
+          <a:off x="2947572" y="2342271"/>
+          <a:ext cx="833120" cy="1453369"/>
+        </p:xfrm>
+        <a:graphic>
+          <a:graphicData uri="http://schemas.openxmlformats.org/drawingml/2006/table">
+            <a:tbl>
+              <a:tblPr firstRow="1" bandRow="1">
+                <a:tableStyleId>{5940675A-B579-460E-94D1-54222C63F5DA}</a:tableStyleId>
+              </a:tblPr>
+              <a:tblGrid>
+                <a:gridCol w="208280">
+                  <a:extLst>
+                    <a:ext uri="{9D8B030D-6E8A-4147-A177-3AD203B41FA5}">
+                      <a16:colId xmlns:a16="http://schemas.microsoft.com/office/drawing/2014/main" val="2014264856"/>
+                    </a:ext>
+                  </a:extLst>
+                </a:gridCol>
+                <a:gridCol w="208280">
+                  <a:extLst>
+                    <a:ext uri="{9D8B030D-6E8A-4147-A177-3AD203B41FA5}">
+                      <a16:colId xmlns:a16="http://schemas.microsoft.com/office/drawing/2014/main" val="4100929933"/>
+                    </a:ext>
+                  </a:extLst>
+                </a:gridCol>
+                <a:gridCol w="208280">
+                  <a:extLst>
+                    <a:ext uri="{9D8B030D-6E8A-4147-A177-3AD203B41FA5}">
+                      <a16:colId xmlns:a16="http://schemas.microsoft.com/office/drawing/2014/main" val="2307657411"/>
+                    </a:ext>
+                  </a:extLst>
+                </a:gridCol>
+                <a:gridCol w="208280">
+                  <a:extLst>
+                    <a:ext uri="{9D8B030D-6E8A-4147-A177-3AD203B41FA5}">
+                      <a16:colId xmlns:a16="http://schemas.microsoft.com/office/drawing/2014/main" val="2818336942"/>
+                    </a:ext>
+                  </a:extLst>
+                </a:gridCol>
+              </a:tblGrid>
+              <a:tr h="356089">
+                <a:tc gridSpan="4">
+                  <a:txBody>
+                    <a:bodyPr/>
+                    <a:lstStyle/>
+                    <a:p>
+                      <a:pPr marL="0" marR="0" indent="0" algn="l" defTabSz="914400" rtl="0" eaLnBrk="1" fontAlgn="auto" latinLnBrk="0" hangingPunct="1">
+                        <a:lnSpc>
+                          <a:spcPct val="100000"/>
+                        </a:lnSpc>
+                        <a:spcBef>
+                          <a:spcPts val="0"/>
+                        </a:spcBef>
+                        <a:spcAft>
+                          <a:spcPts val="0"/>
+                        </a:spcAft>
+                        <a:buClrTx/>
+                        <a:buSzTx/>
+                        <a:buFontTx/>
+                        <a:buNone/>
+                        <a:tabLst/>
+                        <a:defRPr/>
+                      </a:pPr>
+                      <a:r>
+                        <a:rPr lang="en-US" altLang="zh-CN" sz="1000" dirty="0" err="1" smtClean="0">
+                          <a:solidFill>
+                            <a:schemeClr val="tx1"/>
+                          </a:solidFill>
+                        </a:rPr>
+                        <a:t>L1</a:t>
+                      </a:r>
+                      <a:r>
+                        <a:rPr lang="zh-CN" altLang="en-US" sz="1000" dirty="0" smtClean="0">
+                          <a:solidFill>
+                            <a:schemeClr val="tx1"/>
+                          </a:solidFill>
+                        </a:rPr>
+                        <a:t>数据缓存</a:t>
+                      </a:r>
+                    </a:p>
+                  </a:txBody>
+                  <a:tcPr>
+                    <a:solidFill>
+                      <a:schemeClr val="bg1">
+                        <a:lumMod val="85000"/>
+                      </a:schemeClr>
+                    </a:solidFill>
+                  </a:tcPr>
+                </a:tc>
+                <a:tc hMerge="1">
+                  <a:txBody>
+                    <a:bodyPr/>
+                    <a:lstStyle/>
+                    <a:p>
+                      <a:endParaRPr lang="zh-CN" altLang="en-US" dirty="0"/>
+                    </a:p>
+                  </a:txBody>
+                  <a:tcPr/>
+                </a:tc>
+                <a:tc hMerge="1">
+                  <a:txBody>
+                    <a:bodyPr/>
+                    <a:lstStyle/>
+                    <a:p>
+                      <a:endParaRPr lang="zh-CN" altLang="en-US" dirty="0"/>
+                    </a:p>
+                  </a:txBody>
+                  <a:tcPr/>
+                </a:tc>
+                <a:tc hMerge="1">
+                  <a:txBody>
+                    <a:bodyPr/>
+                    <a:lstStyle/>
+                    <a:p>
+                      <a:endParaRPr lang="zh-CN" altLang="en-US" dirty="0"/>
+                    </a:p>
+                  </a:txBody>
+                  <a:tcPr/>
+                </a:tc>
+                <a:extLst>
+                  <a:ext uri="{0D108BD9-81ED-4DB2-BD59-A6C34878D82A}">
+                    <a16:rowId xmlns:a16="http://schemas.microsoft.com/office/drawing/2014/main" val="3010152750"/>
+                  </a:ext>
+                </a:extLst>
+              </a:tr>
+              <a:tr h="356089">
+                <a:tc>
+                  <a:txBody>
+                    <a:bodyPr/>
+                    <a:lstStyle/>
+                    <a:p>
+                      <a:endParaRPr lang="zh-CN" altLang="en-US"/>
+                    </a:p>
+                  </a:txBody>
+                  <a:tcPr/>
+                </a:tc>
+                <a:tc>
+                  <a:txBody>
+                    <a:bodyPr/>
+                    <a:lstStyle/>
+                    <a:p>
+                      <a:endParaRPr lang="zh-CN" altLang="en-US"/>
+                    </a:p>
+                  </a:txBody>
+                  <a:tcPr/>
+                </a:tc>
+                <a:tc>
+                  <a:txBody>
+                    <a:bodyPr/>
+                    <a:lstStyle/>
+                    <a:p>
+                      <a:endParaRPr lang="zh-CN" altLang="en-US"/>
+                    </a:p>
+                  </a:txBody>
+                  <a:tcPr/>
+                </a:tc>
+                <a:tc>
+                  <a:txBody>
+                    <a:bodyPr/>
+                    <a:lstStyle/>
+                    <a:p>
+                      <a:endParaRPr lang="zh-CN" altLang="en-US"/>
+                    </a:p>
+                  </a:txBody>
+                  <a:tcPr/>
+                </a:tc>
+                <a:extLst>
+                  <a:ext uri="{0D108BD9-81ED-4DB2-BD59-A6C34878D82A}">
+                    <a16:rowId xmlns:a16="http://schemas.microsoft.com/office/drawing/2014/main" val="1494737855"/>
+                  </a:ext>
+                </a:extLst>
+              </a:tr>
+              <a:tr h="356089">
+                <a:tc>
+                  <a:txBody>
+                    <a:bodyPr/>
+                    <a:lstStyle/>
+                    <a:p>
+                      <a:endParaRPr lang="zh-CN" altLang="en-US"/>
+                    </a:p>
+                  </a:txBody>
+                  <a:tcPr/>
+                </a:tc>
+                <a:tc>
+                  <a:txBody>
+                    <a:bodyPr/>
+                    <a:lstStyle/>
+                    <a:p>
+                      <a:endParaRPr lang="zh-CN" altLang="en-US"/>
+                    </a:p>
+                  </a:txBody>
+                  <a:tcPr/>
+                </a:tc>
+                <a:tc>
+                  <a:txBody>
+                    <a:bodyPr/>
+                    <a:lstStyle/>
+                    <a:p>
+                      <a:endParaRPr lang="zh-CN" altLang="en-US"/>
+                    </a:p>
+                  </a:txBody>
+                  <a:tcPr/>
+                </a:tc>
+                <a:tc>
+                  <a:txBody>
+                    <a:bodyPr/>
+                    <a:lstStyle/>
+                    <a:p>
+                      <a:endParaRPr lang="zh-CN" altLang="en-US"/>
+                    </a:p>
+                  </a:txBody>
+                  <a:tcPr/>
+                </a:tc>
+                <a:extLst>
+                  <a:ext uri="{0D108BD9-81ED-4DB2-BD59-A6C34878D82A}">
+                    <a16:rowId xmlns:a16="http://schemas.microsoft.com/office/drawing/2014/main" val="1742432558"/>
+                  </a:ext>
+                </a:extLst>
+              </a:tr>
+              <a:tr h="356089">
+                <a:tc>
+                  <a:txBody>
+                    <a:bodyPr/>
+                    <a:lstStyle/>
+                    <a:p>
+                      <a:endParaRPr lang="zh-CN" altLang="en-US"/>
+                    </a:p>
+                  </a:txBody>
+                  <a:tcPr/>
+                </a:tc>
+                <a:tc>
+                  <a:txBody>
+                    <a:bodyPr/>
+                    <a:lstStyle/>
+                    <a:p>
+                      <a:endParaRPr lang="zh-CN" altLang="en-US"/>
+                    </a:p>
+                  </a:txBody>
+                  <a:tcPr/>
+                </a:tc>
+                <a:tc>
+                  <a:txBody>
+                    <a:bodyPr/>
+                    <a:lstStyle/>
+                    <a:p>
+                      <a:endParaRPr lang="zh-CN" altLang="en-US" dirty="0"/>
+                    </a:p>
+                  </a:txBody>
+                  <a:tcPr/>
+                </a:tc>
+                <a:tc>
+                  <a:txBody>
+                    <a:bodyPr/>
+                    <a:lstStyle/>
+                    <a:p>
+                      <a:endParaRPr lang="zh-CN" altLang="en-US" dirty="0"/>
+                    </a:p>
+                  </a:txBody>
+                  <a:tcPr/>
+                </a:tc>
+                <a:extLst>
+                  <a:ext uri="{0D108BD9-81ED-4DB2-BD59-A6C34878D82A}">
+                    <a16:rowId xmlns:a16="http://schemas.microsoft.com/office/drawing/2014/main" val="159218908"/>
+                  </a:ext>
+                </a:extLst>
+              </a:tr>
+            </a:tbl>
+          </a:graphicData>
+        </a:graphic>
+      </p:graphicFrame>
+      <p:graphicFrame>
+        <p:nvGraphicFramePr>
+          <p:cNvPr id="7" name="表格 6"/>
+          <p:cNvGraphicFramePr>
+            <a:graphicFrameLocks noGrp="1"/>
+          </p:cNvGraphicFramePr>
+          <p:nvPr>
+            <p:extLst>
+              <p:ext uri="{D42A27DB-BD31-4B8C-83A1-F6EECF244321}">
+                <p14:modId xmlns:p14="http://schemas.microsoft.com/office/powerpoint/2010/main" val="1958508733"/>
+              </p:ext>
+            </p:extLst>
+          </p:nvPr>
+        </p:nvGraphicFramePr>
+        <p:xfrm>
+          <a:off x="2360442" y="4125351"/>
+          <a:ext cx="3957320" cy="1463040"/>
+        </p:xfrm>
+        <a:graphic>
+          <a:graphicData uri="http://schemas.openxmlformats.org/drawingml/2006/table">
+            <a:tbl>
+              <a:tblPr firstRow="1" bandRow="1">
+                <a:tableStyleId>{5940675A-B579-460E-94D1-54222C63F5DA}</a:tableStyleId>
+              </a:tblPr>
+              <a:tblGrid>
+                <a:gridCol w="208280">
+                  <a:extLst>
+                    <a:ext uri="{9D8B030D-6E8A-4147-A177-3AD203B41FA5}">
+                      <a16:colId xmlns:a16="http://schemas.microsoft.com/office/drawing/2014/main" val="2014264856"/>
+                    </a:ext>
+                  </a:extLst>
+                </a:gridCol>
+                <a:gridCol w="208280">
+                  <a:extLst>
+                    <a:ext uri="{9D8B030D-6E8A-4147-A177-3AD203B41FA5}">
+                      <a16:colId xmlns:a16="http://schemas.microsoft.com/office/drawing/2014/main" val="4100929933"/>
+                    </a:ext>
+                  </a:extLst>
+                </a:gridCol>
+                <a:gridCol w="208280">
+                  <a:extLst>
+                    <a:ext uri="{9D8B030D-6E8A-4147-A177-3AD203B41FA5}">
+                      <a16:colId xmlns:a16="http://schemas.microsoft.com/office/drawing/2014/main" val="2307657411"/>
+                    </a:ext>
+                  </a:extLst>
+                </a:gridCol>
+                <a:gridCol w="208280">
+                  <a:extLst>
+                    <a:ext uri="{9D8B030D-6E8A-4147-A177-3AD203B41FA5}">
+                      <a16:colId xmlns:a16="http://schemas.microsoft.com/office/drawing/2014/main" val="2818336942"/>
+                    </a:ext>
+                  </a:extLst>
+                </a:gridCol>
+                <a:gridCol w="208280">
+                  <a:extLst>
+                    <a:ext uri="{9D8B030D-6E8A-4147-A177-3AD203B41FA5}">
+                      <a16:colId xmlns:a16="http://schemas.microsoft.com/office/drawing/2014/main" val="506621327"/>
+                    </a:ext>
+                  </a:extLst>
+                </a:gridCol>
+                <a:gridCol w="208280">
+                  <a:extLst>
+                    <a:ext uri="{9D8B030D-6E8A-4147-A177-3AD203B41FA5}">
+                      <a16:colId xmlns:a16="http://schemas.microsoft.com/office/drawing/2014/main" val="2781618691"/>
+                    </a:ext>
+                  </a:extLst>
+                </a:gridCol>
+                <a:gridCol w="208280">
+                  <a:extLst>
+                    <a:ext uri="{9D8B030D-6E8A-4147-A177-3AD203B41FA5}">
+                      <a16:colId xmlns:a16="http://schemas.microsoft.com/office/drawing/2014/main" val="4105894068"/>
+                    </a:ext>
+                  </a:extLst>
+                </a:gridCol>
+                <a:gridCol w="208280">
+                  <a:extLst>
+                    <a:ext uri="{9D8B030D-6E8A-4147-A177-3AD203B41FA5}">
+                      <a16:colId xmlns:a16="http://schemas.microsoft.com/office/drawing/2014/main" val="2421901286"/>
+                    </a:ext>
+                  </a:extLst>
+                </a:gridCol>
+                <a:gridCol w="208280">
+                  <a:extLst>
+                    <a:ext uri="{9D8B030D-6E8A-4147-A177-3AD203B41FA5}">
+                      <a16:colId xmlns:a16="http://schemas.microsoft.com/office/drawing/2014/main" val="1503165927"/>
+                    </a:ext>
+                  </a:extLst>
+                </a:gridCol>
+                <a:gridCol w="208280">
+                  <a:extLst>
+                    <a:ext uri="{9D8B030D-6E8A-4147-A177-3AD203B41FA5}">
+                      <a16:colId xmlns:a16="http://schemas.microsoft.com/office/drawing/2014/main" val="774378"/>
+                    </a:ext>
+                  </a:extLst>
+                </a:gridCol>
+                <a:gridCol w="208280">
+                  <a:extLst>
+                    <a:ext uri="{9D8B030D-6E8A-4147-A177-3AD203B41FA5}">
+                      <a16:colId xmlns:a16="http://schemas.microsoft.com/office/drawing/2014/main" val="1762837889"/>
+                    </a:ext>
+                  </a:extLst>
+                </a:gridCol>
+                <a:gridCol w="208280">
+                  <a:extLst>
+                    <a:ext uri="{9D8B030D-6E8A-4147-A177-3AD203B41FA5}">
+                      <a16:colId xmlns:a16="http://schemas.microsoft.com/office/drawing/2014/main" val="3330528990"/>
+                    </a:ext>
+                  </a:extLst>
+                </a:gridCol>
+                <a:gridCol w="208280">
+                  <a:extLst>
+                    <a:ext uri="{9D8B030D-6E8A-4147-A177-3AD203B41FA5}">
+                      <a16:colId xmlns:a16="http://schemas.microsoft.com/office/drawing/2014/main" val="3127076101"/>
+                    </a:ext>
+                  </a:extLst>
+                </a:gridCol>
+                <a:gridCol w="208280">
+                  <a:extLst>
+                    <a:ext uri="{9D8B030D-6E8A-4147-A177-3AD203B41FA5}">
+                      <a16:colId xmlns:a16="http://schemas.microsoft.com/office/drawing/2014/main" val="945006174"/>
+                    </a:ext>
+                  </a:extLst>
+                </a:gridCol>
+                <a:gridCol w="208280">
+                  <a:extLst>
+                    <a:ext uri="{9D8B030D-6E8A-4147-A177-3AD203B41FA5}">
+                      <a16:colId xmlns:a16="http://schemas.microsoft.com/office/drawing/2014/main" val="1006686849"/>
+                    </a:ext>
+                  </a:extLst>
+                </a:gridCol>
+                <a:gridCol w="208280">
+                  <a:extLst>
+                    <a:ext uri="{9D8B030D-6E8A-4147-A177-3AD203B41FA5}">
+                      <a16:colId xmlns:a16="http://schemas.microsoft.com/office/drawing/2014/main" val="2074489208"/>
+                    </a:ext>
+                  </a:extLst>
+                </a:gridCol>
+                <a:gridCol w="208280">
+                  <a:extLst>
+                    <a:ext uri="{9D8B030D-6E8A-4147-A177-3AD203B41FA5}">
+                      <a16:colId xmlns:a16="http://schemas.microsoft.com/office/drawing/2014/main" val="1849132412"/>
+                    </a:ext>
+                  </a:extLst>
+                </a:gridCol>
+                <a:gridCol w="208280">
+                  <a:extLst>
+                    <a:ext uri="{9D8B030D-6E8A-4147-A177-3AD203B41FA5}">
+                      <a16:colId xmlns:a16="http://schemas.microsoft.com/office/drawing/2014/main" val="3885449437"/>
+                    </a:ext>
+                  </a:extLst>
+                </a:gridCol>
+                <a:gridCol w="208280">
+                  <a:extLst>
+                    <a:ext uri="{9D8B030D-6E8A-4147-A177-3AD203B41FA5}">
+                      <a16:colId xmlns:a16="http://schemas.microsoft.com/office/drawing/2014/main" val="376555269"/>
+                    </a:ext>
+                  </a:extLst>
+                </a:gridCol>
+              </a:tblGrid>
+              <a:tr h="356089">
+                <a:tc gridSpan="19">
+                  <a:txBody>
+                    <a:bodyPr/>
+                    <a:lstStyle/>
+                    <a:p>
+                      <a:pPr algn="ctr"/>
+                      <a:r>
+                        <a:rPr lang="en-US" altLang="zh-CN" dirty="0" err="1" smtClean="0"/>
+                        <a:t>L2</a:t>
+                      </a:r>
+                      <a:r>
+                        <a:rPr lang="en-US" altLang="zh-CN" dirty="0" smtClean="0"/>
+                        <a:t> </a:t>
+                      </a:r>
+                      <a:r>
+                        <a:rPr lang="zh-CN" altLang="en-US" dirty="0" smtClean="0"/>
+                        <a:t>缓存</a:t>
+                      </a:r>
+                      <a:endParaRPr lang="zh-CN" altLang="en-US" dirty="0"/>
+                    </a:p>
+                  </a:txBody>
+                  <a:tcPr>
+                    <a:solidFill>
+                      <a:schemeClr val="bg1">
+                        <a:lumMod val="85000"/>
+                      </a:schemeClr>
+                    </a:solidFill>
+                  </a:tcPr>
+                </a:tc>
+                <a:tc hMerge="1">
+                  <a:txBody>
+                    <a:bodyPr/>
+                    <a:lstStyle/>
+                    <a:p>
+                      <a:endParaRPr lang="zh-CN" altLang="en-US" dirty="0"/>
+                    </a:p>
+                  </a:txBody>
+                  <a:tcPr/>
+                </a:tc>
+                <a:tc hMerge="1">
+                  <a:txBody>
+                    <a:bodyPr/>
+                    <a:lstStyle/>
+                    <a:p>
+                      <a:endParaRPr lang="zh-CN" altLang="en-US" dirty="0"/>
+                    </a:p>
+                  </a:txBody>
+                  <a:tcPr/>
+                </a:tc>
+                <a:tc hMerge="1">
+                  <a:txBody>
+                    <a:bodyPr/>
+                    <a:lstStyle/>
+                    <a:p>
+                      <a:endParaRPr lang="zh-CN" altLang="en-US" dirty="0"/>
+                    </a:p>
+                  </a:txBody>
+                  <a:tcPr/>
+                </a:tc>
+                <a:tc hMerge="1">
+                  <a:txBody>
+                    <a:bodyPr/>
+                    <a:lstStyle/>
+                    <a:p>
+                      <a:endParaRPr lang="zh-CN" altLang="en-US" dirty="0"/>
+                    </a:p>
+                  </a:txBody>
+                  <a:tcPr/>
+                </a:tc>
+                <a:tc hMerge="1">
+                  <a:txBody>
+                    <a:bodyPr/>
+                    <a:lstStyle/>
+                    <a:p>
+                      <a:endParaRPr lang="zh-CN" altLang="en-US" dirty="0"/>
+                    </a:p>
+                  </a:txBody>
+                  <a:tcPr/>
+                </a:tc>
+                <a:tc hMerge="1">
+                  <a:txBody>
+                    <a:bodyPr/>
+                    <a:lstStyle/>
+                    <a:p>
+                      <a:endParaRPr lang="zh-CN" altLang="en-US" dirty="0"/>
+                    </a:p>
+                  </a:txBody>
+                  <a:tcPr/>
+                </a:tc>
+                <a:tc hMerge="1">
+                  <a:txBody>
+                    <a:bodyPr/>
+                    <a:lstStyle/>
+                    <a:p>
+                      <a:endParaRPr lang="zh-CN" altLang="en-US" dirty="0"/>
+                    </a:p>
+                  </a:txBody>
+                  <a:tcPr/>
+                </a:tc>
+                <a:tc hMerge="1">
+                  <a:txBody>
+                    <a:bodyPr/>
+                    <a:lstStyle/>
+                    <a:p>
+                      <a:endParaRPr lang="zh-CN" altLang="en-US" dirty="0"/>
+                    </a:p>
+                  </a:txBody>
+                  <a:tcPr/>
+                </a:tc>
+                <a:tc hMerge="1">
+                  <a:txBody>
+                    <a:bodyPr/>
+                    <a:lstStyle/>
+                    <a:p>
+                      <a:endParaRPr lang="zh-CN" altLang="en-US" dirty="0"/>
+                    </a:p>
+                  </a:txBody>
+                  <a:tcPr/>
+                </a:tc>
+                <a:tc hMerge="1">
+                  <a:txBody>
+                    <a:bodyPr/>
+                    <a:lstStyle/>
+                    <a:p>
+                      <a:endParaRPr lang="zh-CN" altLang="en-US" dirty="0"/>
+                    </a:p>
+                  </a:txBody>
+                  <a:tcPr/>
+                </a:tc>
+                <a:tc hMerge="1">
+                  <a:txBody>
+                    <a:bodyPr/>
+                    <a:lstStyle/>
+                    <a:p>
+                      <a:endParaRPr lang="zh-CN" altLang="en-US" dirty="0"/>
+                    </a:p>
+                  </a:txBody>
+                  <a:tcPr/>
+                </a:tc>
+                <a:tc hMerge="1">
+                  <a:txBody>
+                    <a:bodyPr/>
+                    <a:lstStyle/>
+                    <a:p>
+                      <a:endParaRPr lang="zh-CN" altLang="en-US" dirty="0"/>
+                    </a:p>
+                  </a:txBody>
+                  <a:tcPr/>
+                </a:tc>
+                <a:tc hMerge="1">
+                  <a:txBody>
+                    <a:bodyPr/>
+                    <a:lstStyle/>
+                    <a:p>
+                      <a:endParaRPr lang="zh-CN" altLang="en-US" dirty="0"/>
+                    </a:p>
+                  </a:txBody>
+                  <a:tcPr/>
+                </a:tc>
+                <a:tc hMerge="1">
+                  <a:txBody>
+                    <a:bodyPr/>
+                    <a:lstStyle/>
+                    <a:p>
+                      <a:endParaRPr lang="zh-CN" altLang="en-US" dirty="0"/>
+                    </a:p>
+                  </a:txBody>
+                  <a:tcPr/>
+                </a:tc>
+                <a:tc hMerge="1">
+                  <a:txBody>
+                    <a:bodyPr/>
+                    <a:lstStyle/>
+                    <a:p>
+                      <a:endParaRPr lang="zh-CN" altLang="en-US" dirty="0"/>
+                    </a:p>
+                  </a:txBody>
+                  <a:tcPr/>
+                </a:tc>
+                <a:tc hMerge="1">
+                  <a:txBody>
+                    <a:bodyPr/>
+                    <a:lstStyle/>
+                    <a:p>
+                      <a:endParaRPr lang="zh-CN" altLang="en-US" dirty="0"/>
+                    </a:p>
+                  </a:txBody>
+                  <a:tcPr/>
+                </a:tc>
+                <a:tc hMerge="1">
+                  <a:txBody>
+                    <a:bodyPr/>
+                    <a:lstStyle/>
+                    <a:p>
+                      <a:endParaRPr lang="zh-CN" altLang="en-US" dirty="0"/>
+                    </a:p>
+                  </a:txBody>
+                  <a:tcPr/>
+                </a:tc>
+                <a:tc hMerge="1">
+                  <a:txBody>
+                    <a:bodyPr/>
+                    <a:lstStyle/>
+                    <a:p>
+                      <a:endParaRPr lang="zh-CN" altLang="en-US" dirty="0"/>
+                    </a:p>
+                  </a:txBody>
+                  <a:tcPr/>
+                </a:tc>
+                <a:extLst>
+                  <a:ext uri="{0D108BD9-81ED-4DB2-BD59-A6C34878D82A}">
+                    <a16:rowId xmlns:a16="http://schemas.microsoft.com/office/drawing/2014/main" val="3010152750"/>
+                  </a:ext>
+                </a:extLst>
+              </a:tr>
+              <a:tr h="356089">
+                <a:tc>
+                  <a:txBody>
+                    <a:bodyPr/>
+                    <a:lstStyle/>
+                    <a:p>
+                      <a:endParaRPr lang="zh-CN" altLang="en-US" dirty="0"/>
+                    </a:p>
+                  </a:txBody>
+                  <a:tcPr/>
+                </a:tc>
+                <a:tc>
+                  <a:txBody>
+                    <a:bodyPr/>
+                    <a:lstStyle/>
+                    <a:p>
+                      <a:endParaRPr lang="zh-CN" altLang="en-US"/>
+                    </a:p>
+                  </a:txBody>
+                  <a:tcPr/>
+                </a:tc>
+                <a:tc>
+                  <a:txBody>
+                    <a:bodyPr/>
+                    <a:lstStyle/>
+                    <a:p>
+                      <a:endParaRPr lang="zh-CN" altLang="en-US"/>
+                    </a:p>
+                  </a:txBody>
+                  <a:tcPr/>
+                </a:tc>
+                <a:tc>
+                  <a:txBody>
+                    <a:bodyPr/>
+                    <a:lstStyle/>
+                    <a:p>
+                      <a:endParaRPr lang="zh-CN" altLang="en-US" dirty="0"/>
+                    </a:p>
+                  </a:txBody>
+                  <a:tcPr/>
+                </a:tc>
+                <a:tc>
+                  <a:txBody>
+                    <a:bodyPr/>
+                    <a:lstStyle/>
+                    <a:p>
+                      <a:endParaRPr lang="zh-CN" altLang="en-US" dirty="0"/>
+                    </a:p>
+                  </a:txBody>
+                  <a:tcPr/>
+                </a:tc>
+                <a:tc>
+                  <a:txBody>
+                    <a:bodyPr/>
+                    <a:lstStyle/>
+                    <a:p>
+                      <a:endParaRPr lang="zh-CN" altLang="en-US" dirty="0"/>
+                    </a:p>
+                  </a:txBody>
+                  <a:tcPr/>
+                </a:tc>
+                <a:tc>
+                  <a:txBody>
+                    <a:bodyPr/>
+                    <a:lstStyle/>
+                    <a:p>
+                      <a:endParaRPr lang="zh-CN" altLang="en-US" dirty="0"/>
+                    </a:p>
+                  </a:txBody>
+                  <a:tcPr/>
+                </a:tc>
+                <a:tc>
+                  <a:txBody>
+                    <a:bodyPr/>
+                    <a:lstStyle/>
+                    <a:p>
+                      <a:endParaRPr lang="zh-CN" altLang="en-US" dirty="0"/>
+                    </a:p>
+                  </a:txBody>
+                  <a:tcPr/>
+                </a:tc>
+                <a:tc>
+                  <a:txBody>
+                    <a:bodyPr/>
+                    <a:lstStyle/>
+                    <a:p>
+                      <a:endParaRPr lang="zh-CN" altLang="en-US" dirty="0"/>
+                    </a:p>
+                  </a:txBody>
+                  <a:tcPr/>
+                </a:tc>
+                <a:tc>
+                  <a:txBody>
+                    <a:bodyPr/>
+                    <a:lstStyle/>
+                    <a:p>
+                      <a:endParaRPr lang="zh-CN" altLang="en-US" dirty="0"/>
+                    </a:p>
+                  </a:txBody>
+                  <a:tcPr/>
+                </a:tc>
+                <a:tc>
+                  <a:txBody>
+                    <a:bodyPr/>
+                    <a:lstStyle/>
+                    <a:p>
+                      <a:endParaRPr lang="zh-CN" altLang="en-US" dirty="0"/>
+                    </a:p>
+                  </a:txBody>
+                  <a:tcPr/>
+                </a:tc>
+                <a:tc>
+                  <a:txBody>
+                    <a:bodyPr/>
+                    <a:lstStyle/>
+                    <a:p>
+                      <a:endParaRPr lang="zh-CN" altLang="en-US" dirty="0"/>
+                    </a:p>
+                  </a:txBody>
+                  <a:tcPr/>
+                </a:tc>
+                <a:tc>
+                  <a:txBody>
+                    <a:bodyPr/>
+                    <a:lstStyle/>
+                    <a:p>
+                      <a:endParaRPr lang="zh-CN" altLang="en-US" dirty="0"/>
+                    </a:p>
+                  </a:txBody>
+                  <a:tcPr/>
+                </a:tc>
+                <a:tc>
+                  <a:txBody>
+                    <a:bodyPr/>
+                    <a:lstStyle/>
+                    <a:p>
+                      <a:endParaRPr lang="zh-CN" altLang="en-US" dirty="0"/>
+                    </a:p>
+                  </a:txBody>
+                  <a:tcPr/>
+                </a:tc>
+                <a:tc>
+                  <a:txBody>
+                    <a:bodyPr/>
+                    <a:lstStyle/>
+                    <a:p>
+                      <a:endParaRPr lang="zh-CN" altLang="en-US" dirty="0"/>
+                    </a:p>
+                  </a:txBody>
+                  <a:tcPr/>
+                </a:tc>
+                <a:tc>
+                  <a:txBody>
+                    <a:bodyPr/>
+                    <a:lstStyle/>
+                    <a:p>
+                      <a:endParaRPr lang="zh-CN" altLang="en-US" dirty="0"/>
+                    </a:p>
+                  </a:txBody>
+                  <a:tcPr/>
+                </a:tc>
+                <a:tc>
+                  <a:txBody>
+                    <a:bodyPr/>
+                    <a:lstStyle/>
+                    <a:p>
+                      <a:endParaRPr lang="zh-CN" altLang="en-US" dirty="0"/>
+                    </a:p>
+                  </a:txBody>
+                  <a:tcPr/>
+                </a:tc>
+                <a:tc>
+                  <a:txBody>
+                    <a:bodyPr/>
+                    <a:lstStyle/>
+                    <a:p>
+                      <a:endParaRPr lang="zh-CN" altLang="en-US" dirty="0"/>
+                    </a:p>
+                  </a:txBody>
+                  <a:tcPr/>
+                </a:tc>
+                <a:tc>
+                  <a:txBody>
+                    <a:bodyPr/>
+                    <a:lstStyle/>
+                    <a:p>
+                      <a:endParaRPr lang="zh-CN" altLang="en-US" dirty="0"/>
+                    </a:p>
+                  </a:txBody>
+                  <a:tcPr/>
+                </a:tc>
+                <a:extLst>
+                  <a:ext uri="{0D108BD9-81ED-4DB2-BD59-A6C34878D82A}">
+                    <a16:rowId xmlns:a16="http://schemas.microsoft.com/office/drawing/2014/main" val="1494737855"/>
+                  </a:ext>
+                </a:extLst>
+              </a:tr>
+              <a:tr h="356089">
+                <a:tc>
+                  <a:txBody>
+                    <a:bodyPr/>
+                    <a:lstStyle/>
+                    <a:p>
+                      <a:endParaRPr lang="zh-CN" altLang="en-US" dirty="0"/>
+                    </a:p>
+                  </a:txBody>
+                  <a:tcPr/>
+                </a:tc>
+                <a:tc>
+                  <a:txBody>
+                    <a:bodyPr/>
+                    <a:lstStyle/>
+                    <a:p>
+                      <a:endParaRPr lang="zh-CN" altLang="en-US" dirty="0"/>
+                    </a:p>
+                  </a:txBody>
+                  <a:tcPr/>
+                </a:tc>
+                <a:tc>
+                  <a:txBody>
+                    <a:bodyPr/>
+                    <a:lstStyle/>
+                    <a:p>
+                      <a:endParaRPr lang="zh-CN" altLang="en-US"/>
+                    </a:p>
+                  </a:txBody>
+                  <a:tcPr/>
+                </a:tc>
+                <a:tc>
+                  <a:txBody>
+                    <a:bodyPr/>
+                    <a:lstStyle/>
+                    <a:p>
+                      <a:endParaRPr lang="zh-CN" altLang="en-US"/>
+                    </a:p>
+                  </a:txBody>
+                  <a:tcPr/>
+                </a:tc>
+                <a:tc>
+                  <a:txBody>
+                    <a:bodyPr/>
+                    <a:lstStyle/>
+                    <a:p>
+                      <a:endParaRPr lang="zh-CN" altLang="en-US"/>
+                    </a:p>
+                  </a:txBody>
+                  <a:tcPr/>
+                </a:tc>
+                <a:tc>
+                  <a:txBody>
+                    <a:bodyPr/>
+                    <a:lstStyle/>
+                    <a:p>
+                      <a:endParaRPr lang="zh-CN" altLang="en-US"/>
+                    </a:p>
+                  </a:txBody>
+                  <a:tcPr/>
+                </a:tc>
+                <a:tc>
+                  <a:txBody>
+                    <a:bodyPr/>
+                    <a:lstStyle/>
+                    <a:p>
+                      <a:endParaRPr lang="zh-CN" altLang="en-US"/>
+                    </a:p>
+                  </a:txBody>
+                  <a:tcPr/>
+                </a:tc>
+                <a:tc>
+                  <a:txBody>
+                    <a:bodyPr/>
+                    <a:lstStyle/>
+                    <a:p>
+                      <a:endParaRPr lang="zh-CN" altLang="en-US"/>
+                    </a:p>
+                  </a:txBody>
+                  <a:tcPr/>
+                </a:tc>
+                <a:tc>
+                  <a:txBody>
+                    <a:bodyPr/>
+                    <a:lstStyle/>
+                    <a:p>
+                      <a:endParaRPr lang="zh-CN" altLang="en-US"/>
+                    </a:p>
+                  </a:txBody>
+                  <a:tcPr/>
+                </a:tc>
+                <a:tc>
+                  <a:txBody>
+                    <a:bodyPr/>
+                    <a:lstStyle/>
+                    <a:p>
+                      <a:endParaRPr lang="zh-CN" altLang="en-US"/>
+                    </a:p>
+                  </a:txBody>
+                  <a:tcPr/>
+                </a:tc>
+                <a:tc>
+                  <a:txBody>
+                    <a:bodyPr/>
+                    <a:lstStyle/>
+                    <a:p>
+                      <a:endParaRPr lang="zh-CN" altLang="en-US"/>
+                    </a:p>
+                  </a:txBody>
+                  <a:tcPr/>
+                </a:tc>
+                <a:tc>
+                  <a:txBody>
+                    <a:bodyPr/>
+                    <a:lstStyle/>
+                    <a:p>
+                      <a:endParaRPr lang="zh-CN" altLang="en-US" dirty="0"/>
+                    </a:p>
+                  </a:txBody>
+                  <a:tcPr/>
+                </a:tc>
+                <a:tc>
+                  <a:txBody>
+                    <a:bodyPr/>
+                    <a:lstStyle/>
+                    <a:p>
+                      <a:endParaRPr lang="zh-CN" altLang="en-US" dirty="0"/>
+                    </a:p>
+                  </a:txBody>
+                  <a:tcPr/>
+                </a:tc>
+                <a:tc>
+                  <a:txBody>
+                    <a:bodyPr/>
+                    <a:lstStyle/>
+                    <a:p>
+                      <a:endParaRPr lang="zh-CN" altLang="en-US" dirty="0"/>
+                    </a:p>
+                  </a:txBody>
+                  <a:tcPr/>
+                </a:tc>
+                <a:tc>
+                  <a:txBody>
+                    <a:bodyPr/>
+                    <a:lstStyle/>
+                    <a:p>
+                      <a:endParaRPr lang="zh-CN" altLang="en-US" dirty="0"/>
+                    </a:p>
+                  </a:txBody>
+                  <a:tcPr/>
+                </a:tc>
+                <a:tc>
+                  <a:txBody>
+                    <a:bodyPr/>
+                    <a:lstStyle/>
+                    <a:p>
+                      <a:endParaRPr lang="zh-CN" altLang="en-US" dirty="0"/>
+                    </a:p>
+                  </a:txBody>
+                  <a:tcPr/>
+                </a:tc>
+                <a:tc>
+                  <a:txBody>
+                    <a:bodyPr/>
+                    <a:lstStyle/>
+                    <a:p>
+                      <a:endParaRPr lang="zh-CN" altLang="en-US" dirty="0"/>
+                    </a:p>
+                  </a:txBody>
+                  <a:tcPr/>
+                </a:tc>
+                <a:tc>
+                  <a:txBody>
+                    <a:bodyPr/>
+                    <a:lstStyle/>
+                    <a:p>
+                      <a:endParaRPr lang="zh-CN" altLang="en-US" dirty="0"/>
+                    </a:p>
+                  </a:txBody>
+                  <a:tcPr/>
+                </a:tc>
+                <a:tc>
+                  <a:txBody>
+                    <a:bodyPr/>
+                    <a:lstStyle/>
+                    <a:p>
+                      <a:endParaRPr lang="zh-CN" altLang="en-US" dirty="0"/>
+                    </a:p>
+                  </a:txBody>
+                  <a:tcPr/>
+                </a:tc>
+                <a:extLst>
+                  <a:ext uri="{0D108BD9-81ED-4DB2-BD59-A6C34878D82A}">
+                    <a16:rowId xmlns:a16="http://schemas.microsoft.com/office/drawing/2014/main" val="1742432558"/>
+                  </a:ext>
+                </a:extLst>
+              </a:tr>
+              <a:tr h="356089">
+                <a:tc>
+                  <a:txBody>
+                    <a:bodyPr/>
+                    <a:lstStyle/>
+                    <a:p>
+                      <a:endParaRPr lang="zh-CN" altLang="en-US"/>
+                    </a:p>
+                  </a:txBody>
+                  <a:tcPr/>
+                </a:tc>
+                <a:tc>
+                  <a:txBody>
+                    <a:bodyPr/>
+                    <a:lstStyle/>
+                    <a:p>
+                      <a:endParaRPr lang="zh-CN" altLang="en-US"/>
+                    </a:p>
+                  </a:txBody>
+                  <a:tcPr/>
+                </a:tc>
+                <a:tc>
+                  <a:txBody>
+                    <a:bodyPr/>
+                    <a:lstStyle/>
+                    <a:p>
+                      <a:endParaRPr lang="zh-CN" altLang="en-US" dirty="0"/>
+                    </a:p>
+                  </a:txBody>
+                  <a:tcPr/>
+                </a:tc>
+                <a:tc>
+                  <a:txBody>
+                    <a:bodyPr/>
+                    <a:lstStyle/>
+                    <a:p>
+                      <a:endParaRPr lang="zh-CN" altLang="en-US" dirty="0"/>
+                    </a:p>
+                  </a:txBody>
+                  <a:tcPr/>
+                </a:tc>
+                <a:tc>
+                  <a:txBody>
+                    <a:bodyPr/>
+                    <a:lstStyle/>
+                    <a:p>
+                      <a:endParaRPr lang="zh-CN" altLang="en-US" dirty="0"/>
+                    </a:p>
+                  </a:txBody>
+                  <a:tcPr/>
+                </a:tc>
+                <a:tc>
+                  <a:txBody>
+                    <a:bodyPr/>
+                    <a:lstStyle/>
+                    <a:p>
+                      <a:endParaRPr lang="zh-CN" altLang="en-US" dirty="0"/>
+                    </a:p>
+                  </a:txBody>
+                  <a:tcPr/>
+                </a:tc>
+                <a:tc>
+                  <a:txBody>
+                    <a:bodyPr/>
+                    <a:lstStyle/>
+                    <a:p>
+                      <a:endParaRPr lang="zh-CN" altLang="en-US" dirty="0"/>
+                    </a:p>
+                  </a:txBody>
+                  <a:tcPr/>
+                </a:tc>
+                <a:tc>
+                  <a:txBody>
+                    <a:bodyPr/>
+                    <a:lstStyle/>
+                    <a:p>
+                      <a:endParaRPr lang="zh-CN" altLang="en-US" dirty="0"/>
+                    </a:p>
+                  </a:txBody>
+                  <a:tcPr/>
+                </a:tc>
+                <a:tc>
+                  <a:txBody>
+                    <a:bodyPr/>
+                    <a:lstStyle/>
+                    <a:p>
+                      <a:endParaRPr lang="zh-CN" altLang="en-US" dirty="0"/>
+                    </a:p>
+                  </a:txBody>
+                  <a:tcPr/>
+                </a:tc>
+                <a:tc>
+                  <a:txBody>
+                    <a:bodyPr/>
+                    <a:lstStyle/>
+                    <a:p>
+                      <a:endParaRPr lang="zh-CN" altLang="en-US" dirty="0"/>
+                    </a:p>
+                  </a:txBody>
+                  <a:tcPr/>
+                </a:tc>
+                <a:tc>
+                  <a:txBody>
+                    <a:bodyPr/>
+                    <a:lstStyle/>
+                    <a:p>
+                      <a:endParaRPr lang="zh-CN" altLang="en-US" dirty="0"/>
+                    </a:p>
+                  </a:txBody>
+                  <a:tcPr/>
+                </a:tc>
+                <a:tc>
+                  <a:txBody>
+                    <a:bodyPr/>
+                    <a:lstStyle/>
+                    <a:p>
+                      <a:endParaRPr lang="zh-CN" altLang="en-US" dirty="0"/>
+                    </a:p>
+                  </a:txBody>
+                  <a:tcPr/>
+                </a:tc>
+                <a:tc>
+                  <a:txBody>
+                    <a:bodyPr/>
+                    <a:lstStyle/>
+                    <a:p>
+                      <a:endParaRPr lang="zh-CN" altLang="en-US" dirty="0"/>
+                    </a:p>
+                  </a:txBody>
+                  <a:tcPr/>
+                </a:tc>
+                <a:tc>
+                  <a:txBody>
+                    <a:bodyPr/>
+                    <a:lstStyle/>
+                    <a:p>
+                      <a:endParaRPr lang="zh-CN" altLang="en-US" dirty="0"/>
+                    </a:p>
+                  </a:txBody>
+                  <a:tcPr/>
+                </a:tc>
+                <a:tc>
+                  <a:txBody>
+                    <a:bodyPr/>
+                    <a:lstStyle/>
+                    <a:p>
+                      <a:endParaRPr lang="zh-CN" altLang="en-US" dirty="0"/>
+                    </a:p>
+                  </a:txBody>
+                  <a:tcPr/>
+                </a:tc>
+                <a:tc>
+                  <a:txBody>
+                    <a:bodyPr/>
+                    <a:lstStyle/>
+                    <a:p>
+                      <a:endParaRPr lang="zh-CN" altLang="en-US" dirty="0"/>
+                    </a:p>
+                  </a:txBody>
+                  <a:tcPr/>
+                </a:tc>
+                <a:tc>
+                  <a:txBody>
+                    <a:bodyPr/>
+                    <a:lstStyle/>
+                    <a:p>
+                      <a:endParaRPr lang="zh-CN" altLang="en-US" dirty="0"/>
+                    </a:p>
+                  </a:txBody>
+                  <a:tcPr/>
+                </a:tc>
+                <a:tc>
+                  <a:txBody>
+                    <a:bodyPr/>
+                    <a:lstStyle/>
+                    <a:p>
+                      <a:endParaRPr lang="zh-CN" altLang="en-US" dirty="0"/>
+                    </a:p>
+                  </a:txBody>
+                  <a:tcPr/>
+                </a:tc>
+                <a:tc>
+                  <a:txBody>
+                    <a:bodyPr/>
+                    <a:lstStyle/>
+                    <a:p>
+                      <a:endParaRPr lang="zh-CN" altLang="en-US" dirty="0"/>
+                    </a:p>
+                  </a:txBody>
+                  <a:tcPr/>
+                </a:tc>
+                <a:extLst>
+                  <a:ext uri="{0D108BD9-81ED-4DB2-BD59-A6C34878D82A}">
+                    <a16:rowId xmlns:a16="http://schemas.microsoft.com/office/drawing/2014/main" val="159218908"/>
+                  </a:ext>
+                </a:extLst>
+              </a:tr>
+            </a:tbl>
+          </a:graphicData>
+        </a:graphic>
+      </p:graphicFrame>
+      <p:sp>
+        <p:nvSpPr>
+          <p:cNvPr id="9" name="矩形 8"/>
+          <p:cNvSpPr/>
+          <p:nvPr/>
+        </p:nvSpPr>
+        <p:spPr>
+          <a:xfrm>
+            <a:off x="4698023" y="1767254"/>
+            <a:ext cx="1846384" cy="254977"/>
+          </a:xfrm>
+          <a:prstGeom prst="rect">
+            <a:avLst/>
+          </a:prstGeom>
+        </p:spPr>
+        <p:style>
+          <a:lnRef idx="1">
+            <a:schemeClr val="accent3"/>
+          </a:lnRef>
+          <a:fillRef idx="2">
+            <a:schemeClr val="accent3"/>
+          </a:fillRef>
+          <a:effectRef idx="1">
+            <a:schemeClr val="accent3"/>
+          </a:effectRef>
+          <a:fontRef idx="minor">
+            <a:schemeClr val="dk1"/>
+          </a:fontRef>
+        </p:style>
+        <p:txBody>
+          <a:bodyPr rtlCol="0" anchor="ctr"/>
+          <a:lstStyle/>
+          <a:p>
+            <a:pPr algn="ctr"/>
+            <a:r>
+              <a:rPr lang="zh-CN" altLang="en-US" dirty="0"/>
+              <a:t>核</a:t>
+            </a:r>
+            <a:r>
+              <a:rPr lang="en-US" altLang="zh-CN" dirty="0" smtClean="0"/>
+              <a:t> 1</a:t>
+            </a:r>
+            <a:endParaRPr lang="zh-CN" altLang="en-US" dirty="0"/>
+          </a:p>
+        </p:txBody>
+      </p:sp>
+      <p:graphicFrame>
+        <p:nvGraphicFramePr>
+          <p:cNvPr id="10" name="表格 9"/>
+          <p:cNvGraphicFramePr>
+            <a:graphicFrameLocks noGrp="1"/>
+          </p:cNvGraphicFramePr>
+          <p:nvPr>
+            <p:extLst>
+              <p:ext uri="{D42A27DB-BD31-4B8C-83A1-F6EECF244321}">
+                <p14:modId xmlns:p14="http://schemas.microsoft.com/office/powerpoint/2010/main" val="313584578"/>
+              </p:ext>
+            </p:extLst>
+          </p:nvPr>
+        </p:nvGraphicFramePr>
+        <p:xfrm>
+          <a:off x="4698023" y="2338754"/>
+          <a:ext cx="833120" cy="1453369"/>
+        </p:xfrm>
+        <a:graphic>
+          <a:graphicData uri="http://schemas.openxmlformats.org/drawingml/2006/table">
+            <a:tbl>
+              <a:tblPr firstRow="1" bandRow="1">
+                <a:tableStyleId>{5940675A-B579-460E-94D1-54222C63F5DA}</a:tableStyleId>
+              </a:tblPr>
+              <a:tblGrid>
+                <a:gridCol w="208280">
+                  <a:extLst>
+                    <a:ext uri="{9D8B030D-6E8A-4147-A177-3AD203B41FA5}">
+                      <a16:colId xmlns:a16="http://schemas.microsoft.com/office/drawing/2014/main" val="2014264856"/>
+                    </a:ext>
+                  </a:extLst>
+                </a:gridCol>
+                <a:gridCol w="208280">
+                  <a:extLst>
+                    <a:ext uri="{9D8B030D-6E8A-4147-A177-3AD203B41FA5}">
+                      <a16:colId xmlns:a16="http://schemas.microsoft.com/office/drawing/2014/main" val="4100929933"/>
+                    </a:ext>
+                  </a:extLst>
+                </a:gridCol>
+                <a:gridCol w="208280">
+                  <a:extLst>
+                    <a:ext uri="{9D8B030D-6E8A-4147-A177-3AD203B41FA5}">
+                      <a16:colId xmlns:a16="http://schemas.microsoft.com/office/drawing/2014/main" val="2307657411"/>
+                    </a:ext>
+                  </a:extLst>
+                </a:gridCol>
+                <a:gridCol w="208280">
+                  <a:extLst>
+                    <a:ext uri="{9D8B030D-6E8A-4147-A177-3AD203B41FA5}">
+                      <a16:colId xmlns:a16="http://schemas.microsoft.com/office/drawing/2014/main" val="2818336942"/>
+                    </a:ext>
+                  </a:extLst>
+                </a:gridCol>
+              </a:tblGrid>
+              <a:tr h="356089">
+                <a:tc gridSpan="4">
+                  <a:txBody>
+                    <a:bodyPr/>
+                    <a:lstStyle/>
+                    <a:p>
+                      <a:pPr marL="0" marR="0" indent="0" algn="l" defTabSz="914400" rtl="0" eaLnBrk="1" fontAlgn="auto" latinLnBrk="0" hangingPunct="1">
+                        <a:lnSpc>
+                          <a:spcPct val="100000"/>
+                        </a:lnSpc>
+                        <a:spcBef>
+                          <a:spcPts val="0"/>
+                        </a:spcBef>
+                        <a:spcAft>
+                          <a:spcPts val="0"/>
+                        </a:spcAft>
+                        <a:buClrTx/>
+                        <a:buSzTx/>
+                        <a:buFontTx/>
+                        <a:buNone/>
+                        <a:tabLst/>
+                        <a:defRPr/>
+                      </a:pPr>
+                      <a:r>
+                        <a:rPr lang="en-US" altLang="zh-CN" sz="1000" dirty="0" err="1" smtClean="0">
+                          <a:solidFill>
+                            <a:schemeClr val="tx1"/>
+                          </a:solidFill>
+                        </a:rPr>
+                        <a:t>L1</a:t>
+                      </a:r>
+                      <a:r>
+                        <a:rPr lang="zh-CN" altLang="en-US" sz="1000" dirty="0" smtClean="0">
+                          <a:solidFill>
+                            <a:schemeClr val="tx1"/>
+                          </a:solidFill>
+                        </a:rPr>
+                        <a:t>指令缓存</a:t>
+                      </a:r>
+                    </a:p>
+                  </a:txBody>
+                  <a:tcPr>
+                    <a:solidFill>
+                      <a:schemeClr val="bg1">
+                        <a:lumMod val="85000"/>
+                      </a:schemeClr>
+                    </a:solidFill>
+                  </a:tcPr>
+                </a:tc>
+                <a:tc hMerge="1">
+                  <a:txBody>
+                    <a:bodyPr/>
+                    <a:lstStyle/>
+                    <a:p>
+                      <a:endParaRPr lang="zh-CN" altLang="en-US" dirty="0"/>
+                    </a:p>
+                  </a:txBody>
+                  <a:tcPr/>
+                </a:tc>
+                <a:tc hMerge="1">
+                  <a:txBody>
+                    <a:bodyPr/>
+                    <a:lstStyle/>
+                    <a:p>
+                      <a:endParaRPr lang="zh-CN" altLang="en-US" dirty="0"/>
+                    </a:p>
+                  </a:txBody>
+                  <a:tcPr/>
+                </a:tc>
+                <a:tc hMerge="1">
+                  <a:txBody>
+                    <a:bodyPr/>
+                    <a:lstStyle/>
+                    <a:p>
+                      <a:endParaRPr lang="zh-CN" altLang="en-US" dirty="0"/>
+                    </a:p>
+                  </a:txBody>
+                  <a:tcPr/>
+                </a:tc>
+                <a:extLst>
+                  <a:ext uri="{0D108BD9-81ED-4DB2-BD59-A6C34878D82A}">
+                    <a16:rowId xmlns:a16="http://schemas.microsoft.com/office/drawing/2014/main" val="3010152750"/>
+                  </a:ext>
+                </a:extLst>
+              </a:tr>
+              <a:tr h="356089">
+                <a:tc>
+                  <a:txBody>
+                    <a:bodyPr/>
+                    <a:lstStyle/>
+                    <a:p>
+                      <a:endParaRPr lang="zh-CN" altLang="en-US"/>
+                    </a:p>
+                  </a:txBody>
+                  <a:tcPr/>
+                </a:tc>
+                <a:tc>
+                  <a:txBody>
+                    <a:bodyPr/>
+                    <a:lstStyle/>
+                    <a:p>
+                      <a:endParaRPr lang="zh-CN" altLang="en-US"/>
+                    </a:p>
+                  </a:txBody>
+                  <a:tcPr/>
+                </a:tc>
+                <a:tc>
+                  <a:txBody>
+                    <a:bodyPr/>
+                    <a:lstStyle/>
+                    <a:p>
+                      <a:endParaRPr lang="zh-CN" altLang="en-US"/>
+                    </a:p>
+                  </a:txBody>
+                  <a:tcPr/>
+                </a:tc>
+                <a:tc>
+                  <a:txBody>
+                    <a:bodyPr/>
+                    <a:lstStyle/>
+                    <a:p>
+                      <a:endParaRPr lang="zh-CN" altLang="en-US"/>
+                    </a:p>
+                  </a:txBody>
+                  <a:tcPr/>
+                </a:tc>
+                <a:extLst>
+                  <a:ext uri="{0D108BD9-81ED-4DB2-BD59-A6C34878D82A}">
+                    <a16:rowId xmlns:a16="http://schemas.microsoft.com/office/drawing/2014/main" val="1494737855"/>
+                  </a:ext>
+                </a:extLst>
+              </a:tr>
+              <a:tr h="356089">
+                <a:tc>
+                  <a:txBody>
+                    <a:bodyPr/>
+                    <a:lstStyle/>
+                    <a:p>
+                      <a:endParaRPr lang="zh-CN" altLang="en-US"/>
+                    </a:p>
+                  </a:txBody>
+                  <a:tcPr/>
+                </a:tc>
+                <a:tc>
+                  <a:txBody>
+                    <a:bodyPr/>
+                    <a:lstStyle/>
+                    <a:p>
+                      <a:endParaRPr lang="zh-CN" altLang="en-US"/>
+                    </a:p>
+                  </a:txBody>
+                  <a:tcPr/>
+                </a:tc>
+                <a:tc>
+                  <a:txBody>
+                    <a:bodyPr/>
+                    <a:lstStyle/>
+                    <a:p>
+                      <a:endParaRPr lang="zh-CN" altLang="en-US"/>
+                    </a:p>
+                  </a:txBody>
+                  <a:tcPr/>
+                </a:tc>
+                <a:tc>
+                  <a:txBody>
+                    <a:bodyPr/>
+                    <a:lstStyle/>
+                    <a:p>
+                      <a:endParaRPr lang="zh-CN" altLang="en-US"/>
+                    </a:p>
+                  </a:txBody>
+                  <a:tcPr/>
+                </a:tc>
+                <a:extLst>
+                  <a:ext uri="{0D108BD9-81ED-4DB2-BD59-A6C34878D82A}">
+                    <a16:rowId xmlns:a16="http://schemas.microsoft.com/office/drawing/2014/main" val="1742432558"/>
+                  </a:ext>
+                </a:extLst>
+              </a:tr>
+              <a:tr h="356089">
+                <a:tc>
+                  <a:txBody>
+                    <a:bodyPr/>
+                    <a:lstStyle/>
+                    <a:p>
+                      <a:endParaRPr lang="zh-CN" altLang="en-US"/>
+                    </a:p>
+                  </a:txBody>
+                  <a:tcPr/>
+                </a:tc>
+                <a:tc>
+                  <a:txBody>
+                    <a:bodyPr/>
+                    <a:lstStyle/>
+                    <a:p>
+                      <a:endParaRPr lang="zh-CN" altLang="en-US"/>
+                    </a:p>
+                  </a:txBody>
+                  <a:tcPr/>
+                </a:tc>
+                <a:tc>
+                  <a:txBody>
+                    <a:bodyPr/>
+                    <a:lstStyle/>
+                    <a:p>
+                      <a:endParaRPr lang="zh-CN" altLang="en-US" dirty="0"/>
+                    </a:p>
+                  </a:txBody>
+                  <a:tcPr/>
+                </a:tc>
+                <a:tc>
+                  <a:txBody>
+                    <a:bodyPr/>
+                    <a:lstStyle/>
+                    <a:p>
+                      <a:endParaRPr lang="zh-CN" altLang="en-US" dirty="0"/>
+                    </a:p>
+                  </a:txBody>
+                  <a:tcPr/>
+                </a:tc>
+                <a:extLst>
+                  <a:ext uri="{0D108BD9-81ED-4DB2-BD59-A6C34878D82A}">
+                    <a16:rowId xmlns:a16="http://schemas.microsoft.com/office/drawing/2014/main" val="159218908"/>
+                  </a:ext>
+                </a:extLst>
+              </a:tr>
+            </a:tbl>
+          </a:graphicData>
+        </a:graphic>
+      </p:graphicFrame>
+      <p:graphicFrame>
+        <p:nvGraphicFramePr>
+          <p:cNvPr id="11" name="表格 10"/>
+          <p:cNvGraphicFramePr>
+            <a:graphicFrameLocks noGrp="1"/>
+          </p:cNvGraphicFramePr>
+          <p:nvPr>
+            <p:extLst>
+              <p:ext uri="{D42A27DB-BD31-4B8C-83A1-F6EECF244321}">
+                <p14:modId xmlns:p14="http://schemas.microsoft.com/office/powerpoint/2010/main" val="4144510569"/>
+              </p:ext>
+            </p:extLst>
+          </p:nvPr>
+        </p:nvGraphicFramePr>
+        <p:xfrm>
+          <a:off x="5711287" y="2342271"/>
+          <a:ext cx="833120" cy="1453369"/>
+        </p:xfrm>
+        <a:graphic>
+          <a:graphicData uri="http://schemas.openxmlformats.org/drawingml/2006/table">
+            <a:tbl>
+              <a:tblPr firstRow="1" bandRow="1">
+                <a:tableStyleId>{5940675A-B579-460E-94D1-54222C63F5DA}</a:tableStyleId>
+              </a:tblPr>
+              <a:tblGrid>
+                <a:gridCol w="208280">
+                  <a:extLst>
+                    <a:ext uri="{9D8B030D-6E8A-4147-A177-3AD203B41FA5}">
+                      <a16:colId xmlns:a16="http://schemas.microsoft.com/office/drawing/2014/main" val="2014264856"/>
+                    </a:ext>
+                  </a:extLst>
+                </a:gridCol>
+                <a:gridCol w="208280">
+                  <a:extLst>
+                    <a:ext uri="{9D8B030D-6E8A-4147-A177-3AD203B41FA5}">
+                      <a16:colId xmlns:a16="http://schemas.microsoft.com/office/drawing/2014/main" val="4100929933"/>
+                    </a:ext>
+                  </a:extLst>
+                </a:gridCol>
+                <a:gridCol w="208280">
+                  <a:extLst>
+                    <a:ext uri="{9D8B030D-6E8A-4147-A177-3AD203B41FA5}">
+                      <a16:colId xmlns:a16="http://schemas.microsoft.com/office/drawing/2014/main" val="2307657411"/>
+                    </a:ext>
+                  </a:extLst>
+                </a:gridCol>
+                <a:gridCol w="208280">
+                  <a:extLst>
+                    <a:ext uri="{9D8B030D-6E8A-4147-A177-3AD203B41FA5}">
+                      <a16:colId xmlns:a16="http://schemas.microsoft.com/office/drawing/2014/main" val="2818336942"/>
+                    </a:ext>
+                  </a:extLst>
+                </a:gridCol>
+              </a:tblGrid>
+              <a:tr h="356089">
+                <a:tc gridSpan="4">
+                  <a:txBody>
+                    <a:bodyPr/>
+                    <a:lstStyle/>
+                    <a:p>
+                      <a:pPr marL="0" marR="0" indent="0" algn="l" defTabSz="914400" rtl="0" eaLnBrk="1" fontAlgn="auto" latinLnBrk="0" hangingPunct="1">
+                        <a:lnSpc>
+                          <a:spcPct val="100000"/>
+                        </a:lnSpc>
+                        <a:spcBef>
+                          <a:spcPts val="0"/>
+                        </a:spcBef>
+                        <a:spcAft>
+                          <a:spcPts val="0"/>
+                        </a:spcAft>
+                        <a:buClrTx/>
+                        <a:buSzTx/>
+                        <a:buFontTx/>
+                        <a:buNone/>
+                        <a:tabLst/>
+                        <a:defRPr/>
+                      </a:pPr>
+                      <a:r>
+                        <a:rPr lang="en-US" altLang="zh-CN" sz="1000" dirty="0" err="1" smtClean="0">
+                          <a:solidFill>
+                            <a:schemeClr val="tx1"/>
+                          </a:solidFill>
+                        </a:rPr>
+                        <a:t>L1</a:t>
+                      </a:r>
+                      <a:r>
+                        <a:rPr lang="zh-CN" altLang="en-US" sz="1000" dirty="0" smtClean="0">
+                          <a:solidFill>
+                            <a:schemeClr val="tx1"/>
+                          </a:solidFill>
+                        </a:rPr>
+                        <a:t>数据缓存</a:t>
+                      </a:r>
+                    </a:p>
+                  </a:txBody>
+                  <a:tcPr>
+                    <a:solidFill>
+                      <a:schemeClr val="bg1">
+                        <a:lumMod val="85000"/>
+                      </a:schemeClr>
+                    </a:solidFill>
+                  </a:tcPr>
+                </a:tc>
+                <a:tc hMerge="1">
+                  <a:txBody>
+                    <a:bodyPr/>
+                    <a:lstStyle/>
+                    <a:p>
+                      <a:endParaRPr lang="zh-CN" altLang="en-US" dirty="0"/>
+                    </a:p>
+                  </a:txBody>
+                  <a:tcPr/>
+                </a:tc>
+                <a:tc hMerge="1">
+                  <a:txBody>
+                    <a:bodyPr/>
+                    <a:lstStyle/>
+                    <a:p>
+                      <a:endParaRPr lang="zh-CN" altLang="en-US" dirty="0"/>
+                    </a:p>
+                  </a:txBody>
+                  <a:tcPr/>
+                </a:tc>
+                <a:tc hMerge="1">
+                  <a:txBody>
+                    <a:bodyPr/>
+                    <a:lstStyle/>
+                    <a:p>
+                      <a:endParaRPr lang="zh-CN" altLang="en-US" dirty="0"/>
+                    </a:p>
+                  </a:txBody>
+                  <a:tcPr/>
+                </a:tc>
+                <a:extLst>
+                  <a:ext uri="{0D108BD9-81ED-4DB2-BD59-A6C34878D82A}">
+                    <a16:rowId xmlns:a16="http://schemas.microsoft.com/office/drawing/2014/main" val="3010152750"/>
+                  </a:ext>
+                </a:extLst>
+              </a:tr>
+              <a:tr h="356089">
+                <a:tc>
+                  <a:txBody>
+                    <a:bodyPr/>
+                    <a:lstStyle/>
+                    <a:p>
+                      <a:endParaRPr lang="zh-CN" altLang="en-US"/>
+                    </a:p>
+                  </a:txBody>
+                  <a:tcPr/>
+                </a:tc>
+                <a:tc>
+                  <a:txBody>
+                    <a:bodyPr/>
+                    <a:lstStyle/>
+                    <a:p>
+                      <a:endParaRPr lang="zh-CN" altLang="en-US"/>
+                    </a:p>
+                  </a:txBody>
+                  <a:tcPr/>
+                </a:tc>
+                <a:tc>
+                  <a:txBody>
+                    <a:bodyPr/>
+                    <a:lstStyle/>
+                    <a:p>
+                      <a:endParaRPr lang="zh-CN" altLang="en-US"/>
+                    </a:p>
+                  </a:txBody>
+                  <a:tcPr/>
+                </a:tc>
+                <a:tc>
+                  <a:txBody>
+                    <a:bodyPr/>
+                    <a:lstStyle/>
+                    <a:p>
+                      <a:endParaRPr lang="zh-CN" altLang="en-US"/>
+                    </a:p>
+                  </a:txBody>
+                  <a:tcPr/>
+                </a:tc>
+                <a:extLst>
+                  <a:ext uri="{0D108BD9-81ED-4DB2-BD59-A6C34878D82A}">
+                    <a16:rowId xmlns:a16="http://schemas.microsoft.com/office/drawing/2014/main" val="1494737855"/>
+                  </a:ext>
+                </a:extLst>
+              </a:tr>
+              <a:tr h="356089">
+                <a:tc>
+                  <a:txBody>
+                    <a:bodyPr/>
+                    <a:lstStyle/>
+                    <a:p>
+                      <a:endParaRPr lang="zh-CN" altLang="en-US"/>
+                    </a:p>
+                  </a:txBody>
+                  <a:tcPr/>
+                </a:tc>
+                <a:tc>
+                  <a:txBody>
+                    <a:bodyPr/>
+                    <a:lstStyle/>
+                    <a:p>
+                      <a:endParaRPr lang="zh-CN" altLang="en-US"/>
+                    </a:p>
+                  </a:txBody>
+                  <a:tcPr/>
+                </a:tc>
+                <a:tc>
+                  <a:txBody>
+                    <a:bodyPr/>
+                    <a:lstStyle/>
+                    <a:p>
+                      <a:endParaRPr lang="zh-CN" altLang="en-US"/>
+                    </a:p>
+                  </a:txBody>
+                  <a:tcPr/>
+                </a:tc>
+                <a:tc>
+                  <a:txBody>
+                    <a:bodyPr/>
+                    <a:lstStyle/>
+                    <a:p>
+                      <a:endParaRPr lang="zh-CN" altLang="en-US"/>
+                    </a:p>
+                  </a:txBody>
+                  <a:tcPr/>
+                </a:tc>
+                <a:extLst>
+                  <a:ext uri="{0D108BD9-81ED-4DB2-BD59-A6C34878D82A}">
+                    <a16:rowId xmlns:a16="http://schemas.microsoft.com/office/drawing/2014/main" val="1742432558"/>
+                  </a:ext>
+                </a:extLst>
+              </a:tr>
+              <a:tr h="356089">
+                <a:tc>
+                  <a:txBody>
+                    <a:bodyPr/>
+                    <a:lstStyle/>
+                    <a:p>
+                      <a:endParaRPr lang="zh-CN" altLang="en-US"/>
+                    </a:p>
+                  </a:txBody>
+                  <a:tcPr/>
+                </a:tc>
+                <a:tc>
+                  <a:txBody>
+                    <a:bodyPr/>
+                    <a:lstStyle/>
+                    <a:p>
+                      <a:endParaRPr lang="zh-CN" altLang="en-US"/>
+                    </a:p>
+                  </a:txBody>
+                  <a:tcPr/>
+                </a:tc>
+                <a:tc>
+                  <a:txBody>
+                    <a:bodyPr/>
+                    <a:lstStyle/>
+                    <a:p>
+                      <a:endParaRPr lang="zh-CN" altLang="en-US" dirty="0"/>
+                    </a:p>
+                  </a:txBody>
+                  <a:tcPr/>
+                </a:tc>
+                <a:tc>
+                  <a:txBody>
+                    <a:bodyPr/>
+                    <a:lstStyle/>
+                    <a:p>
+                      <a:endParaRPr lang="zh-CN" altLang="en-US" dirty="0"/>
+                    </a:p>
+                  </a:txBody>
+                  <a:tcPr/>
+                </a:tc>
+                <a:extLst>
+                  <a:ext uri="{0D108BD9-81ED-4DB2-BD59-A6C34878D82A}">
+                    <a16:rowId xmlns:a16="http://schemas.microsoft.com/office/drawing/2014/main" val="159218908"/>
+                  </a:ext>
+                </a:extLst>
+              </a:tr>
+            </a:tbl>
+          </a:graphicData>
+        </a:graphic>
+      </p:graphicFrame>
+    </p:spTree>
+    <p:extLst>
+      <p:ext uri="{BB962C8B-B14F-4D97-AF65-F5344CB8AC3E}">
+        <p14:creationId xmlns:p14="http://schemas.microsoft.com/office/powerpoint/2010/main" val="3489456272"/>
+      </p:ext>
+    </p:extLst>
+  </p:cSld>
+  <p:clrMapOvr>
+    <a:masterClrMapping/>
+  </p:clrMapOvr>
+</p:sld>
+</file>
+
+<file path=ppt/slides/slide12.xml><?xml version="1.0" encoding="utf-8"?>
+<p:sld xmlns:a="http://schemas.openxmlformats.org/drawingml/2006/main" xmlns:r="http://schemas.openxmlformats.org/officeDocument/2006/relationships" xmlns:p="http://schemas.openxmlformats.org/presentationml/2006/main">
+  <p:cSld>
+    <p:spTree>
+      <p:nvGrpSpPr>
+        <p:cNvPr id="1" name=""/>
+        <p:cNvGrpSpPr/>
+        <p:nvPr/>
+      </p:nvGrpSpPr>
+      <p:grpSpPr>
+        <a:xfrm>
+          <a:off x="0" y="0"/>
+          <a:ext cx="0" cy="0"/>
+          <a:chOff x="0" y="0"/>
+          <a:chExt cx="0" cy="0"/>
+        </a:xfrm>
+      </p:grpSpPr>
+      <p:pic>
+        <p:nvPicPr>
+          <p:cNvPr id="4" name="图片 3"/>
+          <p:cNvPicPr>
+            <a:picLocks noChangeAspect="1"/>
+          </p:cNvPicPr>
+          <p:nvPr/>
+        </p:nvPicPr>
+        <p:blipFill>
+          <a:blip r:embed="rId2"/>
+          <a:stretch>
+            <a:fillRect/>
+          </a:stretch>
+        </p:blipFill>
+        <p:spPr>
+          <a:xfrm>
+            <a:off x="2741734" y="725366"/>
+            <a:ext cx="2977661" cy="1875926"/>
+          </a:xfrm>
+          <a:prstGeom prst="rect">
+            <a:avLst/>
+          </a:prstGeom>
+        </p:spPr>
+      </p:pic>
+      <p:graphicFrame>
+        <p:nvGraphicFramePr>
+          <p:cNvPr id="6" name="表格 5"/>
+          <p:cNvGraphicFramePr>
+            <a:graphicFrameLocks noGrp="1"/>
+          </p:cNvGraphicFramePr>
+          <p:nvPr>
+            <p:extLst>
+              <p:ext uri="{D42A27DB-BD31-4B8C-83A1-F6EECF244321}">
+                <p14:modId xmlns:p14="http://schemas.microsoft.com/office/powerpoint/2010/main" val="3147734451"/>
+              </p:ext>
+            </p:extLst>
+          </p:nvPr>
+        </p:nvGraphicFramePr>
+        <p:xfrm>
+          <a:off x="1182565" y="3357685"/>
+          <a:ext cx="6096000" cy="1483360"/>
+        </p:xfrm>
+        <a:graphic>
+          <a:graphicData uri="http://schemas.openxmlformats.org/drawingml/2006/table">
+            <a:tbl>
+              <a:tblPr firstRow="1" bandRow="1">
+                <a:tableStyleId>{5940675A-B579-460E-94D1-54222C63F5DA}</a:tableStyleId>
+              </a:tblPr>
+              <a:tblGrid>
+                <a:gridCol w="381000">
+                  <a:extLst>
+                    <a:ext uri="{9D8B030D-6E8A-4147-A177-3AD203B41FA5}">
+                      <a16:colId xmlns:a16="http://schemas.microsoft.com/office/drawing/2014/main" val="3326436586"/>
+                    </a:ext>
+                  </a:extLst>
+                </a:gridCol>
+                <a:gridCol w="381000">
+                  <a:extLst>
+                    <a:ext uri="{9D8B030D-6E8A-4147-A177-3AD203B41FA5}">
+                      <a16:colId xmlns:a16="http://schemas.microsoft.com/office/drawing/2014/main" val="3415592755"/>
+                    </a:ext>
+                  </a:extLst>
+                </a:gridCol>
+                <a:gridCol w="381000">
+                  <a:extLst>
+                    <a:ext uri="{9D8B030D-6E8A-4147-A177-3AD203B41FA5}">
+                      <a16:colId xmlns:a16="http://schemas.microsoft.com/office/drawing/2014/main" val="224668372"/>
+                    </a:ext>
+                  </a:extLst>
+                </a:gridCol>
+                <a:gridCol w="381000">
+                  <a:extLst>
+                    <a:ext uri="{9D8B030D-6E8A-4147-A177-3AD203B41FA5}">
+                      <a16:colId xmlns:a16="http://schemas.microsoft.com/office/drawing/2014/main" val="420308638"/>
+                    </a:ext>
+                  </a:extLst>
+                </a:gridCol>
+                <a:gridCol w="381000">
+                  <a:extLst>
+                    <a:ext uri="{9D8B030D-6E8A-4147-A177-3AD203B41FA5}">
+                      <a16:colId xmlns:a16="http://schemas.microsoft.com/office/drawing/2014/main" val="1124668761"/>
+                    </a:ext>
+                  </a:extLst>
+                </a:gridCol>
+                <a:gridCol w="381000">
+                  <a:extLst>
+                    <a:ext uri="{9D8B030D-6E8A-4147-A177-3AD203B41FA5}">
+                      <a16:colId xmlns:a16="http://schemas.microsoft.com/office/drawing/2014/main" val="807378869"/>
+                    </a:ext>
+                  </a:extLst>
+                </a:gridCol>
+                <a:gridCol w="381000">
+                  <a:extLst>
+                    <a:ext uri="{9D8B030D-6E8A-4147-A177-3AD203B41FA5}">
+                      <a16:colId xmlns:a16="http://schemas.microsoft.com/office/drawing/2014/main" val="2604609918"/>
+                    </a:ext>
+                  </a:extLst>
+                </a:gridCol>
+                <a:gridCol w="381000">
+                  <a:extLst>
+                    <a:ext uri="{9D8B030D-6E8A-4147-A177-3AD203B41FA5}">
+                      <a16:colId xmlns:a16="http://schemas.microsoft.com/office/drawing/2014/main" val="3905063236"/>
+                    </a:ext>
+                  </a:extLst>
+                </a:gridCol>
+                <a:gridCol w="381000">
+                  <a:extLst>
+                    <a:ext uri="{9D8B030D-6E8A-4147-A177-3AD203B41FA5}">
+                      <a16:colId xmlns:a16="http://schemas.microsoft.com/office/drawing/2014/main" val="2164024708"/>
+                    </a:ext>
+                  </a:extLst>
+                </a:gridCol>
+                <a:gridCol w="381000">
+                  <a:extLst>
+                    <a:ext uri="{9D8B030D-6E8A-4147-A177-3AD203B41FA5}">
+                      <a16:colId xmlns:a16="http://schemas.microsoft.com/office/drawing/2014/main" val="734595723"/>
+                    </a:ext>
+                  </a:extLst>
+                </a:gridCol>
+                <a:gridCol w="381000">
+                  <a:extLst>
+                    <a:ext uri="{9D8B030D-6E8A-4147-A177-3AD203B41FA5}">
+                      <a16:colId xmlns:a16="http://schemas.microsoft.com/office/drawing/2014/main" val="1934654312"/>
+                    </a:ext>
+                  </a:extLst>
+                </a:gridCol>
+                <a:gridCol w="381000">
+                  <a:extLst>
+                    <a:ext uri="{9D8B030D-6E8A-4147-A177-3AD203B41FA5}">
+                      <a16:colId xmlns:a16="http://schemas.microsoft.com/office/drawing/2014/main" val="1820847844"/>
+                    </a:ext>
+                  </a:extLst>
+                </a:gridCol>
+                <a:gridCol w="381000">
+                  <a:extLst>
+                    <a:ext uri="{9D8B030D-6E8A-4147-A177-3AD203B41FA5}">
+                      <a16:colId xmlns:a16="http://schemas.microsoft.com/office/drawing/2014/main" val="2688569436"/>
+                    </a:ext>
+                  </a:extLst>
+                </a:gridCol>
+                <a:gridCol w="381000">
+                  <a:extLst>
+                    <a:ext uri="{9D8B030D-6E8A-4147-A177-3AD203B41FA5}">
+                      <a16:colId xmlns:a16="http://schemas.microsoft.com/office/drawing/2014/main" val="1296625568"/>
+                    </a:ext>
+                  </a:extLst>
+                </a:gridCol>
+                <a:gridCol w="381000">
+                  <a:extLst>
+                    <a:ext uri="{9D8B030D-6E8A-4147-A177-3AD203B41FA5}">
+                      <a16:colId xmlns:a16="http://schemas.microsoft.com/office/drawing/2014/main" val="538592751"/>
+                    </a:ext>
+                  </a:extLst>
+                </a:gridCol>
+                <a:gridCol w="381000">
+                  <a:extLst>
+                    <a:ext uri="{9D8B030D-6E8A-4147-A177-3AD203B41FA5}">
+                      <a16:colId xmlns:a16="http://schemas.microsoft.com/office/drawing/2014/main" val="3008096151"/>
+                    </a:ext>
+                  </a:extLst>
+                </a:gridCol>
+              </a:tblGrid>
+              <a:tr h="370840">
+                <a:tc>
+                  <a:txBody>
+                    <a:bodyPr/>
+                    <a:lstStyle/>
+                    <a:p>
+                      <a:endParaRPr lang="zh-CN" altLang="en-US" dirty="0"/>
+                    </a:p>
+                  </a:txBody>
+                  <a:tcPr/>
+                </a:tc>
+                <a:tc>
+                  <a:txBody>
+                    <a:bodyPr/>
+                    <a:lstStyle/>
+                    <a:p>
+                      <a:endParaRPr lang="zh-CN" altLang="en-US" dirty="0"/>
+                    </a:p>
+                  </a:txBody>
+                  <a:tcPr>
+                    <a:solidFill>
+                      <a:schemeClr val="accent2">
+                        <a:lumMod val="75000"/>
+                      </a:schemeClr>
+                    </a:solidFill>
+                  </a:tcPr>
+                </a:tc>
+                <a:tc>
+                  <a:txBody>
+                    <a:bodyPr/>
+                    <a:lstStyle/>
+                    <a:p>
+                      <a:endParaRPr lang="zh-CN" altLang="en-US"/>
+                    </a:p>
+                  </a:txBody>
+                  <a:tcPr/>
+                </a:tc>
+                <a:tc>
+                  <a:txBody>
+                    <a:bodyPr/>
+                    <a:lstStyle/>
+                    <a:p>
+                      <a:endParaRPr lang="zh-CN" altLang="en-US"/>
+                    </a:p>
+                  </a:txBody>
+                  <a:tcPr/>
+                </a:tc>
+                <a:tc>
+                  <a:txBody>
+                    <a:bodyPr/>
+                    <a:lstStyle/>
+                    <a:p>
+                      <a:endParaRPr lang="zh-CN" altLang="en-US"/>
+                    </a:p>
+                  </a:txBody>
+                  <a:tcPr/>
+                </a:tc>
+                <a:tc>
+                  <a:txBody>
+                    <a:bodyPr/>
+                    <a:lstStyle/>
+                    <a:p>
+                      <a:endParaRPr lang="zh-CN" altLang="en-US"/>
+                    </a:p>
+                  </a:txBody>
+                  <a:tcPr/>
+                </a:tc>
+                <a:tc>
+                  <a:txBody>
+                    <a:bodyPr/>
+                    <a:lstStyle/>
+                    <a:p>
+                      <a:endParaRPr lang="zh-CN" altLang="en-US"/>
+                    </a:p>
+                  </a:txBody>
+                  <a:tcPr/>
+                </a:tc>
+                <a:tc>
+                  <a:txBody>
+                    <a:bodyPr/>
+                    <a:lstStyle/>
+                    <a:p>
+                      <a:endParaRPr lang="zh-CN" altLang="en-US"/>
+                    </a:p>
+                  </a:txBody>
+                  <a:tcPr/>
+                </a:tc>
+                <a:tc>
+                  <a:txBody>
+                    <a:bodyPr/>
+                    <a:lstStyle/>
+                    <a:p>
+                      <a:endParaRPr lang="zh-CN" altLang="en-US"/>
+                    </a:p>
+                  </a:txBody>
+                  <a:tcPr/>
+                </a:tc>
+                <a:tc>
+                  <a:txBody>
+                    <a:bodyPr/>
+                    <a:lstStyle/>
+                    <a:p>
+                      <a:endParaRPr lang="zh-CN" altLang="en-US"/>
+                    </a:p>
+                  </a:txBody>
+                  <a:tcPr/>
+                </a:tc>
+                <a:tc>
+                  <a:txBody>
+                    <a:bodyPr/>
+                    <a:lstStyle/>
+                    <a:p>
+                      <a:endParaRPr lang="zh-CN" altLang="en-US"/>
+                    </a:p>
+                  </a:txBody>
+                  <a:tcPr/>
+                </a:tc>
+                <a:tc>
+                  <a:txBody>
+                    <a:bodyPr/>
+                    <a:lstStyle/>
+                    <a:p>
+                      <a:endParaRPr lang="zh-CN" altLang="en-US"/>
+                    </a:p>
+                  </a:txBody>
+                  <a:tcPr/>
+                </a:tc>
+                <a:tc>
+                  <a:txBody>
+                    <a:bodyPr/>
+                    <a:lstStyle/>
+                    <a:p>
+                      <a:endParaRPr lang="zh-CN" altLang="en-US"/>
+                    </a:p>
+                  </a:txBody>
+                  <a:tcPr/>
+                </a:tc>
+                <a:tc>
+                  <a:txBody>
+                    <a:bodyPr/>
+                    <a:lstStyle/>
+                    <a:p>
+                      <a:endParaRPr lang="zh-CN" altLang="en-US"/>
+                    </a:p>
+                  </a:txBody>
+                  <a:tcPr/>
+                </a:tc>
+                <a:tc>
+                  <a:txBody>
+                    <a:bodyPr/>
+                    <a:lstStyle/>
+                    <a:p>
+                      <a:endParaRPr lang="zh-CN" altLang="en-US"/>
+                    </a:p>
+                  </a:txBody>
+                  <a:tcPr/>
+                </a:tc>
+                <a:tc>
+                  <a:txBody>
+                    <a:bodyPr/>
+                    <a:lstStyle/>
+                    <a:p>
+                      <a:endParaRPr lang="zh-CN" altLang="en-US"/>
+                    </a:p>
+                  </a:txBody>
+                  <a:tcPr/>
+                </a:tc>
+                <a:extLst>
+                  <a:ext uri="{0D108BD9-81ED-4DB2-BD59-A6C34878D82A}">
+                    <a16:rowId xmlns:a16="http://schemas.microsoft.com/office/drawing/2014/main" val="2900835005"/>
+                  </a:ext>
+                </a:extLst>
+              </a:tr>
+              <a:tr h="370840">
+                <a:tc>
+                  <a:txBody>
+                    <a:bodyPr/>
+                    <a:lstStyle/>
+                    <a:p>
+                      <a:endParaRPr lang="zh-CN" altLang="en-US"/>
+                    </a:p>
+                  </a:txBody>
+                  <a:tcPr/>
+                </a:tc>
+                <a:tc>
+                  <a:txBody>
+                    <a:bodyPr/>
+                    <a:lstStyle/>
+                    <a:p>
+                      <a:endParaRPr lang="zh-CN" altLang="en-US"/>
+                    </a:p>
+                  </a:txBody>
+                  <a:tcPr/>
+                </a:tc>
+                <a:tc>
+                  <a:txBody>
+                    <a:bodyPr/>
+                    <a:lstStyle/>
+                    <a:p>
+                      <a:endParaRPr lang="zh-CN" altLang="en-US"/>
+                    </a:p>
+                  </a:txBody>
+                  <a:tcPr/>
+                </a:tc>
+                <a:tc>
+                  <a:txBody>
+                    <a:bodyPr/>
+                    <a:lstStyle/>
+                    <a:p>
+                      <a:endParaRPr lang="zh-CN" altLang="en-US"/>
+                    </a:p>
+                  </a:txBody>
+                  <a:tcPr/>
+                </a:tc>
+                <a:tc>
+                  <a:txBody>
+                    <a:bodyPr/>
+                    <a:lstStyle/>
+                    <a:p>
+                      <a:endParaRPr lang="zh-CN" altLang="en-US" dirty="0"/>
+                    </a:p>
+                  </a:txBody>
+                  <a:tcPr>
+                    <a:solidFill>
+                      <a:srgbClr val="FFC000"/>
+                    </a:solidFill>
+                  </a:tcPr>
+                </a:tc>
+                <a:tc>
+                  <a:txBody>
+                    <a:bodyPr/>
+                    <a:lstStyle/>
+                    <a:p>
+                      <a:endParaRPr lang="zh-CN" altLang="en-US"/>
+                    </a:p>
+                  </a:txBody>
+                  <a:tcPr/>
+                </a:tc>
+                <a:tc>
+                  <a:txBody>
+                    <a:bodyPr/>
+                    <a:lstStyle/>
+                    <a:p>
+                      <a:endParaRPr lang="zh-CN" altLang="en-US"/>
+                    </a:p>
+                  </a:txBody>
+                  <a:tcPr/>
+                </a:tc>
+                <a:tc>
+                  <a:txBody>
+                    <a:bodyPr/>
+                    <a:lstStyle/>
+                    <a:p>
+                      <a:endParaRPr lang="zh-CN" altLang="en-US"/>
+                    </a:p>
+                  </a:txBody>
+                  <a:tcPr/>
+                </a:tc>
+                <a:tc>
+                  <a:txBody>
+                    <a:bodyPr/>
+                    <a:lstStyle/>
+                    <a:p>
+                      <a:endParaRPr lang="zh-CN" altLang="en-US"/>
+                    </a:p>
+                  </a:txBody>
+                  <a:tcPr/>
+                </a:tc>
+                <a:tc>
+                  <a:txBody>
+                    <a:bodyPr/>
+                    <a:lstStyle/>
+                    <a:p>
+                      <a:endParaRPr lang="zh-CN" altLang="en-US"/>
+                    </a:p>
+                  </a:txBody>
+                  <a:tcPr/>
+                </a:tc>
+                <a:tc>
+                  <a:txBody>
+                    <a:bodyPr/>
+                    <a:lstStyle/>
+                    <a:p>
+                      <a:endParaRPr lang="zh-CN" altLang="en-US"/>
+                    </a:p>
+                  </a:txBody>
+                  <a:tcPr/>
+                </a:tc>
+                <a:tc>
+                  <a:txBody>
+                    <a:bodyPr/>
+                    <a:lstStyle/>
+                    <a:p>
+                      <a:endParaRPr lang="zh-CN" altLang="en-US"/>
+                    </a:p>
+                  </a:txBody>
+                  <a:tcPr/>
+                </a:tc>
+                <a:tc>
+                  <a:txBody>
+                    <a:bodyPr/>
+                    <a:lstStyle/>
+                    <a:p>
+                      <a:endParaRPr lang="zh-CN" altLang="en-US"/>
+                    </a:p>
+                  </a:txBody>
+                  <a:tcPr/>
+                </a:tc>
+                <a:tc>
+                  <a:txBody>
+                    <a:bodyPr/>
+                    <a:lstStyle/>
+                    <a:p>
+                      <a:endParaRPr lang="zh-CN" altLang="en-US"/>
+                    </a:p>
+                  </a:txBody>
+                  <a:tcPr/>
+                </a:tc>
+                <a:tc>
+                  <a:txBody>
+                    <a:bodyPr/>
+                    <a:lstStyle/>
+                    <a:p>
+                      <a:endParaRPr lang="zh-CN" altLang="en-US"/>
+                    </a:p>
+                  </a:txBody>
+                  <a:tcPr/>
+                </a:tc>
+                <a:tc>
+                  <a:txBody>
+                    <a:bodyPr/>
+                    <a:lstStyle/>
+                    <a:p>
+                      <a:endParaRPr lang="zh-CN" altLang="en-US"/>
+                    </a:p>
+                  </a:txBody>
+                  <a:tcPr/>
+                </a:tc>
+                <a:extLst>
+                  <a:ext uri="{0D108BD9-81ED-4DB2-BD59-A6C34878D82A}">
+                    <a16:rowId xmlns:a16="http://schemas.microsoft.com/office/drawing/2014/main" val="2693269682"/>
+                  </a:ext>
+                </a:extLst>
+              </a:tr>
+              <a:tr h="370840">
+                <a:tc>
+                  <a:txBody>
+                    <a:bodyPr/>
+                    <a:lstStyle/>
+                    <a:p>
+                      <a:endParaRPr lang="zh-CN" altLang="en-US"/>
+                    </a:p>
+                  </a:txBody>
+                  <a:tcPr/>
+                </a:tc>
+                <a:tc>
+                  <a:txBody>
+                    <a:bodyPr/>
+                    <a:lstStyle/>
+                    <a:p>
+                      <a:endParaRPr lang="zh-CN" altLang="en-US"/>
+                    </a:p>
+                  </a:txBody>
+                  <a:tcPr/>
+                </a:tc>
+                <a:tc>
+                  <a:txBody>
+                    <a:bodyPr/>
+                    <a:lstStyle/>
+                    <a:p>
+                      <a:endParaRPr lang="zh-CN" altLang="en-US"/>
+                    </a:p>
+                  </a:txBody>
+                  <a:tcPr/>
+                </a:tc>
+                <a:tc>
+                  <a:txBody>
+                    <a:bodyPr/>
+                    <a:lstStyle/>
+                    <a:p>
+                      <a:endParaRPr lang="zh-CN" altLang="en-US"/>
+                    </a:p>
+                  </a:txBody>
+                  <a:tcPr/>
+                </a:tc>
+                <a:tc>
+                  <a:txBody>
+                    <a:bodyPr/>
+                    <a:lstStyle/>
+                    <a:p>
+                      <a:endParaRPr lang="zh-CN" altLang="en-US"/>
+                    </a:p>
+                  </a:txBody>
+                  <a:tcPr/>
+                </a:tc>
+                <a:tc>
+                  <a:txBody>
+                    <a:bodyPr/>
+                    <a:lstStyle/>
+                    <a:p>
+                      <a:endParaRPr lang="zh-CN" altLang="en-US"/>
+                    </a:p>
+                  </a:txBody>
+                  <a:tcPr/>
+                </a:tc>
+                <a:tc>
+                  <a:txBody>
+                    <a:bodyPr/>
+                    <a:lstStyle/>
+                    <a:p>
+                      <a:endParaRPr lang="zh-CN" altLang="en-US"/>
+                    </a:p>
+                  </a:txBody>
+                  <a:tcPr/>
+                </a:tc>
+                <a:tc>
+                  <a:txBody>
+                    <a:bodyPr/>
+                    <a:lstStyle/>
+                    <a:p>
+                      <a:endParaRPr lang="zh-CN" altLang="en-US"/>
+                    </a:p>
+                  </a:txBody>
+                  <a:tcPr/>
+                </a:tc>
+                <a:tc>
+                  <a:txBody>
+                    <a:bodyPr/>
+                    <a:lstStyle/>
+                    <a:p>
+                      <a:endParaRPr lang="zh-CN" altLang="en-US" dirty="0"/>
+                    </a:p>
+                  </a:txBody>
+                  <a:tcPr>
+                    <a:solidFill>
+                      <a:schemeClr val="accent1">
+                        <a:lumMod val="75000"/>
+                      </a:schemeClr>
+                    </a:solidFill>
+                  </a:tcPr>
+                </a:tc>
+                <a:tc>
+                  <a:txBody>
+                    <a:bodyPr/>
+                    <a:lstStyle/>
+                    <a:p>
+                      <a:endParaRPr lang="zh-CN" altLang="en-US"/>
+                    </a:p>
+                  </a:txBody>
+                  <a:tcPr/>
+                </a:tc>
+                <a:tc>
+                  <a:txBody>
+                    <a:bodyPr/>
+                    <a:lstStyle/>
+                    <a:p>
+                      <a:endParaRPr lang="zh-CN" altLang="en-US"/>
+                    </a:p>
+                  </a:txBody>
+                  <a:tcPr/>
+                </a:tc>
+                <a:tc>
+                  <a:txBody>
+                    <a:bodyPr/>
+                    <a:lstStyle/>
+                    <a:p>
+                      <a:endParaRPr lang="zh-CN" altLang="en-US"/>
+                    </a:p>
+                  </a:txBody>
+                  <a:tcPr/>
+                </a:tc>
+                <a:tc>
+                  <a:txBody>
+                    <a:bodyPr/>
+                    <a:lstStyle/>
+                    <a:p>
+                      <a:endParaRPr lang="zh-CN" altLang="en-US"/>
+                    </a:p>
+                  </a:txBody>
+                  <a:tcPr/>
+                </a:tc>
+                <a:tc>
+                  <a:txBody>
+                    <a:bodyPr/>
+                    <a:lstStyle/>
+                    <a:p>
+                      <a:endParaRPr lang="zh-CN" altLang="en-US"/>
+                    </a:p>
+                  </a:txBody>
+                  <a:tcPr/>
+                </a:tc>
+                <a:tc>
+                  <a:txBody>
+                    <a:bodyPr/>
+                    <a:lstStyle/>
+                    <a:p>
+                      <a:endParaRPr lang="zh-CN" altLang="en-US"/>
+                    </a:p>
+                  </a:txBody>
+                  <a:tcPr/>
+                </a:tc>
+                <a:tc>
+                  <a:txBody>
+                    <a:bodyPr/>
+                    <a:lstStyle/>
+                    <a:p>
+                      <a:endParaRPr lang="zh-CN" altLang="en-US"/>
+                    </a:p>
+                  </a:txBody>
+                  <a:tcPr/>
+                </a:tc>
+                <a:extLst>
+                  <a:ext uri="{0D108BD9-81ED-4DB2-BD59-A6C34878D82A}">
+                    <a16:rowId xmlns:a16="http://schemas.microsoft.com/office/drawing/2014/main" val="2034579743"/>
+                  </a:ext>
+                </a:extLst>
+              </a:tr>
+              <a:tr h="370840">
+                <a:tc>
+                  <a:txBody>
+                    <a:bodyPr/>
+                    <a:lstStyle/>
+                    <a:p>
+                      <a:endParaRPr lang="zh-CN" altLang="en-US"/>
+                    </a:p>
+                  </a:txBody>
+                  <a:tcPr/>
+                </a:tc>
+                <a:tc>
+                  <a:txBody>
+                    <a:bodyPr/>
+                    <a:lstStyle/>
+                    <a:p>
+                      <a:endParaRPr lang="zh-CN" altLang="en-US"/>
+                    </a:p>
+                  </a:txBody>
+                  <a:tcPr/>
+                </a:tc>
+                <a:tc>
+                  <a:txBody>
+                    <a:bodyPr/>
+                    <a:lstStyle/>
+                    <a:p>
+                      <a:endParaRPr lang="zh-CN" altLang="en-US"/>
+                    </a:p>
+                  </a:txBody>
+                  <a:tcPr/>
+                </a:tc>
+                <a:tc>
+                  <a:txBody>
+                    <a:bodyPr/>
+                    <a:lstStyle/>
+                    <a:p>
+                      <a:endParaRPr lang="zh-CN" altLang="en-US"/>
+                    </a:p>
+                  </a:txBody>
+                  <a:tcPr/>
+                </a:tc>
+                <a:tc>
+                  <a:txBody>
+                    <a:bodyPr/>
+                    <a:lstStyle/>
+                    <a:p>
+                      <a:endParaRPr lang="zh-CN" altLang="en-US"/>
+                    </a:p>
+                  </a:txBody>
+                  <a:tcPr/>
+                </a:tc>
+                <a:tc>
+                  <a:txBody>
+                    <a:bodyPr/>
+                    <a:lstStyle/>
+                    <a:p>
+                      <a:endParaRPr lang="zh-CN" altLang="en-US"/>
+                    </a:p>
+                  </a:txBody>
+                  <a:tcPr/>
+                </a:tc>
+                <a:tc>
+                  <a:txBody>
+                    <a:bodyPr/>
+                    <a:lstStyle/>
+                    <a:p>
+                      <a:endParaRPr lang="zh-CN" altLang="en-US"/>
+                    </a:p>
+                  </a:txBody>
+                  <a:tcPr/>
+                </a:tc>
+                <a:tc>
+                  <a:txBody>
+                    <a:bodyPr/>
+                    <a:lstStyle/>
+                    <a:p>
+                      <a:endParaRPr lang="zh-CN" altLang="en-US"/>
+                    </a:p>
+                  </a:txBody>
+                  <a:tcPr/>
+                </a:tc>
+                <a:tc>
+                  <a:txBody>
+                    <a:bodyPr/>
+                    <a:lstStyle/>
+                    <a:p>
+                      <a:endParaRPr lang="zh-CN" altLang="en-US"/>
+                    </a:p>
+                  </a:txBody>
+                  <a:tcPr/>
+                </a:tc>
+                <a:tc>
+                  <a:txBody>
+                    <a:bodyPr/>
+                    <a:lstStyle/>
+                    <a:p>
+                      <a:endParaRPr lang="zh-CN" altLang="en-US"/>
+                    </a:p>
+                  </a:txBody>
+                  <a:tcPr/>
+                </a:tc>
+                <a:tc>
+                  <a:txBody>
+                    <a:bodyPr/>
+                    <a:lstStyle/>
+                    <a:p>
+                      <a:endParaRPr lang="zh-CN" altLang="en-US"/>
+                    </a:p>
+                  </a:txBody>
+                  <a:tcPr/>
+                </a:tc>
+                <a:tc>
+                  <a:txBody>
+                    <a:bodyPr/>
+                    <a:lstStyle/>
+                    <a:p>
+                      <a:endParaRPr lang="zh-CN" altLang="en-US"/>
+                    </a:p>
+                  </a:txBody>
+                  <a:tcPr/>
+                </a:tc>
+                <a:tc>
+                  <a:txBody>
+                    <a:bodyPr/>
+                    <a:lstStyle/>
+                    <a:p>
+                      <a:endParaRPr lang="zh-CN" altLang="en-US"/>
+                    </a:p>
+                  </a:txBody>
+                  <a:tcPr/>
+                </a:tc>
+                <a:tc>
+                  <a:txBody>
+                    <a:bodyPr/>
+                    <a:lstStyle/>
+                    <a:p>
+                      <a:endParaRPr lang="zh-CN" altLang="en-US"/>
+                    </a:p>
+                  </a:txBody>
+                  <a:tcPr/>
+                </a:tc>
+                <a:tc>
+                  <a:txBody>
+                    <a:bodyPr/>
+                    <a:lstStyle/>
+                    <a:p>
+                      <a:endParaRPr lang="zh-CN" altLang="en-US"/>
+                    </a:p>
+                  </a:txBody>
+                  <a:tcPr/>
+                </a:tc>
+                <a:tc>
+                  <a:txBody>
+                    <a:bodyPr/>
+                    <a:lstStyle/>
+                    <a:p>
+                      <a:endParaRPr lang="zh-CN" altLang="en-US" dirty="0"/>
+                    </a:p>
+                  </a:txBody>
+                  <a:tcPr/>
+                </a:tc>
+                <a:extLst>
+                  <a:ext uri="{0D108BD9-81ED-4DB2-BD59-A6C34878D82A}">
+                    <a16:rowId xmlns:a16="http://schemas.microsoft.com/office/drawing/2014/main" val="4036535158"/>
+                  </a:ext>
+                </a:extLst>
+              </a:tr>
+            </a:tbl>
+          </a:graphicData>
+        </a:graphic>
+      </p:graphicFrame>
+      <p:sp>
+        <p:nvSpPr>
+          <p:cNvPr id="7" name="文本框 6"/>
+          <p:cNvSpPr txBox="1"/>
+          <p:nvPr/>
+        </p:nvSpPr>
+        <p:spPr>
+          <a:xfrm>
+            <a:off x="193431" y="3914699"/>
+            <a:ext cx="896815" cy="369332"/>
+          </a:xfrm>
+          <a:prstGeom prst="rect">
+            <a:avLst/>
+          </a:prstGeom>
+          <a:noFill/>
+        </p:spPr>
+        <p:txBody>
+          <a:bodyPr wrap="square" rtlCol="0">
+            <a:spAutoFit/>
+          </a:bodyPr>
+          <a:lstStyle/>
+          <a:p>
+            <a:pPr algn="ctr"/>
+            <a:r>
+              <a:rPr lang="zh-CN" altLang="en-US" dirty="0" smtClean="0"/>
+              <a:t>内存块</a:t>
+            </a:r>
+            <a:endParaRPr lang="zh-CN" altLang="en-US" dirty="0"/>
+          </a:p>
+        </p:txBody>
+      </p:sp>
+      <p:cxnSp>
+        <p:nvCxnSpPr>
+          <p:cNvPr id="9" name="曲线连接符 8"/>
+          <p:cNvCxnSpPr/>
+          <p:nvPr/>
+        </p:nvCxnSpPr>
+        <p:spPr>
+          <a:xfrm rot="5400000">
+            <a:off x="1447614" y="1939007"/>
+            <a:ext cx="1694356" cy="1143000"/>
+          </a:xfrm>
+          <a:prstGeom prst="curvedConnector3">
+            <a:avLst>
+              <a:gd name="adj1" fmla="val -4486"/>
+            </a:avLst>
+          </a:prstGeom>
+          <a:ln>
+            <a:tailEnd type="triangle"/>
+          </a:ln>
+        </p:spPr>
+        <p:style>
+          <a:lnRef idx="3">
+            <a:schemeClr val="accent2"/>
+          </a:lnRef>
+          <a:fillRef idx="0">
+            <a:schemeClr val="accent2"/>
+          </a:fillRef>
+          <a:effectRef idx="2">
+            <a:schemeClr val="accent2"/>
+          </a:effectRef>
+          <a:fontRef idx="minor">
+            <a:schemeClr val="tx1"/>
+          </a:fontRef>
+        </p:style>
+      </p:cxnSp>
+      <p:cxnSp>
+        <p:nvCxnSpPr>
+          <p:cNvPr id="12" name="曲线连接符 11"/>
+          <p:cNvCxnSpPr/>
+          <p:nvPr/>
+        </p:nvCxnSpPr>
+        <p:spPr>
+          <a:xfrm rot="5400000">
+            <a:off x="2325565" y="2809142"/>
+            <a:ext cx="1485900" cy="404446"/>
+          </a:xfrm>
+          <a:prstGeom prst="curvedConnector3">
+            <a:avLst/>
+          </a:prstGeom>
+          <a:ln>
+            <a:tailEnd type="triangle"/>
+          </a:ln>
+        </p:spPr>
+        <p:style>
+          <a:lnRef idx="3">
+            <a:schemeClr val="accent4"/>
+          </a:lnRef>
+          <a:fillRef idx="0">
+            <a:schemeClr val="accent4"/>
+          </a:fillRef>
+          <a:effectRef idx="2">
+            <a:schemeClr val="accent4"/>
+          </a:effectRef>
+          <a:fontRef idx="minor">
+            <a:schemeClr val="tx1"/>
+          </a:fontRef>
+        </p:style>
+      </p:cxnSp>
+      <p:cxnSp>
+        <p:nvCxnSpPr>
+          <p:cNvPr id="13" name="曲线连接符 12"/>
+          <p:cNvCxnSpPr/>
+          <p:nvPr/>
+        </p:nvCxnSpPr>
+        <p:spPr>
+          <a:xfrm rot="5400000">
+            <a:off x="3636744" y="3186090"/>
+            <a:ext cx="1690271" cy="136280"/>
+          </a:xfrm>
+          <a:prstGeom prst="curvedConnector3">
+            <a:avLst/>
+          </a:prstGeom>
+          <a:ln>
+            <a:tailEnd type="triangle"/>
+          </a:ln>
+        </p:spPr>
+        <p:style>
+          <a:lnRef idx="3">
+            <a:schemeClr val="accent5"/>
+          </a:lnRef>
+          <a:fillRef idx="0">
+            <a:schemeClr val="accent5"/>
+          </a:fillRef>
+          <a:effectRef idx="2">
+            <a:schemeClr val="accent5"/>
+          </a:effectRef>
+          <a:fontRef idx="minor">
+            <a:schemeClr val="tx1"/>
+          </a:fontRef>
+        </p:style>
+      </p:cxnSp>
+      <p:sp>
+        <p:nvSpPr>
+          <p:cNvPr id="16" name="文本框 15"/>
+          <p:cNvSpPr txBox="1"/>
+          <p:nvPr/>
+        </p:nvSpPr>
+        <p:spPr>
+          <a:xfrm>
+            <a:off x="1784106" y="915801"/>
+            <a:ext cx="896815" cy="369332"/>
+          </a:xfrm>
+          <a:prstGeom prst="rect">
+            <a:avLst/>
+          </a:prstGeom>
+          <a:noFill/>
+        </p:spPr>
+        <p:txBody>
+          <a:bodyPr wrap="square" rtlCol="0">
+            <a:spAutoFit/>
+          </a:bodyPr>
+          <a:lstStyle/>
+          <a:p>
+            <a:pPr algn="ctr"/>
+            <a:r>
+              <a:rPr lang="zh-CN" altLang="en-US" dirty="0"/>
+              <a:t>键盘</a:t>
+            </a:r>
+          </a:p>
+        </p:txBody>
+      </p:sp>
+    </p:spTree>
+    <p:extLst>
+      <p:ext uri="{BB962C8B-B14F-4D97-AF65-F5344CB8AC3E}">
+        <p14:creationId xmlns:p14="http://schemas.microsoft.com/office/powerpoint/2010/main" val="2030867342"/>
       </p:ext>
     </p:extLst>
   </p:cSld>
@@ -43223,8 +46483,8 @@
           </a:p>
         </p:txBody>
       </p:sp>
-      <mc:AlternateContent xmlns:mc="http://schemas.openxmlformats.org/markup-compatibility/2006">
-        <mc:Choice xmlns:a14="http://schemas.microsoft.com/office/drawing/2010/main" Requires="a14">
+      <mc:AlternateContent xmlns:mc="http://schemas.openxmlformats.org/markup-compatibility/2006" xmlns:a14="http://schemas.microsoft.com/office/drawing/2010/main">
+        <mc:Choice Requires="a14">
           <p:sp>
             <p:nvSpPr>
               <p:cNvPr id="13" name="文本框 12"/>
@@ -43280,7 +46540,7 @@
             </p:txBody>
           </p:sp>
         </mc:Choice>
-        <mc:Fallback>
+        <mc:Fallback xmlns="">
           <p:sp>
             <p:nvSpPr>
               <p:cNvPr id="13" name="文本框 12"/>
